--- a/graftdist.pptx
+++ b/graftdist.pptx
@@ -7,7 +7,8 @@
   <p:sldIdLst>
     <p:sldId id="258" r:id="rId2"/>
     <p:sldId id="261" r:id="rId3"/>
-    <p:sldId id="262" r:id="rId4"/>
+    <p:sldId id="263" r:id="rId4"/>
+    <p:sldId id="262" r:id="rId5"/>
   </p:sldIdLst>
   <p:sldSz cx="12192000" cy="6858000"/>
   <p:notesSz cx="6858000" cy="9144000"/>
@@ -261,7 +262,7 @@
           <a:p>
             <a:fld id="{3FB972CA-75D3-464B-AB07-BF3EA83BD9C3}" type="datetimeFigureOut">
               <a:rPr lang="en-US" smtClean="0"/>
-              <a:t>7/26/2023</a:t>
+              <a:t>7/27/2023</a:t>
             </a:fld>
             <a:endParaRPr lang="en-US"/>
           </a:p>
@@ -459,7 +460,7 @@
           <a:p>
             <a:fld id="{3FB972CA-75D3-464B-AB07-BF3EA83BD9C3}" type="datetimeFigureOut">
               <a:rPr lang="en-US" smtClean="0"/>
-              <a:t>7/26/2023</a:t>
+              <a:t>7/27/2023</a:t>
             </a:fld>
             <a:endParaRPr lang="en-US"/>
           </a:p>
@@ -667,7 +668,7 @@
           <a:p>
             <a:fld id="{3FB972CA-75D3-464B-AB07-BF3EA83BD9C3}" type="datetimeFigureOut">
               <a:rPr lang="en-US" smtClean="0"/>
-              <a:t>7/26/2023</a:t>
+              <a:t>7/27/2023</a:t>
             </a:fld>
             <a:endParaRPr lang="en-US"/>
           </a:p>
@@ -865,7 +866,7 @@
           <a:p>
             <a:fld id="{3FB972CA-75D3-464B-AB07-BF3EA83BD9C3}" type="datetimeFigureOut">
               <a:rPr lang="en-US" smtClean="0"/>
-              <a:t>7/26/2023</a:t>
+              <a:t>7/27/2023</a:t>
             </a:fld>
             <a:endParaRPr lang="en-US"/>
           </a:p>
@@ -1140,7 +1141,7 @@
           <a:p>
             <a:fld id="{3FB972CA-75D3-464B-AB07-BF3EA83BD9C3}" type="datetimeFigureOut">
               <a:rPr lang="en-US" smtClean="0"/>
-              <a:t>7/26/2023</a:t>
+              <a:t>7/27/2023</a:t>
             </a:fld>
             <a:endParaRPr lang="en-US"/>
           </a:p>
@@ -1405,7 +1406,7 @@
           <a:p>
             <a:fld id="{3FB972CA-75D3-464B-AB07-BF3EA83BD9C3}" type="datetimeFigureOut">
               <a:rPr lang="en-US" smtClean="0"/>
-              <a:t>7/26/2023</a:t>
+              <a:t>7/27/2023</a:t>
             </a:fld>
             <a:endParaRPr lang="en-US"/>
           </a:p>
@@ -1817,7 +1818,7 @@
           <a:p>
             <a:fld id="{3FB972CA-75D3-464B-AB07-BF3EA83BD9C3}" type="datetimeFigureOut">
               <a:rPr lang="en-US" smtClean="0"/>
-              <a:t>7/26/2023</a:t>
+              <a:t>7/27/2023</a:t>
             </a:fld>
             <a:endParaRPr lang="en-US"/>
           </a:p>
@@ -1958,7 +1959,7 @@
           <a:p>
             <a:fld id="{3FB972CA-75D3-464B-AB07-BF3EA83BD9C3}" type="datetimeFigureOut">
               <a:rPr lang="en-US" smtClean="0"/>
-              <a:t>7/26/2023</a:t>
+              <a:t>7/27/2023</a:t>
             </a:fld>
             <a:endParaRPr lang="en-US"/>
           </a:p>
@@ -2071,7 +2072,7 @@
           <a:p>
             <a:fld id="{3FB972CA-75D3-464B-AB07-BF3EA83BD9C3}" type="datetimeFigureOut">
               <a:rPr lang="en-US" smtClean="0"/>
-              <a:t>7/26/2023</a:t>
+              <a:t>7/27/2023</a:t>
             </a:fld>
             <a:endParaRPr lang="en-US"/>
           </a:p>
@@ -2382,7 +2383,7 @@
           <a:p>
             <a:fld id="{3FB972CA-75D3-464B-AB07-BF3EA83BD9C3}" type="datetimeFigureOut">
               <a:rPr lang="en-US" smtClean="0"/>
-              <a:t>7/26/2023</a:t>
+              <a:t>7/27/2023</a:t>
             </a:fld>
             <a:endParaRPr lang="en-US"/>
           </a:p>
@@ -2670,7 +2671,7 @@
           <a:p>
             <a:fld id="{3FB972CA-75D3-464B-AB07-BF3EA83BD9C3}" type="datetimeFigureOut">
               <a:rPr lang="en-US" smtClean="0"/>
-              <a:t>7/26/2023</a:t>
+              <a:t>7/27/2023</a:t>
             </a:fld>
             <a:endParaRPr lang="en-US"/>
           </a:p>
@@ -2911,7 +2912,7 @@
           <a:p>
             <a:fld id="{3FB972CA-75D3-464B-AB07-BF3EA83BD9C3}" type="datetimeFigureOut">
               <a:rPr lang="en-US" smtClean="0"/>
-              <a:t>7/26/2023</a:t>
+              <a:t>7/27/2023</a:t>
             </a:fld>
             <a:endParaRPr lang="en-US"/>
           </a:p>
@@ -5523,2129 +5524,2108 @@
       </p:grpSpPr>
       <p:grpSp>
         <p:nvGrpSpPr>
-          <p:cNvPr id="6" name="Group 5">
-            <a:extLst>
-              <a:ext uri="{FF2B5EF4-FFF2-40B4-BE49-F238E27FC236}">
-                <a16:creationId xmlns:a16="http://schemas.microsoft.com/office/drawing/2014/main" id="{3CAA04A7-ED84-FB35-A6DD-E0DE1903A0DB}"/>
-              </a:ext>
-            </a:extLst>
-          </p:cNvPr>
-          <p:cNvGrpSpPr/>
+          <p:cNvPr id="9" name="Group 8">
+            <a:extLst>
+              <a:ext uri="{FF2B5EF4-FFF2-40B4-BE49-F238E27FC236}">
+                <a16:creationId xmlns:a16="http://schemas.microsoft.com/office/drawing/2014/main" id="{80F04F2E-123C-560A-85F0-D4B6D5D9BFE1}"/>
+              </a:ext>
+            </a:extLst>
+          </p:cNvPr>
+          <p:cNvGrpSpPr>
+            <a:grpSpLocks noChangeAspect="1"/>
+          </p:cNvGrpSpPr>
           <p:nvPr/>
         </p:nvGrpSpPr>
         <p:grpSpPr>
           <a:xfrm>
-            <a:off x="2118891" y="92335"/>
-            <a:ext cx="7122553" cy="6673329"/>
-            <a:chOff x="1945247" y="0"/>
-            <a:chExt cx="7630816" cy="7149536"/>
+            <a:off x="1887205" y="462825"/>
+            <a:ext cx="7500976" cy="5852160"/>
+            <a:chOff x="2067449" y="640102"/>
+            <a:chExt cx="7287396" cy="5685528"/>
           </a:xfrm>
         </p:grpSpPr>
-        <p:grpSp>
-          <p:nvGrpSpPr>
-            <p:cNvPr id="5" name="Group 4">
+        <p:pic>
+          <p:nvPicPr>
+            <p:cNvPr id="1026" name="Picture 2">
               <a:extLst>
                 <a:ext uri="{FF2B5EF4-FFF2-40B4-BE49-F238E27FC236}">
-                  <a16:creationId xmlns:a16="http://schemas.microsoft.com/office/drawing/2014/main" id="{03AAABC9-2BCC-C770-F243-252640596C96}"/>
+                  <a16:creationId xmlns:a16="http://schemas.microsoft.com/office/drawing/2014/main" id="{64AD04E3-4590-BD34-B35D-2CEB2CDADEE8}"/>
                 </a:ext>
               </a:extLst>
             </p:cNvPr>
-            <p:cNvGrpSpPr>
-              <a:grpSpLocks noChangeAspect="1"/>
-            </p:cNvGrpSpPr>
+            <p:cNvPicPr>
+              <a:picLocks noChangeAspect="1" noChangeArrowheads="1"/>
+            </p:cNvPicPr>
             <p:nvPr/>
-          </p:nvGrpSpPr>
-          <p:grpSpPr>
-            <a:xfrm>
-              <a:off x="1945247" y="217613"/>
-              <a:ext cx="7630816" cy="6931923"/>
-              <a:chOff x="1767713" y="245678"/>
-              <a:chExt cx="7740039" cy="7031141"/>
-            </a:xfrm>
-          </p:grpSpPr>
-          <p:pic>
-            <p:nvPicPr>
-              <p:cNvPr id="5124" name="Picture 4">
-                <a:extLst>
-                  <a:ext uri="{FF2B5EF4-FFF2-40B4-BE49-F238E27FC236}">
-                    <a16:creationId xmlns:a16="http://schemas.microsoft.com/office/drawing/2014/main" id="{54D455B1-DBF2-DD6C-8C22-48C82AD148FA}"/>
-                  </a:ext>
-                </a:extLst>
-              </p:cNvPr>
-              <p:cNvPicPr>
-                <a:picLocks noChangeAspect="1" noChangeArrowheads="1"/>
-              </p:cNvPicPr>
-              <p:nvPr/>
-            </p:nvPicPr>
-            <p:blipFill>
-              <a:blip r:embed="rId2">
-                <a:extLst>
-                  <a:ext uri="{28A0092B-C50C-407E-A947-70E740481C1C}">
-                    <a14:useLocalDpi xmlns:a14="http://schemas.microsoft.com/office/drawing/2010/main" val="0"/>
-                  </a:ext>
-                </a:extLst>
-              </a:blip>
-              <a:srcRect/>
-              <a:stretch>
-                <a:fillRect/>
-              </a:stretch>
-            </p:blipFill>
-            <p:spPr bwMode="auto">
-              <a:xfrm>
-                <a:off x="1777334" y="3322249"/>
-                <a:ext cx="4303254" cy="3954570"/>
-              </a:xfrm>
-              <a:prstGeom prst="rect">
-                <a:avLst/>
-              </a:prstGeom>
-              <a:noFill/>
+          </p:nvPicPr>
+          <p:blipFill>
+            <a:blip r:embed="rId2">
               <a:extLst>
-                <a:ext uri="{909E8E84-426E-40DD-AFC4-6F175D3DCCD1}">
-                  <a14:hiddenFill xmlns:a14="http://schemas.microsoft.com/office/drawing/2010/main">
-                    <a:solidFill>
-                      <a:srgbClr val="FFFFFF"/>
-                    </a:solidFill>
-                  </a14:hiddenFill>
+                <a:ext uri="{28A0092B-C50C-407E-A947-70E740481C1C}">
+                  <a14:useLocalDpi xmlns:a14="http://schemas.microsoft.com/office/drawing/2010/main" val="0"/>
                 </a:ext>
               </a:extLst>
-            </p:spPr>
-          </p:pic>
-          <p:pic>
-            <p:nvPicPr>
-              <p:cNvPr id="2" name="Picture 4">
-                <a:extLst>
-                  <a:ext uri="{FF2B5EF4-FFF2-40B4-BE49-F238E27FC236}">
-                    <a16:creationId xmlns:a16="http://schemas.microsoft.com/office/drawing/2014/main" id="{8247D18C-1232-4FFE-D02D-7C95657C2B73}"/>
-                  </a:ext>
-                </a:extLst>
-              </p:cNvPr>
-              <p:cNvPicPr>
-                <a:picLocks noChangeAspect="1" noChangeArrowheads="1"/>
-              </p:cNvPicPr>
-              <p:nvPr/>
-            </p:nvPicPr>
-            <p:blipFill rotWithShape="1">
-              <a:blip r:embed="rId2">
-                <a:extLst>
-                  <a:ext uri="{28A0092B-C50C-407E-A947-70E740481C1C}">
-                    <a14:useLocalDpi xmlns:a14="http://schemas.microsoft.com/office/drawing/2010/main" val="0"/>
-                  </a:ext>
-                </a:extLst>
-              </a:blip>
-              <a:srcRect l="14961"/>
-              <a:stretch/>
-            </p:blipFill>
-            <p:spPr bwMode="auto">
-              <a:xfrm>
-                <a:off x="5848291" y="3315245"/>
-                <a:ext cx="3659461" cy="3954570"/>
-              </a:xfrm>
-              <a:prstGeom prst="rect">
-                <a:avLst/>
-              </a:prstGeom>
-              <a:noFill/>
-              <a:extLst>
-                <a:ext uri="{909E8E84-426E-40DD-AFC4-6F175D3DCCD1}">
-                  <a14:hiddenFill xmlns:a14="http://schemas.microsoft.com/office/drawing/2010/main">
-                    <a:solidFill>
-                      <a:srgbClr val="FFFFFF"/>
-                    </a:solidFill>
-                  </a14:hiddenFill>
-                </a:ext>
-              </a:extLst>
-            </p:spPr>
-          </p:pic>
-          <p:pic>
-            <p:nvPicPr>
-              <p:cNvPr id="4" name="Picture 4">
-                <a:extLst>
-                  <a:ext uri="{FF2B5EF4-FFF2-40B4-BE49-F238E27FC236}">
-                    <a16:creationId xmlns:a16="http://schemas.microsoft.com/office/drawing/2014/main" id="{1188C49E-E233-3683-290E-A156A2929128}"/>
-                  </a:ext>
-                </a:extLst>
-              </p:cNvPr>
-              <p:cNvPicPr>
-                <a:picLocks noChangeAspect="1" noChangeArrowheads="1"/>
-              </p:cNvPicPr>
-              <p:nvPr/>
-            </p:nvPicPr>
-            <p:blipFill rotWithShape="1">
-              <a:blip r:embed="rId2">
-                <a:extLst>
-                  <a:ext uri="{28A0092B-C50C-407E-A947-70E740481C1C}">
-                    <a14:useLocalDpi xmlns:a14="http://schemas.microsoft.com/office/drawing/2010/main" val="0"/>
-                  </a:ext>
-                </a:extLst>
-              </a:blip>
-              <a:srcRect b="18314"/>
-              <a:stretch/>
-            </p:blipFill>
-            <p:spPr bwMode="auto">
-              <a:xfrm>
-                <a:off x="1767713" y="245678"/>
-                <a:ext cx="4303253" cy="3230307"/>
-              </a:xfrm>
-              <a:prstGeom prst="rect">
-                <a:avLst/>
-              </a:prstGeom>
-              <a:noFill/>
-              <a:extLst>
-                <a:ext uri="{909E8E84-426E-40DD-AFC4-6F175D3DCCD1}">
-                  <a14:hiddenFill xmlns:a14="http://schemas.microsoft.com/office/drawing/2010/main">
-                    <a:solidFill>
-                      <a:srgbClr val="FFFFFF"/>
-                    </a:solidFill>
-                  </a14:hiddenFill>
-                </a:ext>
-              </a:extLst>
-            </p:spPr>
-          </p:pic>
-        </p:grpSp>
-        <p:sp>
-          <p:nvSpPr>
-            <p:cNvPr id="23" name="Hexagon 22">
+            </a:blip>
+            <a:srcRect/>
+            <a:stretch>
+              <a:fillRect/>
+            </a:stretch>
+          </p:blipFill>
+          <p:spPr bwMode="auto">
+            <a:xfrm>
+              <a:off x="2070306" y="3109910"/>
+              <a:ext cx="3997176" cy="3215720"/>
+            </a:xfrm>
+            <a:prstGeom prst="rect">
+              <a:avLst/>
+            </a:prstGeom>
+            <a:noFill/>
+            <a:extLst>
+              <a:ext uri="{909E8E84-426E-40DD-AFC4-6F175D3DCCD1}">
+                <a14:hiddenFill xmlns:a14="http://schemas.microsoft.com/office/drawing/2010/main">
+                  <a:solidFill>
+                    <a:srgbClr val="FFFFFF"/>
+                  </a:solidFill>
+                </a14:hiddenFill>
+              </a:ext>
+            </a:extLst>
+          </p:spPr>
+        </p:pic>
+        <p:pic>
+          <p:nvPicPr>
+            <p:cNvPr id="7" name="Picture 2">
               <a:extLst>
                 <a:ext uri="{FF2B5EF4-FFF2-40B4-BE49-F238E27FC236}">
-                  <a16:creationId xmlns:a16="http://schemas.microsoft.com/office/drawing/2014/main" id="{95F6E8AA-E51C-EF11-9603-A8A2058FEBC7}"/>
+                  <a16:creationId xmlns:a16="http://schemas.microsoft.com/office/drawing/2014/main" id="{784D0FD9-EAA4-94A1-DA4B-B333CE27F744}"/>
                 </a:ext>
               </a:extLst>
             </p:cNvPr>
-            <p:cNvSpPr>
-              <a:spLocks noChangeAspect="1"/>
-            </p:cNvSpPr>
+            <p:cNvPicPr>
+              <a:picLocks noChangeAspect="1" noChangeArrowheads="1"/>
+            </p:cNvPicPr>
             <p:nvPr/>
-          </p:nvSpPr>
-          <p:spPr>
+          </p:nvPicPr>
+          <p:blipFill rotWithShape="1">
+            <a:blip r:embed="rId2">
+              <a:extLst>
+                <a:ext uri="{28A0092B-C50C-407E-A947-70E740481C1C}">
+                  <a14:useLocalDpi xmlns:a14="http://schemas.microsoft.com/office/drawing/2010/main" val="0"/>
+                </a:ext>
+              </a:extLst>
+            </a:blip>
+            <a:srcRect b="18282"/>
+            <a:stretch/>
+          </p:blipFill>
+          <p:spPr bwMode="auto">
             <a:xfrm>
-              <a:off x="2038115" y="2845564"/>
-              <a:ext cx="1101061" cy="949191"/>
+              <a:off x="2067449" y="640102"/>
+              <a:ext cx="3997176" cy="2627803"/>
             </a:xfrm>
-            <a:prstGeom prst="hexagon">
+            <a:prstGeom prst="rect">
               <a:avLst/>
             </a:prstGeom>
             <a:noFill/>
-            <a:ln w="38100">
-              <a:solidFill>
-                <a:srgbClr val="C00000"/>
-              </a:solidFill>
-            </a:ln>
+            <a:extLst>
+              <a:ext uri="{909E8E84-426E-40DD-AFC4-6F175D3DCCD1}">
+                <a14:hiddenFill xmlns:a14="http://schemas.microsoft.com/office/drawing/2010/main">
+                  <a:solidFill>
+                    <a:srgbClr val="FFFFFF"/>
+                  </a:solidFill>
+                </a14:hiddenFill>
+              </a:ext>
+            </a:extLst>
           </p:spPr>
-          <p:style>
-            <a:lnRef idx="2">
-              <a:schemeClr val="accent1">
-                <a:shade val="15000"/>
-              </a:schemeClr>
-            </a:lnRef>
-            <a:fillRef idx="1">
-              <a:schemeClr val="accent1"/>
-            </a:fillRef>
-            <a:effectRef idx="0">
-              <a:schemeClr val="accent1"/>
-            </a:effectRef>
-            <a:fontRef idx="minor">
-              <a:schemeClr val="lt1"/>
-            </a:fontRef>
-          </p:style>
-          <p:txBody>
-            <a:bodyPr rtlCol="0" anchor="ctr"/>
-            <a:lstStyle/>
-            <a:p>
-              <a:pPr algn="ctr"/>
-              <a:endParaRPr lang="en-US" dirty="0"/>
-            </a:p>
-          </p:txBody>
-        </p:sp>
-        <p:sp>
-          <p:nvSpPr>
-            <p:cNvPr id="24" name="Hexagon 23">
+        </p:pic>
+        <p:pic>
+          <p:nvPicPr>
+            <p:cNvPr id="3" name="Picture 2">
               <a:extLst>
                 <a:ext uri="{FF2B5EF4-FFF2-40B4-BE49-F238E27FC236}">
-                  <a16:creationId xmlns:a16="http://schemas.microsoft.com/office/drawing/2014/main" id="{E2137AB5-84C0-9474-6105-2C763501D3BA}"/>
+                  <a16:creationId xmlns:a16="http://schemas.microsoft.com/office/drawing/2014/main" id="{A534A7FE-F4FA-989B-5388-EFB6E9047E73}"/>
                 </a:ext>
               </a:extLst>
             </p:cNvPr>
-            <p:cNvSpPr>
-              <a:spLocks noChangeAspect="1"/>
-            </p:cNvSpPr>
+            <p:cNvPicPr>
+              <a:picLocks noChangeAspect="1" noChangeArrowheads="1"/>
+            </p:cNvPicPr>
             <p:nvPr/>
-          </p:nvSpPr>
-          <p:spPr>
+          </p:nvPicPr>
+          <p:blipFill rotWithShape="1">
+            <a:blip r:embed="rId2">
+              <a:extLst>
+                <a:ext uri="{28A0092B-C50C-407E-A947-70E740481C1C}">
+                  <a14:useLocalDpi xmlns:a14="http://schemas.microsoft.com/office/drawing/2010/main" val="0"/>
+                </a:ext>
+              </a:extLst>
+            </a:blip>
+            <a:srcRect l="13989" t="2300"/>
+            <a:stretch/>
+          </p:blipFill>
+          <p:spPr bwMode="auto">
             <a:xfrm>
-              <a:off x="2030972" y="3797738"/>
-              <a:ext cx="1101061" cy="949191"/>
+              <a:off x="5916860" y="3174005"/>
+              <a:ext cx="3437985" cy="3141763"/>
             </a:xfrm>
-            <a:prstGeom prst="hexagon">
+            <a:prstGeom prst="rect">
               <a:avLst/>
             </a:prstGeom>
             <a:noFill/>
-            <a:ln w="38100">
-              <a:solidFill>
-                <a:srgbClr val="C00000"/>
-              </a:solidFill>
-            </a:ln>
+            <a:extLst>
+              <a:ext uri="{909E8E84-426E-40DD-AFC4-6F175D3DCCD1}">
+                <a14:hiddenFill xmlns:a14="http://schemas.microsoft.com/office/drawing/2010/main">
+                  <a:solidFill>
+                    <a:srgbClr val="FFFFFF"/>
+                  </a:solidFill>
+                </a14:hiddenFill>
+              </a:ext>
+            </a:extLst>
           </p:spPr>
-          <p:style>
-            <a:lnRef idx="2">
-              <a:schemeClr val="accent1">
-                <a:shade val="15000"/>
-              </a:schemeClr>
-            </a:lnRef>
-            <a:fillRef idx="1">
-              <a:schemeClr val="accent1"/>
-            </a:fillRef>
-            <a:effectRef idx="0">
-              <a:schemeClr val="accent1"/>
-            </a:effectRef>
-            <a:fontRef idx="minor">
-              <a:schemeClr val="lt1"/>
-            </a:fontRef>
-          </p:style>
-          <p:txBody>
-            <a:bodyPr rtlCol="0" anchor="ctr"/>
-            <a:lstStyle/>
-            <a:p>
-              <a:pPr algn="ctr"/>
-              <a:endParaRPr lang="en-US" dirty="0"/>
-            </a:p>
-          </p:txBody>
-        </p:sp>
-        <p:sp>
-          <p:nvSpPr>
-            <p:cNvPr id="25" name="Hexagon 24">
-              <a:extLst>
-                <a:ext uri="{FF2B5EF4-FFF2-40B4-BE49-F238E27FC236}">
-                  <a16:creationId xmlns:a16="http://schemas.microsoft.com/office/drawing/2014/main" id="{F8C810D5-5537-7B6D-B440-1268350AA201}"/>
-                </a:ext>
-              </a:extLst>
-            </p:cNvPr>
-            <p:cNvSpPr>
-              <a:spLocks noChangeAspect="1"/>
-            </p:cNvSpPr>
-            <p:nvPr/>
-          </p:nvSpPr>
-          <p:spPr>
-            <a:xfrm>
-              <a:off x="2030972" y="4742378"/>
-              <a:ext cx="1101061" cy="949191"/>
-            </a:xfrm>
-            <a:prstGeom prst="hexagon">
-              <a:avLst/>
-            </a:prstGeom>
-            <a:noFill/>
-            <a:ln w="38100">
-              <a:solidFill>
-                <a:srgbClr val="C00000"/>
-              </a:solidFill>
-            </a:ln>
-          </p:spPr>
-          <p:style>
-            <a:lnRef idx="2">
-              <a:schemeClr val="accent1">
-                <a:shade val="15000"/>
-              </a:schemeClr>
-            </a:lnRef>
-            <a:fillRef idx="1">
-              <a:schemeClr val="accent1"/>
-            </a:fillRef>
-            <a:effectRef idx="0">
-              <a:schemeClr val="accent1"/>
-            </a:effectRef>
-            <a:fontRef idx="minor">
-              <a:schemeClr val="lt1"/>
-            </a:fontRef>
-          </p:style>
-          <p:txBody>
-            <a:bodyPr rtlCol="0" anchor="ctr"/>
-            <a:lstStyle/>
-            <a:p>
-              <a:pPr algn="ctr"/>
-              <a:endParaRPr lang="en-US" dirty="0"/>
-            </a:p>
-          </p:txBody>
-        </p:sp>
-        <p:sp>
-          <p:nvSpPr>
-            <p:cNvPr id="26" name="Hexagon 25">
-              <a:extLst>
-                <a:ext uri="{FF2B5EF4-FFF2-40B4-BE49-F238E27FC236}">
-                  <a16:creationId xmlns:a16="http://schemas.microsoft.com/office/drawing/2014/main" id="{F77599D8-7767-A82D-07AA-3FB63B9BFD14}"/>
-                </a:ext>
-              </a:extLst>
-            </p:cNvPr>
-            <p:cNvSpPr>
-              <a:spLocks noChangeAspect="1"/>
-            </p:cNvSpPr>
-            <p:nvPr/>
-          </p:nvSpPr>
-          <p:spPr>
-            <a:xfrm>
-              <a:off x="2897607" y="5219247"/>
-              <a:ext cx="1101061" cy="949191"/>
-            </a:xfrm>
-            <a:prstGeom prst="hexagon">
-              <a:avLst/>
-            </a:prstGeom>
-            <a:noFill/>
-            <a:ln w="38100">
-              <a:solidFill>
-                <a:srgbClr val="C00000"/>
-              </a:solidFill>
-            </a:ln>
-          </p:spPr>
-          <p:style>
-            <a:lnRef idx="2">
-              <a:schemeClr val="accent1">
-                <a:shade val="15000"/>
-              </a:schemeClr>
-            </a:lnRef>
-            <a:fillRef idx="1">
-              <a:schemeClr val="accent1"/>
-            </a:fillRef>
-            <a:effectRef idx="0">
-              <a:schemeClr val="accent1"/>
-            </a:effectRef>
-            <a:fontRef idx="minor">
-              <a:schemeClr val="lt1"/>
-            </a:fontRef>
-          </p:style>
-          <p:txBody>
-            <a:bodyPr rtlCol="0" anchor="ctr"/>
-            <a:lstStyle/>
-            <a:p>
-              <a:pPr algn="ctr"/>
-              <a:endParaRPr lang="en-US" dirty="0"/>
-            </a:p>
-          </p:txBody>
-        </p:sp>
-        <p:sp>
-          <p:nvSpPr>
-            <p:cNvPr id="27" name="Hexagon 26">
-              <a:extLst>
-                <a:ext uri="{FF2B5EF4-FFF2-40B4-BE49-F238E27FC236}">
-                  <a16:creationId xmlns:a16="http://schemas.microsoft.com/office/drawing/2014/main" id="{EDA58312-BC6C-10CE-D676-1A55FABD2974}"/>
-                </a:ext>
-              </a:extLst>
-            </p:cNvPr>
-            <p:cNvSpPr>
-              <a:spLocks noChangeAspect="1"/>
-            </p:cNvSpPr>
-            <p:nvPr/>
-          </p:nvSpPr>
-          <p:spPr>
-            <a:xfrm>
-              <a:off x="2897607" y="4273825"/>
-              <a:ext cx="1101061" cy="949191"/>
-            </a:xfrm>
-            <a:prstGeom prst="hexagon">
-              <a:avLst/>
-            </a:prstGeom>
-            <a:noFill/>
-            <a:ln w="38100">
-              <a:solidFill>
-                <a:srgbClr val="C00000"/>
-              </a:solidFill>
-            </a:ln>
-          </p:spPr>
-          <p:style>
-            <a:lnRef idx="2">
-              <a:schemeClr val="accent1">
-                <a:shade val="15000"/>
-              </a:schemeClr>
-            </a:lnRef>
-            <a:fillRef idx="1">
-              <a:schemeClr val="accent1"/>
-            </a:fillRef>
-            <a:effectRef idx="0">
-              <a:schemeClr val="accent1"/>
-            </a:effectRef>
-            <a:fontRef idx="minor">
-              <a:schemeClr val="lt1"/>
-            </a:fontRef>
-          </p:style>
-          <p:txBody>
-            <a:bodyPr rtlCol="0" anchor="ctr"/>
-            <a:lstStyle/>
-            <a:p>
-              <a:pPr algn="ctr"/>
-              <a:endParaRPr lang="en-US" dirty="0"/>
-            </a:p>
-          </p:txBody>
-        </p:sp>
-        <p:sp>
-          <p:nvSpPr>
-            <p:cNvPr id="28" name="Hexagon 27">
-              <a:extLst>
-                <a:ext uri="{FF2B5EF4-FFF2-40B4-BE49-F238E27FC236}">
-                  <a16:creationId xmlns:a16="http://schemas.microsoft.com/office/drawing/2014/main" id="{500312F3-E150-1BF6-8E03-C5E66745B1B5}"/>
-                </a:ext>
-              </a:extLst>
-            </p:cNvPr>
-            <p:cNvSpPr>
-              <a:spLocks noChangeAspect="1"/>
-            </p:cNvSpPr>
-            <p:nvPr/>
-          </p:nvSpPr>
-          <p:spPr>
-            <a:xfrm>
-              <a:off x="2897607" y="3328404"/>
-              <a:ext cx="1101061" cy="949191"/>
-            </a:xfrm>
-            <a:prstGeom prst="hexagon">
-              <a:avLst/>
-            </a:prstGeom>
-            <a:noFill/>
-            <a:ln w="38100">
-              <a:solidFill>
-                <a:srgbClr val="C00000"/>
-              </a:solidFill>
-            </a:ln>
-          </p:spPr>
-          <p:style>
-            <a:lnRef idx="2">
-              <a:schemeClr val="accent1">
-                <a:shade val="15000"/>
-              </a:schemeClr>
-            </a:lnRef>
-            <a:fillRef idx="1">
-              <a:schemeClr val="accent1"/>
-            </a:fillRef>
-            <a:effectRef idx="0">
-              <a:schemeClr val="accent1"/>
-            </a:effectRef>
-            <a:fontRef idx="minor">
-              <a:schemeClr val="lt1"/>
-            </a:fontRef>
-          </p:style>
-          <p:txBody>
-            <a:bodyPr rtlCol="0" anchor="ctr"/>
-            <a:lstStyle/>
-            <a:p>
-              <a:pPr algn="ctr"/>
-              <a:endParaRPr lang="en-US" dirty="0"/>
-            </a:p>
-          </p:txBody>
-        </p:sp>
-        <p:sp>
-          <p:nvSpPr>
-            <p:cNvPr id="29" name="Hexagon 28">
-              <a:extLst>
-                <a:ext uri="{FF2B5EF4-FFF2-40B4-BE49-F238E27FC236}">
-                  <a16:creationId xmlns:a16="http://schemas.microsoft.com/office/drawing/2014/main" id="{15731913-8430-CCBF-E728-912DD1051C0A}"/>
-                </a:ext>
-              </a:extLst>
-            </p:cNvPr>
-            <p:cNvSpPr>
-              <a:spLocks noChangeAspect="1"/>
-            </p:cNvSpPr>
-            <p:nvPr/>
-          </p:nvSpPr>
-          <p:spPr>
-            <a:xfrm>
-              <a:off x="3757101" y="2852883"/>
-              <a:ext cx="1101061" cy="949191"/>
-            </a:xfrm>
-            <a:prstGeom prst="hexagon">
-              <a:avLst/>
-            </a:prstGeom>
-            <a:noFill/>
-            <a:ln w="38100">
-              <a:solidFill>
-                <a:srgbClr val="C00000"/>
-              </a:solidFill>
-            </a:ln>
-          </p:spPr>
-          <p:style>
-            <a:lnRef idx="2">
-              <a:schemeClr val="accent1">
-                <a:shade val="15000"/>
-              </a:schemeClr>
-            </a:lnRef>
-            <a:fillRef idx="1">
-              <a:schemeClr val="accent1"/>
-            </a:fillRef>
-            <a:effectRef idx="0">
-              <a:schemeClr val="accent1"/>
-            </a:effectRef>
-            <a:fontRef idx="minor">
-              <a:schemeClr val="lt1"/>
-            </a:fontRef>
-          </p:style>
-          <p:txBody>
-            <a:bodyPr rtlCol="0" anchor="ctr"/>
-            <a:lstStyle/>
-            <a:p>
-              <a:pPr algn="ctr"/>
-              <a:endParaRPr lang="en-US" dirty="0"/>
-            </a:p>
-          </p:txBody>
-        </p:sp>
-        <p:sp>
-          <p:nvSpPr>
-            <p:cNvPr id="30" name="Hexagon 29">
-              <a:extLst>
-                <a:ext uri="{FF2B5EF4-FFF2-40B4-BE49-F238E27FC236}">
-                  <a16:creationId xmlns:a16="http://schemas.microsoft.com/office/drawing/2014/main" id="{FE4743FE-6712-EBB0-A5C5-B2274FF5C4DC}"/>
-                </a:ext>
-              </a:extLst>
-            </p:cNvPr>
-            <p:cNvSpPr>
-              <a:spLocks noChangeAspect="1"/>
-            </p:cNvSpPr>
-            <p:nvPr/>
-          </p:nvSpPr>
-          <p:spPr>
-            <a:xfrm>
-              <a:off x="3750738" y="3811113"/>
-              <a:ext cx="1101061" cy="949191"/>
-            </a:xfrm>
-            <a:prstGeom prst="hexagon">
-              <a:avLst/>
-            </a:prstGeom>
-            <a:noFill/>
-            <a:ln w="38100">
-              <a:solidFill>
-                <a:srgbClr val="C00000"/>
-              </a:solidFill>
-            </a:ln>
-          </p:spPr>
-          <p:style>
-            <a:lnRef idx="2">
-              <a:schemeClr val="accent1">
-                <a:shade val="15000"/>
-              </a:schemeClr>
-            </a:lnRef>
-            <a:fillRef idx="1">
-              <a:schemeClr val="accent1"/>
-            </a:fillRef>
-            <a:effectRef idx="0">
-              <a:schemeClr val="accent1"/>
-            </a:effectRef>
-            <a:fontRef idx="minor">
-              <a:schemeClr val="lt1"/>
-            </a:fontRef>
-          </p:style>
-          <p:txBody>
-            <a:bodyPr rtlCol="0" anchor="ctr"/>
-            <a:lstStyle/>
-            <a:p>
-              <a:pPr algn="ctr"/>
-              <a:endParaRPr lang="en-US" dirty="0"/>
-            </a:p>
-          </p:txBody>
-        </p:sp>
-        <p:sp>
-          <p:nvSpPr>
-            <p:cNvPr id="40" name="Hexagon 39">
-              <a:extLst>
-                <a:ext uri="{FF2B5EF4-FFF2-40B4-BE49-F238E27FC236}">
-                  <a16:creationId xmlns:a16="http://schemas.microsoft.com/office/drawing/2014/main" id="{F03E2C1C-BF9A-D1A4-AB96-44B915D89168}"/>
-                </a:ext>
-              </a:extLst>
-            </p:cNvPr>
-            <p:cNvSpPr>
-              <a:spLocks noChangeAspect="1"/>
-            </p:cNvSpPr>
-            <p:nvPr/>
-          </p:nvSpPr>
-          <p:spPr>
-            <a:xfrm>
-              <a:off x="4614089" y="3335489"/>
-              <a:ext cx="1101061" cy="949191"/>
-            </a:xfrm>
-            <a:prstGeom prst="hexagon">
-              <a:avLst/>
-            </a:prstGeom>
-            <a:noFill/>
-            <a:ln w="38100">
-              <a:solidFill>
-                <a:srgbClr val="C00000"/>
-              </a:solidFill>
-            </a:ln>
-          </p:spPr>
-          <p:style>
-            <a:lnRef idx="2">
-              <a:schemeClr val="accent1">
-                <a:shade val="15000"/>
-              </a:schemeClr>
-            </a:lnRef>
-            <a:fillRef idx="1">
-              <a:schemeClr val="accent1"/>
-            </a:fillRef>
-            <a:effectRef idx="0">
-              <a:schemeClr val="accent1"/>
-            </a:effectRef>
-            <a:fontRef idx="minor">
-              <a:schemeClr val="lt1"/>
-            </a:fontRef>
-          </p:style>
-          <p:txBody>
-            <a:bodyPr rtlCol="0" anchor="ctr"/>
-            <a:lstStyle/>
-            <a:p>
-              <a:pPr algn="ctr"/>
-              <a:endParaRPr lang="en-US" dirty="0"/>
-            </a:p>
-          </p:txBody>
-        </p:sp>
-        <p:sp>
-          <p:nvSpPr>
-            <p:cNvPr id="41" name="Hexagon 40">
-              <a:extLst>
-                <a:ext uri="{FF2B5EF4-FFF2-40B4-BE49-F238E27FC236}">
-                  <a16:creationId xmlns:a16="http://schemas.microsoft.com/office/drawing/2014/main" id="{AA13D11E-D161-07F1-337A-0439DE47625A}"/>
-                </a:ext>
-              </a:extLst>
-            </p:cNvPr>
-            <p:cNvSpPr>
-              <a:spLocks noChangeAspect="1"/>
-            </p:cNvSpPr>
-            <p:nvPr/>
-          </p:nvSpPr>
-          <p:spPr>
-            <a:xfrm>
-              <a:off x="4614089" y="4287663"/>
-              <a:ext cx="1101061" cy="949191"/>
-            </a:xfrm>
-            <a:prstGeom prst="hexagon">
-              <a:avLst/>
-            </a:prstGeom>
-            <a:noFill/>
-            <a:ln w="38100">
-              <a:solidFill>
-                <a:srgbClr val="C00000"/>
-              </a:solidFill>
-            </a:ln>
-          </p:spPr>
-          <p:style>
-            <a:lnRef idx="2">
-              <a:schemeClr val="accent1">
-                <a:shade val="15000"/>
-              </a:schemeClr>
-            </a:lnRef>
-            <a:fillRef idx="1">
-              <a:schemeClr val="accent1"/>
-            </a:fillRef>
-            <a:effectRef idx="0">
-              <a:schemeClr val="accent1"/>
-            </a:effectRef>
-            <a:fontRef idx="minor">
-              <a:schemeClr val="lt1"/>
-            </a:fontRef>
-          </p:style>
-          <p:txBody>
-            <a:bodyPr rtlCol="0" anchor="ctr"/>
-            <a:lstStyle/>
-            <a:p>
-              <a:pPr algn="ctr"/>
-              <a:endParaRPr lang="en-US" dirty="0"/>
-            </a:p>
-          </p:txBody>
-        </p:sp>
-        <p:sp>
-          <p:nvSpPr>
-            <p:cNvPr id="42" name="Hexagon 41">
-              <a:extLst>
-                <a:ext uri="{FF2B5EF4-FFF2-40B4-BE49-F238E27FC236}">
-                  <a16:creationId xmlns:a16="http://schemas.microsoft.com/office/drawing/2014/main" id="{37E2AD43-8C0F-AE4E-73F5-2ADF3F4328B5}"/>
-                </a:ext>
-              </a:extLst>
-            </p:cNvPr>
-            <p:cNvSpPr>
-              <a:spLocks noChangeAspect="1"/>
-            </p:cNvSpPr>
-            <p:nvPr/>
-          </p:nvSpPr>
-          <p:spPr>
-            <a:xfrm>
-              <a:off x="4614089" y="5246590"/>
-              <a:ext cx="1101061" cy="949191"/>
-            </a:xfrm>
-            <a:prstGeom prst="hexagon">
-              <a:avLst/>
-            </a:prstGeom>
-            <a:noFill/>
-            <a:ln w="38100">
-              <a:solidFill>
-                <a:srgbClr val="C00000"/>
-              </a:solidFill>
-            </a:ln>
-          </p:spPr>
-          <p:style>
-            <a:lnRef idx="2">
-              <a:schemeClr val="accent1">
-                <a:shade val="15000"/>
-              </a:schemeClr>
-            </a:lnRef>
-            <a:fillRef idx="1">
-              <a:schemeClr val="accent1"/>
-            </a:fillRef>
-            <a:effectRef idx="0">
-              <a:schemeClr val="accent1"/>
-            </a:effectRef>
-            <a:fontRef idx="minor">
-              <a:schemeClr val="lt1"/>
-            </a:fontRef>
-          </p:style>
-          <p:txBody>
-            <a:bodyPr rtlCol="0" anchor="ctr"/>
-            <a:lstStyle/>
-            <a:p>
-              <a:pPr algn="ctr"/>
-              <a:endParaRPr lang="en-US" dirty="0"/>
-            </a:p>
-          </p:txBody>
-        </p:sp>
-        <p:sp>
-          <p:nvSpPr>
-            <p:cNvPr id="49" name="Hexagon 48">
-              <a:extLst>
-                <a:ext uri="{FF2B5EF4-FFF2-40B4-BE49-F238E27FC236}">
-                  <a16:creationId xmlns:a16="http://schemas.microsoft.com/office/drawing/2014/main" id="{6DED218D-3761-F049-ADDA-F96E065614EC}"/>
-                </a:ext>
-              </a:extLst>
-            </p:cNvPr>
-            <p:cNvSpPr>
-              <a:spLocks noChangeAspect="1"/>
-            </p:cNvSpPr>
-            <p:nvPr/>
-          </p:nvSpPr>
-          <p:spPr>
-            <a:xfrm>
-              <a:off x="3757822" y="4754248"/>
-              <a:ext cx="1101061" cy="949191"/>
-            </a:xfrm>
-            <a:prstGeom prst="hexagon">
-              <a:avLst/>
-            </a:prstGeom>
-            <a:noFill/>
-            <a:ln w="38100">
-              <a:solidFill>
-                <a:srgbClr val="C00000"/>
-              </a:solidFill>
-            </a:ln>
-          </p:spPr>
-          <p:style>
-            <a:lnRef idx="2">
-              <a:schemeClr val="accent1">
-                <a:shade val="15000"/>
-              </a:schemeClr>
-            </a:lnRef>
-            <a:fillRef idx="1">
-              <a:schemeClr val="accent1"/>
-            </a:fillRef>
-            <a:effectRef idx="0">
-              <a:schemeClr val="accent1"/>
-            </a:effectRef>
-            <a:fontRef idx="minor">
-              <a:schemeClr val="lt1"/>
-            </a:fontRef>
-          </p:style>
-          <p:txBody>
-            <a:bodyPr rtlCol="0" anchor="ctr"/>
-            <a:lstStyle/>
-            <a:p>
-              <a:pPr algn="ctr"/>
-              <a:endParaRPr lang="en-US" dirty="0"/>
-            </a:p>
-          </p:txBody>
-        </p:sp>
-        <p:sp>
-          <p:nvSpPr>
-            <p:cNvPr id="1025" name="Hexagon 1024">
-              <a:extLst>
-                <a:ext uri="{FF2B5EF4-FFF2-40B4-BE49-F238E27FC236}">
-                  <a16:creationId xmlns:a16="http://schemas.microsoft.com/office/drawing/2014/main" id="{C7930FA0-BB84-E8BC-6F55-86DC44EB1517}"/>
-                </a:ext>
-              </a:extLst>
-            </p:cNvPr>
-            <p:cNvSpPr>
-              <a:spLocks noChangeAspect="1"/>
-            </p:cNvSpPr>
-            <p:nvPr/>
-          </p:nvSpPr>
-          <p:spPr>
-            <a:xfrm>
-              <a:off x="5490374" y="2845564"/>
-              <a:ext cx="1101061" cy="949191"/>
-            </a:xfrm>
-            <a:prstGeom prst="hexagon">
-              <a:avLst/>
-            </a:prstGeom>
-            <a:noFill/>
-            <a:ln w="38100">
-              <a:solidFill>
-                <a:srgbClr val="C00000"/>
-              </a:solidFill>
-            </a:ln>
-          </p:spPr>
-          <p:style>
-            <a:lnRef idx="2">
-              <a:schemeClr val="accent1">
-                <a:shade val="15000"/>
-              </a:schemeClr>
-            </a:lnRef>
-            <a:fillRef idx="1">
-              <a:schemeClr val="accent1"/>
-            </a:fillRef>
-            <a:effectRef idx="0">
-              <a:schemeClr val="accent1"/>
-            </a:effectRef>
-            <a:fontRef idx="minor">
-              <a:schemeClr val="lt1"/>
-            </a:fontRef>
-          </p:style>
-          <p:txBody>
-            <a:bodyPr rtlCol="0" anchor="ctr"/>
-            <a:lstStyle/>
-            <a:p>
-              <a:pPr algn="ctr"/>
-              <a:endParaRPr lang="en-US" dirty="0"/>
-            </a:p>
-          </p:txBody>
-        </p:sp>
-        <p:sp>
-          <p:nvSpPr>
-            <p:cNvPr id="1027" name="Hexagon 1026">
-              <a:extLst>
-                <a:ext uri="{FF2B5EF4-FFF2-40B4-BE49-F238E27FC236}">
-                  <a16:creationId xmlns:a16="http://schemas.microsoft.com/office/drawing/2014/main" id="{07BAD851-770C-F9A5-118E-93F5FFB185A8}"/>
-                </a:ext>
-              </a:extLst>
-            </p:cNvPr>
-            <p:cNvSpPr>
-              <a:spLocks noChangeAspect="1"/>
-            </p:cNvSpPr>
-            <p:nvPr/>
-          </p:nvSpPr>
-          <p:spPr>
-            <a:xfrm>
-              <a:off x="5483230" y="3797738"/>
-              <a:ext cx="1101061" cy="949191"/>
-            </a:xfrm>
-            <a:prstGeom prst="hexagon">
-              <a:avLst/>
-            </a:prstGeom>
-            <a:noFill/>
-            <a:ln w="38100">
-              <a:solidFill>
-                <a:srgbClr val="C00000"/>
-              </a:solidFill>
-            </a:ln>
-          </p:spPr>
-          <p:style>
-            <a:lnRef idx="2">
-              <a:schemeClr val="accent1">
-                <a:shade val="15000"/>
-              </a:schemeClr>
-            </a:lnRef>
-            <a:fillRef idx="1">
-              <a:schemeClr val="accent1"/>
-            </a:fillRef>
-            <a:effectRef idx="0">
-              <a:schemeClr val="accent1"/>
-            </a:effectRef>
-            <a:fontRef idx="minor">
-              <a:schemeClr val="lt1"/>
-            </a:fontRef>
-          </p:style>
-          <p:txBody>
-            <a:bodyPr rtlCol="0" anchor="ctr"/>
-            <a:lstStyle/>
-            <a:p>
-              <a:pPr algn="ctr"/>
-              <a:endParaRPr lang="en-US" dirty="0"/>
-            </a:p>
-          </p:txBody>
-        </p:sp>
-        <p:sp>
-          <p:nvSpPr>
-            <p:cNvPr id="1029" name="Hexagon 1028">
-              <a:extLst>
-                <a:ext uri="{FF2B5EF4-FFF2-40B4-BE49-F238E27FC236}">
-                  <a16:creationId xmlns:a16="http://schemas.microsoft.com/office/drawing/2014/main" id="{D632B0F6-85EB-24F7-7939-C500C21C0D9E}"/>
-                </a:ext>
-              </a:extLst>
-            </p:cNvPr>
-            <p:cNvSpPr>
-              <a:spLocks noChangeAspect="1"/>
-            </p:cNvSpPr>
-            <p:nvPr/>
-          </p:nvSpPr>
-          <p:spPr>
-            <a:xfrm>
-              <a:off x="5483230" y="4742378"/>
-              <a:ext cx="1101061" cy="949191"/>
-            </a:xfrm>
-            <a:prstGeom prst="hexagon">
-              <a:avLst/>
-            </a:prstGeom>
-            <a:noFill/>
-            <a:ln w="38100">
-              <a:solidFill>
-                <a:srgbClr val="C00000"/>
-              </a:solidFill>
-            </a:ln>
-          </p:spPr>
-          <p:style>
-            <a:lnRef idx="2">
-              <a:schemeClr val="accent1">
-                <a:shade val="15000"/>
-              </a:schemeClr>
-            </a:lnRef>
-            <a:fillRef idx="1">
-              <a:schemeClr val="accent1"/>
-            </a:fillRef>
-            <a:effectRef idx="0">
-              <a:schemeClr val="accent1"/>
-            </a:effectRef>
-            <a:fontRef idx="minor">
-              <a:schemeClr val="lt1"/>
-            </a:fontRef>
-          </p:style>
-          <p:txBody>
-            <a:bodyPr rtlCol="0" anchor="ctr"/>
-            <a:lstStyle/>
-            <a:p>
-              <a:pPr algn="ctr"/>
-              <a:endParaRPr lang="en-US" dirty="0"/>
-            </a:p>
-          </p:txBody>
-        </p:sp>
-        <p:sp>
-          <p:nvSpPr>
-            <p:cNvPr id="1030" name="Hexagon 1029">
-              <a:extLst>
-                <a:ext uri="{FF2B5EF4-FFF2-40B4-BE49-F238E27FC236}">
-                  <a16:creationId xmlns:a16="http://schemas.microsoft.com/office/drawing/2014/main" id="{94B24927-43D8-1C74-168D-351ED75387C9}"/>
-                </a:ext>
-              </a:extLst>
-            </p:cNvPr>
-            <p:cNvSpPr>
-              <a:spLocks noChangeAspect="1"/>
-            </p:cNvSpPr>
-            <p:nvPr/>
-          </p:nvSpPr>
-          <p:spPr>
-            <a:xfrm>
-              <a:off x="6349866" y="5219247"/>
-              <a:ext cx="1101061" cy="949191"/>
-            </a:xfrm>
-            <a:prstGeom prst="hexagon">
-              <a:avLst/>
-            </a:prstGeom>
-            <a:noFill/>
-            <a:ln w="38100">
-              <a:solidFill>
-                <a:srgbClr val="C00000"/>
-              </a:solidFill>
-            </a:ln>
-          </p:spPr>
-          <p:style>
-            <a:lnRef idx="2">
-              <a:schemeClr val="accent1">
-                <a:shade val="15000"/>
-              </a:schemeClr>
-            </a:lnRef>
-            <a:fillRef idx="1">
-              <a:schemeClr val="accent1"/>
-            </a:fillRef>
-            <a:effectRef idx="0">
-              <a:schemeClr val="accent1"/>
-            </a:effectRef>
-            <a:fontRef idx="minor">
-              <a:schemeClr val="lt1"/>
-            </a:fontRef>
-          </p:style>
-          <p:txBody>
-            <a:bodyPr rtlCol="0" anchor="ctr"/>
-            <a:lstStyle/>
-            <a:p>
-              <a:pPr algn="ctr"/>
-              <a:endParaRPr lang="en-US" dirty="0"/>
-            </a:p>
-          </p:txBody>
-        </p:sp>
-        <p:sp>
-          <p:nvSpPr>
-            <p:cNvPr id="1031" name="Hexagon 1030">
-              <a:extLst>
-                <a:ext uri="{FF2B5EF4-FFF2-40B4-BE49-F238E27FC236}">
-                  <a16:creationId xmlns:a16="http://schemas.microsoft.com/office/drawing/2014/main" id="{3DB7BA57-7A0A-69E4-2AF2-2C4D8F441114}"/>
-                </a:ext>
-              </a:extLst>
-            </p:cNvPr>
-            <p:cNvSpPr>
-              <a:spLocks noChangeAspect="1"/>
-            </p:cNvSpPr>
-            <p:nvPr/>
-          </p:nvSpPr>
-          <p:spPr>
-            <a:xfrm>
-              <a:off x="6349866" y="4273825"/>
-              <a:ext cx="1101061" cy="949191"/>
-            </a:xfrm>
-            <a:prstGeom prst="hexagon">
-              <a:avLst/>
-            </a:prstGeom>
-            <a:noFill/>
-            <a:ln w="38100">
-              <a:solidFill>
-                <a:srgbClr val="C00000"/>
-              </a:solidFill>
-            </a:ln>
-          </p:spPr>
-          <p:style>
-            <a:lnRef idx="2">
-              <a:schemeClr val="accent1">
-                <a:shade val="15000"/>
-              </a:schemeClr>
-            </a:lnRef>
-            <a:fillRef idx="1">
-              <a:schemeClr val="accent1"/>
-            </a:fillRef>
-            <a:effectRef idx="0">
-              <a:schemeClr val="accent1"/>
-            </a:effectRef>
-            <a:fontRef idx="minor">
-              <a:schemeClr val="lt1"/>
-            </a:fontRef>
-          </p:style>
-          <p:txBody>
-            <a:bodyPr rtlCol="0" anchor="ctr"/>
-            <a:lstStyle/>
-            <a:p>
-              <a:pPr algn="ctr"/>
-              <a:endParaRPr lang="en-US" dirty="0"/>
-            </a:p>
-          </p:txBody>
-        </p:sp>
-        <p:sp>
-          <p:nvSpPr>
-            <p:cNvPr id="1032" name="Hexagon 1031">
-              <a:extLst>
-                <a:ext uri="{FF2B5EF4-FFF2-40B4-BE49-F238E27FC236}">
-                  <a16:creationId xmlns:a16="http://schemas.microsoft.com/office/drawing/2014/main" id="{C03011F2-1859-3E52-FEC8-55F61BD5FFF3}"/>
-                </a:ext>
-              </a:extLst>
-            </p:cNvPr>
-            <p:cNvSpPr>
-              <a:spLocks noChangeAspect="1"/>
-            </p:cNvSpPr>
-            <p:nvPr/>
-          </p:nvSpPr>
-          <p:spPr>
-            <a:xfrm>
-              <a:off x="6349866" y="3328404"/>
-              <a:ext cx="1101061" cy="949191"/>
-            </a:xfrm>
-            <a:prstGeom prst="hexagon">
-              <a:avLst/>
-            </a:prstGeom>
-            <a:noFill/>
-            <a:ln w="38100">
-              <a:solidFill>
-                <a:srgbClr val="C00000"/>
-              </a:solidFill>
-            </a:ln>
-          </p:spPr>
-          <p:style>
-            <a:lnRef idx="2">
-              <a:schemeClr val="accent1">
-                <a:shade val="15000"/>
-              </a:schemeClr>
-            </a:lnRef>
-            <a:fillRef idx="1">
-              <a:schemeClr val="accent1"/>
-            </a:fillRef>
-            <a:effectRef idx="0">
-              <a:schemeClr val="accent1"/>
-            </a:effectRef>
-            <a:fontRef idx="minor">
-              <a:schemeClr val="lt1"/>
-            </a:fontRef>
-          </p:style>
-          <p:txBody>
-            <a:bodyPr rtlCol="0" anchor="ctr"/>
-            <a:lstStyle/>
-            <a:p>
-              <a:pPr algn="ctr"/>
-              <a:endParaRPr lang="en-US" dirty="0"/>
-            </a:p>
-          </p:txBody>
-        </p:sp>
-        <p:sp>
-          <p:nvSpPr>
-            <p:cNvPr id="1033" name="Hexagon 1032">
-              <a:extLst>
-                <a:ext uri="{FF2B5EF4-FFF2-40B4-BE49-F238E27FC236}">
-                  <a16:creationId xmlns:a16="http://schemas.microsoft.com/office/drawing/2014/main" id="{AE75FE7B-A81B-2956-56D7-45F8EB881D36}"/>
-                </a:ext>
-              </a:extLst>
-            </p:cNvPr>
-            <p:cNvSpPr>
-              <a:spLocks noChangeAspect="1"/>
-            </p:cNvSpPr>
-            <p:nvPr/>
-          </p:nvSpPr>
-          <p:spPr>
-            <a:xfrm>
-              <a:off x="7209360" y="2852882"/>
-              <a:ext cx="1101061" cy="949191"/>
-            </a:xfrm>
-            <a:prstGeom prst="hexagon">
-              <a:avLst/>
-            </a:prstGeom>
-            <a:noFill/>
-            <a:ln w="38100">
-              <a:solidFill>
-                <a:srgbClr val="C00000"/>
-              </a:solidFill>
-            </a:ln>
-          </p:spPr>
-          <p:style>
-            <a:lnRef idx="2">
-              <a:schemeClr val="accent1">
-                <a:shade val="15000"/>
-              </a:schemeClr>
-            </a:lnRef>
-            <a:fillRef idx="1">
-              <a:schemeClr val="accent1"/>
-            </a:fillRef>
-            <a:effectRef idx="0">
-              <a:schemeClr val="accent1"/>
-            </a:effectRef>
-            <a:fontRef idx="minor">
-              <a:schemeClr val="lt1"/>
-            </a:fontRef>
-          </p:style>
-          <p:txBody>
-            <a:bodyPr rtlCol="0" anchor="ctr"/>
-            <a:lstStyle/>
-            <a:p>
-              <a:pPr algn="ctr"/>
-              <a:endParaRPr lang="en-US" dirty="0"/>
-            </a:p>
-          </p:txBody>
-        </p:sp>
-        <p:sp>
-          <p:nvSpPr>
-            <p:cNvPr id="1034" name="Hexagon 1033">
-              <a:extLst>
-                <a:ext uri="{FF2B5EF4-FFF2-40B4-BE49-F238E27FC236}">
-                  <a16:creationId xmlns:a16="http://schemas.microsoft.com/office/drawing/2014/main" id="{54025567-2401-C213-CA49-AFB6FBE39109}"/>
-                </a:ext>
-              </a:extLst>
-            </p:cNvPr>
-            <p:cNvSpPr>
-              <a:spLocks noChangeAspect="1"/>
-            </p:cNvSpPr>
-            <p:nvPr/>
-          </p:nvSpPr>
-          <p:spPr>
-            <a:xfrm>
-              <a:off x="7202997" y="3811114"/>
-              <a:ext cx="1101061" cy="949191"/>
-            </a:xfrm>
-            <a:prstGeom prst="hexagon">
-              <a:avLst/>
-            </a:prstGeom>
-            <a:noFill/>
-            <a:ln w="38100">
-              <a:solidFill>
-                <a:srgbClr val="C00000"/>
-              </a:solidFill>
-            </a:ln>
-          </p:spPr>
-          <p:style>
-            <a:lnRef idx="2">
-              <a:schemeClr val="accent1">
-                <a:shade val="15000"/>
-              </a:schemeClr>
-            </a:lnRef>
-            <a:fillRef idx="1">
-              <a:schemeClr val="accent1"/>
-            </a:fillRef>
-            <a:effectRef idx="0">
-              <a:schemeClr val="accent1"/>
-            </a:effectRef>
-            <a:fontRef idx="minor">
-              <a:schemeClr val="lt1"/>
-            </a:fontRef>
-          </p:style>
-          <p:txBody>
-            <a:bodyPr rtlCol="0" anchor="ctr"/>
-            <a:lstStyle/>
-            <a:p>
-              <a:pPr algn="ctr"/>
-              <a:endParaRPr lang="en-US" dirty="0"/>
-            </a:p>
-          </p:txBody>
-        </p:sp>
-        <p:sp>
-          <p:nvSpPr>
-            <p:cNvPr id="1035" name="Hexagon 1034">
-              <a:extLst>
-                <a:ext uri="{FF2B5EF4-FFF2-40B4-BE49-F238E27FC236}">
-                  <a16:creationId xmlns:a16="http://schemas.microsoft.com/office/drawing/2014/main" id="{E0349C23-4111-3D32-480E-A5D8E9E50CE5}"/>
-                </a:ext>
-              </a:extLst>
-            </p:cNvPr>
-            <p:cNvSpPr>
-              <a:spLocks noChangeAspect="1"/>
-            </p:cNvSpPr>
-            <p:nvPr/>
-          </p:nvSpPr>
-          <p:spPr>
-            <a:xfrm>
-              <a:off x="8066348" y="3335490"/>
-              <a:ext cx="1101061" cy="949191"/>
-            </a:xfrm>
-            <a:prstGeom prst="hexagon">
-              <a:avLst/>
-            </a:prstGeom>
-            <a:noFill/>
-            <a:ln w="38100">
-              <a:solidFill>
-                <a:srgbClr val="C00000"/>
-              </a:solidFill>
-            </a:ln>
-          </p:spPr>
-          <p:style>
-            <a:lnRef idx="2">
-              <a:schemeClr val="accent1">
-                <a:shade val="15000"/>
-              </a:schemeClr>
-            </a:lnRef>
-            <a:fillRef idx="1">
-              <a:schemeClr val="accent1"/>
-            </a:fillRef>
-            <a:effectRef idx="0">
-              <a:schemeClr val="accent1"/>
-            </a:effectRef>
-            <a:fontRef idx="minor">
-              <a:schemeClr val="lt1"/>
-            </a:fontRef>
-          </p:style>
-          <p:txBody>
-            <a:bodyPr rtlCol="0" anchor="ctr"/>
-            <a:lstStyle/>
-            <a:p>
-              <a:pPr algn="ctr"/>
-              <a:endParaRPr lang="en-US" dirty="0"/>
-            </a:p>
-          </p:txBody>
-        </p:sp>
-        <p:sp>
-          <p:nvSpPr>
-            <p:cNvPr id="1036" name="Hexagon 1035">
-              <a:extLst>
-                <a:ext uri="{FF2B5EF4-FFF2-40B4-BE49-F238E27FC236}">
-                  <a16:creationId xmlns:a16="http://schemas.microsoft.com/office/drawing/2014/main" id="{F83ECF99-64C5-797E-B098-E76380388873}"/>
-                </a:ext>
-              </a:extLst>
-            </p:cNvPr>
-            <p:cNvSpPr>
-              <a:spLocks noChangeAspect="1"/>
-            </p:cNvSpPr>
-            <p:nvPr/>
-          </p:nvSpPr>
-          <p:spPr>
-            <a:xfrm>
-              <a:off x="8066348" y="4287663"/>
-              <a:ext cx="1101061" cy="949191"/>
-            </a:xfrm>
-            <a:prstGeom prst="hexagon">
-              <a:avLst/>
-            </a:prstGeom>
-            <a:noFill/>
-            <a:ln w="38100">
-              <a:solidFill>
-                <a:srgbClr val="C00000"/>
-              </a:solidFill>
-            </a:ln>
-          </p:spPr>
-          <p:style>
-            <a:lnRef idx="2">
-              <a:schemeClr val="accent1">
-                <a:shade val="15000"/>
-              </a:schemeClr>
-            </a:lnRef>
-            <a:fillRef idx="1">
-              <a:schemeClr val="accent1"/>
-            </a:fillRef>
-            <a:effectRef idx="0">
-              <a:schemeClr val="accent1"/>
-            </a:effectRef>
-            <a:fontRef idx="minor">
-              <a:schemeClr val="lt1"/>
-            </a:fontRef>
-          </p:style>
-          <p:txBody>
-            <a:bodyPr rtlCol="0" anchor="ctr"/>
-            <a:lstStyle/>
-            <a:p>
-              <a:pPr algn="ctr"/>
-              <a:endParaRPr lang="en-US" dirty="0"/>
-            </a:p>
-          </p:txBody>
-        </p:sp>
-        <p:sp>
-          <p:nvSpPr>
-            <p:cNvPr id="1037" name="Hexagon 1036">
-              <a:extLst>
-                <a:ext uri="{FF2B5EF4-FFF2-40B4-BE49-F238E27FC236}">
-                  <a16:creationId xmlns:a16="http://schemas.microsoft.com/office/drawing/2014/main" id="{3EFEC826-0843-1F99-73DF-98C2B066C33D}"/>
-                </a:ext>
-              </a:extLst>
-            </p:cNvPr>
-            <p:cNvSpPr>
-              <a:spLocks noChangeAspect="1"/>
-            </p:cNvSpPr>
-            <p:nvPr/>
-          </p:nvSpPr>
-          <p:spPr>
-            <a:xfrm>
-              <a:off x="8066348" y="5246590"/>
-              <a:ext cx="1101061" cy="949191"/>
-            </a:xfrm>
-            <a:prstGeom prst="hexagon">
-              <a:avLst/>
-            </a:prstGeom>
-            <a:noFill/>
-            <a:ln w="38100">
-              <a:solidFill>
-                <a:srgbClr val="C00000"/>
-              </a:solidFill>
-            </a:ln>
-          </p:spPr>
-          <p:style>
-            <a:lnRef idx="2">
-              <a:schemeClr val="accent1">
-                <a:shade val="15000"/>
-              </a:schemeClr>
-            </a:lnRef>
-            <a:fillRef idx="1">
-              <a:schemeClr val="accent1"/>
-            </a:fillRef>
-            <a:effectRef idx="0">
-              <a:schemeClr val="accent1"/>
-            </a:effectRef>
-            <a:fontRef idx="minor">
-              <a:schemeClr val="lt1"/>
-            </a:fontRef>
-          </p:style>
-          <p:txBody>
-            <a:bodyPr rtlCol="0" anchor="ctr"/>
-            <a:lstStyle/>
-            <a:p>
-              <a:pPr algn="ctr"/>
-              <a:endParaRPr lang="en-US" dirty="0"/>
-            </a:p>
-          </p:txBody>
-        </p:sp>
-        <p:sp>
-          <p:nvSpPr>
-            <p:cNvPr id="1038" name="Hexagon 1037">
-              <a:extLst>
-                <a:ext uri="{FF2B5EF4-FFF2-40B4-BE49-F238E27FC236}">
-                  <a16:creationId xmlns:a16="http://schemas.microsoft.com/office/drawing/2014/main" id="{0BCE8D4E-D1B7-EB16-800E-B94AFEB8750D}"/>
-                </a:ext>
-              </a:extLst>
-            </p:cNvPr>
-            <p:cNvSpPr>
-              <a:spLocks noChangeAspect="1"/>
-            </p:cNvSpPr>
-            <p:nvPr/>
-          </p:nvSpPr>
-          <p:spPr>
-            <a:xfrm>
-              <a:off x="7210081" y="4754248"/>
-              <a:ext cx="1101061" cy="949191"/>
-            </a:xfrm>
-            <a:prstGeom prst="hexagon">
-              <a:avLst/>
-            </a:prstGeom>
-            <a:noFill/>
-            <a:ln w="38100">
-              <a:solidFill>
-                <a:srgbClr val="C00000"/>
-              </a:solidFill>
-            </a:ln>
-          </p:spPr>
-          <p:style>
-            <a:lnRef idx="2">
-              <a:schemeClr val="accent1">
-                <a:shade val="15000"/>
-              </a:schemeClr>
-            </a:lnRef>
-            <a:fillRef idx="1">
-              <a:schemeClr val="accent1"/>
-            </a:fillRef>
-            <a:effectRef idx="0">
-              <a:schemeClr val="accent1"/>
-            </a:effectRef>
-            <a:fontRef idx="minor">
-              <a:schemeClr val="lt1"/>
-            </a:fontRef>
-          </p:style>
-          <p:txBody>
-            <a:bodyPr rtlCol="0" anchor="ctr"/>
-            <a:lstStyle/>
-            <a:p>
-              <a:pPr algn="ctr"/>
-              <a:endParaRPr lang="en-US" dirty="0"/>
-            </a:p>
-          </p:txBody>
-        </p:sp>
-        <p:sp>
-          <p:nvSpPr>
-            <p:cNvPr id="1041" name="Hexagon 1040">
-              <a:extLst>
-                <a:ext uri="{FF2B5EF4-FFF2-40B4-BE49-F238E27FC236}">
-                  <a16:creationId xmlns:a16="http://schemas.microsoft.com/office/drawing/2014/main" id="{233AE70B-20DB-13A2-B087-EABEF323EEE8}"/>
-                </a:ext>
-              </a:extLst>
-            </p:cNvPr>
-            <p:cNvSpPr>
-              <a:spLocks noChangeAspect="1"/>
-            </p:cNvSpPr>
-            <p:nvPr/>
-          </p:nvSpPr>
-          <p:spPr>
-            <a:xfrm>
-              <a:off x="2038115" y="0"/>
-              <a:ext cx="1101061" cy="949191"/>
-            </a:xfrm>
-            <a:prstGeom prst="hexagon">
-              <a:avLst/>
-            </a:prstGeom>
-            <a:noFill/>
-            <a:ln w="38100">
-              <a:solidFill>
-                <a:srgbClr val="C00000"/>
-              </a:solidFill>
-            </a:ln>
-          </p:spPr>
-          <p:style>
-            <a:lnRef idx="2">
-              <a:schemeClr val="accent1">
-                <a:shade val="15000"/>
-              </a:schemeClr>
-            </a:lnRef>
-            <a:fillRef idx="1">
-              <a:schemeClr val="accent1"/>
-            </a:fillRef>
-            <a:effectRef idx="0">
-              <a:schemeClr val="accent1"/>
-            </a:effectRef>
-            <a:fontRef idx="minor">
-              <a:schemeClr val="lt1"/>
-            </a:fontRef>
-          </p:style>
-          <p:txBody>
-            <a:bodyPr rtlCol="0" anchor="ctr"/>
-            <a:lstStyle/>
-            <a:p>
-              <a:pPr algn="ctr"/>
-              <a:endParaRPr lang="en-US" dirty="0"/>
-            </a:p>
-          </p:txBody>
-        </p:sp>
-        <p:sp>
-          <p:nvSpPr>
-            <p:cNvPr id="1042" name="Hexagon 1041">
-              <a:extLst>
-                <a:ext uri="{FF2B5EF4-FFF2-40B4-BE49-F238E27FC236}">
-                  <a16:creationId xmlns:a16="http://schemas.microsoft.com/office/drawing/2014/main" id="{3DE50CB0-C76B-A63E-8679-7E0A8959A0B9}"/>
-                </a:ext>
-              </a:extLst>
-            </p:cNvPr>
-            <p:cNvSpPr>
-              <a:spLocks noChangeAspect="1"/>
-            </p:cNvSpPr>
-            <p:nvPr/>
-          </p:nvSpPr>
-          <p:spPr>
-            <a:xfrm>
-              <a:off x="2030972" y="952174"/>
-              <a:ext cx="1101061" cy="949191"/>
-            </a:xfrm>
-            <a:prstGeom prst="hexagon">
-              <a:avLst/>
-            </a:prstGeom>
-            <a:noFill/>
-            <a:ln w="38100">
-              <a:solidFill>
-                <a:srgbClr val="C00000"/>
-              </a:solidFill>
-            </a:ln>
-          </p:spPr>
-          <p:style>
-            <a:lnRef idx="2">
-              <a:schemeClr val="accent1">
-                <a:shade val="15000"/>
-              </a:schemeClr>
-            </a:lnRef>
-            <a:fillRef idx="1">
-              <a:schemeClr val="accent1"/>
-            </a:fillRef>
-            <a:effectRef idx="0">
-              <a:schemeClr val="accent1"/>
-            </a:effectRef>
-            <a:fontRef idx="minor">
-              <a:schemeClr val="lt1"/>
-            </a:fontRef>
-          </p:style>
-          <p:txBody>
-            <a:bodyPr rtlCol="0" anchor="ctr"/>
-            <a:lstStyle/>
-            <a:p>
-              <a:pPr algn="ctr"/>
-              <a:endParaRPr lang="en-US" dirty="0"/>
-            </a:p>
-          </p:txBody>
-        </p:sp>
-        <p:sp>
-          <p:nvSpPr>
-            <p:cNvPr id="1043" name="Hexagon 1042">
-              <a:extLst>
-                <a:ext uri="{FF2B5EF4-FFF2-40B4-BE49-F238E27FC236}">
-                  <a16:creationId xmlns:a16="http://schemas.microsoft.com/office/drawing/2014/main" id="{29D05AB5-6B19-44C7-74B5-B5B33DBEB87D}"/>
-                </a:ext>
-              </a:extLst>
-            </p:cNvPr>
-            <p:cNvSpPr>
-              <a:spLocks noChangeAspect="1"/>
-            </p:cNvSpPr>
-            <p:nvPr/>
-          </p:nvSpPr>
-          <p:spPr>
-            <a:xfrm>
-              <a:off x="2030972" y="1896814"/>
-              <a:ext cx="1101061" cy="949191"/>
-            </a:xfrm>
-            <a:prstGeom prst="hexagon">
-              <a:avLst/>
-            </a:prstGeom>
-            <a:noFill/>
-            <a:ln w="38100">
-              <a:solidFill>
-                <a:srgbClr val="C00000"/>
-              </a:solidFill>
-            </a:ln>
-          </p:spPr>
-          <p:style>
-            <a:lnRef idx="2">
-              <a:schemeClr val="accent1">
-                <a:shade val="15000"/>
-              </a:schemeClr>
-            </a:lnRef>
-            <a:fillRef idx="1">
-              <a:schemeClr val="accent1"/>
-            </a:fillRef>
-            <a:effectRef idx="0">
-              <a:schemeClr val="accent1"/>
-            </a:effectRef>
-            <a:fontRef idx="minor">
-              <a:schemeClr val="lt1"/>
-            </a:fontRef>
-          </p:style>
-          <p:txBody>
-            <a:bodyPr rtlCol="0" anchor="ctr"/>
-            <a:lstStyle/>
-            <a:p>
-              <a:pPr algn="ctr"/>
-              <a:endParaRPr lang="en-US" dirty="0"/>
-            </a:p>
-          </p:txBody>
-        </p:sp>
-        <p:sp>
-          <p:nvSpPr>
-            <p:cNvPr id="1044" name="Hexagon 1043">
-              <a:extLst>
-                <a:ext uri="{FF2B5EF4-FFF2-40B4-BE49-F238E27FC236}">
-                  <a16:creationId xmlns:a16="http://schemas.microsoft.com/office/drawing/2014/main" id="{30A6E450-0182-357B-895E-052D58DB7A20}"/>
-                </a:ext>
-              </a:extLst>
-            </p:cNvPr>
-            <p:cNvSpPr>
-              <a:spLocks noChangeAspect="1"/>
-            </p:cNvSpPr>
-            <p:nvPr/>
-          </p:nvSpPr>
-          <p:spPr>
-            <a:xfrm>
-              <a:off x="2897607" y="2373683"/>
-              <a:ext cx="1101061" cy="949191"/>
-            </a:xfrm>
-            <a:prstGeom prst="hexagon">
-              <a:avLst/>
-            </a:prstGeom>
-            <a:noFill/>
-            <a:ln w="38100">
-              <a:solidFill>
-                <a:srgbClr val="C00000"/>
-              </a:solidFill>
-            </a:ln>
-          </p:spPr>
-          <p:style>
-            <a:lnRef idx="2">
-              <a:schemeClr val="accent1">
-                <a:shade val="15000"/>
-              </a:schemeClr>
-            </a:lnRef>
-            <a:fillRef idx="1">
-              <a:schemeClr val="accent1"/>
-            </a:fillRef>
-            <a:effectRef idx="0">
-              <a:schemeClr val="accent1"/>
-            </a:effectRef>
-            <a:fontRef idx="minor">
-              <a:schemeClr val="lt1"/>
-            </a:fontRef>
-          </p:style>
-          <p:txBody>
-            <a:bodyPr rtlCol="0" anchor="ctr"/>
-            <a:lstStyle/>
-            <a:p>
-              <a:pPr algn="ctr"/>
-              <a:endParaRPr lang="en-US" dirty="0"/>
-            </a:p>
-          </p:txBody>
-        </p:sp>
-        <p:sp>
-          <p:nvSpPr>
-            <p:cNvPr id="1045" name="Hexagon 1044">
-              <a:extLst>
-                <a:ext uri="{FF2B5EF4-FFF2-40B4-BE49-F238E27FC236}">
-                  <a16:creationId xmlns:a16="http://schemas.microsoft.com/office/drawing/2014/main" id="{E824D373-3145-98BD-613C-E22BE76D8876}"/>
-                </a:ext>
-              </a:extLst>
-            </p:cNvPr>
-            <p:cNvSpPr>
-              <a:spLocks noChangeAspect="1"/>
-            </p:cNvSpPr>
-            <p:nvPr/>
-          </p:nvSpPr>
-          <p:spPr>
-            <a:xfrm>
-              <a:off x="2897607" y="1428262"/>
-              <a:ext cx="1101061" cy="949191"/>
-            </a:xfrm>
-            <a:prstGeom prst="hexagon">
-              <a:avLst/>
-            </a:prstGeom>
-            <a:noFill/>
-            <a:ln w="38100">
-              <a:solidFill>
-                <a:srgbClr val="C00000"/>
-              </a:solidFill>
-            </a:ln>
-          </p:spPr>
-          <p:style>
-            <a:lnRef idx="2">
-              <a:schemeClr val="accent1">
-                <a:shade val="15000"/>
-              </a:schemeClr>
-            </a:lnRef>
-            <a:fillRef idx="1">
-              <a:schemeClr val="accent1"/>
-            </a:fillRef>
-            <a:effectRef idx="0">
-              <a:schemeClr val="accent1"/>
-            </a:effectRef>
-            <a:fontRef idx="minor">
-              <a:schemeClr val="lt1"/>
-            </a:fontRef>
-          </p:style>
-          <p:txBody>
-            <a:bodyPr rtlCol="0" anchor="ctr"/>
-            <a:lstStyle/>
-            <a:p>
-              <a:pPr algn="ctr"/>
-              <a:endParaRPr lang="en-US" dirty="0"/>
-            </a:p>
-          </p:txBody>
-        </p:sp>
-        <p:sp>
-          <p:nvSpPr>
-            <p:cNvPr id="1046" name="Hexagon 1045">
-              <a:extLst>
-                <a:ext uri="{FF2B5EF4-FFF2-40B4-BE49-F238E27FC236}">
-                  <a16:creationId xmlns:a16="http://schemas.microsoft.com/office/drawing/2014/main" id="{6767733A-16D2-4B6C-34BB-01A31C7E6626}"/>
-                </a:ext>
-              </a:extLst>
-            </p:cNvPr>
-            <p:cNvSpPr>
-              <a:spLocks noChangeAspect="1"/>
-            </p:cNvSpPr>
-            <p:nvPr/>
-          </p:nvSpPr>
-          <p:spPr>
-            <a:xfrm>
-              <a:off x="2897607" y="482840"/>
-              <a:ext cx="1101061" cy="949191"/>
-            </a:xfrm>
-            <a:prstGeom prst="hexagon">
-              <a:avLst/>
-            </a:prstGeom>
-            <a:noFill/>
-            <a:ln w="38100">
-              <a:solidFill>
-                <a:srgbClr val="C00000"/>
-              </a:solidFill>
-            </a:ln>
-          </p:spPr>
-          <p:style>
-            <a:lnRef idx="2">
-              <a:schemeClr val="accent1">
-                <a:shade val="15000"/>
-              </a:schemeClr>
-            </a:lnRef>
-            <a:fillRef idx="1">
-              <a:schemeClr val="accent1"/>
-            </a:fillRef>
-            <a:effectRef idx="0">
-              <a:schemeClr val="accent1"/>
-            </a:effectRef>
-            <a:fontRef idx="minor">
-              <a:schemeClr val="lt1"/>
-            </a:fontRef>
-          </p:style>
-          <p:txBody>
-            <a:bodyPr rtlCol="0" anchor="ctr"/>
-            <a:lstStyle/>
-            <a:p>
-              <a:pPr algn="ctr"/>
-              <a:endParaRPr lang="en-US" dirty="0"/>
-            </a:p>
-          </p:txBody>
-        </p:sp>
-        <p:sp>
-          <p:nvSpPr>
-            <p:cNvPr id="1047" name="Hexagon 1046">
-              <a:extLst>
-                <a:ext uri="{FF2B5EF4-FFF2-40B4-BE49-F238E27FC236}">
-                  <a16:creationId xmlns:a16="http://schemas.microsoft.com/office/drawing/2014/main" id="{CDACEC79-344B-B4E4-41E0-EBF8AF32F90C}"/>
-                </a:ext>
-              </a:extLst>
-            </p:cNvPr>
-            <p:cNvSpPr>
-              <a:spLocks noChangeAspect="1"/>
-            </p:cNvSpPr>
-            <p:nvPr/>
-          </p:nvSpPr>
-          <p:spPr>
-            <a:xfrm>
-              <a:off x="3757101" y="7318"/>
-              <a:ext cx="1101061" cy="949191"/>
-            </a:xfrm>
-            <a:prstGeom prst="hexagon">
-              <a:avLst/>
-            </a:prstGeom>
-            <a:noFill/>
-            <a:ln w="38100">
-              <a:solidFill>
-                <a:srgbClr val="C00000"/>
-              </a:solidFill>
-            </a:ln>
-          </p:spPr>
-          <p:style>
-            <a:lnRef idx="2">
-              <a:schemeClr val="accent1">
-                <a:shade val="15000"/>
-              </a:schemeClr>
-            </a:lnRef>
-            <a:fillRef idx="1">
-              <a:schemeClr val="accent1"/>
-            </a:fillRef>
-            <a:effectRef idx="0">
-              <a:schemeClr val="accent1"/>
-            </a:effectRef>
-            <a:fontRef idx="minor">
-              <a:schemeClr val="lt1"/>
-            </a:fontRef>
-          </p:style>
-          <p:txBody>
-            <a:bodyPr rtlCol="0" anchor="ctr"/>
-            <a:lstStyle/>
-            <a:p>
-              <a:pPr algn="ctr"/>
-              <a:endParaRPr lang="en-US" dirty="0"/>
-            </a:p>
-          </p:txBody>
-        </p:sp>
-        <p:sp>
-          <p:nvSpPr>
-            <p:cNvPr id="1048" name="Hexagon 1047">
-              <a:extLst>
-                <a:ext uri="{FF2B5EF4-FFF2-40B4-BE49-F238E27FC236}">
-                  <a16:creationId xmlns:a16="http://schemas.microsoft.com/office/drawing/2014/main" id="{1E35B54C-090A-1F13-14AA-318518BC9368}"/>
-                </a:ext>
-              </a:extLst>
-            </p:cNvPr>
-            <p:cNvSpPr>
-              <a:spLocks noChangeAspect="1"/>
-            </p:cNvSpPr>
-            <p:nvPr/>
-          </p:nvSpPr>
-          <p:spPr>
-            <a:xfrm>
-              <a:off x="3750738" y="965550"/>
-              <a:ext cx="1101061" cy="949191"/>
-            </a:xfrm>
-            <a:prstGeom prst="hexagon">
-              <a:avLst/>
-            </a:prstGeom>
-            <a:noFill/>
-            <a:ln w="38100">
-              <a:solidFill>
-                <a:srgbClr val="C00000"/>
-              </a:solidFill>
-            </a:ln>
-          </p:spPr>
-          <p:style>
-            <a:lnRef idx="2">
-              <a:schemeClr val="accent1">
-                <a:shade val="15000"/>
-              </a:schemeClr>
-            </a:lnRef>
-            <a:fillRef idx="1">
-              <a:schemeClr val="accent1"/>
-            </a:fillRef>
-            <a:effectRef idx="0">
-              <a:schemeClr val="accent1"/>
-            </a:effectRef>
-            <a:fontRef idx="minor">
-              <a:schemeClr val="lt1"/>
-            </a:fontRef>
-          </p:style>
-          <p:txBody>
-            <a:bodyPr rtlCol="0" anchor="ctr"/>
-            <a:lstStyle/>
-            <a:p>
-              <a:pPr algn="ctr"/>
-              <a:endParaRPr lang="en-US" dirty="0"/>
-            </a:p>
-          </p:txBody>
-        </p:sp>
-        <p:sp>
-          <p:nvSpPr>
-            <p:cNvPr id="1049" name="Hexagon 1048">
-              <a:extLst>
-                <a:ext uri="{FF2B5EF4-FFF2-40B4-BE49-F238E27FC236}">
-                  <a16:creationId xmlns:a16="http://schemas.microsoft.com/office/drawing/2014/main" id="{BCBB82C8-E63A-EE61-6294-25E618FEB54B}"/>
-                </a:ext>
-              </a:extLst>
-            </p:cNvPr>
-            <p:cNvSpPr>
-              <a:spLocks noChangeAspect="1"/>
-            </p:cNvSpPr>
-            <p:nvPr/>
-          </p:nvSpPr>
-          <p:spPr>
-            <a:xfrm>
-              <a:off x="4614089" y="489926"/>
-              <a:ext cx="1101061" cy="949191"/>
-            </a:xfrm>
-            <a:prstGeom prst="hexagon">
-              <a:avLst/>
-            </a:prstGeom>
-            <a:noFill/>
-            <a:ln w="38100">
-              <a:solidFill>
-                <a:srgbClr val="C00000"/>
-              </a:solidFill>
-            </a:ln>
-          </p:spPr>
-          <p:style>
-            <a:lnRef idx="2">
-              <a:schemeClr val="accent1">
-                <a:shade val="15000"/>
-              </a:schemeClr>
-            </a:lnRef>
-            <a:fillRef idx="1">
-              <a:schemeClr val="accent1"/>
-            </a:fillRef>
-            <a:effectRef idx="0">
-              <a:schemeClr val="accent1"/>
-            </a:effectRef>
-            <a:fontRef idx="minor">
-              <a:schemeClr val="lt1"/>
-            </a:fontRef>
-          </p:style>
-          <p:txBody>
-            <a:bodyPr rtlCol="0" anchor="ctr"/>
-            <a:lstStyle/>
-            <a:p>
-              <a:pPr algn="ctr"/>
-              <a:endParaRPr lang="en-US" dirty="0"/>
-            </a:p>
-          </p:txBody>
-        </p:sp>
-        <p:sp>
-          <p:nvSpPr>
-            <p:cNvPr id="1050" name="Hexagon 1049">
-              <a:extLst>
-                <a:ext uri="{FF2B5EF4-FFF2-40B4-BE49-F238E27FC236}">
-                  <a16:creationId xmlns:a16="http://schemas.microsoft.com/office/drawing/2014/main" id="{70D2298F-7505-8383-97B8-EEAD8289CED8}"/>
-                </a:ext>
-              </a:extLst>
-            </p:cNvPr>
-            <p:cNvSpPr>
-              <a:spLocks noChangeAspect="1"/>
-            </p:cNvSpPr>
-            <p:nvPr/>
-          </p:nvSpPr>
-          <p:spPr>
-            <a:xfrm>
-              <a:off x="4614089" y="1442099"/>
-              <a:ext cx="1101061" cy="949191"/>
-            </a:xfrm>
-            <a:prstGeom prst="hexagon">
-              <a:avLst/>
-            </a:prstGeom>
-            <a:noFill/>
-            <a:ln w="38100">
-              <a:solidFill>
-                <a:srgbClr val="C00000"/>
-              </a:solidFill>
-            </a:ln>
-          </p:spPr>
-          <p:style>
-            <a:lnRef idx="2">
-              <a:schemeClr val="accent1">
-                <a:shade val="15000"/>
-              </a:schemeClr>
-            </a:lnRef>
-            <a:fillRef idx="1">
-              <a:schemeClr val="accent1"/>
-            </a:fillRef>
-            <a:effectRef idx="0">
-              <a:schemeClr val="accent1"/>
-            </a:effectRef>
-            <a:fontRef idx="minor">
-              <a:schemeClr val="lt1"/>
-            </a:fontRef>
-          </p:style>
-          <p:txBody>
-            <a:bodyPr rtlCol="0" anchor="ctr"/>
-            <a:lstStyle/>
-            <a:p>
-              <a:pPr algn="ctr"/>
-              <a:endParaRPr lang="en-US" dirty="0"/>
-            </a:p>
-          </p:txBody>
-        </p:sp>
-        <p:sp>
-          <p:nvSpPr>
-            <p:cNvPr id="1051" name="Hexagon 1050">
-              <a:extLst>
-                <a:ext uri="{FF2B5EF4-FFF2-40B4-BE49-F238E27FC236}">
-                  <a16:creationId xmlns:a16="http://schemas.microsoft.com/office/drawing/2014/main" id="{DC63DC33-6F51-897F-07D6-CC39F55F7C19}"/>
-                </a:ext>
-              </a:extLst>
-            </p:cNvPr>
-            <p:cNvSpPr>
-              <a:spLocks noChangeAspect="1"/>
-            </p:cNvSpPr>
-            <p:nvPr/>
-          </p:nvSpPr>
-          <p:spPr>
-            <a:xfrm>
-              <a:off x="4614089" y="2401027"/>
-              <a:ext cx="1101061" cy="949191"/>
-            </a:xfrm>
-            <a:prstGeom prst="hexagon">
-              <a:avLst/>
-            </a:prstGeom>
-            <a:noFill/>
-            <a:ln w="38100">
-              <a:solidFill>
-                <a:srgbClr val="C00000"/>
-              </a:solidFill>
-            </a:ln>
-          </p:spPr>
-          <p:style>
-            <a:lnRef idx="2">
-              <a:schemeClr val="accent1">
-                <a:shade val="15000"/>
-              </a:schemeClr>
-            </a:lnRef>
-            <a:fillRef idx="1">
-              <a:schemeClr val="accent1"/>
-            </a:fillRef>
-            <a:effectRef idx="0">
-              <a:schemeClr val="accent1"/>
-            </a:effectRef>
-            <a:fontRef idx="minor">
-              <a:schemeClr val="lt1"/>
-            </a:fontRef>
-          </p:style>
-          <p:txBody>
-            <a:bodyPr rtlCol="0" anchor="ctr"/>
-            <a:lstStyle/>
-            <a:p>
-              <a:pPr algn="ctr"/>
-              <a:endParaRPr lang="en-US" dirty="0"/>
-            </a:p>
-          </p:txBody>
-        </p:sp>
-        <p:sp>
-          <p:nvSpPr>
-            <p:cNvPr id="1052" name="Hexagon 1051">
-              <a:extLst>
-                <a:ext uri="{FF2B5EF4-FFF2-40B4-BE49-F238E27FC236}">
-                  <a16:creationId xmlns:a16="http://schemas.microsoft.com/office/drawing/2014/main" id="{A6BED701-B11E-C171-A218-15045EBA5BCB}"/>
-                </a:ext>
-              </a:extLst>
-            </p:cNvPr>
-            <p:cNvSpPr>
-              <a:spLocks noChangeAspect="1"/>
-            </p:cNvSpPr>
-            <p:nvPr/>
-          </p:nvSpPr>
-          <p:spPr>
-            <a:xfrm>
-              <a:off x="3757823" y="1908684"/>
-              <a:ext cx="1101061" cy="949191"/>
-            </a:xfrm>
-            <a:prstGeom prst="hexagon">
-              <a:avLst/>
-            </a:prstGeom>
-            <a:noFill/>
-            <a:ln w="38100">
-              <a:solidFill>
-                <a:srgbClr val="C00000"/>
-              </a:solidFill>
-            </a:ln>
-          </p:spPr>
-          <p:style>
-            <a:lnRef idx="2">
-              <a:schemeClr val="accent1">
-                <a:shade val="15000"/>
-              </a:schemeClr>
-            </a:lnRef>
-            <a:fillRef idx="1">
-              <a:schemeClr val="accent1"/>
-            </a:fillRef>
-            <a:effectRef idx="0">
-              <a:schemeClr val="accent1"/>
-            </a:effectRef>
-            <a:fontRef idx="minor">
-              <a:schemeClr val="lt1"/>
-            </a:fontRef>
-          </p:style>
-          <p:txBody>
-            <a:bodyPr rtlCol="0" anchor="ctr"/>
-            <a:lstStyle/>
-            <a:p>
-              <a:pPr algn="ctr"/>
-              <a:endParaRPr lang="en-US" dirty="0"/>
-            </a:p>
-          </p:txBody>
-        </p:sp>
+        </p:pic>
       </p:grpSp>
+      <p:sp>
+        <p:nvSpPr>
+          <p:cNvPr id="23" name="Hexagon 22">
+            <a:extLst>
+              <a:ext uri="{FF2B5EF4-FFF2-40B4-BE49-F238E27FC236}">
+                <a16:creationId xmlns:a16="http://schemas.microsoft.com/office/drawing/2014/main" id="{95F6E8AA-E51C-EF11-9603-A8A2058FEBC7}"/>
+              </a:ext>
+            </a:extLst>
+          </p:cNvPr>
+          <p:cNvSpPr>
+            <a:spLocks noChangeAspect="1"/>
+          </p:cNvSpPr>
+          <p:nvPr/>
+        </p:nvSpPr>
+        <p:spPr>
+          <a:xfrm>
+            <a:off x="2205573" y="2748365"/>
+            <a:ext cx="1027723" cy="885969"/>
+          </a:xfrm>
+          <a:prstGeom prst="hexagon">
+            <a:avLst/>
+          </a:prstGeom>
+          <a:noFill/>
+          <a:ln w="38100">
+            <a:solidFill>
+              <a:srgbClr val="C00000"/>
+            </a:solidFill>
+          </a:ln>
+        </p:spPr>
+        <p:style>
+          <a:lnRef idx="2">
+            <a:schemeClr val="accent1">
+              <a:shade val="15000"/>
+            </a:schemeClr>
+          </a:lnRef>
+          <a:fillRef idx="1">
+            <a:schemeClr val="accent1"/>
+          </a:fillRef>
+          <a:effectRef idx="0">
+            <a:schemeClr val="accent1"/>
+          </a:effectRef>
+          <a:fontRef idx="minor">
+            <a:schemeClr val="lt1"/>
+          </a:fontRef>
+        </p:style>
+        <p:txBody>
+          <a:bodyPr rtlCol="0" anchor="ctr"/>
+          <a:lstStyle/>
+          <a:p>
+            <a:pPr algn="ctr"/>
+            <a:endParaRPr lang="en-US" dirty="0"/>
+          </a:p>
+        </p:txBody>
+      </p:sp>
+      <p:sp>
+        <p:nvSpPr>
+          <p:cNvPr id="24" name="Hexagon 23">
+            <a:extLst>
+              <a:ext uri="{FF2B5EF4-FFF2-40B4-BE49-F238E27FC236}">
+                <a16:creationId xmlns:a16="http://schemas.microsoft.com/office/drawing/2014/main" id="{E2137AB5-84C0-9474-6105-2C763501D3BA}"/>
+              </a:ext>
+            </a:extLst>
+          </p:cNvPr>
+          <p:cNvSpPr>
+            <a:spLocks noChangeAspect="1"/>
+          </p:cNvSpPr>
+          <p:nvPr/>
+        </p:nvSpPr>
+        <p:spPr>
+          <a:xfrm>
+            <a:off x="2198906" y="3637118"/>
+            <a:ext cx="1027723" cy="885969"/>
+          </a:xfrm>
+          <a:prstGeom prst="hexagon">
+            <a:avLst/>
+          </a:prstGeom>
+          <a:noFill/>
+          <a:ln w="38100">
+            <a:solidFill>
+              <a:srgbClr val="C00000"/>
+            </a:solidFill>
+          </a:ln>
+        </p:spPr>
+        <p:style>
+          <a:lnRef idx="2">
+            <a:schemeClr val="accent1">
+              <a:shade val="15000"/>
+            </a:schemeClr>
+          </a:lnRef>
+          <a:fillRef idx="1">
+            <a:schemeClr val="accent1"/>
+          </a:fillRef>
+          <a:effectRef idx="0">
+            <a:schemeClr val="accent1"/>
+          </a:effectRef>
+          <a:fontRef idx="minor">
+            <a:schemeClr val="lt1"/>
+          </a:fontRef>
+        </p:style>
+        <p:txBody>
+          <a:bodyPr rtlCol="0" anchor="ctr"/>
+          <a:lstStyle/>
+          <a:p>
+            <a:pPr algn="ctr"/>
+            <a:endParaRPr lang="en-US" dirty="0"/>
+          </a:p>
+        </p:txBody>
+      </p:sp>
+      <p:sp>
+        <p:nvSpPr>
+          <p:cNvPr id="25" name="Hexagon 24">
+            <a:extLst>
+              <a:ext uri="{FF2B5EF4-FFF2-40B4-BE49-F238E27FC236}">
+                <a16:creationId xmlns:a16="http://schemas.microsoft.com/office/drawing/2014/main" id="{F8C810D5-5537-7B6D-B440-1268350AA201}"/>
+              </a:ext>
+            </a:extLst>
+          </p:cNvPr>
+          <p:cNvSpPr>
+            <a:spLocks noChangeAspect="1"/>
+          </p:cNvSpPr>
+          <p:nvPr/>
+        </p:nvSpPr>
+        <p:spPr>
+          <a:xfrm>
+            <a:off x="2198906" y="4518839"/>
+            <a:ext cx="1027723" cy="885969"/>
+          </a:xfrm>
+          <a:prstGeom prst="hexagon">
+            <a:avLst/>
+          </a:prstGeom>
+          <a:noFill/>
+          <a:ln w="38100">
+            <a:solidFill>
+              <a:srgbClr val="C00000"/>
+            </a:solidFill>
+          </a:ln>
+        </p:spPr>
+        <p:style>
+          <a:lnRef idx="2">
+            <a:schemeClr val="accent1">
+              <a:shade val="15000"/>
+            </a:schemeClr>
+          </a:lnRef>
+          <a:fillRef idx="1">
+            <a:schemeClr val="accent1"/>
+          </a:fillRef>
+          <a:effectRef idx="0">
+            <a:schemeClr val="accent1"/>
+          </a:effectRef>
+          <a:fontRef idx="minor">
+            <a:schemeClr val="lt1"/>
+          </a:fontRef>
+        </p:style>
+        <p:txBody>
+          <a:bodyPr rtlCol="0" anchor="ctr"/>
+          <a:lstStyle/>
+          <a:p>
+            <a:pPr algn="ctr"/>
+            <a:endParaRPr lang="en-US" dirty="0"/>
+          </a:p>
+        </p:txBody>
+      </p:sp>
+      <p:sp>
+        <p:nvSpPr>
+          <p:cNvPr id="26" name="Hexagon 25">
+            <a:extLst>
+              <a:ext uri="{FF2B5EF4-FFF2-40B4-BE49-F238E27FC236}">
+                <a16:creationId xmlns:a16="http://schemas.microsoft.com/office/drawing/2014/main" id="{F77599D8-7767-A82D-07AA-3FB63B9BFD14}"/>
+              </a:ext>
+            </a:extLst>
+          </p:cNvPr>
+          <p:cNvSpPr>
+            <a:spLocks noChangeAspect="1"/>
+          </p:cNvSpPr>
+          <p:nvPr/>
+        </p:nvSpPr>
+        <p:spPr>
+          <a:xfrm>
+            <a:off x="3007818" y="4963945"/>
+            <a:ext cx="1027723" cy="885969"/>
+          </a:xfrm>
+          <a:prstGeom prst="hexagon">
+            <a:avLst/>
+          </a:prstGeom>
+          <a:noFill/>
+          <a:ln w="38100">
+            <a:solidFill>
+              <a:srgbClr val="C00000"/>
+            </a:solidFill>
+          </a:ln>
+        </p:spPr>
+        <p:style>
+          <a:lnRef idx="2">
+            <a:schemeClr val="accent1">
+              <a:shade val="15000"/>
+            </a:schemeClr>
+          </a:lnRef>
+          <a:fillRef idx="1">
+            <a:schemeClr val="accent1"/>
+          </a:fillRef>
+          <a:effectRef idx="0">
+            <a:schemeClr val="accent1"/>
+          </a:effectRef>
+          <a:fontRef idx="minor">
+            <a:schemeClr val="lt1"/>
+          </a:fontRef>
+        </p:style>
+        <p:txBody>
+          <a:bodyPr rtlCol="0" anchor="ctr"/>
+          <a:lstStyle/>
+          <a:p>
+            <a:pPr algn="ctr"/>
+            <a:endParaRPr lang="en-US" dirty="0"/>
+          </a:p>
+        </p:txBody>
+      </p:sp>
+      <p:sp>
+        <p:nvSpPr>
+          <p:cNvPr id="27" name="Hexagon 26">
+            <a:extLst>
+              <a:ext uri="{FF2B5EF4-FFF2-40B4-BE49-F238E27FC236}">
+                <a16:creationId xmlns:a16="http://schemas.microsoft.com/office/drawing/2014/main" id="{EDA58312-BC6C-10CE-D676-1A55FABD2974}"/>
+              </a:ext>
+            </a:extLst>
+          </p:cNvPr>
+          <p:cNvSpPr>
+            <a:spLocks noChangeAspect="1"/>
+          </p:cNvSpPr>
+          <p:nvPr/>
+        </p:nvSpPr>
+        <p:spPr>
+          <a:xfrm>
+            <a:off x="3007818" y="4081495"/>
+            <a:ext cx="1027723" cy="885969"/>
+          </a:xfrm>
+          <a:prstGeom prst="hexagon">
+            <a:avLst/>
+          </a:prstGeom>
+          <a:noFill/>
+          <a:ln w="38100">
+            <a:solidFill>
+              <a:srgbClr val="C00000"/>
+            </a:solidFill>
+          </a:ln>
+        </p:spPr>
+        <p:style>
+          <a:lnRef idx="2">
+            <a:schemeClr val="accent1">
+              <a:shade val="15000"/>
+            </a:schemeClr>
+          </a:lnRef>
+          <a:fillRef idx="1">
+            <a:schemeClr val="accent1"/>
+          </a:fillRef>
+          <a:effectRef idx="0">
+            <a:schemeClr val="accent1"/>
+          </a:effectRef>
+          <a:fontRef idx="minor">
+            <a:schemeClr val="lt1"/>
+          </a:fontRef>
+        </p:style>
+        <p:txBody>
+          <a:bodyPr rtlCol="0" anchor="ctr"/>
+          <a:lstStyle/>
+          <a:p>
+            <a:pPr algn="ctr"/>
+            <a:endParaRPr lang="en-US" dirty="0"/>
+          </a:p>
+        </p:txBody>
+      </p:sp>
+      <p:sp>
+        <p:nvSpPr>
+          <p:cNvPr id="28" name="Hexagon 27">
+            <a:extLst>
+              <a:ext uri="{FF2B5EF4-FFF2-40B4-BE49-F238E27FC236}">
+                <a16:creationId xmlns:a16="http://schemas.microsoft.com/office/drawing/2014/main" id="{500312F3-E150-1BF6-8E03-C5E66745B1B5}"/>
+              </a:ext>
+            </a:extLst>
+          </p:cNvPr>
+          <p:cNvSpPr>
+            <a:spLocks noChangeAspect="1"/>
+          </p:cNvSpPr>
+          <p:nvPr/>
+        </p:nvSpPr>
+        <p:spPr>
+          <a:xfrm>
+            <a:off x="3007818" y="3199045"/>
+            <a:ext cx="1027723" cy="885969"/>
+          </a:xfrm>
+          <a:prstGeom prst="hexagon">
+            <a:avLst/>
+          </a:prstGeom>
+          <a:noFill/>
+          <a:ln w="38100">
+            <a:solidFill>
+              <a:srgbClr val="C00000"/>
+            </a:solidFill>
+          </a:ln>
+        </p:spPr>
+        <p:style>
+          <a:lnRef idx="2">
+            <a:schemeClr val="accent1">
+              <a:shade val="15000"/>
+            </a:schemeClr>
+          </a:lnRef>
+          <a:fillRef idx="1">
+            <a:schemeClr val="accent1"/>
+          </a:fillRef>
+          <a:effectRef idx="0">
+            <a:schemeClr val="accent1"/>
+          </a:effectRef>
+          <a:fontRef idx="minor">
+            <a:schemeClr val="lt1"/>
+          </a:fontRef>
+        </p:style>
+        <p:txBody>
+          <a:bodyPr rtlCol="0" anchor="ctr"/>
+          <a:lstStyle/>
+          <a:p>
+            <a:pPr algn="ctr"/>
+            <a:endParaRPr lang="en-US" dirty="0"/>
+          </a:p>
+        </p:txBody>
+      </p:sp>
+      <p:sp>
+        <p:nvSpPr>
+          <p:cNvPr id="29" name="Hexagon 28">
+            <a:extLst>
+              <a:ext uri="{FF2B5EF4-FFF2-40B4-BE49-F238E27FC236}">
+                <a16:creationId xmlns:a16="http://schemas.microsoft.com/office/drawing/2014/main" id="{15731913-8430-CCBF-E728-912DD1051C0A}"/>
+              </a:ext>
+            </a:extLst>
+          </p:cNvPr>
+          <p:cNvSpPr>
+            <a:spLocks noChangeAspect="1"/>
+          </p:cNvSpPr>
+          <p:nvPr/>
+        </p:nvSpPr>
+        <p:spPr>
+          <a:xfrm>
+            <a:off x="3810063" y="2755197"/>
+            <a:ext cx="1027723" cy="885969"/>
+          </a:xfrm>
+          <a:prstGeom prst="hexagon">
+            <a:avLst/>
+          </a:prstGeom>
+          <a:noFill/>
+          <a:ln w="38100">
+            <a:solidFill>
+              <a:srgbClr val="C00000"/>
+            </a:solidFill>
+          </a:ln>
+        </p:spPr>
+        <p:style>
+          <a:lnRef idx="2">
+            <a:schemeClr val="accent1">
+              <a:shade val="15000"/>
+            </a:schemeClr>
+          </a:lnRef>
+          <a:fillRef idx="1">
+            <a:schemeClr val="accent1"/>
+          </a:fillRef>
+          <a:effectRef idx="0">
+            <a:schemeClr val="accent1"/>
+          </a:effectRef>
+          <a:fontRef idx="minor">
+            <a:schemeClr val="lt1"/>
+          </a:fontRef>
+        </p:style>
+        <p:txBody>
+          <a:bodyPr rtlCol="0" anchor="ctr"/>
+          <a:lstStyle/>
+          <a:p>
+            <a:pPr algn="ctr"/>
+            <a:endParaRPr lang="en-US" dirty="0"/>
+          </a:p>
+        </p:txBody>
+      </p:sp>
+      <p:sp>
+        <p:nvSpPr>
+          <p:cNvPr id="30" name="Hexagon 29">
+            <a:extLst>
+              <a:ext uri="{FF2B5EF4-FFF2-40B4-BE49-F238E27FC236}">
+                <a16:creationId xmlns:a16="http://schemas.microsoft.com/office/drawing/2014/main" id="{FE4743FE-6712-EBB0-A5C5-B2274FF5C4DC}"/>
+              </a:ext>
+            </a:extLst>
+          </p:cNvPr>
+          <p:cNvSpPr>
+            <a:spLocks noChangeAspect="1"/>
+          </p:cNvSpPr>
+          <p:nvPr/>
+        </p:nvSpPr>
+        <p:spPr>
+          <a:xfrm>
+            <a:off x="3804124" y="3649602"/>
+            <a:ext cx="1027723" cy="885969"/>
+          </a:xfrm>
+          <a:prstGeom prst="hexagon">
+            <a:avLst/>
+          </a:prstGeom>
+          <a:noFill/>
+          <a:ln w="38100">
+            <a:solidFill>
+              <a:srgbClr val="C00000"/>
+            </a:solidFill>
+          </a:ln>
+        </p:spPr>
+        <p:style>
+          <a:lnRef idx="2">
+            <a:schemeClr val="accent1">
+              <a:shade val="15000"/>
+            </a:schemeClr>
+          </a:lnRef>
+          <a:fillRef idx="1">
+            <a:schemeClr val="accent1"/>
+          </a:fillRef>
+          <a:effectRef idx="0">
+            <a:schemeClr val="accent1"/>
+          </a:effectRef>
+          <a:fontRef idx="minor">
+            <a:schemeClr val="lt1"/>
+          </a:fontRef>
+        </p:style>
+        <p:txBody>
+          <a:bodyPr rtlCol="0" anchor="ctr"/>
+          <a:lstStyle/>
+          <a:p>
+            <a:pPr algn="ctr"/>
+            <a:endParaRPr lang="en-US" dirty="0"/>
+          </a:p>
+        </p:txBody>
+      </p:sp>
+      <p:sp>
+        <p:nvSpPr>
+          <p:cNvPr id="40" name="Hexagon 39">
+            <a:extLst>
+              <a:ext uri="{FF2B5EF4-FFF2-40B4-BE49-F238E27FC236}">
+                <a16:creationId xmlns:a16="http://schemas.microsoft.com/office/drawing/2014/main" id="{F03E2C1C-BF9A-D1A4-AB96-44B915D89168}"/>
+              </a:ext>
+            </a:extLst>
+          </p:cNvPr>
+          <p:cNvSpPr>
+            <a:spLocks noChangeAspect="1"/>
+          </p:cNvSpPr>
+          <p:nvPr/>
+        </p:nvSpPr>
+        <p:spPr>
+          <a:xfrm>
+            <a:off x="4609970" y="3205658"/>
+            <a:ext cx="1027723" cy="885969"/>
+          </a:xfrm>
+          <a:prstGeom prst="hexagon">
+            <a:avLst/>
+          </a:prstGeom>
+          <a:noFill/>
+          <a:ln w="38100">
+            <a:solidFill>
+              <a:srgbClr val="C00000"/>
+            </a:solidFill>
+          </a:ln>
+        </p:spPr>
+        <p:style>
+          <a:lnRef idx="2">
+            <a:schemeClr val="accent1">
+              <a:shade val="15000"/>
+            </a:schemeClr>
+          </a:lnRef>
+          <a:fillRef idx="1">
+            <a:schemeClr val="accent1"/>
+          </a:fillRef>
+          <a:effectRef idx="0">
+            <a:schemeClr val="accent1"/>
+          </a:effectRef>
+          <a:fontRef idx="minor">
+            <a:schemeClr val="lt1"/>
+          </a:fontRef>
+        </p:style>
+        <p:txBody>
+          <a:bodyPr rtlCol="0" anchor="ctr"/>
+          <a:lstStyle/>
+          <a:p>
+            <a:pPr algn="ctr"/>
+            <a:endParaRPr lang="en-US" dirty="0"/>
+          </a:p>
+        </p:txBody>
+      </p:sp>
+      <p:sp>
+        <p:nvSpPr>
+          <p:cNvPr id="41" name="Hexagon 40">
+            <a:extLst>
+              <a:ext uri="{FF2B5EF4-FFF2-40B4-BE49-F238E27FC236}">
+                <a16:creationId xmlns:a16="http://schemas.microsoft.com/office/drawing/2014/main" id="{AA13D11E-D161-07F1-337A-0439DE47625A}"/>
+              </a:ext>
+            </a:extLst>
+          </p:cNvPr>
+          <p:cNvSpPr>
+            <a:spLocks noChangeAspect="1"/>
+          </p:cNvSpPr>
+          <p:nvPr/>
+        </p:nvSpPr>
+        <p:spPr>
+          <a:xfrm>
+            <a:off x="4609970" y="4094411"/>
+            <a:ext cx="1027723" cy="885969"/>
+          </a:xfrm>
+          <a:prstGeom prst="hexagon">
+            <a:avLst/>
+          </a:prstGeom>
+          <a:noFill/>
+          <a:ln w="38100">
+            <a:solidFill>
+              <a:srgbClr val="C00000"/>
+            </a:solidFill>
+          </a:ln>
+        </p:spPr>
+        <p:style>
+          <a:lnRef idx="2">
+            <a:schemeClr val="accent1">
+              <a:shade val="15000"/>
+            </a:schemeClr>
+          </a:lnRef>
+          <a:fillRef idx="1">
+            <a:schemeClr val="accent1"/>
+          </a:fillRef>
+          <a:effectRef idx="0">
+            <a:schemeClr val="accent1"/>
+          </a:effectRef>
+          <a:fontRef idx="minor">
+            <a:schemeClr val="lt1"/>
+          </a:fontRef>
+        </p:style>
+        <p:txBody>
+          <a:bodyPr rtlCol="0" anchor="ctr"/>
+          <a:lstStyle/>
+          <a:p>
+            <a:pPr algn="ctr"/>
+            <a:endParaRPr lang="en-US" dirty="0"/>
+          </a:p>
+        </p:txBody>
+      </p:sp>
+      <p:sp>
+        <p:nvSpPr>
+          <p:cNvPr id="42" name="Hexagon 41">
+            <a:extLst>
+              <a:ext uri="{FF2B5EF4-FFF2-40B4-BE49-F238E27FC236}">
+                <a16:creationId xmlns:a16="http://schemas.microsoft.com/office/drawing/2014/main" id="{37E2AD43-8C0F-AE4E-73F5-2ADF3F4328B5}"/>
+              </a:ext>
+            </a:extLst>
+          </p:cNvPr>
+          <p:cNvSpPr>
+            <a:spLocks noChangeAspect="1"/>
+          </p:cNvSpPr>
+          <p:nvPr/>
+        </p:nvSpPr>
+        <p:spPr>
+          <a:xfrm>
+            <a:off x="4609970" y="4989467"/>
+            <a:ext cx="1027723" cy="885969"/>
+          </a:xfrm>
+          <a:prstGeom prst="hexagon">
+            <a:avLst/>
+          </a:prstGeom>
+          <a:noFill/>
+          <a:ln w="38100">
+            <a:solidFill>
+              <a:srgbClr val="C00000"/>
+            </a:solidFill>
+          </a:ln>
+        </p:spPr>
+        <p:style>
+          <a:lnRef idx="2">
+            <a:schemeClr val="accent1">
+              <a:shade val="15000"/>
+            </a:schemeClr>
+          </a:lnRef>
+          <a:fillRef idx="1">
+            <a:schemeClr val="accent1"/>
+          </a:fillRef>
+          <a:effectRef idx="0">
+            <a:schemeClr val="accent1"/>
+          </a:effectRef>
+          <a:fontRef idx="minor">
+            <a:schemeClr val="lt1"/>
+          </a:fontRef>
+        </p:style>
+        <p:txBody>
+          <a:bodyPr rtlCol="0" anchor="ctr"/>
+          <a:lstStyle/>
+          <a:p>
+            <a:pPr algn="ctr"/>
+            <a:endParaRPr lang="en-US" dirty="0"/>
+          </a:p>
+        </p:txBody>
+      </p:sp>
+      <p:sp>
+        <p:nvSpPr>
+          <p:cNvPr id="49" name="Hexagon 48">
+            <a:extLst>
+              <a:ext uri="{FF2B5EF4-FFF2-40B4-BE49-F238E27FC236}">
+                <a16:creationId xmlns:a16="http://schemas.microsoft.com/office/drawing/2014/main" id="{6DED218D-3761-F049-ADDA-F96E065614EC}"/>
+              </a:ext>
+            </a:extLst>
+          </p:cNvPr>
+          <p:cNvSpPr>
+            <a:spLocks noChangeAspect="1"/>
+          </p:cNvSpPr>
+          <p:nvPr/>
+        </p:nvSpPr>
+        <p:spPr>
+          <a:xfrm>
+            <a:off x="3810736" y="4529918"/>
+            <a:ext cx="1027723" cy="885969"/>
+          </a:xfrm>
+          <a:prstGeom prst="hexagon">
+            <a:avLst/>
+          </a:prstGeom>
+          <a:noFill/>
+          <a:ln w="38100">
+            <a:solidFill>
+              <a:srgbClr val="C00000"/>
+            </a:solidFill>
+          </a:ln>
+        </p:spPr>
+        <p:style>
+          <a:lnRef idx="2">
+            <a:schemeClr val="accent1">
+              <a:shade val="15000"/>
+            </a:schemeClr>
+          </a:lnRef>
+          <a:fillRef idx="1">
+            <a:schemeClr val="accent1"/>
+          </a:fillRef>
+          <a:effectRef idx="0">
+            <a:schemeClr val="accent1"/>
+          </a:effectRef>
+          <a:fontRef idx="minor">
+            <a:schemeClr val="lt1"/>
+          </a:fontRef>
+        </p:style>
+        <p:txBody>
+          <a:bodyPr rtlCol="0" anchor="ctr"/>
+          <a:lstStyle/>
+          <a:p>
+            <a:pPr algn="ctr"/>
+            <a:endParaRPr lang="en-US" dirty="0"/>
+          </a:p>
+        </p:txBody>
+      </p:sp>
+      <p:sp>
+        <p:nvSpPr>
+          <p:cNvPr id="1025" name="Hexagon 1024">
+            <a:extLst>
+              <a:ext uri="{FF2B5EF4-FFF2-40B4-BE49-F238E27FC236}">
+                <a16:creationId xmlns:a16="http://schemas.microsoft.com/office/drawing/2014/main" id="{C7930FA0-BB84-E8BC-6F55-86DC44EB1517}"/>
+              </a:ext>
+            </a:extLst>
+          </p:cNvPr>
+          <p:cNvSpPr>
+            <a:spLocks noChangeAspect="1"/>
+          </p:cNvSpPr>
+          <p:nvPr/>
+        </p:nvSpPr>
+        <p:spPr>
+          <a:xfrm>
+            <a:off x="5427889" y="2748365"/>
+            <a:ext cx="1027723" cy="885969"/>
+          </a:xfrm>
+          <a:prstGeom prst="hexagon">
+            <a:avLst/>
+          </a:prstGeom>
+          <a:noFill/>
+          <a:ln w="38100">
+            <a:solidFill>
+              <a:srgbClr val="C00000"/>
+            </a:solidFill>
+          </a:ln>
+        </p:spPr>
+        <p:style>
+          <a:lnRef idx="2">
+            <a:schemeClr val="accent1">
+              <a:shade val="15000"/>
+            </a:schemeClr>
+          </a:lnRef>
+          <a:fillRef idx="1">
+            <a:schemeClr val="accent1"/>
+          </a:fillRef>
+          <a:effectRef idx="0">
+            <a:schemeClr val="accent1"/>
+          </a:effectRef>
+          <a:fontRef idx="minor">
+            <a:schemeClr val="lt1"/>
+          </a:fontRef>
+        </p:style>
+        <p:txBody>
+          <a:bodyPr rtlCol="0" anchor="ctr"/>
+          <a:lstStyle/>
+          <a:p>
+            <a:pPr algn="ctr"/>
+            <a:endParaRPr lang="en-US" dirty="0"/>
+          </a:p>
+        </p:txBody>
+      </p:sp>
+      <p:sp>
+        <p:nvSpPr>
+          <p:cNvPr id="1027" name="Hexagon 1026">
+            <a:extLst>
+              <a:ext uri="{FF2B5EF4-FFF2-40B4-BE49-F238E27FC236}">
+                <a16:creationId xmlns:a16="http://schemas.microsoft.com/office/drawing/2014/main" id="{07BAD851-770C-F9A5-118E-93F5FFB185A8}"/>
+              </a:ext>
+            </a:extLst>
+          </p:cNvPr>
+          <p:cNvSpPr>
+            <a:spLocks noChangeAspect="1"/>
+          </p:cNvSpPr>
+          <p:nvPr/>
+        </p:nvSpPr>
+        <p:spPr>
+          <a:xfrm>
+            <a:off x="5421221" y="3637118"/>
+            <a:ext cx="1027723" cy="885969"/>
+          </a:xfrm>
+          <a:prstGeom prst="hexagon">
+            <a:avLst/>
+          </a:prstGeom>
+          <a:noFill/>
+          <a:ln w="38100">
+            <a:solidFill>
+              <a:srgbClr val="C00000"/>
+            </a:solidFill>
+          </a:ln>
+        </p:spPr>
+        <p:style>
+          <a:lnRef idx="2">
+            <a:schemeClr val="accent1">
+              <a:shade val="15000"/>
+            </a:schemeClr>
+          </a:lnRef>
+          <a:fillRef idx="1">
+            <a:schemeClr val="accent1"/>
+          </a:fillRef>
+          <a:effectRef idx="0">
+            <a:schemeClr val="accent1"/>
+          </a:effectRef>
+          <a:fontRef idx="minor">
+            <a:schemeClr val="lt1"/>
+          </a:fontRef>
+        </p:style>
+        <p:txBody>
+          <a:bodyPr rtlCol="0" anchor="ctr"/>
+          <a:lstStyle/>
+          <a:p>
+            <a:pPr algn="ctr"/>
+            <a:endParaRPr lang="en-US" dirty="0"/>
+          </a:p>
+        </p:txBody>
+      </p:sp>
+      <p:sp>
+        <p:nvSpPr>
+          <p:cNvPr id="1029" name="Hexagon 1028">
+            <a:extLst>
+              <a:ext uri="{FF2B5EF4-FFF2-40B4-BE49-F238E27FC236}">
+                <a16:creationId xmlns:a16="http://schemas.microsoft.com/office/drawing/2014/main" id="{D632B0F6-85EB-24F7-7939-C500C21C0D9E}"/>
+              </a:ext>
+            </a:extLst>
+          </p:cNvPr>
+          <p:cNvSpPr>
+            <a:spLocks noChangeAspect="1"/>
+          </p:cNvSpPr>
+          <p:nvPr/>
+        </p:nvSpPr>
+        <p:spPr>
+          <a:xfrm>
+            <a:off x="5421221" y="4518839"/>
+            <a:ext cx="1027723" cy="885969"/>
+          </a:xfrm>
+          <a:prstGeom prst="hexagon">
+            <a:avLst/>
+          </a:prstGeom>
+          <a:noFill/>
+          <a:ln w="38100">
+            <a:solidFill>
+              <a:srgbClr val="C00000"/>
+            </a:solidFill>
+          </a:ln>
+        </p:spPr>
+        <p:style>
+          <a:lnRef idx="2">
+            <a:schemeClr val="accent1">
+              <a:shade val="15000"/>
+            </a:schemeClr>
+          </a:lnRef>
+          <a:fillRef idx="1">
+            <a:schemeClr val="accent1"/>
+          </a:fillRef>
+          <a:effectRef idx="0">
+            <a:schemeClr val="accent1"/>
+          </a:effectRef>
+          <a:fontRef idx="minor">
+            <a:schemeClr val="lt1"/>
+          </a:fontRef>
+        </p:style>
+        <p:txBody>
+          <a:bodyPr rtlCol="0" anchor="ctr"/>
+          <a:lstStyle/>
+          <a:p>
+            <a:pPr algn="ctr"/>
+            <a:endParaRPr lang="en-US" dirty="0"/>
+          </a:p>
+        </p:txBody>
+      </p:sp>
+      <p:sp>
+        <p:nvSpPr>
+          <p:cNvPr id="1030" name="Hexagon 1029">
+            <a:extLst>
+              <a:ext uri="{FF2B5EF4-FFF2-40B4-BE49-F238E27FC236}">
+                <a16:creationId xmlns:a16="http://schemas.microsoft.com/office/drawing/2014/main" id="{94B24927-43D8-1C74-168D-351ED75387C9}"/>
+              </a:ext>
+            </a:extLst>
+          </p:cNvPr>
+          <p:cNvSpPr>
+            <a:spLocks noChangeAspect="1"/>
+          </p:cNvSpPr>
+          <p:nvPr/>
+        </p:nvSpPr>
+        <p:spPr>
+          <a:xfrm>
+            <a:off x="6230133" y="4963945"/>
+            <a:ext cx="1027723" cy="885969"/>
+          </a:xfrm>
+          <a:prstGeom prst="hexagon">
+            <a:avLst/>
+          </a:prstGeom>
+          <a:noFill/>
+          <a:ln w="38100">
+            <a:solidFill>
+              <a:srgbClr val="C00000"/>
+            </a:solidFill>
+          </a:ln>
+        </p:spPr>
+        <p:style>
+          <a:lnRef idx="2">
+            <a:schemeClr val="accent1">
+              <a:shade val="15000"/>
+            </a:schemeClr>
+          </a:lnRef>
+          <a:fillRef idx="1">
+            <a:schemeClr val="accent1"/>
+          </a:fillRef>
+          <a:effectRef idx="0">
+            <a:schemeClr val="accent1"/>
+          </a:effectRef>
+          <a:fontRef idx="minor">
+            <a:schemeClr val="lt1"/>
+          </a:fontRef>
+        </p:style>
+        <p:txBody>
+          <a:bodyPr rtlCol="0" anchor="ctr"/>
+          <a:lstStyle/>
+          <a:p>
+            <a:pPr algn="ctr"/>
+            <a:endParaRPr lang="en-US" dirty="0"/>
+          </a:p>
+        </p:txBody>
+      </p:sp>
+      <p:sp>
+        <p:nvSpPr>
+          <p:cNvPr id="1031" name="Hexagon 1030">
+            <a:extLst>
+              <a:ext uri="{FF2B5EF4-FFF2-40B4-BE49-F238E27FC236}">
+                <a16:creationId xmlns:a16="http://schemas.microsoft.com/office/drawing/2014/main" id="{3DB7BA57-7A0A-69E4-2AF2-2C4D8F441114}"/>
+              </a:ext>
+            </a:extLst>
+          </p:cNvPr>
+          <p:cNvSpPr>
+            <a:spLocks noChangeAspect="1"/>
+          </p:cNvSpPr>
+          <p:nvPr/>
+        </p:nvSpPr>
+        <p:spPr>
+          <a:xfrm>
+            <a:off x="6230133" y="4081495"/>
+            <a:ext cx="1027723" cy="885969"/>
+          </a:xfrm>
+          <a:prstGeom prst="hexagon">
+            <a:avLst/>
+          </a:prstGeom>
+          <a:noFill/>
+          <a:ln w="38100">
+            <a:solidFill>
+              <a:srgbClr val="C00000"/>
+            </a:solidFill>
+          </a:ln>
+        </p:spPr>
+        <p:style>
+          <a:lnRef idx="2">
+            <a:schemeClr val="accent1">
+              <a:shade val="15000"/>
+            </a:schemeClr>
+          </a:lnRef>
+          <a:fillRef idx="1">
+            <a:schemeClr val="accent1"/>
+          </a:fillRef>
+          <a:effectRef idx="0">
+            <a:schemeClr val="accent1"/>
+          </a:effectRef>
+          <a:fontRef idx="minor">
+            <a:schemeClr val="lt1"/>
+          </a:fontRef>
+        </p:style>
+        <p:txBody>
+          <a:bodyPr rtlCol="0" anchor="ctr"/>
+          <a:lstStyle/>
+          <a:p>
+            <a:pPr algn="ctr"/>
+            <a:endParaRPr lang="en-US" dirty="0"/>
+          </a:p>
+        </p:txBody>
+      </p:sp>
+      <p:sp>
+        <p:nvSpPr>
+          <p:cNvPr id="1032" name="Hexagon 1031">
+            <a:extLst>
+              <a:ext uri="{FF2B5EF4-FFF2-40B4-BE49-F238E27FC236}">
+                <a16:creationId xmlns:a16="http://schemas.microsoft.com/office/drawing/2014/main" id="{C03011F2-1859-3E52-FEC8-55F61BD5FFF3}"/>
+              </a:ext>
+            </a:extLst>
+          </p:cNvPr>
+          <p:cNvSpPr>
+            <a:spLocks noChangeAspect="1"/>
+          </p:cNvSpPr>
+          <p:nvPr/>
+        </p:nvSpPr>
+        <p:spPr>
+          <a:xfrm>
+            <a:off x="6230133" y="3199045"/>
+            <a:ext cx="1027723" cy="885969"/>
+          </a:xfrm>
+          <a:prstGeom prst="hexagon">
+            <a:avLst/>
+          </a:prstGeom>
+          <a:noFill/>
+          <a:ln w="38100">
+            <a:solidFill>
+              <a:srgbClr val="C00000"/>
+            </a:solidFill>
+          </a:ln>
+        </p:spPr>
+        <p:style>
+          <a:lnRef idx="2">
+            <a:schemeClr val="accent1">
+              <a:shade val="15000"/>
+            </a:schemeClr>
+          </a:lnRef>
+          <a:fillRef idx="1">
+            <a:schemeClr val="accent1"/>
+          </a:fillRef>
+          <a:effectRef idx="0">
+            <a:schemeClr val="accent1"/>
+          </a:effectRef>
+          <a:fontRef idx="minor">
+            <a:schemeClr val="lt1"/>
+          </a:fontRef>
+        </p:style>
+        <p:txBody>
+          <a:bodyPr rtlCol="0" anchor="ctr"/>
+          <a:lstStyle/>
+          <a:p>
+            <a:pPr algn="ctr"/>
+            <a:endParaRPr lang="en-US" dirty="0"/>
+          </a:p>
+        </p:txBody>
+      </p:sp>
+      <p:sp>
+        <p:nvSpPr>
+          <p:cNvPr id="1033" name="Hexagon 1032">
+            <a:extLst>
+              <a:ext uri="{FF2B5EF4-FFF2-40B4-BE49-F238E27FC236}">
+                <a16:creationId xmlns:a16="http://schemas.microsoft.com/office/drawing/2014/main" id="{AE75FE7B-A81B-2956-56D7-45F8EB881D36}"/>
+              </a:ext>
+            </a:extLst>
+          </p:cNvPr>
+          <p:cNvSpPr>
+            <a:spLocks noChangeAspect="1"/>
+          </p:cNvSpPr>
+          <p:nvPr/>
+        </p:nvSpPr>
+        <p:spPr>
+          <a:xfrm>
+            <a:off x="7032379" y="2755196"/>
+            <a:ext cx="1027723" cy="885969"/>
+          </a:xfrm>
+          <a:prstGeom prst="hexagon">
+            <a:avLst/>
+          </a:prstGeom>
+          <a:noFill/>
+          <a:ln w="38100">
+            <a:solidFill>
+              <a:srgbClr val="C00000"/>
+            </a:solidFill>
+          </a:ln>
+        </p:spPr>
+        <p:style>
+          <a:lnRef idx="2">
+            <a:schemeClr val="accent1">
+              <a:shade val="15000"/>
+            </a:schemeClr>
+          </a:lnRef>
+          <a:fillRef idx="1">
+            <a:schemeClr val="accent1"/>
+          </a:fillRef>
+          <a:effectRef idx="0">
+            <a:schemeClr val="accent1"/>
+          </a:effectRef>
+          <a:fontRef idx="minor">
+            <a:schemeClr val="lt1"/>
+          </a:fontRef>
+        </p:style>
+        <p:txBody>
+          <a:bodyPr rtlCol="0" anchor="ctr"/>
+          <a:lstStyle/>
+          <a:p>
+            <a:pPr algn="ctr"/>
+            <a:endParaRPr lang="en-US" dirty="0"/>
+          </a:p>
+        </p:txBody>
+      </p:sp>
+      <p:sp>
+        <p:nvSpPr>
+          <p:cNvPr id="1034" name="Hexagon 1033">
+            <a:extLst>
+              <a:ext uri="{FF2B5EF4-FFF2-40B4-BE49-F238E27FC236}">
+                <a16:creationId xmlns:a16="http://schemas.microsoft.com/office/drawing/2014/main" id="{54025567-2401-C213-CA49-AFB6FBE39109}"/>
+              </a:ext>
+            </a:extLst>
+          </p:cNvPr>
+          <p:cNvSpPr>
+            <a:spLocks noChangeAspect="1"/>
+          </p:cNvSpPr>
+          <p:nvPr/>
+        </p:nvSpPr>
+        <p:spPr>
+          <a:xfrm>
+            <a:off x="7026440" y="3649603"/>
+            <a:ext cx="1027723" cy="885969"/>
+          </a:xfrm>
+          <a:prstGeom prst="hexagon">
+            <a:avLst/>
+          </a:prstGeom>
+          <a:noFill/>
+          <a:ln w="38100">
+            <a:solidFill>
+              <a:srgbClr val="C00000"/>
+            </a:solidFill>
+          </a:ln>
+        </p:spPr>
+        <p:style>
+          <a:lnRef idx="2">
+            <a:schemeClr val="accent1">
+              <a:shade val="15000"/>
+            </a:schemeClr>
+          </a:lnRef>
+          <a:fillRef idx="1">
+            <a:schemeClr val="accent1"/>
+          </a:fillRef>
+          <a:effectRef idx="0">
+            <a:schemeClr val="accent1"/>
+          </a:effectRef>
+          <a:fontRef idx="minor">
+            <a:schemeClr val="lt1"/>
+          </a:fontRef>
+        </p:style>
+        <p:txBody>
+          <a:bodyPr rtlCol="0" anchor="ctr"/>
+          <a:lstStyle/>
+          <a:p>
+            <a:pPr algn="ctr"/>
+            <a:endParaRPr lang="en-US" dirty="0"/>
+          </a:p>
+        </p:txBody>
+      </p:sp>
+      <p:sp>
+        <p:nvSpPr>
+          <p:cNvPr id="1035" name="Hexagon 1034">
+            <a:extLst>
+              <a:ext uri="{FF2B5EF4-FFF2-40B4-BE49-F238E27FC236}">
+                <a16:creationId xmlns:a16="http://schemas.microsoft.com/office/drawing/2014/main" id="{E0349C23-4111-3D32-480E-A5D8E9E50CE5}"/>
+              </a:ext>
+            </a:extLst>
+          </p:cNvPr>
+          <p:cNvSpPr>
+            <a:spLocks noChangeAspect="1"/>
+          </p:cNvSpPr>
+          <p:nvPr/>
+        </p:nvSpPr>
+        <p:spPr>
+          <a:xfrm>
+            <a:off x="7832286" y="3205659"/>
+            <a:ext cx="1027723" cy="885969"/>
+          </a:xfrm>
+          <a:prstGeom prst="hexagon">
+            <a:avLst/>
+          </a:prstGeom>
+          <a:noFill/>
+          <a:ln w="38100">
+            <a:solidFill>
+              <a:srgbClr val="C00000"/>
+            </a:solidFill>
+          </a:ln>
+        </p:spPr>
+        <p:style>
+          <a:lnRef idx="2">
+            <a:schemeClr val="accent1">
+              <a:shade val="15000"/>
+            </a:schemeClr>
+          </a:lnRef>
+          <a:fillRef idx="1">
+            <a:schemeClr val="accent1"/>
+          </a:fillRef>
+          <a:effectRef idx="0">
+            <a:schemeClr val="accent1"/>
+          </a:effectRef>
+          <a:fontRef idx="minor">
+            <a:schemeClr val="lt1"/>
+          </a:fontRef>
+        </p:style>
+        <p:txBody>
+          <a:bodyPr rtlCol="0" anchor="ctr"/>
+          <a:lstStyle/>
+          <a:p>
+            <a:pPr algn="ctr"/>
+            <a:endParaRPr lang="en-US" dirty="0"/>
+          </a:p>
+        </p:txBody>
+      </p:sp>
+      <p:sp>
+        <p:nvSpPr>
+          <p:cNvPr id="1036" name="Hexagon 1035">
+            <a:extLst>
+              <a:ext uri="{FF2B5EF4-FFF2-40B4-BE49-F238E27FC236}">
+                <a16:creationId xmlns:a16="http://schemas.microsoft.com/office/drawing/2014/main" id="{F83ECF99-64C5-797E-B098-E76380388873}"/>
+              </a:ext>
+            </a:extLst>
+          </p:cNvPr>
+          <p:cNvSpPr>
+            <a:spLocks noChangeAspect="1"/>
+          </p:cNvSpPr>
+          <p:nvPr/>
+        </p:nvSpPr>
+        <p:spPr>
+          <a:xfrm>
+            <a:off x="7832286" y="4094411"/>
+            <a:ext cx="1027723" cy="885969"/>
+          </a:xfrm>
+          <a:prstGeom prst="hexagon">
+            <a:avLst/>
+          </a:prstGeom>
+          <a:noFill/>
+          <a:ln w="38100">
+            <a:solidFill>
+              <a:srgbClr val="C00000"/>
+            </a:solidFill>
+          </a:ln>
+        </p:spPr>
+        <p:style>
+          <a:lnRef idx="2">
+            <a:schemeClr val="accent1">
+              <a:shade val="15000"/>
+            </a:schemeClr>
+          </a:lnRef>
+          <a:fillRef idx="1">
+            <a:schemeClr val="accent1"/>
+          </a:fillRef>
+          <a:effectRef idx="0">
+            <a:schemeClr val="accent1"/>
+          </a:effectRef>
+          <a:fontRef idx="minor">
+            <a:schemeClr val="lt1"/>
+          </a:fontRef>
+        </p:style>
+        <p:txBody>
+          <a:bodyPr rtlCol="0" anchor="ctr"/>
+          <a:lstStyle/>
+          <a:p>
+            <a:pPr algn="ctr"/>
+            <a:endParaRPr lang="en-US" dirty="0"/>
+          </a:p>
+        </p:txBody>
+      </p:sp>
+      <p:sp>
+        <p:nvSpPr>
+          <p:cNvPr id="1037" name="Hexagon 1036">
+            <a:extLst>
+              <a:ext uri="{FF2B5EF4-FFF2-40B4-BE49-F238E27FC236}">
+                <a16:creationId xmlns:a16="http://schemas.microsoft.com/office/drawing/2014/main" id="{3EFEC826-0843-1F99-73DF-98C2B066C33D}"/>
+              </a:ext>
+            </a:extLst>
+          </p:cNvPr>
+          <p:cNvSpPr>
+            <a:spLocks noChangeAspect="1"/>
+          </p:cNvSpPr>
+          <p:nvPr/>
+        </p:nvSpPr>
+        <p:spPr>
+          <a:xfrm>
+            <a:off x="7832286" y="4989467"/>
+            <a:ext cx="1027723" cy="885969"/>
+          </a:xfrm>
+          <a:prstGeom prst="hexagon">
+            <a:avLst/>
+          </a:prstGeom>
+          <a:noFill/>
+          <a:ln w="38100">
+            <a:solidFill>
+              <a:srgbClr val="C00000"/>
+            </a:solidFill>
+          </a:ln>
+        </p:spPr>
+        <p:style>
+          <a:lnRef idx="2">
+            <a:schemeClr val="accent1">
+              <a:shade val="15000"/>
+            </a:schemeClr>
+          </a:lnRef>
+          <a:fillRef idx="1">
+            <a:schemeClr val="accent1"/>
+          </a:fillRef>
+          <a:effectRef idx="0">
+            <a:schemeClr val="accent1"/>
+          </a:effectRef>
+          <a:fontRef idx="minor">
+            <a:schemeClr val="lt1"/>
+          </a:fontRef>
+        </p:style>
+        <p:txBody>
+          <a:bodyPr rtlCol="0" anchor="ctr"/>
+          <a:lstStyle/>
+          <a:p>
+            <a:pPr algn="ctr"/>
+            <a:endParaRPr lang="en-US" dirty="0"/>
+          </a:p>
+        </p:txBody>
+      </p:sp>
+      <p:sp>
+        <p:nvSpPr>
+          <p:cNvPr id="1038" name="Hexagon 1037">
+            <a:extLst>
+              <a:ext uri="{FF2B5EF4-FFF2-40B4-BE49-F238E27FC236}">
+                <a16:creationId xmlns:a16="http://schemas.microsoft.com/office/drawing/2014/main" id="{0BCE8D4E-D1B7-EB16-800E-B94AFEB8750D}"/>
+              </a:ext>
+            </a:extLst>
+          </p:cNvPr>
+          <p:cNvSpPr>
+            <a:spLocks noChangeAspect="1"/>
+          </p:cNvSpPr>
+          <p:nvPr/>
+        </p:nvSpPr>
+        <p:spPr>
+          <a:xfrm>
+            <a:off x="7033052" y="4529918"/>
+            <a:ext cx="1027723" cy="885969"/>
+          </a:xfrm>
+          <a:prstGeom prst="hexagon">
+            <a:avLst/>
+          </a:prstGeom>
+          <a:noFill/>
+          <a:ln w="38100">
+            <a:solidFill>
+              <a:srgbClr val="C00000"/>
+            </a:solidFill>
+          </a:ln>
+        </p:spPr>
+        <p:style>
+          <a:lnRef idx="2">
+            <a:schemeClr val="accent1">
+              <a:shade val="15000"/>
+            </a:schemeClr>
+          </a:lnRef>
+          <a:fillRef idx="1">
+            <a:schemeClr val="accent1"/>
+          </a:fillRef>
+          <a:effectRef idx="0">
+            <a:schemeClr val="accent1"/>
+          </a:effectRef>
+          <a:fontRef idx="minor">
+            <a:schemeClr val="lt1"/>
+          </a:fontRef>
+        </p:style>
+        <p:txBody>
+          <a:bodyPr rtlCol="0" anchor="ctr"/>
+          <a:lstStyle/>
+          <a:p>
+            <a:pPr algn="ctr"/>
+            <a:endParaRPr lang="en-US" dirty="0"/>
+          </a:p>
+        </p:txBody>
+      </p:sp>
+      <p:sp>
+        <p:nvSpPr>
+          <p:cNvPr id="1041" name="Hexagon 1040">
+            <a:extLst>
+              <a:ext uri="{FF2B5EF4-FFF2-40B4-BE49-F238E27FC236}">
+                <a16:creationId xmlns:a16="http://schemas.microsoft.com/office/drawing/2014/main" id="{233AE70B-20DB-13A2-B087-EABEF323EEE8}"/>
+              </a:ext>
+            </a:extLst>
+          </p:cNvPr>
+          <p:cNvSpPr>
+            <a:spLocks noChangeAspect="1"/>
+          </p:cNvSpPr>
+          <p:nvPr/>
+        </p:nvSpPr>
+        <p:spPr>
+          <a:xfrm>
+            <a:off x="2205573" y="102274"/>
+            <a:ext cx="1027723" cy="885969"/>
+          </a:xfrm>
+          <a:prstGeom prst="hexagon">
+            <a:avLst/>
+          </a:prstGeom>
+          <a:noFill/>
+          <a:ln w="38100">
+            <a:solidFill>
+              <a:srgbClr val="C00000"/>
+            </a:solidFill>
+          </a:ln>
+        </p:spPr>
+        <p:style>
+          <a:lnRef idx="2">
+            <a:schemeClr val="accent1">
+              <a:shade val="15000"/>
+            </a:schemeClr>
+          </a:lnRef>
+          <a:fillRef idx="1">
+            <a:schemeClr val="accent1"/>
+          </a:fillRef>
+          <a:effectRef idx="0">
+            <a:schemeClr val="accent1"/>
+          </a:effectRef>
+          <a:fontRef idx="minor">
+            <a:schemeClr val="lt1"/>
+          </a:fontRef>
+        </p:style>
+        <p:txBody>
+          <a:bodyPr rtlCol="0" anchor="ctr"/>
+          <a:lstStyle/>
+          <a:p>
+            <a:pPr algn="ctr"/>
+            <a:endParaRPr lang="en-US" dirty="0"/>
+          </a:p>
+        </p:txBody>
+      </p:sp>
+      <p:sp>
+        <p:nvSpPr>
+          <p:cNvPr id="1042" name="Hexagon 1041">
+            <a:extLst>
+              <a:ext uri="{FF2B5EF4-FFF2-40B4-BE49-F238E27FC236}">
+                <a16:creationId xmlns:a16="http://schemas.microsoft.com/office/drawing/2014/main" id="{3DE50CB0-C76B-A63E-8679-7E0A8959A0B9}"/>
+              </a:ext>
+            </a:extLst>
+          </p:cNvPr>
+          <p:cNvSpPr>
+            <a:spLocks noChangeAspect="1"/>
+          </p:cNvSpPr>
+          <p:nvPr/>
+        </p:nvSpPr>
+        <p:spPr>
+          <a:xfrm>
+            <a:off x="2198906" y="981088"/>
+            <a:ext cx="1027723" cy="885969"/>
+          </a:xfrm>
+          <a:prstGeom prst="hexagon">
+            <a:avLst/>
+          </a:prstGeom>
+          <a:noFill/>
+          <a:ln w="38100">
+            <a:solidFill>
+              <a:srgbClr val="C00000"/>
+            </a:solidFill>
+          </a:ln>
+        </p:spPr>
+        <p:style>
+          <a:lnRef idx="2">
+            <a:schemeClr val="accent1">
+              <a:shade val="15000"/>
+            </a:schemeClr>
+          </a:lnRef>
+          <a:fillRef idx="1">
+            <a:schemeClr val="accent1"/>
+          </a:fillRef>
+          <a:effectRef idx="0">
+            <a:schemeClr val="accent1"/>
+          </a:effectRef>
+          <a:fontRef idx="minor">
+            <a:schemeClr val="lt1"/>
+          </a:fontRef>
+        </p:style>
+        <p:txBody>
+          <a:bodyPr rtlCol="0" anchor="ctr"/>
+          <a:lstStyle/>
+          <a:p>
+            <a:pPr algn="ctr"/>
+            <a:endParaRPr lang="en-US" dirty="0"/>
+          </a:p>
+        </p:txBody>
+      </p:sp>
+      <p:sp>
+        <p:nvSpPr>
+          <p:cNvPr id="1043" name="Hexagon 1042">
+            <a:extLst>
+              <a:ext uri="{FF2B5EF4-FFF2-40B4-BE49-F238E27FC236}">
+                <a16:creationId xmlns:a16="http://schemas.microsoft.com/office/drawing/2014/main" id="{29D05AB5-6B19-44C7-74B5-B5B33DBEB87D}"/>
+              </a:ext>
+            </a:extLst>
+          </p:cNvPr>
+          <p:cNvSpPr>
+            <a:spLocks noChangeAspect="1"/>
+          </p:cNvSpPr>
+          <p:nvPr/>
+        </p:nvSpPr>
+        <p:spPr>
+          <a:xfrm>
+            <a:off x="2198906" y="1862808"/>
+            <a:ext cx="1027723" cy="885969"/>
+          </a:xfrm>
+          <a:prstGeom prst="hexagon">
+            <a:avLst/>
+          </a:prstGeom>
+          <a:noFill/>
+          <a:ln w="38100">
+            <a:solidFill>
+              <a:srgbClr val="C00000"/>
+            </a:solidFill>
+          </a:ln>
+        </p:spPr>
+        <p:style>
+          <a:lnRef idx="2">
+            <a:schemeClr val="accent1">
+              <a:shade val="15000"/>
+            </a:schemeClr>
+          </a:lnRef>
+          <a:fillRef idx="1">
+            <a:schemeClr val="accent1"/>
+          </a:fillRef>
+          <a:effectRef idx="0">
+            <a:schemeClr val="accent1"/>
+          </a:effectRef>
+          <a:fontRef idx="minor">
+            <a:schemeClr val="lt1"/>
+          </a:fontRef>
+        </p:style>
+        <p:txBody>
+          <a:bodyPr rtlCol="0" anchor="ctr"/>
+          <a:lstStyle/>
+          <a:p>
+            <a:pPr algn="ctr"/>
+            <a:endParaRPr lang="en-US" dirty="0"/>
+          </a:p>
+        </p:txBody>
+      </p:sp>
+      <p:sp>
+        <p:nvSpPr>
+          <p:cNvPr id="1044" name="Hexagon 1043">
+            <a:extLst>
+              <a:ext uri="{FF2B5EF4-FFF2-40B4-BE49-F238E27FC236}">
+                <a16:creationId xmlns:a16="http://schemas.microsoft.com/office/drawing/2014/main" id="{30A6E450-0182-357B-895E-052D58DB7A20}"/>
+              </a:ext>
+            </a:extLst>
+          </p:cNvPr>
+          <p:cNvSpPr>
+            <a:spLocks noChangeAspect="1"/>
+          </p:cNvSpPr>
+          <p:nvPr/>
+        </p:nvSpPr>
+        <p:spPr>
+          <a:xfrm>
+            <a:off x="3007818" y="2307915"/>
+            <a:ext cx="1027723" cy="885969"/>
+          </a:xfrm>
+          <a:prstGeom prst="hexagon">
+            <a:avLst/>
+          </a:prstGeom>
+          <a:noFill/>
+          <a:ln w="38100">
+            <a:solidFill>
+              <a:srgbClr val="C00000"/>
+            </a:solidFill>
+          </a:ln>
+        </p:spPr>
+        <p:style>
+          <a:lnRef idx="2">
+            <a:schemeClr val="accent1">
+              <a:shade val="15000"/>
+            </a:schemeClr>
+          </a:lnRef>
+          <a:fillRef idx="1">
+            <a:schemeClr val="accent1"/>
+          </a:fillRef>
+          <a:effectRef idx="0">
+            <a:schemeClr val="accent1"/>
+          </a:effectRef>
+          <a:fontRef idx="minor">
+            <a:schemeClr val="lt1"/>
+          </a:fontRef>
+        </p:style>
+        <p:txBody>
+          <a:bodyPr rtlCol="0" anchor="ctr"/>
+          <a:lstStyle/>
+          <a:p>
+            <a:pPr algn="ctr"/>
+            <a:endParaRPr lang="en-US" dirty="0"/>
+          </a:p>
+        </p:txBody>
+      </p:sp>
+      <p:sp>
+        <p:nvSpPr>
+          <p:cNvPr id="1045" name="Hexagon 1044">
+            <a:extLst>
+              <a:ext uri="{FF2B5EF4-FFF2-40B4-BE49-F238E27FC236}">
+                <a16:creationId xmlns:a16="http://schemas.microsoft.com/office/drawing/2014/main" id="{E824D373-3145-98BD-613C-E22BE76D8876}"/>
+              </a:ext>
+            </a:extLst>
+          </p:cNvPr>
+          <p:cNvSpPr>
+            <a:spLocks noChangeAspect="1"/>
+          </p:cNvSpPr>
+          <p:nvPr/>
+        </p:nvSpPr>
+        <p:spPr>
+          <a:xfrm>
+            <a:off x="3007818" y="1425465"/>
+            <a:ext cx="1027723" cy="885969"/>
+          </a:xfrm>
+          <a:prstGeom prst="hexagon">
+            <a:avLst/>
+          </a:prstGeom>
+          <a:noFill/>
+          <a:ln w="38100">
+            <a:solidFill>
+              <a:srgbClr val="C00000"/>
+            </a:solidFill>
+          </a:ln>
+        </p:spPr>
+        <p:style>
+          <a:lnRef idx="2">
+            <a:schemeClr val="accent1">
+              <a:shade val="15000"/>
+            </a:schemeClr>
+          </a:lnRef>
+          <a:fillRef idx="1">
+            <a:schemeClr val="accent1"/>
+          </a:fillRef>
+          <a:effectRef idx="0">
+            <a:schemeClr val="accent1"/>
+          </a:effectRef>
+          <a:fontRef idx="minor">
+            <a:schemeClr val="lt1"/>
+          </a:fontRef>
+        </p:style>
+        <p:txBody>
+          <a:bodyPr rtlCol="0" anchor="ctr"/>
+          <a:lstStyle/>
+          <a:p>
+            <a:pPr algn="ctr"/>
+            <a:endParaRPr lang="en-US" dirty="0"/>
+          </a:p>
+        </p:txBody>
+      </p:sp>
+      <p:sp>
+        <p:nvSpPr>
+          <p:cNvPr id="1046" name="Hexagon 1045">
+            <a:extLst>
+              <a:ext uri="{FF2B5EF4-FFF2-40B4-BE49-F238E27FC236}">
+                <a16:creationId xmlns:a16="http://schemas.microsoft.com/office/drawing/2014/main" id="{6767733A-16D2-4B6C-34BB-01A31C7E6626}"/>
+              </a:ext>
+            </a:extLst>
+          </p:cNvPr>
+          <p:cNvSpPr>
+            <a:spLocks noChangeAspect="1"/>
+          </p:cNvSpPr>
+          <p:nvPr/>
+        </p:nvSpPr>
+        <p:spPr>
+          <a:xfrm>
+            <a:off x="3007818" y="543015"/>
+            <a:ext cx="1027723" cy="885969"/>
+          </a:xfrm>
+          <a:prstGeom prst="hexagon">
+            <a:avLst/>
+          </a:prstGeom>
+          <a:noFill/>
+          <a:ln w="38100">
+            <a:solidFill>
+              <a:srgbClr val="C00000"/>
+            </a:solidFill>
+          </a:ln>
+        </p:spPr>
+        <p:style>
+          <a:lnRef idx="2">
+            <a:schemeClr val="accent1">
+              <a:shade val="15000"/>
+            </a:schemeClr>
+          </a:lnRef>
+          <a:fillRef idx="1">
+            <a:schemeClr val="accent1"/>
+          </a:fillRef>
+          <a:effectRef idx="0">
+            <a:schemeClr val="accent1"/>
+          </a:effectRef>
+          <a:fontRef idx="minor">
+            <a:schemeClr val="lt1"/>
+          </a:fontRef>
+        </p:style>
+        <p:txBody>
+          <a:bodyPr rtlCol="0" anchor="ctr"/>
+          <a:lstStyle/>
+          <a:p>
+            <a:pPr algn="ctr"/>
+            <a:endParaRPr lang="en-US" dirty="0"/>
+          </a:p>
+        </p:txBody>
+      </p:sp>
+      <p:sp>
+        <p:nvSpPr>
+          <p:cNvPr id="1047" name="Hexagon 1046">
+            <a:extLst>
+              <a:ext uri="{FF2B5EF4-FFF2-40B4-BE49-F238E27FC236}">
+                <a16:creationId xmlns:a16="http://schemas.microsoft.com/office/drawing/2014/main" id="{CDACEC79-344B-B4E4-41E0-EBF8AF32F90C}"/>
+              </a:ext>
+            </a:extLst>
+          </p:cNvPr>
+          <p:cNvSpPr>
+            <a:spLocks noChangeAspect="1"/>
+          </p:cNvSpPr>
+          <p:nvPr/>
+        </p:nvSpPr>
+        <p:spPr>
+          <a:xfrm>
+            <a:off x="3810063" y="99166"/>
+            <a:ext cx="1027723" cy="885969"/>
+          </a:xfrm>
+          <a:prstGeom prst="hexagon">
+            <a:avLst/>
+          </a:prstGeom>
+          <a:noFill/>
+          <a:ln w="38100">
+            <a:solidFill>
+              <a:srgbClr val="C00000"/>
+            </a:solidFill>
+          </a:ln>
+        </p:spPr>
+        <p:style>
+          <a:lnRef idx="2">
+            <a:schemeClr val="accent1">
+              <a:shade val="15000"/>
+            </a:schemeClr>
+          </a:lnRef>
+          <a:fillRef idx="1">
+            <a:schemeClr val="accent1"/>
+          </a:fillRef>
+          <a:effectRef idx="0">
+            <a:schemeClr val="accent1"/>
+          </a:effectRef>
+          <a:fontRef idx="minor">
+            <a:schemeClr val="lt1"/>
+          </a:fontRef>
+        </p:style>
+        <p:txBody>
+          <a:bodyPr rtlCol="0" anchor="ctr"/>
+          <a:lstStyle/>
+          <a:p>
+            <a:pPr algn="ctr"/>
+            <a:endParaRPr lang="en-US" dirty="0"/>
+          </a:p>
+        </p:txBody>
+      </p:sp>
+      <p:sp>
+        <p:nvSpPr>
+          <p:cNvPr id="1048" name="Hexagon 1047">
+            <a:extLst>
+              <a:ext uri="{FF2B5EF4-FFF2-40B4-BE49-F238E27FC236}">
+                <a16:creationId xmlns:a16="http://schemas.microsoft.com/office/drawing/2014/main" id="{1E35B54C-090A-1F13-14AA-318518BC9368}"/>
+              </a:ext>
+            </a:extLst>
+          </p:cNvPr>
+          <p:cNvSpPr>
+            <a:spLocks noChangeAspect="1"/>
+          </p:cNvSpPr>
+          <p:nvPr/>
+        </p:nvSpPr>
+        <p:spPr>
+          <a:xfrm>
+            <a:off x="3804124" y="993573"/>
+            <a:ext cx="1027723" cy="885969"/>
+          </a:xfrm>
+          <a:prstGeom prst="hexagon">
+            <a:avLst/>
+          </a:prstGeom>
+          <a:noFill/>
+          <a:ln w="38100">
+            <a:solidFill>
+              <a:srgbClr val="C00000"/>
+            </a:solidFill>
+          </a:ln>
+        </p:spPr>
+        <p:style>
+          <a:lnRef idx="2">
+            <a:schemeClr val="accent1">
+              <a:shade val="15000"/>
+            </a:schemeClr>
+          </a:lnRef>
+          <a:fillRef idx="1">
+            <a:schemeClr val="accent1"/>
+          </a:fillRef>
+          <a:effectRef idx="0">
+            <a:schemeClr val="accent1"/>
+          </a:effectRef>
+          <a:fontRef idx="minor">
+            <a:schemeClr val="lt1"/>
+          </a:fontRef>
+        </p:style>
+        <p:txBody>
+          <a:bodyPr rtlCol="0" anchor="ctr"/>
+          <a:lstStyle/>
+          <a:p>
+            <a:pPr algn="ctr"/>
+            <a:endParaRPr lang="en-US" dirty="0"/>
+          </a:p>
+        </p:txBody>
+      </p:sp>
+      <p:sp>
+        <p:nvSpPr>
+          <p:cNvPr id="1049" name="Hexagon 1048">
+            <a:extLst>
+              <a:ext uri="{FF2B5EF4-FFF2-40B4-BE49-F238E27FC236}">
+                <a16:creationId xmlns:a16="http://schemas.microsoft.com/office/drawing/2014/main" id="{BCBB82C8-E63A-EE61-6294-25E618FEB54B}"/>
+              </a:ext>
+            </a:extLst>
+          </p:cNvPr>
+          <p:cNvSpPr>
+            <a:spLocks noChangeAspect="1"/>
+          </p:cNvSpPr>
+          <p:nvPr/>
+        </p:nvSpPr>
+        <p:spPr>
+          <a:xfrm>
+            <a:off x="4609970" y="549629"/>
+            <a:ext cx="1027723" cy="885969"/>
+          </a:xfrm>
+          <a:prstGeom prst="hexagon">
+            <a:avLst/>
+          </a:prstGeom>
+          <a:noFill/>
+          <a:ln w="38100">
+            <a:solidFill>
+              <a:srgbClr val="C00000"/>
+            </a:solidFill>
+          </a:ln>
+        </p:spPr>
+        <p:style>
+          <a:lnRef idx="2">
+            <a:schemeClr val="accent1">
+              <a:shade val="15000"/>
+            </a:schemeClr>
+          </a:lnRef>
+          <a:fillRef idx="1">
+            <a:schemeClr val="accent1"/>
+          </a:fillRef>
+          <a:effectRef idx="0">
+            <a:schemeClr val="accent1"/>
+          </a:effectRef>
+          <a:fontRef idx="minor">
+            <a:schemeClr val="lt1"/>
+          </a:fontRef>
+        </p:style>
+        <p:txBody>
+          <a:bodyPr rtlCol="0" anchor="ctr"/>
+          <a:lstStyle/>
+          <a:p>
+            <a:pPr algn="ctr"/>
+            <a:endParaRPr lang="en-US" dirty="0"/>
+          </a:p>
+        </p:txBody>
+      </p:sp>
+      <p:sp>
+        <p:nvSpPr>
+          <p:cNvPr id="1050" name="Hexagon 1049">
+            <a:extLst>
+              <a:ext uri="{FF2B5EF4-FFF2-40B4-BE49-F238E27FC236}">
+                <a16:creationId xmlns:a16="http://schemas.microsoft.com/office/drawing/2014/main" id="{70D2298F-7505-8383-97B8-EEAD8289CED8}"/>
+              </a:ext>
+            </a:extLst>
+          </p:cNvPr>
+          <p:cNvSpPr>
+            <a:spLocks noChangeAspect="1"/>
+          </p:cNvSpPr>
+          <p:nvPr/>
+        </p:nvSpPr>
+        <p:spPr>
+          <a:xfrm>
+            <a:off x="4609970" y="1438381"/>
+            <a:ext cx="1027723" cy="885969"/>
+          </a:xfrm>
+          <a:prstGeom prst="hexagon">
+            <a:avLst/>
+          </a:prstGeom>
+          <a:noFill/>
+          <a:ln w="38100">
+            <a:solidFill>
+              <a:srgbClr val="C00000"/>
+            </a:solidFill>
+          </a:ln>
+        </p:spPr>
+        <p:style>
+          <a:lnRef idx="2">
+            <a:schemeClr val="accent1">
+              <a:shade val="15000"/>
+            </a:schemeClr>
+          </a:lnRef>
+          <a:fillRef idx="1">
+            <a:schemeClr val="accent1"/>
+          </a:fillRef>
+          <a:effectRef idx="0">
+            <a:schemeClr val="accent1"/>
+          </a:effectRef>
+          <a:fontRef idx="minor">
+            <a:schemeClr val="lt1"/>
+          </a:fontRef>
+        </p:style>
+        <p:txBody>
+          <a:bodyPr rtlCol="0" anchor="ctr"/>
+          <a:lstStyle/>
+          <a:p>
+            <a:pPr algn="ctr"/>
+            <a:endParaRPr lang="en-US" dirty="0"/>
+          </a:p>
+        </p:txBody>
+      </p:sp>
+      <p:sp>
+        <p:nvSpPr>
+          <p:cNvPr id="1051" name="Hexagon 1050">
+            <a:extLst>
+              <a:ext uri="{FF2B5EF4-FFF2-40B4-BE49-F238E27FC236}">
+                <a16:creationId xmlns:a16="http://schemas.microsoft.com/office/drawing/2014/main" id="{DC63DC33-6F51-897F-07D6-CC39F55F7C19}"/>
+              </a:ext>
+            </a:extLst>
+          </p:cNvPr>
+          <p:cNvSpPr>
+            <a:spLocks noChangeAspect="1"/>
+          </p:cNvSpPr>
+          <p:nvPr/>
+        </p:nvSpPr>
+        <p:spPr>
+          <a:xfrm>
+            <a:off x="4609970" y="2333438"/>
+            <a:ext cx="1027723" cy="885969"/>
+          </a:xfrm>
+          <a:prstGeom prst="hexagon">
+            <a:avLst/>
+          </a:prstGeom>
+          <a:noFill/>
+          <a:ln w="38100">
+            <a:solidFill>
+              <a:srgbClr val="C00000"/>
+            </a:solidFill>
+          </a:ln>
+        </p:spPr>
+        <p:style>
+          <a:lnRef idx="2">
+            <a:schemeClr val="accent1">
+              <a:shade val="15000"/>
+            </a:schemeClr>
+          </a:lnRef>
+          <a:fillRef idx="1">
+            <a:schemeClr val="accent1"/>
+          </a:fillRef>
+          <a:effectRef idx="0">
+            <a:schemeClr val="accent1"/>
+          </a:effectRef>
+          <a:fontRef idx="minor">
+            <a:schemeClr val="lt1"/>
+          </a:fontRef>
+        </p:style>
+        <p:txBody>
+          <a:bodyPr rtlCol="0" anchor="ctr"/>
+          <a:lstStyle/>
+          <a:p>
+            <a:pPr algn="ctr"/>
+            <a:endParaRPr lang="en-US" dirty="0"/>
+          </a:p>
+        </p:txBody>
+      </p:sp>
+      <p:sp>
+        <p:nvSpPr>
+          <p:cNvPr id="1052" name="Hexagon 1051">
+            <a:extLst>
+              <a:ext uri="{FF2B5EF4-FFF2-40B4-BE49-F238E27FC236}">
+                <a16:creationId xmlns:a16="http://schemas.microsoft.com/office/drawing/2014/main" id="{A6BED701-B11E-C171-A218-15045EBA5BCB}"/>
+              </a:ext>
+            </a:extLst>
+          </p:cNvPr>
+          <p:cNvSpPr>
+            <a:spLocks noChangeAspect="1"/>
+          </p:cNvSpPr>
+          <p:nvPr/>
+        </p:nvSpPr>
+        <p:spPr>
+          <a:xfrm>
+            <a:off x="3810737" y="1873888"/>
+            <a:ext cx="1027723" cy="885969"/>
+          </a:xfrm>
+          <a:prstGeom prst="hexagon">
+            <a:avLst/>
+          </a:prstGeom>
+          <a:noFill/>
+          <a:ln w="38100">
+            <a:solidFill>
+              <a:srgbClr val="C00000"/>
+            </a:solidFill>
+          </a:ln>
+        </p:spPr>
+        <p:style>
+          <a:lnRef idx="2">
+            <a:schemeClr val="accent1">
+              <a:shade val="15000"/>
+            </a:schemeClr>
+          </a:lnRef>
+          <a:fillRef idx="1">
+            <a:schemeClr val="accent1"/>
+          </a:fillRef>
+          <a:effectRef idx="0">
+            <a:schemeClr val="accent1"/>
+          </a:effectRef>
+          <a:fontRef idx="minor">
+            <a:schemeClr val="lt1"/>
+          </a:fontRef>
+        </p:style>
+        <p:txBody>
+          <a:bodyPr rtlCol="0" anchor="ctr"/>
+          <a:lstStyle/>
+          <a:p>
+            <a:pPr algn="ctr"/>
+            <a:endParaRPr lang="en-US" dirty="0"/>
+          </a:p>
+        </p:txBody>
+      </p:sp>
       <p:sp>
         <p:nvSpPr>
           <p:cNvPr id="1054" name="TextBox 1053">
@@ -7714,10 +7694,10 @@
       </p:grpSpPr>
       <p:pic>
         <p:nvPicPr>
-          <p:cNvPr id="1028" name="Picture 4">
-            <a:extLst>
-              <a:ext uri="{FF2B5EF4-FFF2-40B4-BE49-F238E27FC236}">
-                <a16:creationId xmlns:a16="http://schemas.microsoft.com/office/drawing/2014/main" id="{DE71300A-04A2-8525-877E-E6ED2D67D0CC}"/>
+          <p:cNvPr id="63" name="Picture 4">
+            <a:extLst>
+              <a:ext uri="{FF2B5EF4-FFF2-40B4-BE49-F238E27FC236}">
+                <a16:creationId xmlns:a16="http://schemas.microsoft.com/office/drawing/2014/main" id="{1D512265-1D3A-AE4E-3FED-56915B5F7553}"/>
               </a:ext>
             </a:extLst>
           </p:cNvPr>
@@ -7726,7 +7706,7 @@
           </p:cNvPicPr>
           <p:nvPr/>
         </p:nvPicPr>
-        <p:blipFill>
+        <p:blipFill rotWithShape="1">
           <a:blip r:embed="rId2">
             <a:extLst>
               <a:ext uri="{28A0092B-C50C-407E-A947-70E740481C1C}">
@@ -7734,15 +7714,13 @@
               </a:ext>
             </a:extLst>
           </a:blip>
-          <a:srcRect/>
-          <a:stretch>
-            <a:fillRect/>
-          </a:stretch>
+          <a:srcRect t="45588" r="45616"/>
+          <a:stretch/>
         </p:blipFill>
         <p:spPr bwMode="auto">
           <a:xfrm>
-            <a:off x="1557059" y="3092165"/>
-            <a:ext cx="4146469" cy="3765835"/>
+            <a:off x="5372559" y="4861938"/>
+            <a:ext cx="2122804" cy="1677768"/>
           </a:xfrm>
           <a:prstGeom prst="rect">
             <a:avLst/>
@@ -7759,12 +7737,102 @@
           </a:extLst>
         </p:spPr>
       </p:pic>
-      <p:sp>
-        <p:nvSpPr>
-          <p:cNvPr id="23" name="Hexagon 22">
-            <a:extLst>
-              <a:ext uri="{FF2B5EF4-FFF2-40B4-BE49-F238E27FC236}">
-                <a16:creationId xmlns:a16="http://schemas.microsoft.com/office/drawing/2014/main" id="{95F6E8AA-E51C-EF11-9603-A8A2058FEBC7}"/>
+      <p:pic>
+        <p:nvPicPr>
+          <p:cNvPr id="3076" name="Picture 4">
+            <a:extLst>
+              <a:ext uri="{FF2B5EF4-FFF2-40B4-BE49-F238E27FC236}">
+                <a16:creationId xmlns:a16="http://schemas.microsoft.com/office/drawing/2014/main" id="{95E48A55-5668-73BD-334A-28D117C202E7}"/>
+              </a:ext>
+            </a:extLst>
+          </p:cNvPr>
+          <p:cNvPicPr>
+            <a:picLocks noChangeAspect="1" noChangeArrowheads="1"/>
+          </p:cNvPicPr>
+          <p:nvPr/>
+        </p:nvPicPr>
+        <p:blipFill rotWithShape="1">
+          <a:blip r:embed="rId2">
+            <a:extLst>
+              <a:ext uri="{28A0092B-C50C-407E-A947-70E740481C1C}">
+                <a14:useLocalDpi xmlns:a14="http://schemas.microsoft.com/office/drawing/2010/main" val="0"/>
+              </a:ext>
+            </a:extLst>
+          </a:blip>
+          <a:srcRect r="3318"/>
+          <a:stretch/>
+        </p:blipFill>
+        <p:spPr bwMode="auto">
+          <a:xfrm>
+            <a:off x="1698791" y="3393130"/>
+            <a:ext cx="3773797" cy="3083451"/>
+          </a:xfrm>
+          <a:prstGeom prst="rect">
+            <a:avLst/>
+          </a:prstGeom>
+          <a:noFill/>
+          <a:extLst>
+            <a:ext uri="{909E8E84-426E-40DD-AFC4-6F175D3DCCD1}">
+              <a14:hiddenFill xmlns:a14="http://schemas.microsoft.com/office/drawing/2010/main">
+                <a:solidFill>
+                  <a:srgbClr val="FFFFFF"/>
+                </a:solidFill>
+              </a14:hiddenFill>
+            </a:ext>
+          </a:extLst>
+        </p:spPr>
+      </p:pic>
+      <p:pic>
+        <p:nvPicPr>
+          <p:cNvPr id="61" name="Picture 4">
+            <a:extLst>
+              <a:ext uri="{FF2B5EF4-FFF2-40B4-BE49-F238E27FC236}">
+                <a16:creationId xmlns:a16="http://schemas.microsoft.com/office/drawing/2014/main" id="{01C5FAF4-8938-4415-FE39-7F49CB0B59EB}"/>
+              </a:ext>
+            </a:extLst>
+          </p:cNvPr>
+          <p:cNvPicPr>
+            <a:picLocks noChangeAspect="1" noChangeArrowheads="1"/>
+          </p:cNvPicPr>
+          <p:nvPr/>
+        </p:nvPicPr>
+        <p:blipFill rotWithShape="1">
+          <a:blip r:embed="rId2">
+            <a:extLst>
+              <a:ext uri="{28A0092B-C50C-407E-A947-70E740481C1C}">
+                <a14:useLocalDpi xmlns:a14="http://schemas.microsoft.com/office/drawing/2010/main" val="0"/>
+              </a:ext>
+            </a:extLst>
+          </a:blip>
+          <a:srcRect r="1544" b="11483"/>
+          <a:stretch/>
+        </p:blipFill>
+        <p:spPr bwMode="auto">
+          <a:xfrm>
+            <a:off x="1704760" y="819788"/>
+            <a:ext cx="3843017" cy="2729383"/>
+          </a:xfrm>
+          <a:prstGeom prst="rect">
+            <a:avLst/>
+          </a:prstGeom>
+          <a:noFill/>
+          <a:extLst>
+            <a:ext uri="{909E8E84-426E-40DD-AFC4-6F175D3DCCD1}">
+              <a14:hiddenFill xmlns:a14="http://schemas.microsoft.com/office/drawing/2010/main">
+                <a:solidFill>
+                  <a:srgbClr val="FFFFFF"/>
+                </a:solidFill>
+              </a14:hiddenFill>
+            </a:ext>
+          </a:extLst>
+        </p:spPr>
+      </p:pic>
+      <p:sp>
+        <p:nvSpPr>
+          <p:cNvPr id="15" name="Hexagon 14">
+            <a:extLst>
+              <a:ext uri="{FF2B5EF4-FFF2-40B4-BE49-F238E27FC236}">
+                <a16:creationId xmlns:a16="http://schemas.microsoft.com/office/drawing/2014/main" id="{CA210AD0-1184-0ED8-8314-9C67458F11F8}"/>
               </a:ext>
             </a:extLst>
           </p:cNvPr>
@@ -7775,8 +7843,8 @@
         </p:nvSpPr>
         <p:spPr>
           <a:xfrm>
-            <a:off x="1974615" y="2968935"/>
-            <a:ext cx="1101061" cy="949191"/>
+            <a:off x="1646773" y="3142065"/>
+            <a:ext cx="1027723" cy="885969"/>
           </a:xfrm>
           <a:prstGeom prst="hexagon">
             <a:avLst/>
@@ -7815,10 +7883,10 @@
       </p:sp>
       <p:sp>
         <p:nvSpPr>
-          <p:cNvPr id="24" name="Hexagon 23">
-            <a:extLst>
-              <a:ext uri="{FF2B5EF4-FFF2-40B4-BE49-F238E27FC236}">
-                <a16:creationId xmlns:a16="http://schemas.microsoft.com/office/drawing/2014/main" id="{E2137AB5-84C0-9474-6105-2C763501D3BA}"/>
+          <p:cNvPr id="16" name="Hexagon 15">
+            <a:extLst>
+              <a:ext uri="{FF2B5EF4-FFF2-40B4-BE49-F238E27FC236}">
+                <a16:creationId xmlns:a16="http://schemas.microsoft.com/office/drawing/2014/main" id="{F7E5B642-D6DC-27D1-AAAE-9D95E7839BBD}"/>
               </a:ext>
             </a:extLst>
           </p:cNvPr>
@@ -7829,8 +7897,8 @@
         </p:nvSpPr>
         <p:spPr>
           <a:xfrm>
-            <a:off x="1967472" y="3921109"/>
-            <a:ext cx="1101061" cy="949191"/>
+            <a:off x="1640106" y="4030818"/>
+            <a:ext cx="1027723" cy="885969"/>
           </a:xfrm>
           <a:prstGeom prst="hexagon">
             <a:avLst/>
@@ -7869,10 +7937,10 @@
       </p:sp>
       <p:sp>
         <p:nvSpPr>
-          <p:cNvPr id="25" name="Hexagon 24">
-            <a:extLst>
-              <a:ext uri="{FF2B5EF4-FFF2-40B4-BE49-F238E27FC236}">
-                <a16:creationId xmlns:a16="http://schemas.microsoft.com/office/drawing/2014/main" id="{F8C810D5-5537-7B6D-B440-1268350AA201}"/>
+          <p:cNvPr id="17" name="Hexagon 16">
+            <a:extLst>
+              <a:ext uri="{FF2B5EF4-FFF2-40B4-BE49-F238E27FC236}">
+                <a16:creationId xmlns:a16="http://schemas.microsoft.com/office/drawing/2014/main" id="{04A1A5EA-4A1F-BC6E-3692-7F058625DEE6}"/>
               </a:ext>
             </a:extLst>
           </p:cNvPr>
@@ -7883,8 +7951,8 @@
         </p:nvSpPr>
         <p:spPr>
           <a:xfrm>
-            <a:off x="1967472" y="4865749"/>
-            <a:ext cx="1101061" cy="949191"/>
+            <a:off x="1640106" y="4912539"/>
+            <a:ext cx="1027723" cy="885969"/>
           </a:xfrm>
           <a:prstGeom prst="hexagon">
             <a:avLst/>
@@ -7923,10 +7991,10 @@
       </p:sp>
       <p:sp>
         <p:nvSpPr>
-          <p:cNvPr id="26" name="Hexagon 25">
-            <a:extLst>
-              <a:ext uri="{FF2B5EF4-FFF2-40B4-BE49-F238E27FC236}">
-                <a16:creationId xmlns:a16="http://schemas.microsoft.com/office/drawing/2014/main" id="{F77599D8-7767-A82D-07AA-3FB63B9BFD14}"/>
+          <p:cNvPr id="18" name="Hexagon 17">
+            <a:extLst>
+              <a:ext uri="{FF2B5EF4-FFF2-40B4-BE49-F238E27FC236}">
+                <a16:creationId xmlns:a16="http://schemas.microsoft.com/office/drawing/2014/main" id="{7B802C25-E8E5-3AD5-AA86-EC56DD658921}"/>
               </a:ext>
             </a:extLst>
           </p:cNvPr>
@@ -7937,8 +8005,8 @@
         </p:nvSpPr>
         <p:spPr>
           <a:xfrm>
-            <a:off x="2834107" y="5342618"/>
-            <a:ext cx="1101061" cy="949191"/>
+            <a:off x="2449018" y="5357645"/>
+            <a:ext cx="1027723" cy="885969"/>
           </a:xfrm>
           <a:prstGeom prst="hexagon">
             <a:avLst/>
@@ -7977,10 +8045,10 @@
       </p:sp>
       <p:sp>
         <p:nvSpPr>
-          <p:cNvPr id="27" name="Hexagon 26">
-            <a:extLst>
-              <a:ext uri="{FF2B5EF4-FFF2-40B4-BE49-F238E27FC236}">
-                <a16:creationId xmlns:a16="http://schemas.microsoft.com/office/drawing/2014/main" id="{EDA58312-BC6C-10CE-D676-1A55FABD2974}"/>
+          <p:cNvPr id="19" name="Hexagon 18">
+            <a:extLst>
+              <a:ext uri="{FF2B5EF4-FFF2-40B4-BE49-F238E27FC236}">
+                <a16:creationId xmlns:a16="http://schemas.microsoft.com/office/drawing/2014/main" id="{F264AC56-895C-CBF0-AB22-DC2EB760F723}"/>
               </a:ext>
             </a:extLst>
           </p:cNvPr>
@@ -7991,8 +8059,8 @@
         </p:nvSpPr>
         <p:spPr>
           <a:xfrm>
-            <a:off x="2834107" y="4397196"/>
-            <a:ext cx="1101061" cy="949191"/>
+            <a:off x="2449018" y="4475195"/>
+            <a:ext cx="1027723" cy="885969"/>
           </a:xfrm>
           <a:prstGeom prst="hexagon">
             <a:avLst/>
@@ -8031,10 +8099,10 @@
       </p:sp>
       <p:sp>
         <p:nvSpPr>
-          <p:cNvPr id="28" name="Hexagon 27">
-            <a:extLst>
-              <a:ext uri="{FF2B5EF4-FFF2-40B4-BE49-F238E27FC236}">
-                <a16:creationId xmlns:a16="http://schemas.microsoft.com/office/drawing/2014/main" id="{500312F3-E150-1BF6-8E03-C5E66745B1B5}"/>
+          <p:cNvPr id="20" name="Hexagon 19">
+            <a:extLst>
+              <a:ext uri="{FF2B5EF4-FFF2-40B4-BE49-F238E27FC236}">
+                <a16:creationId xmlns:a16="http://schemas.microsoft.com/office/drawing/2014/main" id="{07B9D637-BA96-2B7F-EBC9-5B688778148D}"/>
               </a:ext>
             </a:extLst>
           </p:cNvPr>
@@ -8045,8 +8113,8 @@
         </p:nvSpPr>
         <p:spPr>
           <a:xfrm>
-            <a:off x="2834107" y="3451775"/>
-            <a:ext cx="1101061" cy="949191"/>
+            <a:off x="2449018" y="3592745"/>
+            <a:ext cx="1027723" cy="885969"/>
           </a:xfrm>
           <a:prstGeom prst="hexagon">
             <a:avLst/>
@@ -8085,10 +8153,10 @@
       </p:sp>
       <p:sp>
         <p:nvSpPr>
-          <p:cNvPr id="29" name="Hexagon 28">
-            <a:extLst>
-              <a:ext uri="{FF2B5EF4-FFF2-40B4-BE49-F238E27FC236}">
-                <a16:creationId xmlns:a16="http://schemas.microsoft.com/office/drawing/2014/main" id="{15731913-8430-CCBF-E728-912DD1051C0A}"/>
+          <p:cNvPr id="21" name="Hexagon 20">
+            <a:extLst>
+              <a:ext uri="{FF2B5EF4-FFF2-40B4-BE49-F238E27FC236}">
+                <a16:creationId xmlns:a16="http://schemas.microsoft.com/office/drawing/2014/main" id="{65236423-21B3-ED2B-8057-5E9D7417482A}"/>
               </a:ext>
             </a:extLst>
           </p:cNvPr>
@@ -8099,8 +8167,8 @@
         </p:nvSpPr>
         <p:spPr>
           <a:xfrm>
-            <a:off x="3693601" y="2976254"/>
-            <a:ext cx="1101061" cy="949191"/>
+            <a:off x="3251263" y="3148897"/>
+            <a:ext cx="1027723" cy="885969"/>
           </a:xfrm>
           <a:prstGeom prst="hexagon">
             <a:avLst/>
@@ -8139,10 +8207,10 @@
       </p:sp>
       <p:sp>
         <p:nvSpPr>
-          <p:cNvPr id="30" name="Hexagon 29">
-            <a:extLst>
-              <a:ext uri="{FF2B5EF4-FFF2-40B4-BE49-F238E27FC236}">
-                <a16:creationId xmlns:a16="http://schemas.microsoft.com/office/drawing/2014/main" id="{FE4743FE-6712-EBB0-A5C5-B2274FF5C4DC}"/>
+          <p:cNvPr id="22" name="Hexagon 21">
+            <a:extLst>
+              <a:ext uri="{FF2B5EF4-FFF2-40B4-BE49-F238E27FC236}">
+                <a16:creationId xmlns:a16="http://schemas.microsoft.com/office/drawing/2014/main" id="{4F7251F9-1271-4B5D-1B14-AD79DB034C73}"/>
               </a:ext>
             </a:extLst>
           </p:cNvPr>
@@ -8153,8 +8221,8 @@
         </p:nvSpPr>
         <p:spPr>
           <a:xfrm>
-            <a:off x="3687238" y="3934484"/>
-            <a:ext cx="1101061" cy="949191"/>
+            <a:off x="3245324" y="4043302"/>
+            <a:ext cx="1027723" cy="885969"/>
           </a:xfrm>
           <a:prstGeom prst="hexagon">
             <a:avLst/>
@@ -8193,10 +8261,10 @@
       </p:sp>
       <p:sp>
         <p:nvSpPr>
-          <p:cNvPr id="40" name="Hexagon 39">
-            <a:extLst>
-              <a:ext uri="{FF2B5EF4-FFF2-40B4-BE49-F238E27FC236}">
-                <a16:creationId xmlns:a16="http://schemas.microsoft.com/office/drawing/2014/main" id="{F03E2C1C-BF9A-D1A4-AB96-44B915D89168}"/>
+          <p:cNvPr id="23" name="Hexagon 22">
+            <a:extLst>
+              <a:ext uri="{FF2B5EF4-FFF2-40B4-BE49-F238E27FC236}">
+                <a16:creationId xmlns:a16="http://schemas.microsoft.com/office/drawing/2014/main" id="{4073D1F8-EC3D-0388-F726-CE0A24FC5B8A}"/>
               </a:ext>
             </a:extLst>
           </p:cNvPr>
@@ -8207,8 +8275,8 @@
         </p:nvSpPr>
         <p:spPr>
           <a:xfrm>
-            <a:off x="4550589" y="3458860"/>
-            <a:ext cx="1101061" cy="949191"/>
+            <a:off x="4051170" y="3599358"/>
+            <a:ext cx="1027723" cy="885969"/>
           </a:xfrm>
           <a:prstGeom prst="hexagon">
             <a:avLst/>
@@ -8247,10 +8315,10 @@
       </p:sp>
       <p:sp>
         <p:nvSpPr>
-          <p:cNvPr id="41" name="Hexagon 40">
-            <a:extLst>
-              <a:ext uri="{FF2B5EF4-FFF2-40B4-BE49-F238E27FC236}">
-                <a16:creationId xmlns:a16="http://schemas.microsoft.com/office/drawing/2014/main" id="{AA13D11E-D161-07F1-337A-0439DE47625A}"/>
+          <p:cNvPr id="24" name="Hexagon 23">
+            <a:extLst>
+              <a:ext uri="{FF2B5EF4-FFF2-40B4-BE49-F238E27FC236}">
+                <a16:creationId xmlns:a16="http://schemas.microsoft.com/office/drawing/2014/main" id="{881E2BDC-1F31-6D01-E04A-7C73381D6037}"/>
               </a:ext>
             </a:extLst>
           </p:cNvPr>
@@ -8261,8 +8329,8 @@
         </p:nvSpPr>
         <p:spPr>
           <a:xfrm>
-            <a:off x="4550589" y="4411034"/>
-            <a:ext cx="1101061" cy="949191"/>
+            <a:off x="4051170" y="4488111"/>
+            <a:ext cx="1027723" cy="885969"/>
           </a:xfrm>
           <a:prstGeom prst="hexagon">
             <a:avLst/>
@@ -8301,10 +8369,10 @@
       </p:sp>
       <p:sp>
         <p:nvSpPr>
-          <p:cNvPr id="42" name="Hexagon 41">
-            <a:extLst>
-              <a:ext uri="{FF2B5EF4-FFF2-40B4-BE49-F238E27FC236}">
-                <a16:creationId xmlns:a16="http://schemas.microsoft.com/office/drawing/2014/main" id="{37E2AD43-8C0F-AE4E-73F5-2ADF3F4328B5}"/>
+          <p:cNvPr id="25" name="Hexagon 24">
+            <a:extLst>
+              <a:ext uri="{FF2B5EF4-FFF2-40B4-BE49-F238E27FC236}">
+                <a16:creationId xmlns:a16="http://schemas.microsoft.com/office/drawing/2014/main" id="{D0AE08D3-EA20-7B0E-7F1E-2C0558AF647E}"/>
               </a:ext>
             </a:extLst>
           </p:cNvPr>
@@ -8315,8 +8383,8 @@
         </p:nvSpPr>
         <p:spPr>
           <a:xfrm>
-            <a:off x="4550589" y="5369961"/>
-            <a:ext cx="1101061" cy="949191"/>
+            <a:off x="4051170" y="5383167"/>
+            <a:ext cx="1027723" cy="885969"/>
           </a:xfrm>
           <a:prstGeom prst="hexagon">
             <a:avLst/>
@@ -8355,10 +8423,10 @@
       </p:sp>
       <p:sp>
         <p:nvSpPr>
-          <p:cNvPr id="49" name="Hexagon 48">
-            <a:extLst>
-              <a:ext uri="{FF2B5EF4-FFF2-40B4-BE49-F238E27FC236}">
-                <a16:creationId xmlns:a16="http://schemas.microsoft.com/office/drawing/2014/main" id="{6DED218D-3761-F049-ADDA-F96E065614EC}"/>
+          <p:cNvPr id="26" name="Hexagon 25">
+            <a:extLst>
+              <a:ext uri="{FF2B5EF4-FFF2-40B4-BE49-F238E27FC236}">
+                <a16:creationId xmlns:a16="http://schemas.microsoft.com/office/drawing/2014/main" id="{95823C0A-C918-E852-F828-D270E718F930}"/>
               </a:ext>
             </a:extLst>
           </p:cNvPr>
@@ -8369,8 +8437,8 @@
         </p:nvSpPr>
         <p:spPr>
           <a:xfrm>
-            <a:off x="3694322" y="4877619"/>
-            <a:ext cx="1101061" cy="949191"/>
+            <a:off x="3251936" y="4923618"/>
+            <a:ext cx="1027723" cy="885969"/>
           </a:xfrm>
           <a:prstGeom prst="hexagon">
             <a:avLst/>
@@ -8409,10 +8477,10 @@
       </p:sp>
       <p:sp>
         <p:nvSpPr>
-          <p:cNvPr id="1025" name="Hexagon 1024">
-            <a:extLst>
-              <a:ext uri="{FF2B5EF4-FFF2-40B4-BE49-F238E27FC236}">
-                <a16:creationId xmlns:a16="http://schemas.microsoft.com/office/drawing/2014/main" id="{C7930FA0-BB84-E8BC-6F55-86DC44EB1517}"/>
+          <p:cNvPr id="27" name="Hexagon 26">
+            <a:extLst>
+              <a:ext uri="{FF2B5EF4-FFF2-40B4-BE49-F238E27FC236}">
+                <a16:creationId xmlns:a16="http://schemas.microsoft.com/office/drawing/2014/main" id="{D957CCD2-1115-F210-0E4C-56330AA467F3}"/>
               </a:ext>
             </a:extLst>
           </p:cNvPr>
@@ -8423,8 +8491,8 @@
         </p:nvSpPr>
         <p:spPr>
           <a:xfrm>
-            <a:off x="5426874" y="2968935"/>
-            <a:ext cx="1101061" cy="949191"/>
+            <a:off x="4869089" y="3142065"/>
+            <a:ext cx="1027723" cy="885969"/>
           </a:xfrm>
           <a:prstGeom prst="hexagon">
             <a:avLst/>
@@ -8463,10 +8531,10 @@
       </p:sp>
       <p:sp>
         <p:nvSpPr>
-          <p:cNvPr id="1027" name="Hexagon 1026">
-            <a:extLst>
-              <a:ext uri="{FF2B5EF4-FFF2-40B4-BE49-F238E27FC236}">
-                <a16:creationId xmlns:a16="http://schemas.microsoft.com/office/drawing/2014/main" id="{07BAD851-770C-F9A5-118E-93F5FFB185A8}"/>
+          <p:cNvPr id="28" name="Hexagon 27">
+            <a:extLst>
+              <a:ext uri="{FF2B5EF4-FFF2-40B4-BE49-F238E27FC236}">
+                <a16:creationId xmlns:a16="http://schemas.microsoft.com/office/drawing/2014/main" id="{57F0378C-405F-DF31-4F57-9301727488B2}"/>
               </a:ext>
             </a:extLst>
           </p:cNvPr>
@@ -8477,8 +8545,8 @@
         </p:nvSpPr>
         <p:spPr>
           <a:xfrm>
-            <a:off x="5419730" y="3921109"/>
-            <a:ext cx="1101061" cy="949191"/>
+            <a:off x="4862421" y="4030818"/>
+            <a:ext cx="1027723" cy="885969"/>
           </a:xfrm>
           <a:prstGeom prst="hexagon">
             <a:avLst/>
@@ -8517,10 +8585,10 @@
       </p:sp>
       <p:sp>
         <p:nvSpPr>
-          <p:cNvPr id="1029" name="Hexagon 1028">
-            <a:extLst>
-              <a:ext uri="{FF2B5EF4-FFF2-40B4-BE49-F238E27FC236}">
-                <a16:creationId xmlns:a16="http://schemas.microsoft.com/office/drawing/2014/main" id="{D632B0F6-85EB-24F7-7939-C500C21C0D9E}"/>
+          <p:cNvPr id="29" name="Hexagon 28">
+            <a:extLst>
+              <a:ext uri="{FF2B5EF4-FFF2-40B4-BE49-F238E27FC236}">
+                <a16:creationId xmlns:a16="http://schemas.microsoft.com/office/drawing/2014/main" id="{340DF2F7-B057-B48D-254B-51C75CF38CDA}"/>
               </a:ext>
             </a:extLst>
           </p:cNvPr>
@@ -8531,8 +8599,8 @@
         </p:nvSpPr>
         <p:spPr>
           <a:xfrm>
-            <a:off x="5419730" y="4865749"/>
-            <a:ext cx="1101061" cy="949191"/>
+            <a:off x="4862421" y="4912539"/>
+            <a:ext cx="1027723" cy="885969"/>
           </a:xfrm>
           <a:prstGeom prst="hexagon">
             <a:avLst/>
@@ -8571,10 +8639,10 @@
       </p:sp>
       <p:sp>
         <p:nvSpPr>
-          <p:cNvPr id="1030" name="Hexagon 1029">
-            <a:extLst>
-              <a:ext uri="{FF2B5EF4-FFF2-40B4-BE49-F238E27FC236}">
-                <a16:creationId xmlns:a16="http://schemas.microsoft.com/office/drawing/2014/main" id="{94B24927-43D8-1C74-168D-351ED75387C9}"/>
+          <p:cNvPr id="30" name="Hexagon 29">
+            <a:extLst>
+              <a:ext uri="{FF2B5EF4-FFF2-40B4-BE49-F238E27FC236}">
+                <a16:creationId xmlns:a16="http://schemas.microsoft.com/office/drawing/2014/main" id="{FA593AA6-1EA7-31C4-6469-61AACE3BD455}"/>
               </a:ext>
             </a:extLst>
           </p:cNvPr>
@@ -8585,8 +8653,8 @@
         </p:nvSpPr>
         <p:spPr>
           <a:xfrm>
-            <a:off x="6286366" y="5342618"/>
-            <a:ext cx="1101061" cy="949191"/>
+            <a:off x="5671333" y="5357645"/>
+            <a:ext cx="1027723" cy="885969"/>
           </a:xfrm>
           <a:prstGeom prst="hexagon">
             <a:avLst/>
@@ -8625,10 +8693,10 @@
       </p:sp>
       <p:sp>
         <p:nvSpPr>
-          <p:cNvPr id="1031" name="Hexagon 1030">
-            <a:extLst>
-              <a:ext uri="{FF2B5EF4-FFF2-40B4-BE49-F238E27FC236}">
-                <a16:creationId xmlns:a16="http://schemas.microsoft.com/office/drawing/2014/main" id="{3DB7BA57-7A0A-69E4-2AF2-2C4D8F441114}"/>
+          <p:cNvPr id="31" name="Hexagon 30">
+            <a:extLst>
+              <a:ext uri="{FF2B5EF4-FFF2-40B4-BE49-F238E27FC236}">
+                <a16:creationId xmlns:a16="http://schemas.microsoft.com/office/drawing/2014/main" id="{9B4F0A47-5E0D-6C47-C319-40D036335536}"/>
               </a:ext>
             </a:extLst>
           </p:cNvPr>
@@ -8639,8 +8707,8 @@
         </p:nvSpPr>
         <p:spPr>
           <a:xfrm>
-            <a:off x="6286366" y="4397196"/>
-            <a:ext cx="1101061" cy="949191"/>
+            <a:off x="5671333" y="4475195"/>
+            <a:ext cx="1027723" cy="885969"/>
           </a:xfrm>
           <a:prstGeom prst="hexagon">
             <a:avLst/>
@@ -8679,10 +8747,10 @@
       </p:sp>
       <p:sp>
         <p:nvSpPr>
-          <p:cNvPr id="1032" name="Hexagon 1031">
-            <a:extLst>
-              <a:ext uri="{FF2B5EF4-FFF2-40B4-BE49-F238E27FC236}">
-                <a16:creationId xmlns:a16="http://schemas.microsoft.com/office/drawing/2014/main" id="{C03011F2-1859-3E52-FEC8-55F61BD5FFF3}"/>
+          <p:cNvPr id="32" name="Hexagon 31">
+            <a:extLst>
+              <a:ext uri="{FF2B5EF4-FFF2-40B4-BE49-F238E27FC236}">
+                <a16:creationId xmlns:a16="http://schemas.microsoft.com/office/drawing/2014/main" id="{D9C7E926-4C8D-317C-FD13-663460428E4A}"/>
               </a:ext>
             </a:extLst>
           </p:cNvPr>
@@ -8693,8 +8761,8 @@
         </p:nvSpPr>
         <p:spPr>
           <a:xfrm>
-            <a:off x="6286366" y="3451775"/>
-            <a:ext cx="1101061" cy="949191"/>
+            <a:off x="5671333" y="3592745"/>
+            <a:ext cx="1027723" cy="885969"/>
           </a:xfrm>
           <a:prstGeom prst="hexagon">
             <a:avLst/>
@@ -8733,10 +8801,10 @@
       </p:sp>
       <p:sp>
         <p:nvSpPr>
-          <p:cNvPr id="1033" name="Hexagon 1032">
-            <a:extLst>
-              <a:ext uri="{FF2B5EF4-FFF2-40B4-BE49-F238E27FC236}">
-                <a16:creationId xmlns:a16="http://schemas.microsoft.com/office/drawing/2014/main" id="{AE75FE7B-A81B-2956-56D7-45F8EB881D36}"/>
+          <p:cNvPr id="33" name="Hexagon 32">
+            <a:extLst>
+              <a:ext uri="{FF2B5EF4-FFF2-40B4-BE49-F238E27FC236}">
+                <a16:creationId xmlns:a16="http://schemas.microsoft.com/office/drawing/2014/main" id="{98C4B400-33AA-B59B-D441-11FF1D9F3C18}"/>
               </a:ext>
             </a:extLst>
           </p:cNvPr>
@@ -8747,8 +8815,8 @@
         </p:nvSpPr>
         <p:spPr>
           <a:xfrm>
-            <a:off x="7145860" y="2976253"/>
-            <a:ext cx="1101061" cy="949191"/>
+            <a:off x="6473579" y="3148896"/>
+            <a:ext cx="1027723" cy="885969"/>
           </a:xfrm>
           <a:prstGeom prst="hexagon">
             <a:avLst/>
@@ -8787,10 +8855,10 @@
       </p:sp>
       <p:sp>
         <p:nvSpPr>
-          <p:cNvPr id="1034" name="Hexagon 1033">
-            <a:extLst>
-              <a:ext uri="{FF2B5EF4-FFF2-40B4-BE49-F238E27FC236}">
-                <a16:creationId xmlns:a16="http://schemas.microsoft.com/office/drawing/2014/main" id="{54025567-2401-C213-CA49-AFB6FBE39109}"/>
+          <p:cNvPr id="34" name="Hexagon 33">
+            <a:extLst>
+              <a:ext uri="{FF2B5EF4-FFF2-40B4-BE49-F238E27FC236}">
+                <a16:creationId xmlns:a16="http://schemas.microsoft.com/office/drawing/2014/main" id="{12FAF854-63C7-26A3-E366-5FC60D5CDD70}"/>
               </a:ext>
             </a:extLst>
           </p:cNvPr>
@@ -8801,8 +8869,8 @@
         </p:nvSpPr>
         <p:spPr>
           <a:xfrm>
-            <a:off x="7139497" y="3934485"/>
-            <a:ext cx="1101061" cy="949191"/>
+            <a:off x="6467640" y="4043303"/>
+            <a:ext cx="1027723" cy="885969"/>
           </a:xfrm>
           <a:prstGeom prst="hexagon">
             <a:avLst/>
@@ -8841,10 +8909,10 @@
       </p:sp>
       <p:sp>
         <p:nvSpPr>
-          <p:cNvPr id="1035" name="Hexagon 1034">
-            <a:extLst>
-              <a:ext uri="{FF2B5EF4-FFF2-40B4-BE49-F238E27FC236}">
-                <a16:creationId xmlns:a16="http://schemas.microsoft.com/office/drawing/2014/main" id="{E0349C23-4111-3D32-480E-A5D8E9E50CE5}"/>
+          <p:cNvPr id="35" name="Hexagon 34">
+            <a:extLst>
+              <a:ext uri="{FF2B5EF4-FFF2-40B4-BE49-F238E27FC236}">
+                <a16:creationId xmlns:a16="http://schemas.microsoft.com/office/drawing/2014/main" id="{A2814153-2EE6-1025-2602-49BAC33D9A77}"/>
               </a:ext>
             </a:extLst>
           </p:cNvPr>
@@ -8855,8 +8923,8 @@
         </p:nvSpPr>
         <p:spPr>
           <a:xfrm>
-            <a:off x="8002848" y="3458861"/>
-            <a:ext cx="1101061" cy="949191"/>
+            <a:off x="7273486" y="3599359"/>
+            <a:ext cx="1027723" cy="885969"/>
           </a:xfrm>
           <a:prstGeom prst="hexagon">
             <a:avLst/>
@@ -8895,10 +8963,10 @@
       </p:sp>
       <p:sp>
         <p:nvSpPr>
-          <p:cNvPr id="1036" name="Hexagon 1035">
-            <a:extLst>
-              <a:ext uri="{FF2B5EF4-FFF2-40B4-BE49-F238E27FC236}">
-                <a16:creationId xmlns:a16="http://schemas.microsoft.com/office/drawing/2014/main" id="{F83ECF99-64C5-797E-B098-E76380388873}"/>
+          <p:cNvPr id="36" name="Hexagon 35">
+            <a:extLst>
+              <a:ext uri="{FF2B5EF4-FFF2-40B4-BE49-F238E27FC236}">
+                <a16:creationId xmlns:a16="http://schemas.microsoft.com/office/drawing/2014/main" id="{670B1B09-5F7B-164B-22C2-59E8CA1F4330}"/>
               </a:ext>
             </a:extLst>
           </p:cNvPr>
@@ -8909,8 +8977,8 @@
         </p:nvSpPr>
         <p:spPr>
           <a:xfrm>
-            <a:off x="8002848" y="4411034"/>
-            <a:ext cx="1101061" cy="949191"/>
+            <a:off x="7273486" y="4488111"/>
+            <a:ext cx="1027723" cy="885969"/>
           </a:xfrm>
           <a:prstGeom prst="hexagon">
             <a:avLst/>
@@ -8949,10 +9017,10 @@
       </p:sp>
       <p:sp>
         <p:nvSpPr>
-          <p:cNvPr id="1037" name="Hexagon 1036">
-            <a:extLst>
-              <a:ext uri="{FF2B5EF4-FFF2-40B4-BE49-F238E27FC236}">
-                <a16:creationId xmlns:a16="http://schemas.microsoft.com/office/drawing/2014/main" id="{3EFEC826-0843-1F99-73DF-98C2B066C33D}"/>
+          <p:cNvPr id="37" name="Hexagon 36">
+            <a:extLst>
+              <a:ext uri="{FF2B5EF4-FFF2-40B4-BE49-F238E27FC236}">
+                <a16:creationId xmlns:a16="http://schemas.microsoft.com/office/drawing/2014/main" id="{E10669BB-52CA-8F0C-9259-535888E6D5B4}"/>
               </a:ext>
             </a:extLst>
           </p:cNvPr>
@@ -8963,8 +9031,8 @@
         </p:nvSpPr>
         <p:spPr>
           <a:xfrm>
-            <a:off x="8002848" y="5369961"/>
-            <a:ext cx="1101061" cy="949191"/>
+            <a:off x="7273486" y="5383167"/>
+            <a:ext cx="1027723" cy="885969"/>
           </a:xfrm>
           <a:prstGeom prst="hexagon">
             <a:avLst/>
@@ -9003,10 +9071,10 @@
       </p:sp>
       <p:sp>
         <p:nvSpPr>
-          <p:cNvPr id="1038" name="Hexagon 1037">
-            <a:extLst>
-              <a:ext uri="{FF2B5EF4-FFF2-40B4-BE49-F238E27FC236}">
-                <a16:creationId xmlns:a16="http://schemas.microsoft.com/office/drawing/2014/main" id="{0BCE8D4E-D1B7-EB16-800E-B94AFEB8750D}"/>
+          <p:cNvPr id="38" name="Hexagon 37">
+            <a:extLst>
+              <a:ext uri="{FF2B5EF4-FFF2-40B4-BE49-F238E27FC236}">
+                <a16:creationId xmlns:a16="http://schemas.microsoft.com/office/drawing/2014/main" id="{ED925D24-0D7F-FC17-35CC-ED7C93B2CE3D}"/>
               </a:ext>
             </a:extLst>
           </p:cNvPr>
@@ -9017,8 +9085,8 @@
         </p:nvSpPr>
         <p:spPr>
           <a:xfrm>
-            <a:off x="7146581" y="4877619"/>
-            <a:ext cx="1101061" cy="949191"/>
+            <a:off x="6474252" y="4923618"/>
+            <a:ext cx="1027723" cy="885969"/>
           </a:xfrm>
           <a:prstGeom prst="hexagon">
             <a:avLst/>
@@ -9057,10 +9125,10 @@
       </p:sp>
       <p:sp>
         <p:nvSpPr>
-          <p:cNvPr id="1041" name="Hexagon 1040">
-            <a:extLst>
-              <a:ext uri="{FF2B5EF4-FFF2-40B4-BE49-F238E27FC236}">
-                <a16:creationId xmlns:a16="http://schemas.microsoft.com/office/drawing/2014/main" id="{233AE70B-20DB-13A2-B087-EABEF323EEE8}"/>
+          <p:cNvPr id="39" name="Hexagon 38">
+            <a:extLst>
+              <a:ext uri="{FF2B5EF4-FFF2-40B4-BE49-F238E27FC236}">
+                <a16:creationId xmlns:a16="http://schemas.microsoft.com/office/drawing/2014/main" id="{B06DFB42-CA3F-20B0-9947-0CC69165638F}"/>
               </a:ext>
             </a:extLst>
           </p:cNvPr>
@@ -9071,8 +9139,8 @@
         </p:nvSpPr>
         <p:spPr>
           <a:xfrm>
-            <a:off x="1974615" y="123371"/>
-            <a:ext cx="1101061" cy="949191"/>
+            <a:off x="1646773" y="495974"/>
+            <a:ext cx="1027723" cy="885969"/>
           </a:xfrm>
           <a:prstGeom prst="hexagon">
             <a:avLst/>
@@ -9111,10 +9179,10 @@
       </p:sp>
       <p:sp>
         <p:nvSpPr>
-          <p:cNvPr id="1042" name="Hexagon 1041">
-            <a:extLst>
-              <a:ext uri="{FF2B5EF4-FFF2-40B4-BE49-F238E27FC236}">
-                <a16:creationId xmlns:a16="http://schemas.microsoft.com/office/drawing/2014/main" id="{3DE50CB0-C76B-A63E-8679-7E0A8959A0B9}"/>
+          <p:cNvPr id="40" name="Hexagon 39">
+            <a:extLst>
+              <a:ext uri="{FF2B5EF4-FFF2-40B4-BE49-F238E27FC236}">
+                <a16:creationId xmlns:a16="http://schemas.microsoft.com/office/drawing/2014/main" id="{899EB4C8-5E32-9F10-45C1-DA10C9FBA94E}"/>
               </a:ext>
             </a:extLst>
           </p:cNvPr>
@@ -9125,8 +9193,8 @@
         </p:nvSpPr>
         <p:spPr>
           <a:xfrm>
-            <a:off x="1967472" y="1075545"/>
-            <a:ext cx="1101061" cy="949191"/>
+            <a:off x="1640106" y="1374788"/>
+            <a:ext cx="1027723" cy="885969"/>
           </a:xfrm>
           <a:prstGeom prst="hexagon">
             <a:avLst/>
@@ -9165,10 +9233,10 @@
       </p:sp>
       <p:sp>
         <p:nvSpPr>
-          <p:cNvPr id="1043" name="Hexagon 1042">
-            <a:extLst>
-              <a:ext uri="{FF2B5EF4-FFF2-40B4-BE49-F238E27FC236}">
-                <a16:creationId xmlns:a16="http://schemas.microsoft.com/office/drawing/2014/main" id="{29D05AB5-6B19-44C7-74B5-B5B33DBEB87D}"/>
+          <p:cNvPr id="41" name="Hexagon 40">
+            <a:extLst>
+              <a:ext uri="{FF2B5EF4-FFF2-40B4-BE49-F238E27FC236}">
+                <a16:creationId xmlns:a16="http://schemas.microsoft.com/office/drawing/2014/main" id="{B9A8FE6C-50FB-88BE-5980-9DB144B17A4F}"/>
               </a:ext>
             </a:extLst>
           </p:cNvPr>
@@ -9179,8 +9247,8 @@
         </p:nvSpPr>
         <p:spPr>
           <a:xfrm>
-            <a:off x="1967472" y="2020185"/>
-            <a:ext cx="1101061" cy="949191"/>
+            <a:off x="1640106" y="2256508"/>
+            <a:ext cx="1027723" cy="885969"/>
           </a:xfrm>
           <a:prstGeom prst="hexagon">
             <a:avLst/>
@@ -9219,10 +9287,10 @@
       </p:sp>
       <p:sp>
         <p:nvSpPr>
-          <p:cNvPr id="1044" name="Hexagon 1043">
-            <a:extLst>
-              <a:ext uri="{FF2B5EF4-FFF2-40B4-BE49-F238E27FC236}">
-                <a16:creationId xmlns:a16="http://schemas.microsoft.com/office/drawing/2014/main" id="{30A6E450-0182-357B-895E-052D58DB7A20}"/>
+          <p:cNvPr id="42" name="Hexagon 41">
+            <a:extLst>
+              <a:ext uri="{FF2B5EF4-FFF2-40B4-BE49-F238E27FC236}">
+                <a16:creationId xmlns:a16="http://schemas.microsoft.com/office/drawing/2014/main" id="{0FBB4FFE-43F2-30CF-EE61-7C918083C1EE}"/>
               </a:ext>
             </a:extLst>
           </p:cNvPr>
@@ -9233,8 +9301,8 @@
         </p:nvSpPr>
         <p:spPr>
           <a:xfrm>
-            <a:off x="2834107" y="2497054"/>
-            <a:ext cx="1101061" cy="949191"/>
+            <a:off x="2449018" y="2701615"/>
+            <a:ext cx="1027723" cy="885969"/>
           </a:xfrm>
           <a:prstGeom prst="hexagon">
             <a:avLst/>
@@ -9273,10 +9341,10 @@
       </p:sp>
       <p:sp>
         <p:nvSpPr>
-          <p:cNvPr id="1045" name="Hexagon 1044">
-            <a:extLst>
-              <a:ext uri="{FF2B5EF4-FFF2-40B4-BE49-F238E27FC236}">
-                <a16:creationId xmlns:a16="http://schemas.microsoft.com/office/drawing/2014/main" id="{E824D373-3145-98BD-613C-E22BE76D8876}"/>
+          <p:cNvPr id="43" name="Hexagon 42">
+            <a:extLst>
+              <a:ext uri="{FF2B5EF4-FFF2-40B4-BE49-F238E27FC236}">
+                <a16:creationId xmlns:a16="http://schemas.microsoft.com/office/drawing/2014/main" id="{EFDE3350-ED57-B482-6706-42BC01FC9954}"/>
               </a:ext>
             </a:extLst>
           </p:cNvPr>
@@ -9287,8 +9355,8 @@
         </p:nvSpPr>
         <p:spPr>
           <a:xfrm>
-            <a:off x="2834107" y="1551633"/>
-            <a:ext cx="1101061" cy="949191"/>
+            <a:off x="2449018" y="1819165"/>
+            <a:ext cx="1027723" cy="885969"/>
           </a:xfrm>
           <a:prstGeom prst="hexagon">
             <a:avLst/>
@@ -9327,10 +9395,10 @@
       </p:sp>
       <p:sp>
         <p:nvSpPr>
-          <p:cNvPr id="1046" name="Hexagon 1045">
-            <a:extLst>
-              <a:ext uri="{FF2B5EF4-FFF2-40B4-BE49-F238E27FC236}">
-                <a16:creationId xmlns:a16="http://schemas.microsoft.com/office/drawing/2014/main" id="{6767733A-16D2-4B6C-34BB-01A31C7E6626}"/>
+          <p:cNvPr id="44" name="Hexagon 43">
+            <a:extLst>
+              <a:ext uri="{FF2B5EF4-FFF2-40B4-BE49-F238E27FC236}">
+                <a16:creationId xmlns:a16="http://schemas.microsoft.com/office/drawing/2014/main" id="{6B69EB2D-E17F-7C1D-7CA7-656AE3F22B52}"/>
               </a:ext>
             </a:extLst>
           </p:cNvPr>
@@ -9341,8 +9409,8 @@
         </p:nvSpPr>
         <p:spPr>
           <a:xfrm>
-            <a:off x="2834107" y="606211"/>
-            <a:ext cx="1101061" cy="949191"/>
+            <a:off x="2449018" y="936715"/>
+            <a:ext cx="1027723" cy="885969"/>
           </a:xfrm>
           <a:prstGeom prst="hexagon">
             <a:avLst/>
@@ -9381,10 +9449,10 @@
       </p:sp>
       <p:sp>
         <p:nvSpPr>
-          <p:cNvPr id="1047" name="Hexagon 1046">
-            <a:extLst>
-              <a:ext uri="{FF2B5EF4-FFF2-40B4-BE49-F238E27FC236}">
-                <a16:creationId xmlns:a16="http://schemas.microsoft.com/office/drawing/2014/main" id="{CDACEC79-344B-B4E4-41E0-EBF8AF32F90C}"/>
+          <p:cNvPr id="45" name="Hexagon 44">
+            <a:extLst>
+              <a:ext uri="{FF2B5EF4-FFF2-40B4-BE49-F238E27FC236}">
+                <a16:creationId xmlns:a16="http://schemas.microsoft.com/office/drawing/2014/main" id="{9A8A1888-87FA-22AB-AA83-228AE43461B3}"/>
               </a:ext>
             </a:extLst>
           </p:cNvPr>
@@ -9395,8 +9463,8 @@
         </p:nvSpPr>
         <p:spPr>
           <a:xfrm>
-            <a:off x="3693601" y="130689"/>
-            <a:ext cx="1101061" cy="949191"/>
+            <a:off x="3251263" y="492866"/>
+            <a:ext cx="1027723" cy="885969"/>
           </a:xfrm>
           <a:prstGeom prst="hexagon">
             <a:avLst/>
@@ -9435,10 +9503,10 @@
       </p:sp>
       <p:sp>
         <p:nvSpPr>
-          <p:cNvPr id="1048" name="Hexagon 1047">
-            <a:extLst>
-              <a:ext uri="{FF2B5EF4-FFF2-40B4-BE49-F238E27FC236}">
-                <a16:creationId xmlns:a16="http://schemas.microsoft.com/office/drawing/2014/main" id="{1E35B54C-090A-1F13-14AA-318518BC9368}"/>
+          <p:cNvPr id="46" name="Hexagon 45">
+            <a:extLst>
+              <a:ext uri="{FF2B5EF4-FFF2-40B4-BE49-F238E27FC236}">
+                <a16:creationId xmlns:a16="http://schemas.microsoft.com/office/drawing/2014/main" id="{E2ACDE21-E39F-4538-8433-BC27FF9DA4E4}"/>
               </a:ext>
             </a:extLst>
           </p:cNvPr>
@@ -9449,8 +9517,8 @@
         </p:nvSpPr>
         <p:spPr>
           <a:xfrm>
-            <a:off x="3687238" y="1088921"/>
-            <a:ext cx="1101061" cy="949191"/>
+            <a:off x="3245324" y="1387273"/>
+            <a:ext cx="1027723" cy="885969"/>
           </a:xfrm>
           <a:prstGeom prst="hexagon">
             <a:avLst/>
@@ -9489,10 +9557,10 @@
       </p:sp>
       <p:sp>
         <p:nvSpPr>
-          <p:cNvPr id="1049" name="Hexagon 1048">
-            <a:extLst>
-              <a:ext uri="{FF2B5EF4-FFF2-40B4-BE49-F238E27FC236}">
-                <a16:creationId xmlns:a16="http://schemas.microsoft.com/office/drawing/2014/main" id="{BCBB82C8-E63A-EE61-6294-25E618FEB54B}"/>
+          <p:cNvPr id="47" name="Hexagon 46">
+            <a:extLst>
+              <a:ext uri="{FF2B5EF4-FFF2-40B4-BE49-F238E27FC236}">
+                <a16:creationId xmlns:a16="http://schemas.microsoft.com/office/drawing/2014/main" id="{8BEA754F-0B55-CBC6-D31E-BF0D898F8DDF}"/>
               </a:ext>
             </a:extLst>
           </p:cNvPr>
@@ -9503,8 +9571,8 @@
         </p:nvSpPr>
         <p:spPr>
           <a:xfrm>
-            <a:off x="4550589" y="613297"/>
-            <a:ext cx="1101061" cy="949191"/>
+            <a:off x="4051170" y="943329"/>
+            <a:ext cx="1027723" cy="885969"/>
           </a:xfrm>
           <a:prstGeom prst="hexagon">
             <a:avLst/>
@@ -9543,10 +9611,10 @@
       </p:sp>
       <p:sp>
         <p:nvSpPr>
-          <p:cNvPr id="1050" name="Hexagon 1049">
-            <a:extLst>
-              <a:ext uri="{FF2B5EF4-FFF2-40B4-BE49-F238E27FC236}">
-                <a16:creationId xmlns:a16="http://schemas.microsoft.com/office/drawing/2014/main" id="{70D2298F-7505-8383-97B8-EEAD8289CED8}"/>
+          <p:cNvPr id="48" name="Hexagon 47">
+            <a:extLst>
+              <a:ext uri="{FF2B5EF4-FFF2-40B4-BE49-F238E27FC236}">
+                <a16:creationId xmlns:a16="http://schemas.microsoft.com/office/drawing/2014/main" id="{E90474B3-1116-4B99-3E93-A9F0A332F3CD}"/>
               </a:ext>
             </a:extLst>
           </p:cNvPr>
@@ -9557,8 +9625,8 @@
         </p:nvSpPr>
         <p:spPr>
           <a:xfrm>
-            <a:off x="4550589" y="1565470"/>
-            <a:ext cx="1101061" cy="949191"/>
+            <a:off x="4051170" y="1832081"/>
+            <a:ext cx="1027723" cy="885969"/>
           </a:xfrm>
           <a:prstGeom prst="hexagon">
             <a:avLst/>
@@ -9597,10 +9665,10 @@
       </p:sp>
       <p:sp>
         <p:nvSpPr>
-          <p:cNvPr id="1051" name="Hexagon 1050">
-            <a:extLst>
-              <a:ext uri="{FF2B5EF4-FFF2-40B4-BE49-F238E27FC236}">
-                <a16:creationId xmlns:a16="http://schemas.microsoft.com/office/drawing/2014/main" id="{DC63DC33-6F51-897F-07D6-CC39F55F7C19}"/>
+          <p:cNvPr id="49" name="Hexagon 48">
+            <a:extLst>
+              <a:ext uri="{FF2B5EF4-FFF2-40B4-BE49-F238E27FC236}">
+                <a16:creationId xmlns:a16="http://schemas.microsoft.com/office/drawing/2014/main" id="{298715B5-37C2-1F18-7A83-7819A17EFFCC}"/>
               </a:ext>
             </a:extLst>
           </p:cNvPr>
@@ -9611,8 +9679,8 @@
         </p:nvSpPr>
         <p:spPr>
           <a:xfrm>
-            <a:off x="4550589" y="2524398"/>
-            <a:ext cx="1101061" cy="949191"/>
+            <a:off x="4051170" y="2727138"/>
+            <a:ext cx="1027723" cy="885969"/>
           </a:xfrm>
           <a:prstGeom prst="hexagon">
             <a:avLst/>
@@ -9651,10 +9719,10 @@
       </p:sp>
       <p:sp>
         <p:nvSpPr>
-          <p:cNvPr id="1052" name="Hexagon 1051">
-            <a:extLst>
-              <a:ext uri="{FF2B5EF4-FFF2-40B4-BE49-F238E27FC236}">
-                <a16:creationId xmlns:a16="http://schemas.microsoft.com/office/drawing/2014/main" id="{A6BED701-B11E-C171-A218-15045EBA5BCB}"/>
+          <p:cNvPr id="50" name="Hexagon 49">
+            <a:extLst>
+              <a:ext uri="{FF2B5EF4-FFF2-40B4-BE49-F238E27FC236}">
+                <a16:creationId xmlns:a16="http://schemas.microsoft.com/office/drawing/2014/main" id="{E2143180-654D-71A8-63A7-13CC60ACF53D}"/>
               </a:ext>
             </a:extLst>
           </p:cNvPr>
@@ -9665,8 +9733,8 @@
         </p:nvSpPr>
         <p:spPr>
           <a:xfrm>
-            <a:off x="3694323" y="2032055"/>
-            <a:ext cx="1101061" cy="949191"/>
+            <a:off x="3251937" y="2267588"/>
+            <a:ext cx="1027723" cy="885969"/>
           </a:xfrm>
           <a:prstGeom prst="hexagon">
             <a:avLst/>
@@ -9705,10 +9773,10 @@
       </p:sp>
       <p:sp>
         <p:nvSpPr>
-          <p:cNvPr id="1054" name="TextBox 1053">
-            <a:extLst>
-              <a:ext uri="{FF2B5EF4-FFF2-40B4-BE49-F238E27FC236}">
-                <a16:creationId xmlns:a16="http://schemas.microsoft.com/office/drawing/2014/main" id="{E16D4160-E2CF-117C-20CB-9D971F61732B}"/>
+          <p:cNvPr id="51" name="TextBox 50">
+            <a:extLst>
+              <a:ext uri="{FF2B5EF4-FFF2-40B4-BE49-F238E27FC236}">
+                <a16:creationId xmlns:a16="http://schemas.microsoft.com/office/drawing/2014/main" id="{D14CB1DA-0C62-F603-4223-3460BC919ACC}"/>
               </a:ext>
             </a:extLst>
           </p:cNvPr>
@@ -9717,7 +9785,7 @@
         </p:nvSpPr>
         <p:spPr>
           <a:xfrm>
-            <a:off x="6722596" y="857059"/>
+            <a:off x="6227296" y="1127388"/>
             <a:ext cx="3387632" cy="461665"/>
           </a:xfrm>
           <a:prstGeom prst="rect">
@@ -9734,7 +9802,7 @@
             <a:pPr algn="ctr"/>
             <a:r>
               <a:rPr lang="en-US" sz="2400" b="1" dirty="0"/>
-              <a:t>NBC (REDFT00 Cos FFT)</a:t>
+              <a:t>Unpadded PBC (Full FFT)</a:t>
             </a:r>
           </a:p>
         </p:txBody>
@@ -9742,7 +9810,219 @@
     </p:spTree>
     <p:extLst>
       <p:ext uri="{BB962C8B-B14F-4D97-AF65-F5344CB8AC3E}">
-        <p14:creationId xmlns:p14="http://schemas.microsoft.com/office/powerpoint/2010/main" val="2336105519"/>
+        <p14:creationId xmlns:p14="http://schemas.microsoft.com/office/powerpoint/2010/main" val="1611097860"/>
+      </p:ext>
+    </p:extLst>
+  </p:cSld>
+  <p:clrMapOvr>
+    <a:masterClrMapping/>
+  </p:clrMapOvr>
+</p:sld>
+</file>
+
+<file path=ppt/slides/slide4.xml><?xml version="1.0" encoding="utf-8"?>
+<p:sld xmlns:a="http://schemas.openxmlformats.org/drawingml/2006/main" xmlns:r="http://schemas.openxmlformats.org/officeDocument/2006/relationships" xmlns:p="http://schemas.openxmlformats.org/presentationml/2006/main">
+  <p:cSld>
+    <p:spTree>
+      <p:nvGrpSpPr>
+        <p:cNvPr id="1" name=""/>
+        <p:cNvGrpSpPr/>
+        <p:nvPr/>
+      </p:nvGrpSpPr>
+      <p:grpSpPr>
+        <a:xfrm>
+          <a:off x="0" y="0"/>
+          <a:ext cx="0" cy="0"/>
+          <a:chOff x="0" y="0"/>
+          <a:chExt cx="0" cy="0"/>
+        </a:xfrm>
+      </p:grpSpPr>
+      <p:pic>
+        <p:nvPicPr>
+          <p:cNvPr id="6" name="Picture 2">
+            <a:extLst>
+              <a:ext uri="{FF2B5EF4-FFF2-40B4-BE49-F238E27FC236}">
+                <a16:creationId xmlns:a16="http://schemas.microsoft.com/office/drawing/2014/main" id="{30D731BA-5727-D619-DF88-E1F252D821AA}"/>
+              </a:ext>
+            </a:extLst>
+          </p:cNvPr>
+          <p:cNvPicPr>
+            <a:picLocks noChangeAspect="1" noChangeArrowheads="1"/>
+          </p:cNvPicPr>
+          <p:nvPr/>
+        </p:nvPicPr>
+        <p:blipFill>
+          <a:blip r:embed="rId2">
+            <a:extLst>
+              <a:ext uri="{28A0092B-C50C-407E-A947-70E740481C1C}">
+                <a14:useLocalDpi xmlns:a14="http://schemas.microsoft.com/office/drawing/2010/main" val="0"/>
+              </a:ext>
+            </a:extLst>
+          </a:blip>
+          <a:srcRect/>
+          <a:stretch>
+            <a:fillRect/>
+          </a:stretch>
+        </p:blipFill>
+        <p:spPr bwMode="auto">
+          <a:xfrm>
+            <a:off x="6269197" y="3074137"/>
+            <a:ext cx="3909568" cy="3417198"/>
+          </a:xfrm>
+          <a:prstGeom prst="rect">
+            <a:avLst/>
+          </a:prstGeom>
+          <a:noFill/>
+          <a:extLst>
+            <a:ext uri="{909E8E84-426E-40DD-AFC4-6F175D3DCCD1}">
+              <a14:hiddenFill xmlns:a14="http://schemas.microsoft.com/office/drawing/2010/main">
+                <a:solidFill>
+                  <a:srgbClr val="FFFFFF"/>
+                </a:solidFill>
+              </a14:hiddenFill>
+            </a:ext>
+          </a:extLst>
+        </p:spPr>
+      </p:pic>
+      <p:pic>
+        <p:nvPicPr>
+          <p:cNvPr id="2050" name="Picture 2">
+            <a:extLst>
+              <a:ext uri="{FF2B5EF4-FFF2-40B4-BE49-F238E27FC236}">
+                <a16:creationId xmlns:a16="http://schemas.microsoft.com/office/drawing/2014/main" id="{079F3332-4E45-C4BB-3501-CAAC0ABB4135}"/>
+              </a:ext>
+            </a:extLst>
+          </p:cNvPr>
+          <p:cNvPicPr>
+            <a:picLocks noChangeAspect="1" noChangeArrowheads="1"/>
+          </p:cNvPicPr>
+          <p:nvPr/>
+        </p:nvPicPr>
+        <p:blipFill rotWithShape="1">
+          <a:blip r:embed="rId2">
+            <a:extLst>
+              <a:ext uri="{28A0092B-C50C-407E-A947-70E740481C1C}">
+                <a14:useLocalDpi xmlns:a14="http://schemas.microsoft.com/office/drawing/2010/main" val="0"/>
+              </a:ext>
+            </a:extLst>
+          </a:blip>
+          <a:srcRect t="32963" r="42559"/>
+          <a:stretch/>
+        </p:blipFill>
+        <p:spPr bwMode="auto">
+          <a:xfrm>
+            <a:off x="801112" y="4192080"/>
+            <a:ext cx="2245691" cy="2290787"/>
+          </a:xfrm>
+          <a:prstGeom prst="rect">
+            <a:avLst/>
+          </a:prstGeom>
+          <a:noFill/>
+          <a:extLst>
+            <a:ext uri="{909E8E84-426E-40DD-AFC4-6F175D3DCCD1}">
+              <a14:hiddenFill xmlns:a14="http://schemas.microsoft.com/office/drawing/2010/main">
+                <a:solidFill>
+                  <a:srgbClr val="FFFFFF"/>
+                </a:solidFill>
+              </a14:hiddenFill>
+            </a:ext>
+          </a:extLst>
+        </p:spPr>
+      </p:pic>
+      <p:pic>
+        <p:nvPicPr>
+          <p:cNvPr id="4" name="Picture 2">
+            <a:extLst>
+              <a:ext uri="{FF2B5EF4-FFF2-40B4-BE49-F238E27FC236}">
+                <a16:creationId xmlns:a16="http://schemas.microsoft.com/office/drawing/2014/main" id="{51B5C12E-CFF2-9625-D00E-C7FE505E75F5}"/>
+              </a:ext>
+            </a:extLst>
+          </p:cNvPr>
+          <p:cNvPicPr>
+            <a:picLocks noChangeAspect="1" noChangeArrowheads="1"/>
+          </p:cNvPicPr>
+          <p:nvPr/>
+        </p:nvPicPr>
+        <p:blipFill rotWithShape="1">
+          <a:blip r:embed="rId2">
+            <a:extLst>
+              <a:ext uri="{28A0092B-C50C-407E-A947-70E740481C1C}">
+                <a14:useLocalDpi xmlns:a14="http://schemas.microsoft.com/office/drawing/2010/main" val="0"/>
+              </a:ext>
+            </a:extLst>
+          </a:blip>
+          <a:srcRect t="32963" r="42559"/>
+          <a:stretch/>
+        </p:blipFill>
+        <p:spPr bwMode="auto">
+          <a:xfrm flipV="1">
+            <a:off x="801112" y="1960563"/>
+            <a:ext cx="2245691" cy="2290786"/>
+          </a:xfrm>
+          <a:prstGeom prst="rect">
+            <a:avLst/>
+          </a:prstGeom>
+          <a:noFill/>
+          <a:extLst>
+            <a:ext uri="{909E8E84-426E-40DD-AFC4-6F175D3DCCD1}">
+              <a14:hiddenFill xmlns:a14="http://schemas.microsoft.com/office/drawing/2010/main">
+                <a:solidFill>
+                  <a:srgbClr val="FFFFFF"/>
+                </a:solidFill>
+              </a14:hiddenFill>
+            </a:ext>
+          </a:extLst>
+        </p:spPr>
+      </p:pic>
+      <p:pic>
+        <p:nvPicPr>
+          <p:cNvPr id="5" name="Picture 2">
+            <a:extLst>
+              <a:ext uri="{FF2B5EF4-FFF2-40B4-BE49-F238E27FC236}">
+                <a16:creationId xmlns:a16="http://schemas.microsoft.com/office/drawing/2014/main" id="{2BAE5739-5285-4195-80B0-8A60359FECF9}"/>
+              </a:ext>
+            </a:extLst>
+          </p:cNvPr>
+          <p:cNvPicPr>
+            <a:picLocks noChangeAspect="1" noChangeArrowheads="1"/>
+          </p:cNvPicPr>
+          <p:nvPr/>
+        </p:nvPicPr>
+        <p:blipFill rotWithShape="1">
+          <a:blip r:embed="rId2">
+            <a:extLst>
+              <a:ext uri="{28A0092B-C50C-407E-A947-70E740481C1C}">
+                <a14:useLocalDpi xmlns:a14="http://schemas.microsoft.com/office/drawing/2010/main" val="0"/>
+              </a:ext>
+            </a:extLst>
+          </a:blip>
+          <a:srcRect t="32963" r="42559"/>
+          <a:stretch/>
+        </p:blipFill>
+        <p:spPr bwMode="auto">
+          <a:xfrm flipH="1">
+            <a:off x="2987534" y="4200547"/>
+            <a:ext cx="2245691" cy="2290788"/>
+          </a:xfrm>
+          <a:prstGeom prst="rect">
+            <a:avLst/>
+          </a:prstGeom>
+          <a:noFill/>
+          <a:extLst>
+            <a:ext uri="{909E8E84-426E-40DD-AFC4-6F175D3DCCD1}">
+              <a14:hiddenFill xmlns:a14="http://schemas.microsoft.com/office/drawing/2010/main">
+                <a:solidFill>
+                  <a:srgbClr val="FFFFFF"/>
+                </a:solidFill>
+              </a14:hiddenFill>
+            </a:ext>
+          </a:extLst>
+        </p:spPr>
+      </p:pic>
+    </p:spTree>
+    <p:extLst>
+      <p:ext uri="{BB962C8B-B14F-4D97-AF65-F5344CB8AC3E}">
+        <p14:creationId xmlns:p14="http://schemas.microsoft.com/office/powerpoint/2010/main" val="2048438381"/>
       </p:ext>
     </p:extLst>
   </p:cSld>

--- a/graftdist.pptx
+++ b/graftdist.pptx
@@ -5,10 +5,10 @@
     <p:sldMasterId id="2147483648" r:id="rId1"/>
   </p:sldMasterIdLst>
   <p:sldIdLst>
-    <p:sldId id="258" r:id="rId2"/>
-    <p:sldId id="261" r:id="rId3"/>
+    <p:sldId id="265" r:id="rId2"/>
+    <p:sldId id="258" r:id="rId3"/>
     <p:sldId id="263" r:id="rId4"/>
-    <p:sldId id="262" r:id="rId5"/>
+    <p:sldId id="264" r:id="rId5"/>
   </p:sldIdLst>
   <p:sldSz cx="12192000" cy="6858000"/>
   <p:notesSz cx="6858000" cy="9144000"/>
@@ -3313,6 +3313,179 @@
 </file>
 
 <file path=ppt/slides/slide1.xml><?xml version="1.0" encoding="utf-8"?>
+<p:sld xmlns:a="http://schemas.openxmlformats.org/drawingml/2006/main" xmlns:r="http://schemas.openxmlformats.org/officeDocument/2006/relationships" xmlns:p="http://schemas.openxmlformats.org/presentationml/2006/main">
+  <p:cSld>
+    <p:spTree>
+      <p:nvGrpSpPr>
+        <p:cNvPr id="1" name=""/>
+        <p:cNvGrpSpPr/>
+        <p:nvPr/>
+      </p:nvGrpSpPr>
+      <p:grpSpPr>
+        <a:xfrm>
+          <a:off x="0" y="0"/>
+          <a:ext cx="0" cy="0"/>
+          <a:chOff x="0" y="0"/>
+          <a:chExt cx="0" cy="0"/>
+        </a:xfrm>
+      </p:grpSpPr>
+      <p:sp>
+        <p:nvSpPr>
+          <p:cNvPr id="2" name="Title 1">
+            <a:extLst>
+              <a:ext uri="{FF2B5EF4-FFF2-40B4-BE49-F238E27FC236}">
+                <a16:creationId xmlns:a16="http://schemas.microsoft.com/office/drawing/2014/main" id="{A3926BC3-A860-346A-4F58-1EE4C3E7FB0F}"/>
+              </a:ext>
+            </a:extLst>
+          </p:cNvPr>
+          <p:cNvSpPr>
+            <a:spLocks noGrp="1"/>
+          </p:cNvSpPr>
+          <p:nvPr>
+            <p:ph type="title"/>
+          </p:nvPr>
+        </p:nvSpPr>
+        <p:spPr/>
+        <p:txBody>
+          <a:bodyPr/>
+          <a:lstStyle/>
+          <a:p>
+            <a:r>
+              <a:rPr lang="en-US" dirty="0"/>
+              <a:t>Test conditions</a:t>
+            </a:r>
+          </a:p>
+        </p:txBody>
+      </p:sp>
+      <p:sp>
+        <p:nvSpPr>
+          <p:cNvPr id="3" name="TextBox 2">
+            <a:extLst>
+              <a:ext uri="{FF2B5EF4-FFF2-40B4-BE49-F238E27FC236}">
+                <a16:creationId xmlns:a16="http://schemas.microsoft.com/office/drawing/2014/main" id="{A00B5138-8D53-B196-C54A-B372D20698D0}"/>
+              </a:ext>
+            </a:extLst>
+          </p:cNvPr>
+          <p:cNvSpPr txBox="1"/>
+          <p:nvPr/>
+        </p:nvSpPr>
+        <p:spPr>
+          <a:xfrm>
+            <a:off x="1192695" y="2186609"/>
+            <a:ext cx="7026965" cy="1200329"/>
+          </a:xfrm>
+          <a:prstGeom prst="rect">
+            <a:avLst/>
+          </a:prstGeom>
+          <a:noFill/>
+        </p:spPr>
+        <p:txBody>
+          <a:bodyPr wrap="square" rtlCol="0">
+            <a:spAutoFit/>
+          </a:bodyPr>
+          <a:lstStyle/>
+          <a:p>
+            <a:r>
+              <a:rPr lang="en-US" dirty="0"/>
+              <a:t>Sigma = 0.05 c/nm2</a:t>
+            </a:r>
+          </a:p>
+          <a:p>
+            <a:r>
+              <a:rPr lang="en-US" dirty="0"/>
+              <a:t>Lx = 15 nm</a:t>
+            </a:r>
+          </a:p>
+          <a:p>
+            <a:r>
+              <a:rPr lang="en-US" dirty="0"/>
+              <a:t>Ly = 15 nm</a:t>
+            </a:r>
+          </a:p>
+          <a:p>
+            <a:r>
+              <a:rPr lang="en-US" dirty="0"/>
+              <a:t>dx = 0.4 nm</a:t>
+            </a:r>
+          </a:p>
+        </p:txBody>
+      </p:sp>
+      <p:sp>
+        <p:nvSpPr>
+          <p:cNvPr id="4" name="TextBox 3">
+            <a:extLst>
+              <a:ext uri="{FF2B5EF4-FFF2-40B4-BE49-F238E27FC236}">
+                <a16:creationId xmlns:a16="http://schemas.microsoft.com/office/drawing/2014/main" id="{431FD48E-52DE-AC6E-5D2D-A03BFCBE0CEE}"/>
+              </a:ext>
+            </a:extLst>
+          </p:cNvPr>
+          <p:cNvSpPr txBox="1"/>
+          <p:nvPr/>
+        </p:nvSpPr>
+        <p:spPr>
+          <a:xfrm>
+            <a:off x="1192694" y="3776869"/>
+            <a:ext cx="7026965" cy="1754326"/>
+          </a:xfrm>
+          <a:prstGeom prst="rect">
+            <a:avLst/>
+          </a:prstGeom>
+          <a:noFill/>
+        </p:spPr>
+        <p:txBody>
+          <a:bodyPr wrap="square" rtlCol="0">
+            <a:spAutoFit/>
+          </a:bodyPr>
+          <a:lstStyle/>
+          <a:p>
+            <a:r>
+              <a:rPr lang="en-US" dirty="0"/>
+              <a:t>Cast in terms of dx (for rounding and PBC for grafting points): </a:t>
+            </a:r>
+          </a:p>
+          <a:p>
+            <a:r>
+              <a:rPr lang="en-US" dirty="0"/>
+              <a:t>	Sigma = 0.0668 c/nm2</a:t>
+            </a:r>
+          </a:p>
+          <a:p>
+            <a:r>
+              <a:rPr lang="en-US" dirty="0"/>
+              <a:t>	Lx = 14.80 nm</a:t>
+            </a:r>
+          </a:p>
+          <a:p>
+            <a:r>
+              <a:rPr lang="en-US" dirty="0"/>
+              <a:t>	Ly = 11.20 nm</a:t>
+            </a:r>
+          </a:p>
+          <a:p>
+            <a:endParaRPr lang="en-US" dirty="0"/>
+          </a:p>
+          <a:p>
+            <a:r>
+              <a:rPr lang="en-US" dirty="0"/>
+              <a:t>(Sigma error decrease with dx)</a:t>
+            </a:r>
+          </a:p>
+        </p:txBody>
+      </p:sp>
+    </p:spTree>
+    <p:extLst>
+      <p:ext uri="{BB962C8B-B14F-4D97-AF65-F5344CB8AC3E}">
+        <p14:creationId xmlns:p14="http://schemas.microsoft.com/office/powerpoint/2010/main" val="782308025"/>
+      </p:ext>
+    </p:extLst>
+  </p:cSld>
+  <p:clrMapOvr>
+    <a:masterClrMapping/>
+  </p:clrMapOvr>
+</p:sld>
+</file>
+
+<file path=ppt/slides/slide2.xml><?xml version="1.0" encoding="utf-8"?>
 <p:sld xmlns:a="http://schemas.openxmlformats.org/drawingml/2006/main" xmlns:r="http://schemas.openxmlformats.org/officeDocument/2006/relationships" xmlns:p="http://schemas.openxmlformats.org/presentationml/2006/main">
   <p:cSld>
     <p:spTree>
@@ -5505,7 +5678,7 @@
 </p:sld>
 </file>
 
-<file path=ppt/slides/slide2.xml><?xml version="1.0" encoding="utf-8"?>
+<file path=ppt/slides/slide3.xml><?xml version="1.0" encoding="utf-8"?>
 <p:sld xmlns:a="http://schemas.openxmlformats.org/drawingml/2006/main" xmlns:r="http://schemas.openxmlformats.org/officeDocument/2006/relationships" xmlns:p="http://schemas.openxmlformats.org/presentationml/2006/main">
   <p:cSld>
     <p:spTree>
@@ -5524,79 +5697,30 @@
       </p:grpSpPr>
       <p:grpSp>
         <p:nvGrpSpPr>
-          <p:cNvPr id="9" name="Group 8">
-            <a:extLst>
-              <a:ext uri="{FF2B5EF4-FFF2-40B4-BE49-F238E27FC236}">
-                <a16:creationId xmlns:a16="http://schemas.microsoft.com/office/drawing/2014/main" id="{80F04F2E-123C-560A-85F0-D4B6D5D9BFE1}"/>
-              </a:ext>
-            </a:extLst>
-          </p:cNvPr>
-          <p:cNvGrpSpPr>
-            <a:grpSpLocks noChangeAspect="1"/>
-          </p:cNvGrpSpPr>
+          <p:cNvPr id="3077" name="Group 3076">
+            <a:extLst>
+              <a:ext uri="{FF2B5EF4-FFF2-40B4-BE49-F238E27FC236}">
+                <a16:creationId xmlns:a16="http://schemas.microsoft.com/office/drawing/2014/main" id="{25E8B0F5-95E9-1B89-1BB9-107880E0EC01}"/>
+              </a:ext>
+            </a:extLst>
+          </p:cNvPr>
+          <p:cNvGrpSpPr/>
           <p:nvPr/>
         </p:nvGrpSpPr>
         <p:grpSpPr>
           <a:xfrm>
-            <a:off x="1887205" y="462825"/>
-            <a:ext cx="7500976" cy="5852160"/>
-            <a:chOff x="2067449" y="640102"/>
-            <a:chExt cx="7287396" cy="5685528"/>
+            <a:off x="4977042" y="3369366"/>
+            <a:ext cx="4114197" cy="3264818"/>
+            <a:chOff x="5372559" y="3275926"/>
+            <a:chExt cx="4114197" cy="3264818"/>
           </a:xfrm>
         </p:grpSpPr>
         <p:pic>
           <p:nvPicPr>
-            <p:cNvPr id="1026" name="Picture 2">
+            <p:cNvPr id="3072" name="Picture 4">
               <a:extLst>
                 <a:ext uri="{FF2B5EF4-FFF2-40B4-BE49-F238E27FC236}">
-                  <a16:creationId xmlns:a16="http://schemas.microsoft.com/office/drawing/2014/main" id="{64AD04E3-4590-BD34-B35D-2CEB2CDADEE8}"/>
-                </a:ext>
-              </a:extLst>
-            </p:cNvPr>
-            <p:cNvPicPr>
-              <a:picLocks noChangeAspect="1" noChangeArrowheads="1"/>
-            </p:cNvPicPr>
-            <p:nvPr/>
-          </p:nvPicPr>
-          <p:blipFill>
-            <a:blip r:embed="rId2">
-              <a:extLst>
-                <a:ext uri="{28A0092B-C50C-407E-A947-70E740481C1C}">
-                  <a14:useLocalDpi xmlns:a14="http://schemas.microsoft.com/office/drawing/2010/main" val="0"/>
-                </a:ext>
-              </a:extLst>
-            </a:blip>
-            <a:srcRect/>
-            <a:stretch>
-              <a:fillRect/>
-            </a:stretch>
-          </p:blipFill>
-          <p:spPr bwMode="auto">
-            <a:xfrm>
-              <a:off x="2070306" y="3109910"/>
-              <a:ext cx="3997176" cy="3215720"/>
-            </a:xfrm>
-            <a:prstGeom prst="rect">
-              <a:avLst/>
-            </a:prstGeom>
-            <a:noFill/>
-            <a:extLst>
-              <a:ext uri="{909E8E84-426E-40DD-AFC4-6F175D3DCCD1}">
-                <a14:hiddenFill xmlns:a14="http://schemas.microsoft.com/office/drawing/2010/main">
-                  <a:solidFill>
-                    <a:srgbClr val="FFFFFF"/>
-                  </a:solidFill>
-                </a14:hiddenFill>
-              </a:ext>
-            </a:extLst>
-          </p:spPr>
-        </p:pic>
-        <p:pic>
-          <p:nvPicPr>
-            <p:cNvPr id="7" name="Picture 2">
-              <a:extLst>
-                <a:ext uri="{FF2B5EF4-FFF2-40B4-BE49-F238E27FC236}">
-                  <a16:creationId xmlns:a16="http://schemas.microsoft.com/office/drawing/2014/main" id="{784D0FD9-EAA4-94A1-DA4B-B333CE27F744}"/>
+                  <a16:creationId xmlns:a16="http://schemas.microsoft.com/office/drawing/2014/main" id="{184CE8AE-3594-2BDE-D399-2FD63A23A89C}"/>
                 </a:ext>
               </a:extLst>
             </p:cNvPr>
@@ -5613,13 +5737,13 @@
                 </a:ext>
               </a:extLst>
             </a:blip>
-            <a:srcRect b="18282"/>
+            <a:srcRect t="45588" r="45616"/>
             <a:stretch/>
           </p:blipFill>
           <p:spPr bwMode="auto">
-            <a:xfrm>
-              <a:off x="2067449" y="640102"/>
-              <a:ext cx="3997176" cy="2627803"/>
+            <a:xfrm flipV="1">
+              <a:off x="5373011" y="3275926"/>
+              <a:ext cx="2122804" cy="1677768"/>
             </a:xfrm>
             <a:prstGeom prst="rect">
               <a:avLst/>
@@ -5638,10 +5762,10 @@
         </p:pic>
         <p:pic>
           <p:nvPicPr>
-            <p:cNvPr id="3" name="Picture 2">
+            <p:cNvPr id="3073" name="Picture 4">
               <a:extLst>
                 <a:ext uri="{FF2B5EF4-FFF2-40B4-BE49-F238E27FC236}">
-                  <a16:creationId xmlns:a16="http://schemas.microsoft.com/office/drawing/2014/main" id="{A534A7FE-F4FA-989B-5388-EFB6E9047E73}"/>
+                  <a16:creationId xmlns:a16="http://schemas.microsoft.com/office/drawing/2014/main" id="{9F73C72B-B449-602B-2B9E-E02901237B6A}"/>
                 </a:ext>
               </a:extLst>
             </p:cNvPr>
@@ -5658,13 +5782,13 @@
                 </a:ext>
               </a:extLst>
             </a:blip>
-            <a:srcRect l="13989" t="2300"/>
+            <a:srcRect t="45588" r="45616"/>
             <a:stretch/>
           </p:blipFill>
           <p:spPr bwMode="auto">
-            <a:xfrm>
-              <a:off x="5916860" y="3174005"/>
-              <a:ext cx="3437985" cy="3141763"/>
+            <a:xfrm flipH="1">
+              <a:off x="7363952" y="4862976"/>
+              <a:ext cx="2122804" cy="1677768"/>
             </a:xfrm>
             <a:prstGeom prst="rect">
               <a:avLst/>
@@ -5681,13 +5805,394 @@
             </a:extLst>
           </p:spPr>
         </p:pic>
+        <p:pic>
+          <p:nvPicPr>
+            <p:cNvPr id="3075" name="Picture 4">
+              <a:extLst>
+                <a:ext uri="{FF2B5EF4-FFF2-40B4-BE49-F238E27FC236}">
+                  <a16:creationId xmlns:a16="http://schemas.microsoft.com/office/drawing/2014/main" id="{907612C4-2503-1A52-B7ED-898048AE225B}"/>
+                </a:ext>
+              </a:extLst>
+            </p:cNvPr>
+            <p:cNvPicPr>
+              <a:picLocks noChangeAspect="1" noChangeArrowheads="1"/>
+            </p:cNvPicPr>
+            <p:nvPr/>
+          </p:nvPicPr>
+          <p:blipFill rotWithShape="1">
+            <a:blip r:embed="rId2">
+              <a:extLst>
+                <a:ext uri="{28A0092B-C50C-407E-A947-70E740481C1C}">
+                  <a14:useLocalDpi xmlns:a14="http://schemas.microsoft.com/office/drawing/2010/main" val="0"/>
+                </a:ext>
+              </a:extLst>
+            </a:blip>
+            <a:srcRect t="45588" r="45616"/>
+            <a:stretch/>
+          </p:blipFill>
+          <p:spPr bwMode="auto">
+            <a:xfrm flipH="1" flipV="1">
+              <a:off x="7360090" y="3276778"/>
+              <a:ext cx="2122804" cy="1677768"/>
+            </a:xfrm>
+            <a:prstGeom prst="rect">
+              <a:avLst/>
+            </a:prstGeom>
+            <a:noFill/>
+            <a:extLst>
+              <a:ext uri="{909E8E84-426E-40DD-AFC4-6F175D3DCCD1}">
+                <a14:hiddenFill xmlns:a14="http://schemas.microsoft.com/office/drawing/2010/main">
+                  <a:solidFill>
+                    <a:srgbClr val="FFFFFF"/>
+                  </a:solidFill>
+                </a14:hiddenFill>
+              </a:ext>
+            </a:extLst>
+          </p:spPr>
+        </p:pic>
+        <p:pic>
+          <p:nvPicPr>
+            <p:cNvPr id="63" name="Picture 4">
+              <a:extLst>
+                <a:ext uri="{FF2B5EF4-FFF2-40B4-BE49-F238E27FC236}">
+                  <a16:creationId xmlns:a16="http://schemas.microsoft.com/office/drawing/2014/main" id="{1D512265-1D3A-AE4E-3FED-56915B5F7553}"/>
+                </a:ext>
+              </a:extLst>
+            </p:cNvPr>
+            <p:cNvPicPr>
+              <a:picLocks noChangeAspect="1" noChangeArrowheads="1"/>
+            </p:cNvPicPr>
+            <p:nvPr/>
+          </p:nvPicPr>
+          <p:blipFill rotWithShape="1">
+            <a:blip r:embed="rId2">
+              <a:extLst>
+                <a:ext uri="{28A0092B-C50C-407E-A947-70E740481C1C}">
+                  <a14:useLocalDpi xmlns:a14="http://schemas.microsoft.com/office/drawing/2010/main" val="0"/>
+                </a:ext>
+              </a:extLst>
+            </a:blip>
+            <a:srcRect t="45588" r="45616"/>
+            <a:stretch/>
+          </p:blipFill>
+          <p:spPr bwMode="auto">
+            <a:xfrm>
+              <a:off x="5372559" y="4861938"/>
+              <a:ext cx="2122804" cy="1677768"/>
+            </a:xfrm>
+            <a:prstGeom prst="rect">
+              <a:avLst/>
+            </a:prstGeom>
+            <a:noFill/>
+            <a:extLst>
+              <a:ext uri="{909E8E84-426E-40DD-AFC4-6F175D3DCCD1}">
+                <a14:hiddenFill xmlns:a14="http://schemas.microsoft.com/office/drawing/2010/main">
+                  <a:solidFill>
+                    <a:srgbClr val="FFFFFF"/>
+                  </a:solidFill>
+                </a14:hiddenFill>
+              </a:ext>
+            </a:extLst>
+          </p:spPr>
+        </p:pic>
       </p:grpSp>
-      <p:sp>
-        <p:nvSpPr>
-          <p:cNvPr id="23" name="Hexagon 22">
-            <a:extLst>
-              <a:ext uri="{FF2B5EF4-FFF2-40B4-BE49-F238E27FC236}">
-                <a16:creationId xmlns:a16="http://schemas.microsoft.com/office/drawing/2014/main" id="{95F6E8AA-E51C-EF11-9603-A8A2058FEBC7}"/>
+      <p:grpSp>
+        <p:nvGrpSpPr>
+          <p:cNvPr id="3084" name="Group 3083">
+            <a:extLst>
+              <a:ext uri="{FF2B5EF4-FFF2-40B4-BE49-F238E27FC236}">
+                <a16:creationId xmlns:a16="http://schemas.microsoft.com/office/drawing/2014/main" id="{E4F62389-8853-FBE1-E0EA-1D4D4768D4C3}"/>
+              </a:ext>
+            </a:extLst>
+          </p:cNvPr>
+          <p:cNvGrpSpPr/>
+          <p:nvPr/>
+        </p:nvGrpSpPr>
+        <p:grpSpPr>
+          <a:xfrm>
+            <a:off x="4971040" y="869729"/>
+            <a:ext cx="4140152" cy="2931450"/>
+            <a:chOff x="5372559" y="3275926"/>
+            <a:chExt cx="4140152" cy="2931450"/>
+          </a:xfrm>
+        </p:grpSpPr>
+        <p:pic>
+          <p:nvPicPr>
+            <p:cNvPr id="3085" name="Picture 4">
+              <a:extLst>
+                <a:ext uri="{FF2B5EF4-FFF2-40B4-BE49-F238E27FC236}">
+                  <a16:creationId xmlns:a16="http://schemas.microsoft.com/office/drawing/2014/main" id="{986F11D2-F8EE-1BAE-E592-6385B8D302F6}"/>
+                </a:ext>
+              </a:extLst>
+            </p:cNvPr>
+            <p:cNvPicPr>
+              <a:picLocks noChangeAspect="1" noChangeArrowheads="1"/>
+            </p:cNvPicPr>
+            <p:nvPr/>
+          </p:nvPicPr>
+          <p:blipFill rotWithShape="1">
+            <a:blip r:embed="rId2">
+              <a:extLst>
+                <a:ext uri="{28A0092B-C50C-407E-A947-70E740481C1C}">
+                  <a14:useLocalDpi xmlns:a14="http://schemas.microsoft.com/office/drawing/2010/main" val="0"/>
+                </a:ext>
+              </a:extLst>
+            </a:blip>
+            <a:srcRect t="45588" r="45616"/>
+            <a:stretch/>
+          </p:blipFill>
+          <p:spPr bwMode="auto">
+            <a:xfrm flipV="1">
+              <a:off x="5373011" y="3275926"/>
+              <a:ext cx="2122804" cy="1677768"/>
+            </a:xfrm>
+            <a:prstGeom prst="rect">
+              <a:avLst/>
+            </a:prstGeom>
+            <a:noFill/>
+            <a:extLst>
+              <a:ext uri="{909E8E84-426E-40DD-AFC4-6F175D3DCCD1}">
+                <a14:hiddenFill xmlns:a14="http://schemas.microsoft.com/office/drawing/2010/main">
+                  <a:solidFill>
+                    <a:srgbClr val="FFFFFF"/>
+                  </a:solidFill>
+                </a14:hiddenFill>
+              </a:ext>
+            </a:extLst>
+          </p:spPr>
+        </p:pic>
+        <p:pic>
+          <p:nvPicPr>
+            <p:cNvPr id="3086" name="Picture 4">
+              <a:extLst>
+                <a:ext uri="{FF2B5EF4-FFF2-40B4-BE49-F238E27FC236}">
+                  <a16:creationId xmlns:a16="http://schemas.microsoft.com/office/drawing/2014/main" id="{73E59054-379E-3C61-E2AF-0C2559473002}"/>
+                </a:ext>
+              </a:extLst>
+            </p:cNvPr>
+            <p:cNvPicPr>
+              <a:picLocks noChangeAspect="1" noChangeArrowheads="1"/>
+            </p:cNvPicPr>
+            <p:nvPr/>
+          </p:nvPicPr>
+          <p:blipFill rotWithShape="1">
+            <a:blip r:embed="rId2">
+              <a:extLst>
+                <a:ext uri="{28A0092B-C50C-407E-A947-70E740481C1C}">
+                  <a14:useLocalDpi xmlns:a14="http://schemas.microsoft.com/office/drawing/2010/main" val="0"/>
+                </a:ext>
+              </a:extLst>
+            </a:blip>
+            <a:srcRect t="45588" r="45616" b="10811"/>
+            <a:stretch/>
+          </p:blipFill>
+          <p:spPr bwMode="auto">
+            <a:xfrm flipH="1">
+              <a:off x="7363952" y="4862976"/>
+              <a:ext cx="2122804" cy="1344400"/>
+            </a:xfrm>
+            <a:prstGeom prst="rect">
+              <a:avLst/>
+            </a:prstGeom>
+            <a:noFill/>
+            <a:extLst>
+              <a:ext uri="{909E8E84-426E-40DD-AFC4-6F175D3DCCD1}">
+                <a14:hiddenFill xmlns:a14="http://schemas.microsoft.com/office/drawing/2010/main">
+                  <a:solidFill>
+                    <a:srgbClr val="FFFFFF"/>
+                  </a:solidFill>
+                </a14:hiddenFill>
+              </a:ext>
+            </a:extLst>
+          </p:spPr>
+        </p:pic>
+        <p:pic>
+          <p:nvPicPr>
+            <p:cNvPr id="3087" name="Picture 4">
+              <a:extLst>
+                <a:ext uri="{FF2B5EF4-FFF2-40B4-BE49-F238E27FC236}">
+                  <a16:creationId xmlns:a16="http://schemas.microsoft.com/office/drawing/2014/main" id="{FAD10537-A7AA-ADC1-B948-E1D397A77338}"/>
+                </a:ext>
+              </a:extLst>
+            </p:cNvPr>
+            <p:cNvPicPr>
+              <a:picLocks noChangeAspect="1" noChangeArrowheads="1"/>
+            </p:cNvPicPr>
+            <p:nvPr/>
+          </p:nvPicPr>
+          <p:blipFill rotWithShape="1">
+            <a:blip r:embed="rId2">
+              <a:extLst>
+                <a:ext uri="{28A0092B-C50C-407E-A947-70E740481C1C}">
+                  <a14:useLocalDpi xmlns:a14="http://schemas.microsoft.com/office/drawing/2010/main" val="0"/>
+                </a:ext>
+              </a:extLst>
+            </a:blip>
+            <a:srcRect t="45588" r="45616"/>
+            <a:stretch/>
+          </p:blipFill>
+          <p:spPr bwMode="auto">
+            <a:xfrm flipH="1" flipV="1">
+              <a:off x="7389907" y="3276778"/>
+              <a:ext cx="2122804" cy="1677768"/>
+            </a:xfrm>
+            <a:prstGeom prst="rect">
+              <a:avLst/>
+            </a:prstGeom>
+            <a:noFill/>
+            <a:extLst>
+              <a:ext uri="{909E8E84-426E-40DD-AFC4-6F175D3DCCD1}">
+                <a14:hiddenFill xmlns:a14="http://schemas.microsoft.com/office/drawing/2010/main">
+                  <a:solidFill>
+                    <a:srgbClr val="FFFFFF"/>
+                  </a:solidFill>
+                </a14:hiddenFill>
+              </a:ext>
+            </a:extLst>
+          </p:spPr>
+        </p:pic>
+        <p:pic>
+          <p:nvPicPr>
+            <p:cNvPr id="3088" name="Picture 4">
+              <a:extLst>
+                <a:ext uri="{FF2B5EF4-FFF2-40B4-BE49-F238E27FC236}">
+                  <a16:creationId xmlns:a16="http://schemas.microsoft.com/office/drawing/2014/main" id="{431FCFAE-3530-B05E-1C38-AB3E0DB64E70}"/>
+                </a:ext>
+              </a:extLst>
+            </p:cNvPr>
+            <p:cNvPicPr>
+              <a:picLocks noChangeAspect="1" noChangeArrowheads="1"/>
+            </p:cNvPicPr>
+            <p:nvPr/>
+          </p:nvPicPr>
+          <p:blipFill rotWithShape="1">
+            <a:blip r:embed="rId2">
+              <a:extLst>
+                <a:ext uri="{28A0092B-C50C-407E-A947-70E740481C1C}">
+                  <a14:useLocalDpi xmlns:a14="http://schemas.microsoft.com/office/drawing/2010/main" val="0"/>
+                </a:ext>
+              </a:extLst>
+            </a:blip>
+            <a:srcRect t="45588" r="45616" b="10811"/>
+            <a:stretch/>
+          </p:blipFill>
+          <p:spPr bwMode="auto">
+            <a:xfrm>
+              <a:off x="5372559" y="4861938"/>
+              <a:ext cx="2122804" cy="1344400"/>
+            </a:xfrm>
+            <a:prstGeom prst="rect">
+              <a:avLst/>
+            </a:prstGeom>
+            <a:noFill/>
+            <a:extLst>
+              <a:ext uri="{909E8E84-426E-40DD-AFC4-6F175D3DCCD1}">
+                <a14:hiddenFill xmlns:a14="http://schemas.microsoft.com/office/drawing/2010/main">
+                  <a:solidFill>
+                    <a:srgbClr val="FFFFFF"/>
+                  </a:solidFill>
+                </a14:hiddenFill>
+              </a:ext>
+            </a:extLst>
+          </p:spPr>
+        </p:pic>
+      </p:grpSp>
+      <p:pic>
+        <p:nvPicPr>
+          <p:cNvPr id="3076" name="Picture 4">
+            <a:extLst>
+              <a:ext uri="{FF2B5EF4-FFF2-40B4-BE49-F238E27FC236}">
+                <a16:creationId xmlns:a16="http://schemas.microsoft.com/office/drawing/2014/main" id="{95E48A55-5668-73BD-334A-28D117C202E7}"/>
+              </a:ext>
+            </a:extLst>
+          </p:cNvPr>
+          <p:cNvPicPr>
+            <a:picLocks noChangeAspect="1" noChangeArrowheads="1"/>
+          </p:cNvPicPr>
+          <p:nvPr/>
+        </p:nvPicPr>
+        <p:blipFill rotWithShape="1">
+          <a:blip r:embed="rId2">
+            <a:extLst>
+              <a:ext uri="{28A0092B-C50C-407E-A947-70E740481C1C}">
+                <a14:useLocalDpi xmlns:a14="http://schemas.microsoft.com/office/drawing/2010/main" val="0"/>
+              </a:ext>
+            </a:extLst>
+          </a:blip>
+          <a:srcRect r="3318"/>
+          <a:stretch/>
+        </p:blipFill>
+        <p:spPr bwMode="auto">
+          <a:xfrm>
+            <a:off x="1635291" y="3602313"/>
+            <a:ext cx="3773797" cy="3083451"/>
+          </a:xfrm>
+          <a:prstGeom prst="rect">
+            <a:avLst/>
+          </a:prstGeom>
+          <a:noFill/>
+          <a:extLst>
+            <a:ext uri="{909E8E84-426E-40DD-AFC4-6F175D3DCCD1}">
+              <a14:hiddenFill xmlns:a14="http://schemas.microsoft.com/office/drawing/2010/main">
+                <a:solidFill>
+                  <a:srgbClr val="FFFFFF"/>
+                </a:solidFill>
+              </a14:hiddenFill>
+            </a:ext>
+          </a:extLst>
+        </p:spPr>
+      </p:pic>
+      <p:pic>
+        <p:nvPicPr>
+          <p:cNvPr id="61" name="Picture 4">
+            <a:extLst>
+              <a:ext uri="{FF2B5EF4-FFF2-40B4-BE49-F238E27FC236}">
+                <a16:creationId xmlns:a16="http://schemas.microsoft.com/office/drawing/2014/main" id="{01C5FAF4-8938-4415-FE39-7F49CB0B59EB}"/>
+              </a:ext>
+            </a:extLst>
+          </p:cNvPr>
+          <p:cNvPicPr>
+            <a:picLocks noChangeAspect="1" noChangeArrowheads="1"/>
+          </p:cNvPicPr>
+          <p:nvPr/>
+        </p:nvPicPr>
+        <p:blipFill rotWithShape="1">
+          <a:blip r:embed="rId2">
+            <a:extLst>
+              <a:ext uri="{28A0092B-C50C-407E-A947-70E740481C1C}">
+                <a14:useLocalDpi xmlns:a14="http://schemas.microsoft.com/office/drawing/2010/main" val="0"/>
+              </a:ext>
+            </a:extLst>
+          </a:blip>
+          <a:srcRect r="1544" b="11483"/>
+          <a:stretch/>
+        </p:blipFill>
+        <p:spPr bwMode="auto">
+          <a:xfrm>
+            <a:off x="1641260" y="1028971"/>
+            <a:ext cx="3843017" cy="2729383"/>
+          </a:xfrm>
+          <a:prstGeom prst="rect">
+            <a:avLst/>
+          </a:prstGeom>
+          <a:noFill/>
+          <a:extLst>
+            <a:ext uri="{909E8E84-426E-40DD-AFC4-6F175D3DCCD1}">
+              <a14:hiddenFill xmlns:a14="http://schemas.microsoft.com/office/drawing/2010/main">
+                <a:solidFill>
+                  <a:srgbClr val="FFFFFF"/>
+                </a:solidFill>
+              </a14:hiddenFill>
+            </a:ext>
+          </a:extLst>
+        </p:spPr>
+      </p:pic>
+      <p:sp>
+        <p:nvSpPr>
+          <p:cNvPr id="15" name="Hexagon 14">
+            <a:extLst>
+              <a:ext uri="{FF2B5EF4-FFF2-40B4-BE49-F238E27FC236}">
+                <a16:creationId xmlns:a16="http://schemas.microsoft.com/office/drawing/2014/main" id="{CA210AD0-1184-0ED8-8314-9C67458F11F8}"/>
               </a:ext>
             </a:extLst>
           </p:cNvPr>
@@ -5698,7 +6203,7 @@
         </p:nvSpPr>
         <p:spPr>
           <a:xfrm>
-            <a:off x="2205573" y="2748365"/>
+            <a:off x="1583273" y="3351248"/>
             <a:ext cx="1027723" cy="885969"/>
           </a:xfrm>
           <a:prstGeom prst="hexagon">
@@ -5738,10 +6243,10 @@
       </p:sp>
       <p:sp>
         <p:nvSpPr>
-          <p:cNvPr id="24" name="Hexagon 23">
-            <a:extLst>
-              <a:ext uri="{FF2B5EF4-FFF2-40B4-BE49-F238E27FC236}">
-                <a16:creationId xmlns:a16="http://schemas.microsoft.com/office/drawing/2014/main" id="{E2137AB5-84C0-9474-6105-2C763501D3BA}"/>
+          <p:cNvPr id="16" name="Hexagon 15">
+            <a:extLst>
+              <a:ext uri="{FF2B5EF4-FFF2-40B4-BE49-F238E27FC236}">
+                <a16:creationId xmlns:a16="http://schemas.microsoft.com/office/drawing/2014/main" id="{F7E5B642-D6DC-27D1-AAAE-9D95E7839BBD}"/>
               </a:ext>
             </a:extLst>
           </p:cNvPr>
@@ -5752,7 +6257,7 @@
         </p:nvSpPr>
         <p:spPr>
           <a:xfrm>
-            <a:off x="2198906" y="3637118"/>
+            <a:off x="1576606" y="4240001"/>
             <a:ext cx="1027723" cy="885969"/>
           </a:xfrm>
           <a:prstGeom prst="hexagon">
@@ -5792,10 +6297,10 @@
       </p:sp>
       <p:sp>
         <p:nvSpPr>
-          <p:cNvPr id="25" name="Hexagon 24">
-            <a:extLst>
-              <a:ext uri="{FF2B5EF4-FFF2-40B4-BE49-F238E27FC236}">
-                <a16:creationId xmlns:a16="http://schemas.microsoft.com/office/drawing/2014/main" id="{F8C810D5-5537-7B6D-B440-1268350AA201}"/>
+          <p:cNvPr id="17" name="Hexagon 16">
+            <a:extLst>
+              <a:ext uri="{FF2B5EF4-FFF2-40B4-BE49-F238E27FC236}">
+                <a16:creationId xmlns:a16="http://schemas.microsoft.com/office/drawing/2014/main" id="{04A1A5EA-4A1F-BC6E-3692-7F058625DEE6}"/>
               </a:ext>
             </a:extLst>
           </p:cNvPr>
@@ -5806,7 +6311,7 @@
         </p:nvSpPr>
         <p:spPr>
           <a:xfrm>
-            <a:off x="2198906" y="4518839"/>
+            <a:off x="1576606" y="5121722"/>
             <a:ext cx="1027723" cy="885969"/>
           </a:xfrm>
           <a:prstGeom prst="hexagon">
@@ -5846,10 +6351,10 @@
       </p:sp>
       <p:sp>
         <p:nvSpPr>
-          <p:cNvPr id="26" name="Hexagon 25">
-            <a:extLst>
-              <a:ext uri="{FF2B5EF4-FFF2-40B4-BE49-F238E27FC236}">
-                <a16:creationId xmlns:a16="http://schemas.microsoft.com/office/drawing/2014/main" id="{F77599D8-7767-A82D-07AA-3FB63B9BFD14}"/>
+          <p:cNvPr id="18" name="Hexagon 17">
+            <a:extLst>
+              <a:ext uri="{FF2B5EF4-FFF2-40B4-BE49-F238E27FC236}">
+                <a16:creationId xmlns:a16="http://schemas.microsoft.com/office/drawing/2014/main" id="{7B802C25-E8E5-3AD5-AA86-EC56DD658921}"/>
               </a:ext>
             </a:extLst>
           </p:cNvPr>
@@ -5860,7 +6365,7 @@
         </p:nvSpPr>
         <p:spPr>
           <a:xfrm>
-            <a:off x="3007818" y="4963945"/>
+            <a:off x="2385518" y="5566828"/>
             <a:ext cx="1027723" cy="885969"/>
           </a:xfrm>
           <a:prstGeom prst="hexagon">
@@ -5900,10 +6405,10 @@
       </p:sp>
       <p:sp>
         <p:nvSpPr>
-          <p:cNvPr id="27" name="Hexagon 26">
-            <a:extLst>
-              <a:ext uri="{FF2B5EF4-FFF2-40B4-BE49-F238E27FC236}">
-                <a16:creationId xmlns:a16="http://schemas.microsoft.com/office/drawing/2014/main" id="{EDA58312-BC6C-10CE-D676-1A55FABD2974}"/>
+          <p:cNvPr id="19" name="Hexagon 18">
+            <a:extLst>
+              <a:ext uri="{FF2B5EF4-FFF2-40B4-BE49-F238E27FC236}">
+                <a16:creationId xmlns:a16="http://schemas.microsoft.com/office/drawing/2014/main" id="{F264AC56-895C-CBF0-AB22-DC2EB760F723}"/>
               </a:ext>
             </a:extLst>
           </p:cNvPr>
@@ -5914,7 +6419,7 @@
         </p:nvSpPr>
         <p:spPr>
           <a:xfrm>
-            <a:off x="3007818" y="4081495"/>
+            <a:off x="2385518" y="4684378"/>
             <a:ext cx="1027723" cy="885969"/>
           </a:xfrm>
           <a:prstGeom prst="hexagon">
@@ -5954,10 +6459,10 @@
       </p:sp>
       <p:sp>
         <p:nvSpPr>
-          <p:cNvPr id="28" name="Hexagon 27">
-            <a:extLst>
-              <a:ext uri="{FF2B5EF4-FFF2-40B4-BE49-F238E27FC236}">
-                <a16:creationId xmlns:a16="http://schemas.microsoft.com/office/drawing/2014/main" id="{500312F3-E150-1BF6-8E03-C5E66745B1B5}"/>
+          <p:cNvPr id="20" name="Hexagon 19">
+            <a:extLst>
+              <a:ext uri="{FF2B5EF4-FFF2-40B4-BE49-F238E27FC236}">
+                <a16:creationId xmlns:a16="http://schemas.microsoft.com/office/drawing/2014/main" id="{07B9D637-BA96-2B7F-EBC9-5B688778148D}"/>
               </a:ext>
             </a:extLst>
           </p:cNvPr>
@@ -5968,7 +6473,7 @@
         </p:nvSpPr>
         <p:spPr>
           <a:xfrm>
-            <a:off x="3007818" y="3199045"/>
+            <a:off x="2385518" y="3801928"/>
             <a:ext cx="1027723" cy="885969"/>
           </a:xfrm>
           <a:prstGeom prst="hexagon">
@@ -6008,10 +6513,10 @@
       </p:sp>
       <p:sp>
         <p:nvSpPr>
-          <p:cNvPr id="29" name="Hexagon 28">
-            <a:extLst>
-              <a:ext uri="{FF2B5EF4-FFF2-40B4-BE49-F238E27FC236}">
-                <a16:creationId xmlns:a16="http://schemas.microsoft.com/office/drawing/2014/main" id="{15731913-8430-CCBF-E728-912DD1051C0A}"/>
+          <p:cNvPr id="21" name="Hexagon 20">
+            <a:extLst>
+              <a:ext uri="{FF2B5EF4-FFF2-40B4-BE49-F238E27FC236}">
+                <a16:creationId xmlns:a16="http://schemas.microsoft.com/office/drawing/2014/main" id="{65236423-21B3-ED2B-8057-5E9D7417482A}"/>
               </a:ext>
             </a:extLst>
           </p:cNvPr>
@@ -6022,7 +6527,7 @@
         </p:nvSpPr>
         <p:spPr>
           <a:xfrm>
-            <a:off x="3810063" y="2755197"/>
+            <a:off x="3187763" y="3358080"/>
             <a:ext cx="1027723" cy="885969"/>
           </a:xfrm>
           <a:prstGeom prst="hexagon">
@@ -6062,10 +6567,10 @@
       </p:sp>
       <p:sp>
         <p:nvSpPr>
-          <p:cNvPr id="30" name="Hexagon 29">
-            <a:extLst>
-              <a:ext uri="{FF2B5EF4-FFF2-40B4-BE49-F238E27FC236}">
-                <a16:creationId xmlns:a16="http://schemas.microsoft.com/office/drawing/2014/main" id="{FE4743FE-6712-EBB0-A5C5-B2274FF5C4DC}"/>
+          <p:cNvPr id="22" name="Hexagon 21">
+            <a:extLst>
+              <a:ext uri="{FF2B5EF4-FFF2-40B4-BE49-F238E27FC236}">
+                <a16:creationId xmlns:a16="http://schemas.microsoft.com/office/drawing/2014/main" id="{4F7251F9-1271-4B5D-1B14-AD79DB034C73}"/>
               </a:ext>
             </a:extLst>
           </p:cNvPr>
@@ -6076,7 +6581,7 @@
         </p:nvSpPr>
         <p:spPr>
           <a:xfrm>
-            <a:off x="3804124" y="3649602"/>
+            <a:off x="3181824" y="4252485"/>
             <a:ext cx="1027723" cy="885969"/>
           </a:xfrm>
           <a:prstGeom prst="hexagon">
@@ -6116,10 +6621,10 @@
       </p:sp>
       <p:sp>
         <p:nvSpPr>
-          <p:cNvPr id="40" name="Hexagon 39">
-            <a:extLst>
-              <a:ext uri="{FF2B5EF4-FFF2-40B4-BE49-F238E27FC236}">
-                <a16:creationId xmlns:a16="http://schemas.microsoft.com/office/drawing/2014/main" id="{F03E2C1C-BF9A-D1A4-AB96-44B915D89168}"/>
+          <p:cNvPr id="23" name="Hexagon 22">
+            <a:extLst>
+              <a:ext uri="{FF2B5EF4-FFF2-40B4-BE49-F238E27FC236}">
+                <a16:creationId xmlns:a16="http://schemas.microsoft.com/office/drawing/2014/main" id="{4073D1F8-EC3D-0388-F726-CE0A24FC5B8A}"/>
               </a:ext>
             </a:extLst>
           </p:cNvPr>
@@ -6130,7 +6635,7 @@
         </p:nvSpPr>
         <p:spPr>
           <a:xfrm>
-            <a:off x="4609970" y="3205658"/>
+            <a:off x="3987670" y="3808541"/>
             <a:ext cx="1027723" cy="885969"/>
           </a:xfrm>
           <a:prstGeom prst="hexagon">
@@ -6170,10 +6675,10 @@
       </p:sp>
       <p:sp>
         <p:nvSpPr>
-          <p:cNvPr id="41" name="Hexagon 40">
-            <a:extLst>
-              <a:ext uri="{FF2B5EF4-FFF2-40B4-BE49-F238E27FC236}">
-                <a16:creationId xmlns:a16="http://schemas.microsoft.com/office/drawing/2014/main" id="{AA13D11E-D161-07F1-337A-0439DE47625A}"/>
+          <p:cNvPr id="24" name="Hexagon 23">
+            <a:extLst>
+              <a:ext uri="{FF2B5EF4-FFF2-40B4-BE49-F238E27FC236}">
+                <a16:creationId xmlns:a16="http://schemas.microsoft.com/office/drawing/2014/main" id="{881E2BDC-1F31-6D01-E04A-7C73381D6037}"/>
               </a:ext>
             </a:extLst>
           </p:cNvPr>
@@ -6184,7 +6689,7 @@
         </p:nvSpPr>
         <p:spPr>
           <a:xfrm>
-            <a:off x="4609970" y="4094411"/>
+            <a:off x="3987670" y="4697294"/>
             <a:ext cx="1027723" cy="885969"/>
           </a:xfrm>
           <a:prstGeom prst="hexagon">
@@ -6224,10 +6729,10 @@
       </p:sp>
       <p:sp>
         <p:nvSpPr>
-          <p:cNvPr id="42" name="Hexagon 41">
-            <a:extLst>
-              <a:ext uri="{FF2B5EF4-FFF2-40B4-BE49-F238E27FC236}">
-                <a16:creationId xmlns:a16="http://schemas.microsoft.com/office/drawing/2014/main" id="{37E2AD43-8C0F-AE4E-73F5-2ADF3F4328B5}"/>
+          <p:cNvPr id="25" name="Hexagon 24">
+            <a:extLst>
+              <a:ext uri="{FF2B5EF4-FFF2-40B4-BE49-F238E27FC236}">
+                <a16:creationId xmlns:a16="http://schemas.microsoft.com/office/drawing/2014/main" id="{D0AE08D3-EA20-7B0E-7F1E-2C0558AF647E}"/>
               </a:ext>
             </a:extLst>
           </p:cNvPr>
@@ -6238,7 +6743,7 @@
         </p:nvSpPr>
         <p:spPr>
           <a:xfrm>
-            <a:off x="4609970" y="4989467"/>
+            <a:off x="3987670" y="5592350"/>
             <a:ext cx="1027723" cy="885969"/>
           </a:xfrm>
           <a:prstGeom prst="hexagon">
@@ -6278,10 +6783,10 @@
       </p:sp>
       <p:sp>
         <p:nvSpPr>
-          <p:cNvPr id="49" name="Hexagon 48">
-            <a:extLst>
-              <a:ext uri="{FF2B5EF4-FFF2-40B4-BE49-F238E27FC236}">
-                <a16:creationId xmlns:a16="http://schemas.microsoft.com/office/drawing/2014/main" id="{6DED218D-3761-F049-ADDA-F96E065614EC}"/>
+          <p:cNvPr id="26" name="Hexagon 25">
+            <a:extLst>
+              <a:ext uri="{FF2B5EF4-FFF2-40B4-BE49-F238E27FC236}">
+                <a16:creationId xmlns:a16="http://schemas.microsoft.com/office/drawing/2014/main" id="{95823C0A-C918-E852-F828-D270E718F930}"/>
               </a:ext>
             </a:extLst>
           </p:cNvPr>
@@ -6292,7 +6797,7 @@
         </p:nvSpPr>
         <p:spPr>
           <a:xfrm>
-            <a:off x="3810736" y="4529918"/>
+            <a:off x="3188436" y="5132801"/>
             <a:ext cx="1027723" cy="885969"/>
           </a:xfrm>
           <a:prstGeom prst="hexagon">
@@ -6332,10 +6837,10 @@
       </p:sp>
       <p:sp>
         <p:nvSpPr>
-          <p:cNvPr id="1025" name="Hexagon 1024">
-            <a:extLst>
-              <a:ext uri="{FF2B5EF4-FFF2-40B4-BE49-F238E27FC236}">
-                <a16:creationId xmlns:a16="http://schemas.microsoft.com/office/drawing/2014/main" id="{C7930FA0-BB84-E8BC-6F55-86DC44EB1517}"/>
+          <p:cNvPr id="27" name="Hexagon 26">
+            <a:extLst>
+              <a:ext uri="{FF2B5EF4-FFF2-40B4-BE49-F238E27FC236}">
+                <a16:creationId xmlns:a16="http://schemas.microsoft.com/office/drawing/2014/main" id="{D957CCD2-1115-F210-0E4C-56330AA467F3}"/>
               </a:ext>
             </a:extLst>
           </p:cNvPr>
@@ -6346,7 +6851,7 @@
         </p:nvSpPr>
         <p:spPr>
           <a:xfrm>
-            <a:off x="5427889" y="2748365"/>
+            <a:off x="4805589" y="3351248"/>
             <a:ext cx="1027723" cy="885969"/>
           </a:xfrm>
           <a:prstGeom prst="hexagon">
@@ -6386,10 +6891,10 @@
       </p:sp>
       <p:sp>
         <p:nvSpPr>
-          <p:cNvPr id="1027" name="Hexagon 1026">
-            <a:extLst>
-              <a:ext uri="{FF2B5EF4-FFF2-40B4-BE49-F238E27FC236}">
-                <a16:creationId xmlns:a16="http://schemas.microsoft.com/office/drawing/2014/main" id="{07BAD851-770C-F9A5-118E-93F5FFB185A8}"/>
+          <p:cNvPr id="28" name="Hexagon 27">
+            <a:extLst>
+              <a:ext uri="{FF2B5EF4-FFF2-40B4-BE49-F238E27FC236}">
+                <a16:creationId xmlns:a16="http://schemas.microsoft.com/office/drawing/2014/main" id="{57F0378C-405F-DF31-4F57-9301727488B2}"/>
               </a:ext>
             </a:extLst>
           </p:cNvPr>
@@ -6400,7 +6905,7 @@
         </p:nvSpPr>
         <p:spPr>
           <a:xfrm>
-            <a:off x="5421221" y="3637118"/>
+            <a:off x="4798921" y="4240001"/>
             <a:ext cx="1027723" cy="885969"/>
           </a:xfrm>
           <a:prstGeom prst="hexagon">
@@ -6440,10 +6945,10 @@
       </p:sp>
       <p:sp>
         <p:nvSpPr>
-          <p:cNvPr id="1029" name="Hexagon 1028">
-            <a:extLst>
-              <a:ext uri="{FF2B5EF4-FFF2-40B4-BE49-F238E27FC236}">
-                <a16:creationId xmlns:a16="http://schemas.microsoft.com/office/drawing/2014/main" id="{D632B0F6-85EB-24F7-7939-C500C21C0D9E}"/>
+          <p:cNvPr id="29" name="Hexagon 28">
+            <a:extLst>
+              <a:ext uri="{FF2B5EF4-FFF2-40B4-BE49-F238E27FC236}">
+                <a16:creationId xmlns:a16="http://schemas.microsoft.com/office/drawing/2014/main" id="{340DF2F7-B057-B48D-254B-51C75CF38CDA}"/>
               </a:ext>
             </a:extLst>
           </p:cNvPr>
@@ -6454,7 +6959,7 @@
         </p:nvSpPr>
         <p:spPr>
           <a:xfrm>
-            <a:off x="5421221" y="4518839"/>
+            <a:off x="4798921" y="5121722"/>
             <a:ext cx="1027723" cy="885969"/>
           </a:xfrm>
           <a:prstGeom prst="hexagon">
@@ -6494,10 +6999,10 @@
       </p:sp>
       <p:sp>
         <p:nvSpPr>
-          <p:cNvPr id="1030" name="Hexagon 1029">
-            <a:extLst>
-              <a:ext uri="{FF2B5EF4-FFF2-40B4-BE49-F238E27FC236}">
-                <a16:creationId xmlns:a16="http://schemas.microsoft.com/office/drawing/2014/main" id="{94B24927-43D8-1C74-168D-351ED75387C9}"/>
+          <p:cNvPr id="30" name="Hexagon 29">
+            <a:extLst>
+              <a:ext uri="{FF2B5EF4-FFF2-40B4-BE49-F238E27FC236}">
+                <a16:creationId xmlns:a16="http://schemas.microsoft.com/office/drawing/2014/main" id="{FA593AA6-1EA7-31C4-6469-61AACE3BD455}"/>
               </a:ext>
             </a:extLst>
           </p:cNvPr>
@@ -6508,7 +7013,7 @@
         </p:nvSpPr>
         <p:spPr>
           <a:xfrm>
-            <a:off x="6230133" y="4963945"/>
+            <a:off x="5606580" y="5558060"/>
             <a:ext cx="1027723" cy="885969"/>
           </a:xfrm>
           <a:prstGeom prst="hexagon">
@@ -6548,10 +7053,10 @@
       </p:sp>
       <p:sp>
         <p:nvSpPr>
-          <p:cNvPr id="1031" name="Hexagon 1030">
-            <a:extLst>
-              <a:ext uri="{FF2B5EF4-FFF2-40B4-BE49-F238E27FC236}">
-                <a16:creationId xmlns:a16="http://schemas.microsoft.com/office/drawing/2014/main" id="{3DB7BA57-7A0A-69E4-2AF2-2C4D8F441114}"/>
+          <p:cNvPr id="31" name="Hexagon 30">
+            <a:extLst>
+              <a:ext uri="{FF2B5EF4-FFF2-40B4-BE49-F238E27FC236}">
+                <a16:creationId xmlns:a16="http://schemas.microsoft.com/office/drawing/2014/main" id="{9B4F0A47-5E0D-6C47-C319-40D036335536}"/>
               </a:ext>
             </a:extLst>
           </p:cNvPr>
@@ -6562,7 +7067,7 @@
         </p:nvSpPr>
         <p:spPr>
           <a:xfrm>
-            <a:off x="6230133" y="4081495"/>
+            <a:off x="5606580" y="4675610"/>
             <a:ext cx="1027723" cy="885969"/>
           </a:xfrm>
           <a:prstGeom prst="hexagon">
@@ -6602,10 +7107,10 @@
       </p:sp>
       <p:sp>
         <p:nvSpPr>
-          <p:cNvPr id="1032" name="Hexagon 1031">
-            <a:extLst>
-              <a:ext uri="{FF2B5EF4-FFF2-40B4-BE49-F238E27FC236}">
-                <a16:creationId xmlns:a16="http://schemas.microsoft.com/office/drawing/2014/main" id="{C03011F2-1859-3E52-FEC8-55F61BD5FFF3}"/>
+          <p:cNvPr id="32" name="Hexagon 31">
+            <a:extLst>
+              <a:ext uri="{FF2B5EF4-FFF2-40B4-BE49-F238E27FC236}">
+                <a16:creationId xmlns:a16="http://schemas.microsoft.com/office/drawing/2014/main" id="{D9C7E926-4C8D-317C-FD13-663460428E4A}"/>
               </a:ext>
             </a:extLst>
           </p:cNvPr>
@@ -6616,7 +7121,7 @@
         </p:nvSpPr>
         <p:spPr>
           <a:xfrm>
-            <a:off x="6230133" y="3199045"/>
+            <a:off x="5606580" y="3793160"/>
             <a:ext cx="1027723" cy="885969"/>
           </a:xfrm>
           <a:prstGeom prst="hexagon">
@@ -6656,10 +7161,10 @@
       </p:sp>
       <p:sp>
         <p:nvSpPr>
-          <p:cNvPr id="1033" name="Hexagon 1032">
-            <a:extLst>
-              <a:ext uri="{FF2B5EF4-FFF2-40B4-BE49-F238E27FC236}">
-                <a16:creationId xmlns:a16="http://schemas.microsoft.com/office/drawing/2014/main" id="{AE75FE7B-A81B-2956-56D7-45F8EB881D36}"/>
+          <p:cNvPr id="33" name="Hexagon 32">
+            <a:extLst>
+              <a:ext uri="{FF2B5EF4-FFF2-40B4-BE49-F238E27FC236}">
+                <a16:creationId xmlns:a16="http://schemas.microsoft.com/office/drawing/2014/main" id="{98C4B400-33AA-B59B-D441-11FF1D9F3C18}"/>
               </a:ext>
             </a:extLst>
           </p:cNvPr>
@@ -6670,7 +7175,7 @@
         </p:nvSpPr>
         <p:spPr>
           <a:xfrm>
-            <a:off x="7032379" y="2755196"/>
+            <a:off x="6408826" y="3349311"/>
             <a:ext cx="1027723" cy="885969"/>
           </a:xfrm>
           <a:prstGeom prst="hexagon">
@@ -6710,10 +7215,10 @@
       </p:sp>
       <p:sp>
         <p:nvSpPr>
-          <p:cNvPr id="1034" name="Hexagon 1033">
-            <a:extLst>
-              <a:ext uri="{FF2B5EF4-FFF2-40B4-BE49-F238E27FC236}">
-                <a16:creationId xmlns:a16="http://schemas.microsoft.com/office/drawing/2014/main" id="{54025567-2401-C213-CA49-AFB6FBE39109}"/>
+          <p:cNvPr id="34" name="Hexagon 33">
+            <a:extLst>
+              <a:ext uri="{FF2B5EF4-FFF2-40B4-BE49-F238E27FC236}">
+                <a16:creationId xmlns:a16="http://schemas.microsoft.com/office/drawing/2014/main" id="{12FAF854-63C7-26A3-E366-5FC60D5CDD70}"/>
               </a:ext>
             </a:extLst>
           </p:cNvPr>
@@ -6724,7 +7229,7 @@
         </p:nvSpPr>
         <p:spPr>
           <a:xfrm>
-            <a:off x="7026440" y="3649603"/>
+            <a:off x="6402887" y="4243718"/>
             <a:ext cx="1027723" cy="885969"/>
           </a:xfrm>
           <a:prstGeom prst="hexagon">
@@ -6764,10 +7269,10 @@
       </p:sp>
       <p:sp>
         <p:nvSpPr>
-          <p:cNvPr id="1035" name="Hexagon 1034">
-            <a:extLst>
-              <a:ext uri="{FF2B5EF4-FFF2-40B4-BE49-F238E27FC236}">
-                <a16:creationId xmlns:a16="http://schemas.microsoft.com/office/drawing/2014/main" id="{E0349C23-4111-3D32-480E-A5D8E9E50CE5}"/>
+          <p:cNvPr id="35" name="Hexagon 34">
+            <a:extLst>
+              <a:ext uri="{FF2B5EF4-FFF2-40B4-BE49-F238E27FC236}">
+                <a16:creationId xmlns:a16="http://schemas.microsoft.com/office/drawing/2014/main" id="{A2814153-2EE6-1025-2602-49BAC33D9A77}"/>
               </a:ext>
             </a:extLst>
           </p:cNvPr>
@@ -6778,7 +7283,7 @@
         </p:nvSpPr>
         <p:spPr>
           <a:xfrm>
-            <a:off x="7832286" y="3205659"/>
+            <a:off x="7208733" y="3799774"/>
             <a:ext cx="1027723" cy="885969"/>
           </a:xfrm>
           <a:prstGeom prst="hexagon">
@@ -6818,10 +7323,10 @@
       </p:sp>
       <p:sp>
         <p:nvSpPr>
-          <p:cNvPr id="1036" name="Hexagon 1035">
-            <a:extLst>
-              <a:ext uri="{FF2B5EF4-FFF2-40B4-BE49-F238E27FC236}">
-                <a16:creationId xmlns:a16="http://schemas.microsoft.com/office/drawing/2014/main" id="{F83ECF99-64C5-797E-B098-E76380388873}"/>
+          <p:cNvPr id="36" name="Hexagon 35">
+            <a:extLst>
+              <a:ext uri="{FF2B5EF4-FFF2-40B4-BE49-F238E27FC236}">
+                <a16:creationId xmlns:a16="http://schemas.microsoft.com/office/drawing/2014/main" id="{670B1B09-5F7B-164B-22C2-59E8CA1F4330}"/>
               </a:ext>
             </a:extLst>
           </p:cNvPr>
@@ -6832,7 +7337,7 @@
         </p:nvSpPr>
         <p:spPr>
           <a:xfrm>
-            <a:off x="7832286" y="4094411"/>
+            <a:off x="7208733" y="4688526"/>
             <a:ext cx="1027723" cy="885969"/>
           </a:xfrm>
           <a:prstGeom prst="hexagon">
@@ -6872,10 +7377,10 @@
       </p:sp>
       <p:sp>
         <p:nvSpPr>
-          <p:cNvPr id="1037" name="Hexagon 1036">
-            <a:extLst>
-              <a:ext uri="{FF2B5EF4-FFF2-40B4-BE49-F238E27FC236}">
-                <a16:creationId xmlns:a16="http://schemas.microsoft.com/office/drawing/2014/main" id="{3EFEC826-0843-1F99-73DF-98C2B066C33D}"/>
+          <p:cNvPr id="37" name="Hexagon 36">
+            <a:extLst>
+              <a:ext uri="{FF2B5EF4-FFF2-40B4-BE49-F238E27FC236}">
+                <a16:creationId xmlns:a16="http://schemas.microsoft.com/office/drawing/2014/main" id="{E10669BB-52CA-8F0C-9259-535888E6D5B4}"/>
               </a:ext>
             </a:extLst>
           </p:cNvPr>
@@ -6886,7 +7391,7 @@
         </p:nvSpPr>
         <p:spPr>
           <a:xfrm>
-            <a:off x="7832286" y="4989467"/>
+            <a:off x="7208733" y="5583582"/>
             <a:ext cx="1027723" cy="885969"/>
           </a:xfrm>
           <a:prstGeom prst="hexagon">
@@ -6926,10 +7431,10 @@
       </p:sp>
       <p:sp>
         <p:nvSpPr>
-          <p:cNvPr id="1038" name="Hexagon 1037">
-            <a:extLst>
-              <a:ext uri="{FF2B5EF4-FFF2-40B4-BE49-F238E27FC236}">
-                <a16:creationId xmlns:a16="http://schemas.microsoft.com/office/drawing/2014/main" id="{0BCE8D4E-D1B7-EB16-800E-B94AFEB8750D}"/>
+          <p:cNvPr id="38" name="Hexagon 37">
+            <a:extLst>
+              <a:ext uri="{FF2B5EF4-FFF2-40B4-BE49-F238E27FC236}">
+                <a16:creationId xmlns:a16="http://schemas.microsoft.com/office/drawing/2014/main" id="{ED925D24-0D7F-FC17-35CC-ED7C93B2CE3D}"/>
               </a:ext>
             </a:extLst>
           </p:cNvPr>
@@ -6940,7 +7445,7 @@
         </p:nvSpPr>
         <p:spPr>
           <a:xfrm>
-            <a:off x="7033052" y="4529918"/>
+            <a:off x="6409499" y="5124033"/>
             <a:ext cx="1027723" cy="885969"/>
           </a:xfrm>
           <a:prstGeom prst="hexagon">
@@ -6980,10 +7485,10 @@
       </p:sp>
       <p:sp>
         <p:nvSpPr>
-          <p:cNvPr id="1041" name="Hexagon 1040">
-            <a:extLst>
-              <a:ext uri="{FF2B5EF4-FFF2-40B4-BE49-F238E27FC236}">
-                <a16:creationId xmlns:a16="http://schemas.microsoft.com/office/drawing/2014/main" id="{233AE70B-20DB-13A2-B087-EABEF323EEE8}"/>
+          <p:cNvPr id="39" name="Hexagon 38">
+            <a:extLst>
+              <a:ext uri="{FF2B5EF4-FFF2-40B4-BE49-F238E27FC236}">
+                <a16:creationId xmlns:a16="http://schemas.microsoft.com/office/drawing/2014/main" id="{B06DFB42-CA3F-20B0-9947-0CC69165638F}"/>
               </a:ext>
             </a:extLst>
           </p:cNvPr>
@@ -6994,7 +7499,7 @@
         </p:nvSpPr>
         <p:spPr>
           <a:xfrm>
-            <a:off x="2205573" y="102274"/>
+            <a:off x="1583273" y="705157"/>
             <a:ext cx="1027723" cy="885969"/>
           </a:xfrm>
           <a:prstGeom prst="hexagon">
@@ -7034,10 +7539,10 @@
       </p:sp>
       <p:sp>
         <p:nvSpPr>
-          <p:cNvPr id="1042" name="Hexagon 1041">
-            <a:extLst>
-              <a:ext uri="{FF2B5EF4-FFF2-40B4-BE49-F238E27FC236}">
-                <a16:creationId xmlns:a16="http://schemas.microsoft.com/office/drawing/2014/main" id="{3DE50CB0-C76B-A63E-8679-7E0A8959A0B9}"/>
+          <p:cNvPr id="40" name="Hexagon 39">
+            <a:extLst>
+              <a:ext uri="{FF2B5EF4-FFF2-40B4-BE49-F238E27FC236}">
+                <a16:creationId xmlns:a16="http://schemas.microsoft.com/office/drawing/2014/main" id="{899EB4C8-5E32-9F10-45C1-DA10C9FBA94E}"/>
               </a:ext>
             </a:extLst>
           </p:cNvPr>
@@ -7048,7 +7553,7 @@
         </p:nvSpPr>
         <p:spPr>
           <a:xfrm>
-            <a:off x="2198906" y="981088"/>
+            <a:off x="1576606" y="1583971"/>
             <a:ext cx="1027723" cy="885969"/>
           </a:xfrm>
           <a:prstGeom prst="hexagon">
@@ -7088,10 +7593,10 @@
       </p:sp>
       <p:sp>
         <p:nvSpPr>
-          <p:cNvPr id="1043" name="Hexagon 1042">
-            <a:extLst>
-              <a:ext uri="{FF2B5EF4-FFF2-40B4-BE49-F238E27FC236}">
-                <a16:creationId xmlns:a16="http://schemas.microsoft.com/office/drawing/2014/main" id="{29D05AB5-6B19-44C7-74B5-B5B33DBEB87D}"/>
+          <p:cNvPr id="41" name="Hexagon 40">
+            <a:extLst>
+              <a:ext uri="{FF2B5EF4-FFF2-40B4-BE49-F238E27FC236}">
+                <a16:creationId xmlns:a16="http://schemas.microsoft.com/office/drawing/2014/main" id="{B9A8FE6C-50FB-88BE-5980-9DB144B17A4F}"/>
               </a:ext>
             </a:extLst>
           </p:cNvPr>
@@ -7102,7 +7607,7 @@
         </p:nvSpPr>
         <p:spPr>
           <a:xfrm>
-            <a:off x="2198906" y="1862808"/>
+            <a:off x="1576606" y="2465691"/>
             <a:ext cx="1027723" cy="885969"/>
           </a:xfrm>
           <a:prstGeom prst="hexagon">
@@ -7142,10 +7647,10 @@
       </p:sp>
       <p:sp>
         <p:nvSpPr>
-          <p:cNvPr id="1044" name="Hexagon 1043">
-            <a:extLst>
-              <a:ext uri="{FF2B5EF4-FFF2-40B4-BE49-F238E27FC236}">
-                <a16:creationId xmlns:a16="http://schemas.microsoft.com/office/drawing/2014/main" id="{30A6E450-0182-357B-895E-052D58DB7A20}"/>
+          <p:cNvPr id="42" name="Hexagon 41">
+            <a:extLst>
+              <a:ext uri="{FF2B5EF4-FFF2-40B4-BE49-F238E27FC236}">
+                <a16:creationId xmlns:a16="http://schemas.microsoft.com/office/drawing/2014/main" id="{0FBB4FFE-43F2-30CF-EE61-7C918083C1EE}"/>
               </a:ext>
             </a:extLst>
           </p:cNvPr>
@@ -7156,7 +7661,7 @@
         </p:nvSpPr>
         <p:spPr>
           <a:xfrm>
-            <a:off x="3007818" y="2307915"/>
+            <a:off x="2385518" y="2910798"/>
             <a:ext cx="1027723" cy="885969"/>
           </a:xfrm>
           <a:prstGeom prst="hexagon">
@@ -7196,10 +7701,10 @@
       </p:sp>
       <p:sp>
         <p:nvSpPr>
-          <p:cNvPr id="1045" name="Hexagon 1044">
-            <a:extLst>
-              <a:ext uri="{FF2B5EF4-FFF2-40B4-BE49-F238E27FC236}">
-                <a16:creationId xmlns:a16="http://schemas.microsoft.com/office/drawing/2014/main" id="{E824D373-3145-98BD-613C-E22BE76D8876}"/>
+          <p:cNvPr id="43" name="Hexagon 42">
+            <a:extLst>
+              <a:ext uri="{FF2B5EF4-FFF2-40B4-BE49-F238E27FC236}">
+                <a16:creationId xmlns:a16="http://schemas.microsoft.com/office/drawing/2014/main" id="{EFDE3350-ED57-B482-6706-42BC01FC9954}"/>
               </a:ext>
             </a:extLst>
           </p:cNvPr>
@@ -7210,7 +7715,7 @@
         </p:nvSpPr>
         <p:spPr>
           <a:xfrm>
-            <a:off x="3007818" y="1425465"/>
+            <a:off x="2385518" y="2028348"/>
             <a:ext cx="1027723" cy="885969"/>
           </a:xfrm>
           <a:prstGeom prst="hexagon">
@@ -7250,10 +7755,10 @@
       </p:sp>
       <p:sp>
         <p:nvSpPr>
-          <p:cNvPr id="1046" name="Hexagon 1045">
-            <a:extLst>
-              <a:ext uri="{FF2B5EF4-FFF2-40B4-BE49-F238E27FC236}">
-                <a16:creationId xmlns:a16="http://schemas.microsoft.com/office/drawing/2014/main" id="{6767733A-16D2-4B6C-34BB-01A31C7E6626}"/>
+          <p:cNvPr id="44" name="Hexagon 43">
+            <a:extLst>
+              <a:ext uri="{FF2B5EF4-FFF2-40B4-BE49-F238E27FC236}">
+                <a16:creationId xmlns:a16="http://schemas.microsoft.com/office/drawing/2014/main" id="{6B69EB2D-E17F-7C1D-7CA7-656AE3F22B52}"/>
               </a:ext>
             </a:extLst>
           </p:cNvPr>
@@ -7264,7 +7769,7 @@
         </p:nvSpPr>
         <p:spPr>
           <a:xfrm>
-            <a:off x="3007818" y="543015"/>
+            <a:off x="2385518" y="1145898"/>
             <a:ext cx="1027723" cy="885969"/>
           </a:xfrm>
           <a:prstGeom prst="hexagon">
@@ -7304,10 +7809,10 @@
       </p:sp>
       <p:sp>
         <p:nvSpPr>
-          <p:cNvPr id="1047" name="Hexagon 1046">
-            <a:extLst>
-              <a:ext uri="{FF2B5EF4-FFF2-40B4-BE49-F238E27FC236}">
-                <a16:creationId xmlns:a16="http://schemas.microsoft.com/office/drawing/2014/main" id="{CDACEC79-344B-B4E4-41E0-EBF8AF32F90C}"/>
+          <p:cNvPr id="45" name="Hexagon 44">
+            <a:extLst>
+              <a:ext uri="{FF2B5EF4-FFF2-40B4-BE49-F238E27FC236}">
+                <a16:creationId xmlns:a16="http://schemas.microsoft.com/office/drawing/2014/main" id="{9A8A1888-87FA-22AB-AA83-228AE43461B3}"/>
               </a:ext>
             </a:extLst>
           </p:cNvPr>
@@ -7318,7 +7823,7 @@
         </p:nvSpPr>
         <p:spPr>
           <a:xfrm>
-            <a:off x="3810063" y="99166"/>
+            <a:off x="3187763" y="702049"/>
             <a:ext cx="1027723" cy="885969"/>
           </a:xfrm>
           <a:prstGeom prst="hexagon">
@@ -7358,10 +7863,10 @@
       </p:sp>
       <p:sp>
         <p:nvSpPr>
-          <p:cNvPr id="1048" name="Hexagon 1047">
-            <a:extLst>
-              <a:ext uri="{FF2B5EF4-FFF2-40B4-BE49-F238E27FC236}">
-                <a16:creationId xmlns:a16="http://schemas.microsoft.com/office/drawing/2014/main" id="{1E35B54C-090A-1F13-14AA-318518BC9368}"/>
+          <p:cNvPr id="46" name="Hexagon 45">
+            <a:extLst>
+              <a:ext uri="{FF2B5EF4-FFF2-40B4-BE49-F238E27FC236}">
+                <a16:creationId xmlns:a16="http://schemas.microsoft.com/office/drawing/2014/main" id="{E2ACDE21-E39F-4538-8433-BC27FF9DA4E4}"/>
               </a:ext>
             </a:extLst>
           </p:cNvPr>
@@ -7372,7 +7877,7 @@
         </p:nvSpPr>
         <p:spPr>
           <a:xfrm>
-            <a:off x="3804124" y="993573"/>
+            <a:off x="3181824" y="1596456"/>
             <a:ext cx="1027723" cy="885969"/>
           </a:xfrm>
           <a:prstGeom prst="hexagon">
@@ -7412,10 +7917,10 @@
       </p:sp>
       <p:sp>
         <p:nvSpPr>
-          <p:cNvPr id="1049" name="Hexagon 1048">
-            <a:extLst>
-              <a:ext uri="{FF2B5EF4-FFF2-40B4-BE49-F238E27FC236}">
-                <a16:creationId xmlns:a16="http://schemas.microsoft.com/office/drawing/2014/main" id="{BCBB82C8-E63A-EE61-6294-25E618FEB54B}"/>
+          <p:cNvPr id="47" name="Hexagon 46">
+            <a:extLst>
+              <a:ext uri="{FF2B5EF4-FFF2-40B4-BE49-F238E27FC236}">
+                <a16:creationId xmlns:a16="http://schemas.microsoft.com/office/drawing/2014/main" id="{8BEA754F-0B55-CBC6-D31E-BF0D898F8DDF}"/>
               </a:ext>
             </a:extLst>
           </p:cNvPr>
@@ -7426,7 +7931,7 @@
         </p:nvSpPr>
         <p:spPr>
           <a:xfrm>
-            <a:off x="4609970" y="549629"/>
+            <a:off x="3987670" y="1152512"/>
             <a:ext cx="1027723" cy="885969"/>
           </a:xfrm>
           <a:prstGeom prst="hexagon">
@@ -7466,10 +7971,10 @@
       </p:sp>
       <p:sp>
         <p:nvSpPr>
-          <p:cNvPr id="1050" name="Hexagon 1049">
-            <a:extLst>
-              <a:ext uri="{FF2B5EF4-FFF2-40B4-BE49-F238E27FC236}">
-                <a16:creationId xmlns:a16="http://schemas.microsoft.com/office/drawing/2014/main" id="{70D2298F-7505-8383-97B8-EEAD8289CED8}"/>
+          <p:cNvPr id="48" name="Hexagon 47">
+            <a:extLst>
+              <a:ext uri="{FF2B5EF4-FFF2-40B4-BE49-F238E27FC236}">
+                <a16:creationId xmlns:a16="http://schemas.microsoft.com/office/drawing/2014/main" id="{E90474B3-1116-4B99-3E93-A9F0A332F3CD}"/>
               </a:ext>
             </a:extLst>
           </p:cNvPr>
@@ -7480,7 +7985,7 @@
         </p:nvSpPr>
         <p:spPr>
           <a:xfrm>
-            <a:off x="4609970" y="1438381"/>
+            <a:off x="3987670" y="2041264"/>
             <a:ext cx="1027723" cy="885969"/>
           </a:xfrm>
           <a:prstGeom prst="hexagon">
@@ -7520,10 +8025,10 @@
       </p:sp>
       <p:sp>
         <p:nvSpPr>
-          <p:cNvPr id="1051" name="Hexagon 1050">
-            <a:extLst>
-              <a:ext uri="{FF2B5EF4-FFF2-40B4-BE49-F238E27FC236}">
-                <a16:creationId xmlns:a16="http://schemas.microsoft.com/office/drawing/2014/main" id="{DC63DC33-6F51-897F-07D6-CC39F55F7C19}"/>
+          <p:cNvPr id="49" name="Hexagon 48">
+            <a:extLst>
+              <a:ext uri="{FF2B5EF4-FFF2-40B4-BE49-F238E27FC236}">
+                <a16:creationId xmlns:a16="http://schemas.microsoft.com/office/drawing/2014/main" id="{298715B5-37C2-1F18-7A83-7819A17EFFCC}"/>
               </a:ext>
             </a:extLst>
           </p:cNvPr>
@@ -7534,7 +8039,7 @@
         </p:nvSpPr>
         <p:spPr>
           <a:xfrm>
-            <a:off x="4609970" y="2333438"/>
+            <a:off x="3987670" y="2936321"/>
             <a:ext cx="1027723" cy="885969"/>
           </a:xfrm>
           <a:prstGeom prst="hexagon">
@@ -7574,10 +8079,10 @@
       </p:sp>
       <p:sp>
         <p:nvSpPr>
-          <p:cNvPr id="1052" name="Hexagon 1051">
-            <a:extLst>
-              <a:ext uri="{FF2B5EF4-FFF2-40B4-BE49-F238E27FC236}">
-                <a16:creationId xmlns:a16="http://schemas.microsoft.com/office/drawing/2014/main" id="{A6BED701-B11E-C171-A218-15045EBA5BCB}"/>
+          <p:cNvPr id="50" name="Hexagon 49">
+            <a:extLst>
+              <a:ext uri="{FF2B5EF4-FFF2-40B4-BE49-F238E27FC236}">
+                <a16:creationId xmlns:a16="http://schemas.microsoft.com/office/drawing/2014/main" id="{E2143180-654D-71A8-63A7-13CC60ACF53D}"/>
               </a:ext>
             </a:extLst>
           </p:cNvPr>
@@ -7588,7 +8093,7 @@
         </p:nvSpPr>
         <p:spPr>
           <a:xfrm>
-            <a:off x="3810737" y="1873888"/>
+            <a:off x="3188437" y="2476771"/>
             <a:ext cx="1027723" cy="885969"/>
           </a:xfrm>
           <a:prstGeom prst="hexagon">
@@ -7628,10 +8133,10 @@
       </p:sp>
       <p:sp>
         <p:nvSpPr>
-          <p:cNvPr id="1054" name="TextBox 1053">
-            <a:extLst>
-              <a:ext uri="{FF2B5EF4-FFF2-40B4-BE49-F238E27FC236}">
-                <a16:creationId xmlns:a16="http://schemas.microsoft.com/office/drawing/2014/main" id="{E16D4160-E2CF-117C-20CB-9D971F61732B}"/>
+          <p:cNvPr id="51" name="TextBox 50">
+            <a:extLst>
+              <a:ext uri="{FF2B5EF4-FFF2-40B4-BE49-F238E27FC236}">
+                <a16:creationId xmlns:a16="http://schemas.microsoft.com/office/drawing/2014/main" id="{D14CB1DA-0C62-F603-4223-3460BC919ACC}"/>
               </a:ext>
             </a:extLst>
           </p:cNvPr>
@@ -7640,8 +8145,8 @@
         </p:nvSpPr>
         <p:spPr>
           <a:xfrm>
-            <a:off x="6786096" y="733688"/>
-            <a:ext cx="3387632" cy="461665"/>
+            <a:off x="6240646" y="284326"/>
+            <a:ext cx="4120622" cy="461665"/>
           </a:xfrm>
           <a:prstGeom prst="rect">
             <a:avLst/>
@@ -7657,182 +8162,29 @@
             <a:pPr algn="ctr"/>
             <a:r>
               <a:rPr lang="en-US" sz="2400" b="1" dirty="0"/>
-              <a:t>Unpadded PBC (Full FFT)</a:t>
+              <a:t>Unpadded PBC (Full/</a:t>
             </a:r>
-          </a:p>
-        </p:txBody>
-      </p:sp>
-    </p:spTree>
-    <p:extLst>
-      <p:ext uri="{BB962C8B-B14F-4D97-AF65-F5344CB8AC3E}">
-        <p14:creationId xmlns:p14="http://schemas.microsoft.com/office/powerpoint/2010/main" val="2145788603"/>
-      </p:ext>
-    </p:extLst>
-  </p:cSld>
-  <p:clrMapOvr>
-    <a:masterClrMapping/>
-  </p:clrMapOvr>
-</p:sld>
-</file>
-
-<file path=ppt/slides/slide3.xml><?xml version="1.0" encoding="utf-8"?>
-<p:sld xmlns:a="http://schemas.openxmlformats.org/drawingml/2006/main" xmlns:r="http://schemas.openxmlformats.org/officeDocument/2006/relationships" xmlns:p="http://schemas.openxmlformats.org/presentationml/2006/main">
-  <p:cSld>
-    <p:spTree>
-      <p:nvGrpSpPr>
-        <p:cNvPr id="1" name=""/>
-        <p:cNvGrpSpPr/>
-        <p:nvPr/>
-      </p:nvGrpSpPr>
-      <p:grpSpPr>
-        <a:xfrm>
-          <a:off x="0" y="0"/>
-          <a:ext cx="0" cy="0"/>
-          <a:chOff x="0" y="0"/>
-          <a:chExt cx="0" cy="0"/>
-        </a:xfrm>
-      </p:grpSpPr>
-      <p:pic>
-        <p:nvPicPr>
-          <p:cNvPr id="63" name="Picture 4">
-            <a:extLst>
-              <a:ext uri="{FF2B5EF4-FFF2-40B4-BE49-F238E27FC236}">
-                <a16:creationId xmlns:a16="http://schemas.microsoft.com/office/drawing/2014/main" id="{1D512265-1D3A-AE4E-3FED-56915B5F7553}"/>
-              </a:ext>
-            </a:extLst>
-          </p:cNvPr>
-          <p:cNvPicPr>
-            <a:picLocks noChangeAspect="1" noChangeArrowheads="1"/>
-          </p:cNvPicPr>
-          <p:nvPr/>
-        </p:nvPicPr>
-        <p:blipFill rotWithShape="1">
-          <a:blip r:embed="rId2">
-            <a:extLst>
-              <a:ext uri="{28A0092B-C50C-407E-A947-70E740481C1C}">
-                <a14:useLocalDpi xmlns:a14="http://schemas.microsoft.com/office/drawing/2010/main" val="0"/>
-              </a:ext>
-            </a:extLst>
-          </a:blip>
-          <a:srcRect t="45588" r="45616"/>
-          <a:stretch/>
-        </p:blipFill>
-        <p:spPr bwMode="auto">
-          <a:xfrm>
-            <a:off x="5372559" y="4861938"/>
-            <a:ext cx="2122804" cy="1677768"/>
-          </a:xfrm>
-          <a:prstGeom prst="rect">
-            <a:avLst/>
-          </a:prstGeom>
-          <a:noFill/>
-          <a:extLst>
-            <a:ext uri="{909E8E84-426E-40DD-AFC4-6F175D3DCCD1}">
-              <a14:hiddenFill xmlns:a14="http://schemas.microsoft.com/office/drawing/2010/main">
+            <a:r>
+              <a:rPr lang="en-US" sz="2400" b="1" dirty="0">
                 <a:solidFill>
-                  <a:srgbClr val="FFFFFF"/>
+                  <a:srgbClr val="C00000"/>
                 </a:solidFill>
-              </a14:hiddenFill>
-            </a:ext>
-          </a:extLst>
-        </p:spPr>
-      </p:pic>
-      <p:pic>
-        <p:nvPicPr>
-          <p:cNvPr id="3076" name="Picture 4">
-            <a:extLst>
-              <a:ext uri="{FF2B5EF4-FFF2-40B4-BE49-F238E27FC236}">
-                <a16:creationId xmlns:a16="http://schemas.microsoft.com/office/drawing/2014/main" id="{95E48A55-5668-73BD-334A-28D117C202E7}"/>
-              </a:ext>
-            </a:extLst>
-          </p:cNvPr>
-          <p:cNvPicPr>
-            <a:picLocks noChangeAspect="1" noChangeArrowheads="1"/>
-          </p:cNvPicPr>
-          <p:nvPr/>
-        </p:nvPicPr>
-        <p:blipFill rotWithShape="1">
-          <a:blip r:embed="rId2">
-            <a:extLst>
-              <a:ext uri="{28A0092B-C50C-407E-A947-70E740481C1C}">
-                <a14:useLocalDpi xmlns:a14="http://schemas.microsoft.com/office/drawing/2010/main" val="0"/>
-              </a:ext>
-            </a:extLst>
-          </a:blip>
-          <a:srcRect r="3318"/>
-          <a:stretch/>
-        </p:blipFill>
-        <p:spPr bwMode="auto">
-          <a:xfrm>
-            <a:off x="1698791" y="3393130"/>
-            <a:ext cx="3773797" cy="3083451"/>
-          </a:xfrm>
-          <a:prstGeom prst="rect">
-            <a:avLst/>
-          </a:prstGeom>
-          <a:noFill/>
-          <a:extLst>
-            <a:ext uri="{909E8E84-426E-40DD-AFC4-6F175D3DCCD1}">
-              <a14:hiddenFill xmlns:a14="http://schemas.microsoft.com/office/drawing/2010/main">
-                <a:solidFill>
-                  <a:srgbClr val="FFFFFF"/>
-                </a:solidFill>
-              </a14:hiddenFill>
-            </a:ext>
-          </a:extLst>
-        </p:spPr>
-      </p:pic>
-      <p:pic>
-        <p:nvPicPr>
-          <p:cNvPr id="61" name="Picture 4">
-            <a:extLst>
-              <a:ext uri="{FF2B5EF4-FFF2-40B4-BE49-F238E27FC236}">
-                <a16:creationId xmlns:a16="http://schemas.microsoft.com/office/drawing/2014/main" id="{01C5FAF4-8938-4415-FE39-7F49CB0B59EB}"/>
-              </a:ext>
-            </a:extLst>
-          </p:cNvPr>
-          <p:cNvPicPr>
-            <a:picLocks noChangeAspect="1" noChangeArrowheads="1"/>
-          </p:cNvPicPr>
-          <p:nvPr/>
-        </p:nvPicPr>
-        <p:blipFill rotWithShape="1">
-          <a:blip r:embed="rId2">
-            <a:extLst>
-              <a:ext uri="{28A0092B-C50C-407E-A947-70E740481C1C}">
-                <a14:useLocalDpi xmlns:a14="http://schemas.microsoft.com/office/drawing/2010/main" val="0"/>
-              </a:ext>
-            </a:extLst>
-          </a:blip>
-          <a:srcRect r="1544" b="11483"/>
-          <a:stretch/>
-        </p:blipFill>
-        <p:spPr bwMode="auto">
-          <a:xfrm>
-            <a:off x="1704760" y="819788"/>
-            <a:ext cx="3843017" cy="2729383"/>
-          </a:xfrm>
-          <a:prstGeom prst="rect">
-            <a:avLst/>
-          </a:prstGeom>
-          <a:noFill/>
-          <a:extLst>
-            <a:ext uri="{909E8E84-426E-40DD-AFC4-6F175D3DCCD1}">
-              <a14:hiddenFill xmlns:a14="http://schemas.microsoft.com/office/drawing/2010/main">
-                <a:solidFill>
-                  <a:srgbClr val="FFFFFF"/>
-                </a:solidFill>
-              </a14:hiddenFill>
-            </a:ext>
-          </a:extLst>
-        </p:spPr>
-      </p:pic>
-      <p:sp>
-        <p:nvSpPr>
-          <p:cNvPr id="15" name="Hexagon 14">
-            <a:extLst>
-              <a:ext uri="{FF2B5EF4-FFF2-40B4-BE49-F238E27FC236}">
-                <a16:creationId xmlns:a16="http://schemas.microsoft.com/office/drawing/2014/main" id="{CA210AD0-1184-0ED8-8314-9C67458F11F8}"/>
+              </a:rPr>
+              <a:t>Cos</a:t>
+            </a:r>
+            <a:r>
+              <a:rPr lang="en-US" sz="2400" b="1" dirty="0"/>
+              <a:t> FFT)</a:t>
+            </a:r>
+          </a:p>
+        </p:txBody>
+      </p:sp>
+      <p:sp>
+        <p:nvSpPr>
+          <p:cNvPr id="3098" name="Hexagon 3097">
+            <a:extLst>
+              <a:ext uri="{FF2B5EF4-FFF2-40B4-BE49-F238E27FC236}">
+                <a16:creationId xmlns:a16="http://schemas.microsoft.com/office/drawing/2014/main" id="{AED672C7-B2C8-A881-E55C-D39B5AF449DF}"/>
               </a:ext>
             </a:extLst>
           </p:cNvPr>
@@ -7843,7 +8195,7 @@
         </p:nvSpPr>
         <p:spPr>
           <a:xfrm>
-            <a:off x="1646773" y="3142065"/>
+            <a:off x="8025081" y="3355102"/>
             <a:ext cx="1027723" cy="885969"/>
           </a:xfrm>
           <a:prstGeom prst="hexagon">
@@ -7883,10 +8235,10 @@
       </p:sp>
       <p:sp>
         <p:nvSpPr>
-          <p:cNvPr id="16" name="Hexagon 15">
-            <a:extLst>
-              <a:ext uri="{FF2B5EF4-FFF2-40B4-BE49-F238E27FC236}">
-                <a16:creationId xmlns:a16="http://schemas.microsoft.com/office/drawing/2014/main" id="{F7E5B642-D6DC-27D1-AAAE-9D95E7839BBD}"/>
+          <p:cNvPr id="3105" name="Hexagon 3104">
+            <a:extLst>
+              <a:ext uri="{FF2B5EF4-FFF2-40B4-BE49-F238E27FC236}">
+                <a16:creationId xmlns:a16="http://schemas.microsoft.com/office/drawing/2014/main" id="{A05FB334-19F3-DB3C-9AB9-657CC577D594}"/>
               </a:ext>
             </a:extLst>
           </p:cNvPr>
@@ -7897,7 +8249,7 @@
         </p:nvSpPr>
         <p:spPr>
           <a:xfrm>
-            <a:off x="1640106" y="4030818"/>
+            <a:off x="8018264" y="5140597"/>
             <a:ext cx="1027723" cy="885969"/>
           </a:xfrm>
           <a:prstGeom prst="hexagon">
@@ -7937,10 +8289,10 @@
       </p:sp>
       <p:sp>
         <p:nvSpPr>
-          <p:cNvPr id="17" name="Hexagon 16">
-            <a:extLst>
-              <a:ext uri="{FF2B5EF4-FFF2-40B4-BE49-F238E27FC236}">
-                <a16:creationId xmlns:a16="http://schemas.microsoft.com/office/drawing/2014/main" id="{04A1A5EA-4A1F-BC6E-3692-7F058625DEE6}"/>
+          <p:cNvPr id="3106" name="Hexagon 3105">
+            <a:extLst>
+              <a:ext uri="{FF2B5EF4-FFF2-40B4-BE49-F238E27FC236}">
+                <a16:creationId xmlns:a16="http://schemas.microsoft.com/office/drawing/2014/main" id="{D1913BF0-E56D-0C13-DCEA-688F87F79AF6}"/>
               </a:ext>
             </a:extLst>
           </p:cNvPr>
@@ -7951,7 +8303,7 @@
         </p:nvSpPr>
         <p:spPr>
           <a:xfrm>
-            <a:off x="1640106" y="4912539"/>
+            <a:off x="8011652" y="4251845"/>
             <a:ext cx="1027723" cy="885969"/>
           </a:xfrm>
           <a:prstGeom prst="hexagon">
@@ -7991,30 +8343,63 @@
       </p:sp>
       <p:sp>
         <p:nvSpPr>
-          <p:cNvPr id="18" name="Hexagon 17">
-            <a:extLst>
-              <a:ext uri="{FF2B5EF4-FFF2-40B4-BE49-F238E27FC236}">
-                <a16:creationId xmlns:a16="http://schemas.microsoft.com/office/drawing/2014/main" id="{7B802C25-E8E5-3AD5-AA86-EC56DD658921}"/>
-              </a:ext>
-            </a:extLst>
-          </p:cNvPr>
-          <p:cNvSpPr>
-            <a:spLocks noChangeAspect="1"/>
-          </p:cNvSpPr>
+          <p:cNvPr id="3107" name="TextBox 3106">
+            <a:extLst>
+              <a:ext uri="{FF2B5EF4-FFF2-40B4-BE49-F238E27FC236}">
+                <a16:creationId xmlns:a16="http://schemas.microsoft.com/office/drawing/2014/main" id="{F399C55A-AA43-8910-7211-8CA7EBF859D9}"/>
+              </a:ext>
+            </a:extLst>
+          </p:cNvPr>
+          <p:cNvSpPr txBox="1"/>
           <p:nvPr/>
         </p:nvSpPr>
         <p:spPr>
           <a:xfrm>
-            <a:off x="2449018" y="5357645"/>
-            <a:ext cx="1027723" cy="885969"/>
+            <a:off x="9052804" y="2097118"/>
+            <a:ext cx="2475118" cy="923330"/>
           </a:xfrm>
-          <a:prstGeom prst="hexagon">
+          <a:prstGeom prst="rect">
+            <a:avLst/>
+          </a:prstGeom>
+          <a:noFill/>
+        </p:spPr>
+        <p:txBody>
+          <a:bodyPr wrap="square" rtlCol="0">
+            <a:spAutoFit/>
+          </a:bodyPr>
+          <a:lstStyle/>
+          <a:p>
+            <a:r>
+              <a:rPr lang="en-US" b="1" dirty="0"/>
+              <a:t>Inner boundary compressed by 1*dx due to REDFT00 overlap</a:t>
+            </a:r>
+          </a:p>
+        </p:txBody>
+      </p:sp>
+      <p:sp>
+        <p:nvSpPr>
+          <p:cNvPr id="3108" name="Rectangle 3107">
+            <a:extLst>
+              <a:ext uri="{FF2B5EF4-FFF2-40B4-BE49-F238E27FC236}">
+                <a16:creationId xmlns:a16="http://schemas.microsoft.com/office/drawing/2014/main" id="{0E74E3F2-0E3F-2F2E-C21D-99346F335363}"/>
+              </a:ext>
+            </a:extLst>
+          </p:cNvPr>
+          <p:cNvSpPr/>
+          <p:nvPr/>
+        </p:nvSpPr>
+        <p:spPr>
+          <a:xfrm>
+            <a:off x="5490890" y="2432054"/>
+            <a:ext cx="3295311" cy="123881"/>
+          </a:xfrm>
+          <a:prstGeom prst="rect">
             <a:avLst/>
           </a:prstGeom>
           <a:noFill/>
           <a:ln w="38100">
             <a:solidFill>
-              <a:srgbClr val="C00000"/>
+              <a:srgbClr val="92D050"/>
             </a:solidFill>
           </a:ln>
         </p:spPr>
@@ -8039,36 +8424,36 @@
           <a:lstStyle/>
           <a:p>
             <a:pPr algn="ctr"/>
-            <a:endParaRPr lang="en-US" dirty="0"/>
-          </a:p>
-        </p:txBody>
-      </p:sp>
-      <p:sp>
-        <p:nvSpPr>
-          <p:cNvPr id="19" name="Hexagon 18">
-            <a:extLst>
-              <a:ext uri="{FF2B5EF4-FFF2-40B4-BE49-F238E27FC236}">
-                <a16:creationId xmlns:a16="http://schemas.microsoft.com/office/drawing/2014/main" id="{F264AC56-895C-CBF0-AB22-DC2EB760F723}"/>
-              </a:ext>
-            </a:extLst>
-          </p:cNvPr>
-          <p:cNvSpPr>
-            <a:spLocks noChangeAspect="1"/>
-          </p:cNvSpPr>
+            <a:endParaRPr lang="en-US"/>
+          </a:p>
+        </p:txBody>
+      </p:sp>
+      <p:sp>
+        <p:nvSpPr>
+          <p:cNvPr id="3112" name="Rectangle 3111">
+            <a:extLst>
+              <a:ext uri="{FF2B5EF4-FFF2-40B4-BE49-F238E27FC236}">
+                <a16:creationId xmlns:a16="http://schemas.microsoft.com/office/drawing/2014/main" id="{FEBD1251-BC18-9029-6D17-67DACA774883}"/>
+              </a:ext>
+            </a:extLst>
+          </p:cNvPr>
+          <p:cNvSpPr/>
           <p:nvPr/>
         </p:nvSpPr>
         <p:spPr>
-          <a:xfrm>
-            <a:off x="2449018" y="4475195"/>
-            <a:ext cx="1027723" cy="885969"/>
+          <a:xfrm rot="5400000">
+            <a:off x="6274128" y="3668447"/>
+            <a:ext cx="5130136" cy="98266"/>
           </a:xfrm>
-          <a:prstGeom prst="hexagon">
+          <a:prstGeom prst="rect">
             <a:avLst/>
           </a:prstGeom>
-          <a:noFill/>
-          <a:ln w="38100">
+          <a:solidFill>
+            <a:srgbClr val="92D050"/>
+          </a:solidFill>
+          <a:ln>
             <a:solidFill>
-              <a:srgbClr val="C00000"/>
+              <a:srgbClr val="92D050"/>
             </a:solidFill>
           </a:ln>
         </p:spPr>
@@ -8093,36 +8478,36 @@
           <a:lstStyle/>
           <a:p>
             <a:pPr algn="ctr"/>
-            <a:endParaRPr lang="en-US" dirty="0"/>
-          </a:p>
-        </p:txBody>
-      </p:sp>
-      <p:sp>
-        <p:nvSpPr>
-          <p:cNvPr id="20" name="Hexagon 19">
-            <a:extLst>
-              <a:ext uri="{FF2B5EF4-FFF2-40B4-BE49-F238E27FC236}">
-                <a16:creationId xmlns:a16="http://schemas.microsoft.com/office/drawing/2014/main" id="{07B9D637-BA96-2B7F-EBC9-5B688778148D}"/>
-              </a:ext>
-            </a:extLst>
-          </p:cNvPr>
-          <p:cNvSpPr>
-            <a:spLocks noChangeAspect="1"/>
-          </p:cNvSpPr>
+            <a:endParaRPr lang="en-US"/>
+          </a:p>
+        </p:txBody>
+      </p:sp>
+      <p:sp>
+        <p:nvSpPr>
+          <p:cNvPr id="3113" name="Rectangle 3112">
+            <a:extLst>
+              <a:ext uri="{FF2B5EF4-FFF2-40B4-BE49-F238E27FC236}">
+                <a16:creationId xmlns:a16="http://schemas.microsoft.com/office/drawing/2014/main" id="{5F758054-4E32-4F51-82CC-1B0113E0BB1F}"/>
+              </a:ext>
+            </a:extLst>
+          </p:cNvPr>
+          <p:cNvSpPr/>
           <p:nvPr/>
         </p:nvSpPr>
         <p:spPr>
           <a:xfrm>
-            <a:off x="2449018" y="3592745"/>
-            <a:ext cx="1027723" cy="885969"/>
+            <a:off x="5490890" y="1099557"/>
+            <a:ext cx="3397440" cy="78399"/>
           </a:xfrm>
-          <a:prstGeom prst="hexagon">
+          <a:prstGeom prst="rect">
             <a:avLst/>
           </a:prstGeom>
-          <a:noFill/>
-          <a:ln w="38100">
+          <a:solidFill>
+            <a:srgbClr val="92D050"/>
+          </a:solidFill>
+          <a:ln>
             <a:solidFill>
-              <a:srgbClr val="C00000"/>
+              <a:srgbClr val="92D050"/>
             </a:solidFill>
           </a:ln>
         </p:spPr>
@@ -8147,36 +8532,36 @@
           <a:lstStyle/>
           <a:p>
             <a:pPr algn="ctr"/>
-            <a:endParaRPr lang="en-US" dirty="0"/>
-          </a:p>
-        </p:txBody>
-      </p:sp>
-      <p:sp>
-        <p:nvSpPr>
-          <p:cNvPr id="21" name="Hexagon 20">
-            <a:extLst>
-              <a:ext uri="{FF2B5EF4-FFF2-40B4-BE49-F238E27FC236}">
-                <a16:creationId xmlns:a16="http://schemas.microsoft.com/office/drawing/2014/main" id="{65236423-21B3-ED2B-8057-5E9D7417482A}"/>
-              </a:ext>
-            </a:extLst>
-          </p:cNvPr>
-          <p:cNvSpPr>
-            <a:spLocks noChangeAspect="1"/>
-          </p:cNvSpPr>
+            <a:endParaRPr lang="en-US"/>
+          </a:p>
+        </p:txBody>
+      </p:sp>
+      <p:sp>
+        <p:nvSpPr>
+          <p:cNvPr id="3114" name="Rectangle 3113">
+            <a:extLst>
+              <a:ext uri="{FF2B5EF4-FFF2-40B4-BE49-F238E27FC236}">
+                <a16:creationId xmlns:a16="http://schemas.microsoft.com/office/drawing/2014/main" id="{5AEEA337-8863-9FBE-F589-1687284B9F65}"/>
+              </a:ext>
+            </a:extLst>
+          </p:cNvPr>
+          <p:cNvSpPr/>
           <p:nvPr/>
         </p:nvSpPr>
         <p:spPr>
           <a:xfrm>
-            <a:off x="3251263" y="3148897"/>
-            <a:ext cx="1027723" cy="885969"/>
+            <a:off x="5401351" y="6306334"/>
+            <a:ext cx="3486977" cy="68925"/>
           </a:xfrm>
-          <a:prstGeom prst="hexagon">
+          <a:prstGeom prst="rect">
             <a:avLst/>
           </a:prstGeom>
-          <a:noFill/>
-          <a:ln w="38100">
+          <a:solidFill>
+            <a:srgbClr val="92D050"/>
+          </a:solidFill>
+          <a:ln>
             <a:solidFill>
-              <a:srgbClr val="C00000"/>
+              <a:srgbClr val="92D050"/>
             </a:solidFill>
           </a:ln>
         </p:spPr>
@@ -8201,36 +8586,34 @@
           <a:lstStyle/>
           <a:p>
             <a:pPr algn="ctr"/>
-            <a:endParaRPr lang="en-US" dirty="0"/>
-          </a:p>
-        </p:txBody>
-      </p:sp>
-      <p:sp>
-        <p:nvSpPr>
-          <p:cNvPr id="22" name="Hexagon 21">
-            <a:extLst>
-              <a:ext uri="{FF2B5EF4-FFF2-40B4-BE49-F238E27FC236}">
-                <a16:creationId xmlns:a16="http://schemas.microsoft.com/office/drawing/2014/main" id="{4F7251F9-1271-4B5D-1B14-AD79DB034C73}"/>
-              </a:ext>
-            </a:extLst>
-          </p:cNvPr>
-          <p:cNvSpPr>
-            <a:spLocks noChangeAspect="1"/>
-          </p:cNvSpPr>
+            <a:endParaRPr lang="en-US"/>
+          </a:p>
+        </p:txBody>
+      </p:sp>
+      <p:sp>
+        <p:nvSpPr>
+          <p:cNvPr id="3115" name="Rectangle 3114">
+            <a:extLst>
+              <a:ext uri="{FF2B5EF4-FFF2-40B4-BE49-F238E27FC236}">
+                <a16:creationId xmlns:a16="http://schemas.microsoft.com/office/drawing/2014/main" id="{869DA0C5-3008-FE06-C01F-265CD2C4A84D}"/>
+              </a:ext>
+            </a:extLst>
+          </p:cNvPr>
+          <p:cNvSpPr/>
           <p:nvPr/>
         </p:nvSpPr>
         <p:spPr>
-          <a:xfrm>
-            <a:off x="3245324" y="4043302"/>
-            <a:ext cx="1027723" cy="885969"/>
+          <a:xfrm rot="5400000">
+            <a:off x="5709949" y="2399336"/>
+            <a:ext cx="2667950" cy="126914"/>
           </a:xfrm>
-          <a:prstGeom prst="hexagon">
+          <a:prstGeom prst="rect">
             <a:avLst/>
           </a:prstGeom>
           <a:noFill/>
           <a:ln w="38100">
             <a:solidFill>
-              <a:srgbClr val="C00000"/>
+              <a:srgbClr val="92D050"/>
             </a:solidFill>
           </a:ln>
         </p:spPr>
@@ -8255,1558 +8638,123 @@
           <a:lstStyle/>
           <a:p>
             <a:pPr algn="ctr"/>
-            <a:endParaRPr lang="en-US" dirty="0"/>
-          </a:p>
-        </p:txBody>
-      </p:sp>
-      <p:sp>
-        <p:nvSpPr>
-          <p:cNvPr id="23" name="Hexagon 22">
-            <a:extLst>
-              <a:ext uri="{FF2B5EF4-FFF2-40B4-BE49-F238E27FC236}">
-                <a16:creationId xmlns:a16="http://schemas.microsoft.com/office/drawing/2014/main" id="{4073D1F8-EC3D-0388-F726-CE0A24FC5B8A}"/>
-              </a:ext>
-            </a:extLst>
-          </p:cNvPr>
-          <p:cNvSpPr>
-            <a:spLocks noChangeAspect="1"/>
-          </p:cNvSpPr>
+            <a:endParaRPr lang="en-US"/>
+          </a:p>
+        </p:txBody>
+      </p:sp>
+      <p:grpSp>
+        <p:nvGrpSpPr>
+          <p:cNvPr id="3118" name="Group 3117">
+            <a:extLst>
+              <a:ext uri="{FF2B5EF4-FFF2-40B4-BE49-F238E27FC236}">
+                <a16:creationId xmlns:a16="http://schemas.microsoft.com/office/drawing/2014/main" id="{BCFFDE26-8C86-DD3D-6D2B-28C3EF088CDC}"/>
+              </a:ext>
+            </a:extLst>
+          </p:cNvPr>
+          <p:cNvGrpSpPr/>
           <p:nvPr/>
-        </p:nvSpPr>
-        <p:spPr>
+        </p:nvGrpSpPr>
+        <p:grpSpPr>
           <a:xfrm>
-            <a:off x="4051170" y="3599358"/>
-            <a:ext cx="1027723" cy="885969"/>
+            <a:off x="9245699" y="3120901"/>
+            <a:ext cx="2635387" cy="2081857"/>
+            <a:chOff x="9627907" y="3129410"/>
+            <a:chExt cx="2174842" cy="1718044"/>
           </a:xfrm>
-          <a:prstGeom prst="hexagon">
-            <a:avLst/>
-          </a:prstGeom>
-          <a:noFill/>
-          <a:ln w="38100">
-            <a:solidFill>
-              <a:srgbClr val="C00000"/>
-            </a:solidFill>
-          </a:ln>
-        </p:spPr>
-        <p:style>
-          <a:lnRef idx="2">
-            <a:schemeClr val="accent1">
-              <a:shade val="15000"/>
-            </a:schemeClr>
-          </a:lnRef>
-          <a:fillRef idx="1">
-            <a:schemeClr val="accent1"/>
-          </a:fillRef>
-          <a:effectRef idx="0">
-            <a:schemeClr val="accent1"/>
-          </a:effectRef>
-          <a:fontRef idx="minor">
-            <a:schemeClr val="lt1"/>
-          </a:fontRef>
-        </p:style>
-        <p:txBody>
-          <a:bodyPr rtlCol="0" anchor="ctr"/>
-          <a:lstStyle/>
-          <a:p>
-            <a:pPr algn="ctr"/>
-            <a:endParaRPr lang="en-US" dirty="0"/>
-          </a:p>
-        </p:txBody>
-      </p:sp>
-      <p:sp>
-        <p:nvSpPr>
-          <p:cNvPr id="24" name="Hexagon 23">
-            <a:extLst>
-              <a:ext uri="{FF2B5EF4-FFF2-40B4-BE49-F238E27FC236}">
-                <a16:creationId xmlns:a16="http://schemas.microsoft.com/office/drawing/2014/main" id="{881E2BDC-1F31-6D01-E04A-7C73381D6037}"/>
-              </a:ext>
-            </a:extLst>
-          </p:cNvPr>
-          <p:cNvSpPr>
-            <a:spLocks noChangeAspect="1"/>
-          </p:cNvSpPr>
-          <p:nvPr/>
-        </p:nvSpPr>
-        <p:spPr>
-          <a:xfrm>
-            <a:off x="4051170" y="4488111"/>
-            <a:ext cx="1027723" cy="885969"/>
-          </a:xfrm>
-          <a:prstGeom prst="hexagon">
-            <a:avLst/>
-          </a:prstGeom>
-          <a:noFill/>
-          <a:ln w="38100">
-            <a:solidFill>
-              <a:srgbClr val="C00000"/>
-            </a:solidFill>
-          </a:ln>
-        </p:spPr>
-        <p:style>
-          <a:lnRef idx="2">
-            <a:schemeClr val="accent1">
-              <a:shade val="15000"/>
-            </a:schemeClr>
-          </a:lnRef>
-          <a:fillRef idx="1">
-            <a:schemeClr val="accent1"/>
-          </a:fillRef>
-          <a:effectRef idx="0">
-            <a:schemeClr val="accent1"/>
-          </a:effectRef>
-          <a:fontRef idx="minor">
-            <a:schemeClr val="lt1"/>
-          </a:fontRef>
-        </p:style>
-        <p:txBody>
-          <a:bodyPr rtlCol="0" anchor="ctr"/>
-          <a:lstStyle/>
-          <a:p>
-            <a:pPr algn="ctr"/>
-            <a:endParaRPr lang="en-US" dirty="0"/>
-          </a:p>
-        </p:txBody>
-      </p:sp>
-      <p:sp>
-        <p:nvSpPr>
-          <p:cNvPr id="25" name="Hexagon 24">
-            <a:extLst>
-              <a:ext uri="{FF2B5EF4-FFF2-40B4-BE49-F238E27FC236}">
-                <a16:creationId xmlns:a16="http://schemas.microsoft.com/office/drawing/2014/main" id="{D0AE08D3-EA20-7B0E-7F1E-2C0558AF647E}"/>
-              </a:ext>
-            </a:extLst>
-          </p:cNvPr>
-          <p:cNvSpPr>
-            <a:spLocks noChangeAspect="1"/>
-          </p:cNvSpPr>
-          <p:nvPr/>
-        </p:nvSpPr>
-        <p:spPr>
-          <a:xfrm>
-            <a:off x="4051170" y="5383167"/>
-            <a:ext cx="1027723" cy="885969"/>
-          </a:xfrm>
-          <a:prstGeom prst="hexagon">
-            <a:avLst/>
-          </a:prstGeom>
-          <a:noFill/>
-          <a:ln w="38100">
-            <a:solidFill>
-              <a:srgbClr val="C00000"/>
-            </a:solidFill>
-          </a:ln>
-        </p:spPr>
-        <p:style>
-          <a:lnRef idx="2">
-            <a:schemeClr val="accent1">
-              <a:shade val="15000"/>
-            </a:schemeClr>
-          </a:lnRef>
-          <a:fillRef idx="1">
-            <a:schemeClr val="accent1"/>
-          </a:fillRef>
-          <a:effectRef idx="0">
-            <a:schemeClr val="accent1"/>
-          </a:effectRef>
-          <a:fontRef idx="minor">
-            <a:schemeClr val="lt1"/>
-          </a:fontRef>
-        </p:style>
-        <p:txBody>
-          <a:bodyPr rtlCol="0" anchor="ctr"/>
-          <a:lstStyle/>
-          <a:p>
-            <a:pPr algn="ctr"/>
-            <a:endParaRPr lang="en-US" dirty="0"/>
-          </a:p>
-        </p:txBody>
-      </p:sp>
-      <p:sp>
-        <p:nvSpPr>
-          <p:cNvPr id="26" name="Hexagon 25">
-            <a:extLst>
-              <a:ext uri="{FF2B5EF4-FFF2-40B4-BE49-F238E27FC236}">
-                <a16:creationId xmlns:a16="http://schemas.microsoft.com/office/drawing/2014/main" id="{95823C0A-C918-E852-F828-D270E718F930}"/>
-              </a:ext>
-            </a:extLst>
-          </p:cNvPr>
-          <p:cNvSpPr>
-            <a:spLocks noChangeAspect="1"/>
-          </p:cNvSpPr>
-          <p:nvPr/>
-        </p:nvSpPr>
-        <p:spPr>
-          <a:xfrm>
-            <a:off x="3251936" y="4923618"/>
-            <a:ext cx="1027723" cy="885969"/>
-          </a:xfrm>
-          <a:prstGeom prst="hexagon">
-            <a:avLst/>
-          </a:prstGeom>
-          <a:noFill/>
-          <a:ln w="38100">
-            <a:solidFill>
-              <a:srgbClr val="C00000"/>
-            </a:solidFill>
-          </a:ln>
-        </p:spPr>
-        <p:style>
-          <a:lnRef idx="2">
-            <a:schemeClr val="accent1">
-              <a:shade val="15000"/>
-            </a:schemeClr>
-          </a:lnRef>
-          <a:fillRef idx="1">
-            <a:schemeClr val="accent1"/>
-          </a:fillRef>
-          <a:effectRef idx="0">
-            <a:schemeClr val="accent1"/>
-          </a:effectRef>
-          <a:fontRef idx="minor">
-            <a:schemeClr val="lt1"/>
-          </a:fontRef>
-        </p:style>
-        <p:txBody>
-          <a:bodyPr rtlCol="0" anchor="ctr"/>
-          <a:lstStyle/>
-          <a:p>
-            <a:pPr algn="ctr"/>
-            <a:endParaRPr lang="en-US" dirty="0"/>
-          </a:p>
-        </p:txBody>
-      </p:sp>
-      <p:sp>
-        <p:nvSpPr>
-          <p:cNvPr id="27" name="Hexagon 26">
-            <a:extLst>
-              <a:ext uri="{FF2B5EF4-FFF2-40B4-BE49-F238E27FC236}">
-                <a16:creationId xmlns:a16="http://schemas.microsoft.com/office/drawing/2014/main" id="{D957CCD2-1115-F210-0E4C-56330AA467F3}"/>
-              </a:ext>
-            </a:extLst>
-          </p:cNvPr>
-          <p:cNvSpPr>
-            <a:spLocks noChangeAspect="1"/>
-          </p:cNvSpPr>
-          <p:nvPr/>
-        </p:nvSpPr>
-        <p:spPr>
-          <a:xfrm>
-            <a:off x="4869089" y="3142065"/>
-            <a:ext cx="1027723" cy="885969"/>
-          </a:xfrm>
-          <a:prstGeom prst="hexagon">
-            <a:avLst/>
-          </a:prstGeom>
-          <a:noFill/>
-          <a:ln w="38100">
-            <a:solidFill>
-              <a:srgbClr val="C00000"/>
-            </a:solidFill>
-          </a:ln>
-        </p:spPr>
-        <p:style>
-          <a:lnRef idx="2">
-            <a:schemeClr val="accent1">
-              <a:shade val="15000"/>
-            </a:schemeClr>
-          </a:lnRef>
-          <a:fillRef idx="1">
-            <a:schemeClr val="accent1"/>
-          </a:fillRef>
-          <a:effectRef idx="0">
-            <a:schemeClr val="accent1"/>
-          </a:effectRef>
-          <a:fontRef idx="minor">
-            <a:schemeClr val="lt1"/>
-          </a:fontRef>
-        </p:style>
-        <p:txBody>
-          <a:bodyPr rtlCol="0" anchor="ctr"/>
-          <a:lstStyle/>
-          <a:p>
-            <a:pPr algn="ctr"/>
-            <a:endParaRPr lang="en-US" dirty="0"/>
-          </a:p>
-        </p:txBody>
-      </p:sp>
-      <p:sp>
-        <p:nvSpPr>
-          <p:cNvPr id="28" name="Hexagon 27">
-            <a:extLst>
-              <a:ext uri="{FF2B5EF4-FFF2-40B4-BE49-F238E27FC236}">
-                <a16:creationId xmlns:a16="http://schemas.microsoft.com/office/drawing/2014/main" id="{57F0378C-405F-DF31-4F57-9301727488B2}"/>
-              </a:ext>
-            </a:extLst>
-          </p:cNvPr>
-          <p:cNvSpPr>
-            <a:spLocks noChangeAspect="1"/>
-          </p:cNvSpPr>
-          <p:nvPr/>
-        </p:nvSpPr>
-        <p:spPr>
-          <a:xfrm>
-            <a:off x="4862421" y="4030818"/>
-            <a:ext cx="1027723" cy="885969"/>
-          </a:xfrm>
-          <a:prstGeom prst="hexagon">
-            <a:avLst/>
-          </a:prstGeom>
-          <a:noFill/>
-          <a:ln w="38100">
-            <a:solidFill>
-              <a:srgbClr val="C00000"/>
-            </a:solidFill>
-          </a:ln>
-        </p:spPr>
-        <p:style>
-          <a:lnRef idx="2">
-            <a:schemeClr val="accent1">
-              <a:shade val="15000"/>
-            </a:schemeClr>
-          </a:lnRef>
-          <a:fillRef idx="1">
-            <a:schemeClr val="accent1"/>
-          </a:fillRef>
-          <a:effectRef idx="0">
-            <a:schemeClr val="accent1"/>
-          </a:effectRef>
-          <a:fontRef idx="minor">
-            <a:schemeClr val="lt1"/>
-          </a:fontRef>
-        </p:style>
-        <p:txBody>
-          <a:bodyPr rtlCol="0" anchor="ctr"/>
-          <a:lstStyle/>
-          <a:p>
-            <a:pPr algn="ctr"/>
-            <a:endParaRPr lang="en-US" dirty="0"/>
-          </a:p>
-        </p:txBody>
-      </p:sp>
-      <p:sp>
-        <p:nvSpPr>
-          <p:cNvPr id="29" name="Hexagon 28">
-            <a:extLst>
-              <a:ext uri="{FF2B5EF4-FFF2-40B4-BE49-F238E27FC236}">
-                <a16:creationId xmlns:a16="http://schemas.microsoft.com/office/drawing/2014/main" id="{340DF2F7-B057-B48D-254B-51C75CF38CDA}"/>
-              </a:ext>
-            </a:extLst>
-          </p:cNvPr>
-          <p:cNvSpPr>
-            <a:spLocks noChangeAspect="1"/>
-          </p:cNvSpPr>
-          <p:nvPr/>
-        </p:nvSpPr>
-        <p:spPr>
-          <a:xfrm>
-            <a:off x="4862421" y="4912539"/>
-            <a:ext cx="1027723" cy="885969"/>
-          </a:xfrm>
-          <a:prstGeom prst="hexagon">
-            <a:avLst/>
-          </a:prstGeom>
-          <a:noFill/>
-          <a:ln w="38100">
-            <a:solidFill>
-              <a:srgbClr val="C00000"/>
-            </a:solidFill>
-          </a:ln>
-        </p:spPr>
-        <p:style>
-          <a:lnRef idx="2">
-            <a:schemeClr val="accent1">
-              <a:shade val="15000"/>
-            </a:schemeClr>
-          </a:lnRef>
-          <a:fillRef idx="1">
-            <a:schemeClr val="accent1"/>
-          </a:fillRef>
-          <a:effectRef idx="0">
-            <a:schemeClr val="accent1"/>
-          </a:effectRef>
-          <a:fontRef idx="minor">
-            <a:schemeClr val="lt1"/>
-          </a:fontRef>
-        </p:style>
-        <p:txBody>
-          <a:bodyPr rtlCol="0" anchor="ctr"/>
-          <a:lstStyle/>
-          <a:p>
-            <a:pPr algn="ctr"/>
-            <a:endParaRPr lang="en-US" dirty="0"/>
-          </a:p>
-        </p:txBody>
-      </p:sp>
-      <p:sp>
-        <p:nvSpPr>
-          <p:cNvPr id="30" name="Hexagon 29">
-            <a:extLst>
-              <a:ext uri="{FF2B5EF4-FFF2-40B4-BE49-F238E27FC236}">
-                <a16:creationId xmlns:a16="http://schemas.microsoft.com/office/drawing/2014/main" id="{FA593AA6-1EA7-31C4-6469-61AACE3BD455}"/>
-              </a:ext>
-            </a:extLst>
-          </p:cNvPr>
-          <p:cNvSpPr>
-            <a:spLocks noChangeAspect="1"/>
-          </p:cNvSpPr>
-          <p:nvPr/>
-        </p:nvSpPr>
-        <p:spPr>
-          <a:xfrm>
-            <a:off x="5671333" y="5357645"/>
-            <a:ext cx="1027723" cy="885969"/>
-          </a:xfrm>
-          <a:prstGeom prst="hexagon">
-            <a:avLst/>
-          </a:prstGeom>
-          <a:noFill/>
-          <a:ln w="38100">
-            <a:solidFill>
-              <a:srgbClr val="C00000"/>
-            </a:solidFill>
-          </a:ln>
-        </p:spPr>
-        <p:style>
-          <a:lnRef idx="2">
-            <a:schemeClr val="accent1">
-              <a:shade val="15000"/>
-            </a:schemeClr>
-          </a:lnRef>
-          <a:fillRef idx="1">
-            <a:schemeClr val="accent1"/>
-          </a:fillRef>
-          <a:effectRef idx="0">
-            <a:schemeClr val="accent1"/>
-          </a:effectRef>
-          <a:fontRef idx="minor">
-            <a:schemeClr val="lt1"/>
-          </a:fontRef>
-        </p:style>
-        <p:txBody>
-          <a:bodyPr rtlCol="0" anchor="ctr"/>
-          <a:lstStyle/>
-          <a:p>
-            <a:pPr algn="ctr"/>
-            <a:endParaRPr lang="en-US" dirty="0"/>
-          </a:p>
-        </p:txBody>
-      </p:sp>
-      <p:sp>
-        <p:nvSpPr>
-          <p:cNvPr id="31" name="Hexagon 30">
-            <a:extLst>
-              <a:ext uri="{FF2B5EF4-FFF2-40B4-BE49-F238E27FC236}">
-                <a16:creationId xmlns:a16="http://schemas.microsoft.com/office/drawing/2014/main" id="{9B4F0A47-5E0D-6C47-C319-40D036335536}"/>
-              </a:ext>
-            </a:extLst>
-          </p:cNvPr>
-          <p:cNvSpPr>
-            <a:spLocks noChangeAspect="1"/>
-          </p:cNvSpPr>
-          <p:nvPr/>
-        </p:nvSpPr>
-        <p:spPr>
-          <a:xfrm>
-            <a:off x="5671333" y="4475195"/>
-            <a:ext cx="1027723" cy="885969"/>
-          </a:xfrm>
-          <a:prstGeom prst="hexagon">
-            <a:avLst/>
-          </a:prstGeom>
-          <a:noFill/>
-          <a:ln w="38100">
-            <a:solidFill>
-              <a:srgbClr val="C00000"/>
-            </a:solidFill>
-          </a:ln>
-        </p:spPr>
-        <p:style>
-          <a:lnRef idx="2">
-            <a:schemeClr val="accent1">
-              <a:shade val="15000"/>
-            </a:schemeClr>
-          </a:lnRef>
-          <a:fillRef idx="1">
-            <a:schemeClr val="accent1"/>
-          </a:fillRef>
-          <a:effectRef idx="0">
-            <a:schemeClr val="accent1"/>
-          </a:effectRef>
-          <a:fontRef idx="minor">
-            <a:schemeClr val="lt1"/>
-          </a:fontRef>
-        </p:style>
-        <p:txBody>
-          <a:bodyPr rtlCol="0" anchor="ctr"/>
-          <a:lstStyle/>
-          <a:p>
-            <a:pPr algn="ctr"/>
-            <a:endParaRPr lang="en-US" dirty="0"/>
-          </a:p>
-        </p:txBody>
-      </p:sp>
-      <p:sp>
-        <p:nvSpPr>
-          <p:cNvPr id="32" name="Hexagon 31">
-            <a:extLst>
-              <a:ext uri="{FF2B5EF4-FFF2-40B4-BE49-F238E27FC236}">
-                <a16:creationId xmlns:a16="http://schemas.microsoft.com/office/drawing/2014/main" id="{D9C7E926-4C8D-317C-FD13-663460428E4A}"/>
-              </a:ext>
-            </a:extLst>
-          </p:cNvPr>
-          <p:cNvSpPr>
-            <a:spLocks noChangeAspect="1"/>
-          </p:cNvSpPr>
-          <p:nvPr/>
-        </p:nvSpPr>
-        <p:spPr>
-          <a:xfrm>
-            <a:off x="5671333" y="3592745"/>
-            <a:ext cx="1027723" cy="885969"/>
-          </a:xfrm>
-          <a:prstGeom prst="hexagon">
-            <a:avLst/>
-          </a:prstGeom>
-          <a:noFill/>
-          <a:ln w="38100">
-            <a:solidFill>
-              <a:srgbClr val="C00000"/>
-            </a:solidFill>
-          </a:ln>
-        </p:spPr>
-        <p:style>
-          <a:lnRef idx="2">
-            <a:schemeClr val="accent1">
-              <a:shade val="15000"/>
-            </a:schemeClr>
-          </a:lnRef>
-          <a:fillRef idx="1">
-            <a:schemeClr val="accent1"/>
-          </a:fillRef>
-          <a:effectRef idx="0">
-            <a:schemeClr val="accent1"/>
-          </a:effectRef>
-          <a:fontRef idx="minor">
-            <a:schemeClr val="lt1"/>
-          </a:fontRef>
-        </p:style>
-        <p:txBody>
-          <a:bodyPr rtlCol="0" anchor="ctr"/>
-          <a:lstStyle/>
-          <a:p>
-            <a:pPr algn="ctr"/>
-            <a:endParaRPr lang="en-US" dirty="0"/>
-          </a:p>
-        </p:txBody>
-      </p:sp>
-      <p:sp>
-        <p:nvSpPr>
-          <p:cNvPr id="33" name="Hexagon 32">
-            <a:extLst>
-              <a:ext uri="{FF2B5EF4-FFF2-40B4-BE49-F238E27FC236}">
-                <a16:creationId xmlns:a16="http://schemas.microsoft.com/office/drawing/2014/main" id="{98C4B400-33AA-B59B-D441-11FF1D9F3C18}"/>
-              </a:ext>
-            </a:extLst>
-          </p:cNvPr>
-          <p:cNvSpPr>
-            <a:spLocks noChangeAspect="1"/>
-          </p:cNvSpPr>
-          <p:nvPr/>
-        </p:nvSpPr>
-        <p:spPr>
-          <a:xfrm>
-            <a:off x="6473579" y="3148896"/>
-            <a:ext cx="1027723" cy="885969"/>
-          </a:xfrm>
-          <a:prstGeom prst="hexagon">
-            <a:avLst/>
-          </a:prstGeom>
-          <a:noFill/>
-          <a:ln w="38100">
-            <a:solidFill>
-              <a:srgbClr val="C00000"/>
-            </a:solidFill>
-          </a:ln>
-        </p:spPr>
-        <p:style>
-          <a:lnRef idx="2">
-            <a:schemeClr val="accent1">
-              <a:shade val="15000"/>
-            </a:schemeClr>
-          </a:lnRef>
-          <a:fillRef idx="1">
-            <a:schemeClr val="accent1"/>
-          </a:fillRef>
-          <a:effectRef idx="0">
-            <a:schemeClr val="accent1"/>
-          </a:effectRef>
-          <a:fontRef idx="minor">
-            <a:schemeClr val="lt1"/>
-          </a:fontRef>
-        </p:style>
-        <p:txBody>
-          <a:bodyPr rtlCol="0" anchor="ctr"/>
-          <a:lstStyle/>
-          <a:p>
-            <a:pPr algn="ctr"/>
-            <a:endParaRPr lang="en-US" dirty="0"/>
-          </a:p>
-        </p:txBody>
-      </p:sp>
-      <p:sp>
-        <p:nvSpPr>
-          <p:cNvPr id="34" name="Hexagon 33">
-            <a:extLst>
-              <a:ext uri="{FF2B5EF4-FFF2-40B4-BE49-F238E27FC236}">
-                <a16:creationId xmlns:a16="http://schemas.microsoft.com/office/drawing/2014/main" id="{12FAF854-63C7-26A3-E366-5FC60D5CDD70}"/>
-              </a:ext>
-            </a:extLst>
-          </p:cNvPr>
-          <p:cNvSpPr>
-            <a:spLocks noChangeAspect="1"/>
-          </p:cNvSpPr>
-          <p:nvPr/>
-        </p:nvSpPr>
-        <p:spPr>
-          <a:xfrm>
-            <a:off x="6467640" y="4043303"/>
-            <a:ext cx="1027723" cy="885969"/>
-          </a:xfrm>
-          <a:prstGeom prst="hexagon">
-            <a:avLst/>
-          </a:prstGeom>
-          <a:noFill/>
-          <a:ln w="38100">
-            <a:solidFill>
-              <a:srgbClr val="C00000"/>
-            </a:solidFill>
-          </a:ln>
-        </p:spPr>
-        <p:style>
-          <a:lnRef idx="2">
-            <a:schemeClr val="accent1">
-              <a:shade val="15000"/>
-            </a:schemeClr>
-          </a:lnRef>
-          <a:fillRef idx="1">
-            <a:schemeClr val="accent1"/>
-          </a:fillRef>
-          <a:effectRef idx="0">
-            <a:schemeClr val="accent1"/>
-          </a:effectRef>
-          <a:fontRef idx="minor">
-            <a:schemeClr val="lt1"/>
-          </a:fontRef>
-        </p:style>
-        <p:txBody>
-          <a:bodyPr rtlCol="0" anchor="ctr"/>
-          <a:lstStyle/>
-          <a:p>
-            <a:pPr algn="ctr"/>
-            <a:endParaRPr lang="en-US" dirty="0"/>
-          </a:p>
-        </p:txBody>
-      </p:sp>
-      <p:sp>
-        <p:nvSpPr>
-          <p:cNvPr id="35" name="Hexagon 34">
-            <a:extLst>
-              <a:ext uri="{FF2B5EF4-FFF2-40B4-BE49-F238E27FC236}">
-                <a16:creationId xmlns:a16="http://schemas.microsoft.com/office/drawing/2014/main" id="{A2814153-2EE6-1025-2602-49BAC33D9A77}"/>
-              </a:ext>
-            </a:extLst>
-          </p:cNvPr>
-          <p:cNvSpPr>
-            <a:spLocks noChangeAspect="1"/>
-          </p:cNvSpPr>
-          <p:nvPr/>
-        </p:nvSpPr>
-        <p:spPr>
-          <a:xfrm>
-            <a:off x="7273486" y="3599359"/>
-            <a:ext cx="1027723" cy="885969"/>
-          </a:xfrm>
-          <a:prstGeom prst="hexagon">
-            <a:avLst/>
-          </a:prstGeom>
-          <a:noFill/>
-          <a:ln w="38100">
-            <a:solidFill>
-              <a:srgbClr val="C00000"/>
-            </a:solidFill>
-          </a:ln>
-        </p:spPr>
-        <p:style>
-          <a:lnRef idx="2">
-            <a:schemeClr val="accent1">
-              <a:shade val="15000"/>
-            </a:schemeClr>
-          </a:lnRef>
-          <a:fillRef idx="1">
-            <a:schemeClr val="accent1"/>
-          </a:fillRef>
-          <a:effectRef idx="0">
-            <a:schemeClr val="accent1"/>
-          </a:effectRef>
-          <a:fontRef idx="minor">
-            <a:schemeClr val="lt1"/>
-          </a:fontRef>
-        </p:style>
-        <p:txBody>
-          <a:bodyPr rtlCol="0" anchor="ctr"/>
-          <a:lstStyle/>
-          <a:p>
-            <a:pPr algn="ctr"/>
-            <a:endParaRPr lang="en-US" dirty="0"/>
-          </a:p>
-        </p:txBody>
-      </p:sp>
-      <p:sp>
-        <p:nvSpPr>
-          <p:cNvPr id="36" name="Hexagon 35">
-            <a:extLst>
-              <a:ext uri="{FF2B5EF4-FFF2-40B4-BE49-F238E27FC236}">
-                <a16:creationId xmlns:a16="http://schemas.microsoft.com/office/drawing/2014/main" id="{670B1B09-5F7B-164B-22C2-59E8CA1F4330}"/>
-              </a:ext>
-            </a:extLst>
-          </p:cNvPr>
-          <p:cNvSpPr>
-            <a:spLocks noChangeAspect="1"/>
-          </p:cNvSpPr>
-          <p:nvPr/>
-        </p:nvSpPr>
-        <p:spPr>
-          <a:xfrm>
-            <a:off x="7273486" y="4488111"/>
-            <a:ext cx="1027723" cy="885969"/>
-          </a:xfrm>
-          <a:prstGeom prst="hexagon">
-            <a:avLst/>
-          </a:prstGeom>
-          <a:noFill/>
-          <a:ln w="38100">
-            <a:solidFill>
-              <a:srgbClr val="C00000"/>
-            </a:solidFill>
-          </a:ln>
-        </p:spPr>
-        <p:style>
-          <a:lnRef idx="2">
-            <a:schemeClr val="accent1">
-              <a:shade val="15000"/>
-            </a:schemeClr>
-          </a:lnRef>
-          <a:fillRef idx="1">
-            <a:schemeClr val="accent1"/>
-          </a:fillRef>
-          <a:effectRef idx="0">
-            <a:schemeClr val="accent1"/>
-          </a:effectRef>
-          <a:fontRef idx="minor">
-            <a:schemeClr val="lt1"/>
-          </a:fontRef>
-        </p:style>
-        <p:txBody>
-          <a:bodyPr rtlCol="0" anchor="ctr"/>
-          <a:lstStyle/>
-          <a:p>
-            <a:pPr algn="ctr"/>
-            <a:endParaRPr lang="en-US" dirty="0"/>
-          </a:p>
-        </p:txBody>
-      </p:sp>
-      <p:sp>
-        <p:nvSpPr>
-          <p:cNvPr id="37" name="Hexagon 36">
-            <a:extLst>
-              <a:ext uri="{FF2B5EF4-FFF2-40B4-BE49-F238E27FC236}">
-                <a16:creationId xmlns:a16="http://schemas.microsoft.com/office/drawing/2014/main" id="{E10669BB-52CA-8F0C-9259-535888E6D5B4}"/>
-              </a:ext>
-            </a:extLst>
-          </p:cNvPr>
-          <p:cNvSpPr>
-            <a:spLocks noChangeAspect="1"/>
-          </p:cNvSpPr>
-          <p:nvPr/>
-        </p:nvSpPr>
-        <p:spPr>
-          <a:xfrm>
-            <a:off x="7273486" y="5383167"/>
-            <a:ext cx="1027723" cy="885969"/>
-          </a:xfrm>
-          <a:prstGeom prst="hexagon">
-            <a:avLst/>
-          </a:prstGeom>
-          <a:noFill/>
-          <a:ln w="38100">
-            <a:solidFill>
-              <a:srgbClr val="C00000"/>
-            </a:solidFill>
-          </a:ln>
-        </p:spPr>
-        <p:style>
-          <a:lnRef idx="2">
-            <a:schemeClr val="accent1">
-              <a:shade val="15000"/>
-            </a:schemeClr>
-          </a:lnRef>
-          <a:fillRef idx="1">
-            <a:schemeClr val="accent1"/>
-          </a:fillRef>
-          <a:effectRef idx="0">
-            <a:schemeClr val="accent1"/>
-          </a:effectRef>
-          <a:fontRef idx="minor">
-            <a:schemeClr val="lt1"/>
-          </a:fontRef>
-        </p:style>
-        <p:txBody>
-          <a:bodyPr rtlCol="0" anchor="ctr"/>
-          <a:lstStyle/>
-          <a:p>
-            <a:pPr algn="ctr"/>
-            <a:endParaRPr lang="en-US" dirty="0"/>
-          </a:p>
-        </p:txBody>
-      </p:sp>
-      <p:sp>
-        <p:nvSpPr>
-          <p:cNvPr id="38" name="Hexagon 37">
-            <a:extLst>
-              <a:ext uri="{FF2B5EF4-FFF2-40B4-BE49-F238E27FC236}">
-                <a16:creationId xmlns:a16="http://schemas.microsoft.com/office/drawing/2014/main" id="{ED925D24-0D7F-FC17-35CC-ED7C93B2CE3D}"/>
-              </a:ext>
-            </a:extLst>
-          </p:cNvPr>
-          <p:cNvSpPr>
-            <a:spLocks noChangeAspect="1"/>
-          </p:cNvSpPr>
-          <p:nvPr/>
-        </p:nvSpPr>
-        <p:spPr>
-          <a:xfrm>
-            <a:off x="6474252" y="4923618"/>
-            <a:ext cx="1027723" cy="885969"/>
-          </a:xfrm>
-          <a:prstGeom prst="hexagon">
-            <a:avLst/>
-          </a:prstGeom>
-          <a:noFill/>
-          <a:ln w="38100">
-            <a:solidFill>
-              <a:srgbClr val="C00000"/>
-            </a:solidFill>
-          </a:ln>
-        </p:spPr>
-        <p:style>
-          <a:lnRef idx="2">
-            <a:schemeClr val="accent1">
-              <a:shade val="15000"/>
-            </a:schemeClr>
-          </a:lnRef>
-          <a:fillRef idx="1">
-            <a:schemeClr val="accent1"/>
-          </a:fillRef>
-          <a:effectRef idx="0">
-            <a:schemeClr val="accent1"/>
-          </a:effectRef>
-          <a:fontRef idx="minor">
-            <a:schemeClr val="lt1"/>
-          </a:fontRef>
-        </p:style>
-        <p:txBody>
-          <a:bodyPr rtlCol="0" anchor="ctr"/>
-          <a:lstStyle/>
-          <a:p>
-            <a:pPr algn="ctr"/>
-            <a:endParaRPr lang="en-US" dirty="0"/>
-          </a:p>
-        </p:txBody>
-      </p:sp>
-      <p:sp>
-        <p:nvSpPr>
-          <p:cNvPr id="39" name="Hexagon 38">
-            <a:extLst>
-              <a:ext uri="{FF2B5EF4-FFF2-40B4-BE49-F238E27FC236}">
-                <a16:creationId xmlns:a16="http://schemas.microsoft.com/office/drawing/2014/main" id="{B06DFB42-CA3F-20B0-9947-0CC69165638F}"/>
-              </a:ext>
-            </a:extLst>
-          </p:cNvPr>
-          <p:cNvSpPr>
-            <a:spLocks noChangeAspect="1"/>
-          </p:cNvSpPr>
-          <p:nvPr/>
-        </p:nvSpPr>
-        <p:spPr>
-          <a:xfrm>
-            <a:off x="1646773" y="495974"/>
-            <a:ext cx="1027723" cy="885969"/>
-          </a:xfrm>
-          <a:prstGeom prst="hexagon">
-            <a:avLst/>
-          </a:prstGeom>
-          <a:noFill/>
-          <a:ln w="38100">
-            <a:solidFill>
-              <a:srgbClr val="C00000"/>
-            </a:solidFill>
-          </a:ln>
-        </p:spPr>
-        <p:style>
-          <a:lnRef idx="2">
-            <a:schemeClr val="accent1">
-              <a:shade val="15000"/>
-            </a:schemeClr>
-          </a:lnRef>
-          <a:fillRef idx="1">
-            <a:schemeClr val="accent1"/>
-          </a:fillRef>
-          <a:effectRef idx="0">
-            <a:schemeClr val="accent1"/>
-          </a:effectRef>
-          <a:fontRef idx="minor">
-            <a:schemeClr val="lt1"/>
-          </a:fontRef>
-        </p:style>
-        <p:txBody>
-          <a:bodyPr rtlCol="0" anchor="ctr"/>
-          <a:lstStyle/>
-          <a:p>
-            <a:pPr algn="ctr"/>
-            <a:endParaRPr lang="en-US" dirty="0"/>
-          </a:p>
-        </p:txBody>
-      </p:sp>
-      <p:sp>
-        <p:nvSpPr>
-          <p:cNvPr id="40" name="Hexagon 39">
-            <a:extLst>
-              <a:ext uri="{FF2B5EF4-FFF2-40B4-BE49-F238E27FC236}">
-                <a16:creationId xmlns:a16="http://schemas.microsoft.com/office/drawing/2014/main" id="{899EB4C8-5E32-9F10-45C1-DA10C9FBA94E}"/>
-              </a:ext>
-            </a:extLst>
-          </p:cNvPr>
-          <p:cNvSpPr>
-            <a:spLocks noChangeAspect="1"/>
-          </p:cNvSpPr>
-          <p:nvPr/>
-        </p:nvSpPr>
-        <p:spPr>
-          <a:xfrm>
-            <a:off x="1640106" y="1374788"/>
-            <a:ext cx="1027723" cy="885969"/>
-          </a:xfrm>
-          <a:prstGeom prst="hexagon">
-            <a:avLst/>
-          </a:prstGeom>
-          <a:noFill/>
-          <a:ln w="38100">
-            <a:solidFill>
-              <a:srgbClr val="C00000"/>
-            </a:solidFill>
-          </a:ln>
-        </p:spPr>
-        <p:style>
-          <a:lnRef idx="2">
-            <a:schemeClr val="accent1">
-              <a:shade val="15000"/>
-            </a:schemeClr>
-          </a:lnRef>
-          <a:fillRef idx="1">
-            <a:schemeClr val="accent1"/>
-          </a:fillRef>
-          <a:effectRef idx="0">
-            <a:schemeClr val="accent1"/>
-          </a:effectRef>
-          <a:fontRef idx="minor">
-            <a:schemeClr val="lt1"/>
-          </a:fontRef>
-        </p:style>
-        <p:txBody>
-          <a:bodyPr rtlCol="0" anchor="ctr"/>
-          <a:lstStyle/>
-          <a:p>
-            <a:pPr algn="ctr"/>
-            <a:endParaRPr lang="en-US" dirty="0"/>
-          </a:p>
-        </p:txBody>
-      </p:sp>
-      <p:sp>
-        <p:nvSpPr>
-          <p:cNvPr id="41" name="Hexagon 40">
-            <a:extLst>
-              <a:ext uri="{FF2B5EF4-FFF2-40B4-BE49-F238E27FC236}">
-                <a16:creationId xmlns:a16="http://schemas.microsoft.com/office/drawing/2014/main" id="{B9A8FE6C-50FB-88BE-5980-9DB144B17A4F}"/>
-              </a:ext>
-            </a:extLst>
-          </p:cNvPr>
-          <p:cNvSpPr>
-            <a:spLocks noChangeAspect="1"/>
-          </p:cNvSpPr>
-          <p:nvPr/>
-        </p:nvSpPr>
-        <p:spPr>
-          <a:xfrm>
-            <a:off x="1640106" y="2256508"/>
-            <a:ext cx="1027723" cy="885969"/>
-          </a:xfrm>
-          <a:prstGeom prst="hexagon">
-            <a:avLst/>
-          </a:prstGeom>
-          <a:noFill/>
-          <a:ln w="38100">
-            <a:solidFill>
-              <a:srgbClr val="C00000"/>
-            </a:solidFill>
-          </a:ln>
-        </p:spPr>
-        <p:style>
-          <a:lnRef idx="2">
-            <a:schemeClr val="accent1">
-              <a:shade val="15000"/>
-            </a:schemeClr>
-          </a:lnRef>
-          <a:fillRef idx="1">
-            <a:schemeClr val="accent1"/>
-          </a:fillRef>
-          <a:effectRef idx="0">
-            <a:schemeClr val="accent1"/>
-          </a:effectRef>
-          <a:fontRef idx="minor">
-            <a:schemeClr val="lt1"/>
-          </a:fontRef>
-        </p:style>
-        <p:txBody>
-          <a:bodyPr rtlCol="0" anchor="ctr"/>
-          <a:lstStyle/>
-          <a:p>
-            <a:pPr algn="ctr"/>
-            <a:endParaRPr lang="en-US" dirty="0"/>
-          </a:p>
-        </p:txBody>
-      </p:sp>
-      <p:sp>
-        <p:nvSpPr>
-          <p:cNvPr id="42" name="Hexagon 41">
-            <a:extLst>
-              <a:ext uri="{FF2B5EF4-FFF2-40B4-BE49-F238E27FC236}">
-                <a16:creationId xmlns:a16="http://schemas.microsoft.com/office/drawing/2014/main" id="{0FBB4FFE-43F2-30CF-EE61-7C918083C1EE}"/>
-              </a:ext>
-            </a:extLst>
-          </p:cNvPr>
-          <p:cNvSpPr>
-            <a:spLocks noChangeAspect="1"/>
-          </p:cNvSpPr>
-          <p:nvPr/>
-        </p:nvSpPr>
-        <p:spPr>
-          <a:xfrm>
-            <a:off x="2449018" y="2701615"/>
-            <a:ext cx="1027723" cy="885969"/>
-          </a:xfrm>
-          <a:prstGeom prst="hexagon">
-            <a:avLst/>
-          </a:prstGeom>
-          <a:noFill/>
-          <a:ln w="38100">
-            <a:solidFill>
-              <a:srgbClr val="C00000"/>
-            </a:solidFill>
-          </a:ln>
-        </p:spPr>
-        <p:style>
-          <a:lnRef idx="2">
-            <a:schemeClr val="accent1">
-              <a:shade val="15000"/>
-            </a:schemeClr>
-          </a:lnRef>
-          <a:fillRef idx="1">
-            <a:schemeClr val="accent1"/>
-          </a:fillRef>
-          <a:effectRef idx="0">
-            <a:schemeClr val="accent1"/>
-          </a:effectRef>
-          <a:fontRef idx="minor">
-            <a:schemeClr val="lt1"/>
-          </a:fontRef>
-        </p:style>
-        <p:txBody>
-          <a:bodyPr rtlCol="0" anchor="ctr"/>
-          <a:lstStyle/>
-          <a:p>
-            <a:pPr algn="ctr"/>
-            <a:endParaRPr lang="en-US" dirty="0"/>
-          </a:p>
-        </p:txBody>
-      </p:sp>
-      <p:sp>
-        <p:nvSpPr>
-          <p:cNvPr id="43" name="Hexagon 42">
-            <a:extLst>
-              <a:ext uri="{FF2B5EF4-FFF2-40B4-BE49-F238E27FC236}">
-                <a16:creationId xmlns:a16="http://schemas.microsoft.com/office/drawing/2014/main" id="{EFDE3350-ED57-B482-6706-42BC01FC9954}"/>
-              </a:ext>
-            </a:extLst>
-          </p:cNvPr>
-          <p:cNvSpPr>
-            <a:spLocks noChangeAspect="1"/>
-          </p:cNvSpPr>
-          <p:nvPr/>
-        </p:nvSpPr>
-        <p:spPr>
-          <a:xfrm>
-            <a:off x="2449018" y="1819165"/>
-            <a:ext cx="1027723" cy="885969"/>
-          </a:xfrm>
-          <a:prstGeom prst="hexagon">
-            <a:avLst/>
-          </a:prstGeom>
-          <a:noFill/>
-          <a:ln w="38100">
-            <a:solidFill>
-              <a:srgbClr val="C00000"/>
-            </a:solidFill>
-          </a:ln>
-        </p:spPr>
-        <p:style>
-          <a:lnRef idx="2">
-            <a:schemeClr val="accent1">
-              <a:shade val="15000"/>
-            </a:schemeClr>
-          </a:lnRef>
-          <a:fillRef idx="1">
-            <a:schemeClr val="accent1"/>
-          </a:fillRef>
-          <a:effectRef idx="0">
-            <a:schemeClr val="accent1"/>
-          </a:effectRef>
-          <a:fontRef idx="minor">
-            <a:schemeClr val="lt1"/>
-          </a:fontRef>
-        </p:style>
-        <p:txBody>
-          <a:bodyPr rtlCol="0" anchor="ctr"/>
-          <a:lstStyle/>
-          <a:p>
-            <a:pPr algn="ctr"/>
-            <a:endParaRPr lang="en-US" dirty="0"/>
-          </a:p>
-        </p:txBody>
-      </p:sp>
-      <p:sp>
-        <p:nvSpPr>
-          <p:cNvPr id="44" name="Hexagon 43">
-            <a:extLst>
-              <a:ext uri="{FF2B5EF4-FFF2-40B4-BE49-F238E27FC236}">
-                <a16:creationId xmlns:a16="http://schemas.microsoft.com/office/drawing/2014/main" id="{6B69EB2D-E17F-7C1D-7CA7-656AE3F22B52}"/>
-              </a:ext>
-            </a:extLst>
-          </p:cNvPr>
-          <p:cNvSpPr>
-            <a:spLocks noChangeAspect="1"/>
-          </p:cNvSpPr>
-          <p:nvPr/>
-        </p:nvSpPr>
-        <p:spPr>
-          <a:xfrm>
-            <a:off x="2449018" y="936715"/>
-            <a:ext cx="1027723" cy="885969"/>
-          </a:xfrm>
-          <a:prstGeom prst="hexagon">
-            <a:avLst/>
-          </a:prstGeom>
-          <a:noFill/>
-          <a:ln w="38100">
-            <a:solidFill>
-              <a:srgbClr val="C00000"/>
-            </a:solidFill>
-          </a:ln>
-        </p:spPr>
-        <p:style>
-          <a:lnRef idx="2">
-            <a:schemeClr val="accent1">
-              <a:shade val="15000"/>
-            </a:schemeClr>
-          </a:lnRef>
-          <a:fillRef idx="1">
-            <a:schemeClr val="accent1"/>
-          </a:fillRef>
-          <a:effectRef idx="0">
-            <a:schemeClr val="accent1"/>
-          </a:effectRef>
-          <a:fontRef idx="minor">
-            <a:schemeClr val="lt1"/>
-          </a:fontRef>
-        </p:style>
-        <p:txBody>
-          <a:bodyPr rtlCol="0" anchor="ctr"/>
-          <a:lstStyle/>
-          <a:p>
-            <a:pPr algn="ctr"/>
-            <a:endParaRPr lang="en-US" dirty="0"/>
-          </a:p>
-        </p:txBody>
-      </p:sp>
-      <p:sp>
-        <p:nvSpPr>
-          <p:cNvPr id="45" name="Hexagon 44">
-            <a:extLst>
-              <a:ext uri="{FF2B5EF4-FFF2-40B4-BE49-F238E27FC236}">
-                <a16:creationId xmlns:a16="http://schemas.microsoft.com/office/drawing/2014/main" id="{9A8A1888-87FA-22AB-AA83-228AE43461B3}"/>
-              </a:ext>
-            </a:extLst>
-          </p:cNvPr>
-          <p:cNvSpPr>
-            <a:spLocks noChangeAspect="1"/>
-          </p:cNvSpPr>
-          <p:nvPr/>
-        </p:nvSpPr>
-        <p:spPr>
-          <a:xfrm>
-            <a:off x="3251263" y="492866"/>
-            <a:ext cx="1027723" cy="885969"/>
-          </a:xfrm>
-          <a:prstGeom prst="hexagon">
-            <a:avLst/>
-          </a:prstGeom>
-          <a:noFill/>
-          <a:ln w="38100">
-            <a:solidFill>
-              <a:srgbClr val="C00000"/>
-            </a:solidFill>
-          </a:ln>
-        </p:spPr>
-        <p:style>
-          <a:lnRef idx="2">
-            <a:schemeClr val="accent1">
-              <a:shade val="15000"/>
-            </a:schemeClr>
-          </a:lnRef>
-          <a:fillRef idx="1">
-            <a:schemeClr val="accent1"/>
-          </a:fillRef>
-          <a:effectRef idx="0">
-            <a:schemeClr val="accent1"/>
-          </a:effectRef>
-          <a:fontRef idx="minor">
-            <a:schemeClr val="lt1"/>
-          </a:fontRef>
-        </p:style>
-        <p:txBody>
-          <a:bodyPr rtlCol="0" anchor="ctr"/>
-          <a:lstStyle/>
-          <a:p>
-            <a:pPr algn="ctr"/>
-            <a:endParaRPr lang="en-US" dirty="0"/>
-          </a:p>
-        </p:txBody>
-      </p:sp>
-      <p:sp>
-        <p:nvSpPr>
-          <p:cNvPr id="46" name="Hexagon 45">
-            <a:extLst>
-              <a:ext uri="{FF2B5EF4-FFF2-40B4-BE49-F238E27FC236}">
-                <a16:creationId xmlns:a16="http://schemas.microsoft.com/office/drawing/2014/main" id="{E2ACDE21-E39F-4538-8433-BC27FF9DA4E4}"/>
-              </a:ext>
-            </a:extLst>
-          </p:cNvPr>
-          <p:cNvSpPr>
-            <a:spLocks noChangeAspect="1"/>
-          </p:cNvSpPr>
-          <p:nvPr/>
-        </p:nvSpPr>
-        <p:spPr>
-          <a:xfrm>
-            <a:off x="3245324" y="1387273"/>
-            <a:ext cx="1027723" cy="885969"/>
-          </a:xfrm>
-          <a:prstGeom prst="hexagon">
-            <a:avLst/>
-          </a:prstGeom>
-          <a:noFill/>
-          <a:ln w="38100">
-            <a:solidFill>
-              <a:srgbClr val="C00000"/>
-            </a:solidFill>
-          </a:ln>
-        </p:spPr>
-        <p:style>
-          <a:lnRef idx="2">
-            <a:schemeClr val="accent1">
-              <a:shade val="15000"/>
-            </a:schemeClr>
-          </a:lnRef>
-          <a:fillRef idx="1">
-            <a:schemeClr val="accent1"/>
-          </a:fillRef>
-          <a:effectRef idx="0">
-            <a:schemeClr val="accent1"/>
-          </a:effectRef>
-          <a:fontRef idx="minor">
-            <a:schemeClr val="lt1"/>
-          </a:fontRef>
-        </p:style>
-        <p:txBody>
-          <a:bodyPr rtlCol="0" anchor="ctr"/>
-          <a:lstStyle/>
-          <a:p>
-            <a:pPr algn="ctr"/>
-            <a:endParaRPr lang="en-US" dirty="0"/>
-          </a:p>
-        </p:txBody>
-      </p:sp>
-      <p:sp>
-        <p:nvSpPr>
-          <p:cNvPr id="47" name="Hexagon 46">
-            <a:extLst>
-              <a:ext uri="{FF2B5EF4-FFF2-40B4-BE49-F238E27FC236}">
-                <a16:creationId xmlns:a16="http://schemas.microsoft.com/office/drawing/2014/main" id="{8BEA754F-0B55-CBC6-D31E-BF0D898F8DDF}"/>
-              </a:ext>
-            </a:extLst>
-          </p:cNvPr>
-          <p:cNvSpPr>
-            <a:spLocks noChangeAspect="1"/>
-          </p:cNvSpPr>
-          <p:nvPr/>
-        </p:nvSpPr>
-        <p:spPr>
-          <a:xfrm>
-            <a:off x="4051170" y="943329"/>
-            <a:ext cx="1027723" cy="885969"/>
-          </a:xfrm>
-          <a:prstGeom prst="hexagon">
-            <a:avLst/>
-          </a:prstGeom>
-          <a:noFill/>
-          <a:ln w="38100">
-            <a:solidFill>
-              <a:srgbClr val="C00000"/>
-            </a:solidFill>
-          </a:ln>
-        </p:spPr>
-        <p:style>
-          <a:lnRef idx="2">
-            <a:schemeClr val="accent1">
-              <a:shade val="15000"/>
-            </a:schemeClr>
-          </a:lnRef>
-          <a:fillRef idx="1">
-            <a:schemeClr val="accent1"/>
-          </a:fillRef>
-          <a:effectRef idx="0">
-            <a:schemeClr val="accent1"/>
-          </a:effectRef>
-          <a:fontRef idx="minor">
-            <a:schemeClr val="lt1"/>
-          </a:fontRef>
-        </p:style>
-        <p:txBody>
-          <a:bodyPr rtlCol="0" anchor="ctr"/>
-          <a:lstStyle/>
-          <a:p>
-            <a:pPr algn="ctr"/>
-            <a:endParaRPr lang="en-US" dirty="0"/>
-          </a:p>
-        </p:txBody>
-      </p:sp>
-      <p:sp>
-        <p:nvSpPr>
-          <p:cNvPr id="48" name="Hexagon 47">
-            <a:extLst>
-              <a:ext uri="{FF2B5EF4-FFF2-40B4-BE49-F238E27FC236}">
-                <a16:creationId xmlns:a16="http://schemas.microsoft.com/office/drawing/2014/main" id="{E90474B3-1116-4B99-3E93-A9F0A332F3CD}"/>
-              </a:ext>
-            </a:extLst>
-          </p:cNvPr>
-          <p:cNvSpPr>
-            <a:spLocks noChangeAspect="1"/>
-          </p:cNvSpPr>
-          <p:nvPr/>
-        </p:nvSpPr>
-        <p:spPr>
-          <a:xfrm>
-            <a:off x="4051170" y="1832081"/>
-            <a:ext cx="1027723" cy="885969"/>
-          </a:xfrm>
-          <a:prstGeom prst="hexagon">
-            <a:avLst/>
-          </a:prstGeom>
-          <a:noFill/>
-          <a:ln w="38100">
-            <a:solidFill>
-              <a:srgbClr val="C00000"/>
-            </a:solidFill>
-          </a:ln>
-        </p:spPr>
-        <p:style>
-          <a:lnRef idx="2">
-            <a:schemeClr val="accent1">
-              <a:shade val="15000"/>
-            </a:schemeClr>
-          </a:lnRef>
-          <a:fillRef idx="1">
-            <a:schemeClr val="accent1"/>
-          </a:fillRef>
-          <a:effectRef idx="0">
-            <a:schemeClr val="accent1"/>
-          </a:effectRef>
-          <a:fontRef idx="minor">
-            <a:schemeClr val="lt1"/>
-          </a:fontRef>
-        </p:style>
-        <p:txBody>
-          <a:bodyPr rtlCol="0" anchor="ctr"/>
-          <a:lstStyle/>
-          <a:p>
-            <a:pPr algn="ctr"/>
-            <a:endParaRPr lang="en-US" dirty="0"/>
-          </a:p>
-        </p:txBody>
-      </p:sp>
-      <p:sp>
-        <p:nvSpPr>
-          <p:cNvPr id="49" name="Hexagon 48">
-            <a:extLst>
-              <a:ext uri="{FF2B5EF4-FFF2-40B4-BE49-F238E27FC236}">
-                <a16:creationId xmlns:a16="http://schemas.microsoft.com/office/drawing/2014/main" id="{298715B5-37C2-1F18-7A83-7819A17EFFCC}"/>
-              </a:ext>
-            </a:extLst>
-          </p:cNvPr>
-          <p:cNvSpPr>
-            <a:spLocks noChangeAspect="1"/>
-          </p:cNvSpPr>
-          <p:nvPr/>
-        </p:nvSpPr>
-        <p:spPr>
-          <a:xfrm>
-            <a:off x="4051170" y="2727138"/>
-            <a:ext cx="1027723" cy="885969"/>
-          </a:xfrm>
-          <a:prstGeom prst="hexagon">
-            <a:avLst/>
-          </a:prstGeom>
-          <a:noFill/>
-          <a:ln w="38100">
-            <a:solidFill>
-              <a:srgbClr val="C00000"/>
-            </a:solidFill>
-          </a:ln>
-        </p:spPr>
-        <p:style>
-          <a:lnRef idx="2">
-            <a:schemeClr val="accent1">
-              <a:shade val="15000"/>
-            </a:schemeClr>
-          </a:lnRef>
-          <a:fillRef idx="1">
-            <a:schemeClr val="accent1"/>
-          </a:fillRef>
-          <a:effectRef idx="0">
-            <a:schemeClr val="accent1"/>
-          </a:effectRef>
-          <a:fontRef idx="minor">
-            <a:schemeClr val="lt1"/>
-          </a:fontRef>
-        </p:style>
-        <p:txBody>
-          <a:bodyPr rtlCol="0" anchor="ctr"/>
-          <a:lstStyle/>
-          <a:p>
-            <a:pPr algn="ctr"/>
-            <a:endParaRPr lang="en-US" dirty="0"/>
-          </a:p>
-        </p:txBody>
-      </p:sp>
-      <p:sp>
-        <p:nvSpPr>
-          <p:cNvPr id="50" name="Hexagon 49">
-            <a:extLst>
-              <a:ext uri="{FF2B5EF4-FFF2-40B4-BE49-F238E27FC236}">
-                <a16:creationId xmlns:a16="http://schemas.microsoft.com/office/drawing/2014/main" id="{E2143180-654D-71A8-63A7-13CC60ACF53D}"/>
-              </a:ext>
-            </a:extLst>
-          </p:cNvPr>
-          <p:cNvSpPr>
-            <a:spLocks noChangeAspect="1"/>
-          </p:cNvSpPr>
-          <p:nvPr/>
-        </p:nvSpPr>
-        <p:spPr>
-          <a:xfrm>
-            <a:off x="3251937" y="2267588"/>
-            <a:ext cx="1027723" cy="885969"/>
-          </a:xfrm>
-          <a:prstGeom prst="hexagon">
-            <a:avLst/>
-          </a:prstGeom>
-          <a:noFill/>
-          <a:ln w="38100">
-            <a:solidFill>
-              <a:srgbClr val="C00000"/>
-            </a:solidFill>
-          </a:ln>
-        </p:spPr>
-        <p:style>
-          <a:lnRef idx="2">
-            <a:schemeClr val="accent1">
-              <a:shade val="15000"/>
-            </a:schemeClr>
-          </a:lnRef>
-          <a:fillRef idx="1">
-            <a:schemeClr val="accent1"/>
-          </a:fillRef>
-          <a:effectRef idx="0">
-            <a:schemeClr val="accent1"/>
-          </a:effectRef>
-          <a:fontRef idx="minor">
-            <a:schemeClr val="lt1"/>
-          </a:fontRef>
-        </p:style>
-        <p:txBody>
-          <a:bodyPr rtlCol="0" anchor="ctr"/>
-          <a:lstStyle/>
-          <a:p>
-            <a:pPr algn="ctr"/>
-            <a:endParaRPr lang="en-US" dirty="0"/>
-          </a:p>
-        </p:txBody>
-      </p:sp>
-      <p:sp>
-        <p:nvSpPr>
-          <p:cNvPr id="51" name="TextBox 50">
-            <a:extLst>
-              <a:ext uri="{FF2B5EF4-FFF2-40B4-BE49-F238E27FC236}">
-                <a16:creationId xmlns:a16="http://schemas.microsoft.com/office/drawing/2014/main" id="{D14CB1DA-0C62-F603-4223-3460BC919ACC}"/>
-              </a:ext>
-            </a:extLst>
-          </p:cNvPr>
-          <p:cNvSpPr txBox="1"/>
-          <p:nvPr/>
-        </p:nvSpPr>
-        <p:spPr>
-          <a:xfrm>
-            <a:off x="6227296" y="1127388"/>
-            <a:ext cx="3387632" cy="461665"/>
-          </a:xfrm>
-          <a:prstGeom prst="rect">
-            <a:avLst/>
-          </a:prstGeom>
-          <a:noFill/>
-        </p:spPr>
-        <p:txBody>
-          <a:bodyPr wrap="square" rtlCol="0">
-            <a:spAutoFit/>
-          </a:bodyPr>
-          <a:lstStyle/>
-          <a:p>
-            <a:pPr algn="ctr"/>
-            <a:r>
-              <a:rPr lang="en-US" sz="2400" b="1" dirty="0"/>
-              <a:t>Unpadded PBC (Full FFT)</a:t>
-            </a:r>
-          </a:p>
-        </p:txBody>
-      </p:sp>
+        </p:grpSpPr>
+        <p:pic>
+          <p:nvPicPr>
+            <p:cNvPr id="3116" name="Picture 2">
+              <a:extLst>
+                <a:ext uri="{FF2B5EF4-FFF2-40B4-BE49-F238E27FC236}">
+                  <a16:creationId xmlns:a16="http://schemas.microsoft.com/office/drawing/2014/main" id="{064AA5E4-EE51-6D63-DE38-2FAA12AAF5DD}"/>
+                </a:ext>
+              </a:extLst>
+            </p:cNvPr>
+            <p:cNvPicPr>
+              <a:picLocks noChangeAspect="1" noChangeArrowheads="1"/>
+            </p:cNvPicPr>
+            <p:nvPr/>
+          </p:nvPicPr>
+          <p:blipFill>
+            <a:blip r:embed="rId2">
+              <a:extLst>
+                <a:ext uri="{28A0092B-C50C-407E-A947-70E740481C1C}">
+                  <a14:useLocalDpi xmlns:a14="http://schemas.microsoft.com/office/drawing/2010/main" val="0"/>
+                </a:ext>
+              </a:extLst>
+            </a:blip>
+            <a:srcRect/>
+            <a:stretch>
+              <a:fillRect/>
+            </a:stretch>
+          </p:blipFill>
+          <p:spPr bwMode="auto">
+            <a:xfrm>
+              <a:off x="9627907" y="3129410"/>
+              <a:ext cx="2174842" cy="1718044"/>
+            </a:xfrm>
+            <a:prstGeom prst="rect">
+              <a:avLst/>
+            </a:prstGeom>
+            <a:noFill/>
+            <a:extLst>
+              <a:ext uri="{909E8E84-426E-40DD-AFC4-6F175D3DCCD1}">
+                <a14:hiddenFill xmlns:a14="http://schemas.microsoft.com/office/drawing/2010/main">
+                  <a:solidFill>
+                    <a:srgbClr val="FFFFFF"/>
+                  </a:solidFill>
+                </a14:hiddenFill>
+              </a:ext>
+            </a:extLst>
+          </p:spPr>
+        </p:pic>
+        <p:pic>
+          <p:nvPicPr>
+            <p:cNvPr id="3117" name="Picture 2">
+              <a:extLst>
+                <a:ext uri="{FF2B5EF4-FFF2-40B4-BE49-F238E27FC236}">
+                  <a16:creationId xmlns:a16="http://schemas.microsoft.com/office/drawing/2014/main" id="{4365D1CE-B116-B603-2D60-AA7B866E5BEF}"/>
+                </a:ext>
+              </a:extLst>
+            </p:cNvPr>
+            <p:cNvPicPr>
+              <a:picLocks noChangeAspect="1" noChangeArrowheads="1"/>
+            </p:cNvPicPr>
+            <p:nvPr/>
+          </p:nvPicPr>
+          <p:blipFill rotWithShape="1">
+            <a:blip r:embed="rId2">
+              <a:extLst>
+                <a:ext uri="{28A0092B-C50C-407E-A947-70E740481C1C}">
+                  <a14:useLocalDpi xmlns:a14="http://schemas.microsoft.com/office/drawing/2010/main" val="0"/>
+                </a:ext>
+              </a:extLst>
+            </a:blip>
+            <a:srcRect l="-1" t="44976" r="45882" b="10313"/>
+            <a:stretch/>
+          </p:blipFill>
+          <p:spPr bwMode="auto">
+            <a:xfrm flipV="1">
+              <a:off x="9629389" y="3197233"/>
+              <a:ext cx="1177005" cy="768148"/>
+            </a:xfrm>
+            <a:prstGeom prst="rect">
+              <a:avLst/>
+            </a:prstGeom>
+            <a:noFill/>
+            <a:extLst>
+              <a:ext uri="{909E8E84-426E-40DD-AFC4-6F175D3DCCD1}">
+                <a14:hiddenFill xmlns:a14="http://schemas.microsoft.com/office/drawing/2010/main">
+                  <a:solidFill>
+                    <a:srgbClr val="FFFFFF"/>
+                  </a:solidFill>
+                </a14:hiddenFill>
+              </a:ext>
+            </a:extLst>
+          </p:spPr>
+        </p:pic>
+      </p:grpSp>
     </p:spTree>
     <p:extLst>
       <p:ext uri="{BB962C8B-B14F-4D97-AF65-F5344CB8AC3E}">
@@ -9837,12 +8785,40 @@
           <a:chExt cx="0" cy="0"/>
         </a:xfrm>
       </p:grpSpPr>
+      <p:sp>
+        <p:nvSpPr>
+          <p:cNvPr id="2" name="Title 1">
+            <a:extLst>
+              <a:ext uri="{FF2B5EF4-FFF2-40B4-BE49-F238E27FC236}">
+                <a16:creationId xmlns:a16="http://schemas.microsoft.com/office/drawing/2014/main" id="{7E9C978C-CCAD-7918-309E-D2E0F8DABF7D}"/>
+              </a:ext>
+            </a:extLst>
+          </p:cNvPr>
+          <p:cNvSpPr>
+            <a:spLocks noGrp="1"/>
+          </p:cNvSpPr>
+          <p:nvPr>
+            <p:ph type="title"/>
+          </p:nvPr>
+        </p:nvSpPr>
+        <p:spPr/>
+        <p:txBody>
+          <a:bodyPr/>
+          <a:lstStyle/>
+          <a:p>
+            <a:r>
+              <a:rPr lang="en-US" dirty="0"/>
+              <a:t>Other conditions</a:t>
+            </a:r>
+          </a:p>
+        </p:txBody>
+      </p:sp>
       <p:pic>
         <p:nvPicPr>
-          <p:cNvPr id="6" name="Picture 2">
-            <a:extLst>
-              <a:ext uri="{FF2B5EF4-FFF2-40B4-BE49-F238E27FC236}">
-                <a16:creationId xmlns:a16="http://schemas.microsoft.com/office/drawing/2014/main" id="{30D731BA-5727-D619-DF88-E1F252D821AA}"/>
+          <p:cNvPr id="4098" name="Picture 2">
+            <a:extLst>
+              <a:ext uri="{FF2B5EF4-FFF2-40B4-BE49-F238E27FC236}">
+                <a16:creationId xmlns:a16="http://schemas.microsoft.com/office/drawing/2014/main" id="{31968811-D466-4155-9FCE-781F843E75F8}"/>
               </a:ext>
             </a:extLst>
           </p:cNvPr>
@@ -9866,143 +8842,8 @@
         </p:blipFill>
         <p:spPr bwMode="auto">
           <a:xfrm>
-            <a:off x="6269197" y="3074137"/>
-            <a:ext cx="3909568" cy="3417198"/>
-          </a:xfrm>
-          <a:prstGeom prst="rect">
-            <a:avLst/>
-          </a:prstGeom>
-          <a:noFill/>
-          <a:extLst>
-            <a:ext uri="{909E8E84-426E-40DD-AFC4-6F175D3DCCD1}">
-              <a14:hiddenFill xmlns:a14="http://schemas.microsoft.com/office/drawing/2010/main">
-                <a:solidFill>
-                  <a:srgbClr val="FFFFFF"/>
-                </a:solidFill>
-              </a14:hiddenFill>
-            </a:ext>
-          </a:extLst>
-        </p:spPr>
-      </p:pic>
-      <p:pic>
-        <p:nvPicPr>
-          <p:cNvPr id="2050" name="Picture 2">
-            <a:extLst>
-              <a:ext uri="{FF2B5EF4-FFF2-40B4-BE49-F238E27FC236}">
-                <a16:creationId xmlns:a16="http://schemas.microsoft.com/office/drawing/2014/main" id="{079F3332-4E45-C4BB-3501-CAAC0ABB4135}"/>
-              </a:ext>
-            </a:extLst>
-          </p:cNvPr>
-          <p:cNvPicPr>
-            <a:picLocks noChangeAspect="1" noChangeArrowheads="1"/>
-          </p:cNvPicPr>
-          <p:nvPr/>
-        </p:nvPicPr>
-        <p:blipFill rotWithShape="1">
-          <a:blip r:embed="rId2">
-            <a:extLst>
-              <a:ext uri="{28A0092B-C50C-407E-A947-70E740481C1C}">
-                <a14:useLocalDpi xmlns:a14="http://schemas.microsoft.com/office/drawing/2010/main" val="0"/>
-              </a:ext>
-            </a:extLst>
-          </a:blip>
-          <a:srcRect t="32963" r="42559"/>
-          <a:stretch/>
-        </p:blipFill>
-        <p:spPr bwMode="auto">
-          <a:xfrm>
-            <a:off x="801112" y="4192080"/>
-            <a:ext cx="2245691" cy="2290787"/>
-          </a:xfrm>
-          <a:prstGeom prst="rect">
-            <a:avLst/>
-          </a:prstGeom>
-          <a:noFill/>
-          <a:extLst>
-            <a:ext uri="{909E8E84-426E-40DD-AFC4-6F175D3DCCD1}">
-              <a14:hiddenFill xmlns:a14="http://schemas.microsoft.com/office/drawing/2010/main">
-                <a:solidFill>
-                  <a:srgbClr val="FFFFFF"/>
-                </a:solidFill>
-              </a14:hiddenFill>
-            </a:ext>
-          </a:extLst>
-        </p:spPr>
-      </p:pic>
-      <p:pic>
-        <p:nvPicPr>
-          <p:cNvPr id="4" name="Picture 2">
-            <a:extLst>
-              <a:ext uri="{FF2B5EF4-FFF2-40B4-BE49-F238E27FC236}">
-                <a16:creationId xmlns:a16="http://schemas.microsoft.com/office/drawing/2014/main" id="{51B5C12E-CFF2-9625-D00E-C7FE505E75F5}"/>
-              </a:ext>
-            </a:extLst>
-          </p:cNvPr>
-          <p:cNvPicPr>
-            <a:picLocks noChangeAspect="1" noChangeArrowheads="1"/>
-          </p:cNvPicPr>
-          <p:nvPr/>
-        </p:nvPicPr>
-        <p:blipFill rotWithShape="1">
-          <a:blip r:embed="rId2">
-            <a:extLst>
-              <a:ext uri="{28A0092B-C50C-407E-A947-70E740481C1C}">
-                <a14:useLocalDpi xmlns:a14="http://schemas.microsoft.com/office/drawing/2010/main" val="0"/>
-              </a:ext>
-            </a:extLst>
-          </a:blip>
-          <a:srcRect t="32963" r="42559"/>
-          <a:stretch/>
-        </p:blipFill>
-        <p:spPr bwMode="auto">
-          <a:xfrm flipV="1">
-            <a:off x="801112" y="1960563"/>
-            <a:ext cx="2245691" cy="2290786"/>
-          </a:xfrm>
-          <a:prstGeom prst="rect">
-            <a:avLst/>
-          </a:prstGeom>
-          <a:noFill/>
-          <a:extLst>
-            <a:ext uri="{909E8E84-426E-40DD-AFC4-6F175D3DCCD1}">
-              <a14:hiddenFill xmlns:a14="http://schemas.microsoft.com/office/drawing/2010/main">
-                <a:solidFill>
-                  <a:srgbClr val="FFFFFF"/>
-                </a:solidFill>
-              </a14:hiddenFill>
-            </a:ext>
-          </a:extLst>
-        </p:spPr>
-      </p:pic>
-      <p:pic>
-        <p:nvPicPr>
-          <p:cNvPr id="5" name="Picture 2">
-            <a:extLst>
-              <a:ext uri="{FF2B5EF4-FFF2-40B4-BE49-F238E27FC236}">
-                <a16:creationId xmlns:a16="http://schemas.microsoft.com/office/drawing/2014/main" id="{2BAE5739-5285-4195-80B0-8A60359FECF9}"/>
-              </a:ext>
-            </a:extLst>
-          </p:cNvPr>
-          <p:cNvPicPr>
-            <a:picLocks noChangeAspect="1" noChangeArrowheads="1"/>
-          </p:cNvPicPr>
-          <p:nvPr/>
-        </p:nvPicPr>
-        <p:blipFill rotWithShape="1">
-          <a:blip r:embed="rId2">
-            <a:extLst>
-              <a:ext uri="{28A0092B-C50C-407E-A947-70E740481C1C}">
-                <a14:useLocalDpi xmlns:a14="http://schemas.microsoft.com/office/drawing/2010/main" val="0"/>
-              </a:ext>
-            </a:extLst>
-          </a:blip>
-          <a:srcRect t="32963" r="42559"/>
-          <a:stretch/>
-        </p:blipFill>
-        <p:spPr bwMode="auto">
-          <a:xfrm flipH="1">
-            <a:off x="2987534" y="4200547"/>
-            <a:ext cx="2245691" cy="2290788"/>
+            <a:off x="971550" y="2657269"/>
+            <a:ext cx="5124450" cy="4048125"/>
           </a:xfrm>
           <a:prstGeom prst="rect">
             <a:avLst/>
@@ -10022,7 +8863,7 @@
     </p:spTree>
     <p:extLst>
       <p:ext uri="{BB962C8B-B14F-4D97-AF65-F5344CB8AC3E}">
-        <p14:creationId xmlns:p14="http://schemas.microsoft.com/office/powerpoint/2010/main" val="2048438381"/>
+        <p14:creationId xmlns:p14="http://schemas.microsoft.com/office/powerpoint/2010/main" val="1320488814"/>
       </p:ext>
     </p:extLst>
   </p:cSld>

--- a/graftdist.pptx
+++ b/graftdist.pptx
@@ -3502,2133 +3502,2087 @@
           <a:chExt cx="0" cy="0"/>
         </a:xfrm>
       </p:grpSpPr>
-      <p:grpSp>
-        <p:nvGrpSpPr>
-          <p:cNvPr id="1053" name="Group 1052">
-            <a:extLst>
-              <a:ext uri="{FF2B5EF4-FFF2-40B4-BE49-F238E27FC236}">
-                <a16:creationId xmlns:a16="http://schemas.microsoft.com/office/drawing/2014/main" id="{60E0B1BB-AB1F-570C-D9CA-CCF32592A19E}"/>
-              </a:ext>
-            </a:extLst>
-          </p:cNvPr>
-          <p:cNvGrpSpPr/>
-          <p:nvPr/>
-        </p:nvGrpSpPr>
-        <p:grpSpPr>
-          <a:xfrm>
-            <a:off x="1557059" y="123371"/>
-            <a:ext cx="7617690" cy="6734629"/>
-            <a:chOff x="1447729" y="0"/>
-            <a:chExt cx="7981642" cy="7056391"/>
-          </a:xfrm>
-        </p:grpSpPr>
-        <p:pic>
-          <p:nvPicPr>
-            <p:cNvPr id="1040" name="Picture 4">
-              <a:extLst>
-                <a:ext uri="{FF2B5EF4-FFF2-40B4-BE49-F238E27FC236}">
-                  <a16:creationId xmlns:a16="http://schemas.microsoft.com/office/drawing/2014/main" id="{931F1AEA-DAE7-B5EF-606A-D8528245A863}"/>
-                </a:ext>
-              </a:extLst>
-            </p:cNvPr>
-            <p:cNvPicPr>
-              <a:picLocks noChangeAspect="1" noChangeArrowheads="1"/>
-            </p:cNvPicPr>
-            <p:nvPr/>
-          </p:nvPicPr>
-          <p:blipFill>
-            <a:blip r:embed="rId2">
-              <a:extLst>
-                <a:ext uri="{28A0092B-C50C-407E-A947-70E740481C1C}">
-                  <a14:useLocalDpi xmlns:a14="http://schemas.microsoft.com/office/drawing/2010/main" val="0"/>
-                </a:ext>
-              </a:extLst>
-            </a:blip>
-            <a:srcRect/>
-            <a:stretch>
-              <a:fillRect/>
-            </a:stretch>
-          </p:blipFill>
-          <p:spPr bwMode="auto">
-            <a:xfrm>
-              <a:off x="1447729" y="129118"/>
-              <a:ext cx="4344576" cy="3945756"/>
-            </a:xfrm>
-            <a:prstGeom prst="rect">
-              <a:avLst/>
-            </a:prstGeom>
-            <a:noFill/>
-            <a:extLst>
-              <a:ext uri="{909E8E84-426E-40DD-AFC4-6F175D3DCCD1}">
-                <a14:hiddenFill xmlns:a14="http://schemas.microsoft.com/office/drawing/2010/main">
-                  <a:solidFill>
-                    <a:srgbClr val="FFFFFF"/>
-                  </a:solidFill>
-                </a14:hiddenFill>
-              </a:ext>
-            </a:extLst>
-          </p:spPr>
-        </p:pic>
-        <p:pic>
-          <p:nvPicPr>
-            <p:cNvPr id="1024" name="Picture 4">
-              <a:extLst>
-                <a:ext uri="{FF2B5EF4-FFF2-40B4-BE49-F238E27FC236}">
-                  <a16:creationId xmlns:a16="http://schemas.microsoft.com/office/drawing/2014/main" id="{D9E4ABFF-3178-BB84-0B2D-C18311A10054}"/>
-                </a:ext>
-              </a:extLst>
-            </p:cNvPr>
-            <p:cNvPicPr>
-              <a:picLocks noChangeAspect="1" noChangeArrowheads="1"/>
-            </p:cNvPicPr>
-            <p:nvPr/>
-          </p:nvPicPr>
-          <p:blipFill>
-            <a:blip r:embed="rId2">
-              <a:extLst>
-                <a:ext uri="{28A0092B-C50C-407E-A947-70E740481C1C}">
-                  <a14:useLocalDpi xmlns:a14="http://schemas.microsoft.com/office/drawing/2010/main" val="0"/>
-                </a:ext>
-              </a:extLst>
-            </a:blip>
-            <a:srcRect/>
-            <a:stretch>
-              <a:fillRect/>
-            </a:stretch>
-          </p:blipFill>
-          <p:spPr bwMode="auto">
-            <a:xfrm>
-              <a:off x="5084795" y="3110635"/>
-              <a:ext cx="4344576" cy="3945756"/>
-            </a:xfrm>
-            <a:prstGeom prst="rect">
-              <a:avLst/>
-            </a:prstGeom>
-            <a:noFill/>
-            <a:extLst>
-              <a:ext uri="{909E8E84-426E-40DD-AFC4-6F175D3DCCD1}">
-                <a14:hiddenFill xmlns:a14="http://schemas.microsoft.com/office/drawing/2010/main">
-                  <a:solidFill>
-                    <a:srgbClr val="FFFFFF"/>
-                  </a:solidFill>
-                </a14:hiddenFill>
-              </a:ext>
-            </a:extLst>
-          </p:spPr>
-        </p:pic>
-        <p:grpSp>
-          <p:nvGrpSpPr>
-            <p:cNvPr id="62" name="Group 61">
-              <a:extLst>
-                <a:ext uri="{FF2B5EF4-FFF2-40B4-BE49-F238E27FC236}">
-                  <a16:creationId xmlns:a16="http://schemas.microsoft.com/office/drawing/2014/main" id="{1345A58A-02AB-0634-01BB-44C04C530799}"/>
-                </a:ext>
-              </a:extLst>
-            </p:cNvPr>
-            <p:cNvGrpSpPr/>
-            <p:nvPr/>
-          </p:nvGrpSpPr>
-          <p:grpSpPr>
-            <a:xfrm>
-              <a:off x="1447729" y="2981517"/>
-              <a:ext cx="4344576" cy="4074874"/>
-              <a:chOff x="1824311" y="628019"/>
-              <a:chExt cx="5769185" cy="5411047"/>
-            </a:xfrm>
-          </p:grpSpPr>
-          <p:pic>
-            <p:nvPicPr>
-              <p:cNvPr id="1028" name="Picture 4">
-                <a:extLst>
-                  <a:ext uri="{FF2B5EF4-FFF2-40B4-BE49-F238E27FC236}">
-                    <a16:creationId xmlns:a16="http://schemas.microsoft.com/office/drawing/2014/main" id="{DE71300A-04A2-8525-877E-E6ED2D67D0CC}"/>
-                  </a:ext>
-                </a:extLst>
-              </p:cNvPr>
-              <p:cNvPicPr>
-                <a:picLocks noChangeAspect="1" noChangeArrowheads="1"/>
-              </p:cNvPicPr>
-              <p:nvPr/>
-            </p:nvPicPr>
-            <p:blipFill>
-              <a:blip r:embed="rId2">
-                <a:extLst>
-                  <a:ext uri="{28A0092B-C50C-407E-A947-70E740481C1C}">
-                    <a14:useLocalDpi xmlns:a14="http://schemas.microsoft.com/office/drawing/2010/main" val="0"/>
-                  </a:ext>
-                </a:extLst>
-              </a:blip>
-              <a:srcRect/>
-              <a:stretch>
-                <a:fillRect/>
-              </a:stretch>
-            </p:blipFill>
-            <p:spPr bwMode="auto">
-              <a:xfrm>
-                <a:off x="1824311" y="799475"/>
-                <a:ext cx="5769185" cy="5239591"/>
-              </a:xfrm>
-              <a:prstGeom prst="rect">
-                <a:avLst/>
-              </a:prstGeom>
-              <a:noFill/>
-              <a:extLst>
-                <a:ext uri="{909E8E84-426E-40DD-AFC4-6F175D3DCCD1}">
-                  <a14:hiddenFill xmlns:a14="http://schemas.microsoft.com/office/drawing/2010/main">
-                    <a:solidFill>
-                      <a:srgbClr val="FFFFFF"/>
-                    </a:solidFill>
-                  </a14:hiddenFill>
-                </a:ext>
-              </a:extLst>
-            </p:spPr>
-          </p:pic>
-          <p:sp>
-            <p:nvSpPr>
-              <p:cNvPr id="23" name="Hexagon 22">
-                <a:extLst>
-                  <a:ext uri="{FF2B5EF4-FFF2-40B4-BE49-F238E27FC236}">
-                    <a16:creationId xmlns:a16="http://schemas.microsoft.com/office/drawing/2014/main" id="{95F6E8AA-E51C-EF11-9603-A8A2058FEBC7}"/>
-                  </a:ext>
-                </a:extLst>
-              </p:cNvPr>
-              <p:cNvSpPr>
-                <a:spLocks noChangeAspect="1"/>
-              </p:cNvSpPr>
-              <p:nvPr/>
-            </p:nvSpPr>
-            <p:spPr>
-              <a:xfrm>
-                <a:off x="2405277" y="628019"/>
-                <a:ext cx="1531960" cy="1320656"/>
-              </a:xfrm>
-              <a:prstGeom prst="hexagon">
-                <a:avLst/>
-              </a:prstGeom>
-              <a:noFill/>
-              <a:ln w="38100">
+      <p:pic>
+        <p:nvPicPr>
+          <p:cNvPr id="2" name="Picture 8">
+            <a:extLst>
+              <a:ext uri="{FF2B5EF4-FFF2-40B4-BE49-F238E27FC236}">
+                <a16:creationId xmlns:a16="http://schemas.microsoft.com/office/drawing/2014/main" id="{0942303E-AC1F-10F0-8287-CEA51A87AFA1}"/>
+              </a:ext>
+            </a:extLst>
+          </p:cNvPr>
+          <p:cNvPicPr>
+            <a:picLocks noChangeAspect="1" noChangeArrowheads="1"/>
+          </p:cNvPicPr>
+          <p:nvPr/>
+        </p:nvPicPr>
+        <p:blipFill>
+          <a:blip r:embed="rId2">
+            <a:extLst>
+              <a:ext uri="{28A0092B-C50C-407E-A947-70E740481C1C}">
+                <a14:useLocalDpi xmlns:a14="http://schemas.microsoft.com/office/drawing/2010/main" val="0"/>
+              </a:ext>
+            </a:extLst>
+          </a:blip>
+          <a:srcRect/>
+          <a:stretch>
+            <a:fillRect/>
+          </a:stretch>
+        </p:blipFill>
+        <p:spPr bwMode="auto">
+          <a:xfrm>
+            <a:off x="5292743" y="3203809"/>
+            <a:ext cx="3992646" cy="3472219"/>
+          </a:xfrm>
+          <a:prstGeom prst="rect">
+            <a:avLst/>
+          </a:prstGeom>
+          <a:noFill/>
+          <a:extLst>
+            <a:ext uri="{909E8E84-426E-40DD-AFC4-6F175D3DCCD1}">
+              <a14:hiddenFill xmlns:a14="http://schemas.microsoft.com/office/drawing/2010/main">
                 <a:solidFill>
-                  <a:srgbClr val="C00000"/>
+                  <a:srgbClr val="FFFFFF"/>
                 </a:solidFill>
-              </a:ln>
-            </p:spPr>
-            <p:style>
-              <a:lnRef idx="2">
-                <a:schemeClr val="accent1">
-                  <a:shade val="15000"/>
-                </a:schemeClr>
-              </a:lnRef>
-              <a:fillRef idx="1">
-                <a:schemeClr val="accent1"/>
-              </a:fillRef>
-              <a:effectRef idx="0">
-                <a:schemeClr val="accent1"/>
-              </a:effectRef>
-              <a:fontRef idx="minor">
-                <a:schemeClr val="lt1"/>
-              </a:fontRef>
-            </p:style>
-            <p:txBody>
-              <a:bodyPr rtlCol="0" anchor="ctr"/>
-              <a:lstStyle/>
-              <a:p>
-                <a:pPr algn="ctr"/>
-                <a:endParaRPr lang="en-US" dirty="0"/>
-              </a:p>
-            </p:txBody>
-          </p:sp>
-          <p:sp>
-            <p:nvSpPr>
-              <p:cNvPr id="24" name="Hexagon 23">
-                <a:extLst>
-                  <a:ext uri="{FF2B5EF4-FFF2-40B4-BE49-F238E27FC236}">
-                    <a16:creationId xmlns:a16="http://schemas.microsoft.com/office/drawing/2014/main" id="{E2137AB5-84C0-9474-6105-2C763501D3BA}"/>
-                  </a:ext>
-                </a:extLst>
-              </p:cNvPr>
-              <p:cNvSpPr>
-                <a:spLocks noChangeAspect="1"/>
-              </p:cNvSpPr>
-              <p:nvPr/>
-            </p:nvSpPr>
-            <p:spPr>
-              <a:xfrm>
-                <a:off x="2395338" y="1952825"/>
-                <a:ext cx="1531960" cy="1320656"/>
-              </a:xfrm>
-              <a:prstGeom prst="hexagon">
-                <a:avLst/>
-              </a:prstGeom>
-              <a:noFill/>
-              <a:ln w="38100">
+              </a14:hiddenFill>
+            </a:ext>
+          </a:extLst>
+        </p:spPr>
+      </p:pic>
+      <p:pic>
+        <p:nvPicPr>
+          <p:cNvPr id="3" name="Picture 8">
+            <a:extLst>
+              <a:ext uri="{FF2B5EF4-FFF2-40B4-BE49-F238E27FC236}">
+                <a16:creationId xmlns:a16="http://schemas.microsoft.com/office/drawing/2014/main" id="{3D1364F1-8E30-980B-97F9-DAB3A4D50979}"/>
+              </a:ext>
+            </a:extLst>
+          </p:cNvPr>
+          <p:cNvPicPr>
+            <a:picLocks noChangeAspect="1" noChangeArrowheads="1"/>
+          </p:cNvPicPr>
+          <p:nvPr/>
+        </p:nvPicPr>
+        <p:blipFill rotWithShape="1">
+          <a:blip r:embed="rId2">
+            <a:extLst>
+              <a:ext uri="{28A0092B-C50C-407E-A947-70E740481C1C}">
+                <a14:useLocalDpi xmlns:a14="http://schemas.microsoft.com/office/drawing/2010/main" val="0"/>
+              </a:ext>
+            </a:extLst>
+          </a:blip>
+          <a:srcRect r="1712"/>
+          <a:stretch/>
+        </p:blipFill>
+        <p:spPr bwMode="auto">
+          <a:xfrm>
+            <a:off x="1822262" y="256141"/>
+            <a:ext cx="3924300" cy="3472219"/>
+          </a:xfrm>
+          <a:prstGeom prst="rect">
+            <a:avLst/>
+          </a:prstGeom>
+          <a:noFill/>
+          <a:extLst>
+            <a:ext uri="{909E8E84-426E-40DD-AFC4-6F175D3DCCD1}">
+              <a14:hiddenFill xmlns:a14="http://schemas.microsoft.com/office/drawing/2010/main">
                 <a:solidFill>
-                  <a:srgbClr val="C00000"/>
+                  <a:srgbClr val="FFFFFF"/>
                 </a:solidFill>
-              </a:ln>
-            </p:spPr>
-            <p:style>
-              <a:lnRef idx="2">
-                <a:schemeClr val="accent1">
-                  <a:shade val="15000"/>
-                </a:schemeClr>
-              </a:lnRef>
-              <a:fillRef idx="1">
-                <a:schemeClr val="accent1"/>
-              </a:fillRef>
-              <a:effectRef idx="0">
-                <a:schemeClr val="accent1"/>
-              </a:effectRef>
-              <a:fontRef idx="minor">
-                <a:schemeClr val="lt1"/>
-              </a:fontRef>
-            </p:style>
-            <p:txBody>
-              <a:bodyPr rtlCol="0" anchor="ctr"/>
-              <a:lstStyle/>
-              <a:p>
-                <a:pPr algn="ctr"/>
-                <a:endParaRPr lang="en-US" dirty="0"/>
-              </a:p>
-            </p:txBody>
-          </p:sp>
-          <p:sp>
-            <p:nvSpPr>
-              <p:cNvPr id="25" name="Hexagon 24">
-                <a:extLst>
-                  <a:ext uri="{FF2B5EF4-FFF2-40B4-BE49-F238E27FC236}">
-                    <a16:creationId xmlns:a16="http://schemas.microsoft.com/office/drawing/2014/main" id="{F8C810D5-5537-7B6D-B440-1268350AA201}"/>
-                  </a:ext>
-                </a:extLst>
-              </p:cNvPr>
-              <p:cNvSpPr>
-                <a:spLocks noChangeAspect="1"/>
-              </p:cNvSpPr>
-              <p:nvPr/>
-            </p:nvSpPr>
-            <p:spPr>
-              <a:xfrm>
-                <a:off x="2395338" y="3267150"/>
-                <a:ext cx="1531960" cy="1320656"/>
-              </a:xfrm>
-              <a:prstGeom prst="hexagon">
-                <a:avLst/>
-              </a:prstGeom>
-              <a:noFill/>
-              <a:ln w="38100">
+              </a14:hiddenFill>
+            </a:ext>
+          </a:extLst>
+        </p:spPr>
+      </p:pic>
+      <p:pic>
+        <p:nvPicPr>
+          <p:cNvPr id="5128" name="Picture 8">
+            <a:extLst>
+              <a:ext uri="{FF2B5EF4-FFF2-40B4-BE49-F238E27FC236}">
+                <a16:creationId xmlns:a16="http://schemas.microsoft.com/office/drawing/2014/main" id="{ED191988-4743-BC45-910E-FD3AAF0325D3}"/>
+              </a:ext>
+            </a:extLst>
+          </p:cNvPr>
+          <p:cNvPicPr>
+            <a:picLocks noChangeAspect="1" noChangeArrowheads="1"/>
+          </p:cNvPicPr>
+          <p:nvPr/>
+        </p:nvPicPr>
+        <p:blipFill rotWithShape="1">
+          <a:blip r:embed="rId2">
+            <a:extLst>
+              <a:ext uri="{28A0092B-C50C-407E-A947-70E740481C1C}">
+                <a14:useLocalDpi xmlns:a14="http://schemas.microsoft.com/office/drawing/2010/main" val="0"/>
+              </a:ext>
+            </a:extLst>
+          </a:blip>
+          <a:srcRect t="2462" r="1712"/>
+          <a:stretch/>
+        </p:blipFill>
+        <p:spPr bwMode="auto">
+          <a:xfrm>
+            <a:off x="1819275" y="3289300"/>
+            <a:ext cx="3924300" cy="3386729"/>
+          </a:xfrm>
+          <a:prstGeom prst="rect">
+            <a:avLst/>
+          </a:prstGeom>
+          <a:noFill/>
+          <a:extLst>
+            <a:ext uri="{909E8E84-426E-40DD-AFC4-6F175D3DCCD1}">
+              <a14:hiddenFill xmlns:a14="http://schemas.microsoft.com/office/drawing/2010/main">
                 <a:solidFill>
-                  <a:srgbClr val="C00000"/>
+                  <a:srgbClr val="FFFFFF"/>
                 </a:solidFill>
-              </a:ln>
-            </p:spPr>
-            <p:style>
-              <a:lnRef idx="2">
-                <a:schemeClr val="accent1">
-                  <a:shade val="15000"/>
-                </a:schemeClr>
-              </a:lnRef>
-              <a:fillRef idx="1">
-                <a:schemeClr val="accent1"/>
-              </a:fillRef>
-              <a:effectRef idx="0">
-                <a:schemeClr val="accent1"/>
-              </a:effectRef>
-              <a:fontRef idx="minor">
-                <a:schemeClr val="lt1"/>
-              </a:fontRef>
-            </p:style>
-            <p:txBody>
-              <a:bodyPr rtlCol="0" anchor="ctr"/>
-              <a:lstStyle/>
-              <a:p>
-                <a:pPr algn="ctr"/>
-                <a:endParaRPr lang="en-US" dirty="0"/>
-              </a:p>
-            </p:txBody>
-          </p:sp>
-          <p:sp>
-            <p:nvSpPr>
-              <p:cNvPr id="26" name="Hexagon 25">
-                <a:extLst>
-                  <a:ext uri="{FF2B5EF4-FFF2-40B4-BE49-F238E27FC236}">
-                    <a16:creationId xmlns:a16="http://schemas.microsoft.com/office/drawing/2014/main" id="{F77599D8-7767-A82D-07AA-3FB63B9BFD14}"/>
-                  </a:ext>
-                </a:extLst>
-              </p:cNvPr>
-              <p:cNvSpPr>
-                <a:spLocks noChangeAspect="1"/>
-              </p:cNvSpPr>
-              <p:nvPr/>
-            </p:nvSpPr>
-            <p:spPr>
-              <a:xfrm>
-                <a:off x="3601131" y="3930640"/>
-                <a:ext cx="1531960" cy="1320656"/>
-              </a:xfrm>
-              <a:prstGeom prst="hexagon">
-                <a:avLst/>
-              </a:prstGeom>
-              <a:noFill/>
-              <a:ln w="38100">
-                <a:solidFill>
-                  <a:srgbClr val="C00000"/>
-                </a:solidFill>
-              </a:ln>
-            </p:spPr>
-            <p:style>
-              <a:lnRef idx="2">
-                <a:schemeClr val="accent1">
-                  <a:shade val="15000"/>
-                </a:schemeClr>
-              </a:lnRef>
-              <a:fillRef idx="1">
-                <a:schemeClr val="accent1"/>
-              </a:fillRef>
-              <a:effectRef idx="0">
-                <a:schemeClr val="accent1"/>
-              </a:effectRef>
-              <a:fontRef idx="minor">
-                <a:schemeClr val="lt1"/>
-              </a:fontRef>
-            </p:style>
-            <p:txBody>
-              <a:bodyPr rtlCol="0" anchor="ctr"/>
-              <a:lstStyle/>
-              <a:p>
-                <a:pPr algn="ctr"/>
-                <a:endParaRPr lang="en-US" dirty="0"/>
-              </a:p>
-            </p:txBody>
-          </p:sp>
-          <p:sp>
-            <p:nvSpPr>
-              <p:cNvPr id="27" name="Hexagon 26">
-                <a:extLst>
-                  <a:ext uri="{FF2B5EF4-FFF2-40B4-BE49-F238E27FC236}">
-                    <a16:creationId xmlns:a16="http://schemas.microsoft.com/office/drawing/2014/main" id="{EDA58312-BC6C-10CE-D676-1A55FABD2974}"/>
-                  </a:ext>
-                </a:extLst>
-              </p:cNvPr>
-              <p:cNvSpPr>
-                <a:spLocks noChangeAspect="1"/>
-              </p:cNvSpPr>
-              <p:nvPr/>
-            </p:nvSpPr>
-            <p:spPr>
-              <a:xfrm>
-                <a:off x="3601131" y="2615229"/>
-                <a:ext cx="1531960" cy="1320656"/>
-              </a:xfrm>
-              <a:prstGeom prst="hexagon">
-                <a:avLst/>
-              </a:prstGeom>
-              <a:noFill/>
-              <a:ln w="38100">
-                <a:solidFill>
-                  <a:srgbClr val="C00000"/>
-                </a:solidFill>
-              </a:ln>
-            </p:spPr>
-            <p:style>
-              <a:lnRef idx="2">
-                <a:schemeClr val="accent1">
-                  <a:shade val="15000"/>
-                </a:schemeClr>
-              </a:lnRef>
-              <a:fillRef idx="1">
-                <a:schemeClr val="accent1"/>
-              </a:fillRef>
-              <a:effectRef idx="0">
-                <a:schemeClr val="accent1"/>
-              </a:effectRef>
-              <a:fontRef idx="minor">
-                <a:schemeClr val="lt1"/>
-              </a:fontRef>
-            </p:style>
-            <p:txBody>
-              <a:bodyPr rtlCol="0" anchor="ctr"/>
-              <a:lstStyle/>
-              <a:p>
-                <a:pPr algn="ctr"/>
-                <a:endParaRPr lang="en-US" dirty="0"/>
-              </a:p>
-            </p:txBody>
-          </p:sp>
-          <p:sp>
-            <p:nvSpPr>
-              <p:cNvPr id="28" name="Hexagon 27">
-                <a:extLst>
-                  <a:ext uri="{FF2B5EF4-FFF2-40B4-BE49-F238E27FC236}">
-                    <a16:creationId xmlns:a16="http://schemas.microsoft.com/office/drawing/2014/main" id="{500312F3-E150-1BF6-8E03-C5E66745B1B5}"/>
-                  </a:ext>
-                </a:extLst>
-              </p:cNvPr>
-              <p:cNvSpPr>
-                <a:spLocks noChangeAspect="1"/>
-              </p:cNvSpPr>
-              <p:nvPr/>
-            </p:nvSpPr>
-            <p:spPr>
-              <a:xfrm>
-                <a:off x="3601131" y="1299818"/>
-                <a:ext cx="1531960" cy="1320656"/>
-              </a:xfrm>
-              <a:prstGeom prst="hexagon">
-                <a:avLst/>
-              </a:prstGeom>
-              <a:noFill/>
-              <a:ln w="38100">
-                <a:solidFill>
-                  <a:srgbClr val="C00000"/>
-                </a:solidFill>
-              </a:ln>
-            </p:spPr>
-            <p:style>
-              <a:lnRef idx="2">
-                <a:schemeClr val="accent1">
-                  <a:shade val="15000"/>
-                </a:schemeClr>
-              </a:lnRef>
-              <a:fillRef idx="1">
-                <a:schemeClr val="accent1"/>
-              </a:fillRef>
-              <a:effectRef idx="0">
-                <a:schemeClr val="accent1"/>
-              </a:effectRef>
-              <a:fontRef idx="minor">
-                <a:schemeClr val="lt1"/>
-              </a:fontRef>
-            </p:style>
-            <p:txBody>
-              <a:bodyPr rtlCol="0" anchor="ctr"/>
-              <a:lstStyle/>
-              <a:p>
-                <a:pPr algn="ctr"/>
-                <a:endParaRPr lang="en-US" dirty="0"/>
-              </a:p>
-            </p:txBody>
-          </p:sp>
-          <p:sp>
-            <p:nvSpPr>
-              <p:cNvPr id="29" name="Hexagon 28">
-                <a:extLst>
-                  <a:ext uri="{FF2B5EF4-FFF2-40B4-BE49-F238E27FC236}">
-                    <a16:creationId xmlns:a16="http://schemas.microsoft.com/office/drawing/2014/main" id="{15731913-8430-CCBF-E728-912DD1051C0A}"/>
-                  </a:ext>
-                </a:extLst>
-              </p:cNvPr>
-              <p:cNvSpPr>
-                <a:spLocks noChangeAspect="1"/>
-              </p:cNvSpPr>
-              <p:nvPr/>
-            </p:nvSpPr>
-            <p:spPr>
-              <a:xfrm>
-                <a:off x="4796986" y="638202"/>
-                <a:ext cx="1531960" cy="1320656"/>
-              </a:xfrm>
-              <a:prstGeom prst="hexagon">
-                <a:avLst/>
-              </a:prstGeom>
-              <a:noFill/>
-              <a:ln w="38100">
-                <a:solidFill>
-                  <a:srgbClr val="C00000"/>
-                </a:solidFill>
-              </a:ln>
-            </p:spPr>
-            <p:style>
-              <a:lnRef idx="2">
-                <a:schemeClr val="accent1">
-                  <a:shade val="15000"/>
-                </a:schemeClr>
-              </a:lnRef>
-              <a:fillRef idx="1">
-                <a:schemeClr val="accent1"/>
-              </a:fillRef>
-              <a:effectRef idx="0">
-                <a:schemeClr val="accent1"/>
-              </a:effectRef>
-              <a:fontRef idx="minor">
-                <a:schemeClr val="lt1"/>
-              </a:fontRef>
-            </p:style>
-            <p:txBody>
-              <a:bodyPr rtlCol="0" anchor="ctr"/>
-              <a:lstStyle/>
-              <a:p>
-                <a:pPr algn="ctr"/>
-                <a:endParaRPr lang="en-US" dirty="0"/>
-              </a:p>
-            </p:txBody>
-          </p:sp>
-          <p:sp>
-            <p:nvSpPr>
-              <p:cNvPr id="30" name="Hexagon 29">
-                <a:extLst>
-                  <a:ext uri="{FF2B5EF4-FFF2-40B4-BE49-F238E27FC236}">
-                    <a16:creationId xmlns:a16="http://schemas.microsoft.com/office/drawing/2014/main" id="{FE4743FE-6712-EBB0-A5C5-B2274FF5C4DC}"/>
-                  </a:ext>
-                </a:extLst>
-              </p:cNvPr>
-              <p:cNvSpPr>
-                <a:spLocks noChangeAspect="1"/>
-              </p:cNvSpPr>
-              <p:nvPr/>
-            </p:nvSpPr>
-            <p:spPr>
-              <a:xfrm>
-                <a:off x="4788133" y="1971435"/>
-                <a:ext cx="1531960" cy="1320656"/>
-              </a:xfrm>
-              <a:prstGeom prst="hexagon">
-                <a:avLst/>
-              </a:prstGeom>
-              <a:noFill/>
-              <a:ln w="38100">
-                <a:solidFill>
-                  <a:srgbClr val="C00000"/>
-                </a:solidFill>
-              </a:ln>
-            </p:spPr>
-            <p:style>
-              <a:lnRef idx="2">
-                <a:schemeClr val="accent1">
-                  <a:shade val="15000"/>
-                </a:schemeClr>
-              </a:lnRef>
-              <a:fillRef idx="1">
-                <a:schemeClr val="accent1"/>
-              </a:fillRef>
-              <a:effectRef idx="0">
-                <a:schemeClr val="accent1"/>
-              </a:effectRef>
-              <a:fontRef idx="minor">
-                <a:schemeClr val="lt1"/>
-              </a:fontRef>
-            </p:style>
-            <p:txBody>
-              <a:bodyPr rtlCol="0" anchor="ctr"/>
-              <a:lstStyle/>
-              <a:p>
-                <a:pPr algn="ctr"/>
-                <a:endParaRPr lang="en-US" dirty="0"/>
-              </a:p>
-            </p:txBody>
-          </p:sp>
-          <p:sp>
-            <p:nvSpPr>
-              <p:cNvPr id="40" name="Hexagon 39">
-                <a:extLst>
-                  <a:ext uri="{FF2B5EF4-FFF2-40B4-BE49-F238E27FC236}">
-                    <a16:creationId xmlns:a16="http://schemas.microsoft.com/office/drawing/2014/main" id="{F03E2C1C-BF9A-D1A4-AB96-44B915D89168}"/>
-                  </a:ext>
-                </a:extLst>
-              </p:cNvPr>
-              <p:cNvSpPr>
-                <a:spLocks noChangeAspect="1"/>
-              </p:cNvSpPr>
-              <p:nvPr/>
-            </p:nvSpPr>
-            <p:spPr>
-              <a:xfrm>
-                <a:off x="5989356" y="1309676"/>
-                <a:ext cx="1531960" cy="1320656"/>
-              </a:xfrm>
-              <a:prstGeom prst="hexagon">
-                <a:avLst/>
-              </a:prstGeom>
-              <a:noFill/>
-              <a:ln w="38100">
-                <a:solidFill>
-                  <a:srgbClr val="C00000"/>
-                </a:solidFill>
-              </a:ln>
-            </p:spPr>
-            <p:style>
-              <a:lnRef idx="2">
-                <a:schemeClr val="accent1">
-                  <a:shade val="15000"/>
-                </a:schemeClr>
-              </a:lnRef>
-              <a:fillRef idx="1">
-                <a:schemeClr val="accent1"/>
-              </a:fillRef>
-              <a:effectRef idx="0">
-                <a:schemeClr val="accent1"/>
-              </a:effectRef>
-              <a:fontRef idx="minor">
-                <a:schemeClr val="lt1"/>
-              </a:fontRef>
-            </p:style>
-            <p:txBody>
-              <a:bodyPr rtlCol="0" anchor="ctr"/>
-              <a:lstStyle/>
-              <a:p>
-                <a:pPr algn="ctr"/>
-                <a:endParaRPr lang="en-US" dirty="0"/>
-              </a:p>
-            </p:txBody>
-          </p:sp>
-          <p:sp>
-            <p:nvSpPr>
-              <p:cNvPr id="41" name="Hexagon 40">
-                <a:extLst>
-                  <a:ext uri="{FF2B5EF4-FFF2-40B4-BE49-F238E27FC236}">
-                    <a16:creationId xmlns:a16="http://schemas.microsoft.com/office/drawing/2014/main" id="{AA13D11E-D161-07F1-337A-0439DE47625A}"/>
-                  </a:ext>
-                </a:extLst>
-              </p:cNvPr>
-              <p:cNvSpPr>
-                <a:spLocks noChangeAspect="1"/>
-              </p:cNvSpPr>
-              <p:nvPr/>
-            </p:nvSpPr>
-            <p:spPr>
-              <a:xfrm>
-                <a:off x="5989356" y="2634482"/>
-                <a:ext cx="1531960" cy="1320656"/>
-              </a:xfrm>
-              <a:prstGeom prst="hexagon">
-                <a:avLst/>
-              </a:prstGeom>
-              <a:noFill/>
-              <a:ln w="38100">
-                <a:solidFill>
-                  <a:srgbClr val="C00000"/>
-                </a:solidFill>
-              </a:ln>
-            </p:spPr>
-            <p:style>
-              <a:lnRef idx="2">
-                <a:schemeClr val="accent1">
-                  <a:shade val="15000"/>
-                </a:schemeClr>
-              </a:lnRef>
-              <a:fillRef idx="1">
-                <a:schemeClr val="accent1"/>
-              </a:fillRef>
-              <a:effectRef idx="0">
-                <a:schemeClr val="accent1"/>
-              </a:effectRef>
-              <a:fontRef idx="minor">
-                <a:schemeClr val="lt1"/>
-              </a:fontRef>
-            </p:style>
-            <p:txBody>
-              <a:bodyPr rtlCol="0" anchor="ctr"/>
-              <a:lstStyle/>
-              <a:p>
-                <a:pPr algn="ctr"/>
-                <a:endParaRPr lang="en-US" dirty="0"/>
-              </a:p>
-            </p:txBody>
-          </p:sp>
-          <p:sp>
-            <p:nvSpPr>
-              <p:cNvPr id="42" name="Hexagon 41">
-                <a:extLst>
-                  <a:ext uri="{FF2B5EF4-FFF2-40B4-BE49-F238E27FC236}">
-                    <a16:creationId xmlns:a16="http://schemas.microsoft.com/office/drawing/2014/main" id="{37E2AD43-8C0F-AE4E-73F5-2ADF3F4328B5}"/>
-                  </a:ext>
-                </a:extLst>
-              </p:cNvPr>
-              <p:cNvSpPr>
-                <a:spLocks noChangeAspect="1"/>
-              </p:cNvSpPr>
-              <p:nvPr/>
-            </p:nvSpPr>
-            <p:spPr>
-              <a:xfrm>
-                <a:off x="5989356" y="3968685"/>
-                <a:ext cx="1531960" cy="1320656"/>
-              </a:xfrm>
-              <a:prstGeom prst="hexagon">
-                <a:avLst/>
-              </a:prstGeom>
-              <a:noFill/>
-              <a:ln w="38100">
-                <a:solidFill>
-                  <a:srgbClr val="C00000"/>
-                </a:solidFill>
-              </a:ln>
-            </p:spPr>
-            <p:style>
-              <a:lnRef idx="2">
-                <a:schemeClr val="accent1">
-                  <a:shade val="15000"/>
-                </a:schemeClr>
-              </a:lnRef>
-              <a:fillRef idx="1">
-                <a:schemeClr val="accent1"/>
-              </a:fillRef>
-              <a:effectRef idx="0">
-                <a:schemeClr val="accent1"/>
-              </a:effectRef>
-              <a:fontRef idx="minor">
-                <a:schemeClr val="lt1"/>
-              </a:fontRef>
-            </p:style>
-            <p:txBody>
-              <a:bodyPr rtlCol="0" anchor="ctr"/>
-              <a:lstStyle/>
-              <a:p>
-                <a:pPr algn="ctr"/>
-                <a:endParaRPr lang="en-US" dirty="0"/>
-              </a:p>
-            </p:txBody>
-          </p:sp>
-          <p:sp>
-            <p:nvSpPr>
-              <p:cNvPr id="49" name="Hexagon 48">
-                <a:extLst>
-                  <a:ext uri="{FF2B5EF4-FFF2-40B4-BE49-F238E27FC236}">
-                    <a16:creationId xmlns:a16="http://schemas.microsoft.com/office/drawing/2014/main" id="{6DED218D-3761-F049-ADDA-F96E065614EC}"/>
-                  </a:ext>
-                </a:extLst>
-              </p:cNvPr>
-              <p:cNvSpPr>
-                <a:spLocks noChangeAspect="1"/>
-              </p:cNvSpPr>
-              <p:nvPr/>
-            </p:nvSpPr>
-            <p:spPr>
-              <a:xfrm>
-                <a:off x="4797990" y="3283665"/>
-                <a:ext cx="1531960" cy="1320656"/>
-              </a:xfrm>
-              <a:prstGeom prst="hexagon">
-                <a:avLst/>
-              </a:prstGeom>
-              <a:noFill/>
-              <a:ln w="38100">
-                <a:solidFill>
-                  <a:srgbClr val="C00000"/>
-                </a:solidFill>
-              </a:ln>
-            </p:spPr>
-            <p:style>
-              <a:lnRef idx="2">
-                <a:schemeClr val="accent1">
-                  <a:shade val="15000"/>
-                </a:schemeClr>
-              </a:lnRef>
-              <a:fillRef idx="1">
-                <a:schemeClr val="accent1"/>
-              </a:fillRef>
-              <a:effectRef idx="0">
-                <a:schemeClr val="accent1"/>
-              </a:effectRef>
-              <a:fontRef idx="minor">
-                <a:schemeClr val="lt1"/>
-              </a:fontRef>
-            </p:style>
-            <p:txBody>
-              <a:bodyPr rtlCol="0" anchor="ctr"/>
-              <a:lstStyle/>
-              <a:p>
-                <a:pPr algn="ctr"/>
-                <a:endParaRPr lang="en-US" dirty="0"/>
-              </a:p>
-            </p:txBody>
-          </p:sp>
-        </p:grpSp>
-        <p:sp>
-          <p:nvSpPr>
-            <p:cNvPr id="1025" name="Hexagon 1024">
-              <a:extLst>
-                <a:ext uri="{FF2B5EF4-FFF2-40B4-BE49-F238E27FC236}">
-                  <a16:creationId xmlns:a16="http://schemas.microsoft.com/office/drawing/2014/main" id="{C7930FA0-BB84-E8BC-6F55-86DC44EB1517}"/>
-                </a:ext>
-              </a:extLst>
-            </p:cNvPr>
-            <p:cNvSpPr>
-              <a:spLocks noChangeAspect="1"/>
-            </p:cNvSpPr>
-            <p:nvPr/>
-          </p:nvSpPr>
-          <p:spPr>
-            <a:xfrm>
-              <a:off x="5502433" y="2981517"/>
-              <a:ext cx="1153667" cy="994541"/>
-            </a:xfrm>
-            <a:prstGeom prst="hexagon">
-              <a:avLst/>
-            </a:prstGeom>
-            <a:noFill/>
-            <a:ln w="38100">
-              <a:solidFill>
-                <a:srgbClr val="C00000"/>
-              </a:solidFill>
-            </a:ln>
-          </p:spPr>
-          <p:style>
-            <a:lnRef idx="2">
-              <a:schemeClr val="accent1">
-                <a:shade val="15000"/>
-              </a:schemeClr>
-            </a:lnRef>
-            <a:fillRef idx="1">
-              <a:schemeClr val="accent1"/>
-            </a:fillRef>
-            <a:effectRef idx="0">
-              <a:schemeClr val="accent1"/>
-            </a:effectRef>
-            <a:fontRef idx="minor">
-              <a:schemeClr val="lt1"/>
-            </a:fontRef>
-          </p:style>
-          <p:txBody>
-            <a:bodyPr rtlCol="0" anchor="ctr"/>
-            <a:lstStyle/>
-            <a:p>
-              <a:pPr algn="ctr"/>
-              <a:endParaRPr lang="en-US" dirty="0"/>
-            </a:p>
-          </p:txBody>
-        </p:sp>
-        <p:sp>
-          <p:nvSpPr>
-            <p:cNvPr id="1027" name="Hexagon 1026">
-              <a:extLst>
-                <a:ext uri="{FF2B5EF4-FFF2-40B4-BE49-F238E27FC236}">
-                  <a16:creationId xmlns:a16="http://schemas.microsoft.com/office/drawing/2014/main" id="{07BAD851-770C-F9A5-118E-93F5FFB185A8}"/>
-                </a:ext>
-              </a:extLst>
-            </p:cNvPr>
-            <p:cNvSpPr>
-              <a:spLocks noChangeAspect="1"/>
-            </p:cNvSpPr>
-            <p:nvPr/>
-          </p:nvSpPr>
-          <p:spPr>
-            <a:xfrm>
-              <a:off x="5494948" y="3979183"/>
-              <a:ext cx="1153667" cy="994541"/>
-            </a:xfrm>
-            <a:prstGeom prst="hexagon">
-              <a:avLst/>
-            </a:prstGeom>
-            <a:noFill/>
-            <a:ln w="38100">
-              <a:solidFill>
-                <a:srgbClr val="C00000"/>
-              </a:solidFill>
-            </a:ln>
-          </p:spPr>
-          <p:style>
-            <a:lnRef idx="2">
-              <a:schemeClr val="accent1">
-                <a:shade val="15000"/>
-              </a:schemeClr>
-            </a:lnRef>
-            <a:fillRef idx="1">
-              <a:schemeClr val="accent1"/>
-            </a:fillRef>
-            <a:effectRef idx="0">
-              <a:schemeClr val="accent1"/>
-            </a:effectRef>
-            <a:fontRef idx="minor">
-              <a:schemeClr val="lt1"/>
-            </a:fontRef>
-          </p:style>
-          <p:txBody>
-            <a:bodyPr rtlCol="0" anchor="ctr"/>
-            <a:lstStyle/>
-            <a:p>
-              <a:pPr algn="ctr"/>
-              <a:endParaRPr lang="en-US" dirty="0"/>
-            </a:p>
-          </p:txBody>
-        </p:sp>
-        <p:sp>
-          <p:nvSpPr>
-            <p:cNvPr id="1029" name="Hexagon 1028">
-              <a:extLst>
-                <a:ext uri="{FF2B5EF4-FFF2-40B4-BE49-F238E27FC236}">
-                  <a16:creationId xmlns:a16="http://schemas.microsoft.com/office/drawing/2014/main" id="{D632B0F6-85EB-24F7-7939-C500C21C0D9E}"/>
-                </a:ext>
-              </a:extLst>
-            </p:cNvPr>
-            <p:cNvSpPr>
-              <a:spLocks noChangeAspect="1"/>
-            </p:cNvSpPr>
-            <p:nvPr/>
-          </p:nvSpPr>
-          <p:spPr>
-            <a:xfrm>
-              <a:off x="5494948" y="4968956"/>
-              <a:ext cx="1153667" cy="994541"/>
-            </a:xfrm>
-            <a:prstGeom prst="hexagon">
-              <a:avLst/>
-            </a:prstGeom>
-            <a:noFill/>
-            <a:ln w="38100">
-              <a:solidFill>
-                <a:srgbClr val="C00000"/>
-              </a:solidFill>
-            </a:ln>
-          </p:spPr>
-          <p:style>
-            <a:lnRef idx="2">
-              <a:schemeClr val="accent1">
-                <a:shade val="15000"/>
-              </a:schemeClr>
-            </a:lnRef>
-            <a:fillRef idx="1">
-              <a:schemeClr val="accent1"/>
-            </a:fillRef>
-            <a:effectRef idx="0">
-              <a:schemeClr val="accent1"/>
-            </a:effectRef>
-            <a:fontRef idx="minor">
-              <a:schemeClr val="lt1"/>
-            </a:fontRef>
-          </p:style>
-          <p:txBody>
-            <a:bodyPr rtlCol="0" anchor="ctr"/>
-            <a:lstStyle/>
-            <a:p>
-              <a:pPr algn="ctr"/>
-              <a:endParaRPr lang="en-US" dirty="0"/>
-            </a:p>
-          </p:txBody>
-        </p:sp>
-        <p:sp>
-          <p:nvSpPr>
-            <p:cNvPr id="1030" name="Hexagon 1029">
-              <a:extLst>
-                <a:ext uri="{FF2B5EF4-FFF2-40B4-BE49-F238E27FC236}">
-                  <a16:creationId xmlns:a16="http://schemas.microsoft.com/office/drawing/2014/main" id="{94B24927-43D8-1C74-168D-351ED75387C9}"/>
-                </a:ext>
-              </a:extLst>
-            </p:cNvPr>
-            <p:cNvSpPr>
-              <a:spLocks noChangeAspect="1"/>
-            </p:cNvSpPr>
-            <p:nvPr/>
-          </p:nvSpPr>
-          <p:spPr>
-            <a:xfrm>
-              <a:off x="6402989" y="5468608"/>
-              <a:ext cx="1153667" cy="994541"/>
-            </a:xfrm>
-            <a:prstGeom prst="hexagon">
-              <a:avLst/>
-            </a:prstGeom>
-            <a:noFill/>
-            <a:ln w="38100">
-              <a:solidFill>
-                <a:srgbClr val="C00000"/>
-              </a:solidFill>
-            </a:ln>
-          </p:spPr>
-          <p:style>
-            <a:lnRef idx="2">
-              <a:schemeClr val="accent1">
-                <a:shade val="15000"/>
-              </a:schemeClr>
-            </a:lnRef>
-            <a:fillRef idx="1">
-              <a:schemeClr val="accent1"/>
-            </a:fillRef>
-            <a:effectRef idx="0">
-              <a:schemeClr val="accent1"/>
-            </a:effectRef>
-            <a:fontRef idx="minor">
-              <a:schemeClr val="lt1"/>
-            </a:fontRef>
-          </p:style>
-          <p:txBody>
-            <a:bodyPr rtlCol="0" anchor="ctr"/>
-            <a:lstStyle/>
-            <a:p>
-              <a:pPr algn="ctr"/>
-              <a:endParaRPr lang="en-US" dirty="0"/>
-            </a:p>
-          </p:txBody>
-        </p:sp>
-        <p:sp>
-          <p:nvSpPr>
-            <p:cNvPr id="1031" name="Hexagon 1030">
-              <a:extLst>
-                <a:ext uri="{FF2B5EF4-FFF2-40B4-BE49-F238E27FC236}">
-                  <a16:creationId xmlns:a16="http://schemas.microsoft.com/office/drawing/2014/main" id="{3DB7BA57-7A0A-69E4-2AF2-2C4D8F441114}"/>
-                </a:ext>
-              </a:extLst>
-            </p:cNvPr>
-            <p:cNvSpPr>
-              <a:spLocks noChangeAspect="1"/>
-            </p:cNvSpPr>
-            <p:nvPr/>
-          </p:nvSpPr>
-          <p:spPr>
-            <a:xfrm>
-              <a:off x="6402989" y="4478017"/>
-              <a:ext cx="1153667" cy="994541"/>
-            </a:xfrm>
-            <a:prstGeom prst="hexagon">
-              <a:avLst/>
-            </a:prstGeom>
-            <a:noFill/>
-            <a:ln w="38100">
-              <a:solidFill>
-                <a:srgbClr val="C00000"/>
-              </a:solidFill>
-            </a:ln>
-          </p:spPr>
-          <p:style>
-            <a:lnRef idx="2">
-              <a:schemeClr val="accent1">
-                <a:shade val="15000"/>
-              </a:schemeClr>
-            </a:lnRef>
-            <a:fillRef idx="1">
-              <a:schemeClr val="accent1"/>
-            </a:fillRef>
-            <a:effectRef idx="0">
-              <a:schemeClr val="accent1"/>
-            </a:effectRef>
-            <a:fontRef idx="minor">
-              <a:schemeClr val="lt1"/>
-            </a:fontRef>
-          </p:style>
-          <p:txBody>
-            <a:bodyPr rtlCol="0" anchor="ctr"/>
-            <a:lstStyle/>
-            <a:p>
-              <a:pPr algn="ctr"/>
-              <a:endParaRPr lang="en-US" dirty="0"/>
-            </a:p>
-          </p:txBody>
-        </p:sp>
-        <p:sp>
-          <p:nvSpPr>
-            <p:cNvPr id="1032" name="Hexagon 1031">
-              <a:extLst>
-                <a:ext uri="{FF2B5EF4-FFF2-40B4-BE49-F238E27FC236}">
-                  <a16:creationId xmlns:a16="http://schemas.microsoft.com/office/drawing/2014/main" id="{C03011F2-1859-3E52-FEC8-55F61BD5FFF3}"/>
-                </a:ext>
-              </a:extLst>
-            </p:cNvPr>
-            <p:cNvSpPr>
-              <a:spLocks noChangeAspect="1"/>
-            </p:cNvSpPr>
-            <p:nvPr/>
-          </p:nvSpPr>
-          <p:spPr>
-            <a:xfrm>
-              <a:off x="6402989" y="3487426"/>
-              <a:ext cx="1153667" cy="994541"/>
-            </a:xfrm>
-            <a:prstGeom prst="hexagon">
-              <a:avLst/>
-            </a:prstGeom>
-            <a:noFill/>
-            <a:ln w="38100">
-              <a:solidFill>
-                <a:srgbClr val="C00000"/>
-              </a:solidFill>
-            </a:ln>
-          </p:spPr>
-          <p:style>
-            <a:lnRef idx="2">
-              <a:schemeClr val="accent1">
-                <a:shade val="15000"/>
-              </a:schemeClr>
-            </a:lnRef>
-            <a:fillRef idx="1">
-              <a:schemeClr val="accent1"/>
-            </a:fillRef>
-            <a:effectRef idx="0">
-              <a:schemeClr val="accent1"/>
-            </a:effectRef>
-            <a:fontRef idx="minor">
-              <a:schemeClr val="lt1"/>
-            </a:fontRef>
-          </p:style>
-          <p:txBody>
-            <a:bodyPr rtlCol="0" anchor="ctr"/>
-            <a:lstStyle/>
-            <a:p>
-              <a:pPr algn="ctr"/>
-              <a:endParaRPr lang="en-US" dirty="0"/>
-            </a:p>
-          </p:txBody>
-        </p:sp>
-        <p:sp>
-          <p:nvSpPr>
-            <p:cNvPr id="1033" name="Hexagon 1032">
-              <a:extLst>
-                <a:ext uri="{FF2B5EF4-FFF2-40B4-BE49-F238E27FC236}">
-                  <a16:creationId xmlns:a16="http://schemas.microsoft.com/office/drawing/2014/main" id="{AE75FE7B-A81B-2956-56D7-45F8EB881D36}"/>
-                </a:ext>
-              </a:extLst>
-            </p:cNvPr>
-            <p:cNvSpPr>
-              <a:spLocks noChangeAspect="1"/>
-            </p:cNvSpPr>
-            <p:nvPr/>
-          </p:nvSpPr>
-          <p:spPr>
-            <a:xfrm>
-              <a:off x="7303547" y="2989185"/>
-              <a:ext cx="1153667" cy="994541"/>
-            </a:xfrm>
-            <a:prstGeom prst="hexagon">
-              <a:avLst/>
-            </a:prstGeom>
-            <a:noFill/>
-            <a:ln w="38100">
-              <a:solidFill>
-                <a:srgbClr val="C00000"/>
-              </a:solidFill>
-            </a:ln>
-          </p:spPr>
-          <p:style>
-            <a:lnRef idx="2">
-              <a:schemeClr val="accent1">
-                <a:shade val="15000"/>
-              </a:schemeClr>
-            </a:lnRef>
-            <a:fillRef idx="1">
-              <a:schemeClr val="accent1"/>
-            </a:fillRef>
-            <a:effectRef idx="0">
-              <a:schemeClr val="accent1"/>
-            </a:effectRef>
-            <a:fontRef idx="minor">
-              <a:schemeClr val="lt1"/>
-            </a:fontRef>
-          </p:style>
-          <p:txBody>
-            <a:bodyPr rtlCol="0" anchor="ctr"/>
-            <a:lstStyle/>
-            <a:p>
-              <a:pPr algn="ctr"/>
-              <a:endParaRPr lang="en-US" dirty="0"/>
-            </a:p>
-          </p:txBody>
-        </p:sp>
-        <p:sp>
-          <p:nvSpPr>
-            <p:cNvPr id="1034" name="Hexagon 1033">
-              <a:extLst>
-                <a:ext uri="{FF2B5EF4-FFF2-40B4-BE49-F238E27FC236}">
-                  <a16:creationId xmlns:a16="http://schemas.microsoft.com/office/drawing/2014/main" id="{54025567-2401-C213-CA49-AFB6FBE39109}"/>
-                </a:ext>
-              </a:extLst>
-            </p:cNvPr>
-            <p:cNvSpPr>
-              <a:spLocks noChangeAspect="1"/>
-            </p:cNvSpPr>
-            <p:nvPr/>
-          </p:nvSpPr>
-          <p:spPr>
-            <a:xfrm>
-              <a:off x="7296880" y="3993198"/>
-              <a:ext cx="1153667" cy="994541"/>
-            </a:xfrm>
-            <a:prstGeom prst="hexagon">
-              <a:avLst/>
-            </a:prstGeom>
-            <a:noFill/>
-            <a:ln w="38100">
-              <a:solidFill>
-                <a:srgbClr val="C00000"/>
-              </a:solidFill>
-            </a:ln>
-          </p:spPr>
-          <p:style>
-            <a:lnRef idx="2">
-              <a:schemeClr val="accent1">
-                <a:shade val="15000"/>
-              </a:schemeClr>
-            </a:lnRef>
-            <a:fillRef idx="1">
-              <a:schemeClr val="accent1"/>
-            </a:fillRef>
-            <a:effectRef idx="0">
-              <a:schemeClr val="accent1"/>
-            </a:effectRef>
-            <a:fontRef idx="minor">
-              <a:schemeClr val="lt1"/>
-            </a:fontRef>
-          </p:style>
-          <p:txBody>
-            <a:bodyPr rtlCol="0" anchor="ctr"/>
-            <a:lstStyle/>
-            <a:p>
-              <a:pPr algn="ctr"/>
-              <a:endParaRPr lang="en-US" dirty="0"/>
-            </a:p>
-          </p:txBody>
-        </p:sp>
-        <p:sp>
-          <p:nvSpPr>
-            <p:cNvPr id="1035" name="Hexagon 1034">
-              <a:extLst>
-                <a:ext uri="{FF2B5EF4-FFF2-40B4-BE49-F238E27FC236}">
-                  <a16:creationId xmlns:a16="http://schemas.microsoft.com/office/drawing/2014/main" id="{E0349C23-4111-3D32-480E-A5D8E9E50CE5}"/>
-                </a:ext>
-              </a:extLst>
-            </p:cNvPr>
-            <p:cNvSpPr>
-              <a:spLocks noChangeAspect="1"/>
-            </p:cNvSpPr>
-            <p:nvPr/>
-          </p:nvSpPr>
-          <p:spPr>
-            <a:xfrm>
-              <a:off x="8201480" y="3494850"/>
-              <a:ext cx="1153667" cy="994541"/>
-            </a:xfrm>
-            <a:prstGeom prst="hexagon">
-              <a:avLst/>
-            </a:prstGeom>
-            <a:noFill/>
-            <a:ln w="38100">
-              <a:solidFill>
-                <a:srgbClr val="C00000"/>
-              </a:solidFill>
-            </a:ln>
-          </p:spPr>
-          <p:style>
-            <a:lnRef idx="2">
-              <a:schemeClr val="accent1">
-                <a:shade val="15000"/>
-              </a:schemeClr>
-            </a:lnRef>
-            <a:fillRef idx="1">
-              <a:schemeClr val="accent1"/>
-            </a:fillRef>
-            <a:effectRef idx="0">
-              <a:schemeClr val="accent1"/>
-            </a:effectRef>
-            <a:fontRef idx="minor">
-              <a:schemeClr val="lt1"/>
-            </a:fontRef>
-          </p:style>
-          <p:txBody>
-            <a:bodyPr rtlCol="0" anchor="ctr"/>
-            <a:lstStyle/>
-            <a:p>
-              <a:pPr algn="ctr"/>
-              <a:endParaRPr lang="en-US" dirty="0"/>
-            </a:p>
-          </p:txBody>
-        </p:sp>
-        <p:sp>
-          <p:nvSpPr>
-            <p:cNvPr id="1036" name="Hexagon 1035">
-              <a:extLst>
-                <a:ext uri="{FF2B5EF4-FFF2-40B4-BE49-F238E27FC236}">
-                  <a16:creationId xmlns:a16="http://schemas.microsoft.com/office/drawing/2014/main" id="{F83ECF99-64C5-797E-B098-E76380388873}"/>
-                </a:ext>
-              </a:extLst>
-            </p:cNvPr>
-            <p:cNvSpPr>
-              <a:spLocks noChangeAspect="1"/>
-            </p:cNvSpPr>
-            <p:nvPr/>
-          </p:nvSpPr>
-          <p:spPr>
-            <a:xfrm>
-              <a:off x="8201480" y="4492516"/>
-              <a:ext cx="1153667" cy="994541"/>
-            </a:xfrm>
-            <a:prstGeom prst="hexagon">
-              <a:avLst/>
-            </a:prstGeom>
-            <a:noFill/>
-            <a:ln w="38100">
-              <a:solidFill>
-                <a:srgbClr val="C00000"/>
-              </a:solidFill>
-            </a:ln>
-          </p:spPr>
-          <p:style>
-            <a:lnRef idx="2">
-              <a:schemeClr val="accent1">
-                <a:shade val="15000"/>
-              </a:schemeClr>
-            </a:lnRef>
-            <a:fillRef idx="1">
-              <a:schemeClr val="accent1"/>
-            </a:fillRef>
-            <a:effectRef idx="0">
-              <a:schemeClr val="accent1"/>
-            </a:effectRef>
-            <a:fontRef idx="minor">
-              <a:schemeClr val="lt1"/>
-            </a:fontRef>
-          </p:style>
-          <p:txBody>
-            <a:bodyPr rtlCol="0" anchor="ctr"/>
-            <a:lstStyle/>
-            <a:p>
-              <a:pPr algn="ctr"/>
-              <a:endParaRPr lang="en-US" dirty="0"/>
-            </a:p>
-          </p:txBody>
-        </p:sp>
-        <p:sp>
-          <p:nvSpPr>
-            <p:cNvPr id="1037" name="Hexagon 1036">
-              <a:extLst>
-                <a:ext uri="{FF2B5EF4-FFF2-40B4-BE49-F238E27FC236}">
-                  <a16:creationId xmlns:a16="http://schemas.microsoft.com/office/drawing/2014/main" id="{3EFEC826-0843-1F99-73DF-98C2B066C33D}"/>
-                </a:ext>
-              </a:extLst>
-            </p:cNvPr>
-            <p:cNvSpPr>
-              <a:spLocks noChangeAspect="1"/>
-            </p:cNvSpPr>
-            <p:nvPr/>
-          </p:nvSpPr>
-          <p:spPr>
-            <a:xfrm>
-              <a:off x="8201480" y="5497258"/>
-              <a:ext cx="1153667" cy="994541"/>
-            </a:xfrm>
-            <a:prstGeom prst="hexagon">
-              <a:avLst/>
-            </a:prstGeom>
-            <a:noFill/>
-            <a:ln w="38100">
-              <a:solidFill>
-                <a:srgbClr val="C00000"/>
-              </a:solidFill>
-            </a:ln>
-          </p:spPr>
-          <p:style>
-            <a:lnRef idx="2">
-              <a:schemeClr val="accent1">
-                <a:shade val="15000"/>
-              </a:schemeClr>
-            </a:lnRef>
-            <a:fillRef idx="1">
-              <a:schemeClr val="accent1"/>
-            </a:fillRef>
-            <a:effectRef idx="0">
-              <a:schemeClr val="accent1"/>
-            </a:effectRef>
-            <a:fontRef idx="minor">
-              <a:schemeClr val="lt1"/>
-            </a:fontRef>
-          </p:style>
-          <p:txBody>
-            <a:bodyPr rtlCol="0" anchor="ctr"/>
-            <a:lstStyle/>
-            <a:p>
-              <a:pPr algn="ctr"/>
-              <a:endParaRPr lang="en-US" dirty="0"/>
-            </a:p>
-          </p:txBody>
-        </p:sp>
-        <p:sp>
-          <p:nvSpPr>
-            <p:cNvPr id="1038" name="Hexagon 1037">
-              <a:extLst>
-                <a:ext uri="{FF2B5EF4-FFF2-40B4-BE49-F238E27FC236}">
-                  <a16:creationId xmlns:a16="http://schemas.microsoft.com/office/drawing/2014/main" id="{0BCE8D4E-D1B7-EB16-800E-B94AFEB8750D}"/>
-                </a:ext>
-              </a:extLst>
-            </p:cNvPr>
-            <p:cNvSpPr>
-              <a:spLocks noChangeAspect="1"/>
-            </p:cNvSpPr>
-            <p:nvPr/>
-          </p:nvSpPr>
-          <p:spPr>
-            <a:xfrm>
-              <a:off x="7304303" y="4981393"/>
-              <a:ext cx="1153667" cy="994541"/>
-            </a:xfrm>
-            <a:prstGeom prst="hexagon">
-              <a:avLst/>
-            </a:prstGeom>
-            <a:noFill/>
-            <a:ln w="38100">
-              <a:solidFill>
-                <a:srgbClr val="C00000"/>
-              </a:solidFill>
-            </a:ln>
-          </p:spPr>
-          <p:style>
-            <a:lnRef idx="2">
-              <a:schemeClr val="accent1">
-                <a:shade val="15000"/>
-              </a:schemeClr>
-            </a:lnRef>
-            <a:fillRef idx="1">
-              <a:schemeClr val="accent1"/>
-            </a:fillRef>
-            <a:effectRef idx="0">
-              <a:schemeClr val="accent1"/>
-            </a:effectRef>
-            <a:fontRef idx="minor">
-              <a:schemeClr val="lt1"/>
-            </a:fontRef>
-          </p:style>
-          <p:txBody>
-            <a:bodyPr rtlCol="0" anchor="ctr"/>
-            <a:lstStyle/>
-            <a:p>
-              <a:pPr algn="ctr"/>
-              <a:endParaRPr lang="en-US" dirty="0"/>
-            </a:p>
-          </p:txBody>
-        </p:sp>
-        <p:sp>
-          <p:nvSpPr>
-            <p:cNvPr id="1041" name="Hexagon 1040">
-              <a:extLst>
-                <a:ext uri="{FF2B5EF4-FFF2-40B4-BE49-F238E27FC236}">
-                  <a16:creationId xmlns:a16="http://schemas.microsoft.com/office/drawing/2014/main" id="{233AE70B-20DB-13A2-B087-EABEF323EEE8}"/>
-                </a:ext>
-              </a:extLst>
-            </p:cNvPr>
-            <p:cNvSpPr>
-              <a:spLocks noChangeAspect="1"/>
-            </p:cNvSpPr>
-            <p:nvPr/>
-          </p:nvSpPr>
-          <p:spPr>
-            <a:xfrm>
-              <a:off x="1885235" y="0"/>
-              <a:ext cx="1153667" cy="994541"/>
-            </a:xfrm>
-            <a:prstGeom prst="hexagon">
-              <a:avLst/>
-            </a:prstGeom>
-            <a:noFill/>
-            <a:ln w="38100">
-              <a:solidFill>
-                <a:srgbClr val="C00000"/>
-              </a:solidFill>
-            </a:ln>
-          </p:spPr>
-          <p:style>
-            <a:lnRef idx="2">
-              <a:schemeClr val="accent1">
-                <a:shade val="15000"/>
-              </a:schemeClr>
-            </a:lnRef>
-            <a:fillRef idx="1">
-              <a:schemeClr val="accent1"/>
-            </a:fillRef>
-            <a:effectRef idx="0">
-              <a:schemeClr val="accent1"/>
-            </a:effectRef>
-            <a:fontRef idx="minor">
-              <a:schemeClr val="lt1"/>
-            </a:fontRef>
-          </p:style>
-          <p:txBody>
-            <a:bodyPr rtlCol="0" anchor="ctr"/>
-            <a:lstStyle/>
-            <a:p>
-              <a:pPr algn="ctr"/>
-              <a:endParaRPr lang="en-US" dirty="0"/>
-            </a:p>
-          </p:txBody>
-        </p:sp>
-        <p:sp>
-          <p:nvSpPr>
-            <p:cNvPr id="1042" name="Hexagon 1041">
-              <a:extLst>
-                <a:ext uri="{FF2B5EF4-FFF2-40B4-BE49-F238E27FC236}">
-                  <a16:creationId xmlns:a16="http://schemas.microsoft.com/office/drawing/2014/main" id="{3DE50CB0-C76B-A63E-8679-7E0A8959A0B9}"/>
-                </a:ext>
-              </a:extLst>
-            </p:cNvPr>
-            <p:cNvSpPr>
-              <a:spLocks noChangeAspect="1"/>
-            </p:cNvSpPr>
-            <p:nvPr/>
-          </p:nvSpPr>
-          <p:spPr>
-            <a:xfrm>
-              <a:off x="1877750" y="997666"/>
-              <a:ext cx="1153667" cy="994541"/>
-            </a:xfrm>
-            <a:prstGeom prst="hexagon">
-              <a:avLst/>
-            </a:prstGeom>
-            <a:noFill/>
-            <a:ln w="38100">
-              <a:solidFill>
-                <a:srgbClr val="C00000"/>
-              </a:solidFill>
-            </a:ln>
-          </p:spPr>
-          <p:style>
-            <a:lnRef idx="2">
-              <a:schemeClr val="accent1">
-                <a:shade val="15000"/>
-              </a:schemeClr>
-            </a:lnRef>
-            <a:fillRef idx="1">
-              <a:schemeClr val="accent1"/>
-            </a:fillRef>
-            <a:effectRef idx="0">
-              <a:schemeClr val="accent1"/>
-            </a:effectRef>
-            <a:fontRef idx="minor">
-              <a:schemeClr val="lt1"/>
-            </a:fontRef>
-          </p:style>
-          <p:txBody>
-            <a:bodyPr rtlCol="0" anchor="ctr"/>
-            <a:lstStyle/>
-            <a:p>
-              <a:pPr algn="ctr"/>
-              <a:endParaRPr lang="en-US" dirty="0"/>
-            </a:p>
-          </p:txBody>
-        </p:sp>
-        <p:sp>
-          <p:nvSpPr>
-            <p:cNvPr id="1043" name="Hexagon 1042">
-              <a:extLst>
-                <a:ext uri="{FF2B5EF4-FFF2-40B4-BE49-F238E27FC236}">
-                  <a16:creationId xmlns:a16="http://schemas.microsoft.com/office/drawing/2014/main" id="{29D05AB5-6B19-44C7-74B5-B5B33DBEB87D}"/>
-                </a:ext>
-              </a:extLst>
-            </p:cNvPr>
-            <p:cNvSpPr>
-              <a:spLocks noChangeAspect="1"/>
-            </p:cNvSpPr>
-            <p:nvPr/>
-          </p:nvSpPr>
-          <p:spPr>
-            <a:xfrm>
-              <a:off x="1877750" y="1987439"/>
-              <a:ext cx="1153667" cy="994541"/>
-            </a:xfrm>
-            <a:prstGeom prst="hexagon">
-              <a:avLst/>
-            </a:prstGeom>
-            <a:noFill/>
-            <a:ln w="38100">
-              <a:solidFill>
-                <a:srgbClr val="C00000"/>
-              </a:solidFill>
-            </a:ln>
-          </p:spPr>
-          <p:style>
-            <a:lnRef idx="2">
-              <a:schemeClr val="accent1">
-                <a:shade val="15000"/>
-              </a:schemeClr>
-            </a:lnRef>
-            <a:fillRef idx="1">
-              <a:schemeClr val="accent1"/>
-            </a:fillRef>
-            <a:effectRef idx="0">
-              <a:schemeClr val="accent1"/>
-            </a:effectRef>
-            <a:fontRef idx="minor">
-              <a:schemeClr val="lt1"/>
-            </a:fontRef>
-          </p:style>
-          <p:txBody>
-            <a:bodyPr rtlCol="0" anchor="ctr"/>
-            <a:lstStyle/>
-            <a:p>
-              <a:pPr algn="ctr"/>
-              <a:endParaRPr lang="en-US" dirty="0"/>
-            </a:p>
-          </p:txBody>
-        </p:sp>
-        <p:sp>
-          <p:nvSpPr>
-            <p:cNvPr id="1044" name="Hexagon 1043">
-              <a:extLst>
-                <a:ext uri="{FF2B5EF4-FFF2-40B4-BE49-F238E27FC236}">
-                  <a16:creationId xmlns:a16="http://schemas.microsoft.com/office/drawing/2014/main" id="{30A6E450-0182-357B-895E-052D58DB7A20}"/>
-                </a:ext>
-              </a:extLst>
-            </p:cNvPr>
-            <p:cNvSpPr>
-              <a:spLocks noChangeAspect="1"/>
-            </p:cNvSpPr>
-            <p:nvPr/>
-          </p:nvSpPr>
-          <p:spPr>
-            <a:xfrm>
-              <a:off x="2785791" y="2487091"/>
-              <a:ext cx="1153667" cy="994541"/>
-            </a:xfrm>
-            <a:prstGeom prst="hexagon">
-              <a:avLst/>
-            </a:prstGeom>
-            <a:noFill/>
-            <a:ln w="38100">
-              <a:solidFill>
-                <a:srgbClr val="C00000"/>
-              </a:solidFill>
-            </a:ln>
-          </p:spPr>
-          <p:style>
-            <a:lnRef idx="2">
-              <a:schemeClr val="accent1">
-                <a:shade val="15000"/>
-              </a:schemeClr>
-            </a:lnRef>
-            <a:fillRef idx="1">
-              <a:schemeClr val="accent1"/>
-            </a:fillRef>
-            <a:effectRef idx="0">
-              <a:schemeClr val="accent1"/>
-            </a:effectRef>
-            <a:fontRef idx="minor">
-              <a:schemeClr val="lt1"/>
-            </a:fontRef>
-          </p:style>
-          <p:txBody>
-            <a:bodyPr rtlCol="0" anchor="ctr"/>
-            <a:lstStyle/>
-            <a:p>
-              <a:pPr algn="ctr"/>
-              <a:endParaRPr lang="en-US" dirty="0"/>
-            </a:p>
-          </p:txBody>
-        </p:sp>
-        <p:sp>
-          <p:nvSpPr>
-            <p:cNvPr id="1045" name="Hexagon 1044">
-              <a:extLst>
-                <a:ext uri="{FF2B5EF4-FFF2-40B4-BE49-F238E27FC236}">
-                  <a16:creationId xmlns:a16="http://schemas.microsoft.com/office/drawing/2014/main" id="{E824D373-3145-98BD-613C-E22BE76D8876}"/>
-                </a:ext>
-              </a:extLst>
-            </p:cNvPr>
-            <p:cNvSpPr>
-              <a:spLocks noChangeAspect="1"/>
-            </p:cNvSpPr>
-            <p:nvPr/>
-          </p:nvSpPr>
-          <p:spPr>
-            <a:xfrm>
-              <a:off x="2785791" y="1496500"/>
-              <a:ext cx="1153667" cy="994541"/>
-            </a:xfrm>
-            <a:prstGeom prst="hexagon">
-              <a:avLst/>
-            </a:prstGeom>
-            <a:noFill/>
-            <a:ln w="38100">
-              <a:solidFill>
-                <a:srgbClr val="C00000"/>
-              </a:solidFill>
-            </a:ln>
-          </p:spPr>
-          <p:style>
-            <a:lnRef idx="2">
-              <a:schemeClr val="accent1">
-                <a:shade val="15000"/>
-              </a:schemeClr>
-            </a:lnRef>
-            <a:fillRef idx="1">
-              <a:schemeClr val="accent1"/>
-            </a:fillRef>
-            <a:effectRef idx="0">
-              <a:schemeClr val="accent1"/>
-            </a:effectRef>
-            <a:fontRef idx="minor">
-              <a:schemeClr val="lt1"/>
-            </a:fontRef>
-          </p:style>
-          <p:txBody>
-            <a:bodyPr rtlCol="0" anchor="ctr"/>
-            <a:lstStyle/>
-            <a:p>
-              <a:pPr algn="ctr"/>
-              <a:endParaRPr lang="en-US" dirty="0"/>
-            </a:p>
-          </p:txBody>
-        </p:sp>
-        <p:sp>
-          <p:nvSpPr>
-            <p:cNvPr id="1046" name="Hexagon 1045">
-              <a:extLst>
-                <a:ext uri="{FF2B5EF4-FFF2-40B4-BE49-F238E27FC236}">
-                  <a16:creationId xmlns:a16="http://schemas.microsoft.com/office/drawing/2014/main" id="{6767733A-16D2-4B6C-34BB-01A31C7E6626}"/>
-                </a:ext>
-              </a:extLst>
-            </p:cNvPr>
-            <p:cNvSpPr>
-              <a:spLocks noChangeAspect="1"/>
-            </p:cNvSpPr>
-            <p:nvPr/>
-          </p:nvSpPr>
-          <p:spPr>
-            <a:xfrm>
-              <a:off x="2785791" y="505909"/>
-              <a:ext cx="1153667" cy="994541"/>
-            </a:xfrm>
-            <a:prstGeom prst="hexagon">
-              <a:avLst/>
-            </a:prstGeom>
-            <a:noFill/>
-            <a:ln w="38100">
-              <a:solidFill>
-                <a:srgbClr val="C00000"/>
-              </a:solidFill>
-            </a:ln>
-          </p:spPr>
-          <p:style>
-            <a:lnRef idx="2">
-              <a:schemeClr val="accent1">
-                <a:shade val="15000"/>
-              </a:schemeClr>
-            </a:lnRef>
-            <a:fillRef idx="1">
-              <a:schemeClr val="accent1"/>
-            </a:fillRef>
-            <a:effectRef idx="0">
-              <a:schemeClr val="accent1"/>
-            </a:effectRef>
-            <a:fontRef idx="minor">
-              <a:schemeClr val="lt1"/>
-            </a:fontRef>
-          </p:style>
-          <p:txBody>
-            <a:bodyPr rtlCol="0" anchor="ctr"/>
-            <a:lstStyle/>
-            <a:p>
-              <a:pPr algn="ctr"/>
-              <a:endParaRPr lang="en-US" dirty="0"/>
-            </a:p>
-          </p:txBody>
-        </p:sp>
-        <p:sp>
-          <p:nvSpPr>
-            <p:cNvPr id="1047" name="Hexagon 1046">
-              <a:extLst>
-                <a:ext uri="{FF2B5EF4-FFF2-40B4-BE49-F238E27FC236}">
-                  <a16:creationId xmlns:a16="http://schemas.microsoft.com/office/drawing/2014/main" id="{CDACEC79-344B-B4E4-41E0-EBF8AF32F90C}"/>
-                </a:ext>
-              </a:extLst>
-            </p:cNvPr>
-            <p:cNvSpPr>
-              <a:spLocks noChangeAspect="1"/>
-            </p:cNvSpPr>
-            <p:nvPr/>
-          </p:nvSpPr>
-          <p:spPr>
-            <a:xfrm>
-              <a:off x="3686349" y="7668"/>
-              <a:ext cx="1153667" cy="994541"/>
-            </a:xfrm>
-            <a:prstGeom prst="hexagon">
-              <a:avLst/>
-            </a:prstGeom>
-            <a:noFill/>
-            <a:ln w="38100">
-              <a:solidFill>
-                <a:srgbClr val="C00000"/>
-              </a:solidFill>
-            </a:ln>
-          </p:spPr>
-          <p:style>
-            <a:lnRef idx="2">
-              <a:schemeClr val="accent1">
-                <a:shade val="15000"/>
-              </a:schemeClr>
-            </a:lnRef>
-            <a:fillRef idx="1">
-              <a:schemeClr val="accent1"/>
-            </a:fillRef>
-            <a:effectRef idx="0">
-              <a:schemeClr val="accent1"/>
-            </a:effectRef>
-            <a:fontRef idx="minor">
-              <a:schemeClr val="lt1"/>
-            </a:fontRef>
-          </p:style>
-          <p:txBody>
-            <a:bodyPr rtlCol="0" anchor="ctr"/>
-            <a:lstStyle/>
-            <a:p>
-              <a:pPr algn="ctr"/>
-              <a:endParaRPr lang="en-US" dirty="0"/>
-            </a:p>
-          </p:txBody>
-        </p:sp>
-        <p:sp>
-          <p:nvSpPr>
-            <p:cNvPr id="1048" name="Hexagon 1047">
-              <a:extLst>
-                <a:ext uri="{FF2B5EF4-FFF2-40B4-BE49-F238E27FC236}">
-                  <a16:creationId xmlns:a16="http://schemas.microsoft.com/office/drawing/2014/main" id="{1E35B54C-090A-1F13-14AA-318518BC9368}"/>
-                </a:ext>
-              </a:extLst>
-            </p:cNvPr>
-            <p:cNvSpPr>
-              <a:spLocks noChangeAspect="1"/>
-            </p:cNvSpPr>
-            <p:nvPr/>
-          </p:nvSpPr>
-          <p:spPr>
-            <a:xfrm>
-              <a:off x="3679682" y="1011681"/>
-              <a:ext cx="1153667" cy="994541"/>
-            </a:xfrm>
-            <a:prstGeom prst="hexagon">
-              <a:avLst/>
-            </a:prstGeom>
-            <a:noFill/>
-            <a:ln w="38100">
-              <a:solidFill>
-                <a:srgbClr val="C00000"/>
-              </a:solidFill>
-            </a:ln>
-          </p:spPr>
-          <p:style>
-            <a:lnRef idx="2">
-              <a:schemeClr val="accent1">
-                <a:shade val="15000"/>
-              </a:schemeClr>
-            </a:lnRef>
-            <a:fillRef idx="1">
-              <a:schemeClr val="accent1"/>
-            </a:fillRef>
-            <a:effectRef idx="0">
-              <a:schemeClr val="accent1"/>
-            </a:effectRef>
-            <a:fontRef idx="minor">
-              <a:schemeClr val="lt1"/>
-            </a:fontRef>
-          </p:style>
-          <p:txBody>
-            <a:bodyPr rtlCol="0" anchor="ctr"/>
-            <a:lstStyle/>
-            <a:p>
-              <a:pPr algn="ctr"/>
-              <a:endParaRPr lang="en-US" dirty="0"/>
-            </a:p>
-          </p:txBody>
-        </p:sp>
-        <p:sp>
-          <p:nvSpPr>
-            <p:cNvPr id="1049" name="Hexagon 1048">
-              <a:extLst>
-                <a:ext uri="{FF2B5EF4-FFF2-40B4-BE49-F238E27FC236}">
-                  <a16:creationId xmlns:a16="http://schemas.microsoft.com/office/drawing/2014/main" id="{BCBB82C8-E63A-EE61-6294-25E618FEB54B}"/>
-                </a:ext>
-              </a:extLst>
-            </p:cNvPr>
-            <p:cNvSpPr>
-              <a:spLocks noChangeAspect="1"/>
-            </p:cNvSpPr>
-            <p:nvPr/>
-          </p:nvSpPr>
-          <p:spPr>
-            <a:xfrm>
-              <a:off x="4584282" y="513333"/>
-              <a:ext cx="1153667" cy="994541"/>
-            </a:xfrm>
-            <a:prstGeom prst="hexagon">
-              <a:avLst/>
-            </a:prstGeom>
-            <a:noFill/>
-            <a:ln w="38100">
-              <a:solidFill>
-                <a:srgbClr val="C00000"/>
-              </a:solidFill>
-            </a:ln>
-          </p:spPr>
-          <p:style>
-            <a:lnRef idx="2">
-              <a:schemeClr val="accent1">
-                <a:shade val="15000"/>
-              </a:schemeClr>
-            </a:lnRef>
-            <a:fillRef idx="1">
-              <a:schemeClr val="accent1"/>
-            </a:fillRef>
-            <a:effectRef idx="0">
-              <a:schemeClr val="accent1"/>
-            </a:effectRef>
-            <a:fontRef idx="minor">
-              <a:schemeClr val="lt1"/>
-            </a:fontRef>
-          </p:style>
-          <p:txBody>
-            <a:bodyPr rtlCol="0" anchor="ctr"/>
-            <a:lstStyle/>
-            <a:p>
-              <a:pPr algn="ctr"/>
-              <a:endParaRPr lang="en-US" dirty="0"/>
-            </a:p>
-          </p:txBody>
-        </p:sp>
-        <p:sp>
-          <p:nvSpPr>
-            <p:cNvPr id="1050" name="Hexagon 1049">
-              <a:extLst>
-                <a:ext uri="{FF2B5EF4-FFF2-40B4-BE49-F238E27FC236}">
-                  <a16:creationId xmlns:a16="http://schemas.microsoft.com/office/drawing/2014/main" id="{70D2298F-7505-8383-97B8-EEAD8289CED8}"/>
-                </a:ext>
-              </a:extLst>
-            </p:cNvPr>
-            <p:cNvSpPr>
-              <a:spLocks noChangeAspect="1"/>
-            </p:cNvSpPr>
-            <p:nvPr/>
-          </p:nvSpPr>
-          <p:spPr>
-            <a:xfrm>
-              <a:off x="4584282" y="1510999"/>
-              <a:ext cx="1153667" cy="994541"/>
-            </a:xfrm>
-            <a:prstGeom prst="hexagon">
-              <a:avLst/>
-            </a:prstGeom>
-            <a:noFill/>
-            <a:ln w="38100">
-              <a:solidFill>
-                <a:srgbClr val="C00000"/>
-              </a:solidFill>
-            </a:ln>
-          </p:spPr>
-          <p:style>
-            <a:lnRef idx="2">
-              <a:schemeClr val="accent1">
-                <a:shade val="15000"/>
-              </a:schemeClr>
-            </a:lnRef>
-            <a:fillRef idx="1">
-              <a:schemeClr val="accent1"/>
-            </a:fillRef>
-            <a:effectRef idx="0">
-              <a:schemeClr val="accent1"/>
-            </a:effectRef>
-            <a:fontRef idx="minor">
-              <a:schemeClr val="lt1"/>
-            </a:fontRef>
-          </p:style>
-          <p:txBody>
-            <a:bodyPr rtlCol="0" anchor="ctr"/>
-            <a:lstStyle/>
-            <a:p>
-              <a:pPr algn="ctr"/>
-              <a:endParaRPr lang="en-US" dirty="0"/>
-            </a:p>
-          </p:txBody>
-        </p:sp>
-        <p:sp>
-          <p:nvSpPr>
-            <p:cNvPr id="1051" name="Hexagon 1050">
-              <a:extLst>
-                <a:ext uri="{FF2B5EF4-FFF2-40B4-BE49-F238E27FC236}">
-                  <a16:creationId xmlns:a16="http://schemas.microsoft.com/office/drawing/2014/main" id="{DC63DC33-6F51-897F-07D6-CC39F55F7C19}"/>
-                </a:ext>
-              </a:extLst>
-            </p:cNvPr>
-            <p:cNvSpPr>
-              <a:spLocks noChangeAspect="1"/>
-            </p:cNvSpPr>
-            <p:nvPr/>
-          </p:nvSpPr>
-          <p:spPr>
-            <a:xfrm>
-              <a:off x="4584282" y="2515741"/>
-              <a:ext cx="1153667" cy="994541"/>
-            </a:xfrm>
-            <a:prstGeom prst="hexagon">
-              <a:avLst/>
-            </a:prstGeom>
-            <a:noFill/>
-            <a:ln w="38100">
-              <a:solidFill>
-                <a:srgbClr val="C00000"/>
-              </a:solidFill>
-            </a:ln>
-          </p:spPr>
-          <p:style>
-            <a:lnRef idx="2">
-              <a:schemeClr val="accent1">
-                <a:shade val="15000"/>
-              </a:schemeClr>
-            </a:lnRef>
-            <a:fillRef idx="1">
-              <a:schemeClr val="accent1"/>
-            </a:fillRef>
-            <a:effectRef idx="0">
-              <a:schemeClr val="accent1"/>
-            </a:effectRef>
-            <a:fontRef idx="minor">
-              <a:schemeClr val="lt1"/>
-            </a:fontRef>
-          </p:style>
-          <p:txBody>
-            <a:bodyPr rtlCol="0" anchor="ctr"/>
-            <a:lstStyle/>
-            <a:p>
-              <a:pPr algn="ctr"/>
-              <a:endParaRPr lang="en-US" dirty="0"/>
-            </a:p>
-          </p:txBody>
-        </p:sp>
-        <p:sp>
-          <p:nvSpPr>
-            <p:cNvPr id="1052" name="Hexagon 1051">
-              <a:extLst>
-                <a:ext uri="{FF2B5EF4-FFF2-40B4-BE49-F238E27FC236}">
-                  <a16:creationId xmlns:a16="http://schemas.microsoft.com/office/drawing/2014/main" id="{A6BED701-B11E-C171-A218-15045EBA5BCB}"/>
-                </a:ext>
-              </a:extLst>
-            </p:cNvPr>
-            <p:cNvSpPr>
-              <a:spLocks noChangeAspect="1"/>
-            </p:cNvSpPr>
-            <p:nvPr/>
-          </p:nvSpPr>
-          <p:spPr>
-            <a:xfrm>
-              <a:off x="3687105" y="1999876"/>
-              <a:ext cx="1153667" cy="994541"/>
-            </a:xfrm>
-            <a:prstGeom prst="hexagon">
-              <a:avLst/>
-            </a:prstGeom>
-            <a:noFill/>
-            <a:ln w="38100">
-              <a:solidFill>
-                <a:srgbClr val="C00000"/>
-              </a:solidFill>
-            </a:ln>
-          </p:spPr>
-          <p:style>
-            <a:lnRef idx="2">
-              <a:schemeClr val="accent1">
-                <a:shade val="15000"/>
-              </a:schemeClr>
-            </a:lnRef>
-            <a:fillRef idx="1">
-              <a:schemeClr val="accent1"/>
-            </a:fillRef>
-            <a:effectRef idx="0">
-              <a:schemeClr val="accent1"/>
-            </a:effectRef>
-            <a:fontRef idx="minor">
-              <a:schemeClr val="lt1"/>
-            </a:fontRef>
-          </p:style>
-          <p:txBody>
-            <a:bodyPr rtlCol="0" anchor="ctr"/>
-            <a:lstStyle/>
-            <a:p>
-              <a:pPr algn="ctr"/>
-              <a:endParaRPr lang="en-US" dirty="0"/>
-            </a:p>
-          </p:txBody>
-        </p:sp>
-      </p:grpSp>
+              </a14:hiddenFill>
+            </a:ext>
+          </a:extLst>
+        </p:spPr>
+      </p:pic>
+      <p:sp>
+        <p:nvSpPr>
+          <p:cNvPr id="23" name="Hexagon 22">
+            <a:extLst>
+              <a:ext uri="{FF2B5EF4-FFF2-40B4-BE49-F238E27FC236}">
+                <a16:creationId xmlns:a16="http://schemas.microsoft.com/office/drawing/2014/main" id="{95F6E8AA-E51C-EF11-9603-A8A2058FEBC7}"/>
+              </a:ext>
+            </a:extLst>
+          </p:cNvPr>
+          <p:cNvSpPr>
+            <a:spLocks noChangeAspect="1"/>
+          </p:cNvSpPr>
+          <p:nvPr/>
+        </p:nvSpPr>
+        <p:spPr>
+          <a:xfrm>
+            <a:off x="1974615" y="2968935"/>
+            <a:ext cx="1101061" cy="949191"/>
+          </a:xfrm>
+          <a:prstGeom prst="hexagon">
+            <a:avLst/>
+          </a:prstGeom>
+          <a:noFill/>
+          <a:ln w="38100">
+            <a:solidFill>
+              <a:srgbClr val="C00000"/>
+            </a:solidFill>
+          </a:ln>
+        </p:spPr>
+        <p:style>
+          <a:lnRef idx="2">
+            <a:schemeClr val="accent1">
+              <a:shade val="15000"/>
+            </a:schemeClr>
+          </a:lnRef>
+          <a:fillRef idx="1">
+            <a:schemeClr val="accent1"/>
+          </a:fillRef>
+          <a:effectRef idx="0">
+            <a:schemeClr val="accent1"/>
+          </a:effectRef>
+          <a:fontRef idx="minor">
+            <a:schemeClr val="lt1"/>
+          </a:fontRef>
+        </p:style>
+        <p:txBody>
+          <a:bodyPr rtlCol="0" anchor="ctr"/>
+          <a:lstStyle/>
+          <a:p>
+            <a:pPr algn="ctr"/>
+            <a:endParaRPr lang="en-US" dirty="0"/>
+          </a:p>
+        </p:txBody>
+      </p:sp>
+      <p:sp>
+        <p:nvSpPr>
+          <p:cNvPr id="24" name="Hexagon 23">
+            <a:extLst>
+              <a:ext uri="{FF2B5EF4-FFF2-40B4-BE49-F238E27FC236}">
+                <a16:creationId xmlns:a16="http://schemas.microsoft.com/office/drawing/2014/main" id="{E2137AB5-84C0-9474-6105-2C763501D3BA}"/>
+              </a:ext>
+            </a:extLst>
+          </p:cNvPr>
+          <p:cNvSpPr>
+            <a:spLocks noChangeAspect="1"/>
+          </p:cNvSpPr>
+          <p:nvPr/>
+        </p:nvSpPr>
+        <p:spPr>
+          <a:xfrm>
+            <a:off x="1967472" y="3921109"/>
+            <a:ext cx="1101061" cy="949191"/>
+          </a:xfrm>
+          <a:prstGeom prst="hexagon">
+            <a:avLst/>
+          </a:prstGeom>
+          <a:noFill/>
+          <a:ln w="38100">
+            <a:solidFill>
+              <a:srgbClr val="C00000"/>
+            </a:solidFill>
+          </a:ln>
+        </p:spPr>
+        <p:style>
+          <a:lnRef idx="2">
+            <a:schemeClr val="accent1">
+              <a:shade val="15000"/>
+            </a:schemeClr>
+          </a:lnRef>
+          <a:fillRef idx="1">
+            <a:schemeClr val="accent1"/>
+          </a:fillRef>
+          <a:effectRef idx="0">
+            <a:schemeClr val="accent1"/>
+          </a:effectRef>
+          <a:fontRef idx="minor">
+            <a:schemeClr val="lt1"/>
+          </a:fontRef>
+        </p:style>
+        <p:txBody>
+          <a:bodyPr rtlCol="0" anchor="ctr"/>
+          <a:lstStyle/>
+          <a:p>
+            <a:pPr algn="ctr"/>
+            <a:endParaRPr lang="en-US" dirty="0"/>
+          </a:p>
+        </p:txBody>
+      </p:sp>
+      <p:sp>
+        <p:nvSpPr>
+          <p:cNvPr id="25" name="Hexagon 24">
+            <a:extLst>
+              <a:ext uri="{FF2B5EF4-FFF2-40B4-BE49-F238E27FC236}">
+                <a16:creationId xmlns:a16="http://schemas.microsoft.com/office/drawing/2014/main" id="{F8C810D5-5537-7B6D-B440-1268350AA201}"/>
+              </a:ext>
+            </a:extLst>
+          </p:cNvPr>
+          <p:cNvSpPr>
+            <a:spLocks noChangeAspect="1"/>
+          </p:cNvSpPr>
+          <p:nvPr/>
+        </p:nvSpPr>
+        <p:spPr>
+          <a:xfrm>
+            <a:off x="1967472" y="4865749"/>
+            <a:ext cx="1101061" cy="949191"/>
+          </a:xfrm>
+          <a:prstGeom prst="hexagon">
+            <a:avLst/>
+          </a:prstGeom>
+          <a:noFill/>
+          <a:ln w="38100">
+            <a:solidFill>
+              <a:srgbClr val="C00000"/>
+            </a:solidFill>
+          </a:ln>
+        </p:spPr>
+        <p:style>
+          <a:lnRef idx="2">
+            <a:schemeClr val="accent1">
+              <a:shade val="15000"/>
+            </a:schemeClr>
+          </a:lnRef>
+          <a:fillRef idx="1">
+            <a:schemeClr val="accent1"/>
+          </a:fillRef>
+          <a:effectRef idx="0">
+            <a:schemeClr val="accent1"/>
+          </a:effectRef>
+          <a:fontRef idx="minor">
+            <a:schemeClr val="lt1"/>
+          </a:fontRef>
+        </p:style>
+        <p:txBody>
+          <a:bodyPr rtlCol="0" anchor="ctr"/>
+          <a:lstStyle/>
+          <a:p>
+            <a:pPr algn="ctr"/>
+            <a:endParaRPr lang="en-US" dirty="0"/>
+          </a:p>
+        </p:txBody>
+      </p:sp>
+      <p:sp>
+        <p:nvSpPr>
+          <p:cNvPr id="26" name="Hexagon 25">
+            <a:extLst>
+              <a:ext uri="{FF2B5EF4-FFF2-40B4-BE49-F238E27FC236}">
+                <a16:creationId xmlns:a16="http://schemas.microsoft.com/office/drawing/2014/main" id="{F77599D8-7767-A82D-07AA-3FB63B9BFD14}"/>
+              </a:ext>
+            </a:extLst>
+          </p:cNvPr>
+          <p:cNvSpPr>
+            <a:spLocks noChangeAspect="1"/>
+          </p:cNvSpPr>
+          <p:nvPr/>
+        </p:nvSpPr>
+        <p:spPr>
+          <a:xfrm>
+            <a:off x="2834107" y="5342618"/>
+            <a:ext cx="1101061" cy="949191"/>
+          </a:xfrm>
+          <a:prstGeom prst="hexagon">
+            <a:avLst/>
+          </a:prstGeom>
+          <a:noFill/>
+          <a:ln w="38100">
+            <a:solidFill>
+              <a:srgbClr val="C00000"/>
+            </a:solidFill>
+          </a:ln>
+        </p:spPr>
+        <p:style>
+          <a:lnRef idx="2">
+            <a:schemeClr val="accent1">
+              <a:shade val="15000"/>
+            </a:schemeClr>
+          </a:lnRef>
+          <a:fillRef idx="1">
+            <a:schemeClr val="accent1"/>
+          </a:fillRef>
+          <a:effectRef idx="0">
+            <a:schemeClr val="accent1"/>
+          </a:effectRef>
+          <a:fontRef idx="minor">
+            <a:schemeClr val="lt1"/>
+          </a:fontRef>
+        </p:style>
+        <p:txBody>
+          <a:bodyPr rtlCol="0" anchor="ctr"/>
+          <a:lstStyle/>
+          <a:p>
+            <a:pPr algn="ctr"/>
+            <a:endParaRPr lang="en-US" dirty="0"/>
+          </a:p>
+        </p:txBody>
+      </p:sp>
+      <p:sp>
+        <p:nvSpPr>
+          <p:cNvPr id="27" name="Hexagon 26">
+            <a:extLst>
+              <a:ext uri="{FF2B5EF4-FFF2-40B4-BE49-F238E27FC236}">
+                <a16:creationId xmlns:a16="http://schemas.microsoft.com/office/drawing/2014/main" id="{EDA58312-BC6C-10CE-D676-1A55FABD2974}"/>
+              </a:ext>
+            </a:extLst>
+          </p:cNvPr>
+          <p:cNvSpPr>
+            <a:spLocks noChangeAspect="1"/>
+          </p:cNvSpPr>
+          <p:nvPr/>
+        </p:nvSpPr>
+        <p:spPr>
+          <a:xfrm>
+            <a:off x="2834107" y="4397196"/>
+            <a:ext cx="1101061" cy="949191"/>
+          </a:xfrm>
+          <a:prstGeom prst="hexagon">
+            <a:avLst/>
+          </a:prstGeom>
+          <a:noFill/>
+          <a:ln w="38100">
+            <a:solidFill>
+              <a:srgbClr val="C00000"/>
+            </a:solidFill>
+          </a:ln>
+        </p:spPr>
+        <p:style>
+          <a:lnRef idx="2">
+            <a:schemeClr val="accent1">
+              <a:shade val="15000"/>
+            </a:schemeClr>
+          </a:lnRef>
+          <a:fillRef idx="1">
+            <a:schemeClr val="accent1"/>
+          </a:fillRef>
+          <a:effectRef idx="0">
+            <a:schemeClr val="accent1"/>
+          </a:effectRef>
+          <a:fontRef idx="minor">
+            <a:schemeClr val="lt1"/>
+          </a:fontRef>
+        </p:style>
+        <p:txBody>
+          <a:bodyPr rtlCol="0" anchor="ctr"/>
+          <a:lstStyle/>
+          <a:p>
+            <a:pPr algn="ctr"/>
+            <a:endParaRPr lang="en-US" dirty="0"/>
+          </a:p>
+        </p:txBody>
+      </p:sp>
+      <p:sp>
+        <p:nvSpPr>
+          <p:cNvPr id="28" name="Hexagon 27">
+            <a:extLst>
+              <a:ext uri="{FF2B5EF4-FFF2-40B4-BE49-F238E27FC236}">
+                <a16:creationId xmlns:a16="http://schemas.microsoft.com/office/drawing/2014/main" id="{500312F3-E150-1BF6-8E03-C5E66745B1B5}"/>
+              </a:ext>
+            </a:extLst>
+          </p:cNvPr>
+          <p:cNvSpPr>
+            <a:spLocks noChangeAspect="1"/>
+          </p:cNvSpPr>
+          <p:nvPr/>
+        </p:nvSpPr>
+        <p:spPr>
+          <a:xfrm>
+            <a:off x="2834107" y="3451775"/>
+            <a:ext cx="1101061" cy="949191"/>
+          </a:xfrm>
+          <a:prstGeom prst="hexagon">
+            <a:avLst/>
+          </a:prstGeom>
+          <a:noFill/>
+          <a:ln w="38100">
+            <a:solidFill>
+              <a:srgbClr val="C00000"/>
+            </a:solidFill>
+          </a:ln>
+        </p:spPr>
+        <p:style>
+          <a:lnRef idx="2">
+            <a:schemeClr val="accent1">
+              <a:shade val="15000"/>
+            </a:schemeClr>
+          </a:lnRef>
+          <a:fillRef idx="1">
+            <a:schemeClr val="accent1"/>
+          </a:fillRef>
+          <a:effectRef idx="0">
+            <a:schemeClr val="accent1"/>
+          </a:effectRef>
+          <a:fontRef idx="minor">
+            <a:schemeClr val="lt1"/>
+          </a:fontRef>
+        </p:style>
+        <p:txBody>
+          <a:bodyPr rtlCol="0" anchor="ctr"/>
+          <a:lstStyle/>
+          <a:p>
+            <a:pPr algn="ctr"/>
+            <a:endParaRPr lang="en-US" dirty="0"/>
+          </a:p>
+        </p:txBody>
+      </p:sp>
+      <p:sp>
+        <p:nvSpPr>
+          <p:cNvPr id="29" name="Hexagon 28">
+            <a:extLst>
+              <a:ext uri="{FF2B5EF4-FFF2-40B4-BE49-F238E27FC236}">
+                <a16:creationId xmlns:a16="http://schemas.microsoft.com/office/drawing/2014/main" id="{15731913-8430-CCBF-E728-912DD1051C0A}"/>
+              </a:ext>
+            </a:extLst>
+          </p:cNvPr>
+          <p:cNvSpPr>
+            <a:spLocks noChangeAspect="1"/>
+          </p:cNvSpPr>
+          <p:nvPr/>
+        </p:nvSpPr>
+        <p:spPr>
+          <a:xfrm>
+            <a:off x="3693601" y="2976254"/>
+            <a:ext cx="1101061" cy="949191"/>
+          </a:xfrm>
+          <a:prstGeom prst="hexagon">
+            <a:avLst/>
+          </a:prstGeom>
+          <a:noFill/>
+          <a:ln w="38100">
+            <a:solidFill>
+              <a:srgbClr val="C00000"/>
+            </a:solidFill>
+          </a:ln>
+        </p:spPr>
+        <p:style>
+          <a:lnRef idx="2">
+            <a:schemeClr val="accent1">
+              <a:shade val="15000"/>
+            </a:schemeClr>
+          </a:lnRef>
+          <a:fillRef idx="1">
+            <a:schemeClr val="accent1"/>
+          </a:fillRef>
+          <a:effectRef idx="0">
+            <a:schemeClr val="accent1"/>
+          </a:effectRef>
+          <a:fontRef idx="minor">
+            <a:schemeClr val="lt1"/>
+          </a:fontRef>
+        </p:style>
+        <p:txBody>
+          <a:bodyPr rtlCol="0" anchor="ctr"/>
+          <a:lstStyle/>
+          <a:p>
+            <a:pPr algn="ctr"/>
+            <a:endParaRPr lang="en-US" dirty="0"/>
+          </a:p>
+        </p:txBody>
+      </p:sp>
+      <p:sp>
+        <p:nvSpPr>
+          <p:cNvPr id="30" name="Hexagon 29">
+            <a:extLst>
+              <a:ext uri="{FF2B5EF4-FFF2-40B4-BE49-F238E27FC236}">
+                <a16:creationId xmlns:a16="http://schemas.microsoft.com/office/drawing/2014/main" id="{FE4743FE-6712-EBB0-A5C5-B2274FF5C4DC}"/>
+              </a:ext>
+            </a:extLst>
+          </p:cNvPr>
+          <p:cNvSpPr>
+            <a:spLocks noChangeAspect="1"/>
+          </p:cNvSpPr>
+          <p:nvPr/>
+        </p:nvSpPr>
+        <p:spPr>
+          <a:xfrm>
+            <a:off x="3687238" y="3934484"/>
+            <a:ext cx="1101061" cy="949191"/>
+          </a:xfrm>
+          <a:prstGeom prst="hexagon">
+            <a:avLst/>
+          </a:prstGeom>
+          <a:noFill/>
+          <a:ln w="38100">
+            <a:solidFill>
+              <a:srgbClr val="C00000"/>
+            </a:solidFill>
+          </a:ln>
+        </p:spPr>
+        <p:style>
+          <a:lnRef idx="2">
+            <a:schemeClr val="accent1">
+              <a:shade val="15000"/>
+            </a:schemeClr>
+          </a:lnRef>
+          <a:fillRef idx="1">
+            <a:schemeClr val="accent1"/>
+          </a:fillRef>
+          <a:effectRef idx="0">
+            <a:schemeClr val="accent1"/>
+          </a:effectRef>
+          <a:fontRef idx="minor">
+            <a:schemeClr val="lt1"/>
+          </a:fontRef>
+        </p:style>
+        <p:txBody>
+          <a:bodyPr rtlCol="0" anchor="ctr"/>
+          <a:lstStyle/>
+          <a:p>
+            <a:pPr algn="ctr"/>
+            <a:endParaRPr lang="en-US" dirty="0"/>
+          </a:p>
+        </p:txBody>
+      </p:sp>
+      <p:sp>
+        <p:nvSpPr>
+          <p:cNvPr id="40" name="Hexagon 39">
+            <a:extLst>
+              <a:ext uri="{FF2B5EF4-FFF2-40B4-BE49-F238E27FC236}">
+                <a16:creationId xmlns:a16="http://schemas.microsoft.com/office/drawing/2014/main" id="{F03E2C1C-BF9A-D1A4-AB96-44B915D89168}"/>
+              </a:ext>
+            </a:extLst>
+          </p:cNvPr>
+          <p:cNvSpPr>
+            <a:spLocks noChangeAspect="1"/>
+          </p:cNvSpPr>
+          <p:nvPr/>
+        </p:nvSpPr>
+        <p:spPr>
+          <a:xfrm>
+            <a:off x="4550589" y="3458860"/>
+            <a:ext cx="1101061" cy="949191"/>
+          </a:xfrm>
+          <a:prstGeom prst="hexagon">
+            <a:avLst/>
+          </a:prstGeom>
+          <a:noFill/>
+          <a:ln w="38100">
+            <a:solidFill>
+              <a:srgbClr val="C00000"/>
+            </a:solidFill>
+          </a:ln>
+        </p:spPr>
+        <p:style>
+          <a:lnRef idx="2">
+            <a:schemeClr val="accent1">
+              <a:shade val="15000"/>
+            </a:schemeClr>
+          </a:lnRef>
+          <a:fillRef idx="1">
+            <a:schemeClr val="accent1"/>
+          </a:fillRef>
+          <a:effectRef idx="0">
+            <a:schemeClr val="accent1"/>
+          </a:effectRef>
+          <a:fontRef idx="minor">
+            <a:schemeClr val="lt1"/>
+          </a:fontRef>
+        </p:style>
+        <p:txBody>
+          <a:bodyPr rtlCol="0" anchor="ctr"/>
+          <a:lstStyle/>
+          <a:p>
+            <a:pPr algn="ctr"/>
+            <a:endParaRPr lang="en-US" dirty="0"/>
+          </a:p>
+        </p:txBody>
+      </p:sp>
+      <p:sp>
+        <p:nvSpPr>
+          <p:cNvPr id="41" name="Hexagon 40">
+            <a:extLst>
+              <a:ext uri="{FF2B5EF4-FFF2-40B4-BE49-F238E27FC236}">
+                <a16:creationId xmlns:a16="http://schemas.microsoft.com/office/drawing/2014/main" id="{AA13D11E-D161-07F1-337A-0439DE47625A}"/>
+              </a:ext>
+            </a:extLst>
+          </p:cNvPr>
+          <p:cNvSpPr>
+            <a:spLocks noChangeAspect="1"/>
+          </p:cNvSpPr>
+          <p:nvPr/>
+        </p:nvSpPr>
+        <p:spPr>
+          <a:xfrm>
+            <a:off x="4550589" y="4411034"/>
+            <a:ext cx="1101061" cy="949191"/>
+          </a:xfrm>
+          <a:prstGeom prst="hexagon">
+            <a:avLst/>
+          </a:prstGeom>
+          <a:noFill/>
+          <a:ln w="38100">
+            <a:solidFill>
+              <a:srgbClr val="C00000"/>
+            </a:solidFill>
+          </a:ln>
+        </p:spPr>
+        <p:style>
+          <a:lnRef idx="2">
+            <a:schemeClr val="accent1">
+              <a:shade val="15000"/>
+            </a:schemeClr>
+          </a:lnRef>
+          <a:fillRef idx="1">
+            <a:schemeClr val="accent1"/>
+          </a:fillRef>
+          <a:effectRef idx="0">
+            <a:schemeClr val="accent1"/>
+          </a:effectRef>
+          <a:fontRef idx="minor">
+            <a:schemeClr val="lt1"/>
+          </a:fontRef>
+        </p:style>
+        <p:txBody>
+          <a:bodyPr rtlCol="0" anchor="ctr"/>
+          <a:lstStyle/>
+          <a:p>
+            <a:pPr algn="ctr"/>
+            <a:endParaRPr lang="en-US" dirty="0"/>
+          </a:p>
+        </p:txBody>
+      </p:sp>
+      <p:sp>
+        <p:nvSpPr>
+          <p:cNvPr id="42" name="Hexagon 41">
+            <a:extLst>
+              <a:ext uri="{FF2B5EF4-FFF2-40B4-BE49-F238E27FC236}">
+                <a16:creationId xmlns:a16="http://schemas.microsoft.com/office/drawing/2014/main" id="{37E2AD43-8C0F-AE4E-73F5-2ADF3F4328B5}"/>
+              </a:ext>
+            </a:extLst>
+          </p:cNvPr>
+          <p:cNvSpPr>
+            <a:spLocks noChangeAspect="1"/>
+          </p:cNvSpPr>
+          <p:nvPr/>
+        </p:nvSpPr>
+        <p:spPr>
+          <a:xfrm>
+            <a:off x="4550589" y="5369961"/>
+            <a:ext cx="1101061" cy="949191"/>
+          </a:xfrm>
+          <a:prstGeom prst="hexagon">
+            <a:avLst/>
+          </a:prstGeom>
+          <a:noFill/>
+          <a:ln w="38100">
+            <a:solidFill>
+              <a:srgbClr val="C00000"/>
+            </a:solidFill>
+          </a:ln>
+        </p:spPr>
+        <p:style>
+          <a:lnRef idx="2">
+            <a:schemeClr val="accent1">
+              <a:shade val="15000"/>
+            </a:schemeClr>
+          </a:lnRef>
+          <a:fillRef idx="1">
+            <a:schemeClr val="accent1"/>
+          </a:fillRef>
+          <a:effectRef idx="0">
+            <a:schemeClr val="accent1"/>
+          </a:effectRef>
+          <a:fontRef idx="minor">
+            <a:schemeClr val="lt1"/>
+          </a:fontRef>
+        </p:style>
+        <p:txBody>
+          <a:bodyPr rtlCol="0" anchor="ctr"/>
+          <a:lstStyle/>
+          <a:p>
+            <a:pPr algn="ctr"/>
+            <a:endParaRPr lang="en-US" dirty="0"/>
+          </a:p>
+        </p:txBody>
+      </p:sp>
+      <p:sp>
+        <p:nvSpPr>
+          <p:cNvPr id="49" name="Hexagon 48">
+            <a:extLst>
+              <a:ext uri="{FF2B5EF4-FFF2-40B4-BE49-F238E27FC236}">
+                <a16:creationId xmlns:a16="http://schemas.microsoft.com/office/drawing/2014/main" id="{6DED218D-3761-F049-ADDA-F96E065614EC}"/>
+              </a:ext>
+            </a:extLst>
+          </p:cNvPr>
+          <p:cNvSpPr>
+            <a:spLocks noChangeAspect="1"/>
+          </p:cNvSpPr>
+          <p:nvPr/>
+        </p:nvSpPr>
+        <p:spPr>
+          <a:xfrm>
+            <a:off x="3694322" y="4877619"/>
+            <a:ext cx="1101061" cy="949191"/>
+          </a:xfrm>
+          <a:prstGeom prst="hexagon">
+            <a:avLst/>
+          </a:prstGeom>
+          <a:noFill/>
+          <a:ln w="38100">
+            <a:solidFill>
+              <a:srgbClr val="C00000"/>
+            </a:solidFill>
+          </a:ln>
+        </p:spPr>
+        <p:style>
+          <a:lnRef idx="2">
+            <a:schemeClr val="accent1">
+              <a:shade val="15000"/>
+            </a:schemeClr>
+          </a:lnRef>
+          <a:fillRef idx="1">
+            <a:schemeClr val="accent1"/>
+          </a:fillRef>
+          <a:effectRef idx="0">
+            <a:schemeClr val="accent1"/>
+          </a:effectRef>
+          <a:fontRef idx="minor">
+            <a:schemeClr val="lt1"/>
+          </a:fontRef>
+        </p:style>
+        <p:txBody>
+          <a:bodyPr rtlCol="0" anchor="ctr"/>
+          <a:lstStyle/>
+          <a:p>
+            <a:pPr algn="ctr"/>
+            <a:endParaRPr lang="en-US" dirty="0"/>
+          </a:p>
+        </p:txBody>
+      </p:sp>
+      <p:sp>
+        <p:nvSpPr>
+          <p:cNvPr id="1025" name="Hexagon 1024">
+            <a:extLst>
+              <a:ext uri="{FF2B5EF4-FFF2-40B4-BE49-F238E27FC236}">
+                <a16:creationId xmlns:a16="http://schemas.microsoft.com/office/drawing/2014/main" id="{C7930FA0-BB84-E8BC-6F55-86DC44EB1517}"/>
+              </a:ext>
+            </a:extLst>
+          </p:cNvPr>
+          <p:cNvSpPr>
+            <a:spLocks noChangeAspect="1"/>
+          </p:cNvSpPr>
+          <p:nvPr/>
+        </p:nvSpPr>
+        <p:spPr>
+          <a:xfrm>
+            <a:off x="5426874" y="2968935"/>
+            <a:ext cx="1101061" cy="949191"/>
+          </a:xfrm>
+          <a:prstGeom prst="hexagon">
+            <a:avLst/>
+          </a:prstGeom>
+          <a:noFill/>
+          <a:ln w="38100">
+            <a:solidFill>
+              <a:srgbClr val="C00000"/>
+            </a:solidFill>
+          </a:ln>
+        </p:spPr>
+        <p:style>
+          <a:lnRef idx="2">
+            <a:schemeClr val="accent1">
+              <a:shade val="15000"/>
+            </a:schemeClr>
+          </a:lnRef>
+          <a:fillRef idx="1">
+            <a:schemeClr val="accent1"/>
+          </a:fillRef>
+          <a:effectRef idx="0">
+            <a:schemeClr val="accent1"/>
+          </a:effectRef>
+          <a:fontRef idx="minor">
+            <a:schemeClr val="lt1"/>
+          </a:fontRef>
+        </p:style>
+        <p:txBody>
+          <a:bodyPr rtlCol="0" anchor="ctr"/>
+          <a:lstStyle/>
+          <a:p>
+            <a:pPr algn="ctr"/>
+            <a:endParaRPr lang="en-US" dirty="0"/>
+          </a:p>
+        </p:txBody>
+      </p:sp>
+      <p:sp>
+        <p:nvSpPr>
+          <p:cNvPr id="1027" name="Hexagon 1026">
+            <a:extLst>
+              <a:ext uri="{FF2B5EF4-FFF2-40B4-BE49-F238E27FC236}">
+                <a16:creationId xmlns:a16="http://schemas.microsoft.com/office/drawing/2014/main" id="{07BAD851-770C-F9A5-118E-93F5FFB185A8}"/>
+              </a:ext>
+            </a:extLst>
+          </p:cNvPr>
+          <p:cNvSpPr>
+            <a:spLocks noChangeAspect="1"/>
+          </p:cNvSpPr>
+          <p:nvPr/>
+        </p:nvSpPr>
+        <p:spPr>
+          <a:xfrm>
+            <a:off x="5419730" y="3921109"/>
+            <a:ext cx="1101061" cy="949191"/>
+          </a:xfrm>
+          <a:prstGeom prst="hexagon">
+            <a:avLst/>
+          </a:prstGeom>
+          <a:noFill/>
+          <a:ln w="38100">
+            <a:solidFill>
+              <a:srgbClr val="C00000"/>
+            </a:solidFill>
+          </a:ln>
+        </p:spPr>
+        <p:style>
+          <a:lnRef idx="2">
+            <a:schemeClr val="accent1">
+              <a:shade val="15000"/>
+            </a:schemeClr>
+          </a:lnRef>
+          <a:fillRef idx="1">
+            <a:schemeClr val="accent1"/>
+          </a:fillRef>
+          <a:effectRef idx="0">
+            <a:schemeClr val="accent1"/>
+          </a:effectRef>
+          <a:fontRef idx="minor">
+            <a:schemeClr val="lt1"/>
+          </a:fontRef>
+        </p:style>
+        <p:txBody>
+          <a:bodyPr rtlCol="0" anchor="ctr"/>
+          <a:lstStyle/>
+          <a:p>
+            <a:pPr algn="ctr"/>
+            <a:endParaRPr lang="en-US" dirty="0"/>
+          </a:p>
+        </p:txBody>
+      </p:sp>
+      <p:sp>
+        <p:nvSpPr>
+          <p:cNvPr id="1029" name="Hexagon 1028">
+            <a:extLst>
+              <a:ext uri="{FF2B5EF4-FFF2-40B4-BE49-F238E27FC236}">
+                <a16:creationId xmlns:a16="http://schemas.microsoft.com/office/drawing/2014/main" id="{D632B0F6-85EB-24F7-7939-C500C21C0D9E}"/>
+              </a:ext>
+            </a:extLst>
+          </p:cNvPr>
+          <p:cNvSpPr>
+            <a:spLocks noChangeAspect="1"/>
+          </p:cNvSpPr>
+          <p:nvPr/>
+        </p:nvSpPr>
+        <p:spPr>
+          <a:xfrm>
+            <a:off x="5419730" y="4865749"/>
+            <a:ext cx="1101061" cy="949191"/>
+          </a:xfrm>
+          <a:prstGeom prst="hexagon">
+            <a:avLst/>
+          </a:prstGeom>
+          <a:noFill/>
+          <a:ln w="38100">
+            <a:solidFill>
+              <a:srgbClr val="C00000"/>
+            </a:solidFill>
+          </a:ln>
+        </p:spPr>
+        <p:style>
+          <a:lnRef idx="2">
+            <a:schemeClr val="accent1">
+              <a:shade val="15000"/>
+            </a:schemeClr>
+          </a:lnRef>
+          <a:fillRef idx="1">
+            <a:schemeClr val="accent1"/>
+          </a:fillRef>
+          <a:effectRef idx="0">
+            <a:schemeClr val="accent1"/>
+          </a:effectRef>
+          <a:fontRef idx="minor">
+            <a:schemeClr val="lt1"/>
+          </a:fontRef>
+        </p:style>
+        <p:txBody>
+          <a:bodyPr rtlCol="0" anchor="ctr"/>
+          <a:lstStyle/>
+          <a:p>
+            <a:pPr algn="ctr"/>
+            <a:endParaRPr lang="en-US" dirty="0"/>
+          </a:p>
+        </p:txBody>
+      </p:sp>
+      <p:sp>
+        <p:nvSpPr>
+          <p:cNvPr id="1030" name="Hexagon 1029">
+            <a:extLst>
+              <a:ext uri="{FF2B5EF4-FFF2-40B4-BE49-F238E27FC236}">
+                <a16:creationId xmlns:a16="http://schemas.microsoft.com/office/drawing/2014/main" id="{94B24927-43D8-1C74-168D-351ED75387C9}"/>
+              </a:ext>
+            </a:extLst>
+          </p:cNvPr>
+          <p:cNvSpPr>
+            <a:spLocks noChangeAspect="1"/>
+          </p:cNvSpPr>
+          <p:nvPr/>
+        </p:nvSpPr>
+        <p:spPr>
+          <a:xfrm>
+            <a:off x="6286366" y="5342618"/>
+            <a:ext cx="1101061" cy="949191"/>
+          </a:xfrm>
+          <a:prstGeom prst="hexagon">
+            <a:avLst/>
+          </a:prstGeom>
+          <a:noFill/>
+          <a:ln w="38100">
+            <a:solidFill>
+              <a:srgbClr val="C00000"/>
+            </a:solidFill>
+          </a:ln>
+        </p:spPr>
+        <p:style>
+          <a:lnRef idx="2">
+            <a:schemeClr val="accent1">
+              <a:shade val="15000"/>
+            </a:schemeClr>
+          </a:lnRef>
+          <a:fillRef idx="1">
+            <a:schemeClr val="accent1"/>
+          </a:fillRef>
+          <a:effectRef idx="0">
+            <a:schemeClr val="accent1"/>
+          </a:effectRef>
+          <a:fontRef idx="minor">
+            <a:schemeClr val="lt1"/>
+          </a:fontRef>
+        </p:style>
+        <p:txBody>
+          <a:bodyPr rtlCol="0" anchor="ctr"/>
+          <a:lstStyle/>
+          <a:p>
+            <a:pPr algn="ctr"/>
+            <a:endParaRPr lang="en-US" dirty="0"/>
+          </a:p>
+        </p:txBody>
+      </p:sp>
+      <p:sp>
+        <p:nvSpPr>
+          <p:cNvPr id="1031" name="Hexagon 1030">
+            <a:extLst>
+              <a:ext uri="{FF2B5EF4-FFF2-40B4-BE49-F238E27FC236}">
+                <a16:creationId xmlns:a16="http://schemas.microsoft.com/office/drawing/2014/main" id="{3DB7BA57-7A0A-69E4-2AF2-2C4D8F441114}"/>
+              </a:ext>
+            </a:extLst>
+          </p:cNvPr>
+          <p:cNvSpPr>
+            <a:spLocks noChangeAspect="1"/>
+          </p:cNvSpPr>
+          <p:nvPr/>
+        </p:nvSpPr>
+        <p:spPr>
+          <a:xfrm>
+            <a:off x="6286366" y="4397196"/>
+            <a:ext cx="1101061" cy="949191"/>
+          </a:xfrm>
+          <a:prstGeom prst="hexagon">
+            <a:avLst/>
+          </a:prstGeom>
+          <a:noFill/>
+          <a:ln w="38100">
+            <a:solidFill>
+              <a:srgbClr val="C00000"/>
+            </a:solidFill>
+          </a:ln>
+        </p:spPr>
+        <p:style>
+          <a:lnRef idx="2">
+            <a:schemeClr val="accent1">
+              <a:shade val="15000"/>
+            </a:schemeClr>
+          </a:lnRef>
+          <a:fillRef idx="1">
+            <a:schemeClr val="accent1"/>
+          </a:fillRef>
+          <a:effectRef idx="0">
+            <a:schemeClr val="accent1"/>
+          </a:effectRef>
+          <a:fontRef idx="minor">
+            <a:schemeClr val="lt1"/>
+          </a:fontRef>
+        </p:style>
+        <p:txBody>
+          <a:bodyPr rtlCol="0" anchor="ctr"/>
+          <a:lstStyle/>
+          <a:p>
+            <a:pPr algn="ctr"/>
+            <a:endParaRPr lang="en-US" dirty="0"/>
+          </a:p>
+        </p:txBody>
+      </p:sp>
+      <p:sp>
+        <p:nvSpPr>
+          <p:cNvPr id="1032" name="Hexagon 1031">
+            <a:extLst>
+              <a:ext uri="{FF2B5EF4-FFF2-40B4-BE49-F238E27FC236}">
+                <a16:creationId xmlns:a16="http://schemas.microsoft.com/office/drawing/2014/main" id="{C03011F2-1859-3E52-FEC8-55F61BD5FFF3}"/>
+              </a:ext>
+            </a:extLst>
+          </p:cNvPr>
+          <p:cNvSpPr>
+            <a:spLocks noChangeAspect="1"/>
+          </p:cNvSpPr>
+          <p:nvPr/>
+        </p:nvSpPr>
+        <p:spPr>
+          <a:xfrm>
+            <a:off x="6286366" y="3451775"/>
+            <a:ext cx="1101061" cy="949191"/>
+          </a:xfrm>
+          <a:prstGeom prst="hexagon">
+            <a:avLst/>
+          </a:prstGeom>
+          <a:noFill/>
+          <a:ln w="38100">
+            <a:solidFill>
+              <a:srgbClr val="C00000"/>
+            </a:solidFill>
+          </a:ln>
+        </p:spPr>
+        <p:style>
+          <a:lnRef idx="2">
+            <a:schemeClr val="accent1">
+              <a:shade val="15000"/>
+            </a:schemeClr>
+          </a:lnRef>
+          <a:fillRef idx="1">
+            <a:schemeClr val="accent1"/>
+          </a:fillRef>
+          <a:effectRef idx="0">
+            <a:schemeClr val="accent1"/>
+          </a:effectRef>
+          <a:fontRef idx="minor">
+            <a:schemeClr val="lt1"/>
+          </a:fontRef>
+        </p:style>
+        <p:txBody>
+          <a:bodyPr rtlCol="0" anchor="ctr"/>
+          <a:lstStyle/>
+          <a:p>
+            <a:pPr algn="ctr"/>
+            <a:endParaRPr lang="en-US" dirty="0"/>
+          </a:p>
+        </p:txBody>
+      </p:sp>
+      <p:sp>
+        <p:nvSpPr>
+          <p:cNvPr id="1033" name="Hexagon 1032">
+            <a:extLst>
+              <a:ext uri="{FF2B5EF4-FFF2-40B4-BE49-F238E27FC236}">
+                <a16:creationId xmlns:a16="http://schemas.microsoft.com/office/drawing/2014/main" id="{AE75FE7B-A81B-2956-56D7-45F8EB881D36}"/>
+              </a:ext>
+            </a:extLst>
+          </p:cNvPr>
+          <p:cNvSpPr>
+            <a:spLocks noChangeAspect="1"/>
+          </p:cNvSpPr>
+          <p:nvPr/>
+        </p:nvSpPr>
+        <p:spPr>
+          <a:xfrm>
+            <a:off x="7145860" y="2976253"/>
+            <a:ext cx="1101061" cy="949191"/>
+          </a:xfrm>
+          <a:prstGeom prst="hexagon">
+            <a:avLst/>
+          </a:prstGeom>
+          <a:noFill/>
+          <a:ln w="38100">
+            <a:solidFill>
+              <a:srgbClr val="C00000"/>
+            </a:solidFill>
+          </a:ln>
+        </p:spPr>
+        <p:style>
+          <a:lnRef idx="2">
+            <a:schemeClr val="accent1">
+              <a:shade val="15000"/>
+            </a:schemeClr>
+          </a:lnRef>
+          <a:fillRef idx="1">
+            <a:schemeClr val="accent1"/>
+          </a:fillRef>
+          <a:effectRef idx="0">
+            <a:schemeClr val="accent1"/>
+          </a:effectRef>
+          <a:fontRef idx="minor">
+            <a:schemeClr val="lt1"/>
+          </a:fontRef>
+        </p:style>
+        <p:txBody>
+          <a:bodyPr rtlCol="0" anchor="ctr"/>
+          <a:lstStyle/>
+          <a:p>
+            <a:pPr algn="ctr"/>
+            <a:endParaRPr lang="en-US" dirty="0"/>
+          </a:p>
+        </p:txBody>
+      </p:sp>
+      <p:sp>
+        <p:nvSpPr>
+          <p:cNvPr id="1034" name="Hexagon 1033">
+            <a:extLst>
+              <a:ext uri="{FF2B5EF4-FFF2-40B4-BE49-F238E27FC236}">
+                <a16:creationId xmlns:a16="http://schemas.microsoft.com/office/drawing/2014/main" id="{54025567-2401-C213-CA49-AFB6FBE39109}"/>
+              </a:ext>
+            </a:extLst>
+          </p:cNvPr>
+          <p:cNvSpPr>
+            <a:spLocks noChangeAspect="1"/>
+          </p:cNvSpPr>
+          <p:nvPr/>
+        </p:nvSpPr>
+        <p:spPr>
+          <a:xfrm>
+            <a:off x="7139497" y="3934485"/>
+            <a:ext cx="1101061" cy="949191"/>
+          </a:xfrm>
+          <a:prstGeom prst="hexagon">
+            <a:avLst/>
+          </a:prstGeom>
+          <a:noFill/>
+          <a:ln w="38100">
+            <a:solidFill>
+              <a:srgbClr val="C00000"/>
+            </a:solidFill>
+          </a:ln>
+        </p:spPr>
+        <p:style>
+          <a:lnRef idx="2">
+            <a:schemeClr val="accent1">
+              <a:shade val="15000"/>
+            </a:schemeClr>
+          </a:lnRef>
+          <a:fillRef idx="1">
+            <a:schemeClr val="accent1"/>
+          </a:fillRef>
+          <a:effectRef idx="0">
+            <a:schemeClr val="accent1"/>
+          </a:effectRef>
+          <a:fontRef idx="minor">
+            <a:schemeClr val="lt1"/>
+          </a:fontRef>
+        </p:style>
+        <p:txBody>
+          <a:bodyPr rtlCol="0" anchor="ctr"/>
+          <a:lstStyle/>
+          <a:p>
+            <a:pPr algn="ctr"/>
+            <a:endParaRPr lang="en-US" dirty="0"/>
+          </a:p>
+        </p:txBody>
+      </p:sp>
+      <p:sp>
+        <p:nvSpPr>
+          <p:cNvPr id="1035" name="Hexagon 1034">
+            <a:extLst>
+              <a:ext uri="{FF2B5EF4-FFF2-40B4-BE49-F238E27FC236}">
+                <a16:creationId xmlns:a16="http://schemas.microsoft.com/office/drawing/2014/main" id="{E0349C23-4111-3D32-480E-A5D8E9E50CE5}"/>
+              </a:ext>
+            </a:extLst>
+          </p:cNvPr>
+          <p:cNvSpPr>
+            <a:spLocks noChangeAspect="1"/>
+          </p:cNvSpPr>
+          <p:nvPr/>
+        </p:nvSpPr>
+        <p:spPr>
+          <a:xfrm>
+            <a:off x="8002848" y="3458861"/>
+            <a:ext cx="1101061" cy="949191"/>
+          </a:xfrm>
+          <a:prstGeom prst="hexagon">
+            <a:avLst/>
+          </a:prstGeom>
+          <a:noFill/>
+          <a:ln w="38100">
+            <a:solidFill>
+              <a:srgbClr val="C00000"/>
+            </a:solidFill>
+          </a:ln>
+        </p:spPr>
+        <p:style>
+          <a:lnRef idx="2">
+            <a:schemeClr val="accent1">
+              <a:shade val="15000"/>
+            </a:schemeClr>
+          </a:lnRef>
+          <a:fillRef idx="1">
+            <a:schemeClr val="accent1"/>
+          </a:fillRef>
+          <a:effectRef idx="0">
+            <a:schemeClr val="accent1"/>
+          </a:effectRef>
+          <a:fontRef idx="minor">
+            <a:schemeClr val="lt1"/>
+          </a:fontRef>
+        </p:style>
+        <p:txBody>
+          <a:bodyPr rtlCol="0" anchor="ctr"/>
+          <a:lstStyle/>
+          <a:p>
+            <a:pPr algn="ctr"/>
+            <a:endParaRPr lang="en-US" dirty="0"/>
+          </a:p>
+        </p:txBody>
+      </p:sp>
+      <p:sp>
+        <p:nvSpPr>
+          <p:cNvPr id="1036" name="Hexagon 1035">
+            <a:extLst>
+              <a:ext uri="{FF2B5EF4-FFF2-40B4-BE49-F238E27FC236}">
+                <a16:creationId xmlns:a16="http://schemas.microsoft.com/office/drawing/2014/main" id="{F83ECF99-64C5-797E-B098-E76380388873}"/>
+              </a:ext>
+            </a:extLst>
+          </p:cNvPr>
+          <p:cNvSpPr>
+            <a:spLocks noChangeAspect="1"/>
+          </p:cNvSpPr>
+          <p:nvPr/>
+        </p:nvSpPr>
+        <p:spPr>
+          <a:xfrm>
+            <a:off x="8002848" y="4411034"/>
+            <a:ext cx="1101061" cy="949191"/>
+          </a:xfrm>
+          <a:prstGeom prst="hexagon">
+            <a:avLst/>
+          </a:prstGeom>
+          <a:noFill/>
+          <a:ln w="38100">
+            <a:solidFill>
+              <a:srgbClr val="C00000"/>
+            </a:solidFill>
+          </a:ln>
+        </p:spPr>
+        <p:style>
+          <a:lnRef idx="2">
+            <a:schemeClr val="accent1">
+              <a:shade val="15000"/>
+            </a:schemeClr>
+          </a:lnRef>
+          <a:fillRef idx="1">
+            <a:schemeClr val="accent1"/>
+          </a:fillRef>
+          <a:effectRef idx="0">
+            <a:schemeClr val="accent1"/>
+          </a:effectRef>
+          <a:fontRef idx="minor">
+            <a:schemeClr val="lt1"/>
+          </a:fontRef>
+        </p:style>
+        <p:txBody>
+          <a:bodyPr rtlCol="0" anchor="ctr"/>
+          <a:lstStyle/>
+          <a:p>
+            <a:pPr algn="ctr"/>
+            <a:endParaRPr lang="en-US" dirty="0"/>
+          </a:p>
+        </p:txBody>
+      </p:sp>
+      <p:sp>
+        <p:nvSpPr>
+          <p:cNvPr id="1037" name="Hexagon 1036">
+            <a:extLst>
+              <a:ext uri="{FF2B5EF4-FFF2-40B4-BE49-F238E27FC236}">
+                <a16:creationId xmlns:a16="http://schemas.microsoft.com/office/drawing/2014/main" id="{3EFEC826-0843-1F99-73DF-98C2B066C33D}"/>
+              </a:ext>
+            </a:extLst>
+          </p:cNvPr>
+          <p:cNvSpPr>
+            <a:spLocks noChangeAspect="1"/>
+          </p:cNvSpPr>
+          <p:nvPr/>
+        </p:nvSpPr>
+        <p:spPr>
+          <a:xfrm>
+            <a:off x="8002848" y="5369961"/>
+            <a:ext cx="1101061" cy="949191"/>
+          </a:xfrm>
+          <a:prstGeom prst="hexagon">
+            <a:avLst/>
+          </a:prstGeom>
+          <a:noFill/>
+          <a:ln w="38100">
+            <a:solidFill>
+              <a:srgbClr val="C00000"/>
+            </a:solidFill>
+          </a:ln>
+        </p:spPr>
+        <p:style>
+          <a:lnRef idx="2">
+            <a:schemeClr val="accent1">
+              <a:shade val="15000"/>
+            </a:schemeClr>
+          </a:lnRef>
+          <a:fillRef idx="1">
+            <a:schemeClr val="accent1"/>
+          </a:fillRef>
+          <a:effectRef idx="0">
+            <a:schemeClr val="accent1"/>
+          </a:effectRef>
+          <a:fontRef idx="minor">
+            <a:schemeClr val="lt1"/>
+          </a:fontRef>
+        </p:style>
+        <p:txBody>
+          <a:bodyPr rtlCol="0" anchor="ctr"/>
+          <a:lstStyle/>
+          <a:p>
+            <a:pPr algn="ctr"/>
+            <a:endParaRPr lang="en-US" dirty="0"/>
+          </a:p>
+        </p:txBody>
+      </p:sp>
+      <p:sp>
+        <p:nvSpPr>
+          <p:cNvPr id="1038" name="Hexagon 1037">
+            <a:extLst>
+              <a:ext uri="{FF2B5EF4-FFF2-40B4-BE49-F238E27FC236}">
+                <a16:creationId xmlns:a16="http://schemas.microsoft.com/office/drawing/2014/main" id="{0BCE8D4E-D1B7-EB16-800E-B94AFEB8750D}"/>
+              </a:ext>
+            </a:extLst>
+          </p:cNvPr>
+          <p:cNvSpPr>
+            <a:spLocks noChangeAspect="1"/>
+          </p:cNvSpPr>
+          <p:nvPr/>
+        </p:nvSpPr>
+        <p:spPr>
+          <a:xfrm>
+            <a:off x="7146581" y="4877619"/>
+            <a:ext cx="1101061" cy="949191"/>
+          </a:xfrm>
+          <a:prstGeom prst="hexagon">
+            <a:avLst/>
+          </a:prstGeom>
+          <a:noFill/>
+          <a:ln w="38100">
+            <a:solidFill>
+              <a:srgbClr val="C00000"/>
+            </a:solidFill>
+          </a:ln>
+        </p:spPr>
+        <p:style>
+          <a:lnRef idx="2">
+            <a:schemeClr val="accent1">
+              <a:shade val="15000"/>
+            </a:schemeClr>
+          </a:lnRef>
+          <a:fillRef idx="1">
+            <a:schemeClr val="accent1"/>
+          </a:fillRef>
+          <a:effectRef idx="0">
+            <a:schemeClr val="accent1"/>
+          </a:effectRef>
+          <a:fontRef idx="minor">
+            <a:schemeClr val="lt1"/>
+          </a:fontRef>
+        </p:style>
+        <p:txBody>
+          <a:bodyPr rtlCol="0" anchor="ctr"/>
+          <a:lstStyle/>
+          <a:p>
+            <a:pPr algn="ctr"/>
+            <a:endParaRPr lang="en-US" dirty="0"/>
+          </a:p>
+        </p:txBody>
+      </p:sp>
+      <p:sp>
+        <p:nvSpPr>
+          <p:cNvPr id="1041" name="Hexagon 1040">
+            <a:extLst>
+              <a:ext uri="{FF2B5EF4-FFF2-40B4-BE49-F238E27FC236}">
+                <a16:creationId xmlns:a16="http://schemas.microsoft.com/office/drawing/2014/main" id="{233AE70B-20DB-13A2-B087-EABEF323EEE8}"/>
+              </a:ext>
+            </a:extLst>
+          </p:cNvPr>
+          <p:cNvSpPr>
+            <a:spLocks noChangeAspect="1"/>
+          </p:cNvSpPr>
+          <p:nvPr/>
+        </p:nvSpPr>
+        <p:spPr>
+          <a:xfrm>
+            <a:off x="1974615" y="123371"/>
+            <a:ext cx="1101061" cy="949191"/>
+          </a:xfrm>
+          <a:prstGeom prst="hexagon">
+            <a:avLst/>
+          </a:prstGeom>
+          <a:noFill/>
+          <a:ln w="38100">
+            <a:solidFill>
+              <a:srgbClr val="C00000"/>
+            </a:solidFill>
+          </a:ln>
+        </p:spPr>
+        <p:style>
+          <a:lnRef idx="2">
+            <a:schemeClr val="accent1">
+              <a:shade val="15000"/>
+            </a:schemeClr>
+          </a:lnRef>
+          <a:fillRef idx="1">
+            <a:schemeClr val="accent1"/>
+          </a:fillRef>
+          <a:effectRef idx="0">
+            <a:schemeClr val="accent1"/>
+          </a:effectRef>
+          <a:fontRef idx="minor">
+            <a:schemeClr val="lt1"/>
+          </a:fontRef>
+        </p:style>
+        <p:txBody>
+          <a:bodyPr rtlCol="0" anchor="ctr"/>
+          <a:lstStyle/>
+          <a:p>
+            <a:pPr algn="ctr"/>
+            <a:endParaRPr lang="en-US" dirty="0"/>
+          </a:p>
+        </p:txBody>
+      </p:sp>
+      <p:sp>
+        <p:nvSpPr>
+          <p:cNvPr id="1042" name="Hexagon 1041">
+            <a:extLst>
+              <a:ext uri="{FF2B5EF4-FFF2-40B4-BE49-F238E27FC236}">
+                <a16:creationId xmlns:a16="http://schemas.microsoft.com/office/drawing/2014/main" id="{3DE50CB0-C76B-A63E-8679-7E0A8959A0B9}"/>
+              </a:ext>
+            </a:extLst>
+          </p:cNvPr>
+          <p:cNvSpPr>
+            <a:spLocks noChangeAspect="1"/>
+          </p:cNvSpPr>
+          <p:nvPr/>
+        </p:nvSpPr>
+        <p:spPr>
+          <a:xfrm>
+            <a:off x="1967472" y="1075545"/>
+            <a:ext cx="1101061" cy="949191"/>
+          </a:xfrm>
+          <a:prstGeom prst="hexagon">
+            <a:avLst/>
+          </a:prstGeom>
+          <a:noFill/>
+          <a:ln w="38100">
+            <a:solidFill>
+              <a:srgbClr val="C00000"/>
+            </a:solidFill>
+          </a:ln>
+        </p:spPr>
+        <p:style>
+          <a:lnRef idx="2">
+            <a:schemeClr val="accent1">
+              <a:shade val="15000"/>
+            </a:schemeClr>
+          </a:lnRef>
+          <a:fillRef idx="1">
+            <a:schemeClr val="accent1"/>
+          </a:fillRef>
+          <a:effectRef idx="0">
+            <a:schemeClr val="accent1"/>
+          </a:effectRef>
+          <a:fontRef idx="minor">
+            <a:schemeClr val="lt1"/>
+          </a:fontRef>
+        </p:style>
+        <p:txBody>
+          <a:bodyPr rtlCol="0" anchor="ctr"/>
+          <a:lstStyle/>
+          <a:p>
+            <a:pPr algn="ctr"/>
+            <a:endParaRPr lang="en-US" dirty="0"/>
+          </a:p>
+        </p:txBody>
+      </p:sp>
+      <p:sp>
+        <p:nvSpPr>
+          <p:cNvPr id="1043" name="Hexagon 1042">
+            <a:extLst>
+              <a:ext uri="{FF2B5EF4-FFF2-40B4-BE49-F238E27FC236}">
+                <a16:creationId xmlns:a16="http://schemas.microsoft.com/office/drawing/2014/main" id="{29D05AB5-6B19-44C7-74B5-B5B33DBEB87D}"/>
+              </a:ext>
+            </a:extLst>
+          </p:cNvPr>
+          <p:cNvSpPr>
+            <a:spLocks noChangeAspect="1"/>
+          </p:cNvSpPr>
+          <p:nvPr/>
+        </p:nvSpPr>
+        <p:spPr>
+          <a:xfrm>
+            <a:off x="1967472" y="2020185"/>
+            <a:ext cx="1101061" cy="949191"/>
+          </a:xfrm>
+          <a:prstGeom prst="hexagon">
+            <a:avLst/>
+          </a:prstGeom>
+          <a:noFill/>
+          <a:ln w="38100">
+            <a:solidFill>
+              <a:srgbClr val="C00000"/>
+            </a:solidFill>
+          </a:ln>
+        </p:spPr>
+        <p:style>
+          <a:lnRef idx="2">
+            <a:schemeClr val="accent1">
+              <a:shade val="15000"/>
+            </a:schemeClr>
+          </a:lnRef>
+          <a:fillRef idx="1">
+            <a:schemeClr val="accent1"/>
+          </a:fillRef>
+          <a:effectRef idx="0">
+            <a:schemeClr val="accent1"/>
+          </a:effectRef>
+          <a:fontRef idx="minor">
+            <a:schemeClr val="lt1"/>
+          </a:fontRef>
+        </p:style>
+        <p:txBody>
+          <a:bodyPr rtlCol="0" anchor="ctr"/>
+          <a:lstStyle/>
+          <a:p>
+            <a:pPr algn="ctr"/>
+            <a:endParaRPr lang="en-US" dirty="0"/>
+          </a:p>
+        </p:txBody>
+      </p:sp>
+      <p:sp>
+        <p:nvSpPr>
+          <p:cNvPr id="1044" name="Hexagon 1043">
+            <a:extLst>
+              <a:ext uri="{FF2B5EF4-FFF2-40B4-BE49-F238E27FC236}">
+                <a16:creationId xmlns:a16="http://schemas.microsoft.com/office/drawing/2014/main" id="{30A6E450-0182-357B-895E-052D58DB7A20}"/>
+              </a:ext>
+            </a:extLst>
+          </p:cNvPr>
+          <p:cNvSpPr>
+            <a:spLocks noChangeAspect="1"/>
+          </p:cNvSpPr>
+          <p:nvPr/>
+        </p:nvSpPr>
+        <p:spPr>
+          <a:xfrm>
+            <a:off x="2834107" y="2497054"/>
+            <a:ext cx="1101061" cy="949191"/>
+          </a:xfrm>
+          <a:prstGeom prst="hexagon">
+            <a:avLst/>
+          </a:prstGeom>
+          <a:noFill/>
+          <a:ln w="38100">
+            <a:solidFill>
+              <a:srgbClr val="C00000"/>
+            </a:solidFill>
+          </a:ln>
+        </p:spPr>
+        <p:style>
+          <a:lnRef idx="2">
+            <a:schemeClr val="accent1">
+              <a:shade val="15000"/>
+            </a:schemeClr>
+          </a:lnRef>
+          <a:fillRef idx="1">
+            <a:schemeClr val="accent1"/>
+          </a:fillRef>
+          <a:effectRef idx="0">
+            <a:schemeClr val="accent1"/>
+          </a:effectRef>
+          <a:fontRef idx="minor">
+            <a:schemeClr val="lt1"/>
+          </a:fontRef>
+        </p:style>
+        <p:txBody>
+          <a:bodyPr rtlCol="0" anchor="ctr"/>
+          <a:lstStyle/>
+          <a:p>
+            <a:pPr algn="ctr"/>
+            <a:endParaRPr lang="en-US" dirty="0"/>
+          </a:p>
+        </p:txBody>
+      </p:sp>
+      <p:sp>
+        <p:nvSpPr>
+          <p:cNvPr id="1045" name="Hexagon 1044">
+            <a:extLst>
+              <a:ext uri="{FF2B5EF4-FFF2-40B4-BE49-F238E27FC236}">
+                <a16:creationId xmlns:a16="http://schemas.microsoft.com/office/drawing/2014/main" id="{E824D373-3145-98BD-613C-E22BE76D8876}"/>
+              </a:ext>
+            </a:extLst>
+          </p:cNvPr>
+          <p:cNvSpPr>
+            <a:spLocks noChangeAspect="1"/>
+          </p:cNvSpPr>
+          <p:nvPr/>
+        </p:nvSpPr>
+        <p:spPr>
+          <a:xfrm>
+            <a:off x="2834107" y="1551633"/>
+            <a:ext cx="1101061" cy="949191"/>
+          </a:xfrm>
+          <a:prstGeom prst="hexagon">
+            <a:avLst/>
+          </a:prstGeom>
+          <a:noFill/>
+          <a:ln w="38100">
+            <a:solidFill>
+              <a:srgbClr val="C00000"/>
+            </a:solidFill>
+          </a:ln>
+        </p:spPr>
+        <p:style>
+          <a:lnRef idx="2">
+            <a:schemeClr val="accent1">
+              <a:shade val="15000"/>
+            </a:schemeClr>
+          </a:lnRef>
+          <a:fillRef idx="1">
+            <a:schemeClr val="accent1"/>
+          </a:fillRef>
+          <a:effectRef idx="0">
+            <a:schemeClr val="accent1"/>
+          </a:effectRef>
+          <a:fontRef idx="minor">
+            <a:schemeClr val="lt1"/>
+          </a:fontRef>
+        </p:style>
+        <p:txBody>
+          <a:bodyPr rtlCol="0" anchor="ctr"/>
+          <a:lstStyle/>
+          <a:p>
+            <a:pPr algn="ctr"/>
+            <a:endParaRPr lang="en-US" dirty="0"/>
+          </a:p>
+        </p:txBody>
+      </p:sp>
+      <p:sp>
+        <p:nvSpPr>
+          <p:cNvPr id="1046" name="Hexagon 1045">
+            <a:extLst>
+              <a:ext uri="{FF2B5EF4-FFF2-40B4-BE49-F238E27FC236}">
+                <a16:creationId xmlns:a16="http://schemas.microsoft.com/office/drawing/2014/main" id="{6767733A-16D2-4B6C-34BB-01A31C7E6626}"/>
+              </a:ext>
+            </a:extLst>
+          </p:cNvPr>
+          <p:cNvSpPr>
+            <a:spLocks noChangeAspect="1"/>
+          </p:cNvSpPr>
+          <p:nvPr/>
+        </p:nvSpPr>
+        <p:spPr>
+          <a:xfrm>
+            <a:off x="2834107" y="606211"/>
+            <a:ext cx="1101061" cy="949191"/>
+          </a:xfrm>
+          <a:prstGeom prst="hexagon">
+            <a:avLst/>
+          </a:prstGeom>
+          <a:noFill/>
+          <a:ln w="38100">
+            <a:solidFill>
+              <a:srgbClr val="C00000"/>
+            </a:solidFill>
+          </a:ln>
+        </p:spPr>
+        <p:style>
+          <a:lnRef idx="2">
+            <a:schemeClr val="accent1">
+              <a:shade val="15000"/>
+            </a:schemeClr>
+          </a:lnRef>
+          <a:fillRef idx="1">
+            <a:schemeClr val="accent1"/>
+          </a:fillRef>
+          <a:effectRef idx="0">
+            <a:schemeClr val="accent1"/>
+          </a:effectRef>
+          <a:fontRef idx="minor">
+            <a:schemeClr val="lt1"/>
+          </a:fontRef>
+        </p:style>
+        <p:txBody>
+          <a:bodyPr rtlCol="0" anchor="ctr"/>
+          <a:lstStyle/>
+          <a:p>
+            <a:pPr algn="ctr"/>
+            <a:endParaRPr lang="en-US" dirty="0"/>
+          </a:p>
+        </p:txBody>
+      </p:sp>
+      <p:sp>
+        <p:nvSpPr>
+          <p:cNvPr id="1047" name="Hexagon 1046">
+            <a:extLst>
+              <a:ext uri="{FF2B5EF4-FFF2-40B4-BE49-F238E27FC236}">
+                <a16:creationId xmlns:a16="http://schemas.microsoft.com/office/drawing/2014/main" id="{CDACEC79-344B-B4E4-41E0-EBF8AF32F90C}"/>
+              </a:ext>
+            </a:extLst>
+          </p:cNvPr>
+          <p:cNvSpPr>
+            <a:spLocks noChangeAspect="1"/>
+          </p:cNvSpPr>
+          <p:nvPr/>
+        </p:nvSpPr>
+        <p:spPr>
+          <a:xfrm>
+            <a:off x="3693601" y="130689"/>
+            <a:ext cx="1101061" cy="949191"/>
+          </a:xfrm>
+          <a:prstGeom prst="hexagon">
+            <a:avLst/>
+          </a:prstGeom>
+          <a:noFill/>
+          <a:ln w="38100">
+            <a:solidFill>
+              <a:srgbClr val="C00000"/>
+            </a:solidFill>
+          </a:ln>
+        </p:spPr>
+        <p:style>
+          <a:lnRef idx="2">
+            <a:schemeClr val="accent1">
+              <a:shade val="15000"/>
+            </a:schemeClr>
+          </a:lnRef>
+          <a:fillRef idx="1">
+            <a:schemeClr val="accent1"/>
+          </a:fillRef>
+          <a:effectRef idx="0">
+            <a:schemeClr val="accent1"/>
+          </a:effectRef>
+          <a:fontRef idx="minor">
+            <a:schemeClr val="lt1"/>
+          </a:fontRef>
+        </p:style>
+        <p:txBody>
+          <a:bodyPr rtlCol="0" anchor="ctr"/>
+          <a:lstStyle/>
+          <a:p>
+            <a:pPr algn="ctr"/>
+            <a:endParaRPr lang="en-US" dirty="0"/>
+          </a:p>
+        </p:txBody>
+      </p:sp>
+      <p:sp>
+        <p:nvSpPr>
+          <p:cNvPr id="1048" name="Hexagon 1047">
+            <a:extLst>
+              <a:ext uri="{FF2B5EF4-FFF2-40B4-BE49-F238E27FC236}">
+                <a16:creationId xmlns:a16="http://schemas.microsoft.com/office/drawing/2014/main" id="{1E35B54C-090A-1F13-14AA-318518BC9368}"/>
+              </a:ext>
+            </a:extLst>
+          </p:cNvPr>
+          <p:cNvSpPr>
+            <a:spLocks noChangeAspect="1"/>
+          </p:cNvSpPr>
+          <p:nvPr/>
+        </p:nvSpPr>
+        <p:spPr>
+          <a:xfrm>
+            <a:off x="3687238" y="1088921"/>
+            <a:ext cx="1101061" cy="949191"/>
+          </a:xfrm>
+          <a:prstGeom prst="hexagon">
+            <a:avLst/>
+          </a:prstGeom>
+          <a:noFill/>
+          <a:ln w="38100">
+            <a:solidFill>
+              <a:srgbClr val="C00000"/>
+            </a:solidFill>
+          </a:ln>
+        </p:spPr>
+        <p:style>
+          <a:lnRef idx="2">
+            <a:schemeClr val="accent1">
+              <a:shade val="15000"/>
+            </a:schemeClr>
+          </a:lnRef>
+          <a:fillRef idx="1">
+            <a:schemeClr val="accent1"/>
+          </a:fillRef>
+          <a:effectRef idx="0">
+            <a:schemeClr val="accent1"/>
+          </a:effectRef>
+          <a:fontRef idx="minor">
+            <a:schemeClr val="lt1"/>
+          </a:fontRef>
+        </p:style>
+        <p:txBody>
+          <a:bodyPr rtlCol="0" anchor="ctr"/>
+          <a:lstStyle/>
+          <a:p>
+            <a:pPr algn="ctr"/>
+            <a:endParaRPr lang="en-US" dirty="0"/>
+          </a:p>
+        </p:txBody>
+      </p:sp>
+      <p:sp>
+        <p:nvSpPr>
+          <p:cNvPr id="1049" name="Hexagon 1048">
+            <a:extLst>
+              <a:ext uri="{FF2B5EF4-FFF2-40B4-BE49-F238E27FC236}">
+                <a16:creationId xmlns:a16="http://schemas.microsoft.com/office/drawing/2014/main" id="{BCBB82C8-E63A-EE61-6294-25E618FEB54B}"/>
+              </a:ext>
+            </a:extLst>
+          </p:cNvPr>
+          <p:cNvSpPr>
+            <a:spLocks noChangeAspect="1"/>
+          </p:cNvSpPr>
+          <p:nvPr/>
+        </p:nvSpPr>
+        <p:spPr>
+          <a:xfrm>
+            <a:off x="4550589" y="613297"/>
+            <a:ext cx="1101061" cy="949191"/>
+          </a:xfrm>
+          <a:prstGeom prst="hexagon">
+            <a:avLst/>
+          </a:prstGeom>
+          <a:noFill/>
+          <a:ln w="38100">
+            <a:solidFill>
+              <a:srgbClr val="C00000"/>
+            </a:solidFill>
+          </a:ln>
+        </p:spPr>
+        <p:style>
+          <a:lnRef idx="2">
+            <a:schemeClr val="accent1">
+              <a:shade val="15000"/>
+            </a:schemeClr>
+          </a:lnRef>
+          <a:fillRef idx="1">
+            <a:schemeClr val="accent1"/>
+          </a:fillRef>
+          <a:effectRef idx="0">
+            <a:schemeClr val="accent1"/>
+          </a:effectRef>
+          <a:fontRef idx="minor">
+            <a:schemeClr val="lt1"/>
+          </a:fontRef>
+        </p:style>
+        <p:txBody>
+          <a:bodyPr rtlCol="0" anchor="ctr"/>
+          <a:lstStyle/>
+          <a:p>
+            <a:pPr algn="ctr"/>
+            <a:endParaRPr lang="en-US" dirty="0"/>
+          </a:p>
+        </p:txBody>
+      </p:sp>
+      <p:sp>
+        <p:nvSpPr>
+          <p:cNvPr id="1050" name="Hexagon 1049">
+            <a:extLst>
+              <a:ext uri="{FF2B5EF4-FFF2-40B4-BE49-F238E27FC236}">
+                <a16:creationId xmlns:a16="http://schemas.microsoft.com/office/drawing/2014/main" id="{70D2298F-7505-8383-97B8-EEAD8289CED8}"/>
+              </a:ext>
+            </a:extLst>
+          </p:cNvPr>
+          <p:cNvSpPr>
+            <a:spLocks noChangeAspect="1"/>
+          </p:cNvSpPr>
+          <p:nvPr/>
+        </p:nvSpPr>
+        <p:spPr>
+          <a:xfrm>
+            <a:off x="4550589" y="1565470"/>
+            <a:ext cx="1101061" cy="949191"/>
+          </a:xfrm>
+          <a:prstGeom prst="hexagon">
+            <a:avLst/>
+          </a:prstGeom>
+          <a:noFill/>
+          <a:ln w="38100">
+            <a:solidFill>
+              <a:srgbClr val="C00000"/>
+            </a:solidFill>
+          </a:ln>
+        </p:spPr>
+        <p:style>
+          <a:lnRef idx="2">
+            <a:schemeClr val="accent1">
+              <a:shade val="15000"/>
+            </a:schemeClr>
+          </a:lnRef>
+          <a:fillRef idx="1">
+            <a:schemeClr val="accent1"/>
+          </a:fillRef>
+          <a:effectRef idx="0">
+            <a:schemeClr val="accent1"/>
+          </a:effectRef>
+          <a:fontRef idx="minor">
+            <a:schemeClr val="lt1"/>
+          </a:fontRef>
+        </p:style>
+        <p:txBody>
+          <a:bodyPr rtlCol="0" anchor="ctr"/>
+          <a:lstStyle/>
+          <a:p>
+            <a:pPr algn="ctr"/>
+            <a:endParaRPr lang="en-US" dirty="0"/>
+          </a:p>
+        </p:txBody>
+      </p:sp>
+      <p:sp>
+        <p:nvSpPr>
+          <p:cNvPr id="1051" name="Hexagon 1050">
+            <a:extLst>
+              <a:ext uri="{FF2B5EF4-FFF2-40B4-BE49-F238E27FC236}">
+                <a16:creationId xmlns:a16="http://schemas.microsoft.com/office/drawing/2014/main" id="{DC63DC33-6F51-897F-07D6-CC39F55F7C19}"/>
+              </a:ext>
+            </a:extLst>
+          </p:cNvPr>
+          <p:cNvSpPr>
+            <a:spLocks noChangeAspect="1"/>
+          </p:cNvSpPr>
+          <p:nvPr/>
+        </p:nvSpPr>
+        <p:spPr>
+          <a:xfrm>
+            <a:off x="4550589" y="2524398"/>
+            <a:ext cx="1101061" cy="949191"/>
+          </a:xfrm>
+          <a:prstGeom prst="hexagon">
+            <a:avLst/>
+          </a:prstGeom>
+          <a:noFill/>
+          <a:ln w="38100">
+            <a:solidFill>
+              <a:srgbClr val="C00000"/>
+            </a:solidFill>
+          </a:ln>
+        </p:spPr>
+        <p:style>
+          <a:lnRef idx="2">
+            <a:schemeClr val="accent1">
+              <a:shade val="15000"/>
+            </a:schemeClr>
+          </a:lnRef>
+          <a:fillRef idx="1">
+            <a:schemeClr val="accent1"/>
+          </a:fillRef>
+          <a:effectRef idx="0">
+            <a:schemeClr val="accent1"/>
+          </a:effectRef>
+          <a:fontRef idx="minor">
+            <a:schemeClr val="lt1"/>
+          </a:fontRef>
+        </p:style>
+        <p:txBody>
+          <a:bodyPr rtlCol="0" anchor="ctr"/>
+          <a:lstStyle/>
+          <a:p>
+            <a:pPr algn="ctr"/>
+            <a:endParaRPr lang="en-US" dirty="0"/>
+          </a:p>
+        </p:txBody>
+      </p:sp>
+      <p:sp>
+        <p:nvSpPr>
+          <p:cNvPr id="1052" name="Hexagon 1051">
+            <a:extLst>
+              <a:ext uri="{FF2B5EF4-FFF2-40B4-BE49-F238E27FC236}">
+                <a16:creationId xmlns:a16="http://schemas.microsoft.com/office/drawing/2014/main" id="{A6BED701-B11E-C171-A218-15045EBA5BCB}"/>
+              </a:ext>
+            </a:extLst>
+          </p:cNvPr>
+          <p:cNvSpPr>
+            <a:spLocks noChangeAspect="1"/>
+          </p:cNvSpPr>
+          <p:nvPr/>
+        </p:nvSpPr>
+        <p:spPr>
+          <a:xfrm>
+            <a:off x="3694323" y="2032055"/>
+            <a:ext cx="1101061" cy="949191"/>
+          </a:xfrm>
+          <a:prstGeom prst="hexagon">
+            <a:avLst/>
+          </a:prstGeom>
+          <a:noFill/>
+          <a:ln w="38100">
+            <a:solidFill>
+              <a:srgbClr val="C00000"/>
+            </a:solidFill>
+          </a:ln>
+        </p:spPr>
+        <p:style>
+          <a:lnRef idx="2">
+            <a:schemeClr val="accent1">
+              <a:shade val="15000"/>
+            </a:schemeClr>
+          </a:lnRef>
+          <a:fillRef idx="1">
+            <a:schemeClr val="accent1"/>
+          </a:fillRef>
+          <a:effectRef idx="0">
+            <a:schemeClr val="accent1"/>
+          </a:effectRef>
+          <a:fontRef idx="minor">
+            <a:schemeClr val="lt1"/>
+          </a:fontRef>
+        </p:style>
+        <p:txBody>
+          <a:bodyPr rtlCol="0" anchor="ctr"/>
+          <a:lstStyle/>
+          <a:p>
+            <a:pPr algn="ctr"/>
+            <a:endParaRPr lang="en-US" dirty="0"/>
+          </a:p>
+        </p:txBody>
+      </p:sp>
       <p:sp>
         <p:nvSpPr>
           <p:cNvPr id="1054" name="TextBox 1053">
@@ -8815,10 +8769,10 @@
       </p:sp>
       <p:pic>
         <p:nvPicPr>
-          <p:cNvPr id="4098" name="Picture 2">
-            <a:extLst>
-              <a:ext uri="{FF2B5EF4-FFF2-40B4-BE49-F238E27FC236}">
-                <a16:creationId xmlns:a16="http://schemas.microsoft.com/office/drawing/2014/main" id="{31968811-D466-4155-9FCE-781F843E75F8}"/>
+          <p:cNvPr id="4100" name="Picture 4">
+            <a:extLst>
+              <a:ext uri="{FF2B5EF4-FFF2-40B4-BE49-F238E27FC236}">
+                <a16:creationId xmlns:a16="http://schemas.microsoft.com/office/drawing/2014/main" id="{E4643BE5-4FDF-D457-70D8-02B8733CFD5A}"/>
               </a:ext>
             </a:extLst>
           </p:cNvPr>
@@ -8829,6 +8783,7 @@
         </p:nvPicPr>
         <p:blipFill>
           <a:blip r:embed="rId2">
+            <a:alphaModFix amt="50000"/>
             <a:extLst>
               <a:ext uri="{28A0092B-C50C-407E-A947-70E740481C1C}">
                 <a14:useLocalDpi xmlns:a14="http://schemas.microsoft.com/office/drawing/2010/main" val="0"/>
@@ -8842,8 +8797,99 @@
         </p:blipFill>
         <p:spPr bwMode="auto">
           <a:xfrm>
-            <a:off x="971550" y="2657269"/>
-            <a:ext cx="5124450" cy="4048125"/>
+            <a:off x="3676649" y="2809879"/>
+            <a:ext cx="2489753" cy="3725863"/>
+          </a:xfrm>
+          <a:prstGeom prst="rect">
+            <a:avLst/>
+          </a:prstGeom>
+          <a:noFill/>
+          <a:extLst>
+            <a:ext uri="{909E8E84-426E-40DD-AFC4-6F175D3DCCD1}">
+              <a14:hiddenFill xmlns:a14="http://schemas.microsoft.com/office/drawing/2010/main">
+                <a:solidFill>
+                  <a:srgbClr val="FFFFFF"/>
+                </a:solidFill>
+              </a14:hiddenFill>
+            </a:ext>
+          </a:extLst>
+        </p:spPr>
+      </p:pic>
+      <p:sp>
+        <p:nvSpPr>
+          <p:cNvPr id="4" name="TextBox 3">
+            <a:extLst>
+              <a:ext uri="{FF2B5EF4-FFF2-40B4-BE49-F238E27FC236}">
+                <a16:creationId xmlns:a16="http://schemas.microsoft.com/office/drawing/2014/main" id="{AC4A5B27-C4F3-1037-B614-0F2CAFB6D70B}"/>
+              </a:ext>
+            </a:extLst>
+          </p:cNvPr>
+          <p:cNvSpPr txBox="1"/>
+          <p:nvPr/>
+        </p:nvSpPr>
+        <p:spPr>
+          <a:xfrm>
+            <a:off x="2330726" y="2034956"/>
+            <a:ext cx="2590800" cy="646331"/>
+          </a:xfrm>
+          <a:prstGeom prst="rect">
+            <a:avLst/>
+          </a:prstGeom>
+          <a:noFill/>
+        </p:spPr>
+        <p:txBody>
+          <a:bodyPr wrap="square" rtlCol="0">
+            <a:spAutoFit/>
+          </a:bodyPr>
+          <a:lstStyle/>
+          <a:p>
+            <a:pPr algn="ctr"/>
+            <a:r>
+              <a:rPr lang="en-US" dirty="0"/>
+              <a:t>s = 0.0241 (0.02), </a:t>
+            </a:r>
+            <a:br>
+              <a:rPr lang="en-US" dirty="0"/>
+            </a:br>
+            <a:r>
+              <a:rPr lang="en-US" dirty="0"/>
+              <a:t>Lx, Ly = 12.40, 19.60</a:t>
+            </a:r>
+          </a:p>
+        </p:txBody>
+      </p:sp>
+      <p:pic>
+        <p:nvPicPr>
+          <p:cNvPr id="4108" name="Picture 12">
+            <a:extLst>
+              <a:ext uri="{FF2B5EF4-FFF2-40B4-BE49-F238E27FC236}">
+                <a16:creationId xmlns:a16="http://schemas.microsoft.com/office/drawing/2014/main" id="{60F7F9AD-9CDE-73DA-ECFD-5D613E7773B6}"/>
+              </a:ext>
+            </a:extLst>
+          </p:cNvPr>
+          <p:cNvPicPr>
+            <a:picLocks noChangeAspect="1" noChangeArrowheads="1"/>
+          </p:cNvPicPr>
+          <p:nvPr/>
+        </p:nvPicPr>
+        <p:blipFill>
+          <a:blip r:embed="rId3">
+            <a:alphaModFix amt="50000"/>
+            <a:extLst>
+              <a:ext uri="{28A0092B-C50C-407E-A947-70E740481C1C}">
+                <a14:useLocalDpi xmlns:a14="http://schemas.microsoft.com/office/drawing/2010/main" val="0"/>
+              </a:ext>
+            </a:extLst>
+          </a:blip>
+          <a:srcRect/>
+          <a:stretch>
+            <a:fillRect/>
+          </a:stretch>
+        </p:blipFill>
+        <p:spPr bwMode="auto">
+          <a:xfrm>
+            <a:off x="3352800" y="2609854"/>
+            <a:ext cx="2489753" cy="3725863"/>
           </a:xfrm>
           <a:prstGeom prst="rect">
             <a:avLst/>

--- a/graftdist.pptx
+++ b/graftdist.pptx
@@ -5651,10 +5651,10 @@
       </p:grpSpPr>
       <p:grpSp>
         <p:nvGrpSpPr>
-          <p:cNvPr id="3077" name="Group 3076">
-            <a:extLst>
-              <a:ext uri="{FF2B5EF4-FFF2-40B4-BE49-F238E27FC236}">
-                <a16:creationId xmlns:a16="http://schemas.microsoft.com/office/drawing/2014/main" id="{25E8B0F5-95E9-1B89-1BB9-107880E0EC01}"/>
+          <p:cNvPr id="3123" name="Group 3122">
+            <a:extLst>
+              <a:ext uri="{FF2B5EF4-FFF2-40B4-BE49-F238E27FC236}">
+                <a16:creationId xmlns:a16="http://schemas.microsoft.com/office/drawing/2014/main" id="{9A8164A6-CA96-945E-BD6C-0DA9E2006A3B}"/>
               </a:ext>
             </a:extLst>
           </p:cNvPr>
@@ -5663,2965 +5663,18 @@
         </p:nvGrpSpPr>
         <p:grpSpPr>
           <a:xfrm>
-            <a:off x="4977042" y="3369366"/>
-            <a:ext cx="4114197" cy="3264818"/>
-            <a:chOff x="5372559" y="3275926"/>
-            <a:chExt cx="4114197" cy="3264818"/>
+            <a:off x="3935720" y="567055"/>
+            <a:ext cx="3955455" cy="3472788"/>
+            <a:chOff x="9342443" y="3203112"/>
+            <a:chExt cx="2586642" cy="2271005"/>
           </a:xfrm>
         </p:grpSpPr>
         <p:pic>
           <p:nvPicPr>
-            <p:cNvPr id="3072" name="Picture 4">
+            <p:cNvPr id="3119" name="Picture 6">
               <a:extLst>
                 <a:ext uri="{FF2B5EF4-FFF2-40B4-BE49-F238E27FC236}">
-                  <a16:creationId xmlns:a16="http://schemas.microsoft.com/office/drawing/2014/main" id="{184CE8AE-3594-2BDE-D399-2FD63A23A89C}"/>
-                </a:ext>
-              </a:extLst>
-            </p:cNvPr>
-            <p:cNvPicPr>
-              <a:picLocks noChangeAspect="1" noChangeArrowheads="1"/>
-            </p:cNvPicPr>
-            <p:nvPr/>
-          </p:nvPicPr>
-          <p:blipFill rotWithShape="1">
-            <a:blip r:embed="rId2">
-              <a:extLst>
-                <a:ext uri="{28A0092B-C50C-407E-A947-70E740481C1C}">
-                  <a14:useLocalDpi xmlns:a14="http://schemas.microsoft.com/office/drawing/2010/main" val="0"/>
-                </a:ext>
-              </a:extLst>
-            </a:blip>
-            <a:srcRect t="45588" r="45616"/>
-            <a:stretch/>
-          </p:blipFill>
-          <p:spPr bwMode="auto">
-            <a:xfrm flipV="1">
-              <a:off x="5373011" y="3275926"/>
-              <a:ext cx="2122804" cy="1677768"/>
-            </a:xfrm>
-            <a:prstGeom prst="rect">
-              <a:avLst/>
-            </a:prstGeom>
-            <a:noFill/>
-            <a:extLst>
-              <a:ext uri="{909E8E84-426E-40DD-AFC4-6F175D3DCCD1}">
-                <a14:hiddenFill xmlns:a14="http://schemas.microsoft.com/office/drawing/2010/main">
-                  <a:solidFill>
-                    <a:srgbClr val="FFFFFF"/>
-                  </a:solidFill>
-                </a14:hiddenFill>
-              </a:ext>
-            </a:extLst>
-          </p:spPr>
-        </p:pic>
-        <p:pic>
-          <p:nvPicPr>
-            <p:cNvPr id="3073" name="Picture 4">
-              <a:extLst>
-                <a:ext uri="{FF2B5EF4-FFF2-40B4-BE49-F238E27FC236}">
-                  <a16:creationId xmlns:a16="http://schemas.microsoft.com/office/drawing/2014/main" id="{9F73C72B-B449-602B-2B9E-E02901237B6A}"/>
-                </a:ext>
-              </a:extLst>
-            </p:cNvPr>
-            <p:cNvPicPr>
-              <a:picLocks noChangeAspect="1" noChangeArrowheads="1"/>
-            </p:cNvPicPr>
-            <p:nvPr/>
-          </p:nvPicPr>
-          <p:blipFill rotWithShape="1">
-            <a:blip r:embed="rId2">
-              <a:extLst>
-                <a:ext uri="{28A0092B-C50C-407E-A947-70E740481C1C}">
-                  <a14:useLocalDpi xmlns:a14="http://schemas.microsoft.com/office/drawing/2010/main" val="0"/>
-                </a:ext>
-              </a:extLst>
-            </a:blip>
-            <a:srcRect t="45588" r="45616"/>
-            <a:stretch/>
-          </p:blipFill>
-          <p:spPr bwMode="auto">
-            <a:xfrm flipH="1">
-              <a:off x="7363952" y="4862976"/>
-              <a:ext cx="2122804" cy="1677768"/>
-            </a:xfrm>
-            <a:prstGeom prst="rect">
-              <a:avLst/>
-            </a:prstGeom>
-            <a:noFill/>
-            <a:extLst>
-              <a:ext uri="{909E8E84-426E-40DD-AFC4-6F175D3DCCD1}">
-                <a14:hiddenFill xmlns:a14="http://schemas.microsoft.com/office/drawing/2010/main">
-                  <a:solidFill>
-                    <a:srgbClr val="FFFFFF"/>
-                  </a:solidFill>
-                </a14:hiddenFill>
-              </a:ext>
-            </a:extLst>
-          </p:spPr>
-        </p:pic>
-        <p:pic>
-          <p:nvPicPr>
-            <p:cNvPr id="3075" name="Picture 4">
-              <a:extLst>
-                <a:ext uri="{FF2B5EF4-FFF2-40B4-BE49-F238E27FC236}">
-                  <a16:creationId xmlns:a16="http://schemas.microsoft.com/office/drawing/2014/main" id="{907612C4-2503-1A52-B7ED-898048AE225B}"/>
-                </a:ext>
-              </a:extLst>
-            </p:cNvPr>
-            <p:cNvPicPr>
-              <a:picLocks noChangeAspect="1" noChangeArrowheads="1"/>
-            </p:cNvPicPr>
-            <p:nvPr/>
-          </p:nvPicPr>
-          <p:blipFill rotWithShape="1">
-            <a:blip r:embed="rId2">
-              <a:extLst>
-                <a:ext uri="{28A0092B-C50C-407E-A947-70E740481C1C}">
-                  <a14:useLocalDpi xmlns:a14="http://schemas.microsoft.com/office/drawing/2010/main" val="0"/>
-                </a:ext>
-              </a:extLst>
-            </a:blip>
-            <a:srcRect t="45588" r="45616"/>
-            <a:stretch/>
-          </p:blipFill>
-          <p:spPr bwMode="auto">
-            <a:xfrm flipH="1" flipV="1">
-              <a:off x="7360090" y="3276778"/>
-              <a:ext cx="2122804" cy="1677768"/>
-            </a:xfrm>
-            <a:prstGeom prst="rect">
-              <a:avLst/>
-            </a:prstGeom>
-            <a:noFill/>
-            <a:extLst>
-              <a:ext uri="{909E8E84-426E-40DD-AFC4-6F175D3DCCD1}">
-                <a14:hiddenFill xmlns:a14="http://schemas.microsoft.com/office/drawing/2010/main">
-                  <a:solidFill>
-                    <a:srgbClr val="FFFFFF"/>
-                  </a:solidFill>
-                </a14:hiddenFill>
-              </a:ext>
-            </a:extLst>
-          </p:spPr>
-        </p:pic>
-        <p:pic>
-          <p:nvPicPr>
-            <p:cNvPr id="63" name="Picture 4">
-              <a:extLst>
-                <a:ext uri="{FF2B5EF4-FFF2-40B4-BE49-F238E27FC236}">
-                  <a16:creationId xmlns:a16="http://schemas.microsoft.com/office/drawing/2014/main" id="{1D512265-1D3A-AE4E-3FED-56915B5F7553}"/>
-                </a:ext>
-              </a:extLst>
-            </p:cNvPr>
-            <p:cNvPicPr>
-              <a:picLocks noChangeAspect="1" noChangeArrowheads="1"/>
-            </p:cNvPicPr>
-            <p:nvPr/>
-          </p:nvPicPr>
-          <p:blipFill rotWithShape="1">
-            <a:blip r:embed="rId2">
-              <a:extLst>
-                <a:ext uri="{28A0092B-C50C-407E-A947-70E740481C1C}">
-                  <a14:useLocalDpi xmlns:a14="http://schemas.microsoft.com/office/drawing/2010/main" val="0"/>
-                </a:ext>
-              </a:extLst>
-            </a:blip>
-            <a:srcRect t="45588" r="45616"/>
-            <a:stretch/>
-          </p:blipFill>
-          <p:spPr bwMode="auto">
-            <a:xfrm>
-              <a:off x="5372559" y="4861938"/>
-              <a:ext cx="2122804" cy="1677768"/>
-            </a:xfrm>
-            <a:prstGeom prst="rect">
-              <a:avLst/>
-            </a:prstGeom>
-            <a:noFill/>
-            <a:extLst>
-              <a:ext uri="{909E8E84-426E-40DD-AFC4-6F175D3DCCD1}">
-                <a14:hiddenFill xmlns:a14="http://schemas.microsoft.com/office/drawing/2010/main">
-                  <a:solidFill>
-                    <a:srgbClr val="FFFFFF"/>
-                  </a:solidFill>
-                </a14:hiddenFill>
-              </a:ext>
-            </a:extLst>
-          </p:spPr>
-        </p:pic>
-      </p:grpSp>
-      <p:grpSp>
-        <p:nvGrpSpPr>
-          <p:cNvPr id="3084" name="Group 3083">
-            <a:extLst>
-              <a:ext uri="{FF2B5EF4-FFF2-40B4-BE49-F238E27FC236}">
-                <a16:creationId xmlns:a16="http://schemas.microsoft.com/office/drawing/2014/main" id="{E4F62389-8853-FBE1-E0EA-1D4D4768D4C3}"/>
-              </a:ext>
-            </a:extLst>
-          </p:cNvPr>
-          <p:cNvGrpSpPr/>
-          <p:nvPr/>
-        </p:nvGrpSpPr>
-        <p:grpSpPr>
-          <a:xfrm>
-            <a:off x="4971040" y="869729"/>
-            <a:ext cx="4140152" cy="2931450"/>
-            <a:chOff x="5372559" y="3275926"/>
-            <a:chExt cx="4140152" cy="2931450"/>
-          </a:xfrm>
-        </p:grpSpPr>
-        <p:pic>
-          <p:nvPicPr>
-            <p:cNvPr id="3085" name="Picture 4">
-              <a:extLst>
-                <a:ext uri="{FF2B5EF4-FFF2-40B4-BE49-F238E27FC236}">
-                  <a16:creationId xmlns:a16="http://schemas.microsoft.com/office/drawing/2014/main" id="{986F11D2-F8EE-1BAE-E592-6385B8D302F6}"/>
-                </a:ext>
-              </a:extLst>
-            </p:cNvPr>
-            <p:cNvPicPr>
-              <a:picLocks noChangeAspect="1" noChangeArrowheads="1"/>
-            </p:cNvPicPr>
-            <p:nvPr/>
-          </p:nvPicPr>
-          <p:blipFill rotWithShape="1">
-            <a:blip r:embed="rId2">
-              <a:extLst>
-                <a:ext uri="{28A0092B-C50C-407E-A947-70E740481C1C}">
-                  <a14:useLocalDpi xmlns:a14="http://schemas.microsoft.com/office/drawing/2010/main" val="0"/>
-                </a:ext>
-              </a:extLst>
-            </a:blip>
-            <a:srcRect t="45588" r="45616"/>
-            <a:stretch/>
-          </p:blipFill>
-          <p:spPr bwMode="auto">
-            <a:xfrm flipV="1">
-              <a:off x="5373011" y="3275926"/>
-              <a:ext cx="2122804" cy="1677768"/>
-            </a:xfrm>
-            <a:prstGeom prst="rect">
-              <a:avLst/>
-            </a:prstGeom>
-            <a:noFill/>
-            <a:extLst>
-              <a:ext uri="{909E8E84-426E-40DD-AFC4-6F175D3DCCD1}">
-                <a14:hiddenFill xmlns:a14="http://schemas.microsoft.com/office/drawing/2010/main">
-                  <a:solidFill>
-                    <a:srgbClr val="FFFFFF"/>
-                  </a:solidFill>
-                </a14:hiddenFill>
-              </a:ext>
-            </a:extLst>
-          </p:spPr>
-        </p:pic>
-        <p:pic>
-          <p:nvPicPr>
-            <p:cNvPr id="3086" name="Picture 4">
-              <a:extLst>
-                <a:ext uri="{FF2B5EF4-FFF2-40B4-BE49-F238E27FC236}">
-                  <a16:creationId xmlns:a16="http://schemas.microsoft.com/office/drawing/2014/main" id="{73E59054-379E-3C61-E2AF-0C2559473002}"/>
-                </a:ext>
-              </a:extLst>
-            </p:cNvPr>
-            <p:cNvPicPr>
-              <a:picLocks noChangeAspect="1" noChangeArrowheads="1"/>
-            </p:cNvPicPr>
-            <p:nvPr/>
-          </p:nvPicPr>
-          <p:blipFill rotWithShape="1">
-            <a:blip r:embed="rId2">
-              <a:extLst>
-                <a:ext uri="{28A0092B-C50C-407E-A947-70E740481C1C}">
-                  <a14:useLocalDpi xmlns:a14="http://schemas.microsoft.com/office/drawing/2010/main" val="0"/>
-                </a:ext>
-              </a:extLst>
-            </a:blip>
-            <a:srcRect t="45588" r="45616" b="10811"/>
-            <a:stretch/>
-          </p:blipFill>
-          <p:spPr bwMode="auto">
-            <a:xfrm flipH="1">
-              <a:off x="7363952" y="4862976"/>
-              <a:ext cx="2122804" cy="1344400"/>
-            </a:xfrm>
-            <a:prstGeom prst="rect">
-              <a:avLst/>
-            </a:prstGeom>
-            <a:noFill/>
-            <a:extLst>
-              <a:ext uri="{909E8E84-426E-40DD-AFC4-6F175D3DCCD1}">
-                <a14:hiddenFill xmlns:a14="http://schemas.microsoft.com/office/drawing/2010/main">
-                  <a:solidFill>
-                    <a:srgbClr val="FFFFFF"/>
-                  </a:solidFill>
-                </a14:hiddenFill>
-              </a:ext>
-            </a:extLst>
-          </p:spPr>
-        </p:pic>
-        <p:pic>
-          <p:nvPicPr>
-            <p:cNvPr id="3087" name="Picture 4">
-              <a:extLst>
-                <a:ext uri="{FF2B5EF4-FFF2-40B4-BE49-F238E27FC236}">
-                  <a16:creationId xmlns:a16="http://schemas.microsoft.com/office/drawing/2014/main" id="{FAD10537-A7AA-ADC1-B948-E1D397A77338}"/>
-                </a:ext>
-              </a:extLst>
-            </p:cNvPr>
-            <p:cNvPicPr>
-              <a:picLocks noChangeAspect="1" noChangeArrowheads="1"/>
-            </p:cNvPicPr>
-            <p:nvPr/>
-          </p:nvPicPr>
-          <p:blipFill rotWithShape="1">
-            <a:blip r:embed="rId2">
-              <a:extLst>
-                <a:ext uri="{28A0092B-C50C-407E-A947-70E740481C1C}">
-                  <a14:useLocalDpi xmlns:a14="http://schemas.microsoft.com/office/drawing/2010/main" val="0"/>
-                </a:ext>
-              </a:extLst>
-            </a:blip>
-            <a:srcRect t="45588" r="45616"/>
-            <a:stretch/>
-          </p:blipFill>
-          <p:spPr bwMode="auto">
-            <a:xfrm flipH="1" flipV="1">
-              <a:off x="7389907" y="3276778"/>
-              <a:ext cx="2122804" cy="1677768"/>
-            </a:xfrm>
-            <a:prstGeom prst="rect">
-              <a:avLst/>
-            </a:prstGeom>
-            <a:noFill/>
-            <a:extLst>
-              <a:ext uri="{909E8E84-426E-40DD-AFC4-6F175D3DCCD1}">
-                <a14:hiddenFill xmlns:a14="http://schemas.microsoft.com/office/drawing/2010/main">
-                  <a:solidFill>
-                    <a:srgbClr val="FFFFFF"/>
-                  </a:solidFill>
-                </a14:hiddenFill>
-              </a:ext>
-            </a:extLst>
-          </p:spPr>
-        </p:pic>
-        <p:pic>
-          <p:nvPicPr>
-            <p:cNvPr id="3088" name="Picture 4">
-              <a:extLst>
-                <a:ext uri="{FF2B5EF4-FFF2-40B4-BE49-F238E27FC236}">
-                  <a16:creationId xmlns:a16="http://schemas.microsoft.com/office/drawing/2014/main" id="{431FCFAE-3530-B05E-1C38-AB3E0DB64E70}"/>
-                </a:ext>
-              </a:extLst>
-            </p:cNvPr>
-            <p:cNvPicPr>
-              <a:picLocks noChangeAspect="1" noChangeArrowheads="1"/>
-            </p:cNvPicPr>
-            <p:nvPr/>
-          </p:nvPicPr>
-          <p:blipFill rotWithShape="1">
-            <a:blip r:embed="rId2">
-              <a:extLst>
-                <a:ext uri="{28A0092B-C50C-407E-A947-70E740481C1C}">
-                  <a14:useLocalDpi xmlns:a14="http://schemas.microsoft.com/office/drawing/2010/main" val="0"/>
-                </a:ext>
-              </a:extLst>
-            </a:blip>
-            <a:srcRect t="45588" r="45616" b="10811"/>
-            <a:stretch/>
-          </p:blipFill>
-          <p:spPr bwMode="auto">
-            <a:xfrm>
-              <a:off x="5372559" y="4861938"/>
-              <a:ext cx="2122804" cy="1344400"/>
-            </a:xfrm>
-            <a:prstGeom prst="rect">
-              <a:avLst/>
-            </a:prstGeom>
-            <a:noFill/>
-            <a:extLst>
-              <a:ext uri="{909E8E84-426E-40DD-AFC4-6F175D3DCCD1}">
-                <a14:hiddenFill xmlns:a14="http://schemas.microsoft.com/office/drawing/2010/main">
-                  <a:solidFill>
-                    <a:srgbClr val="FFFFFF"/>
-                  </a:solidFill>
-                </a14:hiddenFill>
-              </a:ext>
-            </a:extLst>
-          </p:spPr>
-        </p:pic>
-      </p:grpSp>
-      <p:pic>
-        <p:nvPicPr>
-          <p:cNvPr id="3076" name="Picture 4">
-            <a:extLst>
-              <a:ext uri="{FF2B5EF4-FFF2-40B4-BE49-F238E27FC236}">
-                <a16:creationId xmlns:a16="http://schemas.microsoft.com/office/drawing/2014/main" id="{95E48A55-5668-73BD-334A-28D117C202E7}"/>
-              </a:ext>
-            </a:extLst>
-          </p:cNvPr>
-          <p:cNvPicPr>
-            <a:picLocks noChangeAspect="1" noChangeArrowheads="1"/>
-          </p:cNvPicPr>
-          <p:nvPr/>
-        </p:nvPicPr>
-        <p:blipFill rotWithShape="1">
-          <a:blip r:embed="rId2">
-            <a:extLst>
-              <a:ext uri="{28A0092B-C50C-407E-A947-70E740481C1C}">
-                <a14:useLocalDpi xmlns:a14="http://schemas.microsoft.com/office/drawing/2010/main" val="0"/>
-              </a:ext>
-            </a:extLst>
-          </a:blip>
-          <a:srcRect r="3318"/>
-          <a:stretch/>
-        </p:blipFill>
-        <p:spPr bwMode="auto">
-          <a:xfrm>
-            <a:off x="1635291" y="3602313"/>
-            <a:ext cx="3773797" cy="3083451"/>
-          </a:xfrm>
-          <a:prstGeom prst="rect">
-            <a:avLst/>
-          </a:prstGeom>
-          <a:noFill/>
-          <a:extLst>
-            <a:ext uri="{909E8E84-426E-40DD-AFC4-6F175D3DCCD1}">
-              <a14:hiddenFill xmlns:a14="http://schemas.microsoft.com/office/drawing/2010/main">
-                <a:solidFill>
-                  <a:srgbClr val="FFFFFF"/>
-                </a:solidFill>
-              </a14:hiddenFill>
-            </a:ext>
-          </a:extLst>
-        </p:spPr>
-      </p:pic>
-      <p:pic>
-        <p:nvPicPr>
-          <p:cNvPr id="61" name="Picture 4">
-            <a:extLst>
-              <a:ext uri="{FF2B5EF4-FFF2-40B4-BE49-F238E27FC236}">
-                <a16:creationId xmlns:a16="http://schemas.microsoft.com/office/drawing/2014/main" id="{01C5FAF4-8938-4415-FE39-7F49CB0B59EB}"/>
-              </a:ext>
-            </a:extLst>
-          </p:cNvPr>
-          <p:cNvPicPr>
-            <a:picLocks noChangeAspect="1" noChangeArrowheads="1"/>
-          </p:cNvPicPr>
-          <p:nvPr/>
-        </p:nvPicPr>
-        <p:blipFill rotWithShape="1">
-          <a:blip r:embed="rId2">
-            <a:extLst>
-              <a:ext uri="{28A0092B-C50C-407E-A947-70E740481C1C}">
-                <a14:useLocalDpi xmlns:a14="http://schemas.microsoft.com/office/drawing/2010/main" val="0"/>
-              </a:ext>
-            </a:extLst>
-          </a:blip>
-          <a:srcRect r="1544" b="11483"/>
-          <a:stretch/>
-        </p:blipFill>
-        <p:spPr bwMode="auto">
-          <a:xfrm>
-            <a:off x="1641260" y="1028971"/>
-            <a:ext cx="3843017" cy="2729383"/>
-          </a:xfrm>
-          <a:prstGeom prst="rect">
-            <a:avLst/>
-          </a:prstGeom>
-          <a:noFill/>
-          <a:extLst>
-            <a:ext uri="{909E8E84-426E-40DD-AFC4-6F175D3DCCD1}">
-              <a14:hiddenFill xmlns:a14="http://schemas.microsoft.com/office/drawing/2010/main">
-                <a:solidFill>
-                  <a:srgbClr val="FFFFFF"/>
-                </a:solidFill>
-              </a14:hiddenFill>
-            </a:ext>
-          </a:extLst>
-        </p:spPr>
-      </p:pic>
-      <p:sp>
-        <p:nvSpPr>
-          <p:cNvPr id="15" name="Hexagon 14">
-            <a:extLst>
-              <a:ext uri="{FF2B5EF4-FFF2-40B4-BE49-F238E27FC236}">
-                <a16:creationId xmlns:a16="http://schemas.microsoft.com/office/drawing/2014/main" id="{CA210AD0-1184-0ED8-8314-9C67458F11F8}"/>
-              </a:ext>
-            </a:extLst>
-          </p:cNvPr>
-          <p:cNvSpPr>
-            <a:spLocks noChangeAspect="1"/>
-          </p:cNvSpPr>
-          <p:nvPr/>
-        </p:nvSpPr>
-        <p:spPr>
-          <a:xfrm>
-            <a:off x="1583273" y="3351248"/>
-            <a:ext cx="1027723" cy="885969"/>
-          </a:xfrm>
-          <a:prstGeom prst="hexagon">
-            <a:avLst/>
-          </a:prstGeom>
-          <a:noFill/>
-          <a:ln w="38100">
-            <a:solidFill>
-              <a:srgbClr val="C00000"/>
-            </a:solidFill>
-          </a:ln>
-        </p:spPr>
-        <p:style>
-          <a:lnRef idx="2">
-            <a:schemeClr val="accent1">
-              <a:shade val="15000"/>
-            </a:schemeClr>
-          </a:lnRef>
-          <a:fillRef idx="1">
-            <a:schemeClr val="accent1"/>
-          </a:fillRef>
-          <a:effectRef idx="0">
-            <a:schemeClr val="accent1"/>
-          </a:effectRef>
-          <a:fontRef idx="minor">
-            <a:schemeClr val="lt1"/>
-          </a:fontRef>
-        </p:style>
-        <p:txBody>
-          <a:bodyPr rtlCol="0" anchor="ctr"/>
-          <a:lstStyle/>
-          <a:p>
-            <a:pPr algn="ctr"/>
-            <a:endParaRPr lang="en-US" dirty="0"/>
-          </a:p>
-        </p:txBody>
-      </p:sp>
-      <p:sp>
-        <p:nvSpPr>
-          <p:cNvPr id="16" name="Hexagon 15">
-            <a:extLst>
-              <a:ext uri="{FF2B5EF4-FFF2-40B4-BE49-F238E27FC236}">
-                <a16:creationId xmlns:a16="http://schemas.microsoft.com/office/drawing/2014/main" id="{F7E5B642-D6DC-27D1-AAAE-9D95E7839BBD}"/>
-              </a:ext>
-            </a:extLst>
-          </p:cNvPr>
-          <p:cNvSpPr>
-            <a:spLocks noChangeAspect="1"/>
-          </p:cNvSpPr>
-          <p:nvPr/>
-        </p:nvSpPr>
-        <p:spPr>
-          <a:xfrm>
-            <a:off x="1576606" y="4240001"/>
-            <a:ext cx="1027723" cy="885969"/>
-          </a:xfrm>
-          <a:prstGeom prst="hexagon">
-            <a:avLst/>
-          </a:prstGeom>
-          <a:noFill/>
-          <a:ln w="38100">
-            <a:solidFill>
-              <a:srgbClr val="C00000"/>
-            </a:solidFill>
-          </a:ln>
-        </p:spPr>
-        <p:style>
-          <a:lnRef idx="2">
-            <a:schemeClr val="accent1">
-              <a:shade val="15000"/>
-            </a:schemeClr>
-          </a:lnRef>
-          <a:fillRef idx="1">
-            <a:schemeClr val="accent1"/>
-          </a:fillRef>
-          <a:effectRef idx="0">
-            <a:schemeClr val="accent1"/>
-          </a:effectRef>
-          <a:fontRef idx="minor">
-            <a:schemeClr val="lt1"/>
-          </a:fontRef>
-        </p:style>
-        <p:txBody>
-          <a:bodyPr rtlCol="0" anchor="ctr"/>
-          <a:lstStyle/>
-          <a:p>
-            <a:pPr algn="ctr"/>
-            <a:endParaRPr lang="en-US" dirty="0"/>
-          </a:p>
-        </p:txBody>
-      </p:sp>
-      <p:sp>
-        <p:nvSpPr>
-          <p:cNvPr id="17" name="Hexagon 16">
-            <a:extLst>
-              <a:ext uri="{FF2B5EF4-FFF2-40B4-BE49-F238E27FC236}">
-                <a16:creationId xmlns:a16="http://schemas.microsoft.com/office/drawing/2014/main" id="{04A1A5EA-4A1F-BC6E-3692-7F058625DEE6}"/>
-              </a:ext>
-            </a:extLst>
-          </p:cNvPr>
-          <p:cNvSpPr>
-            <a:spLocks noChangeAspect="1"/>
-          </p:cNvSpPr>
-          <p:nvPr/>
-        </p:nvSpPr>
-        <p:spPr>
-          <a:xfrm>
-            <a:off x="1576606" y="5121722"/>
-            <a:ext cx="1027723" cy="885969"/>
-          </a:xfrm>
-          <a:prstGeom prst="hexagon">
-            <a:avLst/>
-          </a:prstGeom>
-          <a:noFill/>
-          <a:ln w="38100">
-            <a:solidFill>
-              <a:srgbClr val="C00000"/>
-            </a:solidFill>
-          </a:ln>
-        </p:spPr>
-        <p:style>
-          <a:lnRef idx="2">
-            <a:schemeClr val="accent1">
-              <a:shade val="15000"/>
-            </a:schemeClr>
-          </a:lnRef>
-          <a:fillRef idx="1">
-            <a:schemeClr val="accent1"/>
-          </a:fillRef>
-          <a:effectRef idx="0">
-            <a:schemeClr val="accent1"/>
-          </a:effectRef>
-          <a:fontRef idx="minor">
-            <a:schemeClr val="lt1"/>
-          </a:fontRef>
-        </p:style>
-        <p:txBody>
-          <a:bodyPr rtlCol="0" anchor="ctr"/>
-          <a:lstStyle/>
-          <a:p>
-            <a:pPr algn="ctr"/>
-            <a:endParaRPr lang="en-US" dirty="0"/>
-          </a:p>
-        </p:txBody>
-      </p:sp>
-      <p:sp>
-        <p:nvSpPr>
-          <p:cNvPr id="18" name="Hexagon 17">
-            <a:extLst>
-              <a:ext uri="{FF2B5EF4-FFF2-40B4-BE49-F238E27FC236}">
-                <a16:creationId xmlns:a16="http://schemas.microsoft.com/office/drawing/2014/main" id="{7B802C25-E8E5-3AD5-AA86-EC56DD658921}"/>
-              </a:ext>
-            </a:extLst>
-          </p:cNvPr>
-          <p:cNvSpPr>
-            <a:spLocks noChangeAspect="1"/>
-          </p:cNvSpPr>
-          <p:nvPr/>
-        </p:nvSpPr>
-        <p:spPr>
-          <a:xfrm>
-            <a:off x="2385518" y="5566828"/>
-            <a:ext cx="1027723" cy="885969"/>
-          </a:xfrm>
-          <a:prstGeom prst="hexagon">
-            <a:avLst/>
-          </a:prstGeom>
-          <a:noFill/>
-          <a:ln w="38100">
-            <a:solidFill>
-              <a:srgbClr val="C00000"/>
-            </a:solidFill>
-          </a:ln>
-        </p:spPr>
-        <p:style>
-          <a:lnRef idx="2">
-            <a:schemeClr val="accent1">
-              <a:shade val="15000"/>
-            </a:schemeClr>
-          </a:lnRef>
-          <a:fillRef idx="1">
-            <a:schemeClr val="accent1"/>
-          </a:fillRef>
-          <a:effectRef idx="0">
-            <a:schemeClr val="accent1"/>
-          </a:effectRef>
-          <a:fontRef idx="minor">
-            <a:schemeClr val="lt1"/>
-          </a:fontRef>
-        </p:style>
-        <p:txBody>
-          <a:bodyPr rtlCol="0" anchor="ctr"/>
-          <a:lstStyle/>
-          <a:p>
-            <a:pPr algn="ctr"/>
-            <a:endParaRPr lang="en-US" dirty="0"/>
-          </a:p>
-        </p:txBody>
-      </p:sp>
-      <p:sp>
-        <p:nvSpPr>
-          <p:cNvPr id="19" name="Hexagon 18">
-            <a:extLst>
-              <a:ext uri="{FF2B5EF4-FFF2-40B4-BE49-F238E27FC236}">
-                <a16:creationId xmlns:a16="http://schemas.microsoft.com/office/drawing/2014/main" id="{F264AC56-895C-CBF0-AB22-DC2EB760F723}"/>
-              </a:ext>
-            </a:extLst>
-          </p:cNvPr>
-          <p:cNvSpPr>
-            <a:spLocks noChangeAspect="1"/>
-          </p:cNvSpPr>
-          <p:nvPr/>
-        </p:nvSpPr>
-        <p:spPr>
-          <a:xfrm>
-            <a:off x="2385518" y="4684378"/>
-            <a:ext cx="1027723" cy="885969"/>
-          </a:xfrm>
-          <a:prstGeom prst="hexagon">
-            <a:avLst/>
-          </a:prstGeom>
-          <a:noFill/>
-          <a:ln w="38100">
-            <a:solidFill>
-              <a:srgbClr val="C00000"/>
-            </a:solidFill>
-          </a:ln>
-        </p:spPr>
-        <p:style>
-          <a:lnRef idx="2">
-            <a:schemeClr val="accent1">
-              <a:shade val="15000"/>
-            </a:schemeClr>
-          </a:lnRef>
-          <a:fillRef idx="1">
-            <a:schemeClr val="accent1"/>
-          </a:fillRef>
-          <a:effectRef idx="0">
-            <a:schemeClr val="accent1"/>
-          </a:effectRef>
-          <a:fontRef idx="minor">
-            <a:schemeClr val="lt1"/>
-          </a:fontRef>
-        </p:style>
-        <p:txBody>
-          <a:bodyPr rtlCol="0" anchor="ctr"/>
-          <a:lstStyle/>
-          <a:p>
-            <a:pPr algn="ctr"/>
-            <a:endParaRPr lang="en-US" dirty="0"/>
-          </a:p>
-        </p:txBody>
-      </p:sp>
-      <p:sp>
-        <p:nvSpPr>
-          <p:cNvPr id="20" name="Hexagon 19">
-            <a:extLst>
-              <a:ext uri="{FF2B5EF4-FFF2-40B4-BE49-F238E27FC236}">
-                <a16:creationId xmlns:a16="http://schemas.microsoft.com/office/drawing/2014/main" id="{07B9D637-BA96-2B7F-EBC9-5B688778148D}"/>
-              </a:ext>
-            </a:extLst>
-          </p:cNvPr>
-          <p:cNvSpPr>
-            <a:spLocks noChangeAspect="1"/>
-          </p:cNvSpPr>
-          <p:nvPr/>
-        </p:nvSpPr>
-        <p:spPr>
-          <a:xfrm>
-            <a:off x="2385518" y="3801928"/>
-            <a:ext cx="1027723" cy="885969"/>
-          </a:xfrm>
-          <a:prstGeom prst="hexagon">
-            <a:avLst/>
-          </a:prstGeom>
-          <a:noFill/>
-          <a:ln w="38100">
-            <a:solidFill>
-              <a:srgbClr val="C00000"/>
-            </a:solidFill>
-          </a:ln>
-        </p:spPr>
-        <p:style>
-          <a:lnRef idx="2">
-            <a:schemeClr val="accent1">
-              <a:shade val="15000"/>
-            </a:schemeClr>
-          </a:lnRef>
-          <a:fillRef idx="1">
-            <a:schemeClr val="accent1"/>
-          </a:fillRef>
-          <a:effectRef idx="0">
-            <a:schemeClr val="accent1"/>
-          </a:effectRef>
-          <a:fontRef idx="minor">
-            <a:schemeClr val="lt1"/>
-          </a:fontRef>
-        </p:style>
-        <p:txBody>
-          <a:bodyPr rtlCol="0" anchor="ctr"/>
-          <a:lstStyle/>
-          <a:p>
-            <a:pPr algn="ctr"/>
-            <a:endParaRPr lang="en-US" dirty="0"/>
-          </a:p>
-        </p:txBody>
-      </p:sp>
-      <p:sp>
-        <p:nvSpPr>
-          <p:cNvPr id="21" name="Hexagon 20">
-            <a:extLst>
-              <a:ext uri="{FF2B5EF4-FFF2-40B4-BE49-F238E27FC236}">
-                <a16:creationId xmlns:a16="http://schemas.microsoft.com/office/drawing/2014/main" id="{65236423-21B3-ED2B-8057-5E9D7417482A}"/>
-              </a:ext>
-            </a:extLst>
-          </p:cNvPr>
-          <p:cNvSpPr>
-            <a:spLocks noChangeAspect="1"/>
-          </p:cNvSpPr>
-          <p:nvPr/>
-        </p:nvSpPr>
-        <p:spPr>
-          <a:xfrm>
-            <a:off x="3187763" y="3358080"/>
-            <a:ext cx="1027723" cy="885969"/>
-          </a:xfrm>
-          <a:prstGeom prst="hexagon">
-            <a:avLst/>
-          </a:prstGeom>
-          <a:noFill/>
-          <a:ln w="38100">
-            <a:solidFill>
-              <a:srgbClr val="C00000"/>
-            </a:solidFill>
-          </a:ln>
-        </p:spPr>
-        <p:style>
-          <a:lnRef idx="2">
-            <a:schemeClr val="accent1">
-              <a:shade val="15000"/>
-            </a:schemeClr>
-          </a:lnRef>
-          <a:fillRef idx="1">
-            <a:schemeClr val="accent1"/>
-          </a:fillRef>
-          <a:effectRef idx="0">
-            <a:schemeClr val="accent1"/>
-          </a:effectRef>
-          <a:fontRef idx="minor">
-            <a:schemeClr val="lt1"/>
-          </a:fontRef>
-        </p:style>
-        <p:txBody>
-          <a:bodyPr rtlCol="0" anchor="ctr"/>
-          <a:lstStyle/>
-          <a:p>
-            <a:pPr algn="ctr"/>
-            <a:endParaRPr lang="en-US" dirty="0"/>
-          </a:p>
-        </p:txBody>
-      </p:sp>
-      <p:sp>
-        <p:nvSpPr>
-          <p:cNvPr id="22" name="Hexagon 21">
-            <a:extLst>
-              <a:ext uri="{FF2B5EF4-FFF2-40B4-BE49-F238E27FC236}">
-                <a16:creationId xmlns:a16="http://schemas.microsoft.com/office/drawing/2014/main" id="{4F7251F9-1271-4B5D-1B14-AD79DB034C73}"/>
-              </a:ext>
-            </a:extLst>
-          </p:cNvPr>
-          <p:cNvSpPr>
-            <a:spLocks noChangeAspect="1"/>
-          </p:cNvSpPr>
-          <p:nvPr/>
-        </p:nvSpPr>
-        <p:spPr>
-          <a:xfrm>
-            <a:off x="3181824" y="4252485"/>
-            <a:ext cx="1027723" cy="885969"/>
-          </a:xfrm>
-          <a:prstGeom prst="hexagon">
-            <a:avLst/>
-          </a:prstGeom>
-          <a:noFill/>
-          <a:ln w="38100">
-            <a:solidFill>
-              <a:srgbClr val="C00000"/>
-            </a:solidFill>
-          </a:ln>
-        </p:spPr>
-        <p:style>
-          <a:lnRef idx="2">
-            <a:schemeClr val="accent1">
-              <a:shade val="15000"/>
-            </a:schemeClr>
-          </a:lnRef>
-          <a:fillRef idx="1">
-            <a:schemeClr val="accent1"/>
-          </a:fillRef>
-          <a:effectRef idx="0">
-            <a:schemeClr val="accent1"/>
-          </a:effectRef>
-          <a:fontRef idx="minor">
-            <a:schemeClr val="lt1"/>
-          </a:fontRef>
-        </p:style>
-        <p:txBody>
-          <a:bodyPr rtlCol="0" anchor="ctr"/>
-          <a:lstStyle/>
-          <a:p>
-            <a:pPr algn="ctr"/>
-            <a:endParaRPr lang="en-US" dirty="0"/>
-          </a:p>
-        </p:txBody>
-      </p:sp>
-      <p:sp>
-        <p:nvSpPr>
-          <p:cNvPr id="23" name="Hexagon 22">
-            <a:extLst>
-              <a:ext uri="{FF2B5EF4-FFF2-40B4-BE49-F238E27FC236}">
-                <a16:creationId xmlns:a16="http://schemas.microsoft.com/office/drawing/2014/main" id="{4073D1F8-EC3D-0388-F726-CE0A24FC5B8A}"/>
-              </a:ext>
-            </a:extLst>
-          </p:cNvPr>
-          <p:cNvSpPr>
-            <a:spLocks noChangeAspect="1"/>
-          </p:cNvSpPr>
-          <p:nvPr/>
-        </p:nvSpPr>
-        <p:spPr>
-          <a:xfrm>
-            <a:off x="3987670" y="3808541"/>
-            <a:ext cx="1027723" cy="885969"/>
-          </a:xfrm>
-          <a:prstGeom prst="hexagon">
-            <a:avLst/>
-          </a:prstGeom>
-          <a:noFill/>
-          <a:ln w="38100">
-            <a:solidFill>
-              <a:srgbClr val="C00000"/>
-            </a:solidFill>
-          </a:ln>
-        </p:spPr>
-        <p:style>
-          <a:lnRef idx="2">
-            <a:schemeClr val="accent1">
-              <a:shade val="15000"/>
-            </a:schemeClr>
-          </a:lnRef>
-          <a:fillRef idx="1">
-            <a:schemeClr val="accent1"/>
-          </a:fillRef>
-          <a:effectRef idx="0">
-            <a:schemeClr val="accent1"/>
-          </a:effectRef>
-          <a:fontRef idx="minor">
-            <a:schemeClr val="lt1"/>
-          </a:fontRef>
-        </p:style>
-        <p:txBody>
-          <a:bodyPr rtlCol="0" anchor="ctr"/>
-          <a:lstStyle/>
-          <a:p>
-            <a:pPr algn="ctr"/>
-            <a:endParaRPr lang="en-US" dirty="0"/>
-          </a:p>
-        </p:txBody>
-      </p:sp>
-      <p:sp>
-        <p:nvSpPr>
-          <p:cNvPr id="24" name="Hexagon 23">
-            <a:extLst>
-              <a:ext uri="{FF2B5EF4-FFF2-40B4-BE49-F238E27FC236}">
-                <a16:creationId xmlns:a16="http://schemas.microsoft.com/office/drawing/2014/main" id="{881E2BDC-1F31-6D01-E04A-7C73381D6037}"/>
-              </a:ext>
-            </a:extLst>
-          </p:cNvPr>
-          <p:cNvSpPr>
-            <a:spLocks noChangeAspect="1"/>
-          </p:cNvSpPr>
-          <p:nvPr/>
-        </p:nvSpPr>
-        <p:spPr>
-          <a:xfrm>
-            <a:off x="3987670" y="4697294"/>
-            <a:ext cx="1027723" cy="885969"/>
-          </a:xfrm>
-          <a:prstGeom prst="hexagon">
-            <a:avLst/>
-          </a:prstGeom>
-          <a:noFill/>
-          <a:ln w="38100">
-            <a:solidFill>
-              <a:srgbClr val="C00000"/>
-            </a:solidFill>
-          </a:ln>
-        </p:spPr>
-        <p:style>
-          <a:lnRef idx="2">
-            <a:schemeClr val="accent1">
-              <a:shade val="15000"/>
-            </a:schemeClr>
-          </a:lnRef>
-          <a:fillRef idx="1">
-            <a:schemeClr val="accent1"/>
-          </a:fillRef>
-          <a:effectRef idx="0">
-            <a:schemeClr val="accent1"/>
-          </a:effectRef>
-          <a:fontRef idx="minor">
-            <a:schemeClr val="lt1"/>
-          </a:fontRef>
-        </p:style>
-        <p:txBody>
-          <a:bodyPr rtlCol="0" anchor="ctr"/>
-          <a:lstStyle/>
-          <a:p>
-            <a:pPr algn="ctr"/>
-            <a:endParaRPr lang="en-US" dirty="0"/>
-          </a:p>
-        </p:txBody>
-      </p:sp>
-      <p:sp>
-        <p:nvSpPr>
-          <p:cNvPr id="25" name="Hexagon 24">
-            <a:extLst>
-              <a:ext uri="{FF2B5EF4-FFF2-40B4-BE49-F238E27FC236}">
-                <a16:creationId xmlns:a16="http://schemas.microsoft.com/office/drawing/2014/main" id="{D0AE08D3-EA20-7B0E-7F1E-2C0558AF647E}"/>
-              </a:ext>
-            </a:extLst>
-          </p:cNvPr>
-          <p:cNvSpPr>
-            <a:spLocks noChangeAspect="1"/>
-          </p:cNvSpPr>
-          <p:nvPr/>
-        </p:nvSpPr>
-        <p:spPr>
-          <a:xfrm>
-            <a:off x="3987670" y="5592350"/>
-            <a:ext cx="1027723" cy="885969"/>
-          </a:xfrm>
-          <a:prstGeom prst="hexagon">
-            <a:avLst/>
-          </a:prstGeom>
-          <a:noFill/>
-          <a:ln w="38100">
-            <a:solidFill>
-              <a:srgbClr val="C00000"/>
-            </a:solidFill>
-          </a:ln>
-        </p:spPr>
-        <p:style>
-          <a:lnRef idx="2">
-            <a:schemeClr val="accent1">
-              <a:shade val="15000"/>
-            </a:schemeClr>
-          </a:lnRef>
-          <a:fillRef idx="1">
-            <a:schemeClr val="accent1"/>
-          </a:fillRef>
-          <a:effectRef idx="0">
-            <a:schemeClr val="accent1"/>
-          </a:effectRef>
-          <a:fontRef idx="minor">
-            <a:schemeClr val="lt1"/>
-          </a:fontRef>
-        </p:style>
-        <p:txBody>
-          <a:bodyPr rtlCol="0" anchor="ctr"/>
-          <a:lstStyle/>
-          <a:p>
-            <a:pPr algn="ctr"/>
-            <a:endParaRPr lang="en-US" dirty="0"/>
-          </a:p>
-        </p:txBody>
-      </p:sp>
-      <p:sp>
-        <p:nvSpPr>
-          <p:cNvPr id="26" name="Hexagon 25">
-            <a:extLst>
-              <a:ext uri="{FF2B5EF4-FFF2-40B4-BE49-F238E27FC236}">
-                <a16:creationId xmlns:a16="http://schemas.microsoft.com/office/drawing/2014/main" id="{95823C0A-C918-E852-F828-D270E718F930}"/>
-              </a:ext>
-            </a:extLst>
-          </p:cNvPr>
-          <p:cNvSpPr>
-            <a:spLocks noChangeAspect="1"/>
-          </p:cNvSpPr>
-          <p:nvPr/>
-        </p:nvSpPr>
-        <p:spPr>
-          <a:xfrm>
-            <a:off x="3188436" y="5132801"/>
-            <a:ext cx="1027723" cy="885969"/>
-          </a:xfrm>
-          <a:prstGeom prst="hexagon">
-            <a:avLst/>
-          </a:prstGeom>
-          <a:noFill/>
-          <a:ln w="38100">
-            <a:solidFill>
-              <a:srgbClr val="C00000"/>
-            </a:solidFill>
-          </a:ln>
-        </p:spPr>
-        <p:style>
-          <a:lnRef idx="2">
-            <a:schemeClr val="accent1">
-              <a:shade val="15000"/>
-            </a:schemeClr>
-          </a:lnRef>
-          <a:fillRef idx="1">
-            <a:schemeClr val="accent1"/>
-          </a:fillRef>
-          <a:effectRef idx="0">
-            <a:schemeClr val="accent1"/>
-          </a:effectRef>
-          <a:fontRef idx="minor">
-            <a:schemeClr val="lt1"/>
-          </a:fontRef>
-        </p:style>
-        <p:txBody>
-          <a:bodyPr rtlCol="0" anchor="ctr"/>
-          <a:lstStyle/>
-          <a:p>
-            <a:pPr algn="ctr"/>
-            <a:endParaRPr lang="en-US" dirty="0"/>
-          </a:p>
-        </p:txBody>
-      </p:sp>
-      <p:sp>
-        <p:nvSpPr>
-          <p:cNvPr id="27" name="Hexagon 26">
-            <a:extLst>
-              <a:ext uri="{FF2B5EF4-FFF2-40B4-BE49-F238E27FC236}">
-                <a16:creationId xmlns:a16="http://schemas.microsoft.com/office/drawing/2014/main" id="{D957CCD2-1115-F210-0E4C-56330AA467F3}"/>
-              </a:ext>
-            </a:extLst>
-          </p:cNvPr>
-          <p:cNvSpPr>
-            <a:spLocks noChangeAspect="1"/>
-          </p:cNvSpPr>
-          <p:nvPr/>
-        </p:nvSpPr>
-        <p:spPr>
-          <a:xfrm>
-            <a:off x="4805589" y="3351248"/>
-            <a:ext cx="1027723" cy="885969"/>
-          </a:xfrm>
-          <a:prstGeom prst="hexagon">
-            <a:avLst/>
-          </a:prstGeom>
-          <a:noFill/>
-          <a:ln w="38100">
-            <a:solidFill>
-              <a:srgbClr val="C00000"/>
-            </a:solidFill>
-          </a:ln>
-        </p:spPr>
-        <p:style>
-          <a:lnRef idx="2">
-            <a:schemeClr val="accent1">
-              <a:shade val="15000"/>
-            </a:schemeClr>
-          </a:lnRef>
-          <a:fillRef idx="1">
-            <a:schemeClr val="accent1"/>
-          </a:fillRef>
-          <a:effectRef idx="0">
-            <a:schemeClr val="accent1"/>
-          </a:effectRef>
-          <a:fontRef idx="minor">
-            <a:schemeClr val="lt1"/>
-          </a:fontRef>
-        </p:style>
-        <p:txBody>
-          <a:bodyPr rtlCol="0" anchor="ctr"/>
-          <a:lstStyle/>
-          <a:p>
-            <a:pPr algn="ctr"/>
-            <a:endParaRPr lang="en-US" dirty="0"/>
-          </a:p>
-        </p:txBody>
-      </p:sp>
-      <p:sp>
-        <p:nvSpPr>
-          <p:cNvPr id="28" name="Hexagon 27">
-            <a:extLst>
-              <a:ext uri="{FF2B5EF4-FFF2-40B4-BE49-F238E27FC236}">
-                <a16:creationId xmlns:a16="http://schemas.microsoft.com/office/drawing/2014/main" id="{57F0378C-405F-DF31-4F57-9301727488B2}"/>
-              </a:ext>
-            </a:extLst>
-          </p:cNvPr>
-          <p:cNvSpPr>
-            <a:spLocks noChangeAspect="1"/>
-          </p:cNvSpPr>
-          <p:nvPr/>
-        </p:nvSpPr>
-        <p:spPr>
-          <a:xfrm>
-            <a:off x="4798921" y="4240001"/>
-            <a:ext cx="1027723" cy="885969"/>
-          </a:xfrm>
-          <a:prstGeom prst="hexagon">
-            <a:avLst/>
-          </a:prstGeom>
-          <a:noFill/>
-          <a:ln w="38100">
-            <a:solidFill>
-              <a:srgbClr val="C00000"/>
-            </a:solidFill>
-          </a:ln>
-        </p:spPr>
-        <p:style>
-          <a:lnRef idx="2">
-            <a:schemeClr val="accent1">
-              <a:shade val="15000"/>
-            </a:schemeClr>
-          </a:lnRef>
-          <a:fillRef idx="1">
-            <a:schemeClr val="accent1"/>
-          </a:fillRef>
-          <a:effectRef idx="0">
-            <a:schemeClr val="accent1"/>
-          </a:effectRef>
-          <a:fontRef idx="minor">
-            <a:schemeClr val="lt1"/>
-          </a:fontRef>
-        </p:style>
-        <p:txBody>
-          <a:bodyPr rtlCol="0" anchor="ctr"/>
-          <a:lstStyle/>
-          <a:p>
-            <a:pPr algn="ctr"/>
-            <a:endParaRPr lang="en-US" dirty="0"/>
-          </a:p>
-        </p:txBody>
-      </p:sp>
-      <p:sp>
-        <p:nvSpPr>
-          <p:cNvPr id="29" name="Hexagon 28">
-            <a:extLst>
-              <a:ext uri="{FF2B5EF4-FFF2-40B4-BE49-F238E27FC236}">
-                <a16:creationId xmlns:a16="http://schemas.microsoft.com/office/drawing/2014/main" id="{340DF2F7-B057-B48D-254B-51C75CF38CDA}"/>
-              </a:ext>
-            </a:extLst>
-          </p:cNvPr>
-          <p:cNvSpPr>
-            <a:spLocks noChangeAspect="1"/>
-          </p:cNvSpPr>
-          <p:nvPr/>
-        </p:nvSpPr>
-        <p:spPr>
-          <a:xfrm>
-            <a:off x="4798921" y="5121722"/>
-            <a:ext cx="1027723" cy="885969"/>
-          </a:xfrm>
-          <a:prstGeom prst="hexagon">
-            <a:avLst/>
-          </a:prstGeom>
-          <a:noFill/>
-          <a:ln w="38100">
-            <a:solidFill>
-              <a:srgbClr val="C00000"/>
-            </a:solidFill>
-          </a:ln>
-        </p:spPr>
-        <p:style>
-          <a:lnRef idx="2">
-            <a:schemeClr val="accent1">
-              <a:shade val="15000"/>
-            </a:schemeClr>
-          </a:lnRef>
-          <a:fillRef idx="1">
-            <a:schemeClr val="accent1"/>
-          </a:fillRef>
-          <a:effectRef idx="0">
-            <a:schemeClr val="accent1"/>
-          </a:effectRef>
-          <a:fontRef idx="minor">
-            <a:schemeClr val="lt1"/>
-          </a:fontRef>
-        </p:style>
-        <p:txBody>
-          <a:bodyPr rtlCol="0" anchor="ctr"/>
-          <a:lstStyle/>
-          <a:p>
-            <a:pPr algn="ctr"/>
-            <a:endParaRPr lang="en-US" dirty="0"/>
-          </a:p>
-        </p:txBody>
-      </p:sp>
-      <p:sp>
-        <p:nvSpPr>
-          <p:cNvPr id="30" name="Hexagon 29">
-            <a:extLst>
-              <a:ext uri="{FF2B5EF4-FFF2-40B4-BE49-F238E27FC236}">
-                <a16:creationId xmlns:a16="http://schemas.microsoft.com/office/drawing/2014/main" id="{FA593AA6-1EA7-31C4-6469-61AACE3BD455}"/>
-              </a:ext>
-            </a:extLst>
-          </p:cNvPr>
-          <p:cNvSpPr>
-            <a:spLocks noChangeAspect="1"/>
-          </p:cNvSpPr>
-          <p:nvPr/>
-        </p:nvSpPr>
-        <p:spPr>
-          <a:xfrm>
-            <a:off x="5606580" y="5558060"/>
-            <a:ext cx="1027723" cy="885969"/>
-          </a:xfrm>
-          <a:prstGeom prst="hexagon">
-            <a:avLst/>
-          </a:prstGeom>
-          <a:noFill/>
-          <a:ln w="38100">
-            <a:solidFill>
-              <a:srgbClr val="C00000"/>
-            </a:solidFill>
-          </a:ln>
-        </p:spPr>
-        <p:style>
-          <a:lnRef idx="2">
-            <a:schemeClr val="accent1">
-              <a:shade val="15000"/>
-            </a:schemeClr>
-          </a:lnRef>
-          <a:fillRef idx="1">
-            <a:schemeClr val="accent1"/>
-          </a:fillRef>
-          <a:effectRef idx="0">
-            <a:schemeClr val="accent1"/>
-          </a:effectRef>
-          <a:fontRef idx="minor">
-            <a:schemeClr val="lt1"/>
-          </a:fontRef>
-        </p:style>
-        <p:txBody>
-          <a:bodyPr rtlCol="0" anchor="ctr"/>
-          <a:lstStyle/>
-          <a:p>
-            <a:pPr algn="ctr"/>
-            <a:endParaRPr lang="en-US" dirty="0"/>
-          </a:p>
-        </p:txBody>
-      </p:sp>
-      <p:sp>
-        <p:nvSpPr>
-          <p:cNvPr id="31" name="Hexagon 30">
-            <a:extLst>
-              <a:ext uri="{FF2B5EF4-FFF2-40B4-BE49-F238E27FC236}">
-                <a16:creationId xmlns:a16="http://schemas.microsoft.com/office/drawing/2014/main" id="{9B4F0A47-5E0D-6C47-C319-40D036335536}"/>
-              </a:ext>
-            </a:extLst>
-          </p:cNvPr>
-          <p:cNvSpPr>
-            <a:spLocks noChangeAspect="1"/>
-          </p:cNvSpPr>
-          <p:nvPr/>
-        </p:nvSpPr>
-        <p:spPr>
-          <a:xfrm>
-            <a:off x="5606580" y="4675610"/>
-            <a:ext cx="1027723" cy="885969"/>
-          </a:xfrm>
-          <a:prstGeom prst="hexagon">
-            <a:avLst/>
-          </a:prstGeom>
-          <a:noFill/>
-          <a:ln w="38100">
-            <a:solidFill>
-              <a:srgbClr val="C00000"/>
-            </a:solidFill>
-          </a:ln>
-        </p:spPr>
-        <p:style>
-          <a:lnRef idx="2">
-            <a:schemeClr val="accent1">
-              <a:shade val="15000"/>
-            </a:schemeClr>
-          </a:lnRef>
-          <a:fillRef idx="1">
-            <a:schemeClr val="accent1"/>
-          </a:fillRef>
-          <a:effectRef idx="0">
-            <a:schemeClr val="accent1"/>
-          </a:effectRef>
-          <a:fontRef idx="minor">
-            <a:schemeClr val="lt1"/>
-          </a:fontRef>
-        </p:style>
-        <p:txBody>
-          <a:bodyPr rtlCol="0" anchor="ctr"/>
-          <a:lstStyle/>
-          <a:p>
-            <a:pPr algn="ctr"/>
-            <a:endParaRPr lang="en-US" dirty="0"/>
-          </a:p>
-        </p:txBody>
-      </p:sp>
-      <p:sp>
-        <p:nvSpPr>
-          <p:cNvPr id="32" name="Hexagon 31">
-            <a:extLst>
-              <a:ext uri="{FF2B5EF4-FFF2-40B4-BE49-F238E27FC236}">
-                <a16:creationId xmlns:a16="http://schemas.microsoft.com/office/drawing/2014/main" id="{D9C7E926-4C8D-317C-FD13-663460428E4A}"/>
-              </a:ext>
-            </a:extLst>
-          </p:cNvPr>
-          <p:cNvSpPr>
-            <a:spLocks noChangeAspect="1"/>
-          </p:cNvSpPr>
-          <p:nvPr/>
-        </p:nvSpPr>
-        <p:spPr>
-          <a:xfrm>
-            <a:off x="5606580" y="3793160"/>
-            <a:ext cx="1027723" cy="885969"/>
-          </a:xfrm>
-          <a:prstGeom prst="hexagon">
-            <a:avLst/>
-          </a:prstGeom>
-          <a:noFill/>
-          <a:ln w="38100">
-            <a:solidFill>
-              <a:srgbClr val="C00000"/>
-            </a:solidFill>
-          </a:ln>
-        </p:spPr>
-        <p:style>
-          <a:lnRef idx="2">
-            <a:schemeClr val="accent1">
-              <a:shade val="15000"/>
-            </a:schemeClr>
-          </a:lnRef>
-          <a:fillRef idx="1">
-            <a:schemeClr val="accent1"/>
-          </a:fillRef>
-          <a:effectRef idx="0">
-            <a:schemeClr val="accent1"/>
-          </a:effectRef>
-          <a:fontRef idx="minor">
-            <a:schemeClr val="lt1"/>
-          </a:fontRef>
-        </p:style>
-        <p:txBody>
-          <a:bodyPr rtlCol="0" anchor="ctr"/>
-          <a:lstStyle/>
-          <a:p>
-            <a:pPr algn="ctr"/>
-            <a:endParaRPr lang="en-US" dirty="0"/>
-          </a:p>
-        </p:txBody>
-      </p:sp>
-      <p:sp>
-        <p:nvSpPr>
-          <p:cNvPr id="33" name="Hexagon 32">
-            <a:extLst>
-              <a:ext uri="{FF2B5EF4-FFF2-40B4-BE49-F238E27FC236}">
-                <a16:creationId xmlns:a16="http://schemas.microsoft.com/office/drawing/2014/main" id="{98C4B400-33AA-B59B-D441-11FF1D9F3C18}"/>
-              </a:ext>
-            </a:extLst>
-          </p:cNvPr>
-          <p:cNvSpPr>
-            <a:spLocks noChangeAspect="1"/>
-          </p:cNvSpPr>
-          <p:nvPr/>
-        </p:nvSpPr>
-        <p:spPr>
-          <a:xfrm>
-            <a:off x="6408826" y="3349311"/>
-            <a:ext cx="1027723" cy="885969"/>
-          </a:xfrm>
-          <a:prstGeom prst="hexagon">
-            <a:avLst/>
-          </a:prstGeom>
-          <a:noFill/>
-          <a:ln w="38100">
-            <a:solidFill>
-              <a:srgbClr val="C00000"/>
-            </a:solidFill>
-          </a:ln>
-        </p:spPr>
-        <p:style>
-          <a:lnRef idx="2">
-            <a:schemeClr val="accent1">
-              <a:shade val="15000"/>
-            </a:schemeClr>
-          </a:lnRef>
-          <a:fillRef idx="1">
-            <a:schemeClr val="accent1"/>
-          </a:fillRef>
-          <a:effectRef idx="0">
-            <a:schemeClr val="accent1"/>
-          </a:effectRef>
-          <a:fontRef idx="minor">
-            <a:schemeClr val="lt1"/>
-          </a:fontRef>
-        </p:style>
-        <p:txBody>
-          <a:bodyPr rtlCol="0" anchor="ctr"/>
-          <a:lstStyle/>
-          <a:p>
-            <a:pPr algn="ctr"/>
-            <a:endParaRPr lang="en-US" dirty="0"/>
-          </a:p>
-        </p:txBody>
-      </p:sp>
-      <p:sp>
-        <p:nvSpPr>
-          <p:cNvPr id="34" name="Hexagon 33">
-            <a:extLst>
-              <a:ext uri="{FF2B5EF4-FFF2-40B4-BE49-F238E27FC236}">
-                <a16:creationId xmlns:a16="http://schemas.microsoft.com/office/drawing/2014/main" id="{12FAF854-63C7-26A3-E366-5FC60D5CDD70}"/>
-              </a:ext>
-            </a:extLst>
-          </p:cNvPr>
-          <p:cNvSpPr>
-            <a:spLocks noChangeAspect="1"/>
-          </p:cNvSpPr>
-          <p:nvPr/>
-        </p:nvSpPr>
-        <p:spPr>
-          <a:xfrm>
-            <a:off x="6402887" y="4243718"/>
-            <a:ext cx="1027723" cy="885969"/>
-          </a:xfrm>
-          <a:prstGeom prst="hexagon">
-            <a:avLst/>
-          </a:prstGeom>
-          <a:noFill/>
-          <a:ln w="38100">
-            <a:solidFill>
-              <a:srgbClr val="C00000"/>
-            </a:solidFill>
-          </a:ln>
-        </p:spPr>
-        <p:style>
-          <a:lnRef idx="2">
-            <a:schemeClr val="accent1">
-              <a:shade val="15000"/>
-            </a:schemeClr>
-          </a:lnRef>
-          <a:fillRef idx="1">
-            <a:schemeClr val="accent1"/>
-          </a:fillRef>
-          <a:effectRef idx="0">
-            <a:schemeClr val="accent1"/>
-          </a:effectRef>
-          <a:fontRef idx="minor">
-            <a:schemeClr val="lt1"/>
-          </a:fontRef>
-        </p:style>
-        <p:txBody>
-          <a:bodyPr rtlCol="0" anchor="ctr"/>
-          <a:lstStyle/>
-          <a:p>
-            <a:pPr algn="ctr"/>
-            <a:endParaRPr lang="en-US" dirty="0"/>
-          </a:p>
-        </p:txBody>
-      </p:sp>
-      <p:sp>
-        <p:nvSpPr>
-          <p:cNvPr id="35" name="Hexagon 34">
-            <a:extLst>
-              <a:ext uri="{FF2B5EF4-FFF2-40B4-BE49-F238E27FC236}">
-                <a16:creationId xmlns:a16="http://schemas.microsoft.com/office/drawing/2014/main" id="{A2814153-2EE6-1025-2602-49BAC33D9A77}"/>
-              </a:ext>
-            </a:extLst>
-          </p:cNvPr>
-          <p:cNvSpPr>
-            <a:spLocks noChangeAspect="1"/>
-          </p:cNvSpPr>
-          <p:nvPr/>
-        </p:nvSpPr>
-        <p:spPr>
-          <a:xfrm>
-            <a:off x="7208733" y="3799774"/>
-            <a:ext cx="1027723" cy="885969"/>
-          </a:xfrm>
-          <a:prstGeom prst="hexagon">
-            <a:avLst/>
-          </a:prstGeom>
-          <a:noFill/>
-          <a:ln w="38100">
-            <a:solidFill>
-              <a:srgbClr val="C00000"/>
-            </a:solidFill>
-          </a:ln>
-        </p:spPr>
-        <p:style>
-          <a:lnRef idx="2">
-            <a:schemeClr val="accent1">
-              <a:shade val="15000"/>
-            </a:schemeClr>
-          </a:lnRef>
-          <a:fillRef idx="1">
-            <a:schemeClr val="accent1"/>
-          </a:fillRef>
-          <a:effectRef idx="0">
-            <a:schemeClr val="accent1"/>
-          </a:effectRef>
-          <a:fontRef idx="minor">
-            <a:schemeClr val="lt1"/>
-          </a:fontRef>
-        </p:style>
-        <p:txBody>
-          <a:bodyPr rtlCol="0" anchor="ctr"/>
-          <a:lstStyle/>
-          <a:p>
-            <a:pPr algn="ctr"/>
-            <a:endParaRPr lang="en-US" dirty="0"/>
-          </a:p>
-        </p:txBody>
-      </p:sp>
-      <p:sp>
-        <p:nvSpPr>
-          <p:cNvPr id="36" name="Hexagon 35">
-            <a:extLst>
-              <a:ext uri="{FF2B5EF4-FFF2-40B4-BE49-F238E27FC236}">
-                <a16:creationId xmlns:a16="http://schemas.microsoft.com/office/drawing/2014/main" id="{670B1B09-5F7B-164B-22C2-59E8CA1F4330}"/>
-              </a:ext>
-            </a:extLst>
-          </p:cNvPr>
-          <p:cNvSpPr>
-            <a:spLocks noChangeAspect="1"/>
-          </p:cNvSpPr>
-          <p:nvPr/>
-        </p:nvSpPr>
-        <p:spPr>
-          <a:xfrm>
-            <a:off x="7208733" y="4688526"/>
-            <a:ext cx="1027723" cy="885969"/>
-          </a:xfrm>
-          <a:prstGeom prst="hexagon">
-            <a:avLst/>
-          </a:prstGeom>
-          <a:noFill/>
-          <a:ln w="38100">
-            <a:solidFill>
-              <a:srgbClr val="C00000"/>
-            </a:solidFill>
-          </a:ln>
-        </p:spPr>
-        <p:style>
-          <a:lnRef idx="2">
-            <a:schemeClr val="accent1">
-              <a:shade val="15000"/>
-            </a:schemeClr>
-          </a:lnRef>
-          <a:fillRef idx="1">
-            <a:schemeClr val="accent1"/>
-          </a:fillRef>
-          <a:effectRef idx="0">
-            <a:schemeClr val="accent1"/>
-          </a:effectRef>
-          <a:fontRef idx="minor">
-            <a:schemeClr val="lt1"/>
-          </a:fontRef>
-        </p:style>
-        <p:txBody>
-          <a:bodyPr rtlCol="0" anchor="ctr"/>
-          <a:lstStyle/>
-          <a:p>
-            <a:pPr algn="ctr"/>
-            <a:endParaRPr lang="en-US" dirty="0"/>
-          </a:p>
-        </p:txBody>
-      </p:sp>
-      <p:sp>
-        <p:nvSpPr>
-          <p:cNvPr id="37" name="Hexagon 36">
-            <a:extLst>
-              <a:ext uri="{FF2B5EF4-FFF2-40B4-BE49-F238E27FC236}">
-                <a16:creationId xmlns:a16="http://schemas.microsoft.com/office/drawing/2014/main" id="{E10669BB-52CA-8F0C-9259-535888E6D5B4}"/>
-              </a:ext>
-            </a:extLst>
-          </p:cNvPr>
-          <p:cNvSpPr>
-            <a:spLocks noChangeAspect="1"/>
-          </p:cNvSpPr>
-          <p:nvPr/>
-        </p:nvSpPr>
-        <p:spPr>
-          <a:xfrm>
-            <a:off x="7208733" y="5583582"/>
-            <a:ext cx="1027723" cy="885969"/>
-          </a:xfrm>
-          <a:prstGeom prst="hexagon">
-            <a:avLst/>
-          </a:prstGeom>
-          <a:noFill/>
-          <a:ln w="38100">
-            <a:solidFill>
-              <a:srgbClr val="C00000"/>
-            </a:solidFill>
-          </a:ln>
-        </p:spPr>
-        <p:style>
-          <a:lnRef idx="2">
-            <a:schemeClr val="accent1">
-              <a:shade val="15000"/>
-            </a:schemeClr>
-          </a:lnRef>
-          <a:fillRef idx="1">
-            <a:schemeClr val="accent1"/>
-          </a:fillRef>
-          <a:effectRef idx="0">
-            <a:schemeClr val="accent1"/>
-          </a:effectRef>
-          <a:fontRef idx="minor">
-            <a:schemeClr val="lt1"/>
-          </a:fontRef>
-        </p:style>
-        <p:txBody>
-          <a:bodyPr rtlCol="0" anchor="ctr"/>
-          <a:lstStyle/>
-          <a:p>
-            <a:pPr algn="ctr"/>
-            <a:endParaRPr lang="en-US" dirty="0"/>
-          </a:p>
-        </p:txBody>
-      </p:sp>
-      <p:sp>
-        <p:nvSpPr>
-          <p:cNvPr id="38" name="Hexagon 37">
-            <a:extLst>
-              <a:ext uri="{FF2B5EF4-FFF2-40B4-BE49-F238E27FC236}">
-                <a16:creationId xmlns:a16="http://schemas.microsoft.com/office/drawing/2014/main" id="{ED925D24-0D7F-FC17-35CC-ED7C93B2CE3D}"/>
-              </a:ext>
-            </a:extLst>
-          </p:cNvPr>
-          <p:cNvSpPr>
-            <a:spLocks noChangeAspect="1"/>
-          </p:cNvSpPr>
-          <p:nvPr/>
-        </p:nvSpPr>
-        <p:spPr>
-          <a:xfrm>
-            <a:off x="6409499" y="5124033"/>
-            <a:ext cx="1027723" cy="885969"/>
-          </a:xfrm>
-          <a:prstGeom prst="hexagon">
-            <a:avLst/>
-          </a:prstGeom>
-          <a:noFill/>
-          <a:ln w="38100">
-            <a:solidFill>
-              <a:srgbClr val="C00000"/>
-            </a:solidFill>
-          </a:ln>
-        </p:spPr>
-        <p:style>
-          <a:lnRef idx="2">
-            <a:schemeClr val="accent1">
-              <a:shade val="15000"/>
-            </a:schemeClr>
-          </a:lnRef>
-          <a:fillRef idx="1">
-            <a:schemeClr val="accent1"/>
-          </a:fillRef>
-          <a:effectRef idx="0">
-            <a:schemeClr val="accent1"/>
-          </a:effectRef>
-          <a:fontRef idx="minor">
-            <a:schemeClr val="lt1"/>
-          </a:fontRef>
-        </p:style>
-        <p:txBody>
-          <a:bodyPr rtlCol="0" anchor="ctr"/>
-          <a:lstStyle/>
-          <a:p>
-            <a:pPr algn="ctr"/>
-            <a:endParaRPr lang="en-US" dirty="0"/>
-          </a:p>
-        </p:txBody>
-      </p:sp>
-      <p:sp>
-        <p:nvSpPr>
-          <p:cNvPr id="39" name="Hexagon 38">
-            <a:extLst>
-              <a:ext uri="{FF2B5EF4-FFF2-40B4-BE49-F238E27FC236}">
-                <a16:creationId xmlns:a16="http://schemas.microsoft.com/office/drawing/2014/main" id="{B06DFB42-CA3F-20B0-9947-0CC69165638F}"/>
-              </a:ext>
-            </a:extLst>
-          </p:cNvPr>
-          <p:cNvSpPr>
-            <a:spLocks noChangeAspect="1"/>
-          </p:cNvSpPr>
-          <p:nvPr/>
-        </p:nvSpPr>
-        <p:spPr>
-          <a:xfrm>
-            <a:off x="1583273" y="705157"/>
-            <a:ext cx="1027723" cy="885969"/>
-          </a:xfrm>
-          <a:prstGeom prst="hexagon">
-            <a:avLst/>
-          </a:prstGeom>
-          <a:noFill/>
-          <a:ln w="38100">
-            <a:solidFill>
-              <a:srgbClr val="C00000"/>
-            </a:solidFill>
-          </a:ln>
-        </p:spPr>
-        <p:style>
-          <a:lnRef idx="2">
-            <a:schemeClr val="accent1">
-              <a:shade val="15000"/>
-            </a:schemeClr>
-          </a:lnRef>
-          <a:fillRef idx="1">
-            <a:schemeClr val="accent1"/>
-          </a:fillRef>
-          <a:effectRef idx="0">
-            <a:schemeClr val="accent1"/>
-          </a:effectRef>
-          <a:fontRef idx="minor">
-            <a:schemeClr val="lt1"/>
-          </a:fontRef>
-        </p:style>
-        <p:txBody>
-          <a:bodyPr rtlCol="0" anchor="ctr"/>
-          <a:lstStyle/>
-          <a:p>
-            <a:pPr algn="ctr"/>
-            <a:endParaRPr lang="en-US" dirty="0"/>
-          </a:p>
-        </p:txBody>
-      </p:sp>
-      <p:sp>
-        <p:nvSpPr>
-          <p:cNvPr id="40" name="Hexagon 39">
-            <a:extLst>
-              <a:ext uri="{FF2B5EF4-FFF2-40B4-BE49-F238E27FC236}">
-                <a16:creationId xmlns:a16="http://schemas.microsoft.com/office/drawing/2014/main" id="{899EB4C8-5E32-9F10-45C1-DA10C9FBA94E}"/>
-              </a:ext>
-            </a:extLst>
-          </p:cNvPr>
-          <p:cNvSpPr>
-            <a:spLocks noChangeAspect="1"/>
-          </p:cNvSpPr>
-          <p:nvPr/>
-        </p:nvSpPr>
-        <p:spPr>
-          <a:xfrm>
-            <a:off x="1576606" y="1583971"/>
-            <a:ext cx="1027723" cy="885969"/>
-          </a:xfrm>
-          <a:prstGeom prst="hexagon">
-            <a:avLst/>
-          </a:prstGeom>
-          <a:noFill/>
-          <a:ln w="38100">
-            <a:solidFill>
-              <a:srgbClr val="C00000"/>
-            </a:solidFill>
-          </a:ln>
-        </p:spPr>
-        <p:style>
-          <a:lnRef idx="2">
-            <a:schemeClr val="accent1">
-              <a:shade val="15000"/>
-            </a:schemeClr>
-          </a:lnRef>
-          <a:fillRef idx="1">
-            <a:schemeClr val="accent1"/>
-          </a:fillRef>
-          <a:effectRef idx="0">
-            <a:schemeClr val="accent1"/>
-          </a:effectRef>
-          <a:fontRef idx="minor">
-            <a:schemeClr val="lt1"/>
-          </a:fontRef>
-        </p:style>
-        <p:txBody>
-          <a:bodyPr rtlCol="0" anchor="ctr"/>
-          <a:lstStyle/>
-          <a:p>
-            <a:pPr algn="ctr"/>
-            <a:endParaRPr lang="en-US" dirty="0"/>
-          </a:p>
-        </p:txBody>
-      </p:sp>
-      <p:sp>
-        <p:nvSpPr>
-          <p:cNvPr id="41" name="Hexagon 40">
-            <a:extLst>
-              <a:ext uri="{FF2B5EF4-FFF2-40B4-BE49-F238E27FC236}">
-                <a16:creationId xmlns:a16="http://schemas.microsoft.com/office/drawing/2014/main" id="{B9A8FE6C-50FB-88BE-5980-9DB144B17A4F}"/>
-              </a:ext>
-            </a:extLst>
-          </p:cNvPr>
-          <p:cNvSpPr>
-            <a:spLocks noChangeAspect="1"/>
-          </p:cNvSpPr>
-          <p:nvPr/>
-        </p:nvSpPr>
-        <p:spPr>
-          <a:xfrm>
-            <a:off x="1576606" y="2465691"/>
-            <a:ext cx="1027723" cy="885969"/>
-          </a:xfrm>
-          <a:prstGeom prst="hexagon">
-            <a:avLst/>
-          </a:prstGeom>
-          <a:noFill/>
-          <a:ln w="38100">
-            <a:solidFill>
-              <a:srgbClr val="C00000"/>
-            </a:solidFill>
-          </a:ln>
-        </p:spPr>
-        <p:style>
-          <a:lnRef idx="2">
-            <a:schemeClr val="accent1">
-              <a:shade val="15000"/>
-            </a:schemeClr>
-          </a:lnRef>
-          <a:fillRef idx="1">
-            <a:schemeClr val="accent1"/>
-          </a:fillRef>
-          <a:effectRef idx="0">
-            <a:schemeClr val="accent1"/>
-          </a:effectRef>
-          <a:fontRef idx="minor">
-            <a:schemeClr val="lt1"/>
-          </a:fontRef>
-        </p:style>
-        <p:txBody>
-          <a:bodyPr rtlCol="0" anchor="ctr"/>
-          <a:lstStyle/>
-          <a:p>
-            <a:pPr algn="ctr"/>
-            <a:endParaRPr lang="en-US" dirty="0"/>
-          </a:p>
-        </p:txBody>
-      </p:sp>
-      <p:sp>
-        <p:nvSpPr>
-          <p:cNvPr id="42" name="Hexagon 41">
-            <a:extLst>
-              <a:ext uri="{FF2B5EF4-FFF2-40B4-BE49-F238E27FC236}">
-                <a16:creationId xmlns:a16="http://schemas.microsoft.com/office/drawing/2014/main" id="{0FBB4FFE-43F2-30CF-EE61-7C918083C1EE}"/>
-              </a:ext>
-            </a:extLst>
-          </p:cNvPr>
-          <p:cNvSpPr>
-            <a:spLocks noChangeAspect="1"/>
-          </p:cNvSpPr>
-          <p:nvPr/>
-        </p:nvSpPr>
-        <p:spPr>
-          <a:xfrm>
-            <a:off x="2385518" y="2910798"/>
-            <a:ext cx="1027723" cy="885969"/>
-          </a:xfrm>
-          <a:prstGeom prst="hexagon">
-            <a:avLst/>
-          </a:prstGeom>
-          <a:noFill/>
-          <a:ln w="38100">
-            <a:solidFill>
-              <a:srgbClr val="C00000"/>
-            </a:solidFill>
-          </a:ln>
-        </p:spPr>
-        <p:style>
-          <a:lnRef idx="2">
-            <a:schemeClr val="accent1">
-              <a:shade val="15000"/>
-            </a:schemeClr>
-          </a:lnRef>
-          <a:fillRef idx="1">
-            <a:schemeClr val="accent1"/>
-          </a:fillRef>
-          <a:effectRef idx="0">
-            <a:schemeClr val="accent1"/>
-          </a:effectRef>
-          <a:fontRef idx="minor">
-            <a:schemeClr val="lt1"/>
-          </a:fontRef>
-        </p:style>
-        <p:txBody>
-          <a:bodyPr rtlCol="0" anchor="ctr"/>
-          <a:lstStyle/>
-          <a:p>
-            <a:pPr algn="ctr"/>
-            <a:endParaRPr lang="en-US" dirty="0"/>
-          </a:p>
-        </p:txBody>
-      </p:sp>
-      <p:sp>
-        <p:nvSpPr>
-          <p:cNvPr id="43" name="Hexagon 42">
-            <a:extLst>
-              <a:ext uri="{FF2B5EF4-FFF2-40B4-BE49-F238E27FC236}">
-                <a16:creationId xmlns:a16="http://schemas.microsoft.com/office/drawing/2014/main" id="{EFDE3350-ED57-B482-6706-42BC01FC9954}"/>
-              </a:ext>
-            </a:extLst>
-          </p:cNvPr>
-          <p:cNvSpPr>
-            <a:spLocks noChangeAspect="1"/>
-          </p:cNvSpPr>
-          <p:nvPr/>
-        </p:nvSpPr>
-        <p:spPr>
-          <a:xfrm>
-            <a:off x="2385518" y="2028348"/>
-            <a:ext cx="1027723" cy="885969"/>
-          </a:xfrm>
-          <a:prstGeom prst="hexagon">
-            <a:avLst/>
-          </a:prstGeom>
-          <a:noFill/>
-          <a:ln w="38100">
-            <a:solidFill>
-              <a:srgbClr val="C00000"/>
-            </a:solidFill>
-          </a:ln>
-        </p:spPr>
-        <p:style>
-          <a:lnRef idx="2">
-            <a:schemeClr val="accent1">
-              <a:shade val="15000"/>
-            </a:schemeClr>
-          </a:lnRef>
-          <a:fillRef idx="1">
-            <a:schemeClr val="accent1"/>
-          </a:fillRef>
-          <a:effectRef idx="0">
-            <a:schemeClr val="accent1"/>
-          </a:effectRef>
-          <a:fontRef idx="minor">
-            <a:schemeClr val="lt1"/>
-          </a:fontRef>
-        </p:style>
-        <p:txBody>
-          <a:bodyPr rtlCol="0" anchor="ctr"/>
-          <a:lstStyle/>
-          <a:p>
-            <a:pPr algn="ctr"/>
-            <a:endParaRPr lang="en-US" dirty="0"/>
-          </a:p>
-        </p:txBody>
-      </p:sp>
-      <p:sp>
-        <p:nvSpPr>
-          <p:cNvPr id="44" name="Hexagon 43">
-            <a:extLst>
-              <a:ext uri="{FF2B5EF4-FFF2-40B4-BE49-F238E27FC236}">
-                <a16:creationId xmlns:a16="http://schemas.microsoft.com/office/drawing/2014/main" id="{6B69EB2D-E17F-7C1D-7CA7-656AE3F22B52}"/>
-              </a:ext>
-            </a:extLst>
-          </p:cNvPr>
-          <p:cNvSpPr>
-            <a:spLocks noChangeAspect="1"/>
-          </p:cNvSpPr>
-          <p:nvPr/>
-        </p:nvSpPr>
-        <p:spPr>
-          <a:xfrm>
-            <a:off x="2385518" y="1145898"/>
-            <a:ext cx="1027723" cy="885969"/>
-          </a:xfrm>
-          <a:prstGeom prst="hexagon">
-            <a:avLst/>
-          </a:prstGeom>
-          <a:noFill/>
-          <a:ln w="38100">
-            <a:solidFill>
-              <a:srgbClr val="C00000"/>
-            </a:solidFill>
-          </a:ln>
-        </p:spPr>
-        <p:style>
-          <a:lnRef idx="2">
-            <a:schemeClr val="accent1">
-              <a:shade val="15000"/>
-            </a:schemeClr>
-          </a:lnRef>
-          <a:fillRef idx="1">
-            <a:schemeClr val="accent1"/>
-          </a:fillRef>
-          <a:effectRef idx="0">
-            <a:schemeClr val="accent1"/>
-          </a:effectRef>
-          <a:fontRef idx="minor">
-            <a:schemeClr val="lt1"/>
-          </a:fontRef>
-        </p:style>
-        <p:txBody>
-          <a:bodyPr rtlCol="0" anchor="ctr"/>
-          <a:lstStyle/>
-          <a:p>
-            <a:pPr algn="ctr"/>
-            <a:endParaRPr lang="en-US" dirty="0"/>
-          </a:p>
-        </p:txBody>
-      </p:sp>
-      <p:sp>
-        <p:nvSpPr>
-          <p:cNvPr id="45" name="Hexagon 44">
-            <a:extLst>
-              <a:ext uri="{FF2B5EF4-FFF2-40B4-BE49-F238E27FC236}">
-                <a16:creationId xmlns:a16="http://schemas.microsoft.com/office/drawing/2014/main" id="{9A8A1888-87FA-22AB-AA83-228AE43461B3}"/>
-              </a:ext>
-            </a:extLst>
-          </p:cNvPr>
-          <p:cNvSpPr>
-            <a:spLocks noChangeAspect="1"/>
-          </p:cNvSpPr>
-          <p:nvPr/>
-        </p:nvSpPr>
-        <p:spPr>
-          <a:xfrm>
-            <a:off x="3187763" y="702049"/>
-            <a:ext cx="1027723" cy="885969"/>
-          </a:xfrm>
-          <a:prstGeom prst="hexagon">
-            <a:avLst/>
-          </a:prstGeom>
-          <a:noFill/>
-          <a:ln w="38100">
-            <a:solidFill>
-              <a:srgbClr val="C00000"/>
-            </a:solidFill>
-          </a:ln>
-        </p:spPr>
-        <p:style>
-          <a:lnRef idx="2">
-            <a:schemeClr val="accent1">
-              <a:shade val="15000"/>
-            </a:schemeClr>
-          </a:lnRef>
-          <a:fillRef idx="1">
-            <a:schemeClr val="accent1"/>
-          </a:fillRef>
-          <a:effectRef idx="0">
-            <a:schemeClr val="accent1"/>
-          </a:effectRef>
-          <a:fontRef idx="minor">
-            <a:schemeClr val="lt1"/>
-          </a:fontRef>
-        </p:style>
-        <p:txBody>
-          <a:bodyPr rtlCol="0" anchor="ctr"/>
-          <a:lstStyle/>
-          <a:p>
-            <a:pPr algn="ctr"/>
-            <a:endParaRPr lang="en-US" dirty="0"/>
-          </a:p>
-        </p:txBody>
-      </p:sp>
-      <p:sp>
-        <p:nvSpPr>
-          <p:cNvPr id="46" name="Hexagon 45">
-            <a:extLst>
-              <a:ext uri="{FF2B5EF4-FFF2-40B4-BE49-F238E27FC236}">
-                <a16:creationId xmlns:a16="http://schemas.microsoft.com/office/drawing/2014/main" id="{E2ACDE21-E39F-4538-8433-BC27FF9DA4E4}"/>
-              </a:ext>
-            </a:extLst>
-          </p:cNvPr>
-          <p:cNvSpPr>
-            <a:spLocks noChangeAspect="1"/>
-          </p:cNvSpPr>
-          <p:nvPr/>
-        </p:nvSpPr>
-        <p:spPr>
-          <a:xfrm>
-            <a:off x="3181824" y="1596456"/>
-            <a:ext cx="1027723" cy="885969"/>
-          </a:xfrm>
-          <a:prstGeom prst="hexagon">
-            <a:avLst/>
-          </a:prstGeom>
-          <a:noFill/>
-          <a:ln w="38100">
-            <a:solidFill>
-              <a:srgbClr val="C00000"/>
-            </a:solidFill>
-          </a:ln>
-        </p:spPr>
-        <p:style>
-          <a:lnRef idx="2">
-            <a:schemeClr val="accent1">
-              <a:shade val="15000"/>
-            </a:schemeClr>
-          </a:lnRef>
-          <a:fillRef idx="1">
-            <a:schemeClr val="accent1"/>
-          </a:fillRef>
-          <a:effectRef idx="0">
-            <a:schemeClr val="accent1"/>
-          </a:effectRef>
-          <a:fontRef idx="minor">
-            <a:schemeClr val="lt1"/>
-          </a:fontRef>
-        </p:style>
-        <p:txBody>
-          <a:bodyPr rtlCol="0" anchor="ctr"/>
-          <a:lstStyle/>
-          <a:p>
-            <a:pPr algn="ctr"/>
-            <a:endParaRPr lang="en-US" dirty="0"/>
-          </a:p>
-        </p:txBody>
-      </p:sp>
-      <p:sp>
-        <p:nvSpPr>
-          <p:cNvPr id="47" name="Hexagon 46">
-            <a:extLst>
-              <a:ext uri="{FF2B5EF4-FFF2-40B4-BE49-F238E27FC236}">
-                <a16:creationId xmlns:a16="http://schemas.microsoft.com/office/drawing/2014/main" id="{8BEA754F-0B55-CBC6-D31E-BF0D898F8DDF}"/>
-              </a:ext>
-            </a:extLst>
-          </p:cNvPr>
-          <p:cNvSpPr>
-            <a:spLocks noChangeAspect="1"/>
-          </p:cNvSpPr>
-          <p:nvPr/>
-        </p:nvSpPr>
-        <p:spPr>
-          <a:xfrm>
-            <a:off x="3987670" y="1152512"/>
-            <a:ext cx="1027723" cy="885969"/>
-          </a:xfrm>
-          <a:prstGeom prst="hexagon">
-            <a:avLst/>
-          </a:prstGeom>
-          <a:noFill/>
-          <a:ln w="38100">
-            <a:solidFill>
-              <a:srgbClr val="C00000"/>
-            </a:solidFill>
-          </a:ln>
-        </p:spPr>
-        <p:style>
-          <a:lnRef idx="2">
-            <a:schemeClr val="accent1">
-              <a:shade val="15000"/>
-            </a:schemeClr>
-          </a:lnRef>
-          <a:fillRef idx="1">
-            <a:schemeClr val="accent1"/>
-          </a:fillRef>
-          <a:effectRef idx="0">
-            <a:schemeClr val="accent1"/>
-          </a:effectRef>
-          <a:fontRef idx="minor">
-            <a:schemeClr val="lt1"/>
-          </a:fontRef>
-        </p:style>
-        <p:txBody>
-          <a:bodyPr rtlCol="0" anchor="ctr"/>
-          <a:lstStyle/>
-          <a:p>
-            <a:pPr algn="ctr"/>
-            <a:endParaRPr lang="en-US" dirty="0"/>
-          </a:p>
-        </p:txBody>
-      </p:sp>
-      <p:sp>
-        <p:nvSpPr>
-          <p:cNvPr id="48" name="Hexagon 47">
-            <a:extLst>
-              <a:ext uri="{FF2B5EF4-FFF2-40B4-BE49-F238E27FC236}">
-                <a16:creationId xmlns:a16="http://schemas.microsoft.com/office/drawing/2014/main" id="{E90474B3-1116-4B99-3E93-A9F0A332F3CD}"/>
-              </a:ext>
-            </a:extLst>
-          </p:cNvPr>
-          <p:cNvSpPr>
-            <a:spLocks noChangeAspect="1"/>
-          </p:cNvSpPr>
-          <p:nvPr/>
-        </p:nvSpPr>
-        <p:spPr>
-          <a:xfrm>
-            <a:off x="3987670" y="2041264"/>
-            <a:ext cx="1027723" cy="885969"/>
-          </a:xfrm>
-          <a:prstGeom prst="hexagon">
-            <a:avLst/>
-          </a:prstGeom>
-          <a:noFill/>
-          <a:ln w="38100">
-            <a:solidFill>
-              <a:srgbClr val="C00000"/>
-            </a:solidFill>
-          </a:ln>
-        </p:spPr>
-        <p:style>
-          <a:lnRef idx="2">
-            <a:schemeClr val="accent1">
-              <a:shade val="15000"/>
-            </a:schemeClr>
-          </a:lnRef>
-          <a:fillRef idx="1">
-            <a:schemeClr val="accent1"/>
-          </a:fillRef>
-          <a:effectRef idx="0">
-            <a:schemeClr val="accent1"/>
-          </a:effectRef>
-          <a:fontRef idx="minor">
-            <a:schemeClr val="lt1"/>
-          </a:fontRef>
-        </p:style>
-        <p:txBody>
-          <a:bodyPr rtlCol="0" anchor="ctr"/>
-          <a:lstStyle/>
-          <a:p>
-            <a:pPr algn="ctr"/>
-            <a:endParaRPr lang="en-US" dirty="0"/>
-          </a:p>
-        </p:txBody>
-      </p:sp>
-      <p:sp>
-        <p:nvSpPr>
-          <p:cNvPr id="49" name="Hexagon 48">
-            <a:extLst>
-              <a:ext uri="{FF2B5EF4-FFF2-40B4-BE49-F238E27FC236}">
-                <a16:creationId xmlns:a16="http://schemas.microsoft.com/office/drawing/2014/main" id="{298715B5-37C2-1F18-7A83-7819A17EFFCC}"/>
-              </a:ext>
-            </a:extLst>
-          </p:cNvPr>
-          <p:cNvSpPr>
-            <a:spLocks noChangeAspect="1"/>
-          </p:cNvSpPr>
-          <p:nvPr/>
-        </p:nvSpPr>
-        <p:spPr>
-          <a:xfrm>
-            <a:off x="3987670" y="2936321"/>
-            <a:ext cx="1027723" cy="885969"/>
-          </a:xfrm>
-          <a:prstGeom prst="hexagon">
-            <a:avLst/>
-          </a:prstGeom>
-          <a:noFill/>
-          <a:ln w="38100">
-            <a:solidFill>
-              <a:srgbClr val="C00000"/>
-            </a:solidFill>
-          </a:ln>
-        </p:spPr>
-        <p:style>
-          <a:lnRef idx="2">
-            <a:schemeClr val="accent1">
-              <a:shade val="15000"/>
-            </a:schemeClr>
-          </a:lnRef>
-          <a:fillRef idx="1">
-            <a:schemeClr val="accent1"/>
-          </a:fillRef>
-          <a:effectRef idx="0">
-            <a:schemeClr val="accent1"/>
-          </a:effectRef>
-          <a:fontRef idx="minor">
-            <a:schemeClr val="lt1"/>
-          </a:fontRef>
-        </p:style>
-        <p:txBody>
-          <a:bodyPr rtlCol="0" anchor="ctr"/>
-          <a:lstStyle/>
-          <a:p>
-            <a:pPr algn="ctr"/>
-            <a:endParaRPr lang="en-US" dirty="0"/>
-          </a:p>
-        </p:txBody>
-      </p:sp>
-      <p:sp>
-        <p:nvSpPr>
-          <p:cNvPr id="50" name="Hexagon 49">
-            <a:extLst>
-              <a:ext uri="{FF2B5EF4-FFF2-40B4-BE49-F238E27FC236}">
-                <a16:creationId xmlns:a16="http://schemas.microsoft.com/office/drawing/2014/main" id="{E2143180-654D-71A8-63A7-13CC60ACF53D}"/>
-              </a:ext>
-            </a:extLst>
-          </p:cNvPr>
-          <p:cNvSpPr>
-            <a:spLocks noChangeAspect="1"/>
-          </p:cNvSpPr>
-          <p:nvPr/>
-        </p:nvSpPr>
-        <p:spPr>
-          <a:xfrm>
-            <a:off x="3188437" y="2476771"/>
-            <a:ext cx="1027723" cy="885969"/>
-          </a:xfrm>
-          <a:prstGeom prst="hexagon">
-            <a:avLst/>
-          </a:prstGeom>
-          <a:noFill/>
-          <a:ln w="38100">
-            <a:solidFill>
-              <a:srgbClr val="C00000"/>
-            </a:solidFill>
-          </a:ln>
-        </p:spPr>
-        <p:style>
-          <a:lnRef idx="2">
-            <a:schemeClr val="accent1">
-              <a:shade val="15000"/>
-            </a:schemeClr>
-          </a:lnRef>
-          <a:fillRef idx="1">
-            <a:schemeClr val="accent1"/>
-          </a:fillRef>
-          <a:effectRef idx="0">
-            <a:schemeClr val="accent1"/>
-          </a:effectRef>
-          <a:fontRef idx="minor">
-            <a:schemeClr val="lt1"/>
-          </a:fontRef>
-        </p:style>
-        <p:txBody>
-          <a:bodyPr rtlCol="0" anchor="ctr"/>
-          <a:lstStyle/>
-          <a:p>
-            <a:pPr algn="ctr"/>
-            <a:endParaRPr lang="en-US" dirty="0"/>
-          </a:p>
-        </p:txBody>
-      </p:sp>
-      <p:sp>
-        <p:nvSpPr>
-          <p:cNvPr id="51" name="TextBox 50">
-            <a:extLst>
-              <a:ext uri="{FF2B5EF4-FFF2-40B4-BE49-F238E27FC236}">
-                <a16:creationId xmlns:a16="http://schemas.microsoft.com/office/drawing/2014/main" id="{D14CB1DA-0C62-F603-4223-3460BC919ACC}"/>
-              </a:ext>
-            </a:extLst>
-          </p:cNvPr>
-          <p:cNvSpPr txBox="1"/>
-          <p:nvPr/>
-        </p:nvSpPr>
-        <p:spPr>
-          <a:xfrm>
-            <a:off x="6240646" y="284326"/>
-            <a:ext cx="4120622" cy="461665"/>
-          </a:xfrm>
-          <a:prstGeom prst="rect">
-            <a:avLst/>
-          </a:prstGeom>
-          <a:noFill/>
-        </p:spPr>
-        <p:txBody>
-          <a:bodyPr wrap="square" rtlCol="0">
-            <a:spAutoFit/>
-          </a:bodyPr>
-          <a:lstStyle/>
-          <a:p>
-            <a:pPr algn="ctr"/>
-            <a:r>
-              <a:rPr lang="en-US" sz="2400" b="1" dirty="0"/>
-              <a:t>Unpadded PBC (Full/</a:t>
-            </a:r>
-            <a:r>
-              <a:rPr lang="en-US" sz="2400" b="1" dirty="0">
-                <a:solidFill>
-                  <a:srgbClr val="C00000"/>
-                </a:solidFill>
-              </a:rPr>
-              <a:t>Cos</a:t>
-            </a:r>
-            <a:r>
-              <a:rPr lang="en-US" sz="2400" b="1" dirty="0"/>
-              <a:t> FFT)</a:t>
-            </a:r>
-          </a:p>
-        </p:txBody>
-      </p:sp>
-      <p:sp>
-        <p:nvSpPr>
-          <p:cNvPr id="3098" name="Hexagon 3097">
-            <a:extLst>
-              <a:ext uri="{FF2B5EF4-FFF2-40B4-BE49-F238E27FC236}">
-                <a16:creationId xmlns:a16="http://schemas.microsoft.com/office/drawing/2014/main" id="{AED672C7-B2C8-A881-E55C-D39B5AF449DF}"/>
-              </a:ext>
-            </a:extLst>
-          </p:cNvPr>
-          <p:cNvSpPr>
-            <a:spLocks noChangeAspect="1"/>
-          </p:cNvSpPr>
-          <p:nvPr/>
-        </p:nvSpPr>
-        <p:spPr>
-          <a:xfrm>
-            <a:off x="8025081" y="3355102"/>
-            <a:ext cx="1027723" cy="885969"/>
-          </a:xfrm>
-          <a:prstGeom prst="hexagon">
-            <a:avLst/>
-          </a:prstGeom>
-          <a:noFill/>
-          <a:ln w="38100">
-            <a:solidFill>
-              <a:srgbClr val="C00000"/>
-            </a:solidFill>
-          </a:ln>
-        </p:spPr>
-        <p:style>
-          <a:lnRef idx="2">
-            <a:schemeClr val="accent1">
-              <a:shade val="15000"/>
-            </a:schemeClr>
-          </a:lnRef>
-          <a:fillRef idx="1">
-            <a:schemeClr val="accent1"/>
-          </a:fillRef>
-          <a:effectRef idx="0">
-            <a:schemeClr val="accent1"/>
-          </a:effectRef>
-          <a:fontRef idx="minor">
-            <a:schemeClr val="lt1"/>
-          </a:fontRef>
-        </p:style>
-        <p:txBody>
-          <a:bodyPr rtlCol="0" anchor="ctr"/>
-          <a:lstStyle/>
-          <a:p>
-            <a:pPr algn="ctr"/>
-            <a:endParaRPr lang="en-US" dirty="0"/>
-          </a:p>
-        </p:txBody>
-      </p:sp>
-      <p:sp>
-        <p:nvSpPr>
-          <p:cNvPr id="3105" name="Hexagon 3104">
-            <a:extLst>
-              <a:ext uri="{FF2B5EF4-FFF2-40B4-BE49-F238E27FC236}">
-                <a16:creationId xmlns:a16="http://schemas.microsoft.com/office/drawing/2014/main" id="{A05FB334-19F3-DB3C-9AB9-657CC577D594}"/>
-              </a:ext>
-            </a:extLst>
-          </p:cNvPr>
-          <p:cNvSpPr>
-            <a:spLocks noChangeAspect="1"/>
-          </p:cNvSpPr>
-          <p:nvPr/>
-        </p:nvSpPr>
-        <p:spPr>
-          <a:xfrm>
-            <a:off x="8018264" y="5140597"/>
-            <a:ext cx="1027723" cy="885969"/>
-          </a:xfrm>
-          <a:prstGeom prst="hexagon">
-            <a:avLst/>
-          </a:prstGeom>
-          <a:noFill/>
-          <a:ln w="38100">
-            <a:solidFill>
-              <a:srgbClr val="C00000"/>
-            </a:solidFill>
-          </a:ln>
-        </p:spPr>
-        <p:style>
-          <a:lnRef idx="2">
-            <a:schemeClr val="accent1">
-              <a:shade val="15000"/>
-            </a:schemeClr>
-          </a:lnRef>
-          <a:fillRef idx="1">
-            <a:schemeClr val="accent1"/>
-          </a:fillRef>
-          <a:effectRef idx="0">
-            <a:schemeClr val="accent1"/>
-          </a:effectRef>
-          <a:fontRef idx="minor">
-            <a:schemeClr val="lt1"/>
-          </a:fontRef>
-        </p:style>
-        <p:txBody>
-          <a:bodyPr rtlCol="0" anchor="ctr"/>
-          <a:lstStyle/>
-          <a:p>
-            <a:pPr algn="ctr"/>
-            <a:endParaRPr lang="en-US" dirty="0"/>
-          </a:p>
-        </p:txBody>
-      </p:sp>
-      <p:sp>
-        <p:nvSpPr>
-          <p:cNvPr id="3106" name="Hexagon 3105">
-            <a:extLst>
-              <a:ext uri="{FF2B5EF4-FFF2-40B4-BE49-F238E27FC236}">
-                <a16:creationId xmlns:a16="http://schemas.microsoft.com/office/drawing/2014/main" id="{D1913BF0-E56D-0C13-DCEA-688F87F79AF6}"/>
-              </a:ext>
-            </a:extLst>
-          </p:cNvPr>
-          <p:cNvSpPr>
-            <a:spLocks noChangeAspect="1"/>
-          </p:cNvSpPr>
-          <p:nvPr/>
-        </p:nvSpPr>
-        <p:spPr>
-          <a:xfrm>
-            <a:off x="8011652" y="4251845"/>
-            <a:ext cx="1027723" cy="885969"/>
-          </a:xfrm>
-          <a:prstGeom prst="hexagon">
-            <a:avLst/>
-          </a:prstGeom>
-          <a:noFill/>
-          <a:ln w="38100">
-            <a:solidFill>
-              <a:srgbClr val="C00000"/>
-            </a:solidFill>
-          </a:ln>
-        </p:spPr>
-        <p:style>
-          <a:lnRef idx="2">
-            <a:schemeClr val="accent1">
-              <a:shade val="15000"/>
-            </a:schemeClr>
-          </a:lnRef>
-          <a:fillRef idx="1">
-            <a:schemeClr val="accent1"/>
-          </a:fillRef>
-          <a:effectRef idx="0">
-            <a:schemeClr val="accent1"/>
-          </a:effectRef>
-          <a:fontRef idx="minor">
-            <a:schemeClr val="lt1"/>
-          </a:fontRef>
-        </p:style>
-        <p:txBody>
-          <a:bodyPr rtlCol="0" anchor="ctr"/>
-          <a:lstStyle/>
-          <a:p>
-            <a:pPr algn="ctr"/>
-            <a:endParaRPr lang="en-US" dirty="0"/>
-          </a:p>
-        </p:txBody>
-      </p:sp>
-      <p:sp>
-        <p:nvSpPr>
-          <p:cNvPr id="3107" name="TextBox 3106">
-            <a:extLst>
-              <a:ext uri="{FF2B5EF4-FFF2-40B4-BE49-F238E27FC236}">
-                <a16:creationId xmlns:a16="http://schemas.microsoft.com/office/drawing/2014/main" id="{F399C55A-AA43-8910-7211-8CA7EBF859D9}"/>
-              </a:ext>
-            </a:extLst>
-          </p:cNvPr>
-          <p:cNvSpPr txBox="1"/>
-          <p:nvPr/>
-        </p:nvSpPr>
-        <p:spPr>
-          <a:xfrm>
-            <a:off x="9052804" y="2097118"/>
-            <a:ext cx="2475118" cy="923330"/>
-          </a:xfrm>
-          <a:prstGeom prst="rect">
-            <a:avLst/>
-          </a:prstGeom>
-          <a:noFill/>
-        </p:spPr>
-        <p:txBody>
-          <a:bodyPr wrap="square" rtlCol="0">
-            <a:spAutoFit/>
-          </a:bodyPr>
-          <a:lstStyle/>
-          <a:p>
-            <a:r>
-              <a:rPr lang="en-US" b="1" dirty="0"/>
-              <a:t>Inner boundary compressed by 1*dx due to REDFT00 overlap</a:t>
-            </a:r>
-          </a:p>
-        </p:txBody>
-      </p:sp>
-      <p:sp>
-        <p:nvSpPr>
-          <p:cNvPr id="3108" name="Rectangle 3107">
-            <a:extLst>
-              <a:ext uri="{FF2B5EF4-FFF2-40B4-BE49-F238E27FC236}">
-                <a16:creationId xmlns:a16="http://schemas.microsoft.com/office/drawing/2014/main" id="{0E74E3F2-0E3F-2F2E-C21D-99346F335363}"/>
-              </a:ext>
-            </a:extLst>
-          </p:cNvPr>
-          <p:cNvSpPr/>
-          <p:nvPr/>
-        </p:nvSpPr>
-        <p:spPr>
-          <a:xfrm>
-            <a:off x="5490890" y="2432054"/>
-            <a:ext cx="3295311" cy="123881"/>
-          </a:xfrm>
-          <a:prstGeom prst="rect">
-            <a:avLst/>
-          </a:prstGeom>
-          <a:noFill/>
-          <a:ln w="38100">
-            <a:solidFill>
-              <a:srgbClr val="92D050"/>
-            </a:solidFill>
-          </a:ln>
-        </p:spPr>
-        <p:style>
-          <a:lnRef idx="2">
-            <a:schemeClr val="accent1">
-              <a:shade val="15000"/>
-            </a:schemeClr>
-          </a:lnRef>
-          <a:fillRef idx="1">
-            <a:schemeClr val="accent1"/>
-          </a:fillRef>
-          <a:effectRef idx="0">
-            <a:schemeClr val="accent1"/>
-          </a:effectRef>
-          <a:fontRef idx="minor">
-            <a:schemeClr val="lt1"/>
-          </a:fontRef>
-        </p:style>
-        <p:txBody>
-          <a:bodyPr rtlCol="0" anchor="ctr"/>
-          <a:lstStyle/>
-          <a:p>
-            <a:pPr algn="ctr"/>
-            <a:endParaRPr lang="en-US"/>
-          </a:p>
-        </p:txBody>
-      </p:sp>
-      <p:sp>
-        <p:nvSpPr>
-          <p:cNvPr id="3112" name="Rectangle 3111">
-            <a:extLst>
-              <a:ext uri="{FF2B5EF4-FFF2-40B4-BE49-F238E27FC236}">
-                <a16:creationId xmlns:a16="http://schemas.microsoft.com/office/drawing/2014/main" id="{FEBD1251-BC18-9029-6D17-67DACA774883}"/>
-              </a:ext>
-            </a:extLst>
-          </p:cNvPr>
-          <p:cNvSpPr/>
-          <p:nvPr/>
-        </p:nvSpPr>
-        <p:spPr>
-          <a:xfrm rot="5400000">
-            <a:off x="6274128" y="3668447"/>
-            <a:ext cx="5130136" cy="98266"/>
-          </a:xfrm>
-          <a:prstGeom prst="rect">
-            <a:avLst/>
-          </a:prstGeom>
-          <a:solidFill>
-            <a:srgbClr val="92D050"/>
-          </a:solidFill>
-          <a:ln>
-            <a:solidFill>
-              <a:srgbClr val="92D050"/>
-            </a:solidFill>
-          </a:ln>
-        </p:spPr>
-        <p:style>
-          <a:lnRef idx="2">
-            <a:schemeClr val="accent1">
-              <a:shade val="15000"/>
-            </a:schemeClr>
-          </a:lnRef>
-          <a:fillRef idx="1">
-            <a:schemeClr val="accent1"/>
-          </a:fillRef>
-          <a:effectRef idx="0">
-            <a:schemeClr val="accent1"/>
-          </a:effectRef>
-          <a:fontRef idx="minor">
-            <a:schemeClr val="lt1"/>
-          </a:fontRef>
-        </p:style>
-        <p:txBody>
-          <a:bodyPr rtlCol="0" anchor="ctr"/>
-          <a:lstStyle/>
-          <a:p>
-            <a:pPr algn="ctr"/>
-            <a:endParaRPr lang="en-US"/>
-          </a:p>
-        </p:txBody>
-      </p:sp>
-      <p:sp>
-        <p:nvSpPr>
-          <p:cNvPr id="3113" name="Rectangle 3112">
-            <a:extLst>
-              <a:ext uri="{FF2B5EF4-FFF2-40B4-BE49-F238E27FC236}">
-                <a16:creationId xmlns:a16="http://schemas.microsoft.com/office/drawing/2014/main" id="{5F758054-4E32-4F51-82CC-1B0113E0BB1F}"/>
-              </a:ext>
-            </a:extLst>
-          </p:cNvPr>
-          <p:cNvSpPr/>
-          <p:nvPr/>
-        </p:nvSpPr>
-        <p:spPr>
-          <a:xfrm>
-            <a:off x="5490890" y="1099557"/>
-            <a:ext cx="3397440" cy="78399"/>
-          </a:xfrm>
-          <a:prstGeom prst="rect">
-            <a:avLst/>
-          </a:prstGeom>
-          <a:solidFill>
-            <a:srgbClr val="92D050"/>
-          </a:solidFill>
-          <a:ln>
-            <a:solidFill>
-              <a:srgbClr val="92D050"/>
-            </a:solidFill>
-          </a:ln>
-        </p:spPr>
-        <p:style>
-          <a:lnRef idx="2">
-            <a:schemeClr val="accent1">
-              <a:shade val="15000"/>
-            </a:schemeClr>
-          </a:lnRef>
-          <a:fillRef idx="1">
-            <a:schemeClr val="accent1"/>
-          </a:fillRef>
-          <a:effectRef idx="0">
-            <a:schemeClr val="accent1"/>
-          </a:effectRef>
-          <a:fontRef idx="minor">
-            <a:schemeClr val="lt1"/>
-          </a:fontRef>
-        </p:style>
-        <p:txBody>
-          <a:bodyPr rtlCol="0" anchor="ctr"/>
-          <a:lstStyle/>
-          <a:p>
-            <a:pPr algn="ctr"/>
-            <a:endParaRPr lang="en-US"/>
-          </a:p>
-        </p:txBody>
-      </p:sp>
-      <p:sp>
-        <p:nvSpPr>
-          <p:cNvPr id="3114" name="Rectangle 3113">
-            <a:extLst>
-              <a:ext uri="{FF2B5EF4-FFF2-40B4-BE49-F238E27FC236}">
-                <a16:creationId xmlns:a16="http://schemas.microsoft.com/office/drawing/2014/main" id="{5AEEA337-8863-9FBE-F589-1687284B9F65}"/>
-              </a:ext>
-            </a:extLst>
-          </p:cNvPr>
-          <p:cNvSpPr/>
-          <p:nvPr/>
-        </p:nvSpPr>
-        <p:spPr>
-          <a:xfrm>
-            <a:off x="5401351" y="6306334"/>
-            <a:ext cx="3486977" cy="68925"/>
-          </a:xfrm>
-          <a:prstGeom prst="rect">
-            <a:avLst/>
-          </a:prstGeom>
-          <a:solidFill>
-            <a:srgbClr val="92D050"/>
-          </a:solidFill>
-          <a:ln>
-            <a:solidFill>
-              <a:srgbClr val="92D050"/>
-            </a:solidFill>
-          </a:ln>
-        </p:spPr>
-        <p:style>
-          <a:lnRef idx="2">
-            <a:schemeClr val="accent1">
-              <a:shade val="15000"/>
-            </a:schemeClr>
-          </a:lnRef>
-          <a:fillRef idx="1">
-            <a:schemeClr val="accent1"/>
-          </a:fillRef>
-          <a:effectRef idx="0">
-            <a:schemeClr val="accent1"/>
-          </a:effectRef>
-          <a:fontRef idx="minor">
-            <a:schemeClr val="lt1"/>
-          </a:fontRef>
-        </p:style>
-        <p:txBody>
-          <a:bodyPr rtlCol="0" anchor="ctr"/>
-          <a:lstStyle/>
-          <a:p>
-            <a:pPr algn="ctr"/>
-            <a:endParaRPr lang="en-US"/>
-          </a:p>
-        </p:txBody>
-      </p:sp>
-      <p:sp>
-        <p:nvSpPr>
-          <p:cNvPr id="3115" name="Rectangle 3114">
-            <a:extLst>
-              <a:ext uri="{FF2B5EF4-FFF2-40B4-BE49-F238E27FC236}">
-                <a16:creationId xmlns:a16="http://schemas.microsoft.com/office/drawing/2014/main" id="{869DA0C5-3008-FE06-C01F-265CD2C4A84D}"/>
-              </a:ext>
-            </a:extLst>
-          </p:cNvPr>
-          <p:cNvSpPr/>
-          <p:nvPr/>
-        </p:nvSpPr>
-        <p:spPr>
-          <a:xfrm rot="5400000">
-            <a:off x="5709949" y="2399336"/>
-            <a:ext cx="2667950" cy="126914"/>
-          </a:xfrm>
-          <a:prstGeom prst="rect">
-            <a:avLst/>
-          </a:prstGeom>
-          <a:noFill/>
-          <a:ln w="38100">
-            <a:solidFill>
-              <a:srgbClr val="92D050"/>
-            </a:solidFill>
-          </a:ln>
-        </p:spPr>
-        <p:style>
-          <a:lnRef idx="2">
-            <a:schemeClr val="accent1">
-              <a:shade val="15000"/>
-            </a:schemeClr>
-          </a:lnRef>
-          <a:fillRef idx="1">
-            <a:schemeClr val="accent1"/>
-          </a:fillRef>
-          <a:effectRef idx="0">
-            <a:schemeClr val="accent1"/>
-          </a:effectRef>
-          <a:fontRef idx="minor">
-            <a:schemeClr val="lt1"/>
-          </a:fontRef>
-        </p:style>
-        <p:txBody>
-          <a:bodyPr rtlCol="0" anchor="ctr"/>
-          <a:lstStyle/>
-          <a:p>
-            <a:pPr algn="ctr"/>
-            <a:endParaRPr lang="en-US"/>
-          </a:p>
-        </p:txBody>
-      </p:sp>
-      <p:grpSp>
-        <p:nvGrpSpPr>
-          <p:cNvPr id="3118" name="Group 3117">
-            <a:extLst>
-              <a:ext uri="{FF2B5EF4-FFF2-40B4-BE49-F238E27FC236}">
-                <a16:creationId xmlns:a16="http://schemas.microsoft.com/office/drawing/2014/main" id="{BCFFDE26-8C86-DD3D-6D2B-28C3EF088CDC}"/>
-              </a:ext>
-            </a:extLst>
-          </p:cNvPr>
-          <p:cNvGrpSpPr/>
-          <p:nvPr/>
-        </p:nvGrpSpPr>
-        <p:grpSpPr>
-          <a:xfrm>
-            <a:off x="9245699" y="3120901"/>
-            <a:ext cx="2635387" cy="2081857"/>
-            <a:chOff x="9627907" y="3129410"/>
-            <a:chExt cx="2174842" cy="1718044"/>
-          </a:xfrm>
-        </p:grpSpPr>
-        <p:pic>
-          <p:nvPicPr>
-            <p:cNvPr id="3116" name="Picture 2">
-              <a:extLst>
-                <a:ext uri="{FF2B5EF4-FFF2-40B4-BE49-F238E27FC236}">
-                  <a16:creationId xmlns:a16="http://schemas.microsoft.com/office/drawing/2014/main" id="{064AA5E4-EE51-6D63-DE38-2FAA12AAF5DD}"/>
+                  <a16:creationId xmlns:a16="http://schemas.microsoft.com/office/drawing/2014/main" id="{627AA289-0282-DABE-7A5C-E297B88CD14B}"/>
                 </a:ext>
               </a:extLst>
             </p:cNvPr>
@@ -8645,8 +5698,8 @@
           </p:blipFill>
           <p:spPr bwMode="auto">
             <a:xfrm>
-              <a:off x="9627907" y="3129410"/>
-              <a:ext cx="2174842" cy="1718044"/>
+              <a:off x="9342443" y="3369366"/>
+              <a:ext cx="2416593" cy="2101599"/>
             </a:xfrm>
             <a:prstGeom prst="rect">
               <a:avLst/>
@@ -8665,10 +5718,10 @@
         </p:pic>
         <p:pic>
           <p:nvPicPr>
-            <p:cNvPr id="3117" name="Picture 2">
+            <p:cNvPr id="3120" name="Picture 6">
               <a:extLst>
                 <a:ext uri="{FF2B5EF4-FFF2-40B4-BE49-F238E27FC236}">
-                  <a16:creationId xmlns:a16="http://schemas.microsoft.com/office/drawing/2014/main" id="{4365D1CE-B116-B603-2D60-AA7B866E5BEF}"/>
+                  <a16:creationId xmlns:a16="http://schemas.microsoft.com/office/drawing/2014/main" id="{AA10FBC1-C155-0857-B7AD-73D9AEBA548A}"/>
                 </a:ext>
               </a:extLst>
             </p:cNvPr>
@@ -8685,13 +5738,13 @@
                 </a:ext>
               </a:extLst>
             </a:blip>
-            <a:srcRect l="-1" t="44976" r="45882" b="10313"/>
+            <a:srcRect t="43930" r="45343"/>
             <a:stretch/>
           </p:blipFill>
           <p:spPr bwMode="auto">
             <a:xfrm flipV="1">
-              <a:off x="9629389" y="3197233"/>
-              <a:ext cx="1177005" cy="768148"/>
+              <a:off x="9344583" y="3203112"/>
+              <a:ext cx="1320826" cy="1178365"/>
             </a:xfrm>
             <a:prstGeom prst="rect">
               <a:avLst/>
@@ -8708,7 +5761,2386 @@
             </a:extLst>
           </p:spPr>
         </p:pic>
+        <p:pic>
+          <p:nvPicPr>
+            <p:cNvPr id="3121" name="Picture 6">
+              <a:extLst>
+                <a:ext uri="{FF2B5EF4-FFF2-40B4-BE49-F238E27FC236}">
+                  <a16:creationId xmlns:a16="http://schemas.microsoft.com/office/drawing/2014/main" id="{4EB190CA-009D-ED0B-A450-D14276068CDF}"/>
+                </a:ext>
+              </a:extLst>
+            </p:cNvPr>
+            <p:cNvPicPr>
+              <a:picLocks noChangeAspect="1" noChangeArrowheads="1"/>
+            </p:cNvPicPr>
+            <p:nvPr/>
+          </p:nvPicPr>
+          <p:blipFill rotWithShape="1">
+            <a:blip r:embed="rId2">
+              <a:extLst>
+                <a:ext uri="{28A0092B-C50C-407E-A947-70E740481C1C}">
+                  <a14:useLocalDpi xmlns:a14="http://schemas.microsoft.com/office/drawing/2010/main" val="0"/>
+                </a:ext>
+              </a:extLst>
+            </a:blip>
+            <a:srcRect t="43930" r="45343"/>
+            <a:stretch/>
+          </p:blipFill>
+          <p:spPr bwMode="auto">
+            <a:xfrm flipH="1" flipV="1">
+              <a:off x="10608259" y="3203112"/>
+              <a:ext cx="1320826" cy="1178365"/>
+            </a:xfrm>
+            <a:prstGeom prst="rect">
+              <a:avLst/>
+            </a:prstGeom>
+            <a:noFill/>
+            <a:extLst>
+              <a:ext uri="{909E8E84-426E-40DD-AFC4-6F175D3DCCD1}">
+                <a14:hiddenFill xmlns:a14="http://schemas.microsoft.com/office/drawing/2010/main">
+                  <a:solidFill>
+                    <a:srgbClr val="FFFFFF"/>
+                  </a:solidFill>
+                </a14:hiddenFill>
+              </a:ext>
+            </a:extLst>
+          </p:spPr>
+        </p:pic>
+        <p:pic>
+          <p:nvPicPr>
+            <p:cNvPr id="3122" name="Picture 6">
+              <a:extLst>
+                <a:ext uri="{FF2B5EF4-FFF2-40B4-BE49-F238E27FC236}">
+                  <a16:creationId xmlns:a16="http://schemas.microsoft.com/office/drawing/2014/main" id="{75B15F82-56B0-27AB-A237-D24106CC3E7E}"/>
+                </a:ext>
+              </a:extLst>
+            </p:cNvPr>
+            <p:cNvPicPr>
+              <a:picLocks noChangeAspect="1" noChangeArrowheads="1"/>
+            </p:cNvPicPr>
+            <p:nvPr/>
+          </p:nvPicPr>
+          <p:blipFill rotWithShape="1">
+            <a:blip r:embed="rId2">
+              <a:extLst>
+                <a:ext uri="{28A0092B-C50C-407E-A947-70E740481C1C}">
+                  <a14:useLocalDpi xmlns:a14="http://schemas.microsoft.com/office/drawing/2010/main" val="0"/>
+                </a:ext>
+              </a:extLst>
+            </a:blip>
+            <a:srcRect t="43930" r="45343"/>
+            <a:stretch/>
+          </p:blipFill>
+          <p:spPr bwMode="auto">
+            <a:xfrm flipH="1">
+              <a:off x="10608259" y="4295752"/>
+              <a:ext cx="1320826" cy="1178365"/>
+            </a:xfrm>
+            <a:prstGeom prst="rect">
+              <a:avLst/>
+            </a:prstGeom>
+            <a:noFill/>
+            <a:extLst>
+              <a:ext uri="{909E8E84-426E-40DD-AFC4-6F175D3DCCD1}">
+                <a14:hiddenFill xmlns:a14="http://schemas.microsoft.com/office/drawing/2010/main">
+                  <a:solidFill>
+                    <a:srgbClr val="FFFFFF"/>
+                  </a:solidFill>
+                </a14:hiddenFill>
+              </a:ext>
+            </a:extLst>
+          </p:spPr>
+        </p:pic>
       </p:grpSp>
+      <p:pic>
+        <p:nvPicPr>
+          <p:cNvPr id="3126" name="Picture 8">
+            <a:extLst>
+              <a:ext uri="{FF2B5EF4-FFF2-40B4-BE49-F238E27FC236}">
+                <a16:creationId xmlns:a16="http://schemas.microsoft.com/office/drawing/2014/main" id="{E762424A-8053-661D-214D-5A6A6251018D}"/>
+              </a:ext>
+            </a:extLst>
+          </p:cNvPr>
+          <p:cNvPicPr>
+            <a:picLocks noChangeAspect="1" noChangeArrowheads="1"/>
+          </p:cNvPicPr>
+          <p:nvPr/>
+        </p:nvPicPr>
+        <p:blipFill rotWithShape="1">
+          <a:blip r:embed="rId2">
+            <a:extLst>
+              <a:ext uri="{28A0092B-C50C-407E-A947-70E740481C1C}">
+                <a14:useLocalDpi xmlns:a14="http://schemas.microsoft.com/office/drawing/2010/main" val="0"/>
+              </a:ext>
+            </a:extLst>
+          </a:blip>
+          <a:srcRect r="1988"/>
+          <a:stretch/>
+        </p:blipFill>
+        <p:spPr bwMode="auto">
+          <a:xfrm>
+            <a:off x="714503" y="816445"/>
+            <a:ext cx="3644809" cy="3234005"/>
+          </a:xfrm>
+          <a:prstGeom prst="rect">
+            <a:avLst/>
+          </a:prstGeom>
+          <a:noFill/>
+          <a:extLst>
+            <a:ext uri="{909E8E84-426E-40DD-AFC4-6F175D3DCCD1}">
+              <a14:hiddenFill xmlns:a14="http://schemas.microsoft.com/office/drawing/2010/main">
+                <a:solidFill>
+                  <a:srgbClr val="FFFFFF"/>
+                </a:solidFill>
+              </a14:hiddenFill>
+            </a:ext>
+          </a:extLst>
+        </p:spPr>
+      </p:pic>
+      <p:pic>
+        <p:nvPicPr>
+          <p:cNvPr id="3127" name="Picture 8">
+            <a:extLst>
+              <a:ext uri="{FF2B5EF4-FFF2-40B4-BE49-F238E27FC236}">
+                <a16:creationId xmlns:a16="http://schemas.microsoft.com/office/drawing/2014/main" id="{29E86343-B453-E003-6F01-B17FF940E799}"/>
+              </a:ext>
+            </a:extLst>
+          </p:cNvPr>
+          <p:cNvPicPr>
+            <a:picLocks noChangeAspect="1" noChangeArrowheads="1"/>
+          </p:cNvPicPr>
+          <p:nvPr/>
+        </p:nvPicPr>
+        <p:blipFill rotWithShape="1">
+          <a:blip r:embed="rId2">
+            <a:extLst>
+              <a:ext uri="{28A0092B-C50C-407E-A947-70E740481C1C}">
+                <a14:useLocalDpi xmlns:a14="http://schemas.microsoft.com/office/drawing/2010/main" val="0"/>
+              </a:ext>
+            </a:extLst>
+          </a:blip>
+          <a:srcRect l="8007" t="2466"/>
+          <a:stretch/>
+        </p:blipFill>
+        <p:spPr bwMode="auto">
+          <a:xfrm>
+            <a:off x="4225518" y="3597275"/>
+            <a:ext cx="3420962" cy="3154271"/>
+          </a:xfrm>
+          <a:prstGeom prst="rect">
+            <a:avLst/>
+          </a:prstGeom>
+          <a:noFill/>
+          <a:extLst>
+            <a:ext uri="{909E8E84-426E-40DD-AFC4-6F175D3DCCD1}">
+              <a14:hiddenFill xmlns:a14="http://schemas.microsoft.com/office/drawing/2010/main">
+                <a:solidFill>
+                  <a:srgbClr val="FFFFFF"/>
+                </a:solidFill>
+              </a14:hiddenFill>
+            </a:ext>
+          </a:extLst>
+        </p:spPr>
+      </p:pic>
+      <p:pic>
+        <p:nvPicPr>
+          <p:cNvPr id="3125" name="Picture 8">
+            <a:extLst>
+              <a:ext uri="{FF2B5EF4-FFF2-40B4-BE49-F238E27FC236}">
+                <a16:creationId xmlns:a16="http://schemas.microsoft.com/office/drawing/2014/main" id="{B3E60859-1969-57B7-ACB3-D66167FAB32D}"/>
+              </a:ext>
+            </a:extLst>
+          </p:cNvPr>
+          <p:cNvPicPr>
+            <a:picLocks noChangeAspect="1" noChangeArrowheads="1"/>
+          </p:cNvPicPr>
+          <p:nvPr/>
+        </p:nvPicPr>
+        <p:blipFill rotWithShape="1">
+          <a:blip r:embed="rId2">
+            <a:extLst>
+              <a:ext uri="{28A0092B-C50C-407E-A947-70E740481C1C}">
+                <a14:useLocalDpi xmlns:a14="http://schemas.microsoft.com/office/drawing/2010/main" val="0"/>
+              </a:ext>
+            </a:extLst>
+          </a:blip>
+          <a:srcRect t="2466" r="1604"/>
+          <a:stretch/>
+        </p:blipFill>
+        <p:spPr bwMode="auto">
+          <a:xfrm>
+            <a:off x="714504" y="3597275"/>
+            <a:ext cx="3659059" cy="3154271"/>
+          </a:xfrm>
+          <a:prstGeom prst="rect">
+            <a:avLst/>
+          </a:prstGeom>
+          <a:noFill/>
+          <a:extLst>
+            <a:ext uri="{909E8E84-426E-40DD-AFC4-6F175D3DCCD1}">
+              <a14:hiddenFill xmlns:a14="http://schemas.microsoft.com/office/drawing/2010/main">
+                <a:solidFill>
+                  <a:srgbClr val="FFFFFF"/>
+                </a:solidFill>
+              </a14:hiddenFill>
+            </a:ext>
+          </a:extLst>
+        </p:spPr>
+      </p:pic>
+      <p:sp>
+        <p:nvSpPr>
+          <p:cNvPr id="15" name="Hexagon 14">
+            <a:extLst>
+              <a:ext uri="{FF2B5EF4-FFF2-40B4-BE49-F238E27FC236}">
+                <a16:creationId xmlns:a16="http://schemas.microsoft.com/office/drawing/2014/main" id="{CA210AD0-1184-0ED8-8314-9C67458F11F8}"/>
+              </a:ext>
+            </a:extLst>
+          </p:cNvPr>
+          <p:cNvSpPr>
+            <a:spLocks noChangeAspect="1"/>
+          </p:cNvSpPr>
+          <p:nvPr/>
+        </p:nvSpPr>
+        <p:spPr>
+          <a:xfrm>
+            <a:off x="579973" y="3224248"/>
+            <a:ext cx="1027723" cy="885969"/>
+          </a:xfrm>
+          <a:prstGeom prst="hexagon">
+            <a:avLst/>
+          </a:prstGeom>
+          <a:noFill/>
+          <a:ln w="38100">
+            <a:solidFill>
+              <a:srgbClr val="C00000"/>
+            </a:solidFill>
+          </a:ln>
+        </p:spPr>
+        <p:style>
+          <a:lnRef idx="2">
+            <a:schemeClr val="accent1">
+              <a:shade val="15000"/>
+            </a:schemeClr>
+          </a:lnRef>
+          <a:fillRef idx="1">
+            <a:schemeClr val="accent1"/>
+          </a:fillRef>
+          <a:effectRef idx="0">
+            <a:schemeClr val="accent1"/>
+          </a:effectRef>
+          <a:fontRef idx="minor">
+            <a:schemeClr val="lt1"/>
+          </a:fontRef>
+        </p:style>
+        <p:txBody>
+          <a:bodyPr rtlCol="0" anchor="ctr"/>
+          <a:lstStyle/>
+          <a:p>
+            <a:pPr algn="ctr"/>
+            <a:endParaRPr lang="en-US" dirty="0"/>
+          </a:p>
+        </p:txBody>
+      </p:sp>
+      <p:sp>
+        <p:nvSpPr>
+          <p:cNvPr id="16" name="Hexagon 15">
+            <a:extLst>
+              <a:ext uri="{FF2B5EF4-FFF2-40B4-BE49-F238E27FC236}">
+                <a16:creationId xmlns:a16="http://schemas.microsoft.com/office/drawing/2014/main" id="{F7E5B642-D6DC-27D1-AAAE-9D95E7839BBD}"/>
+              </a:ext>
+            </a:extLst>
+          </p:cNvPr>
+          <p:cNvSpPr>
+            <a:spLocks noChangeAspect="1"/>
+          </p:cNvSpPr>
+          <p:nvPr/>
+        </p:nvSpPr>
+        <p:spPr>
+          <a:xfrm>
+            <a:off x="573306" y="4113001"/>
+            <a:ext cx="1027723" cy="885969"/>
+          </a:xfrm>
+          <a:prstGeom prst="hexagon">
+            <a:avLst/>
+          </a:prstGeom>
+          <a:noFill/>
+          <a:ln w="38100">
+            <a:solidFill>
+              <a:srgbClr val="C00000"/>
+            </a:solidFill>
+          </a:ln>
+        </p:spPr>
+        <p:style>
+          <a:lnRef idx="2">
+            <a:schemeClr val="accent1">
+              <a:shade val="15000"/>
+            </a:schemeClr>
+          </a:lnRef>
+          <a:fillRef idx="1">
+            <a:schemeClr val="accent1"/>
+          </a:fillRef>
+          <a:effectRef idx="0">
+            <a:schemeClr val="accent1"/>
+          </a:effectRef>
+          <a:fontRef idx="minor">
+            <a:schemeClr val="lt1"/>
+          </a:fontRef>
+        </p:style>
+        <p:txBody>
+          <a:bodyPr rtlCol="0" anchor="ctr"/>
+          <a:lstStyle/>
+          <a:p>
+            <a:pPr algn="ctr"/>
+            <a:endParaRPr lang="en-US" dirty="0"/>
+          </a:p>
+        </p:txBody>
+      </p:sp>
+      <p:sp>
+        <p:nvSpPr>
+          <p:cNvPr id="17" name="Hexagon 16">
+            <a:extLst>
+              <a:ext uri="{FF2B5EF4-FFF2-40B4-BE49-F238E27FC236}">
+                <a16:creationId xmlns:a16="http://schemas.microsoft.com/office/drawing/2014/main" id="{04A1A5EA-4A1F-BC6E-3692-7F058625DEE6}"/>
+              </a:ext>
+            </a:extLst>
+          </p:cNvPr>
+          <p:cNvSpPr>
+            <a:spLocks noChangeAspect="1"/>
+          </p:cNvSpPr>
+          <p:nvPr/>
+        </p:nvSpPr>
+        <p:spPr>
+          <a:xfrm>
+            <a:off x="573306" y="4994722"/>
+            <a:ext cx="1027723" cy="885969"/>
+          </a:xfrm>
+          <a:prstGeom prst="hexagon">
+            <a:avLst/>
+          </a:prstGeom>
+          <a:noFill/>
+          <a:ln w="38100">
+            <a:solidFill>
+              <a:srgbClr val="C00000"/>
+            </a:solidFill>
+          </a:ln>
+        </p:spPr>
+        <p:style>
+          <a:lnRef idx="2">
+            <a:schemeClr val="accent1">
+              <a:shade val="15000"/>
+            </a:schemeClr>
+          </a:lnRef>
+          <a:fillRef idx="1">
+            <a:schemeClr val="accent1"/>
+          </a:fillRef>
+          <a:effectRef idx="0">
+            <a:schemeClr val="accent1"/>
+          </a:effectRef>
+          <a:fontRef idx="minor">
+            <a:schemeClr val="lt1"/>
+          </a:fontRef>
+        </p:style>
+        <p:txBody>
+          <a:bodyPr rtlCol="0" anchor="ctr"/>
+          <a:lstStyle/>
+          <a:p>
+            <a:pPr algn="ctr"/>
+            <a:endParaRPr lang="en-US" dirty="0"/>
+          </a:p>
+        </p:txBody>
+      </p:sp>
+      <p:sp>
+        <p:nvSpPr>
+          <p:cNvPr id="18" name="Hexagon 17">
+            <a:extLst>
+              <a:ext uri="{FF2B5EF4-FFF2-40B4-BE49-F238E27FC236}">
+                <a16:creationId xmlns:a16="http://schemas.microsoft.com/office/drawing/2014/main" id="{7B802C25-E8E5-3AD5-AA86-EC56DD658921}"/>
+              </a:ext>
+            </a:extLst>
+          </p:cNvPr>
+          <p:cNvSpPr>
+            <a:spLocks noChangeAspect="1"/>
+          </p:cNvSpPr>
+          <p:nvPr/>
+        </p:nvSpPr>
+        <p:spPr>
+          <a:xfrm>
+            <a:off x="1382218" y="5439828"/>
+            <a:ext cx="1027723" cy="885969"/>
+          </a:xfrm>
+          <a:prstGeom prst="hexagon">
+            <a:avLst/>
+          </a:prstGeom>
+          <a:noFill/>
+          <a:ln w="38100">
+            <a:solidFill>
+              <a:srgbClr val="C00000"/>
+            </a:solidFill>
+          </a:ln>
+        </p:spPr>
+        <p:style>
+          <a:lnRef idx="2">
+            <a:schemeClr val="accent1">
+              <a:shade val="15000"/>
+            </a:schemeClr>
+          </a:lnRef>
+          <a:fillRef idx="1">
+            <a:schemeClr val="accent1"/>
+          </a:fillRef>
+          <a:effectRef idx="0">
+            <a:schemeClr val="accent1"/>
+          </a:effectRef>
+          <a:fontRef idx="minor">
+            <a:schemeClr val="lt1"/>
+          </a:fontRef>
+        </p:style>
+        <p:txBody>
+          <a:bodyPr rtlCol="0" anchor="ctr"/>
+          <a:lstStyle/>
+          <a:p>
+            <a:pPr algn="ctr"/>
+            <a:endParaRPr lang="en-US" dirty="0"/>
+          </a:p>
+        </p:txBody>
+      </p:sp>
+      <p:sp>
+        <p:nvSpPr>
+          <p:cNvPr id="19" name="Hexagon 18">
+            <a:extLst>
+              <a:ext uri="{FF2B5EF4-FFF2-40B4-BE49-F238E27FC236}">
+                <a16:creationId xmlns:a16="http://schemas.microsoft.com/office/drawing/2014/main" id="{F264AC56-895C-CBF0-AB22-DC2EB760F723}"/>
+              </a:ext>
+            </a:extLst>
+          </p:cNvPr>
+          <p:cNvSpPr>
+            <a:spLocks noChangeAspect="1"/>
+          </p:cNvSpPr>
+          <p:nvPr/>
+        </p:nvSpPr>
+        <p:spPr>
+          <a:xfrm>
+            <a:off x="1382218" y="4557378"/>
+            <a:ext cx="1027723" cy="885969"/>
+          </a:xfrm>
+          <a:prstGeom prst="hexagon">
+            <a:avLst/>
+          </a:prstGeom>
+          <a:noFill/>
+          <a:ln w="38100">
+            <a:solidFill>
+              <a:srgbClr val="C00000"/>
+            </a:solidFill>
+          </a:ln>
+        </p:spPr>
+        <p:style>
+          <a:lnRef idx="2">
+            <a:schemeClr val="accent1">
+              <a:shade val="15000"/>
+            </a:schemeClr>
+          </a:lnRef>
+          <a:fillRef idx="1">
+            <a:schemeClr val="accent1"/>
+          </a:fillRef>
+          <a:effectRef idx="0">
+            <a:schemeClr val="accent1"/>
+          </a:effectRef>
+          <a:fontRef idx="minor">
+            <a:schemeClr val="lt1"/>
+          </a:fontRef>
+        </p:style>
+        <p:txBody>
+          <a:bodyPr rtlCol="0" anchor="ctr"/>
+          <a:lstStyle/>
+          <a:p>
+            <a:pPr algn="ctr"/>
+            <a:endParaRPr lang="en-US" dirty="0"/>
+          </a:p>
+        </p:txBody>
+      </p:sp>
+      <p:sp>
+        <p:nvSpPr>
+          <p:cNvPr id="20" name="Hexagon 19">
+            <a:extLst>
+              <a:ext uri="{FF2B5EF4-FFF2-40B4-BE49-F238E27FC236}">
+                <a16:creationId xmlns:a16="http://schemas.microsoft.com/office/drawing/2014/main" id="{07B9D637-BA96-2B7F-EBC9-5B688778148D}"/>
+              </a:ext>
+            </a:extLst>
+          </p:cNvPr>
+          <p:cNvSpPr>
+            <a:spLocks noChangeAspect="1"/>
+          </p:cNvSpPr>
+          <p:nvPr/>
+        </p:nvSpPr>
+        <p:spPr>
+          <a:xfrm>
+            <a:off x="1382218" y="3674928"/>
+            <a:ext cx="1027723" cy="885969"/>
+          </a:xfrm>
+          <a:prstGeom prst="hexagon">
+            <a:avLst/>
+          </a:prstGeom>
+          <a:noFill/>
+          <a:ln w="38100">
+            <a:solidFill>
+              <a:srgbClr val="C00000"/>
+            </a:solidFill>
+          </a:ln>
+        </p:spPr>
+        <p:style>
+          <a:lnRef idx="2">
+            <a:schemeClr val="accent1">
+              <a:shade val="15000"/>
+            </a:schemeClr>
+          </a:lnRef>
+          <a:fillRef idx="1">
+            <a:schemeClr val="accent1"/>
+          </a:fillRef>
+          <a:effectRef idx="0">
+            <a:schemeClr val="accent1"/>
+          </a:effectRef>
+          <a:fontRef idx="minor">
+            <a:schemeClr val="lt1"/>
+          </a:fontRef>
+        </p:style>
+        <p:txBody>
+          <a:bodyPr rtlCol="0" anchor="ctr"/>
+          <a:lstStyle/>
+          <a:p>
+            <a:pPr algn="ctr"/>
+            <a:endParaRPr lang="en-US" dirty="0"/>
+          </a:p>
+        </p:txBody>
+      </p:sp>
+      <p:sp>
+        <p:nvSpPr>
+          <p:cNvPr id="21" name="Hexagon 20">
+            <a:extLst>
+              <a:ext uri="{FF2B5EF4-FFF2-40B4-BE49-F238E27FC236}">
+                <a16:creationId xmlns:a16="http://schemas.microsoft.com/office/drawing/2014/main" id="{65236423-21B3-ED2B-8057-5E9D7417482A}"/>
+              </a:ext>
+            </a:extLst>
+          </p:cNvPr>
+          <p:cNvSpPr>
+            <a:spLocks noChangeAspect="1"/>
+          </p:cNvSpPr>
+          <p:nvPr/>
+        </p:nvSpPr>
+        <p:spPr>
+          <a:xfrm>
+            <a:off x="2184463" y="3231080"/>
+            <a:ext cx="1027723" cy="885969"/>
+          </a:xfrm>
+          <a:prstGeom prst="hexagon">
+            <a:avLst/>
+          </a:prstGeom>
+          <a:noFill/>
+          <a:ln w="38100">
+            <a:solidFill>
+              <a:srgbClr val="C00000"/>
+            </a:solidFill>
+          </a:ln>
+        </p:spPr>
+        <p:style>
+          <a:lnRef idx="2">
+            <a:schemeClr val="accent1">
+              <a:shade val="15000"/>
+            </a:schemeClr>
+          </a:lnRef>
+          <a:fillRef idx="1">
+            <a:schemeClr val="accent1"/>
+          </a:fillRef>
+          <a:effectRef idx="0">
+            <a:schemeClr val="accent1"/>
+          </a:effectRef>
+          <a:fontRef idx="minor">
+            <a:schemeClr val="lt1"/>
+          </a:fontRef>
+        </p:style>
+        <p:txBody>
+          <a:bodyPr rtlCol="0" anchor="ctr"/>
+          <a:lstStyle/>
+          <a:p>
+            <a:pPr algn="ctr"/>
+            <a:endParaRPr lang="en-US" dirty="0"/>
+          </a:p>
+        </p:txBody>
+      </p:sp>
+      <p:sp>
+        <p:nvSpPr>
+          <p:cNvPr id="22" name="Hexagon 21">
+            <a:extLst>
+              <a:ext uri="{FF2B5EF4-FFF2-40B4-BE49-F238E27FC236}">
+                <a16:creationId xmlns:a16="http://schemas.microsoft.com/office/drawing/2014/main" id="{4F7251F9-1271-4B5D-1B14-AD79DB034C73}"/>
+              </a:ext>
+            </a:extLst>
+          </p:cNvPr>
+          <p:cNvSpPr>
+            <a:spLocks noChangeAspect="1"/>
+          </p:cNvSpPr>
+          <p:nvPr/>
+        </p:nvSpPr>
+        <p:spPr>
+          <a:xfrm>
+            <a:off x="2178524" y="4125485"/>
+            <a:ext cx="1027723" cy="885969"/>
+          </a:xfrm>
+          <a:prstGeom prst="hexagon">
+            <a:avLst/>
+          </a:prstGeom>
+          <a:noFill/>
+          <a:ln w="38100">
+            <a:solidFill>
+              <a:srgbClr val="C00000"/>
+            </a:solidFill>
+          </a:ln>
+        </p:spPr>
+        <p:style>
+          <a:lnRef idx="2">
+            <a:schemeClr val="accent1">
+              <a:shade val="15000"/>
+            </a:schemeClr>
+          </a:lnRef>
+          <a:fillRef idx="1">
+            <a:schemeClr val="accent1"/>
+          </a:fillRef>
+          <a:effectRef idx="0">
+            <a:schemeClr val="accent1"/>
+          </a:effectRef>
+          <a:fontRef idx="minor">
+            <a:schemeClr val="lt1"/>
+          </a:fontRef>
+        </p:style>
+        <p:txBody>
+          <a:bodyPr rtlCol="0" anchor="ctr"/>
+          <a:lstStyle/>
+          <a:p>
+            <a:pPr algn="ctr"/>
+            <a:endParaRPr lang="en-US" dirty="0"/>
+          </a:p>
+        </p:txBody>
+      </p:sp>
+      <p:sp>
+        <p:nvSpPr>
+          <p:cNvPr id="23" name="Hexagon 22">
+            <a:extLst>
+              <a:ext uri="{FF2B5EF4-FFF2-40B4-BE49-F238E27FC236}">
+                <a16:creationId xmlns:a16="http://schemas.microsoft.com/office/drawing/2014/main" id="{4073D1F8-EC3D-0388-F726-CE0A24FC5B8A}"/>
+              </a:ext>
+            </a:extLst>
+          </p:cNvPr>
+          <p:cNvSpPr>
+            <a:spLocks noChangeAspect="1"/>
+          </p:cNvSpPr>
+          <p:nvPr/>
+        </p:nvSpPr>
+        <p:spPr>
+          <a:xfrm>
+            <a:off x="2984370" y="3681541"/>
+            <a:ext cx="1027723" cy="885969"/>
+          </a:xfrm>
+          <a:prstGeom prst="hexagon">
+            <a:avLst/>
+          </a:prstGeom>
+          <a:noFill/>
+          <a:ln w="38100">
+            <a:solidFill>
+              <a:srgbClr val="C00000"/>
+            </a:solidFill>
+          </a:ln>
+        </p:spPr>
+        <p:style>
+          <a:lnRef idx="2">
+            <a:schemeClr val="accent1">
+              <a:shade val="15000"/>
+            </a:schemeClr>
+          </a:lnRef>
+          <a:fillRef idx="1">
+            <a:schemeClr val="accent1"/>
+          </a:fillRef>
+          <a:effectRef idx="0">
+            <a:schemeClr val="accent1"/>
+          </a:effectRef>
+          <a:fontRef idx="minor">
+            <a:schemeClr val="lt1"/>
+          </a:fontRef>
+        </p:style>
+        <p:txBody>
+          <a:bodyPr rtlCol="0" anchor="ctr"/>
+          <a:lstStyle/>
+          <a:p>
+            <a:pPr algn="ctr"/>
+            <a:endParaRPr lang="en-US" dirty="0"/>
+          </a:p>
+        </p:txBody>
+      </p:sp>
+      <p:sp>
+        <p:nvSpPr>
+          <p:cNvPr id="24" name="Hexagon 23">
+            <a:extLst>
+              <a:ext uri="{FF2B5EF4-FFF2-40B4-BE49-F238E27FC236}">
+                <a16:creationId xmlns:a16="http://schemas.microsoft.com/office/drawing/2014/main" id="{881E2BDC-1F31-6D01-E04A-7C73381D6037}"/>
+              </a:ext>
+            </a:extLst>
+          </p:cNvPr>
+          <p:cNvSpPr>
+            <a:spLocks noChangeAspect="1"/>
+          </p:cNvSpPr>
+          <p:nvPr/>
+        </p:nvSpPr>
+        <p:spPr>
+          <a:xfrm>
+            <a:off x="2984370" y="4570294"/>
+            <a:ext cx="1027723" cy="885969"/>
+          </a:xfrm>
+          <a:prstGeom prst="hexagon">
+            <a:avLst/>
+          </a:prstGeom>
+          <a:noFill/>
+          <a:ln w="38100">
+            <a:solidFill>
+              <a:srgbClr val="C00000"/>
+            </a:solidFill>
+          </a:ln>
+        </p:spPr>
+        <p:style>
+          <a:lnRef idx="2">
+            <a:schemeClr val="accent1">
+              <a:shade val="15000"/>
+            </a:schemeClr>
+          </a:lnRef>
+          <a:fillRef idx="1">
+            <a:schemeClr val="accent1"/>
+          </a:fillRef>
+          <a:effectRef idx="0">
+            <a:schemeClr val="accent1"/>
+          </a:effectRef>
+          <a:fontRef idx="minor">
+            <a:schemeClr val="lt1"/>
+          </a:fontRef>
+        </p:style>
+        <p:txBody>
+          <a:bodyPr rtlCol="0" anchor="ctr"/>
+          <a:lstStyle/>
+          <a:p>
+            <a:pPr algn="ctr"/>
+            <a:endParaRPr lang="en-US" dirty="0"/>
+          </a:p>
+        </p:txBody>
+      </p:sp>
+      <p:sp>
+        <p:nvSpPr>
+          <p:cNvPr id="25" name="Hexagon 24">
+            <a:extLst>
+              <a:ext uri="{FF2B5EF4-FFF2-40B4-BE49-F238E27FC236}">
+                <a16:creationId xmlns:a16="http://schemas.microsoft.com/office/drawing/2014/main" id="{D0AE08D3-EA20-7B0E-7F1E-2C0558AF647E}"/>
+              </a:ext>
+            </a:extLst>
+          </p:cNvPr>
+          <p:cNvSpPr>
+            <a:spLocks noChangeAspect="1"/>
+          </p:cNvSpPr>
+          <p:nvPr/>
+        </p:nvSpPr>
+        <p:spPr>
+          <a:xfrm>
+            <a:off x="2984370" y="5465350"/>
+            <a:ext cx="1027723" cy="885969"/>
+          </a:xfrm>
+          <a:prstGeom prst="hexagon">
+            <a:avLst/>
+          </a:prstGeom>
+          <a:noFill/>
+          <a:ln w="38100">
+            <a:solidFill>
+              <a:srgbClr val="C00000"/>
+            </a:solidFill>
+          </a:ln>
+        </p:spPr>
+        <p:style>
+          <a:lnRef idx="2">
+            <a:schemeClr val="accent1">
+              <a:shade val="15000"/>
+            </a:schemeClr>
+          </a:lnRef>
+          <a:fillRef idx="1">
+            <a:schemeClr val="accent1"/>
+          </a:fillRef>
+          <a:effectRef idx="0">
+            <a:schemeClr val="accent1"/>
+          </a:effectRef>
+          <a:fontRef idx="minor">
+            <a:schemeClr val="lt1"/>
+          </a:fontRef>
+        </p:style>
+        <p:txBody>
+          <a:bodyPr rtlCol="0" anchor="ctr"/>
+          <a:lstStyle/>
+          <a:p>
+            <a:pPr algn="ctr"/>
+            <a:endParaRPr lang="en-US" dirty="0"/>
+          </a:p>
+        </p:txBody>
+      </p:sp>
+      <p:sp>
+        <p:nvSpPr>
+          <p:cNvPr id="26" name="Hexagon 25">
+            <a:extLst>
+              <a:ext uri="{FF2B5EF4-FFF2-40B4-BE49-F238E27FC236}">
+                <a16:creationId xmlns:a16="http://schemas.microsoft.com/office/drawing/2014/main" id="{95823C0A-C918-E852-F828-D270E718F930}"/>
+              </a:ext>
+            </a:extLst>
+          </p:cNvPr>
+          <p:cNvSpPr>
+            <a:spLocks noChangeAspect="1"/>
+          </p:cNvSpPr>
+          <p:nvPr/>
+        </p:nvSpPr>
+        <p:spPr>
+          <a:xfrm>
+            <a:off x="2185136" y="5005801"/>
+            <a:ext cx="1027723" cy="885969"/>
+          </a:xfrm>
+          <a:prstGeom prst="hexagon">
+            <a:avLst/>
+          </a:prstGeom>
+          <a:noFill/>
+          <a:ln w="38100">
+            <a:solidFill>
+              <a:srgbClr val="C00000"/>
+            </a:solidFill>
+          </a:ln>
+        </p:spPr>
+        <p:style>
+          <a:lnRef idx="2">
+            <a:schemeClr val="accent1">
+              <a:shade val="15000"/>
+            </a:schemeClr>
+          </a:lnRef>
+          <a:fillRef idx="1">
+            <a:schemeClr val="accent1"/>
+          </a:fillRef>
+          <a:effectRef idx="0">
+            <a:schemeClr val="accent1"/>
+          </a:effectRef>
+          <a:fontRef idx="minor">
+            <a:schemeClr val="lt1"/>
+          </a:fontRef>
+        </p:style>
+        <p:txBody>
+          <a:bodyPr rtlCol="0" anchor="ctr"/>
+          <a:lstStyle/>
+          <a:p>
+            <a:pPr algn="ctr"/>
+            <a:endParaRPr lang="en-US" dirty="0"/>
+          </a:p>
+        </p:txBody>
+      </p:sp>
+      <p:sp>
+        <p:nvSpPr>
+          <p:cNvPr id="27" name="Hexagon 26">
+            <a:extLst>
+              <a:ext uri="{FF2B5EF4-FFF2-40B4-BE49-F238E27FC236}">
+                <a16:creationId xmlns:a16="http://schemas.microsoft.com/office/drawing/2014/main" id="{D957CCD2-1115-F210-0E4C-56330AA467F3}"/>
+              </a:ext>
+            </a:extLst>
+          </p:cNvPr>
+          <p:cNvSpPr>
+            <a:spLocks noChangeAspect="1"/>
+          </p:cNvSpPr>
+          <p:nvPr/>
+        </p:nvSpPr>
+        <p:spPr>
+          <a:xfrm>
+            <a:off x="3802289" y="3224248"/>
+            <a:ext cx="1027723" cy="885969"/>
+          </a:xfrm>
+          <a:prstGeom prst="hexagon">
+            <a:avLst/>
+          </a:prstGeom>
+          <a:noFill/>
+          <a:ln w="38100">
+            <a:solidFill>
+              <a:srgbClr val="C00000"/>
+            </a:solidFill>
+          </a:ln>
+        </p:spPr>
+        <p:style>
+          <a:lnRef idx="2">
+            <a:schemeClr val="accent1">
+              <a:shade val="15000"/>
+            </a:schemeClr>
+          </a:lnRef>
+          <a:fillRef idx="1">
+            <a:schemeClr val="accent1"/>
+          </a:fillRef>
+          <a:effectRef idx="0">
+            <a:schemeClr val="accent1"/>
+          </a:effectRef>
+          <a:fontRef idx="minor">
+            <a:schemeClr val="lt1"/>
+          </a:fontRef>
+        </p:style>
+        <p:txBody>
+          <a:bodyPr rtlCol="0" anchor="ctr"/>
+          <a:lstStyle/>
+          <a:p>
+            <a:pPr algn="ctr"/>
+            <a:endParaRPr lang="en-US" dirty="0"/>
+          </a:p>
+        </p:txBody>
+      </p:sp>
+      <p:sp>
+        <p:nvSpPr>
+          <p:cNvPr id="28" name="Hexagon 27">
+            <a:extLst>
+              <a:ext uri="{FF2B5EF4-FFF2-40B4-BE49-F238E27FC236}">
+                <a16:creationId xmlns:a16="http://schemas.microsoft.com/office/drawing/2014/main" id="{57F0378C-405F-DF31-4F57-9301727488B2}"/>
+              </a:ext>
+            </a:extLst>
+          </p:cNvPr>
+          <p:cNvSpPr>
+            <a:spLocks noChangeAspect="1"/>
+          </p:cNvSpPr>
+          <p:nvPr/>
+        </p:nvSpPr>
+        <p:spPr>
+          <a:xfrm>
+            <a:off x="3795621" y="4113001"/>
+            <a:ext cx="1027723" cy="885969"/>
+          </a:xfrm>
+          <a:prstGeom prst="hexagon">
+            <a:avLst/>
+          </a:prstGeom>
+          <a:noFill/>
+          <a:ln w="38100">
+            <a:solidFill>
+              <a:srgbClr val="C00000"/>
+            </a:solidFill>
+          </a:ln>
+        </p:spPr>
+        <p:style>
+          <a:lnRef idx="2">
+            <a:schemeClr val="accent1">
+              <a:shade val="15000"/>
+            </a:schemeClr>
+          </a:lnRef>
+          <a:fillRef idx="1">
+            <a:schemeClr val="accent1"/>
+          </a:fillRef>
+          <a:effectRef idx="0">
+            <a:schemeClr val="accent1"/>
+          </a:effectRef>
+          <a:fontRef idx="minor">
+            <a:schemeClr val="lt1"/>
+          </a:fontRef>
+        </p:style>
+        <p:txBody>
+          <a:bodyPr rtlCol="0" anchor="ctr"/>
+          <a:lstStyle/>
+          <a:p>
+            <a:pPr algn="ctr"/>
+            <a:endParaRPr lang="en-US" dirty="0"/>
+          </a:p>
+        </p:txBody>
+      </p:sp>
+      <p:sp>
+        <p:nvSpPr>
+          <p:cNvPr id="29" name="Hexagon 28">
+            <a:extLst>
+              <a:ext uri="{FF2B5EF4-FFF2-40B4-BE49-F238E27FC236}">
+                <a16:creationId xmlns:a16="http://schemas.microsoft.com/office/drawing/2014/main" id="{340DF2F7-B057-B48D-254B-51C75CF38CDA}"/>
+              </a:ext>
+            </a:extLst>
+          </p:cNvPr>
+          <p:cNvSpPr>
+            <a:spLocks noChangeAspect="1"/>
+          </p:cNvSpPr>
+          <p:nvPr/>
+        </p:nvSpPr>
+        <p:spPr>
+          <a:xfrm>
+            <a:off x="3795621" y="4994722"/>
+            <a:ext cx="1027723" cy="885969"/>
+          </a:xfrm>
+          <a:prstGeom prst="hexagon">
+            <a:avLst/>
+          </a:prstGeom>
+          <a:noFill/>
+          <a:ln w="38100">
+            <a:solidFill>
+              <a:srgbClr val="C00000"/>
+            </a:solidFill>
+          </a:ln>
+        </p:spPr>
+        <p:style>
+          <a:lnRef idx="2">
+            <a:schemeClr val="accent1">
+              <a:shade val="15000"/>
+            </a:schemeClr>
+          </a:lnRef>
+          <a:fillRef idx="1">
+            <a:schemeClr val="accent1"/>
+          </a:fillRef>
+          <a:effectRef idx="0">
+            <a:schemeClr val="accent1"/>
+          </a:effectRef>
+          <a:fontRef idx="minor">
+            <a:schemeClr val="lt1"/>
+          </a:fontRef>
+        </p:style>
+        <p:txBody>
+          <a:bodyPr rtlCol="0" anchor="ctr"/>
+          <a:lstStyle/>
+          <a:p>
+            <a:pPr algn="ctr"/>
+            <a:endParaRPr lang="en-US" dirty="0"/>
+          </a:p>
+        </p:txBody>
+      </p:sp>
+      <p:sp>
+        <p:nvSpPr>
+          <p:cNvPr id="30" name="Hexagon 29">
+            <a:extLst>
+              <a:ext uri="{FF2B5EF4-FFF2-40B4-BE49-F238E27FC236}">
+                <a16:creationId xmlns:a16="http://schemas.microsoft.com/office/drawing/2014/main" id="{FA593AA6-1EA7-31C4-6469-61AACE3BD455}"/>
+              </a:ext>
+            </a:extLst>
+          </p:cNvPr>
+          <p:cNvSpPr>
+            <a:spLocks noChangeAspect="1"/>
+          </p:cNvSpPr>
+          <p:nvPr/>
+        </p:nvSpPr>
+        <p:spPr>
+          <a:xfrm>
+            <a:off x="4603280" y="5431060"/>
+            <a:ext cx="1027723" cy="885969"/>
+          </a:xfrm>
+          <a:prstGeom prst="hexagon">
+            <a:avLst/>
+          </a:prstGeom>
+          <a:noFill/>
+          <a:ln w="38100">
+            <a:solidFill>
+              <a:srgbClr val="C00000"/>
+            </a:solidFill>
+          </a:ln>
+        </p:spPr>
+        <p:style>
+          <a:lnRef idx="2">
+            <a:schemeClr val="accent1">
+              <a:shade val="15000"/>
+            </a:schemeClr>
+          </a:lnRef>
+          <a:fillRef idx="1">
+            <a:schemeClr val="accent1"/>
+          </a:fillRef>
+          <a:effectRef idx="0">
+            <a:schemeClr val="accent1"/>
+          </a:effectRef>
+          <a:fontRef idx="minor">
+            <a:schemeClr val="lt1"/>
+          </a:fontRef>
+        </p:style>
+        <p:txBody>
+          <a:bodyPr rtlCol="0" anchor="ctr"/>
+          <a:lstStyle/>
+          <a:p>
+            <a:pPr algn="ctr"/>
+            <a:endParaRPr lang="en-US" dirty="0"/>
+          </a:p>
+        </p:txBody>
+      </p:sp>
+      <p:sp>
+        <p:nvSpPr>
+          <p:cNvPr id="31" name="Hexagon 30">
+            <a:extLst>
+              <a:ext uri="{FF2B5EF4-FFF2-40B4-BE49-F238E27FC236}">
+                <a16:creationId xmlns:a16="http://schemas.microsoft.com/office/drawing/2014/main" id="{9B4F0A47-5E0D-6C47-C319-40D036335536}"/>
+              </a:ext>
+            </a:extLst>
+          </p:cNvPr>
+          <p:cNvSpPr>
+            <a:spLocks noChangeAspect="1"/>
+          </p:cNvSpPr>
+          <p:nvPr/>
+        </p:nvSpPr>
+        <p:spPr>
+          <a:xfrm>
+            <a:off x="4603280" y="4548610"/>
+            <a:ext cx="1027723" cy="885969"/>
+          </a:xfrm>
+          <a:prstGeom prst="hexagon">
+            <a:avLst/>
+          </a:prstGeom>
+          <a:noFill/>
+          <a:ln w="38100">
+            <a:solidFill>
+              <a:srgbClr val="C00000"/>
+            </a:solidFill>
+          </a:ln>
+        </p:spPr>
+        <p:style>
+          <a:lnRef idx="2">
+            <a:schemeClr val="accent1">
+              <a:shade val="15000"/>
+            </a:schemeClr>
+          </a:lnRef>
+          <a:fillRef idx="1">
+            <a:schemeClr val="accent1"/>
+          </a:fillRef>
+          <a:effectRef idx="0">
+            <a:schemeClr val="accent1"/>
+          </a:effectRef>
+          <a:fontRef idx="minor">
+            <a:schemeClr val="lt1"/>
+          </a:fontRef>
+        </p:style>
+        <p:txBody>
+          <a:bodyPr rtlCol="0" anchor="ctr"/>
+          <a:lstStyle/>
+          <a:p>
+            <a:pPr algn="ctr"/>
+            <a:endParaRPr lang="en-US" dirty="0"/>
+          </a:p>
+        </p:txBody>
+      </p:sp>
+      <p:sp>
+        <p:nvSpPr>
+          <p:cNvPr id="32" name="Hexagon 31">
+            <a:extLst>
+              <a:ext uri="{FF2B5EF4-FFF2-40B4-BE49-F238E27FC236}">
+                <a16:creationId xmlns:a16="http://schemas.microsoft.com/office/drawing/2014/main" id="{D9C7E926-4C8D-317C-FD13-663460428E4A}"/>
+              </a:ext>
+            </a:extLst>
+          </p:cNvPr>
+          <p:cNvSpPr>
+            <a:spLocks noChangeAspect="1"/>
+          </p:cNvSpPr>
+          <p:nvPr/>
+        </p:nvSpPr>
+        <p:spPr>
+          <a:xfrm>
+            <a:off x="4603280" y="3666160"/>
+            <a:ext cx="1027723" cy="885969"/>
+          </a:xfrm>
+          <a:prstGeom prst="hexagon">
+            <a:avLst/>
+          </a:prstGeom>
+          <a:noFill/>
+          <a:ln w="38100">
+            <a:solidFill>
+              <a:srgbClr val="C00000"/>
+            </a:solidFill>
+          </a:ln>
+        </p:spPr>
+        <p:style>
+          <a:lnRef idx="2">
+            <a:schemeClr val="accent1">
+              <a:shade val="15000"/>
+            </a:schemeClr>
+          </a:lnRef>
+          <a:fillRef idx="1">
+            <a:schemeClr val="accent1"/>
+          </a:fillRef>
+          <a:effectRef idx="0">
+            <a:schemeClr val="accent1"/>
+          </a:effectRef>
+          <a:fontRef idx="minor">
+            <a:schemeClr val="lt1"/>
+          </a:fontRef>
+        </p:style>
+        <p:txBody>
+          <a:bodyPr rtlCol="0" anchor="ctr"/>
+          <a:lstStyle/>
+          <a:p>
+            <a:pPr algn="ctr"/>
+            <a:endParaRPr lang="en-US" dirty="0"/>
+          </a:p>
+        </p:txBody>
+      </p:sp>
+      <p:sp>
+        <p:nvSpPr>
+          <p:cNvPr id="33" name="Hexagon 32">
+            <a:extLst>
+              <a:ext uri="{FF2B5EF4-FFF2-40B4-BE49-F238E27FC236}">
+                <a16:creationId xmlns:a16="http://schemas.microsoft.com/office/drawing/2014/main" id="{98C4B400-33AA-B59B-D441-11FF1D9F3C18}"/>
+              </a:ext>
+            </a:extLst>
+          </p:cNvPr>
+          <p:cNvSpPr>
+            <a:spLocks noChangeAspect="1"/>
+          </p:cNvSpPr>
+          <p:nvPr/>
+        </p:nvSpPr>
+        <p:spPr>
+          <a:xfrm>
+            <a:off x="5405526" y="3222311"/>
+            <a:ext cx="1027723" cy="885969"/>
+          </a:xfrm>
+          <a:prstGeom prst="hexagon">
+            <a:avLst/>
+          </a:prstGeom>
+          <a:noFill/>
+          <a:ln w="38100">
+            <a:solidFill>
+              <a:srgbClr val="C00000"/>
+            </a:solidFill>
+          </a:ln>
+        </p:spPr>
+        <p:style>
+          <a:lnRef idx="2">
+            <a:schemeClr val="accent1">
+              <a:shade val="15000"/>
+            </a:schemeClr>
+          </a:lnRef>
+          <a:fillRef idx="1">
+            <a:schemeClr val="accent1"/>
+          </a:fillRef>
+          <a:effectRef idx="0">
+            <a:schemeClr val="accent1"/>
+          </a:effectRef>
+          <a:fontRef idx="minor">
+            <a:schemeClr val="lt1"/>
+          </a:fontRef>
+        </p:style>
+        <p:txBody>
+          <a:bodyPr rtlCol="0" anchor="ctr"/>
+          <a:lstStyle/>
+          <a:p>
+            <a:pPr algn="ctr"/>
+            <a:endParaRPr lang="en-US" dirty="0"/>
+          </a:p>
+        </p:txBody>
+      </p:sp>
+      <p:sp>
+        <p:nvSpPr>
+          <p:cNvPr id="34" name="Hexagon 33">
+            <a:extLst>
+              <a:ext uri="{FF2B5EF4-FFF2-40B4-BE49-F238E27FC236}">
+                <a16:creationId xmlns:a16="http://schemas.microsoft.com/office/drawing/2014/main" id="{12FAF854-63C7-26A3-E366-5FC60D5CDD70}"/>
+              </a:ext>
+            </a:extLst>
+          </p:cNvPr>
+          <p:cNvSpPr>
+            <a:spLocks noChangeAspect="1"/>
+          </p:cNvSpPr>
+          <p:nvPr/>
+        </p:nvSpPr>
+        <p:spPr>
+          <a:xfrm>
+            <a:off x="5399587" y="4116718"/>
+            <a:ext cx="1027723" cy="885969"/>
+          </a:xfrm>
+          <a:prstGeom prst="hexagon">
+            <a:avLst/>
+          </a:prstGeom>
+          <a:noFill/>
+          <a:ln w="38100">
+            <a:solidFill>
+              <a:srgbClr val="C00000"/>
+            </a:solidFill>
+          </a:ln>
+        </p:spPr>
+        <p:style>
+          <a:lnRef idx="2">
+            <a:schemeClr val="accent1">
+              <a:shade val="15000"/>
+            </a:schemeClr>
+          </a:lnRef>
+          <a:fillRef idx="1">
+            <a:schemeClr val="accent1"/>
+          </a:fillRef>
+          <a:effectRef idx="0">
+            <a:schemeClr val="accent1"/>
+          </a:effectRef>
+          <a:fontRef idx="minor">
+            <a:schemeClr val="lt1"/>
+          </a:fontRef>
+        </p:style>
+        <p:txBody>
+          <a:bodyPr rtlCol="0" anchor="ctr"/>
+          <a:lstStyle/>
+          <a:p>
+            <a:pPr algn="ctr"/>
+            <a:endParaRPr lang="en-US" dirty="0"/>
+          </a:p>
+        </p:txBody>
+      </p:sp>
+      <p:sp>
+        <p:nvSpPr>
+          <p:cNvPr id="35" name="Hexagon 34">
+            <a:extLst>
+              <a:ext uri="{FF2B5EF4-FFF2-40B4-BE49-F238E27FC236}">
+                <a16:creationId xmlns:a16="http://schemas.microsoft.com/office/drawing/2014/main" id="{A2814153-2EE6-1025-2602-49BAC33D9A77}"/>
+              </a:ext>
+            </a:extLst>
+          </p:cNvPr>
+          <p:cNvSpPr>
+            <a:spLocks noChangeAspect="1"/>
+          </p:cNvSpPr>
+          <p:nvPr/>
+        </p:nvSpPr>
+        <p:spPr>
+          <a:xfrm>
+            <a:off x="6205433" y="3672774"/>
+            <a:ext cx="1027723" cy="885969"/>
+          </a:xfrm>
+          <a:prstGeom prst="hexagon">
+            <a:avLst/>
+          </a:prstGeom>
+          <a:noFill/>
+          <a:ln w="38100">
+            <a:solidFill>
+              <a:srgbClr val="C00000"/>
+            </a:solidFill>
+          </a:ln>
+        </p:spPr>
+        <p:style>
+          <a:lnRef idx="2">
+            <a:schemeClr val="accent1">
+              <a:shade val="15000"/>
+            </a:schemeClr>
+          </a:lnRef>
+          <a:fillRef idx="1">
+            <a:schemeClr val="accent1"/>
+          </a:fillRef>
+          <a:effectRef idx="0">
+            <a:schemeClr val="accent1"/>
+          </a:effectRef>
+          <a:fontRef idx="minor">
+            <a:schemeClr val="lt1"/>
+          </a:fontRef>
+        </p:style>
+        <p:txBody>
+          <a:bodyPr rtlCol="0" anchor="ctr"/>
+          <a:lstStyle/>
+          <a:p>
+            <a:pPr algn="ctr"/>
+            <a:endParaRPr lang="en-US" dirty="0"/>
+          </a:p>
+        </p:txBody>
+      </p:sp>
+      <p:sp>
+        <p:nvSpPr>
+          <p:cNvPr id="36" name="Hexagon 35">
+            <a:extLst>
+              <a:ext uri="{FF2B5EF4-FFF2-40B4-BE49-F238E27FC236}">
+                <a16:creationId xmlns:a16="http://schemas.microsoft.com/office/drawing/2014/main" id="{670B1B09-5F7B-164B-22C2-59E8CA1F4330}"/>
+              </a:ext>
+            </a:extLst>
+          </p:cNvPr>
+          <p:cNvSpPr>
+            <a:spLocks noChangeAspect="1"/>
+          </p:cNvSpPr>
+          <p:nvPr/>
+        </p:nvSpPr>
+        <p:spPr>
+          <a:xfrm>
+            <a:off x="6205433" y="4561526"/>
+            <a:ext cx="1027723" cy="885969"/>
+          </a:xfrm>
+          <a:prstGeom prst="hexagon">
+            <a:avLst/>
+          </a:prstGeom>
+          <a:noFill/>
+          <a:ln w="38100">
+            <a:solidFill>
+              <a:srgbClr val="C00000"/>
+            </a:solidFill>
+          </a:ln>
+        </p:spPr>
+        <p:style>
+          <a:lnRef idx="2">
+            <a:schemeClr val="accent1">
+              <a:shade val="15000"/>
+            </a:schemeClr>
+          </a:lnRef>
+          <a:fillRef idx="1">
+            <a:schemeClr val="accent1"/>
+          </a:fillRef>
+          <a:effectRef idx="0">
+            <a:schemeClr val="accent1"/>
+          </a:effectRef>
+          <a:fontRef idx="minor">
+            <a:schemeClr val="lt1"/>
+          </a:fontRef>
+        </p:style>
+        <p:txBody>
+          <a:bodyPr rtlCol="0" anchor="ctr"/>
+          <a:lstStyle/>
+          <a:p>
+            <a:pPr algn="ctr"/>
+            <a:endParaRPr lang="en-US" dirty="0"/>
+          </a:p>
+        </p:txBody>
+      </p:sp>
+      <p:sp>
+        <p:nvSpPr>
+          <p:cNvPr id="37" name="Hexagon 36">
+            <a:extLst>
+              <a:ext uri="{FF2B5EF4-FFF2-40B4-BE49-F238E27FC236}">
+                <a16:creationId xmlns:a16="http://schemas.microsoft.com/office/drawing/2014/main" id="{E10669BB-52CA-8F0C-9259-535888E6D5B4}"/>
+              </a:ext>
+            </a:extLst>
+          </p:cNvPr>
+          <p:cNvSpPr>
+            <a:spLocks noChangeAspect="1"/>
+          </p:cNvSpPr>
+          <p:nvPr/>
+        </p:nvSpPr>
+        <p:spPr>
+          <a:xfrm>
+            <a:off x="6205433" y="5456582"/>
+            <a:ext cx="1027723" cy="885969"/>
+          </a:xfrm>
+          <a:prstGeom prst="hexagon">
+            <a:avLst/>
+          </a:prstGeom>
+          <a:noFill/>
+          <a:ln w="38100">
+            <a:solidFill>
+              <a:srgbClr val="C00000"/>
+            </a:solidFill>
+          </a:ln>
+        </p:spPr>
+        <p:style>
+          <a:lnRef idx="2">
+            <a:schemeClr val="accent1">
+              <a:shade val="15000"/>
+            </a:schemeClr>
+          </a:lnRef>
+          <a:fillRef idx="1">
+            <a:schemeClr val="accent1"/>
+          </a:fillRef>
+          <a:effectRef idx="0">
+            <a:schemeClr val="accent1"/>
+          </a:effectRef>
+          <a:fontRef idx="minor">
+            <a:schemeClr val="lt1"/>
+          </a:fontRef>
+        </p:style>
+        <p:txBody>
+          <a:bodyPr rtlCol="0" anchor="ctr"/>
+          <a:lstStyle/>
+          <a:p>
+            <a:pPr algn="ctr"/>
+            <a:endParaRPr lang="en-US" dirty="0"/>
+          </a:p>
+        </p:txBody>
+      </p:sp>
+      <p:sp>
+        <p:nvSpPr>
+          <p:cNvPr id="38" name="Hexagon 37">
+            <a:extLst>
+              <a:ext uri="{FF2B5EF4-FFF2-40B4-BE49-F238E27FC236}">
+                <a16:creationId xmlns:a16="http://schemas.microsoft.com/office/drawing/2014/main" id="{ED925D24-0D7F-FC17-35CC-ED7C93B2CE3D}"/>
+              </a:ext>
+            </a:extLst>
+          </p:cNvPr>
+          <p:cNvSpPr>
+            <a:spLocks noChangeAspect="1"/>
+          </p:cNvSpPr>
+          <p:nvPr/>
+        </p:nvSpPr>
+        <p:spPr>
+          <a:xfrm>
+            <a:off x="5406199" y="4997033"/>
+            <a:ext cx="1027723" cy="885969"/>
+          </a:xfrm>
+          <a:prstGeom prst="hexagon">
+            <a:avLst/>
+          </a:prstGeom>
+          <a:noFill/>
+          <a:ln w="38100">
+            <a:solidFill>
+              <a:srgbClr val="C00000"/>
+            </a:solidFill>
+          </a:ln>
+        </p:spPr>
+        <p:style>
+          <a:lnRef idx="2">
+            <a:schemeClr val="accent1">
+              <a:shade val="15000"/>
+            </a:schemeClr>
+          </a:lnRef>
+          <a:fillRef idx="1">
+            <a:schemeClr val="accent1"/>
+          </a:fillRef>
+          <a:effectRef idx="0">
+            <a:schemeClr val="accent1"/>
+          </a:effectRef>
+          <a:fontRef idx="minor">
+            <a:schemeClr val="lt1"/>
+          </a:fontRef>
+        </p:style>
+        <p:txBody>
+          <a:bodyPr rtlCol="0" anchor="ctr"/>
+          <a:lstStyle/>
+          <a:p>
+            <a:pPr algn="ctr"/>
+            <a:endParaRPr lang="en-US" dirty="0"/>
+          </a:p>
+        </p:txBody>
+      </p:sp>
+      <p:sp>
+        <p:nvSpPr>
+          <p:cNvPr id="39" name="Hexagon 38">
+            <a:extLst>
+              <a:ext uri="{FF2B5EF4-FFF2-40B4-BE49-F238E27FC236}">
+                <a16:creationId xmlns:a16="http://schemas.microsoft.com/office/drawing/2014/main" id="{B06DFB42-CA3F-20B0-9947-0CC69165638F}"/>
+              </a:ext>
+            </a:extLst>
+          </p:cNvPr>
+          <p:cNvSpPr>
+            <a:spLocks noChangeAspect="1"/>
+          </p:cNvSpPr>
+          <p:nvPr/>
+        </p:nvSpPr>
+        <p:spPr>
+          <a:xfrm>
+            <a:off x="579973" y="578157"/>
+            <a:ext cx="1027723" cy="885969"/>
+          </a:xfrm>
+          <a:prstGeom prst="hexagon">
+            <a:avLst/>
+          </a:prstGeom>
+          <a:noFill/>
+          <a:ln w="38100">
+            <a:solidFill>
+              <a:srgbClr val="C00000"/>
+            </a:solidFill>
+          </a:ln>
+        </p:spPr>
+        <p:style>
+          <a:lnRef idx="2">
+            <a:schemeClr val="accent1">
+              <a:shade val="15000"/>
+            </a:schemeClr>
+          </a:lnRef>
+          <a:fillRef idx="1">
+            <a:schemeClr val="accent1"/>
+          </a:fillRef>
+          <a:effectRef idx="0">
+            <a:schemeClr val="accent1"/>
+          </a:effectRef>
+          <a:fontRef idx="minor">
+            <a:schemeClr val="lt1"/>
+          </a:fontRef>
+        </p:style>
+        <p:txBody>
+          <a:bodyPr rtlCol="0" anchor="ctr"/>
+          <a:lstStyle/>
+          <a:p>
+            <a:pPr algn="ctr"/>
+            <a:endParaRPr lang="en-US" dirty="0"/>
+          </a:p>
+        </p:txBody>
+      </p:sp>
+      <p:sp>
+        <p:nvSpPr>
+          <p:cNvPr id="40" name="Hexagon 39">
+            <a:extLst>
+              <a:ext uri="{FF2B5EF4-FFF2-40B4-BE49-F238E27FC236}">
+                <a16:creationId xmlns:a16="http://schemas.microsoft.com/office/drawing/2014/main" id="{899EB4C8-5E32-9F10-45C1-DA10C9FBA94E}"/>
+              </a:ext>
+            </a:extLst>
+          </p:cNvPr>
+          <p:cNvSpPr>
+            <a:spLocks noChangeAspect="1"/>
+          </p:cNvSpPr>
+          <p:nvPr/>
+        </p:nvSpPr>
+        <p:spPr>
+          <a:xfrm>
+            <a:off x="573306" y="1456971"/>
+            <a:ext cx="1027723" cy="885969"/>
+          </a:xfrm>
+          <a:prstGeom prst="hexagon">
+            <a:avLst/>
+          </a:prstGeom>
+          <a:noFill/>
+          <a:ln w="38100">
+            <a:solidFill>
+              <a:srgbClr val="C00000"/>
+            </a:solidFill>
+          </a:ln>
+        </p:spPr>
+        <p:style>
+          <a:lnRef idx="2">
+            <a:schemeClr val="accent1">
+              <a:shade val="15000"/>
+            </a:schemeClr>
+          </a:lnRef>
+          <a:fillRef idx="1">
+            <a:schemeClr val="accent1"/>
+          </a:fillRef>
+          <a:effectRef idx="0">
+            <a:schemeClr val="accent1"/>
+          </a:effectRef>
+          <a:fontRef idx="minor">
+            <a:schemeClr val="lt1"/>
+          </a:fontRef>
+        </p:style>
+        <p:txBody>
+          <a:bodyPr rtlCol="0" anchor="ctr"/>
+          <a:lstStyle/>
+          <a:p>
+            <a:pPr algn="ctr"/>
+            <a:endParaRPr lang="en-US" dirty="0"/>
+          </a:p>
+        </p:txBody>
+      </p:sp>
+      <p:sp>
+        <p:nvSpPr>
+          <p:cNvPr id="41" name="Hexagon 40">
+            <a:extLst>
+              <a:ext uri="{FF2B5EF4-FFF2-40B4-BE49-F238E27FC236}">
+                <a16:creationId xmlns:a16="http://schemas.microsoft.com/office/drawing/2014/main" id="{B9A8FE6C-50FB-88BE-5980-9DB144B17A4F}"/>
+              </a:ext>
+            </a:extLst>
+          </p:cNvPr>
+          <p:cNvSpPr>
+            <a:spLocks noChangeAspect="1"/>
+          </p:cNvSpPr>
+          <p:nvPr/>
+        </p:nvSpPr>
+        <p:spPr>
+          <a:xfrm>
+            <a:off x="573306" y="2338691"/>
+            <a:ext cx="1027723" cy="885969"/>
+          </a:xfrm>
+          <a:prstGeom prst="hexagon">
+            <a:avLst/>
+          </a:prstGeom>
+          <a:noFill/>
+          <a:ln w="38100">
+            <a:solidFill>
+              <a:srgbClr val="C00000"/>
+            </a:solidFill>
+          </a:ln>
+        </p:spPr>
+        <p:style>
+          <a:lnRef idx="2">
+            <a:schemeClr val="accent1">
+              <a:shade val="15000"/>
+            </a:schemeClr>
+          </a:lnRef>
+          <a:fillRef idx="1">
+            <a:schemeClr val="accent1"/>
+          </a:fillRef>
+          <a:effectRef idx="0">
+            <a:schemeClr val="accent1"/>
+          </a:effectRef>
+          <a:fontRef idx="minor">
+            <a:schemeClr val="lt1"/>
+          </a:fontRef>
+        </p:style>
+        <p:txBody>
+          <a:bodyPr rtlCol="0" anchor="ctr"/>
+          <a:lstStyle/>
+          <a:p>
+            <a:pPr algn="ctr"/>
+            <a:endParaRPr lang="en-US" dirty="0"/>
+          </a:p>
+        </p:txBody>
+      </p:sp>
+      <p:sp>
+        <p:nvSpPr>
+          <p:cNvPr id="42" name="Hexagon 41">
+            <a:extLst>
+              <a:ext uri="{FF2B5EF4-FFF2-40B4-BE49-F238E27FC236}">
+                <a16:creationId xmlns:a16="http://schemas.microsoft.com/office/drawing/2014/main" id="{0FBB4FFE-43F2-30CF-EE61-7C918083C1EE}"/>
+              </a:ext>
+            </a:extLst>
+          </p:cNvPr>
+          <p:cNvSpPr>
+            <a:spLocks noChangeAspect="1"/>
+          </p:cNvSpPr>
+          <p:nvPr/>
+        </p:nvSpPr>
+        <p:spPr>
+          <a:xfrm>
+            <a:off x="1382218" y="2783798"/>
+            <a:ext cx="1027723" cy="885969"/>
+          </a:xfrm>
+          <a:prstGeom prst="hexagon">
+            <a:avLst/>
+          </a:prstGeom>
+          <a:noFill/>
+          <a:ln w="38100">
+            <a:solidFill>
+              <a:srgbClr val="C00000"/>
+            </a:solidFill>
+          </a:ln>
+        </p:spPr>
+        <p:style>
+          <a:lnRef idx="2">
+            <a:schemeClr val="accent1">
+              <a:shade val="15000"/>
+            </a:schemeClr>
+          </a:lnRef>
+          <a:fillRef idx="1">
+            <a:schemeClr val="accent1"/>
+          </a:fillRef>
+          <a:effectRef idx="0">
+            <a:schemeClr val="accent1"/>
+          </a:effectRef>
+          <a:fontRef idx="minor">
+            <a:schemeClr val="lt1"/>
+          </a:fontRef>
+        </p:style>
+        <p:txBody>
+          <a:bodyPr rtlCol="0" anchor="ctr"/>
+          <a:lstStyle/>
+          <a:p>
+            <a:pPr algn="ctr"/>
+            <a:endParaRPr lang="en-US" dirty="0"/>
+          </a:p>
+        </p:txBody>
+      </p:sp>
+      <p:sp>
+        <p:nvSpPr>
+          <p:cNvPr id="43" name="Hexagon 42">
+            <a:extLst>
+              <a:ext uri="{FF2B5EF4-FFF2-40B4-BE49-F238E27FC236}">
+                <a16:creationId xmlns:a16="http://schemas.microsoft.com/office/drawing/2014/main" id="{EFDE3350-ED57-B482-6706-42BC01FC9954}"/>
+              </a:ext>
+            </a:extLst>
+          </p:cNvPr>
+          <p:cNvSpPr>
+            <a:spLocks noChangeAspect="1"/>
+          </p:cNvSpPr>
+          <p:nvPr/>
+        </p:nvSpPr>
+        <p:spPr>
+          <a:xfrm>
+            <a:off x="1382218" y="1901348"/>
+            <a:ext cx="1027723" cy="885969"/>
+          </a:xfrm>
+          <a:prstGeom prst="hexagon">
+            <a:avLst/>
+          </a:prstGeom>
+          <a:noFill/>
+          <a:ln w="38100">
+            <a:solidFill>
+              <a:srgbClr val="C00000"/>
+            </a:solidFill>
+          </a:ln>
+        </p:spPr>
+        <p:style>
+          <a:lnRef idx="2">
+            <a:schemeClr val="accent1">
+              <a:shade val="15000"/>
+            </a:schemeClr>
+          </a:lnRef>
+          <a:fillRef idx="1">
+            <a:schemeClr val="accent1"/>
+          </a:fillRef>
+          <a:effectRef idx="0">
+            <a:schemeClr val="accent1"/>
+          </a:effectRef>
+          <a:fontRef idx="minor">
+            <a:schemeClr val="lt1"/>
+          </a:fontRef>
+        </p:style>
+        <p:txBody>
+          <a:bodyPr rtlCol="0" anchor="ctr"/>
+          <a:lstStyle/>
+          <a:p>
+            <a:pPr algn="ctr"/>
+            <a:endParaRPr lang="en-US" dirty="0"/>
+          </a:p>
+        </p:txBody>
+      </p:sp>
+      <p:sp>
+        <p:nvSpPr>
+          <p:cNvPr id="44" name="Hexagon 43">
+            <a:extLst>
+              <a:ext uri="{FF2B5EF4-FFF2-40B4-BE49-F238E27FC236}">
+                <a16:creationId xmlns:a16="http://schemas.microsoft.com/office/drawing/2014/main" id="{6B69EB2D-E17F-7C1D-7CA7-656AE3F22B52}"/>
+              </a:ext>
+            </a:extLst>
+          </p:cNvPr>
+          <p:cNvSpPr>
+            <a:spLocks noChangeAspect="1"/>
+          </p:cNvSpPr>
+          <p:nvPr/>
+        </p:nvSpPr>
+        <p:spPr>
+          <a:xfrm>
+            <a:off x="1382218" y="1018898"/>
+            <a:ext cx="1027723" cy="885969"/>
+          </a:xfrm>
+          <a:prstGeom prst="hexagon">
+            <a:avLst/>
+          </a:prstGeom>
+          <a:noFill/>
+          <a:ln w="38100">
+            <a:solidFill>
+              <a:srgbClr val="C00000"/>
+            </a:solidFill>
+          </a:ln>
+        </p:spPr>
+        <p:style>
+          <a:lnRef idx="2">
+            <a:schemeClr val="accent1">
+              <a:shade val="15000"/>
+            </a:schemeClr>
+          </a:lnRef>
+          <a:fillRef idx="1">
+            <a:schemeClr val="accent1"/>
+          </a:fillRef>
+          <a:effectRef idx="0">
+            <a:schemeClr val="accent1"/>
+          </a:effectRef>
+          <a:fontRef idx="minor">
+            <a:schemeClr val="lt1"/>
+          </a:fontRef>
+        </p:style>
+        <p:txBody>
+          <a:bodyPr rtlCol="0" anchor="ctr"/>
+          <a:lstStyle/>
+          <a:p>
+            <a:pPr algn="ctr"/>
+            <a:endParaRPr lang="en-US" dirty="0"/>
+          </a:p>
+        </p:txBody>
+      </p:sp>
+      <p:sp>
+        <p:nvSpPr>
+          <p:cNvPr id="45" name="Hexagon 44">
+            <a:extLst>
+              <a:ext uri="{FF2B5EF4-FFF2-40B4-BE49-F238E27FC236}">
+                <a16:creationId xmlns:a16="http://schemas.microsoft.com/office/drawing/2014/main" id="{9A8A1888-87FA-22AB-AA83-228AE43461B3}"/>
+              </a:ext>
+            </a:extLst>
+          </p:cNvPr>
+          <p:cNvSpPr>
+            <a:spLocks noChangeAspect="1"/>
+          </p:cNvSpPr>
+          <p:nvPr/>
+        </p:nvSpPr>
+        <p:spPr>
+          <a:xfrm>
+            <a:off x="2184463" y="575049"/>
+            <a:ext cx="1027723" cy="885969"/>
+          </a:xfrm>
+          <a:prstGeom prst="hexagon">
+            <a:avLst/>
+          </a:prstGeom>
+          <a:noFill/>
+          <a:ln w="38100">
+            <a:solidFill>
+              <a:srgbClr val="C00000"/>
+            </a:solidFill>
+          </a:ln>
+        </p:spPr>
+        <p:style>
+          <a:lnRef idx="2">
+            <a:schemeClr val="accent1">
+              <a:shade val="15000"/>
+            </a:schemeClr>
+          </a:lnRef>
+          <a:fillRef idx="1">
+            <a:schemeClr val="accent1"/>
+          </a:fillRef>
+          <a:effectRef idx="0">
+            <a:schemeClr val="accent1"/>
+          </a:effectRef>
+          <a:fontRef idx="minor">
+            <a:schemeClr val="lt1"/>
+          </a:fontRef>
+        </p:style>
+        <p:txBody>
+          <a:bodyPr rtlCol="0" anchor="ctr"/>
+          <a:lstStyle/>
+          <a:p>
+            <a:pPr algn="ctr"/>
+            <a:endParaRPr lang="en-US" dirty="0"/>
+          </a:p>
+        </p:txBody>
+      </p:sp>
+      <p:sp>
+        <p:nvSpPr>
+          <p:cNvPr id="46" name="Hexagon 45">
+            <a:extLst>
+              <a:ext uri="{FF2B5EF4-FFF2-40B4-BE49-F238E27FC236}">
+                <a16:creationId xmlns:a16="http://schemas.microsoft.com/office/drawing/2014/main" id="{E2ACDE21-E39F-4538-8433-BC27FF9DA4E4}"/>
+              </a:ext>
+            </a:extLst>
+          </p:cNvPr>
+          <p:cNvSpPr>
+            <a:spLocks noChangeAspect="1"/>
+          </p:cNvSpPr>
+          <p:nvPr/>
+        </p:nvSpPr>
+        <p:spPr>
+          <a:xfrm>
+            <a:off x="2178524" y="1469456"/>
+            <a:ext cx="1027723" cy="885969"/>
+          </a:xfrm>
+          <a:prstGeom prst="hexagon">
+            <a:avLst/>
+          </a:prstGeom>
+          <a:noFill/>
+          <a:ln w="38100">
+            <a:solidFill>
+              <a:srgbClr val="C00000"/>
+            </a:solidFill>
+          </a:ln>
+        </p:spPr>
+        <p:style>
+          <a:lnRef idx="2">
+            <a:schemeClr val="accent1">
+              <a:shade val="15000"/>
+            </a:schemeClr>
+          </a:lnRef>
+          <a:fillRef idx="1">
+            <a:schemeClr val="accent1"/>
+          </a:fillRef>
+          <a:effectRef idx="0">
+            <a:schemeClr val="accent1"/>
+          </a:effectRef>
+          <a:fontRef idx="minor">
+            <a:schemeClr val="lt1"/>
+          </a:fontRef>
+        </p:style>
+        <p:txBody>
+          <a:bodyPr rtlCol="0" anchor="ctr"/>
+          <a:lstStyle/>
+          <a:p>
+            <a:pPr algn="ctr"/>
+            <a:endParaRPr lang="en-US" dirty="0"/>
+          </a:p>
+        </p:txBody>
+      </p:sp>
+      <p:sp>
+        <p:nvSpPr>
+          <p:cNvPr id="47" name="Hexagon 46">
+            <a:extLst>
+              <a:ext uri="{FF2B5EF4-FFF2-40B4-BE49-F238E27FC236}">
+                <a16:creationId xmlns:a16="http://schemas.microsoft.com/office/drawing/2014/main" id="{8BEA754F-0B55-CBC6-D31E-BF0D898F8DDF}"/>
+              </a:ext>
+            </a:extLst>
+          </p:cNvPr>
+          <p:cNvSpPr>
+            <a:spLocks noChangeAspect="1"/>
+          </p:cNvSpPr>
+          <p:nvPr/>
+        </p:nvSpPr>
+        <p:spPr>
+          <a:xfrm>
+            <a:off x="2984370" y="1025512"/>
+            <a:ext cx="1027723" cy="885969"/>
+          </a:xfrm>
+          <a:prstGeom prst="hexagon">
+            <a:avLst/>
+          </a:prstGeom>
+          <a:noFill/>
+          <a:ln w="38100">
+            <a:solidFill>
+              <a:srgbClr val="C00000"/>
+            </a:solidFill>
+          </a:ln>
+        </p:spPr>
+        <p:style>
+          <a:lnRef idx="2">
+            <a:schemeClr val="accent1">
+              <a:shade val="15000"/>
+            </a:schemeClr>
+          </a:lnRef>
+          <a:fillRef idx="1">
+            <a:schemeClr val="accent1"/>
+          </a:fillRef>
+          <a:effectRef idx="0">
+            <a:schemeClr val="accent1"/>
+          </a:effectRef>
+          <a:fontRef idx="minor">
+            <a:schemeClr val="lt1"/>
+          </a:fontRef>
+        </p:style>
+        <p:txBody>
+          <a:bodyPr rtlCol="0" anchor="ctr"/>
+          <a:lstStyle/>
+          <a:p>
+            <a:pPr algn="ctr"/>
+            <a:endParaRPr lang="en-US" dirty="0"/>
+          </a:p>
+        </p:txBody>
+      </p:sp>
+      <p:sp>
+        <p:nvSpPr>
+          <p:cNvPr id="48" name="Hexagon 47">
+            <a:extLst>
+              <a:ext uri="{FF2B5EF4-FFF2-40B4-BE49-F238E27FC236}">
+                <a16:creationId xmlns:a16="http://schemas.microsoft.com/office/drawing/2014/main" id="{E90474B3-1116-4B99-3E93-A9F0A332F3CD}"/>
+              </a:ext>
+            </a:extLst>
+          </p:cNvPr>
+          <p:cNvSpPr>
+            <a:spLocks noChangeAspect="1"/>
+          </p:cNvSpPr>
+          <p:nvPr/>
+        </p:nvSpPr>
+        <p:spPr>
+          <a:xfrm>
+            <a:off x="2984370" y="1914264"/>
+            <a:ext cx="1027723" cy="885969"/>
+          </a:xfrm>
+          <a:prstGeom prst="hexagon">
+            <a:avLst/>
+          </a:prstGeom>
+          <a:noFill/>
+          <a:ln w="38100">
+            <a:solidFill>
+              <a:srgbClr val="C00000"/>
+            </a:solidFill>
+          </a:ln>
+        </p:spPr>
+        <p:style>
+          <a:lnRef idx="2">
+            <a:schemeClr val="accent1">
+              <a:shade val="15000"/>
+            </a:schemeClr>
+          </a:lnRef>
+          <a:fillRef idx="1">
+            <a:schemeClr val="accent1"/>
+          </a:fillRef>
+          <a:effectRef idx="0">
+            <a:schemeClr val="accent1"/>
+          </a:effectRef>
+          <a:fontRef idx="minor">
+            <a:schemeClr val="lt1"/>
+          </a:fontRef>
+        </p:style>
+        <p:txBody>
+          <a:bodyPr rtlCol="0" anchor="ctr"/>
+          <a:lstStyle/>
+          <a:p>
+            <a:pPr algn="ctr"/>
+            <a:endParaRPr lang="en-US" dirty="0"/>
+          </a:p>
+        </p:txBody>
+      </p:sp>
+      <p:sp>
+        <p:nvSpPr>
+          <p:cNvPr id="49" name="Hexagon 48">
+            <a:extLst>
+              <a:ext uri="{FF2B5EF4-FFF2-40B4-BE49-F238E27FC236}">
+                <a16:creationId xmlns:a16="http://schemas.microsoft.com/office/drawing/2014/main" id="{298715B5-37C2-1F18-7A83-7819A17EFFCC}"/>
+              </a:ext>
+            </a:extLst>
+          </p:cNvPr>
+          <p:cNvSpPr>
+            <a:spLocks noChangeAspect="1"/>
+          </p:cNvSpPr>
+          <p:nvPr/>
+        </p:nvSpPr>
+        <p:spPr>
+          <a:xfrm>
+            <a:off x="2984370" y="2809321"/>
+            <a:ext cx="1027723" cy="885969"/>
+          </a:xfrm>
+          <a:prstGeom prst="hexagon">
+            <a:avLst/>
+          </a:prstGeom>
+          <a:noFill/>
+          <a:ln w="38100">
+            <a:solidFill>
+              <a:srgbClr val="C00000"/>
+            </a:solidFill>
+          </a:ln>
+        </p:spPr>
+        <p:style>
+          <a:lnRef idx="2">
+            <a:schemeClr val="accent1">
+              <a:shade val="15000"/>
+            </a:schemeClr>
+          </a:lnRef>
+          <a:fillRef idx="1">
+            <a:schemeClr val="accent1"/>
+          </a:fillRef>
+          <a:effectRef idx="0">
+            <a:schemeClr val="accent1"/>
+          </a:effectRef>
+          <a:fontRef idx="minor">
+            <a:schemeClr val="lt1"/>
+          </a:fontRef>
+        </p:style>
+        <p:txBody>
+          <a:bodyPr rtlCol="0" anchor="ctr"/>
+          <a:lstStyle/>
+          <a:p>
+            <a:pPr algn="ctr"/>
+            <a:endParaRPr lang="en-US" dirty="0"/>
+          </a:p>
+        </p:txBody>
+      </p:sp>
+      <p:sp>
+        <p:nvSpPr>
+          <p:cNvPr id="50" name="Hexagon 49">
+            <a:extLst>
+              <a:ext uri="{FF2B5EF4-FFF2-40B4-BE49-F238E27FC236}">
+                <a16:creationId xmlns:a16="http://schemas.microsoft.com/office/drawing/2014/main" id="{E2143180-654D-71A8-63A7-13CC60ACF53D}"/>
+              </a:ext>
+            </a:extLst>
+          </p:cNvPr>
+          <p:cNvSpPr>
+            <a:spLocks noChangeAspect="1"/>
+          </p:cNvSpPr>
+          <p:nvPr/>
+        </p:nvSpPr>
+        <p:spPr>
+          <a:xfrm>
+            <a:off x="2185137" y="2349771"/>
+            <a:ext cx="1027723" cy="885969"/>
+          </a:xfrm>
+          <a:prstGeom prst="hexagon">
+            <a:avLst/>
+          </a:prstGeom>
+          <a:noFill/>
+          <a:ln w="38100">
+            <a:solidFill>
+              <a:srgbClr val="C00000"/>
+            </a:solidFill>
+          </a:ln>
+        </p:spPr>
+        <p:style>
+          <a:lnRef idx="2">
+            <a:schemeClr val="accent1">
+              <a:shade val="15000"/>
+            </a:schemeClr>
+          </a:lnRef>
+          <a:fillRef idx="1">
+            <a:schemeClr val="accent1"/>
+          </a:fillRef>
+          <a:effectRef idx="0">
+            <a:schemeClr val="accent1"/>
+          </a:effectRef>
+          <a:fontRef idx="minor">
+            <a:schemeClr val="lt1"/>
+          </a:fontRef>
+        </p:style>
+        <p:txBody>
+          <a:bodyPr rtlCol="0" anchor="ctr"/>
+          <a:lstStyle/>
+          <a:p>
+            <a:pPr algn="ctr"/>
+            <a:endParaRPr lang="en-US" dirty="0"/>
+          </a:p>
+        </p:txBody>
+      </p:sp>
+      <p:sp>
+        <p:nvSpPr>
+          <p:cNvPr id="51" name="TextBox 50">
+            <a:extLst>
+              <a:ext uri="{FF2B5EF4-FFF2-40B4-BE49-F238E27FC236}">
+                <a16:creationId xmlns:a16="http://schemas.microsoft.com/office/drawing/2014/main" id="{D14CB1DA-0C62-F603-4223-3460BC919ACC}"/>
+              </a:ext>
+            </a:extLst>
+          </p:cNvPr>
+          <p:cNvSpPr txBox="1"/>
+          <p:nvPr/>
+        </p:nvSpPr>
+        <p:spPr>
+          <a:xfrm>
+            <a:off x="8115086" y="2107858"/>
+            <a:ext cx="4120622" cy="461665"/>
+          </a:xfrm>
+          <a:prstGeom prst="rect">
+            <a:avLst/>
+          </a:prstGeom>
+          <a:noFill/>
+        </p:spPr>
+        <p:txBody>
+          <a:bodyPr wrap="square" rtlCol="0">
+            <a:spAutoFit/>
+          </a:bodyPr>
+          <a:lstStyle/>
+          <a:p>
+            <a:pPr algn="ctr"/>
+            <a:r>
+              <a:rPr lang="en-US" sz="2400" b="1" dirty="0"/>
+              <a:t>Unpadded PBC (Full/</a:t>
+            </a:r>
+            <a:r>
+              <a:rPr lang="en-US" sz="2400" b="1" dirty="0">
+                <a:solidFill>
+                  <a:srgbClr val="C00000"/>
+                </a:solidFill>
+              </a:rPr>
+              <a:t>Cos</a:t>
+            </a:r>
+            <a:r>
+              <a:rPr lang="en-US" sz="2400" b="1" dirty="0"/>
+              <a:t> FFT)</a:t>
+            </a:r>
+          </a:p>
+        </p:txBody>
+      </p:sp>
+      <p:sp>
+        <p:nvSpPr>
+          <p:cNvPr id="3098" name="Hexagon 3097">
+            <a:extLst>
+              <a:ext uri="{FF2B5EF4-FFF2-40B4-BE49-F238E27FC236}">
+                <a16:creationId xmlns:a16="http://schemas.microsoft.com/office/drawing/2014/main" id="{AED672C7-B2C8-A881-E55C-D39B5AF449DF}"/>
+              </a:ext>
+            </a:extLst>
+          </p:cNvPr>
+          <p:cNvSpPr>
+            <a:spLocks noChangeAspect="1"/>
+          </p:cNvSpPr>
+          <p:nvPr/>
+        </p:nvSpPr>
+        <p:spPr>
+          <a:xfrm>
+            <a:off x="7021781" y="3228102"/>
+            <a:ext cx="1027723" cy="885969"/>
+          </a:xfrm>
+          <a:prstGeom prst="hexagon">
+            <a:avLst/>
+          </a:prstGeom>
+          <a:noFill/>
+          <a:ln w="38100">
+            <a:solidFill>
+              <a:srgbClr val="C00000"/>
+            </a:solidFill>
+          </a:ln>
+        </p:spPr>
+        <p:style>
+          <a:lnRef idx="2">
+            <a:schemeClr val="accent1">
+              <a:shade val="15000"/>
+            </a:schemeClr>
+          </a:lnRef>
+          <a:fillRef idx="1">
+            <a:schemeClr val="accent1"/>
+          </a:fillRef>
+          <a:effectRef idx="0">
+            <a:schemeClr val="accent1"/>
+          </a:effectRef>
+          <a:fontRef idx="minor">
+            <a:schemeClr val="lt1"/>
+          </a:fontRef>
+        </p:style>
+        <p:txBody>
+          <a:bodyPr rtlCol="0" anchor="ctr"/>
+          <a:lstStyle/>
+          <a:p>
+            <a:pPr algn="ctr"/>
+            <a:endParaRPr lang="en-US" dirty="0"/>
+          </a:p>
+        </p:txBody>
+      </p:sp>
+      <p:sp>
+        <p:nvSpPr>
+          <p:cNvPr id="3105" name="Hexagon 3104">
+            <a:extLst>
+              <a:ext uri="{FF2B5EF4-FFF2-40B4-BE49-F238E27FC236}">
+                <a16:creationId xmlns:a16="http://schemas.microsoft.com/office/drawing/2014/main" id="{A05FB334-19F3-DB3C-9AB9-657CC577D594}"/>
+              </a:ext>
+            </a:extLst>
+          </p:cNvPr>
+          <p:cNvSpPr>
+            <a:spLocks noChangeAspect="1"/>
+          </p:cNvSpPr>
+          <p:nvPr/>
+        </p:nvSpPr>
+        <p:spPr>
+          <a:xfrm>
+            <a:off x="7014964" y="5013597"/>
+            <a:ext cx="1027723" cy="885969"/>
+          </a:xfrm>
+          <a:prstGeom prst="hexagon">
+            <a:avLst/>
+          </a:prstGeom>
+          <a:noFill/>
+          <a:ln w="38100">
+            <a:solidFill>
+              <a:srgbClr val="C00000"/>
+            </a:solidFill>
+          </a:ln>
+        </p:spPr>
+        <p:style>
+          <a:lnRef idx="2">
+            <a:schemeClr val="accent1">
+              <a:shade val="15000"/>
+            </a:schemeClr>
+          </a:lnRef>
+          <a:fillRef idx="1">
+            <a:schemeClr val="accent1"/>
+          </a:fillRef>
+          <a:effectRef idx="0">
+            <a:schemeClr val="accent1"/>
+          </a:effectRef>
+          <a:fontRef idx="minor">
+            <a:schemeClr val="lt1"/>
+          </a:fontRef>
+        </p:style>
+        <p:txBody>
+          <a:bodyPr rtlCol="0" anchor="ctr"/>
+          <a:lstStyle/>
+          <a:p>
+            <a:pPr algn="ctr"/>
+            <a:endParaRPr lang="en-US" dirty="0"/>
+          </a:p>
+        </p:txBody>
+      </p:sp>
+      <p:sp>
+        <p:nvSpPr>
+          <p:cNvPr id="3106" name="Hexagon 3105">
+            <a:extLst>
+              <a:ext uri="{FF2B5EF4-FFF2-40B4-BE49-F238E27FC236}">
+                <a16:creationId xmlns:a16="http://schemas.microsoft.com/office/drawing/2014/main" id="{D1913BF0-E56D-0C13-DCEA-688F87F79AF6}"/>
+              </a:ext>
+            </a:extLst>
+          </p:cNvPr>
+          <p:cNvSpPr>
+            <a:spLocks noChangeAspect="1"/>
+          </p:cNvSpPr>
+          <p:nvPr/>
+        </p:nvSpPr>
+        <p:spPr>
+          <a:xfrm>
+            <a:off x="7008352" y="4124845"/>
+            <a:ext cx="1027723" cy="885969"/>
+          </a:xfrm>
+          <a:prstGeom prst="hexagon">
+            <a:avLst/>
+          </a:prstGeom>
+          <a:noFill/>
+          <a:ln w="38100">
+            <a:solidFill>
+              <a:srgbClr val="C00000"/>
+            </a:solidFill>
+          </a:ln>
+        </p:spPr>
+        <p:style>
+          <a:lnRef idx="2">
+            <a:schemeClr val="accent1">
+              <a:shade val="15000"/>
+            </a:schemeClr>
+          </a:lnRef>
+          <a:fillRef idx="1">
+            <a:schemeClr val="accent1"/>
+          </a:fillRef>
+          <a:effectRef idx="0">
+            <a:schemeClr val="accent1"/>
+          </a:effectRef>
+          <a:fontRef idx="minor">
+            <a:schemeClr val="lt1"/>
+          </a:fontRef>
+        </p:style>
+        <p:txBody>
+          <a:bodyPr rtlCol="0" anchor="ctr"/>
+          <a:lstStyle/>
+          <a:p>
+            <a:pPr algn="ctr"/>
+            <a:endParaRPr lang="en-US" dirty="0"/>
+          </a:p>
+        </p:txBody>
+      </p:sp>
     </p:spTree>
     <p:extLst>
       <p:ext uri="{BB962C8B-B14F-4D97-AF65-F5344CB8AC3E}">
@@ -8767,12 +8199,55 @@
           </a:p>
         </p:txBody>
       </p:sp>
+      <p:sp>
+        <p:nvSpPr>
+          <p:cNvPr id="4" name="TextBox 3">
+            <a:extLst>
+              <a:ext uri="{FF2B5EF4-FFF2-40B4-BE49-F238E27FC236}">
+                <a16:creationId xmlns:a16="http://schemas.microsoft.com/office/drawing/2014/main" id="{AC4A5B27-C4F3-1037-B614-0F2CAFB6D70B}"/>
+              </a:ext>
+            </a:extLst>
+          </p:cNvPr>
+          <p:cNvSpPr txBox="1"/>
+          <p:nvPr/>
+        </p:nvSpPr>
+        <p:spPr>
+          <a:xfrm>
+            <a:off x="1293052" y="1985653"/>
+            <a:ext cx="2993749" cy="646331"/>
+          </a:xfrm>
+          <a:prstGeom prst="rect">
+            <a:avLst/>
+          </a:prstGeom>
+          <a:noFill/>
+        </p:spPr>
+        <p:txBody>
+          <a:bodyPr wrap="square" rtlCol="0">
+            <a:spAutoFit/>
+          </a:bodyPr>
+          <a:lstStyle/>
+          <a:p>
+            <a:pPr algn="ctr"/>
+            <a:r>
+              <a:rPr lang="en-US" dirty="0"/>
+              <a:t>s = 0.0241 (20.28%; dx=0.4), </a:t>
+            </a:r>
+            <a:br>
+              <a:rPr lang="en-US" dirty="0"/>
+            </a:br>
+            <a:r>
+              <a:rPr lang="en-US" dirty="0"/>
+              <a:t>Lx, Ly = 12.40, 20.80</a:t>
+            </a:r>
+          </a:p>
+        </p:txBody>
+      </p:sp>
       <p:pic>
         <p:nvPicPr>
-          <p:cNvPr id="4100" name="Picture 4">
-            <a:extLst>
-              <a:ext uri="{FF2B5EF4-FFF2-40B4-BE49-F238E27FC236}">
-                <a16:creationId xmlns:a16="http://schemas.microsoft.com/office/drawing/2014/main" id="{E4643BE5-4FDF-D457-70D8-02B8733CFD5A}"/>
+          <p:cNvPr id="4112" name="Picture 16">
+            <a:extLst>
+              <a:ext uri="{FF2B5EF4-FFF2-40B4-BE49-F238E27FC236}">
+                <a16:creationId xmlns:a16="http://schemas.microsoft.com/office/drawing/2014/main" id="{6E4CE12C-CFDD-DB5A-13CF-014A50C5FE21}"/>
               </a:ext>
             </a:extLst>
           </p:cNvPr>
@@ -8783,7 +8258,7 @@
         </p:nvPicPr>
         <p:blipFill>
           <a:blip r:embed="rId2">
-            <a:alphaModFix amt="50000"/>
+            <a:alphaModFix amt="70000"/>
             <a:extLst>
               <a:ext uri="{28A0092B-C50C-407E-A947-70E740481C1C}">
                 <a14:useLocalDpi xmlns:a14="http://schemas.microsoft.com/office/drawing/2010/main" val="0"/>
@@ -8797,8 +8272,8 @@
         </p:blipFill>
         <p:spPr bwMode="auto">
           <a:xfrm>
-            <a:off x="3676649" y="2809879"/>
-            <a:ext cx="2489753" cy="3725863"/>
+            <a:off x="1670327" y="2923865"/>
+            <a:ext cx="2066911" cy="3253471"/>
           </a:xfrm>
           <a:prstGeom prst="rect">
             <a:avLst/>
@@ -8815,55 +8290,12 @@
           </a:extLst>
         </p:spPr>
       </p:pic>
-      <p:sp>
-        <p:nvSpPr>
-          <p:cNvPr id="4" name="TextBox 3">
-            <a:extLst>
-              <a:ext uri="{FF2B5EF4-FFF2-40B4-BE49-F238E27FC236}">
-                <a16:creationId xmlns:a16="http://schemas.microsoft.com/office/drawing/2014/main" id="{AC4A5B27-C4F3-1037-B614-0F2CAFB6D70B}"/>
-              </a:ext>
-            </a:extLst>
-          </p:cNvPr>
-          <p:cNvSpPr txBox="1"/>
-          <p:nvPr/>
-        </p:nvSpPr>
-        <p:spPr>
-          <a:xfrm>
-            <a:off x="2330726" y="2034956"/>
-            <a:ext cx="2590800" cy="646331"/>
-          </a:xfrm>
-          <a:prstGeom prst="rect">
-            <a:avLst/>
-          </a:prstGeom>
-          <a:noFill/>
-        </p:spPr>
-        <p:txBody>
-          <a:bodyPr wrap="square" rtlCol="0">
-            <a:spAutoFit/>
-          </a:bodyPr>
-          <a:lstStyle/>
-          <a:p>
-            <a:pPr algn="ctr"/>
-            <a:r>
-              <a:rPr lang="en-US" dirty="0"/>
-              <a:t>s = 0.0241 (0.02), </a:t>
-            </a:r>
-            <a:br>
-              <a:rPr lang="en-US" dirty="0"/>
-            </a:br>
-            <a:r>
-              <a:rPr lang="en-US" dirty="0"/>
-              <a:t>Lx, Ly = 12.40, 19.60</a:t>
-            </a:r>
-          </a:p>
-        </p:txBody>
-      </p:sp>
       <p:pic>
         <p:nvPicPr>
-          <p:cNvPr id="4108" name="Picture 12">
-            <a:extLst>
-              <a:ext uri="{FF2B5EF4-FFF2-40B4-BE49-F238E27FC236}">
-                <a16:creationId xmlns:a16="http://schemas.microsoft.com/office/drawing/2014/main" id="{60F7F9AD-9CDE-73DA-ECFD-5D613E7773B6}"/>
+          <p:cNvPr id="4118" name="Picture 22">
+            <a:extLst>
+              <a:ext uri="{FF2B5EF4-FFF2-40B4-BE49-F238E27FC236}">
+                <a16:creationId xmlns:a16="http://schemas.microsoft.com/office/drawing/2014/main" id="{C1740158-C4AE-39C7-D7D0-D3DF2244A988}"/>
               </a:ext>
             </a:extLst>
           </p:cNvPr>
@@ -8874,7 +8306,7 @@
         </p:nvPicPr>
         <p:blipFill>
           <a:blip r:embed="rId3">
-            <a:alphaModFix amt="50000"/>
+            <a:alphaModFix amt="70000"/>
             <a:extLst>
               <a:ext uri="{28A0092B-C50C-407E-A947-70E740481C1C}">
                 <a14:useLocalDpi xmlns:a14="http://schemas.microsoft.com/office/drawing/2010/main" val="0"/>
@@ -8888,8 +8320,8 @@
         </p:blipFill>
         <p:spPr bwMode="auto">
           <a:xfrm>
-            <a:off x="3352800" y="2609854"/>
-            <a:ext cx="2489753" cy="3725863"/>
+            <a:off x="1397276" y="2757487"/>
+            <a:ext cx="2066911" cy="3253471"/>
           </a:xfrm>
           <a:prstGeom prst="rect">
             <a:avLst/>
@@ -8906,6 +8338,284 @@
           </a:extLst>
         </p:spPr>
       </p:pic>
+      <p:pic>
+        <p:nvPicPr>
+          <p:cNvPr id="4122" name="Picture 26">
+            <a:extLst>
+              <a:ext uri="{FF2B5EF4-FFF2-40B4-BE49-F238E27FC236}">
+                <a16:creationId xmlns:a16="http://schemas.microsoft.com/office/drawing/2014/main" id="{19FC9AF1-8341-7079-9C97-35A6C6E023E0}"/>
+              </a:ext>
+            </a:extLst>
+          </p:cNvPr>
+          <p:cNvPicPr>
+            <a:picLocks noChangeAspect="1" noChangeArrowheads="1"/>
+          </p:cNvPicPr>
+          <p:nvPr/>
+        </p:nvPicPr>
+        <p:blipFill>
+          <a:blip r:embed="rId4">
+            <a:alphaModFix amt="70000"/>
+            <a:extLst>
+              <a:ext uri="{28A0092B-C50C-407E-A947-70E740481C1C}">
+                <a14:useLocalDpi xmlns:a14="http://schemas.microsoft.com/office/drawing/2010/main" val="0"/>
+              </a:ext>
+            </a:extLst>
+          </a:blip>
+          <a:srcRect/>
+          <a:stretch>
+            <a:fillRect/>
+          </a:stretch>
+        </p:blipFill>
+        <p:spPr bwMode="auto">
+          <a:xfrm>
+            <a:off x="5419695" y="3037976"/>
+            <a:ext cx="2060605" cy="3184571"/>
+          </a:xfrm>
+          <a:prstGeom prst="rect">
+            <a:avLst/>
+          </a:prstGeom>
+          <a:noFill/>
+          <a:extLst>
+            <a:ext uri="{909E8E84-426E-40DD-AFC4-6F175D3DCCD1}">
+              <a14:hiddenFill xmlns:a14="http://schemas.microsoft.com/office/drawing/2010/main">
+                <a:solidFill>
+                  <a:srgbClr val="FFFFFF"/>
+                </a:solidFill>
+              </a14:hiddenFill>
+            </a:ext>
+          </a:extLst>
+        </p:spPr>
+      </p:pic>
+      <p:pic>
+        <p:nvPicPr>
+          <p:cNvPr id="4120" name="Picture 24">
+            <a:extLst>
+              <a:ext uri="{FF2B5EF4-FFF2-40B4-BE49-F238E27FC236}">
+                <a16:creationId xmlns:a16="http://schemas.microsoft.com/office/drawing/2014/main" id="{8546961E-DEEB-841D-1BC5-BFEC2470B0CB}"/>
+              </a:ext>
+            </a:extLst>
+          </p:cNvPr>
+          <p:cNvPicPr>
+            <a:picLocks noChangeAspect="1" noChangeArrowheads="1"/>
+          </p:cNvPicPr>
+          <p:nvPr/>
+        </p:nvPicPr>
+        <p:blipFill>
+          <a:blip r:embed="rId5">
+            <a:alphaModFix amt="70000"/>
+            <a:extLst>
+              <a:ext uri="{28A0092B-C50C-407E-A947-70E740481C1C}">
+                <a14:useLocalDpi xmlns:a14="http://schemas.microsoft.com/office/drawing/2010/main" val="0"/>
+              </a:ext>
+            </a:extLst>
+          </a:blip>
+          <a:srcRect/>
+          <a:stretch>
+            <a:fillRect/>
+          </a:stretch>
+        </p:blipFill>
+        <p:spPr bwMode="auto">
+          <a:xfrm>
+            <a:off x="5159114" y="2826387"/>
+            <a:ext cx="2060605" cy="3184571"/>
+          </a:xfrm>
+          <a:prstGeom prst="rect">
+            <a:avLst/>
+          </a:prstGeom>
+          <a:noFill/>
+          <a:extLst>
+            <a:ext uri="{909E8E84-426E-40DD-AFC4-6F175D3DCCD1}">
+              <a14:hiddenFill xmlns:a14="http://schemas.microsoft.com/office/drawing/2010/main">
+                <a:solidFill>
+                  <a:srgbClr val="FFFFFF"/>
+                </a:solidFill>
+              </a14:hiddenFill>
+            </a:ext>
+          </a:extLst>
+        </p:spPr>
+      </p:pic>
+      <p:sp>
+        <p:nvSpPr>
+          <p:cNvPr id="5" name="TextBox 4">
+            <a:extLst>
+              <a:ext uri="{FF2B5EF4-FFF2-40B4-BE49-F238E27FC236}">
+                <a16:creationId xmlns:a16="http://schemas.microsoft.com/office/drawing/2014/main" id="{69A49B6C-2617-00E0-38E0-62F1623A5446}"/>
+              </a:ext>
+            </a:extLst>
+          </p:cNvPr>
+          <p:cNvSpPr txBox="1"/>
+          <p:nvPr/>
+        </p:nvSpPr>
+        <p:spPr>
+          <a:xfrm>
+            <a:off x="5026300" y="1985653"/>
+            <a:ext cx="2688949" cy="646331"/>
+          </a:xfrm>
+          <a:prstGeom prst="rect">
+            <a:avLst/>
+          </a:prstGeom>
+          <a:noFill/>
+        </p:spPr>
+        <p:txBody>
+          <a:bodyPr wrap="square" rtlCol="0">
+            <a:spAutoFit/>
+          </a:bodyPr>
+          <a:lstStyle/>
+          <a:p>
+            <a:pPr algn="ctr"/>
+            <a:r>
+              <a:rPr lang="en-US" dirty="0"/>
+              <a:t>s = 0.0208 (4.08%; dx=0.1), </a:t>
+            </a:r>
+            <a:br>
+              <a:rPr lang="en-US" dirty="0"/>
+            </a:br>
+            <a:r>
+              <a:rPr lang="en-US" dirty="0"/>
+              <a:t>Lx, Ly = 12.90, 22.30</a:t>
+            </a:r>
+          </a:p>
+        </p:txBody>
+      </p:sp>
+      <p:pic>
+        <p:nvPicPr>
+          <p:cNvPr id="4126" name="Picture 30">
+            <a:extLst>
+              <a:ext uri="{FF2B5EF4-FFF2-40B4-BE49-F238E27FC236}">
+                <a16:creationId xmlns:a16="http://schemas.microsoft.com/office/drawing/2014/main" id="{7C8FC4FE-9F1C-CFA1-F45B-41FEBC57AA7B}"/>
+              </a:ext>
+            </a:extLst>
+          </p:cNvPr>
+          <p:cNvPicPr>
+            <a:picLocks noChangeAspect="1" noChangeArrowheads="1"/>
+          </p:cNvPicPr>
+          <p:nvPr/>
+        </p:nvPicPr>
+        <p:blipFill>
+          <a:blip r:embed="rId6">
+            <a:alphaModFix amt="70000"/>
+            <a:extLst>
+              <a:ext uri="{28A0092B-C50C-407E-A947-70E740481C1C}">
+                <a14:useLocalDpi xmlns:a14="http://schemas.microsoft.com/office/drawing/2010/main" val="0"/>
+              </a:ext>
+            </a:extLst>
+          </a:blip>
+          <a:srcRect/>
+          <a:stretch>
+            <a:fillRect/>
+          </a:stretch>
+        </p:blipFill>
+        <p:spPr bwMode="auto">
+          <a:xfrm>
+            <a:off x="8365356" y="3329297"/>
+            <a:ext cx="2769584" cy="2681661"/>
+          </a:xfrm>
+          <a:prstGeom prst="rect">
+            <a:avLst/>
+          </a:prstGeom>
+          <a:noFill/>
+          <a:extLst>
+            <a:ext uri="{909E8E84-426E-40DD-AFC4-6F175D3DCCD1}">
+              <a14:hiddenFill xmlns:a14="http://schemas.microsoft.com/office/drawing/2010/main">
+                <a:solidFill>
+                  <a:srgbClr val="FFFFFF"/>
+                </a:solidFill>
+              </a14:hiddenFill>
+            </a:ext>
+          </a:extLst>
+        </p:spPr>
+      </p:pic>
+      <p:pic>
+        <p:nvPicPr>
+          <p:cNvPr id="4128" name="Picture 32">
+            <a:extLst>
+              <a:ext uri="{FF2B5EF4-FFF2-40B4-BE49-F238E27FC236}">
+                <a16:creationId xmlns:a16="http://schemas.microsoft.com/office/drawing/2014/main" id="{345B1C86-B2DC-9085-2E2C-E6725D165415}"/>
+              </a:ext>
+            </a:extLst>
+          </p:cNvPr>
+          <p:cNvPicPr>
+            <a:picLocks noChangeAspect="1" noChangeArrowheads="1"/>
+          </p:cNvPicPr>
+          <p:nvPr/>
+        </p:nvPicPr>
+        <p:blipFill>
+          <a:blip r:embed="rId7">
+            <a:alphaModFix amt="70000"/>
+            <a:extLst>
+              <a:ext uri="{28A0092B-C50C-407E-A947-70E740481C1C}">
+                <a14:useLocalDpi xmlns:a14="http://schemas.microsoft.com/office/drawing/2010/main" val="0"/>
+              </a:ext>
+            </a:extLst>
+          </a:blip>
+          <a:srcRect/>
+          <a:stretch>
+            <a:fillRect/>
+          </a:stretch>
+        </p:blipFill>
+        <p:spPr bwMode="auto">
+          <a:xfrm>
+            <a:off x="8268288" y="3261139"/>
+            <a:ext cx="2769584" cy="2681661"/>
+          </a:xfrm>
+          <a:prstGeom prst="rect">
+            <a:avLst/>
+          </a:prstGeom>
+          <a:noFill/>
+          <a:extLst>
+            <a:ext uri="{909E8E84-426E-40DD-AFC4-6F175D3DCCD1}">
+              <a14:hiddenFill xmlns:a14="http://schemas.microsoft.com/office/drawing/2010/main">
+                <a:solidFill>
+                  <a:srgbClr val="FFFFFF"/>
+                </a:solidFill>
+              </a14:hiddenFill>
+            </a:ext>
+          </a:extLst>
+        </p:spPr>
+      </p:pic>
+      <p:sp>
+        <p:nvSpPr>
+          <p:cNvPr id="8" name="TextBox 7">
+            <a:extLst>
+              <a:ext uri="{FF2B5EF4-FFF2-40B4-BE49-F238E27FC236}">
+                <a16:creationId xmlns:a16="http://schemas.microsoft.com/office/drawing/2014/main" id="{3482F31C-3E88-A3D7-1754-79EA5AC7E36B}"/>
+              </a:ext>
+            </a:extLst>
+          </p:cNvPr>
+          <p:cNvSpPr txBox="1"/>
+          <p:nvPr/>
+        </p:nvSpPr>
+        <p:spPr>
+          <a:xfrm>
+            <a:off x="8454748" y="1962684"/>
+            <a:ext cx="2590800" cy="646331"/>
+          </a:xfrm>
+          <a:prstGeom prst="rect">
+            <a:avLst/>
+          </a:prstGeom>
+          <a:noFill/>
+        </p:spPr>
+        <p:txBody>
+          <a:bodyPr wrap="square" rtlCol="0">
+            <a:spAutoFit/>
+          </a:bodyPr>
+          <a:lstStyle/>
+          <a:p>
+            <a:pPr algn="ctr"/>
+            <a:r>
+              <a:rPr lang="en-US" dirty="0"/>
+              <a:t>s = 0.1332 (11%; dx=0.1), </a:t>
+            </a:r>
+            <a:br>
+              <a:rPr lang="en-US" dirty="0"/>
+            </a:br>
+            <a:r>
+              <a:rPr lang="en-US" dirty="0"/>
+              <a:t>Lx, Ly = 20.50, 20.40</a:t>
+            </a:r>
+          </a:p>
+        </p:txBody>
+      </p:sp>
     </p:spTree>
     <p:extLst>
       <p:ext uri="{BB962C8B-B14F-4D97-AF65-F5344CB8AC3E}">

--- a/graftdist.pptx
+++ b/graftdist.pptx
@@ -5,10 +5,11 @@
     <p:sldMasterId id="2147483648" r:id="rId1"/>
   </p:sldMasterIdLst>
   <p:sldIdLst>
-    <p:sldId id="265" r:id="rId2"/>
-    <p:sldId id="258" r:id="rId3"/>
-    <p:sldId id="263" r:id="rId4"/>
-    <p:sldId id="264" r:id="rId5"/>
+    <p:sldId id="266" r:id="rId2"/>
+    <p:sldId id="265" r:id="rId3"/>
+    <p:sldId id="258" r:id="rId4"/>
+    <p:sldId id="263" r:id="rId5"/>
+    <p:sldId id="264" r:id="rId6"/>
   </p:sldIdLst>
   <p:sldSz cx="12192000" cy="6858000"/>
   <p:notesSz cx="6858000" cy="9144000"/>
@@ -3334,7 +3335,7 @@
           <p:cNvPr id="2" name="Title 1">
             <a:extLst>
               <a:ext uri="{FF2B5EF4-FFF2-40B4-BE49-F238E27FC236}">
-                <a16:creationId xmlns:a16="http://schemas.microsoft.com/office/drawing/2014/main" id="{A3926BC3-A860-346A-4F58-1EE4C3E7FB0F}"/>
+                <a16:creationId xmlns:a16="http://schemas.microsoft.com/office/drawing/2014/main" id="{EC7A1061-086B-35E4-61C1-83C328D5548E}"/>
               </a:ext>
             </a:extLst>
           </p:cNvPr>
@@ -3352,7 +3353,7 @@
           <a:p>
             <a:r>
               <a:rPr lang="en-US" dirty="0"/>
-              <a:t>Test conditions</a:t>
+              <a:t>Strategy</a:t>
             </a:r>
           </a:p>
         </p:txBody>
@@ -3362,7 +3363,7 @@
           <p:cNvPr id="3" name="TextBox 2">
             <a:extLst>
               <a:ext uri="{FF2B5EF4-FFF2-40B4-BE49-F238E27FC236}">
-                <a16:creationId xmlns:a16="http://schemas.microsoft.com/office/drawing/2014/main" id="{A00B5138-8D53-B196-C54A-B372D20698D0}"/>
+                <a16:creationId xmlns:a16="http://schemas.microsoft.com/office/drawing/2014/main" id="{66A4566B-D26D-18F7-2769-748D7813228B}"/>
               </a:ext>
             </a:extLst>
           </p:cNvPr>
@@ -3371,8 +3372,8 @@
         </p:nvSpPr>
         <p:spPr>
           <a:xfrm>
-            <a:off x="1192695" y="2186609"/>
-            <a:ext cx="7026965" cy="1200329"/>
+            <a:off x="714374" y="1895475"/>
+            <a:ext cx="7810500" cy="646331"/>
           </a:xfrm>
           <a:prstGeom prst="rect">
             <a:avLst/>
@@ -3387,25 +3388,15 @@
           <a:p>
             <a:r>
               <a:rPr lang="en-US" dirty="0"/>
-              <a:t>Sigma = 0.05 c/nm2</a:t>
-            </a:r>
-          </a:p>
-          <a:p>
+              <a:t>2D binary array for surface sites of homogeneously grafted polymer given grafting density, simulation box size, and discretization (and assuming dx = </a:t>
+            </a:r>
+            <a:r>
+              <a:rPr lang="en-US" dirty="0" err="1"/>
+              <a:t>dy</a:t>
+            </a:r>
             <a:r>
               <a:rPr lang="en-US" dirty="0"/>
-              <a:t>Lx = 15 nm</a:t>
-            </a:r>
-          </a:p>
-          <a:p>
-            <a:r>
-              <a:rPr lang="en-US" dirty="0"/>
-              <a:t>Ly = 15 nm</a:t>
-            </a:r>
-          </a:p>
-          <a:p>
-            <a:r>
-              <a:rPr lang="en-US" dirty="0"/>
-              <a:t>dx = 0.4 nm</a:t>
+              <a:t>)</a:t>
             </a:r>
           </a:p>
         </p:txBody>
@@ -3415,7 +3406,7 @@
           <p:cNvPr id="4" name="TextBox 3">
             <a:extLst>
               <a:ext uri="{FF2B5EF4-FFF2-40B4-BE49-F238E27FC236}">
-                <a16:creationId xmlns:a16="http://schemas.microsoft.com/office/drawing/2014/main" id="{431FD48E-52DE-AC6E-5D2D-A03BFCBE0CEE}"/>
+                <a16:creationId xmlns:a16="http://schemas.microsoft.com/office/drawing/2014/main" id="{14B153E5-948B-4D25-2B1C-2231E4E7EBA6}"/>
               </a:ext>
             </a:extLst>
           </p:cNvPr>
@@ -3424,8 +3415,8 @@
         </p:nvSpPr>
         <p:spPr>
           <a:xfrm>
-            <a:off x="1192694" y="3776869"/>
-            <a:ext cx="7026965" cy="1754326"/>
+            <a:off x="714374" y="2945278"/>
+            <a:ext cx="11077575" cy="646331"/>
           </a:xfrm>
           <a:prstGeom prst="rect">
             <a:avLst/>
@@ -3439,35 +3430,102 @@
           <a:lstStyle/>
           <a:p>
             <a:r>
+              <a:rPr lang="en-US" dirty="0" err="1"/>
+              <a:t>Fullspace</a:t>
+            </a:r>
+            <a:r>
               <a:rPr lang="en-US" dirty="0"/>
-              <a:t>Cast in terms of dx (for rounding and PBC for grafting points): </a:t>
-            </a:r>
-          </a:p>
-          <a:p>
+              <a:t> must be periodic on x0 = </a:t>
+            </a:r>
+            <a:r>
+              <a:rPr lang="en-US" dirty="0" err="1"/>
+              <a:t>xL</a:t>
+            </a:r>
             <a:r>
               <a:rPr lang="en-US" dirty="0"/>
-              <a:t>	Sigma = 0.0668 c/nm2</a:t>
-            </a:r>
-          </a:p>
-          <a:p>
+              <a:t>, y0 = </a:t>
+            </a:r>
+            <a:r>
+              <a:rPr lang="en-US" dirty="0" err="1"/>
+              <a:t>yL</a:t>
+            </a:r>
+            <a:endParaRPr lang="en-US" dirty="0"/>
+          </a:p>
+          <a:p>
+            <a:r>
+              <a:rPr lang="en-US" dirty="0" err="1"/>
+              <a:t>Halfspace</a:t>
+            </a:r>
             <a:r>
               <a:rPr lang="en-US" dirty="0"/>
-              <a:t>	Lx = 14.80 nm</a:t>
-            </a:r>
-          </a:p>
-          <a:p>
+              <a:t> must be even on </a:t>
+            </a:r>
+            <a:r>
+              <a:rPr lang="en-US" dirty="0" err="1"/>
+              <a:t>xL</a:t>
+            </a:r>
             <a:r>
               <a:rPr lang="en-US" dirty="0"/>
-              <a:t>	Ly = 11.20 nm</a:t>
-            </a:r>
-          </a:p>
-          <a:p>
-            <a:endParaRPr lang="en-US" dirty="0"/>
-          </a:p>
-          <a:p>
+              <a:t>/2 and </a:t>
+            </a:r>
+            <a:r>
+              <a:rPr lang="en-US" dirty="0" err="1"/>
+              <a:t>yL</a:t>
+            </a:r>
             <a:r>
               <a:rPr lang="en-US" dirty="0"/>
-              <a:t>(Sigma error decrease with dx)</a:t>
+              <a:t>/2 (overlap of boundary following REDFT00) and periodic on x0 = </a:t>
+            </a:r>
+            <a:r>
+              <a:rPr lang="en-US" dirty="0" err="1"/>
+              <a:t>xL</a:t>
+            </a:r>
+            <a:r>
+              <a:rPr lang="en-US" dirty="0"/>
+              <a:t>, y0 = </a:t>
+            </a:r>
+            <a:r>
+              <a:rPr lang="en-US" dirty="0" err="1"/>
+              <a:t>yL</a:t>
+            </a:r>
+            <a:r>
+              <a:rPr lang="en-US" dirty="0"/>
+              <a:t>.</a:t>
+            </a:r>
+          </a:p>
+        </p:txBody>
+      </p:sp>
+      <p:sp>
+        <p:nvSpPr>
+          <p:cNvPr id="5" name="TextBox 4">
+            <a:extLst>
+              <a:ext uri="{FF2B5EF4-FFF2-40B4-BE49-F238E27FC236}">
+                <a16:creationId xmlns:a16="http://schemas.microsoft.com/office/drawing/2014/main" id="{97078C71-47DB-0D25-8BE5-AD0C9CC3C9FD}"/>
+              </a:ext>
+            </a:extLst>
+          </p:cNvPr>
+          <p:cNvSpPr txBox="1"/>
+          <p:nvPr/>
+        </p:nvSpPr>
+        <p:spPr>
+          <a:xfrm>
+            <a:off x="714374" y="4119562"/>
+            <a:ext cx="11077575" cy="369332"/>
+          </a:xfrm>
+          <a:prstGeom prst="rect">
+            <a:avLst/>
+          </a:prstGeom>
+          <a:noFill/>
+        </p:spPr>
+        <p:txBody>
+          <a:bodyPr wrap="square" rtlCol="0">
+            <a:spAutoFit/>
+          </a:bodyPr>
+          <a:lstStyle/>
+          <a:p>
+            <a:r>
+              <a:rPr lang="en-US" dirty="0"/>
+              <a:t>Homogeneous spacing as determined by regular hexagon, where grafting point at centroid of hexagon</a:t>
             </a:r>
           </a:p>
         </p:txBody>
@@ -3475,7 +3533,7 @@
     </p:spTree>
     <p:extLst>
       <p:ext uri="{BB962C8B-B14F-4D97-AF65-F5344CB8AC3E}">
-        <p14:creationId xmlns:p14="http://schemas.microsoft.com/office/powerpoint/2010/main" val="782308025"/>
+        <p14:creationId xmlns:p14="http://schemas.microsoft.com/office/powerpoint/2010/main" val="1764039423"/>
       </p:ext>
     </p:extLst>
   </p:cSld>
@@ -3502,6 +3560,179 @@
           <a:chExt cx="0" cy="0"/>
         </a:xfrm>
       </p:grpSpPr>
+      <p:sp>
+        <p:nvSpPr>
+          <p:cNvPr id="2" name="Title 1">
+            <a:extLst>
+              <a:ext uri="{FF2B5EF4-FFF2-40B4-BE49-F238E27FC236}">
+                <a16:creationId xmlns:a16="http://schemas.microsoft.com/office/drawing/2014/main" id="{A3926BC3-A860-346A-4F58-1EE4C3E7FB0F}"/>
+              </a:ext>
+            </a:extLst>
+          </p:cNvPr>
+          <p:cNvSpPr>
+            <a:spLocks noGrp="1"/>
+          </p:cNvSpPr>
+          <p:nvPr>
+            <p:ph type="title"/>
+          </p:nvPr>
+        </p:nvSpPr>
+        <p:spPr/>
+        <p:txBody>
+          <a:bodyPr/>
+          <a:lstStyle/>
+          <a:p>
+            <a:r>
+              <a:rPr lang="en-US" dirty="0"/>
+              <a:t>Test conditions</a:t>
+            </a:r>
+          </a:p>
+        </p:txBody>
+      </p:sp>
+      <p:sp>
+        <p:nvSpPr>
+          <p:cNvPr id="3" name="TextBox 2">
+            <a:extLst>
+              <a:ext uri="{FF2B5EF4-FFF2-40B4-BE49-F238E27FC236}">
+                <a16:creationId xmlns:a16="http://schemas.microsoft.com/office/drawing/2014/main" id="{A00B5138-8D53-B196-C54A-B372D20698D0}"/>
+              </a:ext>
+            </a:extLst>
+          </p:cNvPr>
+          <p:cNvSpPr txBox="1"/>
+          <p:nvPr/>
+        </p:nvSpPr>
+        <p:spPr>
+          <a:xfrm>
+            <a:off x="1192695" y="2186609"/>
+            <a:ext cx="7026965" cy="1200329"/>
+          </a:xfrm>
+          <a:prstGeom prst="rect">
+            <a:avLst/>
+          </a:prstGeom>
+          <a:noFill/>
+        </p:spPr>
+        <p:txBody>
+          <a:bodyPr wrap="square" rtlCol="0">
+            <a:spAutoFit/>
+          </a:bodyPr>
+          <a:lstStyle/>
+          <a:p>
+            <a:r>
+              <a:rPr lang="en-US" dirty="0"/>
+              <a:t>Sigma = 0.05 c/nm2</a:t>
+            </a:r>
+          </a:p>
+          <a:p>
+            <a:r>
+              <a:rPr lang="en-US" dirty="0"/>
+              <a:t>Lx = 15 nm</a:t>
+            </a:r>
+          </a:p>
+          <a:p>
+            <a:r>
+              <a:rPr lang="en-US" dirty="0"/>
+              <a:t>Ly = 15 nm</a:t>
+            </a:r>
+          </a:p>
+          <a:p>
+            <a:r>
+              <a:rPr lang="en-US" dirty="0"/>
+              <a:t>dx = 0.4 nm</a:t>
+            </a:r>
+          </a:p>
+        </p:txBody>
+      </p:sp>
+      <p:sp>
+        <p:nvSpPr>
+          <p:cNvPr id="4" name="TextBox 3">
+            <a:extLst>
+              <a:ext uri="{FF2B5EF4-FFF2-40B4-BE49-F238E27FC236}">
+                <a16:creationId xmlns:a16="http://schemas.microsoft.com/office/drawing/2014/main" id="{431FD48E-52DE-AC6E-5D2D-A03BFCBE0CEE}"/>
+              </a:ext>
+            </a:extLst>
+          </p:cNvPr>
+          <p:cNvSpPr txBox="1"/>
+          <p:nvPr/>
+        </p:nvSpPr>
+        <p:spPr>
+          <a:xfrm>
+            <a:off x="1192694" y="3776869"/>
+            <a:ext cx="7026965" cy="1754326"/>
+          </a:xfrm>
+          <a:prstGeom prst="rect">
+            <a:avLst/>
+          </a:prstGeom>
+          <a:noFill/>
+        </p:spPr>
+        <p:txBody>
+          <a:bodyPr wrap="square" rtlCol="0">
+            <a:spAutoFit/>
+          </a:bodyPr>
+          <a:lstStyle/>
+          <a:p>
+            <a:r>
+              <a:rPr lang="en-US" dirty="0"/>
+              <a:t>Cast in terms of dx (for rounding and PBC for grafting points): </a:t>
+            </a:r>
+          </a:p>
+          <a:p>
+            <a:r>
+              <a:rPr lang="en-US" dirty="0"/>
+              <a:t>	Sigma = 0.0668 c/nm2</a:t>
+            </a:r>
+          </a:p>
+          <a:p>
+            <a:r>
+              <a:rPr lang="en-US" dirty="0"/>
+              <a:t>	Lx = 14.80 nm</a:t>
+            </a:r>
+          </a:p>
+          <a:p>
+            <a:r>
+              <a:rPr lang="en-US" dirty="0"/>
+              <a:t>	Ly = 11.20 nm</a:t>
+            </a:r>
+          </a:p>
+          <a:p>
+            <a:endParaRPr lang="en-US" dirty="0"/>
+          </a:p>
+          <a:p>
+            <a:r>
+              <a:rPr lang="en-US" dirty="0"/>
+              <a:t>(Sigma error decrease with dx)</a:t>
+            </a:r>
+          </a:p>
+        </p:txBody>
+      </p:sp>
+    </p:spTree>
+    <p:extLst>
+      <p:ext uri="{BB962C8B-B14F-4D97-AF65-F5344CB8AC3E}">
+        <p14:creationId xmlns:p14="http://schemas.microsoft.com/office/powerpoint/2010/main" val="782308025"/>
+      </p:ext>
+    </p:extLst>
+  </p:cSld>
+  <p:clrMapOvr>
+    <a:masterClrMapping/>
+  </p:clrMapOvr>
+</p:sld>
+</file>
+
+<file path=ppt/slides/slide3.xml><?xml version="1.0" encoding="utf-8"?>
+<p:sld xmlns:a="http://schemas.openxmlformats.org/drawingml/2006/main" xmlns:r="http://schemas.openxmlformats.org/officeDocument/2006/relationships" xmlns:p="http://schemas.openxmlformats.org/presentationml/2006/main">
+  <p:cSld>
+    <p:spTree>
+      <p:nvGrpSpPr>
+        <p:cNvPr id="1" name=""/>
+        <p:cNvGrpSpPr/>
+        <p:nvPr/>
+      </p:nvGrpSpPr>
+      <p:grpSpPr>
+        <a:xfrm>
+          <a:off x="0" y="0"/>
+          <a:ext cx="0" cy="0"/>
+          <a:chOff x="0" y="0"/>
+          <a:chExt cx="0" cy="0"/>
+        </a:xfrm>
+      </p:grpSpPr>
       <p:pic>
         <p:nvPicPr>
           <p:cNvPr id="2" name="Picture 8">
@@ -5632,7 +5863,7 @@
 </p:sld>
 </file>
 
-<file path=ppt/slides/slide3.xml><?xml version="1.0" encoding="utf-8"?>
+<file path=ppt/slides/slide4.xml><?xml version="1.0" encoding="utf-8"?>
 <p:sld xmlns:a="http://schemas.openxmlformats.org/drawingml/2006/main" xmlns:r="http://schemas.openxmlformats.org/officeDocument/2006/relationships" xmlns:p="http://schemas.openxmlformats.org/presentationml/2006/main">
   <p:cSld>
     <p:spTree>
@@ -8154,7 +8385,7 @@
 </p:sld>
 </file>
 
-<file path=ppt/slides/slide4.xml><?xml version="1.0" encoding="utf-8"?>
+<file path=ppt/slides/slide5.xml><?xml version="1.0" encoding="utf-8"?>
 <p:sld xmlns:a="http://schemas.openxmlformats.org/drawingml/2006/main" xmlns:r="http://schemas.openxmlformats.org/officeDocument/2006/relationships" xmlns:p="http://schemas.openxmlformats.org/presentationml/2006/main">
   <p:cSld>
     <p:spTree>

--- a/graftdist.pptx
+++ b/graftdist.pptx
@@ -5850,6 +5850,41 @@
           </a:p>
         </p:txBody>
       </p:sp>
+      <p:sp>
+        <p:nvSpPr>
+          <p:cNvPr id="4" name="TextBox 3">
+            <a:extLst>
+              <a:ext uri="{FF2B5EF4-FFF2-40B4-BE49-F238E27FC236}">
+                <a16:creationId xmlns:a16="http://schemas.microsoft.com/office/drawing/2014/main" id="{E790C61F-5E95-A1FC-DF35-A2152D6F59F6}"/>
+              </a:ext>
+            </a:extLst>
+          </p:cNvPr>
+          <p:cNvSpPr txBox="1"/>
+          <p:nvPr/>
+        </p:nvSpPr>
+        <p:spPr>
+          <a:xfrm>
+            <a:off x="6445440" y="1667051"/>
+            <a:ext cx="5175060" cy="369332"/>
+          </a:xfrm>
+          <a:prstGeom prst="rect">
+            <a:avLst/>
+          </a:prstGeom>
+          <a:noFill/>
+        </p:spPr>
+        <p:txBody>
+          <a:bodyPr wrap="square" rtlCol="0">
+            <a:spAutoFit/>
+          </a:bodyPr>
+          <a:lstStyle/>
+          <a:p>
+            <a:r>
+              <a:rPr lang="en-US" dirty="0"/>
+              <a:t>Hexagons drawn for illustration of hexagon approach</a:t>
+            </a:r>
+          </a:p>
+        </p:txBody>
+      </p:sp>
     </p:spTree>
     <p:extLst>
       <p:ext uri="{BB962C8B-B14F-4D97-AF65-F5344CB8AC3E}">

--- a/graftdist.pptx
+++ b/graftdist.pptx
@@ -3415,7 +3415,7 @@
         </p:nvSpPr>
         <p:spPr>
           <a:xfrm>
-            <a:off x="714374" y="2945278"/>
+            <a:off x="714374" y="2776538"/>
             <a:ext cx="11077575" cy="646331"/>
           </a:xfrm>
           <a:prstGeom prst="rect">
@@ -3509,7 +3509,7 @@
         </p:nvSpPr>
         <p:spPr>
           <a:xfrm>
-            <a:off x="714374" y="4119562"/>
+            <a:off x="714373" y="3812426"/>
             <a:ext cx="11077575" cy="369332"/>
           </a:xfrm>
           <a:prstGeom prst="rect">
@@ -3526,6 +3526,67 @@
             <a:r>
               <a:rPr lang="en-US" dirty="0"/>
               <a:t>Homogeneous spacing as determined by regular hexagon, where grafting point at centroid of hexagon</a:t>
+            </a:r>
+          </a:p>
+        </p:txBody>
+      </p:sp>
+      <p:sp>
+        <p:nvSpPr>
+          <p:cNvPr id="6" name="TextBox 5">
+            <a:extLst>
+              <a:ext uri="{FF2B5EF4-FFF2-40B4-BE49-F238E27FC236}">
+                <a16:creationId xmlns:a16="http://schemas.microsoft.com/office/drawing/2014/main" id="{067DDA30-EAF3-09E5-D289-BD5F06EA216D}"/>
+              </a:ext>
+            </a:extLst>
+          </p:cNvPr>
+          <p:cNvSpPr txBox="1"/>
+          <p:nvPr/>
+        </p:nvSpPr>
+        <p:spPr>
+          <a:xfrm>
+            <a:off x="714372" y="4508719"/>
+            <a:ext cx="11077575" cy="923330"/>
+          </a:xfrm>
+          <a:prstGeom prst="rect">
+            <a:avLst/>
+          </a:prstGeom>
+          <a:noFill/>
+        </p:spPr>
+        <p:txBody>
+          <a:bodyPr wrap="square" rtlCol="0">
+            <a:spAutoFit/>
+          </a:bodyPr>
+          <a:lstStyle/>
+          <a:p>
+            <a:r>
+              <a:rPr lang="en-US" dirty="0"/>
+              <a:t>In case there are edge effects, try shifting the centroids away from the boundaries of the </a:t>
+            </a:r>
+            <a:r>
+              <a:rPr lang="en-US" dirty="0" err="1"/>
+              <a:t>xy</a:t>
+            </a:r>
+            <a:r>
+              <a:rPr lang="en-US" dirty="0"/>
+              <a:t>-plane (only did for </a:t>
+            </a:r>
+            <a:r>
+              <a:rPr lang="en-US" dirty="0" err="1"/>
+              <a:t>fullspace</a:t>
+            </a:r>
+            <a:r>
+              <a:rPr lang="en-US" dirty="0"/>
+              <a:t>)</a:t>
+            </a:r>
+          </a:p>
+          <a:p>
+            <a:pPr marL="285750" indent="-285750">
+              <a:buFont typeface="Arial" panose="020B0604020202020204" pitchFamily="34" charset="0"/>
+              <a:buChar char="•"/>
+            </a:pPr>
+            <a:r>
+              <a:rPr lang="en-US" dirty="0"/>
+              <a:t>Make sure no edge effects by comparing results of full FFT with cos FFT</a:t>
             </a:r>
           </a:p>
         </p:txBody>

--- a/graftdist.pptx
+++ b/graftdist.pptx
@@ -8516,12 +8516,21 @@
         </p:nvSpPr>
         <p:spPr/>
         <p:txBody>
-          <a:bodyPr/>
+          <a:bodyPr>
+            <a:normAutofit/>
+          </a:bodyPr>
           <a:lstStyle/>
           <a:p>
             <a:r>
               <a:rPr lang="en-US" dirty="0"/>
-              <a:t>Other conditions</a:t>
+              <a:t>Other conditions </a:t>
+            </a:r>
+            <a:br>
+              <a:rPr lang="en-US" dirty="0"/>
+            </a:br>
+            <a:r>
+              <a:rPr lang="en-US" sz="3600" dirty="0"/>
+              <a:t>(full and half results overlapped to show match)</a:t>
             </a:r>
           </a:p>
         </p:txBody>

--- a/graftdist.pptx
+++ b/graftdist.pptx
@@ -5990,7 +5990,7 @@
         </p:nvGrpSpPr>
         <p:grpSpPr>
           <a:xfrm>
-            <a:off x="3935720" y="567055"/>
+            <a:off x="4608476" y="18727"/>
             <a:ext cx="3955455" cy="3472788"/>
             <a:chOff x="9342443" y="3203112"/>
             <a:chExt cx="2586642" cy="2271005"/>
@@ -6206,7 +6206,7 @@
         </p:blipFill>
         <p:spPr bwMode="auto">
           <a:xfrm>
-            <a:off x="714503" y="816445"/>
+            <a:off x="822470" y="922899"/>
             <a:ext cx="3644809" cy="3234005"/>
           </a:xfrm>
           <a:prstGeom prst="rect">
@@ -6251,7 +6251,7 @@
         </p:blipFill>
         <p:spPr bwMode="auto">
           <a:xfrm>
-            <a:off x="4225518" y="3597275"/>
+            <a:off x="4333485" y="3703729"/>
             <a:ext cx="3420962" cy="3154271"/>
           </a:xfrm>
           <a:prstGeom prst="rect">
@@ -6296,7 +6296,7 @@
         </p:blipFill>
         <p:spPr bwMode="auto">
           <a:xfrm>
-            <a:off x="714504" y="3597275"/>
+            <a:off x="822471" y="3703729"/>
             <a:ext cx="3659059" cy="3154271"/>
           </a:xfrm>
           <a:prstGeom prst="rect">
@@ -6330,7 +6330,7 @@
         </p:nvSpPr>
         <p:spPr>
           <a:xfrm>
-            <a:off x="579973" y="3224248"/>
+            <a:off x="687940" y="3330702"/>
             <a:ext cx="1027723" cy="885969"/>
           </a:xfrm>
           <a:prstGeom prst="hexagon">
@@ -6384,7 +6384,7 @@
         </p:nvSpPr>
         <p:spPr>
           <a:xfrm>
-            <a:off x="573306" y="4113001"/>
+            <a:off x="681273" y="4219455"/>
             <a:ext cx="1027723" cy="885969"/>
           </a:xfrm>
           <a:prstGeom prst="hexagon">
@@ -6438,7 +6438,7 @@
         </p:nvSpPr>
         <p:spPr>
           <a:xfrm>
-            <a:off x="573306" y="4994722"/>
+            <a:off x="681273" y="5101176"/>
             <a:ext cx="1027723" cy="885969"/>
           </a:xfrm>
           <a:prstGeom prst="hexagon">
@@ -6492,7 +6492,7 @@
         </p:nvSpPr>
         <p:spPr>
           <a:xfrm>
-            <a:off x="1382218" y="5439828"/>
+            <a:off x="1490185" y="5546282"/>
             <a:ext cx="1027723" cy="885969"/>
           </a:xfrm>
           <a:prstGeom prst="hexagon">
@@ -6546,7 +6546,7 @@
         </p:nvSpPr>
         <p:spPr>
           <a:xfrm>
-            <a:off x="1382218" y="4557378"/>
+            <a:off x="1490185" y="4663832"/>
             <a:ext cx="1027723" cy="885969"/>
           </a:xfrm>
           <a:prstGeom prst="hexagon">
@@ -6600,7 +6600,7 @@
         </p:nvSpPr>
         <p:spPr>
           <a:xfrm>
-            <a:off x="1382218" y="3674928"/>
+            <a:off x="1490185" y="3781382"/>
             <a:ext cx="1027723" cy="885969"/>
           </a:xfrm>
           <a:prstGeom prst="hexagon">
@@ -6654,7 +6654,7 @@
         </p:nvSpPr>
         <p:spPr>
           <a:xfrm>
-            <a:off x="2184463" y="3231080"/>
+            <a:off x="2292430" y="3337534"/>
             <a:ext cx="1027723" cy="885969"/>
           </a:xfrm>
           <a:prstGeom prst="hexagon">
@@ -6708,7 +6708,7 @@
         </p:nvSpPr>
         <p:spPr>
           <a:xfrm>
-            <a:off x="2178524" y="4125485"/>
+            <a:off x="2286491" y="4231939"/>
             <a:ext cx="1027723" cy="885969"/>
           </a:xfrm>
           <a:prstGeom prst="hexagon">
@@ -6762,7 +6762,7 @@
         </p:nvSpPr>
         <p:spPr>
           <a:xfrm>
-            <a:off x="2984370" y="3681541"/>
+            <a:off x="3092337" y="3787995"/>
             <a:ext cx="1027723" cy="885969"/>
           </a:xfrm>
           <a:prstGeom prst="hexagon">
@@ -6816,7 +6816,7 @@
         </p:nvSpPr>
         <p:spPr>
           <a:xfrm>
-            <a:off x="2984370" y="4570294"/>
+            <a:off x="3092337" y="4676748"/>
             <a:ext cx="1027723" cy="885969"/>
           </a:xfrm>
           <a:prstGeom prst="hexagon">
@@ -6870,7 +6870,7 @@
         </p:nvSpPr>
         <p:spPr>
           <a:xfrm>
-            <a:off x="2984370" y="5465350"/>
+            <a:off x="3092337" y="5571804"/>
             <a:ext cx="1027723" cy="885969"/>
           </a:xfrm>
           <a:prstGeom prst="hexagon">
@@ -6924,7 +6924,7 @@
         </p:nvSpPr>
         <p:spPr>
           <a:xfrm>
-            <a:off x="2185136" y="5005801"/>
+            <a:off x="2293103" y="5112255"/>
             <a:ext cx="1027723" cy="885969"/>
           </a:xfrm>
           <a:prstGeom prst="hexagon">
@@ -6978,7 +6978,7 @@
         </p:nvSpPr>
         <p:spPr>
           <a:xfrm>
-            <a:off x="3802289" y="3224248"/>
+            <a:off x="3910256" y="3330702"/>
             <a:ext cx="1027723" cy="885969"/>
           </a:xfrm>
           <a:prstGeom prst="hexagon">
@@ -7032,7 +7032,7 @@
         </p:nvSpPr>
         <p:spPr>
           <a:xfrm>
-            <a:off x="3795621" y="4113001"/>
+            <a:off x="3903588" y="4219455"/>
             <a:ext cx="1027723" cy="885969"/>
           </a:xfrm>
           <a:prstGeom prst="hexagon">
@@ -7086,7 +7086,7 @@
         </p:nvSpPr>
         <p:spPr>
           <a:xfrm>
-            <a:off x="3795621" y="4994722"/>
+            <a:off x="3903588" y="5101176"/>
             <a:ext cx="1027723" cy="885969"/>
           </a:xfrm>
           <a:prstGeom prst="hexagon">
@@ -7140,7 +7140,7 @@
         </p:nvSpPr>
         <p:spPr>
           <a:xfrm>
-            <a:off x="4603280" y="5431060"/>
+            <a:off x="4711247" y="5537514"/>
             <a:ext cx="1027723" cy="885969"/>
           </a:xfrm>
           <a:prstGeom prst="hexagon">
@@ -7194,7 +7194,7 @@
         </p:nvSpPr>
         <p:spPr>
           <a:xfrm>
-            <a:off x="4603280" y="4548610"/>
+            <a:off x="4711247" y="4655064"/>
             <a:ext cx="1027723" cy="885969"/>
           </a:xfrm>
           <a:prstGeom prst="hexagon">
@@ -7248,7 +7248,7 @@
         </p:nvSpPr>
         <p:spPr>
           <a:xfrm>
-            <a:off x="4603280" y="3666160"/>
+            <a:off x="4711247" y="3772614"/>
             <a:ext cx="1027723" cy="885969"/>
           </a:xfrm>
           <a:prstGeom prst="hexagon">
@@ -7302,7 +7302,7 @@
         </p:nvSpPr>
         <p:spPr>
           <a:xfrm>
-            <a:off x="5405526" y="3222311"/>
+            <a:off x="5513493" y="3328765"/>
             <a:ext cx="1027723" cy="885969"/>
           </a:xfrm>
           <a:prstGeom prst="hexagon">
@@ -7356,7 +7356,7 @@
         </p:nvSpPr>
         <p:spPr>
           <a:xfrm>
-            <a:off x="5399587" y="4116718"/>
+            <a:off x="5507554" y="4223172"/>
             <a:ext cx="1027723" cy="885969"/>
           </a:xfrm>
           <a:prstGeom prst="hexagon">
@@ -7410,7 +7410,7 @@
         </p:nvSpPr>
         <p:spPr>
           <a:xfrm>
-            <a:off x="6205433" y="3672774"/>
+            <a:off x="6313400" y="3779228"/>
             <a:ext cx="1027723" cy="885969"/>
           </a:xfrm>
           <a:prstGeom prst="hexagon">
@@ -7464,7 +7464,7 @@
         </p:nvSpPr>
         <p:spPr>
           <a:xfrm>
-            <a:off x="6205433" y="4561526"/>
+            <a:off x="6313400" y="4667980"/>
             <a:ext cx="1027723" cy="885969"/>
           </a:xfrm>
           <a:prstGeom prst="hexagon">
@@ -7518,7 +7518,7 @@
         </p:nvSpPr>
         <p:spPr>
           <a:xfrm>
-            <a:off x="6205433" y="5456582"/>
+            <a:off x="6313400" y="5563036"/>
             <a:ext cx="1027723" cy="885969"/>
           </a:xfrm>
           <a:prstGeom prst="hexagon">
@@ -7572,7 +7572,7 @@
         </p:nvSpPr>
         <p:spPr>
           <a:xfrm>
-            <a:off x="5406199" y="4997033"/>
+            <a:off x="5514166" y="5103487"/>
             <a:ext cx="1027723" cy="885969"/>
           </a:xfrm>
           <a:prstGeom prst="hexagon">
@@ -7626,7 +7626,7 @@
         </p:nvSpPr>
         <p:spPr>
           <a:xfrm>
-            <a:off x="579973" y="578157"/>
+            <a:off x="687940" y="684611"/>
             <a:ext cx="1027723" cy="885969"/>
           </a:xfrm>
           <a:prstGeom prst="hexagon">
@@ -7680,7 +7680,7 @@
         </p:nvSpPr>
         <p:spPr>
           <a:xfrm>
-            <a:off x="573306" y="1456971"/>
+            <a:off x="681273" y="1563425"/>
             <a:ext cx="1027723" cy="885969"/>
           </a:xfrm>
           <a:prstGeom prst="hexagon">
@@ -7734,7 +7734,7 @@
         </p:nvSpPr>
         <p:spPr>
           <a:xfrm>
-            <a:off x="573306" y="2338691"/>
+            <a:off x="681273" y="2445145"/>
             <a:ext cx="1027723" cy="885969"/>
           </a:xfrm>
           <a:prstGeom prst="hexagon">
@@ -7788,7 +7788,7 @@
         </p:nvSpPr>
         <p:spPr>
           <a:xfrm>
-            <a:off x="1382218" y="2783798"/>
+            <a:off x="1490185" y="2890252"/>
             <a:ext cx="1027723" cy="885969"/>
           </a:xfrm>
           <a:prstGeom prst="hexagon">
@@ -7842,7 +7842,7 @@
         </p:nvSpPr>
         <p:spPr>
           <a:xfrm>
-            <a:off x="1382218" y="1901348"/>
+            <a:off x="1490185" y="2007802"/>
             <a:ext cx="1027723" cy="885969"/>
           </a:xfrm>
           <a:prstGeom prst="hexagon">
@@ -7896,7 +7896,7 @@
         </p:nvSpPr>
         <p:spPr>
           <a:xfrm>
-            <a:off x="1382218" y="1018898"/>
+            <a:off x="1490185" y="1125352"/>
             <a:ext cx="1027723" cy="885969"/>
           </a:xfrm>
           <a:prstGeom prst="hexagon">
@@ -7950,7 +7950,7 @@
         </p:nvSpPr>
         <p:spPr>
           <a:xfrm>
-            <a:off x="2184463" y="575049"/>
+            <a:off x="2292430" y="681503"/>
             <a:ext cx="1027723" cy="885969"/>
           </a:xfrm>
           <a:prstGeom prst="hexagon">
@@ -8004,7 +8004,7 @@
         </p:nvSpPr>
         <p:spPr>
           <a:xfrm>
-            <a:off x="2178524" y="1469456"/>
+            <a:off x="2286491" y="1575910"/>
             <a:ext cx="1027723" cy="885969"/>
           </a:xfrm>
           <a:prstGeom prst="hexagon">
@@ -8058,7 +8058,7 @@
         </p:nvSpPr>
         <p:spPr>
           <a:xfrm>
-            <a:off x="2984370" y="1025512"/>
+            <a:off x="3092337" y="1131966"/>
             <a:ext cx="1027723" cy="885969"/>
           </a:xfrm>
           <a:prstGeom prst="hexagon">
@@ -8112,7 +8112,7 @@
         </p:nvSpPr>
         <p:spPr>
           <a:xfrm>
-            <a:off x="2984370" y="1914264"/>
+            <a:off x="3092337" y="2020718"/>
             <a:ext cx="1027723" cy="885969"/>
           </a:xfrm>
           <a:prstGeom prst="hexagon">
@@ -8166,7 +8166,7 @@
         </p:nvSpPr>
         <p:spPr>
           <a:xfrm>
-            <a:off x="2984370" y="2809321"/>
+            <a:off x="3092337" y="2915775"/>
             <a:ext cx="1027723" cy="885969"/>
           </a:xfrm>
           <a:prstGeom prst="hexagon">
@@ -8220,7 +8220,7 @@
         </p:nvSpPr>
         <p:spPr>
           <a:xfrm>
-            <a:off x="2185137" y="2349771"/>
+            <a:off x="2293104" y="2456225"/>
             <a:ext cx="1027723" cy="885969"/>
           </a:xfrm>
           <a:prstGeom prst="hexagon">
@@ -8272,7 +8272,7 @@
         </p:nvSpPr>
         <p:spPr>
           <a:xfrm>
-            <a:off x="8115086" y="2107858"/>
+            <a:off x="8117174" y="4317777"/>
             <a:ext cx="4120622" cy="461665"/>
           </a:xfrm>
           <a:prstGeom prst="rect">
@@ -8322,7 +8322,7 @@
         </p:nvSpPr>
         <p:spPr>
           <a:xfrm>
-            <a:off x="7021781" y="3228102"/>
+            <a:off x="7129748" y="3334556"/>
             <a:ext cx="1027723" cy="885969"/>
           </a:xfrm>
           <a:prstGeom prst="hexagon">
@@ -8376,7 +8376,7 @@
         </p:nvSpPr>
         <p:spPr>
           <a:xfrm>
-            <a:off x="7014964" y="5013597"/>
+            <a:off x="7122931" y="5120051"/>
             <a:ext cx="1027723" cy="885969"/>
           </a:xfrm>
           <a:prstGeom prst="hexagon">
@@ -8430,7 +8430,7 @@
         </p:nvSpPr>
         <p:spPr>
           <a:xfrm>
-            <a:off x="7008352" y="4124845"/>
+            <a:off x="7116319" y="4231299"/>
             <a:ext cx="1027723" cy="885969"/>
           </a:xfrm>
           <a:prstGeom prst="hexagon">
